--- a/doc/json-schema.pptx
+++ b/doc/json-schema.pptx
@@ -5,7 +5,7 @@
     <p:sldMasterId id="2147483672" r:id="rId1"/>
   </p:sldMasterIdLst>
   <p:notesMasterIdLst>
-    <p:notesMasterId r:id="rId22"/>
+    <p:notesMasterId r:id="rId25"/>
   </p:notesMasterIdLst>
   <p:sldIdLst>
     <p:sldId id="256" r:id="rId2"/>
@@ -25,9 +25,12 @@
     <p:sldId id="274" r:id="rId16"/>
     <p:sldId id="275" r:id="rId17"/>
     <p:sldId id="277" r:id="rId18"/>
-    <p:sldId id="276" r:id="rId19"/>
-    <p:sldId id="261" r:id="rId20"/>
-    <p:sldId id="262" r:id="rId21"/>
+    <p:sldId id="261" r:id="rId19"/>
+    <p:sldId id="279" r:id="rId20"/>
+    <p:sldId id="280" r:id="rId21"/>
+    <p:sldId id="282" r:id="rId22"/>
+    <p:sldId id="262" r:id="rId23"/>
+    <p:sldId id="278" r:id="rId24"/>
   </p:sldIdLst>
   <p:sldSz cx="12192000" cy="6858000"/>
   <p:notesSz cx="6858000" cy="9144000"/>
@@ -132,10 +135,6 @@
     </p:ext>
   </p:extLst>
 </p:presentation>
-</file>
-
-<file path=ppt/revisionInfo.xml><?xml version="1.0" encoding="utf-8"?>
-<p1510:revInfo xmlns:a="http://schemas.openxmlformats.org/drawingml/2006/main" xmlns:r="http://schemas.openxmlformats.org/officeDocument/2006/relationships" xmlns:p1510="http://schemas.microsoft.com/office/powerpoint/2015/10/main"/>
 </file>
 
 <file path=ppt/notesMasters/notesMaster1.xml><?xml version="1.0" encoding="utf-8"?>
@@ -9998,7 +9997,7 @@
         </p:nvSpPr>
         <p:spPr>
           <a:xfrm>
-            <a:off x="6708059" y="4189227"/>
+            <a:off x="6708059" y="4197616"/>
             <a:ext cx="4608870" cy="1477328"/>
           </a:xfrm>
           <a:prstGeom prst="rect">
@@ -11750,7 +11749,7 @@
           <p:cNvPr id="2" name="Titel 1">
             <a:extLst>
               <a:ext uri="{FF2B5EF4-FFF2-40B4-BE49-F238E27FC236}">
-                <a16:creationId xmlns:a16="http://schemas.microsoft.com/office/drawing/2014/main" id="{E11BBFB0-8151-408B-806C-F54B59C8BFD4}"/>
+                <a16:creationId xmlns:a16="http://schemas.microsoft.com/office/drawing/2014/main" id="{DF3B03B7-F114-407E-8B4A-53AB291F988B}"/>
               </a:ext>
             </a:extLst>
           </p:cNvPr>
@@ -11758,134 +11757,147 @@
             <a:spLocks noGrp="1"/>
           </p:cNvSpPr>
           <p:nvPr>
-            <p:ph type="title"/>
+            <p:ph type="ctrTitle"/>
           </p:nvPr>
         </p:nvSpPr>
-        <p:spPr/>
+        <p:spPr>
+          <a:xfrm>
+            <a:off x="1524000" y="1122363"/>
+            <a:ext cx="9144000" cy="2387600"/>
+          </a:xfrm>
+        </p:spPr>
         <p:txBody>
           <a:bodyPr/>
           <a:lstStyle/>
           <a:p>
-            <a:endParaRPr lang="de-DE"/>
+            <a:r>
+              <a:rPr lang="de-DE" dirty="0"/>
+              <a:t>	   Fortgeschrittene Techniken</a:t>
+            </a:r>
+            <a:endParaRPr lang="de-DE" dirty="0">
+              <a:latin typeface="Oswald" panose="00000500000000000000" pitchFamily="2" charset="0"/>
+            </a:endParaRPr>
           </a:p>
         </p:txBody>
       </p:sp>
       <p:sp>
         <p:nvSpPr>
-          <p:cNvPr id="3" name="Inhaltsplatzhalter 2">
+          <p:cNvPr id="4" name="AutoShape 2" descr="data:image/jpeg;base64,/9j/4AAQSkZJRgABAQAAAQABAAD/2wCEAAkGBxAQDw8QEA8SFRUPEBUVFRcVFhUVFRceIBUWGBcYFRcYHSgiGh0lGxUVITEjJSorLi4uFx8zODMsNygtLisBCgoKBQUFDgUFDisZExkrKysrKysrKysrKysrKysrKysrKysrKysrKysrKysrKysrKysrKysrKysrKysrKysrK//AABEIAOEA4QMBIgACEQEDEQH/xAAcAAACAwEBAQEAAAAAAAAAAAAAAQYHCAUEAwL/xABMEAABAwICBgUIBQkECwEAAAABAAIDBBEFBwYSITFBURMiYXGBCBQyQpGhscEjUnKCsiQzNWJjdKLC0RVDkrMlNERTc5PD0uHw8Rf/xAAUAQEAAAAAAAAAAAAAAAAAAAAA/8QAFBEBAAAAAAAAAAAAAAAAAAAAAP/aAAwDAQACEQMRAD8AvBCaECQmhAkJrhaVaWUeGRdLVS6v1WN60jvst+ZsEHcSc4DeQO/Ys9aUZ5Vcxc2hibAzg99nyHtt6Lfeq8xPSvEKl2tNWzuP2y0f4W2HuQbA/tGDWDOmj1nGwGs25PIBelZFyzcTjWGkm5NUy5PetdoEhNCBITQgSE0IEhNCBKODTvC+ldCa6ESNcWlrnWII3j3KSLGumP6Rrv3mT8RQbApMQhmF4pWP+y4FelYlpK2WE60MskZPFjnMPtaVPtF848So7NmIqYxwkOq/weB8QUGnEKM6F6c0WKx60D9WRvpxP2Pb8nDtCk6BITQgSE0IEhNCAQhCASTX4mkDGucdzWknwF0EQzK07iwinB2OnmBETPi53JouFl3GcYqKyZ09RK573G9yd3YBwC6en+kb8RxCeocbt1iyIDcGAkNt37T4qOoBNrSdgBPcpxlnl5Li8pe4mOniNnvHpOP1WX49vBaK0f0Lw+hY1tPSxggem4azz3uO1BmfLOB4xnDSWOA86ZvB5rW6/LY2jc0DwX7QJCE0CQhNAk0Lh6T6WUWGx69VMG33NG17u5qDtpqmK/P2BriIaF728HOeG3+7ZfGDP9lwH4c7afVlHwLUF2LKWlmh2JvrqyRuH1Ra+okLXCJ5BGsbEG25aZ0bxg1tO2foJIg/0WybHEc7cl1UGJK2hmgcWTRPjcOD2lp96862ljWCU1ZGYqmBkjXC3WG0doO8FZqzVy/OEzNfES6nnJDCd7Dv1HHjsvY9iCGYZiM1NKyaCRzHsIIINvbzWpMsdOWYtTEus2eEASt58nt7DZZRUpy00gfQYnTStdZsjxFKOBa4gG/cbO+6g10hJrrgEcdqaAQhCBJoQgSEJoEozmZWugwiukYbOEJAPfsUnUJzjaTgtZbg0H3oMpIQhBrbKmgZBguHtYPzkAlceZfd5/FbwUsUNyeremwOgcd7GOjP3JHsHuaCpkgEIQgEIQgEISkeGgucQABck7ggjWYGl8WFUbp3WMjrtiZf0nW+A4rKWN4xPWzvqKiQvfIbkncOxo4AclIMztL3YpXSSBx6GIlkI4aoPpW5u3+KiCAV6ZQ5WWDK/EGbTYwwkbuT5O3kP/g8OSuXLZ9TEaxl2NcDAxw2OI3PI5X3K/AgAANg4ITQgSr/AD1ha7A6lxAvG+Et7CZWNNvAlWCqx8oKuEeEdHxqKiNo8D0n8iDNSEIQbO0VqumoaSS99eBhv4LqKP5ewGPCcPYd7aZg9ykKBITQgSE0IEhCaBKL5nUrpcHr2NFz0BIHdZSleXFIOkgmj+vG4e0FBiZC+1ZTmKWSJ2+N7mHvBIPwXxQaL8nStL8NniJ/M1TtUcg5jHfiLla6oTybKoievivsfHG4DuLwT7wr7QCEIQCEIQCq/PnSnzWg80jdaStu023iP1/aOr4qzpZA1rnOIAaCSTuAAuSVkXMTSR2I4jPOSdQO1IxyaDYe3egjKmmVmhZxWtDXginhs6YjZfkwHm74XUQpad0r2RsaS57g1oG8kmwWtsutFWYXQRQWHSOGvK7m47x3DcgklPC2NjWMaGtYAGgbAANwC/aEIBCEIBUb5Sleb0FON30kh7xZo9ziryWafKBqy/Fwy+yKnYAORJcT8vYgrNNrSSABck2AG9JdnQyidPiNDE0X1qmO/cHBzv4QUGu8Dg6Olp4/qxMHuC9yTW2AHIWTQCEIQCE0IBCEIBCEIMjZo4d5tjFdGG2Bl129usA4keJcoqrT8oiiLMUil9Wambbva51/c5qqxBZfk/SluMWvsfTSA+1hWmFl/Ih1sai7YZB8FpLF8Wp6SJ01TM2NjQSS4/Abye5B7kKsKnPHCWPLQypeAbazWM1T2i7wVMtGtLqHEWk0s7Xkb2HqvHe0/JB3E0kIK9zt0k8ywx0THWkrLxt5hvrn2EDxWX1YOd+kHnmLSRtdeOjaIm7bgu3vPfc6v3FX7WkkAAkncBtKC1sgdF/OKx9bI27KTYy+4vI+Q+K0Yo1l3o6MOw2mpyLP1A+X7bus4X42Jt3AKSoBCEIBCEIBZOzfqHPxuuv6kgYO4NH9StYrI2aR/wBNYh/x/wCVqCKqxchcOE2MseR/q0Mko5X2MH+YVXSu7ya6Q6+ITEbmxMB7y4n4BBeqEIQCEIQCEIQJNJNAkJpIKG8pZn02GnnHMPYY/wCqpZXF5SVY11XQwg9aKF7iOQe5oH+WVTqCycgYS7GQbbGU8hPtaPmrTzh0DkxOATU7ndNTtJbGT1ZBxAG4O5HwUX8m7ByG1lY4bHFsTNnIaziDxHWaPBXcgxBNE5jnMe0tc02IIsQeRC9WEYpNSTMnp5Cx8ZuCPgeY7FeGd2XolY7EqRnXYLzsaPSH1wOY481QSDWuW+mceLUgk2Nmjs2VnI8x2FdbS/GG0VDU1J/uonEDmbbAFljQDSmTC66KoaTqE6srfrMJ2+I3jtCtbP7SZj6Gjp4Xhzau0xtxaPRI8UFE1E7pHvkebukcXOPMk3J9pU6yW0d89xSNzm3jpfpX94PVHtUBWl8htH/NsM84cOvWO1/uj0UFmJIQgaSEIBCEIGso5yUZixusv/eubIO4tA+RWrVQnlHYIWzUtc1uyRvRPPaLuZ7tZBTC0J5ODPyKrdznA9jf/Kz2r08m3Ehq11MbXBZI3md4d7Or7UF3oSQgaEk0CTQhAkJqvs59J6rDaKCaleGufUhhuL7Ojkd8WhBYC5mkOPU1BA6epkaxrRsBO1x5NHErNdRm5jL2kechtxa7WgEdyiWK4vU1T9epnfK7m8koPdpnpC/Eq6arfs1zZjfqtGxo+feSuZhtDJUTRwxNLnyuDWgb9q84F9g4rRGS2XZo2Cvq2Wnkb9GwjbG08T+sfcgn2hej7cOoKakabmJnXd9Z5Jc892sTbssu2mkgT2ggggEEWIWYM49Cf7NrOlhb+T1RJZbcx29zPmOy/JahXG0s0fixGjlpZRseOqeLXD0XD/3igxqvvPVySNja97nCJuqwE31Re9h2XK9GO4TLR1M1NMLPheWnt5Ed4XgQdHRzCnVlZT0rb3nla3ZvAv1iO5oJ8FsuhpWwxRxMFmxsDQO4WVA+TtgPS1lRWuHVpmBjNmzWdvseYaP41NtNM34cOrhStg6ZsY+mc1wBaeDWjcTzuQgs5CobDs8JpMSiMkTWUj7MLd7hf1y7v4K+I3hwDmm4cAQRuIO4oGhCCUH5keGgucQA0XJOwAcyV46LGKaaN0sVRG9jL6zmuBDe/kqMznzIM73YfRv+iYbTPafTP1AeQ49qqemr5Y2yMjle1sos8AkBw7Qg2nRVcc8bJYnteyQXa5puCOxcfTnRxmJUE9K7Y57bxu+q8bWHuuBfsJUXyKwqqp8LHnBIZNIZIWHe1ptt7A43dbtvxVjoMR11HJBK+GZhY+Nxa5p3gjeF1tCtJZMMrYqqPaG9WRv1mG2s33AjtAV4Zx5cefNNbSN/KGDrtH94By/WCzo9haS0ggtJBB3g8QUGxdGNLKPEYmyU0zSSLlhID29hbvXcWIIZnsN2Pc082kg+5dqLTPE2Cza6cD7SDYiFCcna+WowiGWeR0j3PfdzjcnaFNkAhNCBKpfKQ/RtL++t/wAqVW0uBplolTYrDHBUmQNjkEg1CGm+q5u24Oyzigx4haRkyLwsjqyVAPa9p/lUB01yYqqON09I/wA4jbcuba0rRzDfWAHLb2IIboHjsNBXw1M8DZmMO0EXLd3XaPrBa1wfFIauCOogeHxyNuCPgeRWKiFY2TmnRw+qFPM8+bVDgDfdG47nDs5oNNoQDfihAIQhBUefeh3T04xCFn0lOLSgDa5nM89U7e4lZ5W354mva5jwC14IIO4g7CCs1V2Xr4dIoqENPQyyiWN2z83fWPsPVKC5cosB8xwmnaRZ895pO0uAt/A1iqHygMD6DEm1LW2bVx3Nh6zdjiTzNx7FpCNgaA0CwaAAOQG5V5npgXnWEvlaLvo3CUfZGx/8JJ8EGYVpnIzSjzzDxTyOvLR2Zt3lnqnw3exZmUsyw0m/s3EoJnOtFIejm5artmsfsmzvBBrZU1nXmN0LX4bRv+kcLTvafQB9QEcSN67+bOYjMOp+hp3B1TOzq229G0j03fILM00rnuc97i5ziSSdpJO0klB+FaGTGgPn0wrKln5PC7qg7pHDh3BRXL7RGXFaxsDQRGzrTP4MbfnzO4Dv5FaxwnDoqWCOnhYGsiaGtA7Pmg9YFgABuQhefEa6OnhlnldqshY57zyAFz8EHF040vgwqmM8pu47I4wes8/07VlDSHGJK2qmqpGtDpnaxDQABwG7sG9dLTrSuXFKx9Q+4Ze0TPqN4Dv5rh0VJJPIyKJhe+Rwa1o3klB8EK/tEcjoGsZJiMjnvIBMbDZjewu9b3KZMyswUf7Aw97pP+5B48jv0LB9t/xCny8WDYRT0cIgpoxHG0khoJI2795K9qATSQgaEk0AkQhCDLedWjzaLFXmNto6pglaALAEkh4HiL/eUCBV0+Us0dLhp4mOf4xf1VKoNT5M6RmuwqIPdeWlPQvPE29A/wCAt28wVO1nzyccS1K2qpiTaaEPA4XYbHx649i0GgaSEIBeeWgidLHO5gMkTXNa7iA61x7l6EIBfKrpmyxvieLtkaWuHMEWIX1QgxbpBhT6OrqKV4N4JXsuRbWAcQHDsIAPiuerf8ojAejq4a1o2VDdV/2mjZ7rKoEH2qqqSV2vI9znWtdxuexfbCMNlqp4qeFpc+Vwa0D4nsA2rxrSGSOgraOnFdOGmepYCzj0bDtAB5nefAcEEv0C0TiwqjZAwAvdZ0r+Lnf0CkiSEDVQ+UPpCYqSGhY6xqnaz/sNINvF2r7CrdWYM9cQ6bGZW61xBGyO3AHaT+IIK8Vv+TrgjZaupq3tJ82jDGXGzWedpHaA0j7yqBaF8nEDzGq59OPwoLeQkhA0JIQNCSEAmhCBITQgoHylJgamgZfa2GQnxcy34SqaVi581olxqRoN+ggjjPYes+3seFXSCxMh32xqPthkH4f6LTyzFkK2+NM7IJD+FaeQJCaECQmhAl+JpWsa573BrWgkk7AAN5JX0VDZ5Zga5dhlK/qj/WHNO/8AZg8uaCJZr6enFajUiuKaBxEYOwv4a57+A5KBIX0bA8sLw06rSAXW2Am9gT4FB81o/IPSjzqifRyOvJRkat+MZ9H2EEd1lnBSbLnSI4diVPPfqE9HJ2tcQDfuNj4INeIX5ikDmtc03DgCDzB2hftAlkfNI3xrED+3/latcrJGazbY3iI/bfyNQRNXx5NdWDHXw8Wujf7dYfJUOrW8nWvLMTmh4TUzj4tc23uLkGjEJoQJCaEAhCECTSTQJJ7gASeAumuZpRWCChq5XGwZA83PDZb5oMlaaV5qcSrZj69Q8DuB1W+5oXFTJvtPFJBank70hdiksvCKmcPFzm2/CVo5Uj5NdB1a+oO5zo4x4AuP4wruQCEIQCELkaV4/Dh9JLVTHYwdUcXO4NHaSgiWcOngw2m6CBw85qGnVtvjbuL+/eAsxvcSSSbkm5J3ldDSLGpq6qlqpzd8rr24NHBo7AFzUH3oaSSeWOGJpc+Rwa0DiStP4DltTRYM/DpWguqWa0r+PSbC0g/qkC3ceaiWQ2g+owYnUM60gtA0jc3/AHm3nw7NvFXSgxfpDg8tFVTU0zbOicR3jgR3rmrRee2hfnVP5/Ay8tM36QAbXs4nvbv7rrOiDTuR+lHnuHdC915aMhjr7y031D7iPBWKsr5M44+kxeANDnNqrwva0FxsdodYciAb8BdaoQCy/ntThmNSkD85FG/23HyWoVn7ykaINq6KYN/OQvaTb6rhYE/eKCnVJ8s8R82xeglJIHTBht+uCzb2XcFGF9qKoMUscrd8T2vHeCCPgg24hfDD5hJDE8evG0+4L7oBNCSBoQhAkJoQJRDNuS2C1/bFb3qYKFZxRl2C1luDQfegyihCEGmcgKER4M2TjUzyvPgej/6aslRfK+mbFguGtaAAaZr9nN93u97ipQgEIQgCVmLOfTQ4hWmCJ30FI4tbye7c5/t2DuV4Zr4pLSYNWTQ7H6rWA8td7WEjuDislkoEpnlZoccUrmseD0ENnynmODb9qiEELpHtYwEue4NaBvJJsAPFazy00TbhdBHFYdLIA+Z3NxG6/IbkEpijaxrWtADWgAAbAANgAX6TQg/Lmgggi4IsVmHN/QR2G1RnhZ+S1Bu226N3Fh5DiPZwWoF8K2jimYY5o2SMdva9oc0+BQU/5Pui0bYX4i9sglcXRs1tjNXYSWjjfmeSuZfmGJrGhrGhrWiwDQAB3AL9oEqm8oyiL8Op5gPzNSNY8g5rh8dVW0oBnmwHAqsn1Xwkf86MfNBltCEINkaEziTDaJ4Ox1Ow+5dpcLQOl6HC6CL6lOwe5d5AkJoQJCaECQhNAlyNLsLFXQVdOb/SwuGzfuuPguuhBiCaJzHOY4WcxxaRyINiF+FZ2d+hZo6w1kLD0FUS51hsY/1geQdv77qsUGmcjdKI6rDY6Vzh01ENQt3EsudRwHEWsO9pVkrFOE4pPSTNnp5XRyM3Ob8DzHYVcWjufLg1rK6l1juMkRt4lp49yC9EKv8AA83cNq6iGmjE2vO8Mbdmy55lWAghGdMD34FWhjS4jonEDfYTMc4+ABKyotwSxhzS1wBDgQQdxHEFVx/+J4UZpJXdMQ95cI9fVY2/qt1QDbxQQbILQ7p5nYjMz6OA6sII9J9trh2NBHiexaCXlwrDYaWFkFPGGRxizWjcNt/ivUgEIQgEIQgEIVO41nk2nnngFCSYZHMvrixsSL2sguJUdn7ppE+MYZA8OOuHTkbQ221rL872PgorpLnJidW10cZZTsdcHogdcjtc65HhZVy9xJJJJJNyTtJ70CXQ0ew11XV01M0EmaVrTbfYnrHwbc+C56vrIfQV8N8SqWWc9mrA1w2gH0nkcCRYDsvzQXHSQCONkY3MaGjwFl9UIQCEIQCE0IEmkmgSEIQeXFcNhqoZIJ2B8cjbOB+XIrN2YGU9Vh5dNT609Pc7Wj6Rg5PaN/ePYFpxIi6DDqFrHSbLPDK8l8kAjkO98XUJ+1beq7xbIJ4N6WtBHKVtj4aqCucsf01hv70z4rXaoPRXKTEqLE6God0T44Z2ueWuAIA42O9X4gEIQgEIQgEITQJCE0CWNtMf0jXfvMn4itkqlq7I59RVVE8ta1omme8BjSSASSAb8UFDL0UFDLUSCOCJ8j3bmsaXHlw4bd60Rg2R2GxWM8ks5BvtOo3us3eFYGC4BSUTNSlp44x+q0AnvKCpcuMmtQx1WJ7xZzacWsD+1dx7h7VdbWgAAAAAWAG4L9JIBCaSAQhNAkJoQCEIQCSEIGkhCAQhCBpIQgEIQgEIQgEIQgEIQgEIQgEJoQJNCECQhCAQhCAQhCD/2Q==">
             <a:extLst>
               <a:ext uri="{FF2B5EF4-FFF2-40B4-BE49-F238E27FC236}">
-                <a16:creationId xmlns:a16="http://schemas.microsoft.com/office/drawing/2014/main" id="{56A397E8-6F34-4118-8DE7-270B2E9019F8}"/>
+                <a16:creationId xmlns:a16="http://schemas.microsoft.com/office/drawing/2014/main" id="{0E4AD3FC-AF13-4788-BED0-ECDCF903BB5F}"/>
               </a:ext>
             </a:extLst>
           </p:cNvPr>
           <p:cNvSpPr>
-            <a:spLocks noGrp="1"/>
+            <a:spLocks noChangeAspect="1" noChangeArrowheads="1"/>
           </p:cNvSpPr>
-          <p:nvPr>
-            <p:ph idx="1"/>
-          </p:nvPr>
+          <p:nvPr/>
         </p:nvSpPr>
-        <p:spPr/>
+        <p:spPr bwMode="auto">
+          <a:xfrm>
+            <a:off x="5943600" y="3276600"/>
+            <a:ext cx="304800" cy="304800"/>
+          </a:xfrm>
+          <a:prstGeom prst="rect">
+            <a:avLst/>
+          </a:prstGeom>
+          <a:noFill/>
+          <a:extLst>
+            <a:ext uri="{909E8E84-426E-40DD-AFC4-6F175D3DCCD1}">
+              <a14:hiddenFill xmlns:a14="http://schemas.microsoft.com/office/drawing/2010/main">
+                <a:solidFill>
+                  <a:srgbClr val="FFFFFF"/>
+                </a:solidFill>
+              </a14:hiddenFill>
+            </a:ext>
+          </a:extLst>
+        </p:spPr>
         <p:txBody>
-          <a:bodyPr/>
+          <a:bodyPr vert="horz" wrap="square" lIns="91440" tIns="45720" rIns="91440" bIns="45720" numCol="1" anchor="t" anchorCtr="0" compatLnSpc="1">
+            <a:prstTxWarp prst="textNoShape">
+              <a:avLst/>
+            </a:prstTxWarp>
+          </a:bodyPr>
           <a:lstStyle/>
           <a:p>
             <a:endParaRPr lang="de-DE"/>
           </a:p>
         </p:txBody>
       </p:sp>
-      <p:sp>
-        <p:nvSpPr>
-          <p:cNvPr id="4" name="Datumsplatzhalter 3">
+      <p:pic>
+        <p:nvPicPr>
+          <p:cNvPr id="7" name="Grafik 6">
             <a:extLst>
               <a:ext uri="{FF2B5EF4-FFF2-40B4-BE49-F238E27FC236}">
-                <a16:creationId xmlns:a16="http://schemas.microsoft.com/office/drawing/2014/main" id="{293DC3EF-66D3-4704-A7C2-54B2EB8CA11D}"/>
+                <a16:creationId xmlns:a16="http://schemas.microsoft.com/office/drawing/2014/main" id="{D0C40BA8-2CDF-4A61-82C2-F6994039EAA1}"/>
               </a:ext>
             </a:extLst>
           </p:cNvPr>
-          <p:cNvSpPr>
-            <a:spLocks noGrp="1"/>
-          </p:cNvSpPr>
-          <p:nvPr>
-            <p:ph type="dt" sz="half" idx="10"/>
-          </p:nvPr>
-        </p:nvSpPr>
-        <p:spPr/>
-        <p:txBody>
-          <a:bodyPr/>
-          <a:lstStyle/>
-          <a:p>
-            <a:fld id="{CFFA1D88-5C5F-47BF-8575-62828799C3D3}" type="datetime1">
-              <a:rPr lang="de-DE" smtClean="0"/>
-              <a:t>09.12.2017</a:t>
-            </a:fld>
-            <a:endParaRPr lang="de-DE" dirty="0"/>
-          </a:p>
-        </p:txBody>
-      </p:sp>
-      <p:sp>
-        <p:nvSpPr>
-          <p:cNvPr id="5" name="Fußzeilenplatzhalter 4">
+          <p:cNvPicPr>
+            <a:picLocks noChangeAspect="1"/>
+          </p:cNvPicPr>
+          <p:nvPr/>
+        </p:nvPicPr>
+        <p:blipFill>
+          <a:blip r:embed="rId2"/>
+          <a:stretch>
+            <a:fillRect/>
+          </a:stretch>
+        </p:blipFill>
+        <p:spPr>
+          <a:xfrm>
+            <a:off x="1693858" y="2404062"/>
+            <a:ext cx="1108064" cy="1108064"/>
+          </a:xfrm>
+          <a:prstGeom prst="rect">
+            <a:avLst/>
+          </a:prstGeom>
+        </p:spPr>
+      </p:pic>
+      <p:pic>
+        <p:nvPicPr>
+          <p:cNvPr id="5" name="Grafik 4">
             <a:extLst>
               <a:ext uri="{FF2B5EF4-FFF2-40B4-BE49-F238E27FC236}">
-                <a16:creationId xmlns:a16="http://schemas.microsoft.com/office/drawing/2014/main" id="{FE28D44C-FB15-47CF-882D-7231675C2763}"/>
+                <a16:creationId xmlns:a16="http://schemas.microsoft.com/office/drawing/2014/main" id="{CF4EAAB9-B3E6-4EEB-8A44-605EE4E29BD8}"/>
               </a:ext>
             </a:extLst>
           </p:cNvPr>
-          <p:cNvSpPr>
-            <a:spLocks noGrp="1"/>
-          </p:cNvSpPr>
-          <p:nvPr>
-            <p:ph type="ftr" sz="quarter" idx="11"/>
-          </p:nvPr>
-        </p:nvSpPr>
-        <p:spPr/>
-        <p:txBody>
-          <a:bodyPr/>
-          <a:lstStyle/>
-          <a:p>
-            <a:r>
-              <a:rPr lang="de-DE"/>
-              <a:t>Daniel Flasch</a:t>
-            </a:r>
-            <a:endParaRPr lang="de-DE" dirty="0"/>
-          </a:p>
-        </p:txBody>
-      </p:sp>
-      <p:sp>
-        <p:nvSpPr>
-          <p:cNvPr id="6" name="Foliennummernplatzhalter 5">
-            <a:extLst>
-              <a:ext uri="{FF2B5EF4-FFF2-40B4-BE49-F238E27FC236}">
-                <a16:creationId xmlns:a16="http://schemas.microsoft.com/office/drawing/2014/main" id="{2206B12A-F929-4E7D-A37C-B65233741500}"/>
-              </a:ext>
-            </a:extLst>
-          </p:cNvPr>
-          <p:cNvSpPr>
-            <a:spLocks noGrp="1"/>
-          </p:cNvSpPr>
-          <p:nvPr>
-            <p:ph type="sldNum" sz="quarter" idx="12"/>
-          </p:nvPr>
-        </p:nvSpPr>
-        <p:spPr/>
-        <p:txBody>
-          <a:bodyPr/>
-          <a:lstStyle/>
-          <a:p>
-            <a:fld id="{4DEAFF03-B2A3-4F10-AFBA-713F9B73CAA7}" type="slidenum">
-              <a:rPr lang="de-DE" smtClean="0"/>
-              <a:t>17</a:t>
-            </a:fld>
-            <a:endParaRPr lang="de-DE"/>
-          </a:p>
-        </p:txBody>
-      </p:sp>
+          <p:cNvPicPr>
+            <a:picLocks noChangeAspect="1"/>
+          </p:cNvPicPr>
+          <p:nvPr/>
+        </p:nvPicPr>
+        <p:blipFill>
+          <a:blip r:embed="rId3">
+            <a:extLst>
+              <a:ext uri="{28A0092B-C50C-407E-A947-70E740481C1C}">
+                <a14:useLocalDpi xmlns:a14="http://schemas.microsoft.com/office/drawing/2010/main" val="0"/>
+              </a:ext>
+              <a:ext uri="{96DAC541-7B7A-43D3-8B79-37D633B846F1}">
+                <asvg:svgBlip xmlns:asvg="http://schemas.microsoft.com/office/drawing/2016/SVG/main" r:embed="rId4"/>
+              </a:ext>
+            </a:extLst>
+          </a:blip>
+          <a:stretch>
+            <a:fillRect/>
+          </a:stretch>
+        </p:blipFill>
+        <p:spPr>
+          <a:xfrm>
+            <a:off x="5250809" y="4160939"/>
+            <a:ext cx="1800000" cy="1800000"/>
+          </a:xfrm>
+          <a:prstGeom prst="rect">
+            <a:avLst/>
+          </a:prstGeom>
+        </p:spPr>
+      </p:pic>
     </p:spTree>
     <p:extLst>
       <p:ext uri="{BB962C8B-B14F-4D97-AF65-F5344CB8AC3E}">
-        <p14:creationId xmlns:p14="http://schemas.microsoft.com/office/powerpoint/2010/main" val="2072289910"/>
+        <p14:creationId xmlns:p14="http://schemas.microsoft.com/office/powerpoint/2010/main" val="3469164074"/>
       </p:ext>
     </p:extLst>
   </p:cSld>
@@ -11917,7 +11929,7 @@
           <p:cNvPr id="2" name="Titel 1">
             <a:extLst>
               <a:ext uri="{FF2B5EF4-FFF2-40B4-BE49-F238E27FC236}">
-                <a16:creationId xmlns:a16="http://schemas.microsoft.com/office/drawing/2014/main" id="{DF3B03B7-F114-407E-8B4A-53AB291F988B}"/>
+                <a16:creationId xmlns:a16="http://schemas.microsoft.com/office/drawing/2014/main" id="{263B568C-3395-4B3C-80D7-E8AF938BCCCC}"/>
               </a:ext>
             </a:extLst>
           </p:cNvPr>
@@ -11925,13 +11937,41 @@
             <a:spLocks noGrp="1"/>
           </p:cNvSpPr>
           <p:nvPr>
-            <p:ph type="ctrTitle"/>
+            <p:ph type="title"/>
+          </p:nvPr>
+        </p:nvSpPr>
+        <p:spPr/>
+        <p:txBody>
+          <a:bodyPr/>
+          <a:lstStyle/>
+          <a:p>
+            <a:r>
+              <a:rPr lang="de-DE" dirty="0"/>
+              <a:t>Komplexe Wertebereiche</a:t>
+            </a:r>
+          </a:p>
+        </p:txBody>
+      </p:sp>
+      <p:sp>
+        <p:nvSpPr>
+          <p:cNvPr id="3" name="Inhaltsplatzhalter 2">
+            <a:extLst>
+              <a:ext uri="{FF2B5EF4-FFF2-40B4-BE49-F238E27FC236}">
+                <a16:creationId xmlns:a16="http://schemas.microsoft.com/office/drawing/2014/main" id="{CBF494EF-36B2-44DD-92ED-0034DFBAA22F}"/>
+              </a:ext>
+            </a:extLst>
+          </p:cNvPr>
+          <p:cNvSpPr>
+            <a:spLocks noGrp="1"/>
+          </p:cNvSpPr>
+          <p:nvPr>
+            <p:ph idx="1"/>
           </p:nvPr>
         </p:nvSpPr>
         <p:spPr>
           <a:xfrm>
-            <a:off x="1524000" y="1122363"/>
-            <a:ext cx="9144000" cy="2387600"/>
+            <a:off x="838200" y="1825625"/>
+            <a:ext cx="10515600" cy="4351338"/>
           </a:xfrm>
         </p:spPr>
         <p:txBody>
@@ -11939,94 +11979,1048 @@
           <a:lstStyle/>
           <a:p>
             <a:r>
+              <a:rPr lang="de-DE" dirty="0" err="1"/>
+              <a:t>allOf</a:t>
+            </a:r>
+            <a:r>
               <a:rPr lang="de-DE" dirty="0"/>
-              <a:t>	   Fortgeschrittene Techniken</a:t>
-            </a:r>
-            <a:endParaRPr lang="de-DE" dirty="0">
-              <a:latin typeface="Oswald" panose="00000500000000000000" pitchFamily="2" charset="0"/>
-            </a:endParaRPr>
+              <a:t>/</a:t>
+            </a:r>
+            <a:r>
+              <a:rPr lang="de-DE" dirty="0" err="1"/>
+              <a:t>anyOf</a:t>
+            </a:r>
+            <a:r>
+              <a:rPr lang="de-DE" dirty="0"/>
+              <a:t>/</a:t>
+            </a:r>
+            <a:r>
+              <a:rPr lang="de-DE" dirty="0" err="1"/>
+              <a:t>oneOf</a:t>
+            </a:r>
+            <a:r>
+              <a:rPr lang="de-DE" dirty="0"/>
+              <a:t>/not</a:t>
+            </a:r>
           </a:p>
         </p:txBody>
       </p:sp>
       <p:sp>
         <p:nvSpPr>
-          <p:cNvPr id="4" name="AutoShape 2" descr="data:image/jpeg;base64,/9j/4AAQSkZJRgABAQAAAQABAAD/2wCEAAkGBxAQDw8QEA8SFRUPEBUVFRcVFhUVFRceIBUWGBcYFRcYHSgiGh0lGxUVITEjJSorLi4uFx8zODMsNygtLisBCgoKBQUFDgUFDisZExkrKysrKysrKysrKysrKysrKysrKysrKysrKysrKysrKysrKysrKysrKysrKysrKysrK//AABEIAOEA4QMBIgACEQEDEQH/xAAcAAACAwEBAQEAAAAAAAAAAAAAAQYHCAUEAwL/xABMEAABAwICBgUIBQkECwEAAAABAAIDBBEFBwYSITFBURMiYXGBCBQyQpGhscEjUnKCsiQzNWJjdKLC0RVDkrMlNERTc5PD0uHw8Rf/xAAUAQEAAAAAAAAAAAAAAAAAAAAA/8QAFBEBAAAAAAAAAAAAAAAAAAAAAP/aAAwDAQACEQMRAD8AvBCaECQmhAkJrhaVaWUeGRdLVS6v1WN60jvst+ZsEHcSc4DeQO/Ys9aUZ5Vcxc2hibAzg99nyHtt6Lfeq8xPSvEKl2tNWzuP2y0f4W2HuQbA/tGDWDOmj1nGwGs25PIBelZFyzcTjWGkm5NUy5PetdoEhNCBITQgSE0IEhNCBKODTvC+ldCa6ESNcWlrnWII3j3KSLGumP6Rrv3mT8RQbApMQhmF4pWP+y4FelYlpK2WE60MskZPFjnMPtaVPtF848So7NmIqYxwkOq/weB8QUGnEKM6F6c0WKx60D9WRvpxP2Pb8nDtCk6BITQgSE0IEhNCAQhCASTX4mkDGucdzWknwF0EQzK07iwinB2OnmBETPi53JouFl3GcYqKyZ09RK573G9yd3YBwC6en+kb8RxCeocbt1iyIDcGAkNt37T4qOoBNrSdgBPcpxlnl5Li8pe4mOniNnvHpOP1WX49vBaK0f0Lw+hY1tPSxggem4azz3uO1BmfLOB4xnDSWOA86ZvB5rW6/LY2jc0DwX7QJCE0CQhNAk0Lh6T6WUWGx69VMG33NG17u5qDtpqmK/P2BriIaF728HOeG3+7ZfGDP9lwH4c7afVlHwLUF2LKWlmh2JvrqyRuH1Ra+okLXCJ5BGsbEG25aZ0bxg1tO2foJIg/0WybHEc7cl1UGJK2hmgcWTRPjcOD2lp96862ljWCU1ZGYqmBkjXC3WG0doO8FZqzVy/OEzNfES6nnJDCd7Dv1HHjsvY9iCGYZiM1NKyaCRzHsIIINvbzWpMsdOWYtTEus2eEASt58nt7DZZRUpy00gfQYnTStdZsjxFKOBa4gG/cbO+6g10hJrrgEcdqaAQhCBJoQgSEJoEozmZWugwiukYbOEJAPfsUnUJzjaTgtZbg0H3oMpIQhBrbKmgZBguHtYPzkAlceZfd5/FbwUsUNyeremwOgcd7GOjP3JHsHuaCpkgEIQgEIQgEISkeGgucQABck7ggjWYGl8WFUbp3WMjrtiZf0nW+A4rKWN4xPWzvqKiQvfIbkncOxo4AclIMztL3YpXSSBx6GIlkI4aoPpW5u3+KiCAV6ZQ5WWDK/EGbTYwwkbuT5O3kP/g8OSuXLZ9TEaxl2NcDAxw2OI3PI5X3K/AgAANg4ITQgSr/AD1ha7A6lxAvG+Et7CZWNNvAlWCqx8oKuEeEdHxqKiNo8D0n8iDNSEIQbO0VqumoaSS99eBhv4LqKP5ewGPCcPYd7aZg9ykKBITQgSE0IEhCaBKL5nUrpcHr2NFz0BIHdZSleXFIOkgmj+vG4e0FBiZC+1ZTmKWSJ2+N7mHvBIPwXxQaL8nStL8NniJ/M1TtUcg5jHfiLla6oTybKoievivsfHG4DuLwT7wr7QCEIQCEIQCq/PnSnzWg80jdaStu023iP1/aOr4qzpZA1rnOIAaCSTuAAuSVkXMTSR2I4jPOSdQO1IxyaDYe3egjKmmVmhZxWtDXginhs6YjZfkwHm74XUQpad0r2RsaS57g1oG8kmwWtsutFWYXQRQWHSOGvK7m47x3DcgklPC2NjWMaGtYAGgbAANwC/aEIBCEIBUb5Sleb0FON30kh7xZo9ziryWafKBqy/Fwy+yKnYAORJcT8vYgrNNrSSABck2AG9JdnQyidPiNDE0X1qmO/cHBzv4QUGu8Dg6Olp4/qxMHuC9yTW2AHIWTQCEIQCE0IBCEIBCEIMjZo4d5tjFdGG2Bl129usA4keJcoqrT8oiiLMUil9Wambbva51/c5qqxBZfk/SluMWvsfTSA+1hWmFl/Ih1sai7YZB8FpLF8Wp6SJ01TM2NjQSS4/Abye5B7kKsKnPHCWPLQypeAbazWM1T2i7wVMtGtLqHEWk0s7Xkb2HqvHe0/JB3E0kIK9zt0k8ywx0THWkrLxt5hvrn2EDxWX1YOd+kHnmLSRtdeOjaIm7bgu3vPfc6v3FX7WkkAAkncBtKC1sgdF/OKx9bI27KTYy+4vI+Q+K0Yo1l3o6MOw2mpyLP1A+X7bus4X42Jt3AKSoBCEIBCEIBZOzfqHPxuuv6kgYO4NH9StYrI2aR/wBNYh/x/wCVqCKqxchcOE2MseR/q0Mko5X2MH+YVXSu7ya6Q6+ITEbmxMB7y4n4BBeqEIQCEIQCEIQJNJNAkJpIKG8pZn02GnnHMPYY/wCqpZXF5SVY11XQwg9aKF7iOQe5oH+WVTqCycgYS7GQbbGU8hPtaPmrTzh0DkxOATU7ndNTtJbGT1ZBxAG4O5HwUX8m7ByG1lY4bHFsTNnIaziDxHWaPBXcgxBNE5jnMe0tc02IIsQeRC9WEYpNSTMnp5Cx8ZuCPgeY7FeGd2XolY7EqRnXYLzsaPSH1wOY481QSDWuW+mceLUgk2Nmjs2VnI8x2FdbS/GG0VDU1J/uonEDmbbAFljQDSmTC66KoaTqE6srfrMJ2+I3jtCtbP7SZj6Gjp4Xhzau0xtxaPRI8UFE1E7pHvkebukcXOPMk3J9pU6yW0d89xSNzm3jpfpX94PVHtUBWl8htH/NsM84cOvWO1/uj0UFmJIQgaSEIBCEIGso5yUZixusv/eubIO4tA+RWrVQnlHYIWzUtc1uyRvRPPaLuZ7tZBTC0J5ODPyKrdznA9jf/Kz2r08m3Ehq11MbXBZI3md4d7Or7UF3oSQgaEk0CTQhAkJqvs59J6rDaKCaleGufUhhuL7Ojkd8WhBYC5mkOPU1BA6epkaxrRsBO1x5NHErNdRm5jL2kechtxa7WgEdyiWK4vU1T9epnfK7m8koPdpnpC/Eq6arfs1zZjfqtGxo+feSuZhtDJUTRwxNLnyuDWgb9q84F9g4rRGS2XZo2Cvq2Wnkb9GwjbG08T+sfcgn2hej7cOoKakabmJnXd9Z5Jc892sTbssu2mkgT2ggggEEWIWYM49Cf7NrOlhb+T1RJZbcx29zPmOy/JahXG0s0fixGjlpZRseOqeLXD0XD/3igxqvvPVySNja97nCJuqwE31Re9h2XK9GO4TLR1M1NMLPheWnt5Ed4XgQdHRzCnVlZT0rb3nla3ZvAv1iO5oJ8FsuhpWwxRxMFmxsDQO4WVA+TtgPS1lRWuHVpmBjNmzWdvseYaP41NtNM34cOrhStg6ZsY+mc1wBaeDWjcTzuQgs5CobDs8JpMSiMkTWUj7MLd7hf1y7v4K+I3hwDmm4cAQRuIO4oGhCCUH5keGgucQA0XJOwAcyV46LGKaaN0sVRG9jL6zmuBDe/kqMznzIM73YfRv+iYbTPafTP1AeQ49qqemr5Y2yMjle1sos8AkBw7Qg2nRVcc8bJYnteyQXa5puCOxcfTnRxmJUE9K7Y57bxu+q8bWHuuBfsJUXyKwqqp8LHnBIZNIZIWHe1ptt7A43dbtvxVjoMR11HJBK+GZhY+Nxa5p3gjeF1tCtJZMMrYqqPaG9WRv1mG2s33AjtAV4Zx5cefNNbSN/KGDrtH94By/WCzo9haS0ggtJBB3g8QUGxdGNLKPEYmyU0zSSLlhID29hbvXcWIIZnsN2Pc082kg+5dqLTPE2Cza6cD7SDYiFCcna+WowiGWeR0j3PfdzjcnaFNkAhNCBKpfKQ/RtL++t/wAqVW0uBplolTYrDHBUmQNjkEg1CGm+q5u24Oyzigx4haRkyLwsjqyVAPa9p/lUB01yYqqON09I/wA4jbcuba0rRzDfWAHLb2IIboHjsNBXw1M8DZmMO0EXLd3XaPrBa1wfFIauCOogeHxyNuCPgeRWKiFY2TmnRw+qFPM8+bVDgDfdG47nDs5oNNoQDfihAIQhBUefeh3T04xCFn0lOLSgDa5nM89U7e4lZ5W354mva5jwC14IIO4g7CCs1V2Xr4dIoqENPQyyiWN2z83fWPsPVKC5cosB8xwmnaRZ895pO0uAt/A1iqHygMD6DEm1LW2bVx3Nh6zdjiTzNx7FpCNgaA0CwaAAOQG5V5npgXnWEvlaLvo3CUfZGx/8JJ8EGYVpnIzSjzzDxTyOvLR2Zt3lnqnw3exZmUsyw0m/s3EoJnOtFIejm5artmsfsmzvBBrZU1nXmN0LX4bRv+kcLTvafQB9QEcSN67+bOYjMOp+hp3B1TOzq229G0j03fILM00rnuc97i5ziSSdpJO0klB+FaGTGgPn0wrKln5PC7qg7pHDh3BRXL7RGXFaxsDQRGzrTP4MbfnzO4Dv5FaxwnDoqWCOnhYGsiaGtA7Pmg9YFgABuQhefEa6OnhlnldqshY57zyAFz8EHF040vgwqmM8pu47I4wes8/07VlDSHGJK2qmqpGtDpnaxDQABwG7sG9dLTrSuXFKx9Q+4Ze0TPqN4Dv5rh0VJJPIyKJhe+Rwa1o3klB8EK/tEcjoGsZJiMjnvIBMbDZjewu9b3KZMyswUf7Aw97pP+5B48jv0LB9t/xCny8WDYRT0cIgpoxHG0khoJI2795K9qATSQgaEk0AkQhCDLedWjzaLFXmNto6pglaALAEkh4HiL/eUCBV0+Us0dLhp4mOf4xf1VKoNT5M6RmuwqIPdeWlPQvPE29A/wCAt28wVO1nzyccS1K2qpiTaaEPA4XYbHx649i0GgaSEIBeeWgidLHO5gMkTXNa7iA61x7l6EIBfKrpmyxvieLtkaWuHMEWIX1QgxbpBhT6OrqKV4N4JXsuRbWAcQHDsIAPiuerf8ojAejq4a1o2VDdV/2mjZ7rKoEH2qqqSV2vI9znWtdxuexfbCMNlqp4qeFpc+Vwa0D4nsA2rxrSGSOgraOnFdOGmepYCzj0bDtAB5nefAcEEv0C0TiwqjZAwAvdZ0r+Lnf0CkiSEDVQ+UPpCYqSGhY6xqnaz/sNINvF2r7CrdWYM9cQ6bGZW61xBGyO3AHaT+IIK8Vv+TrgjZaupq3tJ82jDGXGzWedpHaA0j7yqBaF8nEDzGq59OPwoLeQkhA0JIQNCSEAmhCBITQgoHylJgamgZfa2GQnxcy34SqaVi581olxqRoN+ggjjPYes+3seFXSCxMh32xqPthkH4f6LTyzFkK2+NM7IJD+FaeQJCaECQmhAl+JpWsa573BrWgkk7AAN5JX0VDZ5Zga5dhlK/qj/WHNO/8AZg8uaCJZr6enFajUiuKaBxEYOwv4a57+A5KBIX0bA8sLw06rSAXW2Am9gT4FB81o/IPSjzqifRyOvJRkat+MZ9H2EEd1lnBSbLnSI4diVPPfqE9HJ2tcQDfuNj4INeIX5ikDmtc03DgCDzB2hftAlkfNI3xrED+3/latcrJGazbY3iI/bfyNQRNXx5NdWDHXw8Wujf7dYfJUOrW8nWvLMTmh4TUzj4tc23uLkGjEJoQJCaEAhCECTSTQJJ7gASeAumuZpRWCChq5XGwZA83PDZb5oMlaaV5qcSrZj69Q8DuB1W+5oXFTJvtPFJBank70hdiksvCKmcPFzm2/CVo5Uj5NdB1a+oO5zo4x4AuP4wruQCEIQCELkaV4/Dh9JLVTHYwdUcXO4NHaSgiWcOngw2m6CBw85qGnVtvjbuL+/eAsxvcSSSbkm5J3ldDSLGpq6qlqpzd8rr24NHBo7AFzUH3oaSSeWOGJpc+Rwa0DiStP4DltTRYM/DpWguqWa0r+PSbC0g/qkC3ceaiWQ2g+owYnUM60gtA0jc3/AHm3nw7NvFXSgxfpDg8tFVTU0zbOicR3jgR3rmrRee2hfnVP5/Ay8tM36QAbXs4nvbv7rrOiDTuR+lHnuHdC915aMhjr7y031D7iPBWKsr5M44+kxeANDnNqrwva0FxsdodYciAb8BdaoQCy/ntThmNSkD85FG/23HyWoVn7ykaINq6KYN/OQvaTb6rhYE/eKCnVJ8s8R82xeglJIHTBht+uCzb2XcFGF9qKoMUscrd8T2vHeCCPgg24hfDD5hJDE8evG0+4L7oBNCSBoQhAkJoQJRDNuS2C1/bFb3qYKFZxRl2C1luDQfegyihCEGmcgKER4M2TjUzyvPgej/6aslRfK+mbFguGtaAAaZr9nN93u97ipQgEIQgCVmLOfTQ4hWmCJ30FI4tbye7c5/t2DuV4Zr4pLSYNWTQ7H6rWA8td7WEjuDislkoEpnlZoccUrmseD0ENnynmODb9qiEELpHtYwEue4NaBvJJsAPFazy00TbhdBHFYdLIA+Z3NxG6/IbkEpijaxrWtADWgAAbAANgAX6TQg/Lmgggi4IsVmHN/QR2G1RnhZ+S1Bu226N3Fh5DiPZwWoF8K2jimYY5o2SMdva9oc0+BQU/5Pui0bYX4i9sglcXRs1tjNXYSWjjfmeSuZfmGJrGhrGhrWiwDQAB3AL9oEqm8oyiL8Op5gPzNSNY8g5rh8dVW0oBnmwHAqsn1Xwkf86MfNBltCEINkaEziTDaJ4Ox1Ow+5dpcLQOl6HC6CL6lOwe5d5AkJoQJCaECQhNAlyNLsLFXQVdOb/SwuGzfuuPguuhBiCaJzHOY4WcxxaRyINiF+FZ2d+hZo6w1kLD0FUS51hsY/1geQdv77qsUGmcjdKI6rDY6Vzh01ENQt3EsudRwHEWsO9pVkrFOE4pPSTNnp5XRyM3Ob8DzHYVcWjufLg1rK6l1juMkRt4lp49yC9EKv8AA83cNq6iGmjE2vO8Mbdmy55lWAghGdMD34FWhjS4jonEDfYTMc4+ABKyotwSxhzS1wBDgQQdxHEFVx/+J4UZpJXdMQ95cI9fVY2/qt1QDbxQQbILQ7p5nYjMz6OA6sII9J9trh2NBHiexaCXlwrDYaWFkFPGGRxizWjcNt/ivUgEIQgEIQgEIVO41nk2nnngFCSYZHMvrixsSL2sguJUdn7ppE+MYZA8OOuHTkbQ221rL872PgorpLnJidW10cZZTsdcHogdcjtc65HhZVy9xJJJJJNyTtJ70CXQ0ew11XV01M0EmaVrTbfYnrHwbc+C56vrIfQV8N8SqWWc9mrA1w2gH0nkcCRYDsvzQXHSQCONkY3MaGjwFl9UIQCEIQCE0IEmkmgSEIQeXFcNhqoZIJ2B8cjbOB+XIrN2YGU9Vh5dNT609Pc7Wj6Rg5PaN/ePYFpxIi6DDqFrHSbLPDK8l8kAjkO98XUJ+1beq7xbIJ4N6WtBHKVtj4aqCucsf01hv70z4rXaoPRXKTEqLE6God0T44Z2ueWuAIA42O9X4gEIQgEIQgEITQJCE0CWNtMf0jXfvMn4itkqlq7I59RVVE8ta1omme8BjSSASSAb8UFDL0UFDLUSCOCJ8j3bmsaXHlw4bd60Rg2R2GxWM8ks5BvtOo3us3eFYGC4BSUTNSlp44x+q0AnvKCpcuMmtQx1WJ7xZzacWsD+1dx7h7VdbWgAAAAAWAG4L9JIBCaSAQhNAkJoQCEIQCSEIGkhCAQhCBpIQgEIQgEIQgEIQgEIQgEIQgEJoQJNCECQhCAQhCAQhCD/2Q==">
+          <p:cNvPr id="4" name="Datumsplatzhalter 3">
             <a:extLst>
               <a:ext uri="{FF2B5EF4-FFF2-40B4-BE49-F238E27FC236}">
-                <a16:creationId xmlns:a16="http://schemas.microsoft.com/office/drawing/2014/main" id="{0E4AD3FC-AF13-4788-BED0-ECDCF903BB5F}"/>
+                <a16:creationId xmlns:a16="http://schemas.microsoft.com/office/drawing/2014/main" id="{25837733-F8B3-4C3E-A803-5F05F95FB3DC}"/>
               </a:ext>
             </a:extLst>
           </p:cNvPr>
           <p:cNvSpPr>
-            <a:spLocks noChangeAspect="1" noChangeArrowheads="1"/>
+            <a:spLocks noGrp="1"/>
           </p:cNvSpPr>
+          <p:nvPr>
+            <p:ph type="dt" sz="half" idx="10"/>
+          </p:nvPr>
+        </p:nvSpPr>
+        <p:spPr/>
+        <p:txBody>
+          <a:bodyPr/>
+          <a:lstStyle/>
+          <a:p>
+            <a:fld id="{CFFA1D88-5C5F-47BF-8575-62828799C3D3}" type="datetime1">
+              <a:rPr lang="de-DE" smtClean="0"/>
+              <a:t>09.12.2017</a:t>
+            </a:fld>
+            <a:endParaRPr lang="de-DE" dirty="0"/>
+          </a:p>
+        </p:txBody>
+      </p:sp>
+      <p:sp>
+        <p:nvSpPr>
+          <p:cNvPr id="5" name="Fußzeilenplatzhalter 4">
+            <a:extLst>
+              <a:ext uri="{FF2B5EF4-FFF2-40B4-BE49-F238E27FC236}">
+                <a16:creationId xmlns:a16="http://schemas.microsoft.com/office/drawing/2014/main" id="{37F17228-D4D8-4BBB-A244-7340EF0FE22B}"/>
+              </a:ext>
+            </a:extLst>
+          </p:cNvPr>
+          <p:cNvSpPr>
+            <a:spLocks noGrp="1"/>
+          </p:cNvSpPr>
+          <p:nvPr>
+            <p:ph type="ftr" sz="quarter" idx="11"/>
+          </p:nvPr>
+        </p:nvSpPr>
+        <p:spPr/>
+        <p:txBody>
+          <a:bodyPr/>
+          <a:lstStyle/>
+          <a:p>
+            <a:r>
+              <a:rPr lang="de-DE"/>
+              <a:t>Daniel Flasch</a:t>
+            </a:r>
+            <a:endParaRPr lang="de-DE" dirty="0"/>
+          </a:p>
+        </p:txBody>
+      </p:sp>
+      <p:sp>
+        <p:nvSpPr>
+          <p:cNvPr id="6" name="Foliennummernplatzhalter 5">
+            <a:extLst>
+              <a:ext uri="{FF2B5EF4-FFF2-40B4-BE49-F238E27FC236}">
+                <a16:creationId xmlns:a16="http://schemas.microsoft.com/office/drawing/2014/main" id="{0A3B9615-9A42-4020-ABBE-BFFD4333625F}"/>
+              </a:ext>
+            </a:extLst>
+          </p:cNvPr>
+          <p:cNvSpPr>
+            <a:spLocks noGrp="1"/>
+          </p:cNvSpPr>
+          <p:nvPr>
+            <p:ph type="sldNum" sz="quarter" idx="12"/>
+          </p:nvPr>
+        </p:nvSpPr>
+        <p:spPr/>
+        <p:txBody>
+          <a:bodyPr/>
+          <a:lstStyle/>
+          <a:p>
+            <a:fld id="{4DEAFF03-B2A3-4F10-AFBA-713F9B73CAA7}" type="slidenum">
+              <a:rPr lang="de-DE" smtClean="0"/>
+              <a:t>18</a:t>
+            </a:fld>
+            <a:endParaRPr lang="de-DE"/>
+          </a:p>
+        </p:txBody>
+      </p:sp>
+      <p:sp>
+        <p:nvSpPr>
+          <p:cNvPr id="9" name="Rechteck 8">
+            <a:extLst>
+              <a:ext uri="{FF2B5EF4-FFF2-40B4-BE49-F238E27FC236}">
+                <a16:creationId xmlns:a16="http://schemas.microsoft.com/office/drawing/2014/main" id="{D53069BA-2455-49E1-8360-B8F571081120}"/>
+              </a:ext>
+            </a:extLst>
+          </p:cNvPr>
+          <p:cNvSpPr/>
           <p:nvPr/>
         </p:nvSpPr>
-        <p:spPr bwMode="auto">
+        <p:spPr>
           <a:xfrm>
-            <a:off x="5943600" y="3276600"/>
-            <a:ext cx="304800" cy="304800"/>
+            <a:off x="6708059" y="2950084"/>
+            <a:ext cx="4608870" cy="369332"/>
           </a:xfrm>
           <a:prstGeom prst="rect">
             <a:avLst/>
           </a:prstGeom>
-          <a:noFill/>
-          <a:extLst>
-            <a:ext uri="{909E8E84-426E-40DD-AFC4-6F175D3DCCD1}">
-              <a14:hiddenFill xmlns:a14="http://schemas.microsoft.com/office/drawing/2010/main">
-                <a:solidFill>
-                  <a:srgbClr val="FFFFFF"/>
-                </a:solidFill>
-              </a14:hiddenFill>
-            </a:ext>
-          </a:extLst>
+          <a:solidFill>
+            <a:srgbClr val="FFCCCC"/>
+          </a:solidFill>
+          <a:ln>
+            <a:noFill/>
+          </a:ln>
         </p:spPr>
         <p:txBody>
-          <a:bodyPr vert="horz" wrap="square" lIns="91440" tIns="45720" rIns="91440" bIns="45720" numCol="1" anchor="t" anchorCtr="0" compatLnSpc="1">
-            <a:prstTxWarp prst="textNoShape">
-              <a:avLst/>
-            </a:prstTxWarp>
+          <a:bodyPr wrap="square">
+            <a:spAutoFit/>
           </a:bodyPr>
           <a:lstStyle/>
           <a:p>
-            <a:endParaRPr lang="de-DE"/>
+            <a:r>
+              <a:rPr lang="de-DE" dirty="0">
+                <a:solidFill>
+                  <a:srgbClr val="464646"/>
+                </a:solidFill>
+                <a:latin typeface="Source Code Pro" panose="020B0509030403020204" pitchFamily="49" charset="0"/>
+              </a:rPr>
+              <a:t>"</a:t>
+            </a:r>
+            <a:r>
+              <a:rPr lang="de-DE" dirty="0" err="1">
+                <a:solidFill>
+                  <a:srgbClr val="464646"/>
+                </a:solidFill>
+                <a:latin typeface="Source Code Pro" panose="020B0509030403020204" pitchFamily="49" charset="0"/>
+              </a:rPr>
+              <a:t>string</a:t>
+            </a:r>
+            <a:r>
+              <a:rPr lang="de-DE" dirty="0">
+                <a:solidFill>
+                  <a:srgbClr val="464646"/>
+                </a:solidFill>
+                <a:latin typeface="Source Code Pro" panose="020B0509030403020204" pitchFamily="49" charset="0"/>
+              </a:rPr>
+              <a:t> </a:t>
+            </a:r>
+            <a:r>
+              <a:rPr lang="de-DE" dirty="0" err="1">
+                <a:solidFill>
+                  <a:srgbClr val="464646"/>
+                </a:solidFill>
+                <a:latin typeface="Source Code Pro" panose="020B0509030403020204" pitchFamily="49" charset="0"/>
+              </a:rPr>
+              <a:t>to</a:t>
+            </a:r>
+            <a:r>
+              <a:rPr lang="de-DE" dirty="0">
+                <a:solidFill>
+                  <a:srgbClr val="464646"/>
+                </a:solidFill>
+                <a:latin typeface="Source Code Pro" panose="020B0509030403020204" pitchFamily="49" charset="0"/>
+              </a:rPr>
+              <a:t> </a:t>
+            </a:r>
+            <a:r>
+              <a:rPr lang="de-DE" dirty="0" err="1">
+                <a:solidFill>
+                  <a:srgbClr val="464646"/>
+                </a:solidFill>
+                <a:latin typeface="Source Code Pro" panose="020B0509030403020204" pitchFamily="49" charset="0"/>
+              </a:rPr>
+              <a:t>long</a:t>
+            </a:r>
+            <a:r>
+              <a:rPr lang="de-DE" dirty="0">
+                <a:solidFill>
+                  <a:srgbClr val="464646"/>
+                </a:solidFill>
+                <a:latin typeface="Source Code Pro" panose="020B0509030403020204" pitchFamily="49" charset="0"/>
+              </a:rPr>
+              <a:t>"</a:t>
+            </a:r>
+            <a:endParaRPr lang="de-DE" dirty="0"/>
           </a:p>
         </p:txBody>
       </p:sp>
-      <p:pic>
-        <p:nvPicPr>
-          <p:cNvPr id="7" name="Grafik 6">
+      <p:sp>
+        <p:nvSpPr>
+          <p:cNvPr id="10" name="Rechteck 9">
             <a:extLst>
               <a:ext uri="{FF2B5EF4-FFF2-40B4-BE49-F238E27FC236}">
-                <a16:creationId xmlns:a16="http://schemas.microsoft.com/office/drawing/2014/main" id="{D0C40BA8-2CDF-4A61-82C2-F6994039EAA1}"/>
+                <a16:creationId xmlns:a16="http://schemas.microsoft.com/office/drawing/2014/main" id="{D25901EF-A678-4817-B6A5-9EDBC02FD598}"/>
               </a:ext>
             </a:extLst>
           </p:cNvPr>
-          <p:cNvPicPr>
-            <a:picLocks noChangeAspect="1"/>
-          </p:cNvPicPr>
+          <p:cNvSpPr/>
           <p:nvPr/>
-        </p:nvPicPr>
-        <p:blipFill>
-          <a:blip r:embed="rId2"/>
-          <a:stretch>
-            <a:fillRect/>
-          </a:stretch>
-        </p:blipFill>
+        </p:nvSpPr>
         <p:spPr>
           <a:xfrm>
-            <a:off x="1693858" y="2404062"/>
-            <a:ext cx="1108064" cy="1108064"/>
+            <a:off x="6708059" y="3356720"/>
+            <a:ext cx="4608870" cy="369332"/>
           </a:xfrm>
           <a:prstGeom prst="rect">
             <a:avLst/>
           </a:prstGeom>
+          <a:solidFill>
+            <a:schemeClr val="accent6">
+              <a:lumMod val="40000"/>
+              <a:lumOff val="60000"/>
+            </a:schemeClr>
+          </a:solidFill>
+          <a:ln>
+            <a:noFill/>
+          </a:ln>
         </p:spPr>
-      </p:pic>
+        <p:txBody>
+          <a:bodyPr wrap="square">
+            <a:spAutoFit/>
+          </a:bodyPr>
+          <a:lstStyle/>
+          <a:p>
+            <a:r>
+              <a:rPr lang="de-DE" dirty="0">
+                <a:solidFill>
+                  <a:srgbClr val="464646"/>
+                </a:solidFill>
+                <a:latin typeface="Source Code Pro" panose="020B0509030403020204" pitchFamily="49" charset="0"/>
+              </a:rPr>
+              <a:t>"</a:t>
+            </a:r>
+            <a:r>
+              <a:rPr lang="de-DE" dirty="0" err="1">
+                <a:solidFill>
+                  <a:srgbClr val="464646"/>
+                </a:solidFill>
+                <a:latin typeface="Source Code Pro" panose="020B0509030403020204" pitchFamily="49" charset="0"/>
+              </a:rPr>
+              <a:t>short</a:t>
+            </a:r>
+            <a:r>
+              <a:rPr lang="de-DE" dirty="0">
+                <a:solidFill>
+                  <a:srgbClr val="464646"/>
+                </a:solidFill>
+                <a:latin typeface="Source Code Pro" panose="020B0509030403020204" pitchFamily="49" charset="0"/>
+              </a:rPr>
+              <a:t>"</a:t>
+            </a:r>
+            <a:endParaRPr lang="de-DE" dirty="0"/>
+          </a:p>
+        </p:txBody>
+      </p:sp>
+      <p:sp>
+        <p:nvSpPr>
+          <p:cNvPr id="11" name="Rechteck 10">
+            <a:extLst>
+              <a:ext uri="{FF2B5EF4-FFF2-40B4-BE49-F238E27FC236}">
+                <a16:creationId xmlns:a16="http://schemas.microsoft.com/office/drawing/2014/main" id="{8BE748DD-764D-4290-B161-3B1DE4AFDC90}"/>
+              </a:ext>
+            </a:extLst>
+          </p:cNvPr>
+          <p:cNvSpPr/>
+          <p:nvPr/>
+        </p:nvSpPr>
+        <p:spPr>
+          <a:xfrm>
+            <a:off x="6708059" y="4658583"/>
+            <a:ext cx="4608870" cy="369332"/>
+          </a:xfrm>
+          <a:prstGeom prst="rect">
+            <a:avLst/>
+          </a:prstGeom>
+          <a:solidFill>
+            <a:schemeClr val="accent6">
+              <a:lumMod val="40000"/>
+              <a:lumOff val="60000"/>
+            </a:schemeClr>
+          </a:solidFill>
+          <a:ln>
+            <a:noFill/>
+          </a:ln>
+        </p:spPr>
+        <p:txBody>
+          <a:bodyPr wrap="square">
+            <a:spAutoFit/>
+          </a:bodyPr>
+          <a:lstStyle/>
+          <a:p>
+            <a:r>
+              <a:rPr lang="de-DE" dirty="0">
+                <a:solidFill>
+                  <a:srgbClr val="464646"/>
+                </a:solidFill>
+                <a:latin typeface="Source Code Pro" panose="020B0509030403020204" pitchFamily="49" charset="0"/>
+              </a:rPr>
+              <a:t>10</a:t>
+            </a:r>
+            <a:endParaRPr lang="de-DE" dirty="0">
+              <a:solidFill>
+                <a:srgbClr val="000000"/>
+              </a:solidFill>
+              <a:latin typeface="Source Code Pro" panose="020B0509030403020204" pitchFamily="49" charset="0"/>
+            </a:endParaRPr>
+          </a:p>
+        </p:txBody>
+      </p:sp>
+      <p:sp>
+        <p:nvSpPr>
+          <p:cNvPr id="8" name="Rechteck 7">
+            <a:extLst>
+              <a:ext uri="{FF2B5EF4-FFF2-40B4-BE49-F238E27FC236}">
+                <a16:creationId xmlns:a16="http://schemas.microsoft.com/office/drawing/2014/main" id="{FDBC455F-97D8-492C-9BE7-7A73D166F5DA}"/>
+              </a:ext>
+            </a:extLst>
+          </p:cNvPr>
+          <p:cNvSpPr/>
+          <p:nvPr/>
+        </p:nvSpPr>
+        <p:spPr>
+          <a:xfrm>
+            <a:off x="875071" y="2551837"/>
+            <a:ext cx="4608870" cy="1754326"/>
+          </a:xfrm>
+          <a:prstGeom prst="rect">
+            <a:avLst/>
+          </a:prstGeom>
+          <a:solidFill>
+            <a:schemeClr val="bg1">
+              <a:lumMod val="95000"/>
+            </a:schemeClr>
+          </a:solidFill>
+          <a:ln>
+            <a:solidFill>
+              <a:schemeClr val="bg1">
+                <a:lumMod val="85000"/>
+              </a:schemeClr>
+            </a:solidFill>
+          </a:ln>
+        </p:spPr>
+        <p:txBody>
+          <a:bodyPr wrap="square">
+            <a:spAutoFit/>
+          </a:bodyPr>
+          <a:lstStyle/>
+          <a:p>
+            <a:r>
+              <a:rPr lang="de-DE" b="1" dirty="0">
+                <a:solidFill>
+                  <a:srgbClr val="4472C4"/>
+                </a:solidFill>
+                <a:latin typeface="Source Code Pro" panose="020B0509030403020204" pitchFamily="49" charset="0"/>
+              </a:rPr>
+              <a:t>{</a:t>
+            </a:r>
+            <a:endParaRPr lang="de-DE" dirty="0">
+              <a:solidFill>
+                <a:srgbClr val="000000"/>
+              </a:solidFill>
+              <a:latin typeface="Source Code Pro" panose="020B0509030403020204" pitchFamily="49" charset="0"/>
+            </a:endParaRPr>
+          </a:p>
+          <a:p>
+            <a:r>
+              <a:rPr lang="de-DE" dirty="0">
+                <a:solidFill>
+                  <a:srgbClr val="000000"/>
+                </a:solidFill>
+                <a:latin typeface="Source Code Pro" panose="020B0509030403020204" pitchFamily="49" charset="0"/>
+              </a:rPr>
+              <a:t>  </a:t>
+            </a:r>
+            <a:r>
+              <a:rPr lang="de-DE" dirty="0">
+                <a:solidFill>
+                  <a:srgbClr val="464646"/>
+                </a:solidFill>
+                <a:latin typeface="Source Code Pro" panose="020B0509030403020204" pitchFamily="49" charset="0"/>
+              </a:rPr>
+              <a:t>"</a:t>
+            </a:r>
+            <a:r>
+              <a:rPr lang="de-DE" dirty="0" err="1">
+                <a:solidFill>
+                  <a:srgbClr val="464646"/>
+                </a:solidFill>
+                <a:latin typeface="Source Code Pro" panose="020B0509030403020204" pitchFamily="49" charset="0"/>
+              </a:rPr>
+              <a:t>allOf</a:t>
+            </a:r>
+            <a:r>
+              <a:rPr lang="de-DE" dirty="0">
+                <a:solidFill>
+                  <a:srgbClr val="464646"/>
+                </a:solidFill>
+                <a:latin typeface="Source Code Pro" panose="020B0509030403020204" pitchFamily="49" charset="0"/>
+              </a:rPr>
+              <a:t>"</a:t>
+            </a:r>
+            <a:r>
+              <a:rPr lang="de-DE" b="1" dirty="0">
+                <a:solidFill>
+                  <a:srgbClr val="4472C4"/>
+                </a:solidFill>
+                <a:latin typeface="Source Code Pro" panose="020B0509030403020204" pitchFamily="49" charset="0"/>
+              </a:rPr>
+              <a:t>:</a:t>
+            </a:r>
+            <a:r>
+              <a:rPr lang="de-DE" dirty="0">
+                <a:solidFill>
+                  <a:srgbClr val="000000"/>
+                </a:solidFill>
+                <a:latin typeface="Source Code Pro" panose="020B0509030403020204" pitchFamily="49" charset="0"/>
+              </a:rPr>
+              <a:t> </a:t>
+            </a:r>
+            <a:r>
+              <a:rPr lang="de-DE" b="1" dirty="0">
+                <a:solidFill>
+                  <a:srgbClr val="4472C4"/>
+                </a:solidFill>
+                <a:latin typeface="Source Code Pro" panose="020B0509030403020204" pitchFamily="49" charset="0"/>
+              </a:rPr>
+              <a:t>[</a:t>
+            </a:r>
+            <a:endParaRPr lang="de-DE" dirty="0">
+              <a:solidFill>
+                <a:srgbClr val="000000"/>
+              </a:solidFill>
+              <a:latin typeface="Source Code Pro" panose="020B0509030403020204" pitchFamily="49" charset="0"/>
+            </a:endParaRPr>
+          </a:p>
+          <a:p>
+            <a:r>
+              <a:rPr lang="de-DE" dirty="0">
+                <a:solidFill>
+                  <a:srgbClr val="000000"/>
+                </a:solidFill>
+                <a:latin typeface="Source Code Pro" panose="020B0509030403020204" pitchFamily="49" charset="0"/>
+              </a:rPr>
+              <a:t>    </a:t>
+            </a:r>
+            <a:r>
+              <a:rPr lang="de-DE" b="1" dirty="0">
+                <a:solidFill>
+                  <a:srgbClr val="4472C4"/>
+                </a:solidFill>
+                <a:latin typeface="Source Code Pro" panose="020B0509030403020204" pitchFamily="49" charset="0"/>
+              </a:rPr>
+              <a:t>{</a:t>
+            </a:r>
+            <a:r>
+              <a:rPr lang="de-DE" dirty="0">
+                <a:solidFill>
+                  <a:srgbClr val="000000"/>
+                </a:solidFill>
+                <a:latin typeface="Source Code Pro" panose="020B0509030403020204" pitchFamily="49" charset="0"/>
+              </a:rPr>
+              <a:t> </a:t>
+            </a:r>
+            <a:r>
+              <a:rPr lang="de-DE" dirty="0">
+                <a:solidFill>
+                  <a:srgbClr val="464646"/>
+                </a:solidFill>
+                <a:latin typeface="Source Code Pro" panose="020B0509030403020204" pitchFamily="49" charset="0"/>
+              </a:rPr>
+              <a:t>"type"</a:t>
+            </a:r>
+            <a:r>
+              <a:rPr lang="de-DE" b="1" dirty="0">
+                <a:solidFill>
+                  <a:srgbClr val="4472C4"/>
+                </a:solidFill>
+                <a:latin typeface="Source Code Pro" panose="020B0509030403020204" pitchFamily="49" charset="0"/>
+              </a:rPr>
+              <a:t>:</a:t>
+            </a:r>
+            <a:r>
+              <a:rPr lang="de-DE" dirty="0">
+                <a:solidFill>
+                  <a:srgbClr val="000000"/>
+                </a:solidFill>
+                <a:latin typeface="Source Code Pro" panose="020B0509030403020204" pitchFamily="49" charset="0"/>
+              </a:rPr>
+              <a:t> </a:t>
+            </a:r>
+            <a:r>
+              <a:rPr lang="de-DE" dirty="0">
+                <a:solidFill>
+                  <a:srgbClr val="464646"/>
+                </a:solidFill>
+                <a:latin typeface="Source Code Pro" panose="020B0509030403020204" pitchFamily="49" charset="0"/>
+              </a:rPr>
+              <a:t>"</a:t>
+            </a:r>
+            <a:r>
+              <a:rPr lang="de-DE" dirty="0" err="1">
+                <a:solidFill>
+                  <a:srgbClr val="464646"/>
+                </a:solidFill>
+                <a:latin typeface="Source Code Pro" panose="020B0509030403020204" pitchFamily="49" charset="0"/>
+              </a:rPr>
+              <a:t>string</a:t>
+            </a:r>
+            <a:r>
+              <a:rPr lang="de-DE" dirty="0">
+                <a:solidFill>
+                  <a:srgbClr val="464646"/>
+                </a:solidFill>
+                <a:latin typeface="Source Code Pro" panose="020B0509030403020204" pitchFamily="49" charset="0"/>
+              </a:rPr>
+              <a:t>"</a:t>
+            </a:r>
+            <a:r>
+              <a:rPr lang="de-DE" dirty="0">
+                <a:solidFill>
+                  <a:srgbClr val="000000"/>
+                </a:solidFill>
+                <a:latin typeface="Source Code Pro" panose="020B0509030403020204" pitchFamily="49" charset="0"/>
+              </a:rPr>
+              <a:t> </a:t>
+            </a:r>
+            <a:r>
+              <a:rPr lang="de-DE" b="1" dirty="0">
+                <a:solidFill>
+                  <a:srgbClr val="4472C4"/>
+                </a:solidFill>
+                <a:latin typeface="Source Code Pro" panose="020B0509030403020204" pitchFamily="49" charset="0"/>
+              </a:rPr>
+              <a:t>},</a:t>
+            </a:r>
+            <a:endParaRPr lang="de-DE" dirty="0">
+              <a:solidFill>
+                <a:srgbClr val="000000"/>
+              </a:solidFill>
+              <a:latin typeface="Source Code Pro" panose="020B0509030403020204" pitchFamily="49" charset="0"/>
+            </a:endParaRPr>
+          </a:p>
+          <a:p>
+            <a:r>
+              <a:rPr lang="de-DE" dirty="0">
+                <a:solidFill>
+                  <a:srgbClr val="000000"/>
+                </a:solidFill>
+                <a:latin typeface="Source Code Pro" panose="020B0509030403020204" pitchFamily="49" charset="0"/>
+              </a:rPr>
+              <a:t>    </a:t>
+            </a:r>
+            <a:r>
+              <a:rPr lang="de-DE" b="1" dirty="0">
+                <a:solidFill>
+                  <a:srgbClr val="4472C4"/>
+                </a:solidFill>
+                <a:latin typeface="Source Code Pro" panose="020B0509030403020204" pitchFamily="49" charset="0"/>
+              </a:rPr>
+              <a:t>{</a:t>
+            </a:r>
+            <a:r>
+              <a:rPr lang="de-DE" dirty="0">
+                <a:solidFill>
+                  <a:srgbClr val="000000"/>
+                </a:solidFill>
+                <a:latin typeface="Source Code Pro" panose="020B0509030403020204" pitchFamily="49" charset="0"/>
+              </a:rPr>
+              <a:t> </a:t>
+            </a:r>
+            <a:r>
+              <a:rPr lang="de-DE" dirty="0">
+                <a:solidFill>
+                  <a:srgbClr val="464646"/>
+                </a:solidFill>
+                <a:latin typeface="Source Code Pro" panose="020B0509030403020204" pitchFamily="49" charset="0"/>
+              </a:rPr>
+              <a:t>"</a:t>
+            </a:r>
+            <a:r>
+              <a:rPr lang="de-DE" dirty="0" err="1">
+                <a:solidFill>
+                  <a:srgbClr val="464646"/>
+                </a:solidFill>
+                <a:latin typeface="Source Code Pro" panose="020B0509030403020204" pitchFamily="49" charset="0"/>
+              </a:rPr>
+              <a:t>maxLength</a:t>
+            </a:r>
+            <a:r>
+              <a:rPr lang="de-DE" dirty="0">
+                <a:solidFill>
+                  <a:srgbClr val="464646"/>
+                </a:solidFill>
+                <a:latin typeface="Source Code Pro" panose="020B0509030403020204" pitchFamily="49" charset="0"/>
+              </a:rPr>
+              <a:t>"</a:t>
+            </a:r>
+            <a:r>
+              <a:rPr lang="de-DE" b="1" dirty="0">
+                <a:solidFill>
+                  <a:srgbClr val="4472C4"/>
+                </a:solidFill>
+                <a:latin typeface="Source Code Pro" panose="020B0509030403020204" pitchFamily="49" charset="0"/>
+              </a:rPr>
+              <a:t>:</a:t>
+            </a:r>
+            <a:r>
+              <a:rPr lang="de-DE" dirty="0">
+                <a:solidFill>
+                  <a:srgbClr val="000000"/>
+                </a:solidFill>
+                <a:latin typeface="Source Code Pro" panose="020B0509030403020204" pitchFamily="49" charset="0"/>
+              </a:rPr>
+              <a:t> </a:t>
+            </a:r>
+            <a:r>
+              <a:rPr lang="de-DE" dirty="0">
+                <a:solidFill>
+                  <a:srgbClr val="FF8000"/>
+                </a:solidFill>
+                <a:latin typeface="Source Code Pro" panose="020B0509030403020204" pitchFamily="49" charset="0"/>
+              </a:rPr>
+              <a:t>5</a:t>
+            </a:r>
+            <a:r>
+              <a:rPr lang="de-DE" dirty="0">
+                <a:solidFill>
+                  <a:srgbClr val="000000"/>
+                </a:solidFill>
+                <a:latin typeface="Source Code Pro" panose="020B0509030403020204" pitchFamily="49" charset="0"/>
+              </a:rPr>
+              <a:t> </a:t>
+            </a:r>
+            <a:r>
+              <a:rPr lang="de-DE" b="1" dirty="0">
+                <a:solidFill>
+                  <a:srgbClr val="4472C4"/>
+                </a:solidFill>
+                <a:latin typeface="Source Code Pro" panose="020B0509030403020204" pitchFamily="49" charset="0"/>
+              </a:rPr>
+              <a:t>}</a:t>
+            </a:r>
+            <a:endParaRPr lang="de-DE" dirty="0">
+              <a:solidFill>
+                <a:srgbClr val="000000"/>
+              </a:solidFill>
+              <a:latin typeface="Source Code Pro" panose="020B0509030403020204" pitchFamily="49" charset="0"/>
+            </a:endParaRPr>
+          </a:p>
+          <a:p>
+            <a:r>
+              <a:rPr lang="de-DE" dirty="0">
+                <a:solidFill>
+                  <a:srgbClr val="000000"/>
+                </a:solidFill>
+                <a:latin typeface="Source Code Pro" panose="020B0509030403020204" pitchFamily="49" charset="0"/>
+              </a:rPr>
+              <a:t>  </a:t>
+            </a:r>
+            <a:r>
+              <a:rPr lang="de-DE" b="1" dirty="0">
+                <a:solidFill>
+                  <a:srgbClr val="4472C4"/>
+                </a:solidFill>
+                <a:latin typeface="Source Code Pro" panose="020B0509030403020204" pitchFamily="49" charset="0"/>
+              </a:rPr>
+              <a:t>]</a:t>
+            </a:r>
+            <a:endParaRPr lang="de-DE" dirty="0">
+              <a:solidFill>
+                <a:srgbClr val="000000"/>
+              </a:solidFill>
+              <a:latin typeface="Source Code Pro" panose="020B0509030403020204" pitchFamily="49" charset="0"/>
+            </a:endParaRPr>
+          </a:p>
+          <a:p>
+            <a:r>
+              <a:rPr lang="de-DE" b="1" dirty="0">
+                <a:solidFill>
+                  <a:srgbClr val="4472C4"/>
+                </a:solidFill>
+                <a:latin typeface="Source Code Pro" panose="020B0509030403020204" pitchFamily="49" charset="0"/>
+              </a:rPr>
+              <a:t>}</a:t>
+            </a:r>
+            <a:endParaRPr lang="de-DE" dirty="0"/>
+          </a:p>
+        </p:txBody>
+      </p:sp>
+      <p:sp>
+        <p:nvSpPr>
+          <p:cNvPr id="12" name="Rechteck 11">
+            <a:extLst>
+              <a:ext uri="{FF2B5EF4-FFF2-40B4-BE49-F238E27FC236}">
+                <a16:creationId xmlns:a16="http://schemas.microsoft.com/office/drawing/2014/main" id="{5DFFB1FB-9005-4832-B42F-5123B9869C4A}"/>
+              </a:ext>
+            </a:extLst>
+          </p:cNvPr>
+          <p:cNvSpPr/>
+          <p:nvPr/>
+        </p:nvSpPr>
+        <p:spPr>
+          <a:xfrm>
+            <a:off x="818963" y="4663043"/>
+            <a:ext cx="4664978" cy="369332"/>
+          </a:xfrm>
+          <a:prstGeom prst="rect">
+            <a:avLst/>
+          </a:prstGeom>
+          <a:solidFill>
+            <a:schemeClr val="bg1">
+              <a:lumMod val="95000"/>
+            </a:schemeClr>
+          </a:solidFill>
+          <a:ln>
+            <a:solidFill>
+              <a:schemeClr val="bg1">
+                <a:lumMod val="85000"/>
+              </a:schemeClr>
+            </a:solidFill>
+          </a:ln>
+        </p:spPr>
+        <p:txBody>
+          <a:bodyPr wrap="square">
+            <a:spAutoFit/>
+          </a:bodyPr>
+          <a:lstStyle/>
+          <a:p>
+            <a:r>
+              <a:rPr lang="de-DE" b="1" dirty="0">
+                <a:solidFill>
+                  <a:srgbClr val="4472C4"/>
+                </a:solidFill>
+                <a:latin typeface="Source Code Pro" panose="020B0509030403020204" pitchFamily="49" charset="0"/>
+              </a:rPr>
+              <a:t>{</a:t>
+            </a:r>
+            <a:r>
+              <a:rPr lang="de-DE" dirty="0">
+                <a:solidFill>
+                  <a:srgbClr val="000000"/>
+                </a:solidFill>
+                <a:latin typeface="Source Code Pro" panose="020B0509030403020204" pitchFamily="49" charset="0"/>
+              </a:rPr>
+              <a:t> </a:t>
+            </a:r>
+            <a:r>
+              <a:rPr lang="de-DE" dirty="0">
+                <a:solidFill>
+                  <a:srgbClr val="464646"/>
+                </a:solidFill>
+                <a:latin typeface="Source Code Pro" panose="020B0509030403020204" pitchFamily="49" charset="0"/>
+              </a:rPr>
+              <a:t>"not"</a:t>
+            </a:r>
+            <a:r>
+              <a:rPr lang="de-DE" b="1" dirty="0">
+                <a:solidFill>
+                  <a:srgbClr val="4472C4"/>
+                </a:solidFill>
+                <a:latin typeface="Source Code Pro" panose="020B0509030403020204" pitchFamily="49" charset="0"/>
+              </a:rPr>
+              <a:t>:</a:t>
+            </a:r>
+            <a:r>
+              <a:rPr lang="de-DE" dirty="0">
+                <a:solidFill>
+                  <a:srgbClr val="000000"/>
+                </a:solidFill>
+                <a:latin typeface="Source Code Pro" panose="020B0509030403020204" pitchFamily="49" charset="0"/>
+              </a:rPr>
+              <a:t> </a:t>
+            </a:r>
+            <a:r>
+              <a:rPr lang="de-DE" b="1" dirty="0">
+                <a:solidFill>
+                  <a:srgbClr val="4472C4"/>
+                </a:solidFill>
+                <a:latin typeface="Source Code Pro" panose="020B0509030403020204" pitchFamily="49" charset="0"/>
+              </a:rPr>
+              <a:t>{</a:t>
+            </a:r>
+            <a:r>
+              <a:rPr lang="de-DE" dirty="0">
+                <a:solidFill>
+                  <a:srgbClr val="000000"/>
+                </a:solidFill>
+                <a:latin typeface="Source Code Pro" panose="020B0509030403020204" pitchFamily="49" charset="0"/>
+              </a:rPr>
+              <a:t> </a:t>
+            </a:r>
+            <a:r>
+              <a:rPr lang="de-DE" dirty="0">
+                <a:solidFill>
+                  <a:srgbClr val="464646"/>
+                </a:solidFill>
+                <a:latin typeface="Source Code Pro" panose="020B0509030403020204" pitchFamily="49" charset="0"/>
+              </a:rPr>
+              <a:t>"type"</a:t>
+            </a:r>
+            <a:r>
+              <a:rPr lang="de-DE" b="1" dirty="0">
+                <a:solidFill>
+                  <a:srgbClr val="4472C4"/>
+                </a:solidFill>
+                <a:latin typeface="Source Code Pro" panose="020B0509030403020204" pitchFamily="49" charset="0"/>
+              </a:rPr>
+              <a:t>:</a:t>
+            </a:r>
+            <a:r>
+              <a:rPr lang="de-DE" dirty="0">
+                <a:solidFill>
+                  <a:srgbClr val="000000"/>
+                </a:solidFill>
+                <a:latin typeface="Source Code Pro" panose="020B0509030403020204" pitchFamily="49" charset="0"/>
+              </a:rPr>
+              <a:t> </a:t>
+            </a:r>
+            <a:r>
+              <a:rPr lang="de-DE" dirty="0">
+                <a:solidFill>
+                  <a:srgbClr val="464646"/>
+                </a:solidFill>
+                <a:latin typeface="Source Code Pro" panose="020B0509030403020204" pitchFamily="49" charset="0"/>
+              </a:rPr>
+              <a:t>"</a:t>
+            </a:r>
+            <a:r>
+              <a:rPr lang="de-DE" dirty="0" err="1">
+                <a:solidFill>
+                  <a:srgbClr val="464646"/>
+                </a:solidFill>
+                <a:latin typeface="Source Code Pro" panose="020B0509030403020204" pitchFamily="49" charset="0"/>
+              </a:rPr>
+              <a:t>string</a:t>
+            </a:r>
+            <a:r>
+              <a:rPr lang="de-DE" dirty="0">
+                <a:solidFill>
+                  <a:srgbClr val="464646"/>
+                </a:solidFill>
+                <a:latin typeface="Source Code Pro" panose="020B0509030403020204" pitchFamily="49" charset="0"/>
+              </a:rPr>
+              <a:t>"</a:t>
+            </a:r>
+            <a:r>
+              <a:rPr lang="de-DE" dirty="0">
+                <a:solidFill>
+                  <a:srgbClr val="000000"/>
+                </a:solidFill>
+                <a:latin typeface="Source Code Pro" panose="020B0509030403020204" pitchFamily="49" charset="0"/>
+              </a:rPr>
+              <a:t> </a:t>
+            </a:r>
+            <a:r>
+              <a:rPr lang="de-DE" b="1" dirty="0">
+                <a:solidFill>
+                  <a:srgbClr val="4472C4"/>
+                </a:solidFill>
+                <a:latin typeface="Source Code Pro" panose="020B0509030403020204" pitchFamily="49" charset="0"/>
+              </a:rPr>
+              <a:t>}</a:t>
+            </a:r>
+            <a:r>
+              <a:rPr lang="de-DE" dirty="0">
+                <a:solidFill>
+                  <a:srgbClr val="000000"/>
+                </a:solidFill>
+                <a:latin typeface="Source Code Pro" panose="020B0509030403020204" pitchFamily="49" charset="0"/>
+              </a:rPr>
+              <a:t> </a:t>
+            </a:r>
+            <a:r>
+              <a:rPr lang="de-DE" b="1" dirty="0">
+                <a:solidFill>
+                  <a:srgbClr val="4472C4"/>
+                </a:solidFill>
+                <a:latin typeface="Source Code Pro" panose="020B0509030403020204" pitchFamily="49" charset="0"/>
+              </a:rPr>
+              <a:t>}</a:t>
+            </a:r>
+            <a:endParaRPr lang="de-DE" dirty="0"/>
+          </a:p>
+        </p:txBody>
+      </p:sp>
+      <p:sp>
+        <p:nvSpPr>
+          <p:cNvPr id="15" name="Rechteck 14">
+            <a:extLst>
+              <a:ext uri="{FF2B5EF4-FFF2-40B4-BE49-F238E27FC236}">
+                <a16:creationId xmlns:a16="http://schemas.microsoft.com/office/drawing/2014/main" id="{F70FF213-92D6-4856-BBE6-F637FCF0A058}"/>
+              </a:ext>
+            </a:extLst>
+          </p:cNvPr>
+          <p:cNvSpPr/>
+          <p:nvPr/>
+        </p:nvSpPr>
+        <p:spPr>
+          <a:xfrm>
+            <a:off x="6708059" y="2551837"/>
+            <a:ext cx="4608870" cy="369332"/>
+          </a:xfrm>
+          <a:prstGeom prst="rect">
+            <a:avLst/>
+          </a:prstGeom>
+          <a:solidFill>
+            <a:srgbClr val="FFCCCC"/>
+          </a:solidFill>
+          <a:ln>
+            <a:noFill/>
+          </a:ln>
+        </p:spPr>
+        <p:txBody>
+          <a:bodyPr wrap="square">
+            <a:spAutoFit/>
+          </a:bodyPr>
+          <a:lstStyle/>
+          <a:p>
+            <a:r>
+              <a:rPr lang="de-DE" dirty="0">
+                <a:solidFill>
+                  <a:srgbClr val="464646"/>
+                </a:solidFill>
+                <a:latin typeface="Source Code Pro" panose="020B0509030403020204" pitchFamily="49" charset="0"/>
+              </a:rPr>
+              <a:t>5</a:t>
+            </a:r>
+            <a:endParaRPr lang="de-DE" dirty="0"/>
+          </a:p>
+        </p:txBody>
+      </p:sp>
+      <p:sp>
+        <p:nvSpPr>
+          <p:cNvPr id="16" name="Rechteck 15">
+            <a:extLst>
+              <a:ext uri="{FF2B5EF4-FFF2-40B4-BE49-F238E27FC236}">
+                <a16:creationId xmlns:a16="http://schemas.microsoft.com/office/drawing/2014/main" id="{9CE4C25B-0729-4DA0-AEC7-2AADE06C9DE0}"/>
+              </a:ext>
+            </a:extLst>
+          </p:cNvPr>
+          <p:cNvSpPr/>
+          <p:nvPr/>
+        </p:nvSpPr>
+        <p:spPr>
+          <a:xfrm>
+            <a:off x="6708059" y="5065219"/>
+            <a:ext cx="4608870" cy="369332"/>
+          </a:xfrm>
+          <a:prstGeom prst="rect">
+            <a:avLst/>
+          </a:prstGeom>
+          <a:solidFill>
+            <a:srgbClr val="FFCCCC"/>
+          </a:solidFill>
+          <a:ln>
+            <a:noFill/>
+          </a:ln>
+        </p:spPr>
+        <p:txBody>
+          <a:bodyPr wrap="square">
+            <a:spAutoFit/>
+          </a:bodyPr>
+          <a:lstStyle/>
+          <a:p>
+            <a:r>
+              <a:rPr lang="de-DE" dirty="0">
+                <a:solidFill>
+                  <a:srgbClr val="464646"/>
+                </a:solidFill>
+                <a:latin typeface="Source Code Pro" panose="020B0509030403020204" pitchFamily="49" charset="0"/>
+              </a:rPr>
+              <a:t>"</a:t>
+            </a:r>
+            <a:r>
+              <a:rPr lang="de-DE" dirty="0" err="1">
+                <a:solidFill>
+                  <a:srgbClr val="464646"/>
+                </a:solidFill>
+                <a:latin typeface="Source Code Pro" panose="020B0509030403020204" pitchFamily="49" charset="0"/>
+              </a:rPr>
+              <a:t>strings</a:t>
+            </a:r>
+            <a:r>
+              <a:rPr lang="de-DE" dirty="0">
+                <a:solidFill>
+                  <a:srgbClr val="464646"/>
+                </a:solidFill>
+                <a:latin typeface="Source Code Pro" panose="020B0509030403020204" pitchFamily="49" charset="0"/>
+              </a:rPr>
+              <a:t> not </a:t>
+            </a:r>
+            <a:r>
+              <a:rPr lang="de-DE" dirty="0" err="1">
+                <a:solidFill>
+                  <a:srgbClr val="464646"/>
+                </a:solidFill>
+                <a:latin typeface="Source Code Pro" panose="020B0509030403020204" pitchFamily="49" charset="0"/>
+              </a:rPr>
+              <a:t>allowed</a:t>
+            </a:r>
+            <a:r>
+              <a:rPr lang="de-DE" dirty="0">
+                <a:solidFill>
+                  <a:srgbClr val="464646"/>
+                </a:solidFill>
+                <a:latin typeface="Source Code Pro" panose="020B0509030403020204" pitchFamily="49" charset="0"/>
+              </a:rPr>
+              <a:t>"</a:t>
+            </a:r>
+            <a:endParaRPr lang="de-DE" dirty="0"/>
+          </a:p>
+        </p:txBody>
+      </p:sp>
     </p:spTree>
     <p:extLst>
       <p:ext uri="{BB962C8B-B14F-4D97-AF65-F5344CB8AC3E}">
-        <p14:creationId xmlns:p14="http://schemas.microsoft.com/office/powerpoint/2010/main" val="3469164074"/>
+        <p14:creationId xmlns:p14="http://schemas.microsoft.com/office/powerpoint/2010/main" val="2127728914"/>
       </p:ext>
     </p:extLst>
   </p:cSld>
@@ -12249,6 +13243,2977 @@
           <p:cNvPr id="2" name="Titel 1">
             <a:extLst>
               <a:ext uri="{FF2B5EF4-FFF2-40B4-BE49-F238E27FC236}">
+                <a16:creationId xmlns:a16="http://schemas.microsoft.com/office/drawing/2014/main" id="{263B568C-3395-4B3C-80D7-E8AF938BCCCC}"/>
+              </a:ext>
+            </a:extLst>
+          </p:cNvPr>
+          <p:cNvSpPr>
+            <a:spLocks noGrp="1"/>
+          </p:cNvSpPr>
+          <p:nvPr>
+            <p:ph type="title"/>
+          </p:nvPr>
+        </p:nvSpPr>
+        <p:spPr/>
+        <p:txBody>
+          <a:bodyPr/>
+          <a:lstStyle/>
+          <a:p>
+            <a:r>
+              <a:rPr lang="de-DE" dirty="0"/>
+              <a:t>Wiederverwendung von Definitionen (1/2)</a:t>
+            </a:r>
+          </a:p>
+        </p:txBody>
+      </p:sp>
+      <p:sp>
+        <p:nvSpPr>
+          <p:cNvPr id="3" name="Inhaltsplatzhalter 2">
+            <a:extLst>
+              <a:ext uri="{FF2B5EF4-FFF2-40B4-BE49-F238E27FC236}">
+                <a16:creationId xmlns:a16="http://schemas.microsoft.com/office/drawing/2014/main" id="{CBF494EF-36B2-44DD-92ED-0034DFBAA22F}"/>
+              </a:ext>
+            </a:extLst>
+          </p:cNvPr>
+          <p:cNvSpPr>
+            <a:spLocks noGrp="1"/>
+          </p:cNvSpPr>
+          <p:nvPr>
+            <p:ph idx="1"/>
+          </p:nvPr>
+        </p:nvSpPr>
+        <p:spPr>
+          <a:xfrm>
+            <a:off x="838200" y="1825625"/>
+            <a:ext cx="10515600" cy="4351338"/>
+          </a:xfrm>
+        </p:spPr>
+        <p:txBody>
+          <a:bodyPr/>
+          <a:lstStyle/>
+          <a:p>
+            <a:r>
+              <a:rPr lang="de-DE" dirty="0"/>
+              <a:t>Definitionen in gleicher/anderer Datei möglich</a:t>
+            </a:r>
+          </a:p>
+          <a:p>
+            <a:r>
+              <a:rPr lang="de-DE" dirty="0"/>
+              <a:t>Referenzieren mit </a:t>
+            </a:r>
+            <a:r>
+              <a:rPr lang="de-DE" b="1" dirty="0"/>
+              <a:t>$</a:t>
+            </a:r>
+            <a:r>
+              <a:rPr lang="de-DE" b="1" dirty="0" err="1"/>
+              <a:t>ref</a:t>
+            </a:r>
+            <a:r>
+              <a:rPr lang="de-DE" b="1" dirty="0"/>
+              <a:t> </a:t>
+            </a:r>
+            <a:r>
+              <a:rPr lang="de-DE" dirty="0"/>
+              <a:t>Schlüsselwort</a:t>
+            </a:r>
+          </a:p>
+          <a:p>
+            <a:r>
+              <a:rPr lang="de-DE" dirty="0"/>
+              <a:t>Nach </a:t>
+            </a:r>
+            <a:r>
+              <a:rPr lang="de-DE" b="1" dirty="0"/>
+              <a:t>$</a:t>
+            </a:r>
+            <a:r>
+              <a:rPr lang="de-DE" b="1" dirty="0" err="1"/>
+              <a:t>ref</a:t>
+            </a:r>
+            <a:r>
+              <a:rPr lang="de-DE" dirty="0"/>
+              <a:t> folgt der </a:t>
+            </a:r>
+            <a:r>
+              <a:rPr lang="de-DE" b="1" dirty="0"/>
+              <a:t>Pfad </a:t>
+            </a:r>
+            <a:r>
+              <a:rPr lang="de-DE" dirty="0"/>
+              <a:t>zur Definition</a:t>
+            </a:r>
+            <a:endParaRPr lang="de-DE" b="1" dirty="0"/>
+          </a:p>
+          <a:p>
+            <a:r>
+              <a:rPr lang="de-DE" dirty="0"/>
+              <a:t>Beispiel verweist auf externe Datei</a:t>
+            </a:r>
+          </a:p>
+          <a:p>
+            <a:pPr lvl="1"/>
+            <a:r>
+              <a:rPr lang="de-DE" b="1" dirty="0" err="1"/>
+              <a:t>definitions.json</a:t>
+            </a:r>
+            <a:r>
+              <a:rPr lang="de-DE" b="1" dirty="0"/>
+              <a:t> </a:t>
+            </a:r>
+            <a:r>
+              <a:rPr lang="de-DE" dirty="0"/>
+              <a:t>ist die Datei</a:t>
+            </a:r>
+          </a:p>
+          <a:p>
+            <a:pPr lvl="1"/>
+            <a:r>
+              <a:rPr lang="de-DE" b="1" dirty="0"/>
+              <a:t># </a:t>
+            </a:r>
+            <a:r>
+              <a:rPr lang="de-DE" dirty="0"/>
+              <a:t>steht für das Wurzelelement </a:t>
+            </a:r>
+          </a:p>
+          <a:p>
+            <a:pPr lvl="1"/>
+            <a:r>
+              <a:rPr lang="de-DE" b="1" dirty="0" err="1"/>
+              <a:t>address</a:t>
+            </a:r>
+            <a:r>
+              <a:rPr lang="de-DE" b="1" dirty="0"/>
+              <a:t> </a:t>
+            </a:r>
+            <a:r>
+              <a:rPr lang="de-DE" dirty="0"/>
+              <a:t>für den </a:t>
+            </a:r>
+            <a:r>
+              <a:rPr lang="de-DE" b="1" dirty="0"/>
+              <a:t>Schlüssel </a:t>
+            </a:r>
+            <a:r>
+              <a:rPr lang="de-DE" dirty="0" err="1"/>
+              <a:t>address</a:t>
+            </a:r>
+            <a:r>
+              <a:rPr lang="de-DE" dirty="0"/>
+              <a:t>, hinter der die </a:t>
+            </a:r>
+            <a:r>
+              <a:rPr lang="de-DE" dirty="0" err="1"/>
+              <a:t>Defintion</a:t>
+            </a:r>
+            <a:r>
+              <a:rPr lang="de-DE" dirty="0"/>
+              <a:t> liegt</a:t>
+            </a:r>
+          </a:p>
+          <a:p>
+            <a:pPr marL="0" indent="0">
+              <a:buNone/>
+            </a:pPr>
+            <a:endParaRPr lang="de-DE" dirty="0"/>
+          </a:p>
+        </p:txBody>
+      </p:sp>
+      <p:sp>
+        <p:nvSpPr>
+          <p:cNvPr id="4" name="Datumsplatzhalter 3">
+            <a:extLst>
+              <a:ext uri="{FF2B5EF4-FFF2-40B4-BE49-F238E27FC236}">
+                <a16:creationId xmlns:a16="http://schemas.microsoft.com/office/drawing/2014/main" id="{25837733-F8B3-4C3E-A803-5F05F95FB3DC}"/>
+              </a:ext>
+            </a:extLst>
+          </p:cNvPr>
+          <p:cNvSpPr>
+            <a:spLocks noGrp="1"/>
+          </p:cNvSpPr>
+          <p:nvPr>
+            <p:ph type="dt" sz="half" idx="10"/>
+          </p:nvPr>
+        </p:nvSpPr>
+        <p:spPr/>
+        <p:txBody>
+          <a:bodyPr/>
+          <a:lstStyle/>
+          <a:p>
+            <a:fld id="{CFFA1D88-5C5F-47BF-8575-62828799C3D3}" type="datetime1">
+              <a:rPr lang="de-DE" smtClean="0"/>
+              <a:t>09.12.2017</a:t>
+            </a:fld>
+            <a:endParaRPr lang="de-DE" dirty="0"/>
+          </a:p>
+        </p:txBody>
+      </p:sp>
+      <p:sp>
+        <p:nvSpPr>
+          <p:cNvPr id="5" name="Fußzeilenplatzhalter 4">
+            <a:extLst>
+              <a:ext uri="{FF2B5EF4-FFF2-40B4-BE49-F238E27FC236}">
+                <a16:creationId xmlns:a16="http://schemas.microsoft.com/office/drawing/2014/main" id="{37F17228-D4D8-4BBB-A244-7340EF0FE22B}"/>
+              </a:ext>
+            </a:extLst>
+          </p:cNvPr>
+          <p:cNvSpPr>
+            <a:spLocks noGrp="1"/>
+          </p:cNvSpPr>
+          <p:nvPr>
+            <p:ph type="ftr" sz="quarter" idx="11"/>
+          </p:nvPr>
+        </p:nvSpPr>
+        <p:spPr/>
+        <p:txBody>
+          <a:bodyPr/>
+          <a:lstStyle/>
+          <a:p>
+            <a:r>
+              <a:rPr lang="de-DE"/>
+              <a:t>Daniel Flasch</a:t>
+            </a:r>
+            <a:endParaRPr lang="de-DE" dirty="0"/>
+          </a:p>
+        </p:txBody>
+      </p:sp>
+      <p:sp>
+        <p:nvSpPr>
+          <p:cNvPr id="6" name="Foliennummernplatzhalter 5">
+            <a:extLst>
+              <a:ext uri="{FF2B5EF4-FFF2-40B4-BE49-F238E27FC236}">
+                <a16:creationId xmlns:a16="http://schemas.microsoft.com/office/drawing/2014/main" id="{0A3B9615-9A42-4020-ABBE-BFFD4333625F}"/>
+              </a:ext>
+            </a:extLst>
+          </p:cNvPr>
+          <p:cNvSpPr>
+            <a:spLocks noGrp="1"/>
+          </p:cNvSpPr>
+          <p:nvPr>
+            <p:ph type="sldNum" sz="quarter" idx="12"/>
+          </p:nvPr>
+        </p:nvSpPr>
+        <p:spPr/>
+        <p:txBody>
+          <a:bodyPr/>
+          <a:lstStyle/>
+          <a:p>
+            <a:fld id="{4DEAFF03-B2A3-4F10-AFBA-713F9B73CAA7}" type="slidenum">
+              <a:rPr lang="de-DE" smtClean="0"/>
+              <a:t>19</a:t>
+            </a:fld>
+            <a:endParaRPr lang="de-DE"/>
+          </a:p>
+        </p:txBody>
+      </p:sp>
+      <p:sp>
+        <p:nvSpPr>
+          <p:cNvPr id="7" name="Rechteck 6">
+            <a:extLst>
+              <a:ext uri="{FF2B5EF4-FFF2-40B4-BE49-F238E27FC236}">
+                <a16:creationId xmlns:a16="http://schemas.microsoft.com/office/drawing/2014/main" id="{6521107B-92F3-4CE1-B296-EEF965048D69}"/>
+              </a:ext>
+            </a:extLst>
+          </p:cNvPr>
+          <p:cNvSpPr/>
+          <p:nvPr/>
+        </p:nvSpPr>
+        <p:spPr>
+          <a:xfrm>
+            <a:off x="838200" y="5299637"/>
+            <a:ext cx="5561138" cy="369332"/>
+          </a:xfrm>
+          <a:prstGeom prst="rect">
+            <a:avLst/>
+          </a:prstGeom>
+          <a:solidFill>
+            <a:schemeClr val="bg1">
+              <a:lumMod val="95000"/>
+            </a:schemeClr>
+          </a:solidFill>
+          <a:ln>
+            <a:solidFill>
+              <a:schemeClr val="bg1">
+                <a:lumMod val="85000"/>
+              </a:schemeClr>
+            </a:solidFill>
+          </a:ln>
+        </p:spPr>
+        <p:txBody>
+          <a:bodyPr wrap="none">
+            <a:spAutoFit/>
+          </a:bodyPr>
+          <a:lstStyle/>
+          <a:p>
+            <a:r>
+              <a:rPr lang="de-DE" b="1" dirty="0">
+                <a:solidFill>
+                  <a:srgbClr val="4472C4"/>
+                </a:solidFill>
+                <a:latin typeface="Source Code Pro" panose="020B0509030403020204" pitchFamily="49" charset="0"/>
+              </a:rPr>
+              <a:t>{</a:t>
+            </a:r>
+            <a:r>
+              <a:rPr lang="de-DE" dirty="0">
+                <a:solidFill>
+                  <a:srgbClr val="000000"/>
+                </a:solidFill>
+                <a:latin typeface="Source Code Pro" panose="020B0509030403020204" pitchFamily="49" charset="0"/>
+              </a:rPr>
+              <a:t> </a:t>
+            </a:r>
+            <a:r>
+              <a:rPr lang="de-DE" dirty="0">
+                <a:solidFill>
+                  <a:srgbClr val="464646"/>
+                </a:solidFill>
+                <a:latin typeface="Source Code Pro" panose="020B0509030403020204" pitchFamily="49" charset="0"/>
+              </a:rPr>
+              <a:t>"$</a:t>
+            </a:r>
+            <a:r>
+              <a:rPr lang="de-DE" dirty="0" err="1">
+                <a:solidFill>
+                  <a:srgbClr val="464646"/>
+                </a:solidFill>
+                <a:latin typeface="Source Code Pro" panose="020B0509030403020204" pitchFamily="49" charset="0"/>
+              </a:rPr>
+              <a:t>ref</a:t>
+            </a:r>
+            <a:r>
+              <a:rPr lang="de-DE" dirty="0">
+                <a:solidFill>
+                  <a:srgbClr val="464646"/>
+                </a:solidFill>
+                <a:latin typeface="Source Code Pro" panose="020B0509030403020204" pitchFamily="49" charset="0"/>
+              </a:rPr>
+              <a:t>"</a:t>
+            </a:r>
+            <a:r>
+              <a:rPr lang="de-DE" b="1" dirty="0">
+                <a:solidFill>
+                  <a:srgbClr val="4472C4"/>
+                </a:solidFill>
+                <a:latin typeface="Source Code Pro" panose="020B0509030403020204" pitchFamily="49" charset="0"/>
+              </a:rPr>
+              <a:t>:</a:t>
+            </a:r>
+            <a:r>
+              <a:rPr lang="de-DE" dirty="0">
+                <a:solidFill>
+                  <a:srgbClr val="000000"/>
+                </a:solidFill>
+                <a:latin typeface="Source Code Pro" panose="020B0509030403020204" pitchFamily="49" charset="0"/>
+              </a:rPr>
+              <a:t> </a:t>
+            </a:r>
+            <a:r>
+              <a:rPr lang="de-DE" dirty="0">
+                <a:solidFill>
+                  <a:srgbClr val="464646"/>
+                </a:solidFill>
+                <a:latin typeface="Source Code Pro" panose="020B0509030403020204" pitchFamily="49" charset="0"/>
+              </a:rPr>
+              <a:t>"</a:t>
+            </a:r>
+            <a:r>
+              <a:rPr lang="de-DE" dirty="0" err="1">
+                <a:solidFill>
+                  <a:srgbClr val="464646"/>
+                </a:solidFill>
+                <a:latin typeface="Source Code Pro" panose="020B0509030403020204" pitchFamily="49" charset="0"/>
+              </a:rPr>
+              <a:t>definitions.json</a:t>
+            </a:r>
+            <a:r>
+              <a:rPr lang="de-DE" dirty="0">
+                <a:solidFill>
+                  <a:srgbClr val="464646"/>
+                </a:solidFill>
+                <a:latin typeface="Source Code Pro" panose="020B0509030403020204" pitchFamily="49" charset="0"/>
+              </a:rPr>
+              <a:t>#/</a:t>
+            </a:r>
+            <a:r>
+              <a:rPr lang="de-DE" dirty="0" err="1">
+                <a:solidFill>
+                  <a:srgbClr val="464646"/>
+                </a:solidFill>
+                <a:latin typeface="Source Code Pro" panose="020B0509030403020204" pitchFamily="49" charset="0"/>
+              </a:rPr>
+              <a:t>address</a:t>
+            </a:r>
+            <a:r>
+              <a:rPr lang="de-DE" dirty="0">
+                <a:solidFill>
+                  <a:srgbClr val="464646"/>
+                </a:solidFill>
+                <a:latin typeface="Source Code Pro" panose="020B0509030403020204" pitchFamily="49" charset="0"/>
+              </a:rPr>
+              <a:t>"</a:t>
+            </a:r>
+            <a:r>
+              <a:rPr lang="de-DE" dirty="0">
+                <a:solidFill>
+                  <a:srgbClr val="000000"/>
+                </a:solidFill>
+                <a:latin typeface="Source Code Pro" panose="020B0509030403020204" pitchFamily="49" charset="0"/>
+              </a:rPr>
+              <a:t> </a:t>
+            </a:r>
+            <a:r>
+              <a:rPr lang="de-DE" b="1" dirty="0">
+                <a:solidFill>
+                  <a:srgbClr val="4472C4"/>
+                </a:solidFill>
+                <a:latin typeface="Source Code Pro" panose="020B0509030403020204" pitchFamily="49" charset="0"/>
+              </a:rPr>
+              <a:t>}</a:t>
+            </a:r>
+            <a:endParaRPr lang="de-DE" dirty="0"/>
+          </a:p>
+        </p:txBody>
+      </p:sp>
+    </p:spTree>
+    <p:extLst>
+      <p:ext uri="{BB962C8B-B14F-4D97-AF65-F5344CB8AC3E}">
+        <p14:creationId xmlns:p14="http://schemas.microsoft.com/office/powerpoint/2010/main" val="566863132"/>
+      </p:ext>
+    </p:extLst>
+  </p:cSld>
+  <p:clrMapOvr>
+    <a:masterClrMapping/>
+  </p:clrMapOvr>
+</p:sld>
+</file>
+
+<file path=ppt/slides/slide21.xml><?xml version="1.0" encoding="utf-8"?>
+<p:sld xmlns:a="http://schemas.openxmlformats.org/drawingml/2006/main" xmlns:r="http://schemas.openxmlformats.org/officeDocument/2006/relationships" xmlns:p="http://schemas.openxmlformats.org/presentationml/2006/main">
+  <p:cSld>
+    <p:spTree>
+      <p:nvGrpSpPr>
+        <p:cNvPr id="1" name=""/>
+        <p:cNvGrpSpPr/>
+        <p:nvPr/>
+      </p:nvGrpSpPr>
+      <p:grpSpPr>
+        <a:xfrm>
+          <a:off x="0" y="0"/>
+          <a:ext cx="0" cy="0"/>
+          <a:chOff x="0" y="0"/>
+          <a:chExt cx="0" cy="0"/>
+        </a:xfrm>
+      </p:grpSpPr>
+      <p:sp>
+        <p:nvSpPr>
+          <p:cNvPr id="2" name="Titel 1">
+            <a:extLst>
+              <a:ext uri="{FF2B5EF4-FFF2-40B4-BE49-F238E27FC236}">
+                <a16:creationId xmlns:a16="http://schemas.microsoft.com/office/drawing/2014/main" id="{263B568C-3395-4B3C-80D7-E8AF938BCCCC}"/>
+              </a:ext>
+            </a:extLst>
+          </p:cNvPr>
+          <p:cNvSpPr>
+            <a:spLocks noGrp="1"/>
+          </p:cNvSpPr>
+          <p:nvPr>
+            <p:ph type="title"/>
+          </p:nvPr>
+        </p:nvSpPr>
+        <p:spPr/>
+        <p:txBody>
+          <a:bodyPr/>
+          <a:lstStyle/>
+          <a:p>
+            <a:r>
+              <a:rPr lang="de-DE" dirty="0"/>
+              <a:t>Wiederverwendung von Definitionen (2/2)</a:t>
+            </a:r>
+          </a:p>
+        </p:txBody>
+      </p:sp>
+      <p:sp>
+        <p:nvSpPr>
+          <p:cNvPr id="4" name="Datumsplatzhalter 3">
+            <a:extLst>
+              <a:ext uri="{FF2B5EF4-FFF2-40B4-BE49-F238E27FC236}">
+                <a16:creationId xmlns:a16="http://schemas.microsoft.com/office/drawing/2014/main" id="{25837733-F8B3-4C3E-A803-5F05F95FB3DC}"/>
+              </a:ext>
+            </a:extLst>
+          </p:cNvPr>
+          <p:cNvSpPr>
+            <a:spLocks noGrp="1"/>
+          </p:cNvSpPr>
+          <p:nvPr>
+            <p:ph type="dt" sz="half" idx="10"/>
+          </p:nvPr>
+        </p:nvSpPr>
+        <p:spPr/>
+        <p:txBody>
+          <a:bodyPr/>
+          <a:lstStyle/>
+          <a:p>
+            <a:fld id="{CFFA1D88-5C5F-47BF-8575-62828799C3D3}" type="datetime1">
+              <a:rPr lang="de-DE" smtClean="0"/>
+              <a:t>09.12.2017</a:t>
+            </a:fld>
+            <a:endParaRPr lang="de-DE" dirty="0"/>
+          </a:p>
+        </p:txBody>
+      </p:sp>
+      <p:sp>
+        <p:nvSpPr>
+          <p:cNvPr id="5" name="Fußzeilenplatzhalter 4">
+            <a:extLst>
+              <a:ext uri="{FF2B5EF4-FFF2-40B4-BE49-F238E27FC236}">
+                <a16:creationId xmlns:a16="http://schemas.microsoft.com/office/drawing/2014/main" id="{37F17228-D4D8-4BBB-A244-7340EF0FE22B}"/>
+              </a:ext>
+            </a:extLst>
+          </p:cNvPr>
+          <p:cNvSpPr>
+            <a:spLocks noGrp="1"/>
+          </p:cNvSpPr>
+          <p:nvPr>
+            <p:ph type="ftr" sz="quarter" idx="11"/>
+          </p:nvPr>
+        </p:nvSpPr>
+        <p:spPr/>
+        <p:txBody>
+          <a:bodyPr/>
+          <a:lstStyle/>
+          <a:p>
+            <a:r>
+              <a:rPr lang="de-DE"/>
+              <a:t>Daniel Flasch</a:t>
+            </a:r>
+            <a:endParaRPr lang="de-DE" dirty="0"/>
+          </a:p>
+        </p:txBody>
+      </p:sp>
+      <p:sp>
+        <p:nvSpPr>
+          <p:cNvPr id="6" name="Foliennummernplatzhalter 5">
+            <a:extLst>
+              <a:ext uri="{FF2B5EF4-FFF2-40B4-BE49-F238E27FC236}">
+                <a16:creationId xmlns:a16="http://schemas.microsoft.com/office/drawing/2014/main" id="{0A3B9615-9A42-4020-ABBE-BFFD4333625F}"/>
+              </a:ext>
+            </a:extLst>
+          </p:cNvPr>
+          <p:cNvSpPr>
+            <a:spLocks noGrp="1"/>
+          </p:cNvSpPr>
+          <p:nvPr>
+            <p:ph type="sldNum" sz="quarter" idx="12"/>
+          </p:nvPr>
+        </p:nvSpPr>
+        <p:spPr/>
+        <p:txBody>
+          <a:bodyPr/>
+          <a:lstStyle/>
+          <a:p>
+            <a:fld id="{4DEAFF03-B2A3-4F10-AFBA-713F9B73CAA7}" type="slidenum">
+              <a:rPr lang="de-DE" smtClean="0"/>
+              <a:t>20</a:t>
+            </a:fld>
+            <a:endParaRPr lang="de-DE"/>
+          </a:p>
+        </p:txBody>
+      </p:sp>
+      <p:sp>
+        <p:nvSpPr>
+          <p:cNvPr id="11" name="Rechteck 10">
+            <a:extLst>
+              <a:ext uri="{FF2B5EF4-FFF2-40B4-BE49-F238E27FC236}">
+                <a16:creationId xmlns:a16="http://schemas.microsoft.com/office/drawing/2014/main" id="{8BE748DD-764D-4290-B161-3B1DE4AFDC90}"/>
+              </a:ext>
+            </a:extLst>
+          </p:cNvPr>
+          <p:cNvSpPr/>
+          <p:nvPr/>
+        </p:nvSpPr>
+        <p:spPr>
+          <a:xfrm>
+            <a:off x="6198765" y="1690688"/>
+            <a:ext cx="5442177" cy="2308324"/>
+          </a:xfrm>
+          <a:prstGeom prst="rect">
+            <a:avLst/>
+          </a:prstGeom>
+          <a:solidFill>
+            <a:schemeClr val="accent6">
+              <a:lumMod val="40000"/>
+              <a:lumOff val="60000"/>
+            </a:schemeClr>
+          </a:solidFill>
+          <a:ln>
+            <a:noFill/>
+          </a:ln>
+        </p:spPr>
+        <p:txBody>
+          <a:bodyPr wrap="square">
+            <a:spAutoFit/>
+          </a:bodyPr>
+          <a:lstStyle/>
+          <a:p>
+            <a:r>
+              <a:rPr lang="de-DE" sz="1200" b="1" dirty="0">
+                <a:solidFill>
+                  <a:srgbClr val="4472C4"/>
+                </a:solidFill>
+                <a:latin typeface="Source Code Pro" panose="020B0509030403020204" pitchFamily="49" charset="0"/>
+              </a:rPr>
+              <a:t>{</a:t>
+            </a:r>
+            <a:endParaRPr lang="de-DE" sz="1200" dirty="0">
+              <a:solidFill>
+                <a:srgbClr val="000000"/>
+              </a:solidFill>
+              <a:latin typeface="Source Code Pro" panose="020B0509030403020204" pitchFamily="49" charset="0"/>
+            </a:endParaRPr>
+          </a:p>
+          <a:p>
+            <a:r>
+              <a:rPr lang="de-DE" sz="1200" dirty="0">
+                <a:solidFill>
+                  <a:srgbClr val="000000"/>
+                </a:solidFill>
+                <a:latin typeface="Source Code Pro" panose="020B0509030403020204" pitchFamily="49" charset="0"/>
+              </a:rPr>
+              <a:t>  </a:t>
+            </a:r>
+            <a:r>
+              <a:rPr lang="de-DE" sz="1200" dirty="0">
+                <a:solidFill>
+                  <a:srgbClr val="464646"/>
+                </a:solidFill>
+                <a:latin typeface="Source Code Pro" panose="020B0509030403020204" pitchFamily="49" charset="0"/>
+              </a:rPr>
+              <a:t>"</a:t>
+            </a:r>
+            <a:r>
+              <a:rPr lang="de-DE" sz="1200" dirty="0" err="1">
+                <a:solidFill>
+                  <a:srgbClr val="464646"/>
+                </a:solidFill>
+                <a:latin typeface="Source Code Pro" panose="020B0509030403020204" pitchFamily="49" charset="0"/>
+              </a:rPr>
+              <a:t>shipping_address</a:t>
+            </a:r>
+            <a:r>
+              <a:rPr lang="de-DE" sz="1200" dirty="0">
+                <a:solidFill>
+                  <a:srgbClr val="464646"/>
+                </a:solidFill>
+                <a:latin typeface="Source Code Pro" panose="020B0509030403020204" pitchFamily="49" charset="0"/>
+              </a:rPr>
+              <a:t>"</a:t>
+            </a:r>
+            <a:r>
+              <a:rPr lang="de-DE" sz="1200" b="1" dirty="0">
+                <a:solidFill>
+                  <a:srgbClr val="4472C4"/>
+                </a:solidFill>
+                <a:latin typeface="Source Code Pro" panose="020B0509030403020204" pitchFamily="49" charset="0"/>
+              </a:rPr>
+              <a:t>:</a:t>
+            </a:r>
+            <a:r>
+              <a:rPr lang="de-DE" sz="1200" dirty="0">
+                <a:solidFill>
+                  <a:srgbClr val="000000"/>
+                </a:solidFill>
+                <a:latin typeface="Source Code Pro" panose="020B0509030403020204" pitchFamily="49" charset="0"/>
+              </a:rPr>
+              <a:t> </a:t>
+            </a:r>
+            <a:r>
+              <a:rPr lang="de-DE" sz="1200" b="1" dirty="0">
+                <a:solidFill>
+                  <a:srgbClr val="4472C4"/>
+                </a:solidFill>
+                <a:latin typeface="Source Code Pro" panose="020B0509030403020204" pitchFamily="49" charset="0"/>
+              </a:rPr>
+              <a:t>{</a:t>
+            </a:r>
+            <a:endParaRPr lang="de-DE" sz="1200" dirty="0">
+              <a:solidFill>
+                <a:srgbClr val="000000"/>
+              </a:solidFill>
+              <a:latin typeface="Source Code Pro" panose="020B0509030403020204" pitchFamily="49" charset="0"/>
+            </a:endParaRPr>
+          </a:p>
+          <a:p>
+            <a:r>
+              <a:rPr lang="en-US" sz="1200" dirty="0">
+                <a:solidFill>
+                  <a:srgbClr val="000000"/>
+                </a:solidFill>
+                <a:latin typeface="Source Code Pro" panose="020B0509030403020204" pitchFamily="49" charset="0"/>
+              </a:rPr>
+              <a:t>    </a:t>
+            </a:r>
+            <a:r>
+              <a:rPr lang="en-US" sz="1200" dirty="0">
+                <a:solidFill>
+                  <a:srgbClr val="464646"/>
+                </a:solidFill>
+                <a:latin typeface="Source Code Pro" panose="020B0509030403020204" pitchFamily="49" charset="0"/>
+              </a:rPr>
+              <a:t>"</a:t>
+            </a:r>
+            <a:r>
+              <a:rPr lang="en-US" sz="1200" dirty="0" err="1">
+                <a:solidFill>
+                  <a:srgbClr val="464646"/>
+                </a:solidFill>
+                <a:latin typeface="Source Code Pro" panose="020B0509030403020204" pitchFamily="49" charset="0"/>
+              </a:rPr>
+              <a:t>street_address</a:t>
+            </a:r>
+            <a:r>
+              <a:rPr lang="en-US" sz="1200" dirty="0">
+                <a:solidFill>
+                  <a:srgbClr val="464646"/>
+                </a:solidFill>
+                <a:latin typeface="Source Code Pro" panose="020B0509030403020204" pitchFamily="49" charset="0"/>
+              </a:rPr>
+              <a:t>"</a:t>
+            </a:r>
+            <a:r>
+              <a:rPr lang="en-US" sz="1200" b="1" dirty="0">
+                <a:solidFill>
+                  <a:srgbClr val="4472C4"/>
+                </a:solidFill>
+                <a:latin typeface="Source Code Pro" panose="020B0509030403020204" pitchFamily="49" charset="0"/>
+              </a:rPr>
+              <a:t>:</a:t>
+            </a:r>
+            <a:r>
+              <a:rPr lang="en-US" sz="1200" dirty="0">
+                <a:solidFill>
+                  <a:srgbClr val="000000"/>
+                </a:solidFill>
+                <a:latin typeface="Source Code Pro" panose="020B0509030403020204" pitchFamily="49" charset="0"/>
+              </a:rPr>
+              <a:t> </a:t>
+            </a:r>
+            <a:r>
+              <a:rPr lang="en-US" sz="1200" dirty="0">
+                <a:solidFill>
+                  <a:srgbClr val="464646"/>
+                </a:solidFill>
+                <a:latin typeface="Source Code Pro" panose="020B0509030403020204" pitchFamily="49" charset="0"/>
+              </a:rPr>
+              <a:t>"1600 Pennsylvania Avenue NW"</a:t>
+            </a:r>
+            <a:r>
+              <a:rPr lang="en-US" sz="1200" b="1" dirty="0">
+                <a:solidFill>
+                  <a:srgbClr val="4472C4"/>
+                </a:solidFill>
+                <a:latin typeface="Source Code Pro" panose="020B0509030403020204" pitchFamily="49" charset="0"/>
+              </a:rPr>
+              <a:t>,</a:t>
+            </a:r>
+            <a:endParaRPr lang="en-US" sz="1200" dirty="0">
+              <a:solidFill>
+                <a:srgbClr val="000000"/>
+              </a:solidFill>
+              <a:latin typeface="Source Code Pro" panose="020B0509030403020204" pitchFamily="49" charset="0"/>
+            </a:endParaRPr>
+          </a:p>
+          <a:p>
+            <a:r>
+              <a:rPr lang="de-DE" sz="1200" dirty="0">
+                <a:solidFill>
+                  <a:srgbClr val="000000"/>
+                </a:solidFill>
+                <a:latin typeface="Source Code Pro" panose="020B0509030403020204" pitchFamily="49" charset="0"/>
+              </a:rPr>
+              <a:t>    </a:t>
+            </a:r>
+            <a:r>
+              <a:rPr lang="de-DE" sz="1200" dirty="0">
+                <a:solidFill>
+                  <a:srgbClr val="464646"/>
+                </a:solidFill>
+                <a:latin typeface="Source Code Pro" panose="020B0509030403020204" pitchFamily="49" charset="0"/>
+              </a:rPr>
+              <a:t>"</a:t>
+            </a:r>
+            <a:r>
+              <a:rPr lang="de-DE" sz="1200" dirty="0" err="1">
+                <a:solidFill>
+                  <a:srgbClr val="464646"/>
+                </a:solidFill>
+                <a:latin typeface="Source Code Pro" panose="020B0509030403020204" pitchFamily="49" charset="0"/>
+              </a:rPr>
+              <a:t>city</a:t>
+            </a:r>
+            <a:r>
+              <a:rPr lang="de-DE" sz="1200" dirty="0">
+                <a:solidFill>
+                  <a:srgbClr val="464646"/>
+                </a:solidFill>
+                <a:latin typeface="Source Code Pro" panose="020B0509030403020204" pitchFamily="49" charset="0"/>
+              </a:rPr>
+              <a:t>"</a:t>
+            </a:r>
+            <a:r>
+              <a:rPr lang="de-DE" sz="1200" b="1" dirty="0">
+                <a:solidFill>
+                  <a:srgbClr val="4472C4"/>
+                </a:solidFill>
+                <a:latin typeface="Source Code Pro" panose="020B0509030403020204" pitchFamily="49" charset="0"/>
+              </a:rPr>
+              <a:t>:</a:t>
+            </a:r>
+            <a:r>
+              <a:rPr lang="de-DE" sz="1200" dirty="0">
+                <a:solidFill>
+                  <a:srgbClr val="000000"/>
+                </a:solidFill>
+                <a:latin typeface="Source Code Pro" panose="020B0509030403020204" pitchFamily="49" charset="0"/>
+              </a:rPr>
+              <a:t> </a:t>
+            </a:r>
+            <a:r>
+              <a:rPr lang="de-DE" sz="1200" dirty="0">
+                <a:solidFill>
+                  <a:srgbClr val="464646"/>
+                </a:solidFill>
+                <a:latin typeface="Source Code Pro" panose="020B0509030403020204" pitchFamily="49" charset="0"/>
+              </a:rPr>
+              <a:t>"Washington"</a:t>
+            </a:r>
+            <a:r>
+              <a:rPr lang="de-DE" sz="1200" b="1" dirty="0">
+                <a:solidFill>
+                  <a:srgbClr val="4472C4"/>
+                </a:solidFill>
+                <a:latin typeface="Source Code Pro" panose="020B0509030403020204" pitchFamily="49" charset="0"/>
+              </a:rPr>
+              <a:t>,</a:t>
+            </a:r>
+            <a:endParaRPr lang="de-DE" sz="1200" dirty="0">
+              <a:solidFill>
+                <a:srgbClr val="000000"/>
+              </a:solidFill>
+              <a:latin typeface="Source Code Pro" panose="020B0509030403020204" pitchFamily="49" charset="0"/>
+            </a:endParaRPr>
+          </a:p>
+          <a:p>
+            <a:r>
+              <a:rPr lang="de-DE" sz="1200" dirty="0">
+                <a:solidFill>
+                  <a:srgbClr val="000000"/>
+                </a:solidFill>
+                <a:latin typeface="Source Code Pro" panose="020B0509030403020204" pitchFamily="49" charset="0"/>
+              </a:rPr>
+              <a:t>    </a:t>
+            </a:r>
+            <a:r>
+              <a:rPr lang="de-DE" sz="1200" dirty="0">
+                <a:solidFill>
+                  <a:srgbClr val="464646"/>
+                </a:solidFill>
+                <a:latin typeface="Source Code Pro" panose="020B0509030403020204" pitchFamily="49" charset="0"/>
+              </a:rPr>
+              <a:t>"</a:t>
+            </a:r>
+            <a:r>
+              <a:rPr lang="de-DE" sz="1200" dirty="0" err="1">
+                <a:solidFill>
+                  <a:srgbClr val="464646"/>
+                </a:solidFill>
+                <a:latin typeface="Source Code Pro" panose="020B0509030403020204" pitchFamily="49" charset="0"/>
+              </a:rPr>
+              <a:t>state</a:t>
+            </a:r>
+            <a:r>
+              <a:rPr lang="de-DE" sz="1200" dirty="0">
+                <a:solidFill>
+                  <a:srgbClr val="464646"/>
+                </a:solidFill>
+                <a:latin typeface="Source Code Pro" panose="020B0509030403020204" pitchFamily="49" charset="0"/>
+              </a:rPr>
+              <a:t>"</a:t>
+            </a:r>
+            <a:r>
+              <a:rPr lang="de-DE" sz="1200" b="1" dirty="0">
+                <a:solidFill>
+                  <a:srgbClr val="4472C4"/>
+                </a:solidFill>
+                <a:latin typeface="Source Code Pro" panose="020B0509030403020204" pitchFamily="49" charset="0"/>
+              </a:rPr>
+              <a:t>:</a:t>
+            </a:r>
+            <a:r>
+              <a:rPr lang="de-DE" sz="1200" dirty="0">
+                <a:solidFill>
+                  <a:srgbClr val="000000"/>
+                </a:solidFill>
+                <a:latin typeface="Source Code Pro" panose="020B0509030403020204" pitchFamily="49" charset="0"/>
+              </a:rPr>
+              <a:t> </a:t>
+            </a:r>
+            <a:r>
+              <a:rPr lang="de-DE" sz="1200" dirty="0">
+                <a:solidFill>
+                  <a:srgbClr val="464646"/>
+                </a:solidFill>
+                <a:latin typeface="Source Code Pro" panose="020B0509030403020204" pitchFamily="49" charset="0"/>
+              </a:rPr>
+              <a:t>"DC"</a:t>
+            </a:r>
+            <a:endParaRPr lang="de-DE" sz="1200" dirty="0">
+              <a:solidFill>
+                <a:srgbClr val="000000"/>
+              </a:solidFill>
+              <a:latin typeface="Source Code Pro" panose="020B0509030403020204" pitchFamily="49" charset="0"/>
+            </a:endParaRPr>
+          </a:p>
+          <a:p>
+            <a:r>
+              <a:rPr lang="de-DE" sz="1200" dirty="0">
+                <a:solidFill>
+                  <a:srgbClr val="000000"/>
+                </a:solidFill>
+                <a:latin typeface="Source Code Pro" panose="020B0509030403020204" pitchFamily="49" charset="0"/>
+              </a:rPr>
+              <a:t>  </a:t>
+            </a:r>
+            <a:r>
+              <a:rPr lang="de-DE" sz="1200" b="1" dirty="0">
+                <a:solidFill>
+                  <a:srgbClr val="4472C4"/>
+                </a:solidFill>
+                <a:latin typeface="Source Code Pro" panose="020B0509030403020204" pitchFamily="49" charset="0"/>
+              </a:rPr>
+              <a:t>},</a:t>
+            </a:r>
+            <a:endParaRPr lang="de-DE" sz="1200" dirty="0">
+              <a:solidFill>
+                <a:srgbClr val="000000"/>
+              </a:solidFill>
+              <a:latin typeface="Source Code Pro" panose="020B0509030403020204" pitchFamily="49" charset="0"/>
+            </a:endParaRPr>
+          </a:p>
+          <a:p>
+            <a:r>
+              <a:rPr lang="de-DE" sz="1200" dirty="0">
+                <a:solidFill>
+                  <a:srgbClr val="000000"/>
+                </a:solidFill>
+                <a:latin typeface="Source Code Pro" panose="020B0509030403020204" pitchFamily="49" charset="0"/>
+              </a:rPr>
+              <a:t>  </a:t>
+            </a:r>
+            <a:r>
+              <a:rPr lang="de-DE" sz="1200" dirty="0">
+                <a:solidFill>
+                  <a:srgbClr val="464646"/>
+                </a:solidFill>
+                <a:latin typeface="Source Code Pro" panose="020B0509030403020204" pitchFamily="49" charset="0"/>
+              </a:rPr>
+              <a:t>"</a:t>
+            </a:r>
+            <a:r>
+              <a:rPr lang="de-DE" sz="1200" dirty="0" err="1">
+                <a:solidFill>
+                  <a:srgbClr val="464646"/>
+                </a:solidFill>
+                <a:latin typeface="Source Code Pro" panose="020B0509030403020204" pitchFamily="49" charset="0"/>
+              </a:rPr>
+              <a:t>billing_address</a:t>
+            </a:r>
+            <a:r>
+              <a:rPr lang="de-DE" sz="1200" dirty="0">
+                <a:solidFill>
+                  <a:srgbClr val="464646"/>
+                </a:solidFill>
+                <a:latin typeface="Source Code Pro" panose="020B0509030403020204" pitchFamily="49" charset="0"/>
+              </a:rPr>
+              <a:t>"</a:t>
+            </a:r>
+            <a:r>
+              <a:rPr lang="de-DE" sz="1200" b="1" dirty="0">
+                <a:solidFill>
+                  <a:srgbClr val="4472C4"/>
+                </a:solidFill>
+                <a:latin typeface="Source Code Pro" panose="020B0509030403020204" pitchFamily="49" charset="0"/>
+              </a:rPr>
+              <a:t>:</a:t>
+            </a:r>
+            <a:r>
+              <a:rPr lang="de-DE" sz="1200" dirty="0">
+                <a:solidFill>
+                  <a:srgbClr val="000000"/>
+                </a:solidFill>
+                <a:latin typeface="Source Code Pro" panose="020B0509030403020204" pitchFamily="49" charset="0"/>
+              </a:rPr>
+              <a:t> </a:t>
+            </a:r>
+            <a:r>
+              <a:rPr lang="de-DE" sz="1200" b="1" dirty="0">
+                <a:solidFill>
+                  <a:srgbClr val="4472C4"/>
+                </a:solidFill>
+                <a:latin typeface="Source Code Pro" panose="020B0509030403020204" pitchFamily="49" charset="0"/>
+              </a:rPr>
+              <a:t>{</a:t>
+            </a:r>
+            <a:endParaRPr lang="de-DE" sz="1200" dirty="0">
+              <a:solidFill>
+                <a:srgbClr val="000000"/>
+              </a:solidFill>
+              <a:latin typeface="Source Code Pro" panose="020B0509030403020204" pitchFamily="49" charset="0"/>
+            </a:endParaRPr>
+          </a:p>
+          <a:p>
+            <a:r>
+              <a:rPr lang="en-US" sz="1200" dirty="0">
+                <a:solidFill>
+                  <a:srgbClr val="000000"/>
+                </a:solidFill>
+                <a:latin typeface="Source Code Pro" panose="020B0509030403020204" pitchFamily="49" charset="0"/>
+              </a:rPr>
+              <a:t>    </a:t>
+            </a:r>
+            <a:r>
+              <a:rPr lang="en-US" sz="1200" dirty="0">
+                <a:solidFill>
+                  <a:srgbClr val="464646"/>
+                </a:solidFill>
+                <a:latin typeface="Source Code Pro" panose="020B0509030403020204" pitchFamily="49" charset="0"/>
+              </a:rPr>
+              <a:t>"</a:t>
+            </a:r>
+            <a:r>
+              <a:rPr lang="en-US" sz="1200" dirty="0" err="1">
+                <a:solidFill>
+                  <a:srgbClr val="464646"/>
+                </a:solidFill>
+                <a:latin typeface="Source Code Pro" panose="020B0509030403020204" pitchFamily="49" charset="0"/>
+              </a:rPr>
+              <a:t>street_address</a:t>
+            </a:r>
+            <a:r>
+              <a:rPr lang="en-US" sz="1200" dirty="0">
+                <a:solidFill>
+                  <a:srgbClr val="464646"/>
+                </a:solidFill>
+                <a:latin typeface="Source Code Pro" panose="020B0509030403020204" pitchFamily="49" charset="0"/>
+              </a:rPr>
+              <a:t>"</a:t>
+            </a:r>
+            <a:r>
+              <a:rPr lang="en-US" sz="1200" b="1" dirty="0">
+                <a:solidFill>
+                  <a:srgbClr val="4472C4"/>
+                </a:solidFill>
+                <a:latin typeface="Source Code Pro" panose="020B0509030403020204" pitchFamily="49" charset="0"/>
+              </a:rPr>
+              <a:t>:</a:t>
+            </a:r>
+            <a:r>
+              <a:rPr lang="en-US" sz="1200" dirty="0">
+                <a:solidFill>
+                  <a:srgbClr val="000000"/>
+                </a:solidFill>
+                <a:latin typeface="Source Code Pro" panose="020B0509030403020204" pitchFamily="49" charset="0"/>
+              </a:rPr>
+              <a:t> </a:t>
+            </a:r>
+            <a:r>
+              <a:rPr lang="en-US" sz="1200" dirty="0">
+                <a:solidFill>
+                  <a:srgbClr val="464646"/>
+                </a:solidFill>
+                <a:latin typeface="Source Code Pro" panose="020B0509030403020204" pitchFamily="49" charset="0"/>
+              </a:rPr>
+              <a:t>"1st Street SE"</a:t>
+            </a:r>
+            <a:r>
+              <a:rPr lang="en-US" sz="1200" b="1" dirty="0">
+                <a:solidFill>
+                  <a:srgbClr val="4472C4"/>
+                </a:solidFill>
+                <a:latin typeface="Source Code Pro" panose="020B0509030403020204" pitchFamily="49" charset="0"/>
+              </a:rPr>
+              <a:t>,</a:t>
+            </a:r>
+            <a:endParaRPr lang="en-US" sz="1200" dirty="0">
+              <a:solidFill>
+                <a:srgbClr val="000000"/>
+              </a:solidFill>
+              <a:latin typeface="Source Code Pro" panose="020B0509030403020204" pitchFamily="49" charset="0"/>
+            </a:endParaRPr>
+          </a:p>
+          <a:p>
+            <a:r>
+              <a:rPr lang="de-DE" sz="1200" dirty="0">
+                <a:solidFill>
+                  <a:srgbClr val="000000"/>
+                </a:solidFill>
+                <a:latin typeface="Source Code Pro" panose="020B0509030403020204" pitchFamily="49" charset="0"/>
+              </a:rPr>
+              <a:t>    </a:t>
+            </a:r>
+            <a:r>
+              <a:rPr lang="de-DE" sz="1200" dirty="0">
+                <a:solidFill>
+                  <a:srgbClr val="464646"/>
+                </a:solidFill>
+                <a:latin typeface="Source Code Pro" panose="020B0509030403020204" pitchFamily="49" charset="0"/>
+              </a:rPr>
+              <a:t>"</a:t>
+            </a:r>
+            <a:r>
+              <a:rPr lang="de-DE" sz="1200" dirty="0" err="1">
+                <a:solidFill>
+                  <a:srgbClr val="464646"/>
+                </a:solidFill>
+                <a:latin typeface="Source Code Pro" panose="020B0509030403020204" pitchFamily="49" charset="0"/>
+              </a:rPr>
+              <a:t>city</a:t>
+            </a:r>
+            <a:r>
+              <a:rPr lang="de-DE" sz="1200" dirty="0">
+                <a:solidFill>
+                  <a:srgbClr val="464646"/>
+                </a:solidFill>
+                <a:latin typeface="Source Code Pro" panose="020B0509030403020204" pitchFamily="49" charset="0"/>
+              </a:rPr>
+              <a:t>"</a:t>
+            </a:r>
+            <a:r>
+              <a:rPr lang="de-DE" sz="1200" b="1" dirty="0">
+                <a:solidFill>
+                  <a:srgbClr val="4472C4"/>
+                </a:solidFill>
+                <a:latin typeface="Source Code Pro" panose="020B0509030403020204" pitchFamily="49" charset="0"/>
+              </a:rPr>
+              <a:t>:</a:t>
+            </a:r>
+            <a:r>
+              <a:rPr lang="de-DE" sz="1200" dirty="0">
+                <a:solidFill>
+                  <a:srgbClr val="000000"/>
+                </a:solidFill>
+                <a:latin typeface="Source Code Pro" panose="020B0509030403020204" pitchFamily="49" charset="0"/>
+              </a:rPr>
+              <a:t> </a:t>
+            </a:r>
+            <a:r>
+              <a:rPr lang="de-DE" sz="1200" dirty="0">
+                <a:solidFill>
+                  <a:srgbClr val="464646"/>
+                </a:solidFill>
+                <a:latin typeface="Source Code Pro" panose="020B0509030403020204" pitchFamily="49" charset="0"/>
+              </a:rPr>
+              <a:t>"Washington"</a:t>
+            </a:r>
+            <a:r>
+              <a:rPr lang="de-DE" sz="1200" b="1" dirty="0">
+                <a:solidFill>
+                  <a:srgbClr val="4472C4"/>
+                </a:solidFill>
+                <a:latin typeface="Source Code Pro" panose="020B0509030403020204" pitchFamily="49" charset="0"/>
+              </a:rPr>
+              <a:t>,</a:t>
+            </a:r>
+            <a:endParaRPr lang="de-DE" sz="1200" dirty="0">
+              <a:solidFill>
+                <a:srgbClr val="000000"/>
+              </a:solidFill>
+              <a:latin typeface="Source Code Pro" panose="020B0509030403020204" pitchFamily="49" charset="0"/>
+            </a:endParaRPr>
+          </a:p>
+          <a:p>
+            <a:r>
+              <a:rPr lang="de-DE" sz="1200" dirty="0">
+                <a:solidFill>
+                  <a:srgbClr val="000000"/>
+                </a:solidFill>
+                <a:latin typeface="Source Code Pro" panose="020B0509030403020204" pitchFamily="49" charset="0"/>
+              </a:rPr>
+              <a:t>    </a:t>
+            </a:r>
+            <a:r>
+              <a:rPr lang="de-DE" sz="1200" dirty="0">
+                <a:solidFill>
+                  <a:srgbClr val="464646"/>
+                </a:solidFill>
+                <a:latin typeface="Source Code Pro" panose="020B0509030403020204" pitchFamily="49" charset="0"/>
+              </a:rPr>
+              <a:t>"</a:t>
+            </a:r>
+            <a:r>
+              <a:rPr lang="de-DE" sz="1200" dirty="0" err="1">
+                <a:solidFill>
+                  <a:srgbClr val="464646"/>
+                </a:solidFill>
+                <a:latin typeface="Source Code Pro" panose="020B0509030403020204" pitchFamily="49" charset="0"/>
+              </a:rPr>
+              <a:t>state</a:t>
+            </a:r>
+            <a:r>
+              <a:rPr lang="de-DE" sz="1200" dirty="0">
+                <a:solidFill>
+                  <a:srgbClr val="464646"/>
+                </a:solidFill>
+                <a:latin typeface="Source Code Pro" panose="020B0509030403020204" pitchFamily="49" charset="0"/>
+              </a:rPr>
+              <a:t>"</a:t>
+            </a:r>
+            <a:r>
+              <a:rPr lang="de-DE" sz="1200" b="1" dirty="0">
+                <a:solidFill>
+                  <a:srgbClr val="4472C4"/>
+                </a:solidFill>
+                <a:latin typeface="Source Code Pro" panose="020B0509030403020204" pitchFamily="49" charset="0"/>
+              </a:rPr>
+              <a:t>:</a:t>
+            </a:r>
+            <a:r>
+              <a:rPr lang="de-DE" sz="1200" dirty="0">
+                <a:solidFill>
+                  <a:srgbClr val="000000"/>
+                </a:solidFill>
+                <a:latin typeface="Source Code Pro" panose="020B0509030403020204" pitchFamily="49" charset="0"/>
+              </a:rPr>
+              <a:t> </a:t>
+            </a:r>
+            <a:r>
+              <a:rPr lang="de-DE" sz="1200" dirty="0">
+                <a:solidFill>
+                  <a:srgbClr val="464646"/>
+                </a:solidFill>
+                <a:latin typeface="Source Code Pro" panose="020B0509030403020204" pitchFamily="49" charset="0"/>
+              </a:rPr>
+              <a:t>"DC"</a:t>
+            </a:r>
+            <a:endParaRPr lang="de-DE" sz="1200" dirty="0">
+              <a:solidFill>
+                <a:srgbClr val="000000"/>
+              </a:solidFill>
+              <a:latin typeface="Source Code Pro" panose="020B0509030403020204" pitchFamily="49" charset="0"/>
+            </a:endParaRPr>
+          </a:p>
+          <a:p>
+            <a:r>
+              <a:rPr lang="de-DE" sz="1200" dirty="0">
+                <a:solidFill>
+                  <a:srgbClr val="000000"/>
+                </a:solidFill>
+                <a:latin typeface="Source Code Pro" panose="020B0509030403020204" pitchFamily="49" charset="0"/>
+              </a:rPr>
+              <a:t>  </a:t>
+            </a:r>
+            <a:r>
+              <a:rPr lang="de-DE" sz="1200" b="1" dirty="0">
+                <a:solidFill>
+                  <a:srgbClr val="4472C4"/>
+                </a:solidFill>
+                <a:latin typeface="Source Code Pro" panose="020B0509030403020204" pitchFamily="49" charset="0"/>
+              </a:rPr>
+              <a:t>}</a:t>
+            </a:r>
+            <a:endParaRPr lang="de-DE" sz="1200" dirty="0">
+              <a:solidFill>
+                <a:srgbClr val="000000"/>
+              </a:solidFill>
+              <a:latin typeface="Source Code Pro" panose="020B0509030403020204" pitchFamily="49" charset="0"/>
+            </a:endParaRPr>
+          </a:p>
+          <a:p>
+            <a:r>
+              <a:rPr lang="de-DE" sz="1200" b="1" dirty="0">
+                <a:solidFill>
+                  <a:srgbClr val="4472C4"/>
+                </a:solidFill>
+                <a:latin typeface="Source Code Pro" panose="020B0509030403020204" pitchFamily="49" charset="0"/>
+              </a:rPr>
+              <a:t>}</a:t>
+            </a:r>
+            <a:endParaRPr lang="de-DE" sz="1200" dirty="0"/>
+          </a:p>
+        </p:txBody>
+      </p:sp>
+      <p:sp>
+        <p:nvSpPr>
+          <p:cNvPr id="7" name="Rechteck 6">
+            <a:extLst>
+              <a:ext uri="{FF2B5EF4-FFF2-40B4-BE49-F238E27FC236}">
+                <a16:creationId xmlns:a16="http://schemas.microsoft.com/office/drawing/2014/main" id="{B85E1B8C-C111-47F7-9B6F-F2DF4671D6D2}"/>
+              </a:ext>
+            </a:extLst>
+          </p:cNvPr>
+          <p:cNvSpPr/>
+          <p:nvPr/>
+        </p:nvSpPr>
+        <p:spPr>
+          <a:xfrm>
+            <a:off x="581457" y="1690688"/>
+            <a:ext cx="5405306" cy="4339650"/>
+          </a:xfrm>
+          <a:prstGeom prst="rect">
+            <a:avLst/>
+          </a:prstGeom>
+          <a:solidFill>
+            <a:schemeClr val="bg1">
+              <a:lumMod val="95000"/>
+            </a:schemeClr>
+          </a:solidFill>
+          <a:ln>
+            <a:solidFill>
+              <a:schemeClr val="bg1">
+                <a:lumMod val="85000"/>
+              </a:schemeClr>
+            </a:solidFill>
+          </a:ln>
+        </p:spPr>
+        <p:txBody>
+          <a:bodyPr wrap="square">
+            <a:spAutoFit/>
+          </a:bodyPr>
+          <a:lstStyle/>
+          <a:p>
+            <a:r>
+              <a:rPr lang="de-DE" sz="1200" b="1" dirty="0">
+                <a:solidFill>
+                  <a:srgbClr val="4472C4"/>
+                </a:solidFill>
+                <a:latin typeface="Source Code Pro" panose="020B0509030403020204" pitchFamily="49" charset="0"/>
+              </a:rPr>
+              <a:t>{</a:t>
+            </a:r>
+            <a:endParaRPr lang="de-DE" sz="1200" dirty="0">
+              <a:solidFill>
+                <a:srgbClr val="000000"/>
+              </a:solidFill>
+              <a:latin typeface="Source Code Pro" panose="020B0509030403020204" pitchFamily="49" charset="0"/>
+            </a:endParaRPr>
+          </a:p>
+          <a:p>
+            <a:r>
+              <a:rPr lang="de-DE" sz="1200" dirty="0">
+                <a:solidFill>
+                  <a:srgbClr val="000000"/>
+                </a:solidFill>
+                <a:latin typeface="Source Code Pro" panose="020B0509030403020204" pitchFamily="49" charset="0"/>
+              </a:rPr>
+              <a:t>  </a:t>
+            </a:r>
+            <a:r>
+              <a:rPr lang="de-DE" sz="1200" dirty="0">
+                <a:solidFill>
+                  <a:srgbClr val="464646"/>
+                </a:solidFill>
+                <a:latin typeface="Source Code Pro" panose="020B0509030403020204" pitchFamily="49" charset="0"/>
+              </a:rPr>
+              <a:t>"</a:t>
+            </a:r>
+            <a:r>
+              <a:rPr lang="de-DE" sz="1200" dirty="0" err="1">
+                <a:solidFill>
+                  <a:srgbClr val="464646"/>
+                </a:solidFill>
+                <a:latin typeface="Source Code Pro" panose="020B0509030403020204" pitchFamily="49" charset="0"/>
+              </a:rPr>
+              <a:t>definitions</a:t>
+            </a:r>
+            <a:r>
+              <a:rPr lang="de-DE" sz="1200" dirty="0">
+                <a:solidFill>
+                  <a:srgbClr val="464646"/>
+                </a:solidFill>
+                <a:latin typeface="Source Code Pro" panose="020B0509030403020204" pitchFamily="49" charset="0"/>
+              </a:rPr>
+              <a:t>"</a:t>
+            </a:r>
+            <a:r>
+              <a:rPr lang="de-DE" sz="1200" b="1" dirty="0">
+                <a:solidFill>
+                  <a:srgbClr val="4472C4"/>
+                </a:solidFill>
+                <a:latin typeface="Source Code Pro" panose="020B0509030403020204" pitchFamily="49" charset="0"/>
+              </a:rPr>
+              <a:t>:</a:t>
+            </a:r>
+            <a:r>
+              <a:rPr lang="de-DE" sz="1200" dirty="0">
+                <a:solidFill>
+                  <a:srgbClr val="000000"/>
+                </a:solidFill>
+                <a:latin typeface="Source Code Pro" panose="020B0509030403020204" pitchFamily="49" charset="0"/>
+              </a:rPr>
+              <a:t> </a:t>
+            </a:r>
+            <a:r>
+              <a:rPr lang="de-DE" sz="1200" b="1" dirty="0">
+                <a:solidFill>
+                  <a:srgbClr val="4472C4"/>
+                </a:solidFill>
+                <a:latin typeface="Source Code Pro" panose="020B0509030403020204" pitchFamily="49" charset="0"/>
+              </a:rPr>
+              <a:t>{</a:t>
+            </a:r>
+            <a:endParaRPr lang="de-DE" sz="1200" dirty="0">
+              <a:solidFill>
+                <a:srgbClr val="000000"/>
+              </a:solidFill>
+              <a:latin typeface="Source Code Pro" panose="020B0509030403020204" pitchFamily="49" charset="0"/>
+            </a:endParaRPr>
+          </a:p>
+          <a:p>
+            <a:r>
+              <a:rPr lang="de-DE" sz="1200" dirty="0">
+                <a:solidFill>
+                  <a:srgbClr val="000000"/>
+                </a:solidFill>
+                <a:latin typeface="Source Code Pro" panose="020B0509030403020204" pitchFamily="49" charset="0"/>
+              </a:rPr>
+              <a:t>    </a:t>
+            </a:r>
+            <a:r>
+              <a:rPr lang="de-DE" sz="1200" dirty="0">
+                <a:solidFill>
+                  <a:srgbClr val="464646"/>
+                </a:solidFill>
+                <a:latin typeface="Source Code Pro" panose="020B0509030403020204" pitchFamily="49" charset="0"/>
+              </a:rPr>
+              <a:t>"</a:t>
+            </a:r>
+            <a:r>
+              <a:rPr lang="de-DE" sz="1200" dirty="0" err="1">
+                <a:solidFill>
+                  <a:srgbClr val="464646"/>
+                </a:solidFill>
+                <a:latin typeface="Source Code Pro" panose="020B0509030403020204" pitchFamily="49" charset="0"/>
+              </a:rPr>
+              <a:t>address</a:t>
+            </a:r>
+            <a:r>
+              <a:rPr lang="de-DE" sz="1200" dirty="0">
+                <a:solidFill>
+                  <a:srgbClr val="464646"/>
+                </a:solidFill>
+                <a:latin typeface="Source Code Pro" panose="020B0509030403020204" pitchFamily="49" charset="0"/>
+              </a:rPr>
+              <a:t>"</a:t>
+            </a:r>
+            <a:r>
+              <a:rPr lang="de-DE" sz="1200" b="1" dirty="0">
+                <a:solidFill>
+                  <a:srgbClr val="4472C4"/>
+                </a:solidFill>
+                <a:latin typeface="Source Code Pro" panose="020B0509030403020204" pitchFamily="49" charset="0"/>
+              </a:rPr>
+              <a:t>:</a:t>
+            </a:r>
+            <a:r>
+              <a:rPr lang="de-DE" sz="1200" dirty="0">
+                <a:solidFill>
+                  <a:srgbClr val="000000"/>
+                </a:solidFill>
+                <a:latin typeface="Source Code Pro" panose="020B0509030403020204" pitchFamily="49" charset="0"/>
+              </a:rPr>
+              <a:t> </a:t>
+            </a:r>
+            <a:r>
+              <a:rPr lang="de-DE" sz="1200" b="1" dirty="0">
+                <a:solidFill>
+                  <a:srgbClr val="4472C4"/>
+                </a:solidFill>
+                <a:latin typeface="Source Code Pro" panose="020B0509030403020204" pitchFamily="49" charset="0"/>
+              </a:rPr>
+              <a:t>{</a:t>
+            </a:r>
+            <a:endParaRPr lang="de-DE" sz="1200" dirty="0">
+              <a:solidFill>
+                <a:srgbClr val="000000"/>
+              </a:solidFill>
+              <a:latin typeface="Source Code Pro" panose="020B0509030403020204" pitchFamily="49" charset="0"/>
+            </a:endParaRPr>
+          </a:p>
+          <a:p>
+            <a:r>
+              <a:rPr lang="de-DE" sz="1200" dirty="0">
+                <a:solidFill>
+                  <a:srgbClr val="000000"/>
+                </a:solidFill>
+                <a:latin typeface="Source Code Pro" panose="020B0509030403020204" pitchFamily="49" charset="0"/>
+              </a:rPr>
+              <a:t>      </a:t>
+            </a:r>
+            <a:r>
+              <a:rPr lang="de-DE" sz="1200" dirty="0">
+                <a:solidFill>
+                  <a:srgbClr val="464646"/>
+                </a:solidFill>
+                <a:latin typeface="Source Code Pro" panose="020B0509030403020204" pitchFamily="49" charset="0"/>
+              </a:rPr>
+              <a:t>"type"</a:t>
+            </a:r>
+            <a:r>
+              <a:rPr lang="de-DE" sz="1200" b="1" dirty="0">
+                <a:solidFill>
+                  <a:srgbClr val="4472C4"/>
+                </a:solidFill>
+                <a:latin typeface="Source Code Pro" panose="020B0509030403020204" pitchFamily="49" charset="0"/>
+              </a:rPr>
+              <a:t>:</a:t>
+            </a:r>
+            <a:r>
+              <a:rPr lang="de-DE" sz="1200" dirty="0">
+                <a:solidFill>
+                  <a:srgbClr val="000000"/>
+                </a:solidFill>
+                <a:latin typeface="Source Code Pro" panose="020B0509030403020204" pitchFamily="49" charset="0"/>
+              </a:rPr>
+              <a:t> </a:t>
+            </a:r>
+            <a:r>
+              <a:rPr lang="de-DE" sz="1200" dirty="0">
+                <a:solidFill>
+                  <a:srgbClr val="464646"/>
+                </a:solidFill>
+                <a:latin typeface="Source Code Pro" panose="020B0509030403020204" pitchFamily="49" charset="0"/>
+              </a:rPr>
+              <a:t>"</a:t>
+            </a:r>
+            <a:r>
+              <a:rPr lang="de-DE" sz="1200" dirty="0" err="1">
+                <a:solidFill>
+                  <a:srgbClr val="464646"/>
+                </a:solidFill>
+                <a:latin typeface="Source Code Pro" panose="020B0509030403020204" pitchFamily="49" charset="0"/>
+              </a:rPr>
+              <a:t>object</a:t>
+            </a:r>
+            <a:r>
+              <a:rPr lang="de-DE" sz="1200" dirty="0">
+                <a:solidFill>
+                  <a:srgbClr val="464646"/>
+                </a:solidFill>
+                <a:latin typeface="Source Code Pro" panose="020B0509030403020204" pitchFamily="49" charset="0"/>
+              </a:rPr>
+              <a:t>"</a:t>
+            </a:r>
+            <a:r>
+              <a:rPr lang="de-DE" sz="1200" b="1" dirty="0">
+                <a:solidFill>
+                  <a:srgbClr val="4472C4"/>
+                </a:solidFill>
+                <a:latin typeface="Source Code Pro" panose="020B0509030403020204" pitchFamily="49" charset="0"/>
+              </a:rPr>
+              <a:t>,</a:t>
+            </a:r>
+            <a:endParaRPr lang="de-DE" sz="1200" dirty="0">
+              <a:solidFill>
+                <a:srgbClr val="000000"/>
+              </a:solidFill>
+              <a:latin typeface="Source Code Pro" panose="020B0509030403020204" pitchFamily="49" charset="0"/>
+            </a:endParaRPr>
+          </a:p>
+          <a:p>
+            <a:r>
+              <a:rPr lang="de-DE" sz="1200" dirty="0">
+                <a:solidFill>
+                  <a:srgbClr val="000000"/>
+                </a:solidFill>
+                <a:latin typeface="Source Code Pro" panose="020B0509030403020204" pitchFamily="49" charset="0"/>
+              </a:rPr>
+              <a:t>      </a:t>
+            </a:r>
+            <a:r>
+              <a:rPr lang="de-DE" sz="1200" dirty="0">
+                <a:solidFill>
+                  <a:srgbClr val="464646"/>
+                </a:solidFill>
+                <a:latin typeface="Source Code Pro" panose="020B0509030403020204" pitchFamily="49" charset="0"/>
+              </a:rPr>
+              <a:t>"</a:t>
+            </a:r>
+            <a:r>
+              <a:rPr lang="de-DE" sz="1200" dirty="0" err="1">
+                <a:solidFill>
+                  <a:srgbClr val="464646"/>
+                </a:solidFill>
+                <a:latin typeface="Source Code Pro" panose="020B0509030403020204" pitchFamily="49" charset="0"/>
+              </a:rPr>
+              <a:t>properties</a:t>
+            </a:r>
+            <a:r>
+              <a:rPr lang="de-DE" sz="1200" dirty="0">
+                <a:solidFill>
+                  <a:srgbClr val="464646"/>
+                </a:solidFill>
+                <a:latin typeface="Source Code Pro" panose="020B0509030403020204" pitchFamily="49" charset="0"/>
+              </a:rPr>
+              <a:t>"</a:t>
+            </a:r>
+            <a:r>
+              <a:rPr lang="de-DE" sz="1200" b="1" dirty="0">
+                <a:solidFill>
+                  <a:srgbClr val="4472C4"/>
+                </a:solidFill>
+                <a:latin typeface="Source Code Pro" panose="020B0509030403020204" pitchFamily="49" charset="0"/>
+              </a:rPr>
+              <a:t>:</a:t>
+            </a:r>
+            <a:r>
+              <a:rPr lang="de-DE" sz="1200" dirty="0">
+                <a:solidFill>
+                  <a:srgbClr val="000000"/>
+                </a:solidFill>
+                <a:latin typeface="Source Code Pro" panose="020B0509030403020204" pitchFamily="49" charset="0"/>
+              </a:rPr>
+              <a:t> </a:t>
+            </a:r>
+            <a:r>
+              <a:rPr lang="de-DE" sz="1200" b="1" dirty="0">
+                <a:solidFill>
+                  <a:srgbClr val="4472C4"/>
+                </a:solidFill>
+                <a:latin typeface="Source Code Pro" panose="020B0509030403020204" pitchFamily="49" charset="0"/>
+              </a:rPr>
+              <a:t>{</a:t>
+            </a:r>
+            <a:endParaRPr lang="de-DE" sz="1200" dirty="0">
+              <a:solidFill>
+                <a:srgbClr val="000000"/>
+              </a:solidFill>
+              <a:latin typeface="Source Code Pro" panose="020B0509030403020204" pitchFamily="49" charset="0"/>
+            </a:endParaRPr>
+          </a:p>
+          <a:p>
+            <a:r>
+              <a:rPr lang="de-DE" sz="1200" dirty="0">
+                <a:solidFill>
+                  <a:srgbClr val="000000"/>
+                </a:solidFill>
+                <a:latin typeface="Source Code Pro" panose="020B0509030403020204" pitchFamily="49" charset="0"/>
+              </a:rPr>
+              <a:t>        </a:t>
+            </a:r>
+            <a:r>
+              <a:rPr lang="de-DE" sz="1200" dirty="0">
+                <a:solidFill>
+                  <a:srgbClr val="464646"/>
+                </a:solidFill>
+                <a:latin typeface="Source Code Pro" panose="020B0509030403020204" pitchFamily="49" charset="0"/>
+              </a:rPr>
+              <a:t>"</a:t>
+            </a:r>
+            <a:r>
+              <a:rPr lang="de-DE" sz="1200" dirty="0" err="1">
+                <a:solidFill>
+                  <a:srgbClr val="464646"/>
+                </a:solidFill>
+                <a:latin typeface="Source Code Pro" panose="020B0509030403020204" pitchFamily="49" charset="0"/>
+              </a:rPr>
+              <a:t>street_address</a:t>
+            </a:r>
+            <a:r>
+              <a:rPr lang="de-DE" sz="1200" dirty="0">
+                <a:solidFill>
+                  <a:srgbClr val="464646"/>
+                </a:solidFill>
+                <a:latin typeface="Source Code Pro" panose="020B0509030403020204" pitchFamily="49" charset="0"/>
+              </a:rPr>
+              <a:t>"</a:t>
+            </a:r>
+            <a:r>
+              <a:rPr lang="de-DE" sz="1200" b="1" dirty="0">
+                <a:solidFill>
+                  <a:srgbClr val="4472C4"/>
+                </a:solidFill>
+                <a:latin typeface="Source Code Pro" panose="020B0509030403020204" pitchFamily="49" charset="0"/>
+              </a:rPr>
+              <a:t>:</a:t>
+            </a:r>
+            <a:r>
+              <a:rPr lang="de-DE" sz="1200" dirty="0">
+                <a:solidFill>
+                  <a:srgbClr val="000000"/>
+                </a:solidFill>
+                <a:latin typeface="Source Code Pro" panose="020B0509030403020204" pitchFamily="49" charset="0"/>
+              </a:rPr>
+              <a:t> </a:t>
+            </a:r>
+            <a:r>
+              <a:rPr lang="de-DE" sz="1200" b="1" dirty="0">
+                <a:solidFill>
+                  <a:srgbClr val="4472C4"/>
+                </a:solidFill>
+                <a:latin typeface="Source Code Pro" panose="020B0509030403020204" pitchFamily="49" charset="0"/>
+              </a:rPr>
+              <a:t>{</a:t>
+            </a:r>
+            <a:r>
+              <a:rPr lang="de-DE" sz="1200" dirty="0">
+                <a:solidFill>
+                  <a:srgbClr val="000000"/>
+                </a:solidFill>
+                <a:latin typeface="Source Code Pro" panose="020B0509030403020204" pitchFamily="49" charset="0"/>
+              </a:rPr>
+              <a:t> </a:t>
+            </a:r>
+            <a:r>
+              <a:rPr lang="de-DE" sz="1200" dirty="0">
+                <a:solidFill>
+                  <a:srgbClr val="464646"/>
+                </a:solidFill>
+                <a:latin typeface="Source Code Pro" panose="020B0509030403020204" pitchFamily="49" charset="0"/>
+              </a:rPr>
+              <a:t>"type"</a:t>
+            </a:r>
+            <a:r>
+              <a:rPr lang="de-DE" sz="1200" b="1" dirty="0">
+                <a:solidFill>
+                  <a:srgbClr val="4472C4"/>
+                </a:solidFill>
+                <a:latin typeface="Source Code Pro" panose="020B0509030403020204" pitchFamily="49" charset="0"/>
+              </a:rPr>
+              <a:t>:</a:t>
+            </a:r>
+            <a:r>
+              <a:rPr lang="de-DE" sz="1200" dirty="0">
+                <a:solidFill>
+                  <a:srgbClr val="000000"/>
+                </a:solidFill>
+                <a:latin typeface="Source Code Pro" panose="020B0509030403020204" pitchFamily="49" charset="0"/>
+              </a:rPr>
+              <a:t> </a:t>
+            </a:r>
+            <a:r>
+              <a:rPr lang="de-DE" sz="1200" dirty="0">
+                <a:solidFill>
+                  <a:srgbClr val="464646"/>
+                </a:solidFill>
+                <a:latin typeface="Source Code Pro" panose="020B0509030403020204" pitchFamily="49" charset="0"/>
+              </a:rPr>
+              <a:t>"</a:t>
+            </a:r>
+            <a:r>
+              <a:rPr lang="de-DE" sz="1200" dirty="0" err="1">
+                <a:solidFill>
+                  <a:srgbClr val="464646"/>
+                </a:solidFill>
+                <a:latin typeface="Source Code Pro" panose="020B0509030403020204" pitchFamily="49" charset="0"/>
+              </a:rPr>
+              <a:t>string</a:t>
+            </a:r>
+            <a:r>
+              <a:rPr lang="de-DE" sz="1200" dirty="0">
+                <a:solidFill>
+                  <a:srgbClr val="464646"/>
+                </a:solidFill>
+                <a:latin typeface="Source Code Pro" panose="020B0509030403020204" pitchFamily="49" charset="0"/>
+              </a:rPr>
+              <a:t>"</a:t>
+            </a:r>
+            <a:r>
+              <a:rPr lang="de-DE" sz="1200" dirty="0">
+                <a:solidFill>
+                  <a:srgbClr val="000000"/>
+                </a:solidFill>
+                <a:latin typeface="Source Code Pro" panose="020B0509030403020204" pitchFamily="49" charset="0"/>
+              </a:rPr>
+              <a:t> </a:t>
+            </a:r>
+            <a:r>
+              <a:rPr lang="de-DE" sz="1200" b="1" dirty="0">
+                <a:solidFill>
+                  <a:srgbClr val="4472C4"/>
+                </a:solidFill>
+                <a:latin typeface="Source Code Pro" panose="020B0509030403020204" pitchFamily="49" charset="0"/>
+              </a:rPr>
+              <a:t>},</a:t>
+            </a:r>
+            <a:endParaRPr lang="de-DE" sz="1200" dirty="0">
+              <a:solidFill>
+                <a:srgbClr val="000000"/>
+              </a:solidFill>
+              <a:latin typeface="Source Code Pro" panose="020B0509030403020204" pitchFamily="49" charset="0"/>
+            </a:endParaRPr>
+          </a:p>
+          <a:p>
+            <a:r>
+              <a:rPr lang="de-DE" sz="1200" dirty="0">
+                <a:solidFill>
+                  <a:srgbClr val="000000"/>
+                </a:solidFill>
+                <a:latin typeface="Source Code Pro" panose="020B0509030403020204" pitchFamily="49" charset="0"/>
+              </a:rPr>
+              <a:t>        </a:t>
+            </a:r>
+            <a:r>
+              <a:rPr lang="de-DE" sz="1200" dirty="0">
+                <a:solidFill>
+                  <a:srgbClr val="464646"/>
+                </a:solidFill>
+                <a:latin typeface="Source Code Pro" panose="020B0509030403020204" pitchFamily="49" charset="0"/>
+              </a:rPr>
+              <a:t>"</a:t>
+            </a:r>
+            <a:r>
+              <a:rPr lang="de-DE" sz="1200" dirty="0" err="1">
+                <a:solidFill>
+                  <a:srgbClr val="464646"/>
+                </a:solidFill>
+                <a:latin typeface="Source Code Pro" panose="020B0509030403020204" pitchFamily="49" charset="0"/>
+              </a:rPr>
+              <a:t>city</a:t>
+            </a:r>
+            <a:r>
+              <a:rPr lang="de-DE" sz="1200" dirty="0">
+                <a:solidFill>
+                  <a:srgbClr val="464646"/>
+                </a:solidFill>
+                <a:latin typeface="Source Code Pro" panose="020B0509030403020204" pitchFamily="49" charset="0"/>
+              </a:rPr>
+              <a:t>"</a:t>
+            </a:r>
+            <a:r>
+              <a:rPr lang="de-DE" sz="1200" b="1" dirty="0">
+                <a:solidFill>
+                  <a:srgbClr val="4472C4"/>
+                </a:solidFill>
+                <a:latin typeface="Source Code Pro" panose="020B0509030403020204" pitchFamily="49" charset="0"/>
+              </a:rPr>
+              <a:t>:</a:t>
+            </a:r>
+            <a:r>
+              <a:rPr lang="de-DE" sz="1200" dirty="0">
+                <a:solidFill>
+                  <a:srgbClr val="000000"/>
+                </a:solidFill>
+                <a:latin typeface="Source Code Pro" panose="020B0509030403020204" pitchFamily="49" charset="0"/>
+              </a:rPr>
+              <a:t>           </a:t>
+            </a:r>
+            <a:r>
+              <a:rPr lang="de-DE" sz="1200" b="1" dirty="0">
+                <a:solidFill>
+                  <a:srgbClr val="4472C4"/>
+                </a:solidFill>
+                <a:latin typeface="Source Code Pro" panose="020B0509030403020204" pitchFamily="49" charset="0"/>
+              </a:rPr>
+              <a:t>{</a:t>
+            </a:r>
+            <a:r>
+              <a:rPr lang="de-DE" sz="1200" dirty="0">
+                <a:solidFill>
+                  <a:srgbClr val="000000"/>
+                </a:solidFill>
+                <a:latin typeface="Source Code Pro" panose="020B0509030403020204" pitchFamily="49" charset="0"/>
+              </a:rPr>
+              <a:t> </a:t>
+            </a:r>
+            <a:r>
+              <a:rPr lang="de-DE" sz="1200" dirty="0">
+                <a:solidFill>
+                  <a:srgbClr val="464646"/>
+                </a:solidFill>
+                <a:latin typeface="Source Code Pro" panose="020B0509030403020204" pitchFamily="49" charset="0"/>
+              </a:rPr>
+              <a:t>"type"</a:t>
+            </a:r>
+            <a:r>
+              <a:rPr lang="de-DE" sz="1200" b="1" dirty="0">
+                <a:solidFill>
+                  <a:srgbClr val="4472C4"/>
+                </a:solidFill>
+                <a:latin typeface="Source Code Pro" panose="020B0509030403020204" pitchFamily="49" charset="0"/>
+              </a:rPr>
+              <a:t>:</a:t>
+            </a:r>
+            <a:r>
+              <a:rPr lang="de-DE" sz="1200" dirty="0">
+                <a:solidFill>
+                  <a:srgbClr val="000000"/>
+                </a:solidFill>
+                <a:latin typeface="Source Code Pro" panose="020B0509030403020204" pitchFamily="49" charset="0"/>
+              </a:rPr>
+              <a:t> </a:t>
+            </a:r>
+            <a:r>
+              <a:rPr lang="de-DE" sz="1200" dirty="0">
+                <a:solidFill>
+                  <a:srgbClr val="464646"/>
+                </a:solidFill>
+                <a:latin typeface="Source Code Pro" panose="020B0509030403020204" pitchFamily="49" charset="0"/>
+              </a:rPr>
+              <a:t>"</a:t>
+            </a:r>
+            <a:r>
+              <a:rPr lang="de-DE" sz="1200" dirty="0" err="1">
+                <a:solidFill>
+                  <a:srgbClr val="464646"/>
+                </a:solidFill>
+                <a:latin typeface="Source Code Pro" panose="020B0509030403020204" pitchFamily="49" charset="0"/>
+              </a:rPr>
+              <a:t>string</a:t>
+            </a:r>
+            <a:r>
+              <a:rPr lang="de-DE" sz="1200" dirty="0">
+                <a:solidFill>
+                  <a:srgbClr val="464646"/>
+                </a:solidFill>
+                <a:latin typeface="Source Code Pro" panose="020B0509030403020204" pitchFamily="49" charset="0"/>
+              </a:rPr>
+              <a:t>"</a:t>
+            </a:r>
+            <a:r>
+              <a:rPr lang="de-DE" sz="1200" dirty="0">
+                <a:solidFill>
+                  <a:srgbClr val="000000"/>
+                </a:solidFill>
+                <a:latin typeface="Source Code Pro" panose="020B0509030403020204" pitchFamily="49" charset="0"/>
+              </a:rPr>
+              <a:t> </a:t>
+            </a:r>
+            <a:r>
+              <a:rPr lang="de-DE" sz="1200" b="1" dirty="0">
+                <a:solidFill>
+                  <a:srgbClr val="4472C4"/>
+                </a:solidFill>
+                <a:latin typeface="Source Code Pro" panose="020B0509030403020204" pitchFamily="49" charset="0"/>
+              </a:rPr>
+              <a:t>},</a:t>
+            </a:r>
+            <a:endParaRPr lang="de-DE" sz="1200" dirty="0">
+              <a:solidFill>
+                <a:srgbClr val="000000"/>
+              </a:solidFill>
+              <a:latin typeface="Source Code Pro" panose="020B0509030403020204" pitchFamily="49" charset="0"/>
+            </a:endParaRPr>
+          </a:p>
+          <a:p>
+            <a:r>
+              <a:rPr lang="de-DE" sz="1200" dirty="0">
+                <a:solidFill>
+                  <a:srgbClr val="000000"/>
+                </a:solidFill>
+                <a:latin typeface="Source Code Pro" panose="020B0509030403020204" pitchFamily="49" charset="0"/>
+              </a:rPr>
+              <a:t>        </a:t>
+            </a:r>
+            <a:r>
+              <a:rPr lang="de-DE" sz="1200" dirty="0">
+                <a:solidFill>
+                  <a:srgbClr val="464646"/>
+                </a:solidFill>
+                <a:latin typeface="Source Code Pro" panose="020B0509030403020204" pitchFamily="49" charset="0"/>
+              </a:rPr>
+              <a:t>"</a:t>
+            </a:r>
+            <a:r>
+              <a:rPr lang="de-DE" sz="1200" dirty="0" err="1">
+                <a:solidFill>
+                  <a:srgbClr val="464646"/>
+                </a:solidFill>
+                <a:latin typeface="Source Code Pro" panose="020B0509030403020204" pitchFamily="49" charset="0"/>
+              </a:rPr>
+              <a:t>state</a:t>
+            </a:r>
+            <a:r>
+              <a:rPr lang="de-DE" sz="1200" dirty="0">
+                <a:solidFill>
+                  <a:srgbClr val="464646"/>
+                </a:solidFill>
+                <a:latin typeface="Source Code Pro" panose="020B0509030403020204" pitchFamily="49" charset="0"/>
+              </a:rPr>
+              <a:t>"</a:t>
+            </a:r>
+            <a:r>
+              <a:rPr lang="de-DE" sz="1200" b="1" dirty="0">
+                <a:solidFill>
+                  <a:srgbClr val="4472C4"/>
+                </a:solidFill>
+                <a:latin typeface="Source Code Pro" panose="020B0509030403020204" pitchFamily="49" charset="0"/>
+              </a:rPr>
+              <a:t>:</a:t>
+            </a:r>
+            <a:r>
+              <a:rPr lang="de-DE" sz="1200" dirty="0">
+                <a:solidFill>
+                  <a:srgbClr val="000000"/>
+                </a:solidFill>
+                <a:latin typeface="Source Code Pro" panose="020B0509030403020204" pitchFamily="49" charset="0"/>
+              </a:rPr>
+              <a:t>          </a:t>
+            </a:r>
+            <a:r>
+              <a:rPr lang="de-DE" sz="1200" b="1" dirty="0">
+                <a:solidFill>
+                  <a:srgbClr val="4472C4"/>
+                </a:solidFill>
+                <a:latin typeface="Source Code Pro" panose="020B0509030403020204" pitchFamily="49" charset="0"/>
+              </a:rPr>
+              <a:t>{</a:t>
+            </a:r>
+            <a:r>
+              <a:rPr lang="de-DE" sz="1200" dirty="0">
+                <a:solidFill>
+                  <a:srgbClr val="000000"/>
+                </a:solidFill>
+                <a:latin typeface="Source Code Pro" panose="020B0509030403020204" pitchFamily="49" charset="0"/>
+              </a:rPr>
+              <a:t> </a:t>
+            </a:r>
+            <a:r>
+              <a:rPr lang="de-DE" sz="1200" dirty="0">
+                <a:solidFill>
+                  <a:srgbClr val="464646"/>
+                </a:solidFill>
+                <a:latin typeface="Source Code Pro" panose="020B0509030403020204" pitchFamily="49" charset="0"/>
+              </a:rPr>
+              <a:t>"type"</a:t>
+            </a:r>
+            <a:r>
+              <a:rPr lang="de-DE" sz="1200" b="1" dirty="0">
+                <a:solidFill>
+                  <a:srgbClr val="4472C4"/>
+                </a:solidFill>
+                <a:latin typeface="Source Code Pro" panose="020B0509030403020204" pitchFamily="49" charset="0"/>
+              </a:rPr>
+              <a:t>:</a:t>
+            </a:r>
+            <a:r>
+              <a:rPr lang="de-DE" sz="1200" dirty="0">
+                <a:solidFill>
+                  <a:srgbClr val="000000"/>
+                </a:solidFill>
+                <a:latin typeface="Source Code Pro" panose="020B0509030403020204" pitchFamily="49" charset="0"/>
+              </a:rPr>
+              <a:t> </a:t>
+            </a:r>
+            <a:r>
+              <a:rPr lang="de-DE" sz="1200" dirty="0">
+                <a:solidFill>
+                  <a:srgbClr val="464646"/>
+                </a:solidFill>
+                <a:latin typeface="Source Code Pro" panose="020B0509030403020204" pitchFamily="49" charset="0"/>
+              </a:rPr>
+              <a:t>"</a:t>
+            </a:r>
+            <a:r>
+              <a:rPr lang="de-DE" sz="1200" dirty="0" err="1">
+                <a:solidFill>
+                  <a:srgbClr val="464646"/>
+                </a:solidFill>
+                <a:latin typeface="Source Code Pro" panose="020B0509030403020204" pitchFamily="49" charset="0"/>
+              </a:rPr>
+              <a:t>string</a:t>
+            </a:r>
+            <a:r>
+              <a:rPr lang="de-DE" sz="1200" dirty="0">
+                <a:solidFill>
+                  <a:srgbClr val="464646"/>
+                </a:solidFill>
+                <a:latin typeface="Source Code Pro" panose="020B0509030403020204" pitchFamily="49" charset="0"/>
+              </a:rPr>
+              <a:t>"</a:t>
+            </a:r>
+            <a:r>
+              <a:rPr lang="de-DE" sz="1200" dirty="0">
+                <a:solidFill>
+                  <a:srgbClr val="000000"/>
+                </a:solidFill>
+                <a:latin typeface="Source Code Pro" panose="020B0509030403020204" pitchFamily="49" charset="0"/>
+              </a:rPr>
+              <a:t> </a:t>
+            </a:r>
+            <a:r>
+              <a:rPr lang="de-DE" sz="1200" b="1" dirty="0">
+                <a:solidFill>
+                  <a:srgbClr val="4472C4"/>
+                </a:solidFill>
+                <a:latin typeface="Source Code Pro" panose="020B0509030403020204" pitchFamily="49" charset="0"/>
+              </a:rPr>
+              <a:t>}</a:t>
+            </a:r>
+            <a:endParaRPr lang="de-DE" sz="1200" dirty="0">
+              <a:solidFill>
+                <a:srgbClr val="000000"/>
+              </a:solidFill>
+              <a:latin typeface="Source Code Pro" panose="020B0509030403020204" pitchFamily="49" charset="0"/>
+            </a:endParaRPr>
+          </a:p>
+          <a:p>
+            <a:r>
+              <a:rPr lang="de-DE" sz="1200" dirty="0">
+                <a:solidFill>
+                  <a:srgbClr val="000000"/>
+                </a:solidFill>
+                <a:latin typeface="Source Code Pro" panose="020B0509030403020204" pitchFamily="49" charset="0"/>
+              </a:rPr>
+              <a:t>      </a:t>
+            </a:r>
+            <a:r>
+              <a:rPr lang="de-DE" sz="1200" b="1" dirty="0">
+                <a:solidFill>
+                  <a:srgbClr val="4472C4"/>
+                </a:solidFill>
+                <a:latin typeface="Source Code Pro" panose="020B0509030403020204" pitchFamily="49" charset="0"/>
+              </a:rPr>
+              <a:t>},</a:t>
+            </a:r>
+            <a:endParaRPr lang="de-DE" sz="1200" dirty="0">
+              <a:solidFill>
+                <a:srgbClr val="000000"/>
+              </a:solidFill>
+              <a:latin typeface="Source Code Pro" panose="020B0509030403020204" pitchFamily="49" charset="0"/>
+            </a:endParaRPr>
+          </a:p>
+          <a:p>
+            <a:r>
+              <a:rPr lang="en-US" sz="1200" dirty="0">
+                <a:solidFill>
+                  <a:srgbClr val="000000"/>
+                </a:solidFill>
+                <a:latin typeface="Source Code Pro" panose="020B0509030403020204" pitchFamily="49" charset="0"/>
+              </a:rPr>
+              <a:t>      </a:t>
+            </a:r>
+            <a:r>
+              <a:rPr lang="en-US" sz="1200" dirty="0">
+                <a:solidFill>
+                  <a:srgbClr val="464646"/>
+                </a:solidFill>
+                <a:latin typeface="Source Code Pro" panose="020B0509030403020204" pitchFamily="49" charset="0"/>
+              </a:rPr>
+              <a:t>"required"</a:t>
+            </a:r>
+            <a:r>
+              <a:rPr lang="en-US" sz="1200" b="1" dirty="0">
+                <a:solidFill>
+                  <a:srgbClr val="4472C4"/>
+                </a:solidFill>
+                <a:latin typeface="Source Code Pro" panose="020B0509030403020204" pitchFamily="49" charset="0"/>
+              </a:rPr>
+              <a:t>:</a:t>
+            </a:r>
+            <a:r>
+              <a:rPr lang="en-US" sz="1200" dirty="0">
+                <a:solidFill>
+                  <a:srgbClr val="000000"/>
+                </a:solidFill>
+                <a:latin typeface="Source Code Pro" panose="020B0509030403020204" pitchFamily="49" charset="0"/>
+              </a:rPr>
+              <a:t> </a:t>
+            </a:r>
+            <a:r>
+              <a:rPr lang="en-US" sz="1200" b="1" dirty="0">
+                <a:solidFill>
+                  <a:srgbClr val="4472C4"/>
+                </a:solidFill>
+                <a:latin typeface="Source Code Pro" panose="020B0509030403020204" pitchFamily="49" charset="0"/>
+              </a:rPr>
+              <a:t>[</a:t>
+            </a:r>
+            <a:r>
+              <a:rPr lang="en-US" sz="1200" dirty="0">
+                <a:solidFill>
+                  <a:srgbClr val="464646"/>
+                </a:solidFill>
+                <a:latin typeface="Source Code Pro" panose="020B0509030403020204" pitchFamily="49" charset="0"/>
+              </a:rPr>
+              <a:t>"</a:t>
+            </a:r>
+            <a:r>
+              <a:rPr lang="en-US" sz="1200" dirty="0" err="1">
+                <a:solidFill>
+                  <a:srgbClr val="464646"/>
+                </a:solidFill>
+                <a:latin typeface="Source Code Pro" panose="020B0509030403020204" pitchFamily="49" charset="0"/>
+              </a:rPr>
+              <a:t>street_address</a:t>
+            </a:r>
+            <a:r>
+              <a:rPr lang="en-US" sz="1200" dirty="0">
+                <a:solidFill>
+                  <a:srgbClr val="464646"/>
+                </a:solidFill>
+                <a:latin typeface="Source Code Pro" panose="020B0509030403020204" pitchFamily="49" charset="0"/>
+              </a:rPr>
+              <a:t>"</a:t>
+            </a:r>
+            <a:r>
+              <a:rPr lang="en-US" sz="1200" b="1" dirty="0">
+                <a:solidFill>
+                  <a:srgbClr val="4472C4"/>
+                </a:solidFill>
+                <a:latin typeface="Source Code Pro" panose="020B0509030403020204" pitchFamily="49" charset="0"/>
+              </a:rPr>
+              <a:t>,</a:t>
+            </a:r>
+            <a:r>
+              <a:rPr lang="en-US" sz="1200" dirty="0">
+                <a:solidFill>
+                  <a:srgbClr val="000000"/>
+                </a:solidFill>
+                <a:latin typeface="Source Code Pro" panose="020B0509030403020204" pitchFamily="49" charset="0"/>
+              </a:rPr>
+              <a:t> </a:t>
+            </a:r>
+            <a:r>
+              <a:rPr lang="en-US" sz="1200" dirty="0">
+                <a:solidFill>
+                  <a:srgbClr val="464646"/>
+                </a:solidFill>
+                <a:latin typeface="Source Code Pro" panose="020B0509030403020204" pitchFamily="49" charset="0"/>
+              </a:rPr>
+              <a:t>"city"</a:t>
+            </a:r>
+            <a:r>
+              <a:rPr lang="en-US" sz="1200" b="1" dirty="0">
+                <a:solidFill>
+                  <a:srgbClr val="4472C4"/>
+                </a:solidFill>
+                <a:latin typeface="Source Code Pro" panose="020B0509030403020204" pitchFamily="49" charset="0"/>
+              </a:rPr>
+              <a:t>,</a:t>
+            </a:r>
+            <a:r>
+              <a:rPr lang="en-US" sz="1200" dirty="0">
+                <a:solidFill>
+                  <a:srgbClr val="000000"/>
+                </a:solidFill>
+                <a:latin typeface="Source Code Pro" panose="020B0509030403020204" pitchFamily="49" charset="0"/>
+              </a:rPr>
+              <a:t> </a:t>
+            </a:r>
+            <a:r>
+              <a:rPr lang="en-US" sz="1200" dirty="0">
+                <a:solidFill>
+                  <a:srgbClr val="464646"/>
+                </a:solidFill>
+                <a:latin typeface="Source Code Pro" panose="020B0509030403020204" pitchFamily="49" charset="0"/>
+              </a:rPr>
+              <a:t>"state"</a:t>
+            </a:r>
+            <a:r>
+              <a:rPr lang="en-US" sz="1200" b="1" dirty="0">
+                <a:solidFill>
+                  <a:srgbClr val="4472C4"/>
+                </a:solidFill>
+                <a:latin typeface="Source Code Pro" panose="020B0509030403020204" pitchFamily="49" charset="0"/>
+              </a:rPr>
+              <a:t>]</a:t>
+            </a:r>
+            <a:endParaRPr lang="en-US" sz="1200" dirty="0">
+              <a:solidFill>
+                <a:srgbClr val="000000"/>
+              </a:solidFill>
+              <a:latin typeface="Source Code Pro" panose="020B0509030403020204" pitchFamily="49" charset="0"/>
+            </a:endParaRPr>
+          </a:p>
+          <a:p>
+            <a:r>
+              <a:rPr lang="de-DE" sz="1200" dirty="0">
+                <a:solidFill>
+                  <a:srgbClr val="000000"/>
+                </a:solidFill>
+                <a:latin typeface="Source Code Pro" panose="020B0509030403020204" pitchFamily="49" charset="0"/>
+              </a:rPr>
+              <a:t>    </a:t>
+            </a:r>
+            <a:r>
+              <a:rPr lang="de-DE" sz="1200" b="1" dirty="0">
+                <a:solidFill>
+                  <a:srgbClr val="4472C4"/>
+                </a:solidFill>
+                <a:latin typeface="Source Code Pro" panose="020B0509030403020204" pitchFamily="49" charset="0"/>
+              </a:rPr>
+              <a:t>}</a:t>
+            </a:r>
+            <a:endParaRPr lang="de-DE" sz="1200" dirty="0">
+              <a:solidFill>
+                <a:srgbClr val="000000"/>
+              </a:solidFill>
+              <a:latin typeface="Source Code Pro" panose="020B0509030403020204" pitchFamily="49" charset="0"/>
+            </a:endParaRPr>
+          </a:p>
+          <a:p>
+            <a:r>
+              <a:rPr lang="de-DE" sz="1200" dirty="0">
+                <a:solidFill>
+                  <a:srgbClr val="000000"/>
+                </a:solidFill>
+                <a:latin typeface="Source Code Pro" panose="020B0509030403020204" pitchFamily="49" charset="0"/>
+              </a:rPr>
+              <a:t>  </a:t>
+            </a:r>
+            <a:r>
+              <a:rPr lang="de-DE" sz="1200" b="1" dirty="0">
+                <a:solidFill>
+                  <a:srgbClr val="4472C4"/>
+                </a:solidFill>
+                <a:latin typeface="Source Code Pro" panose="020B0509030403020204" pitchFamily="49" charset="0"/>
+              </a:rPr>
+              <a:t>},</a:t>
+            </a:r>
+            <a:endParaRPr lang="de-DE" sz="1200" dirty="0">
+              <a:solidFill>
+                <a:srgbClr val="000000"/>
+              </a:solidFill>
+              <a:latin typeface="Source Code Pro" panose="020B0509030403020204" pitchFamily="49" charset="0"/>
+            </a:endParaRPr>
+          </a:p>
+          <a:p>
+            <a:endParaRPr lang="de-DE" sz="1200" dirty="0">
+              <a:solidFill>
+                <a:srgbClr val="000000"/>
+              </a:solidFill>
+              <a:latin typeface="Source Code Pro" panose="020B0509030403020204" pitchFamily="49" charset="0"/>
+            </a:endParaRPr>
+          </a:p>
+          <a:p>
+            <a:r>
+              <a:rPr lang="de-DE" sz="1200" dirty="0">
+                <a:solidFill>
+                  <a:srgbClr val="000000"/>
+                </a:solidFill>
+                <a:latin typeface="Source Code Pro" panose="020B0509030403020204" pitchFamily="49" charset="0"/>
+              </a:rPr>
+              <a:t>  </a:t>
+            </a:r>
+            <a:r>
+              <a:rPr lang="de-DE" sz="1200" dirty="0">
+                <a:solidFill>
+                  <a:srgbClr val="464646"/>
+                </a:solidFill>
+                <a:latin typeface="Source Code Pro" panose="020B0509030403020204" pitchFamily="49" charset="0"/>
+              </a:rPr>
+              <a:t>"type"</a:t>
+            </a:r>
+            <a:r>
+              <a:rPr lang="de-DE" sz="1200" b="1" dirty="0">
+                <a:solidFill>
+                  <a:srgbClr val="4472C4"/>
+                </a:solidFill>
+                <a:latin typeface="Source Code Pro" panose="020B0509030403020204" pitchFamily="49" charset="0"/>
+              </a:rPr>
+              <a:t>:</a:t>
+            </a:r>
+            <a:r>
+              <a:rPr lang="de-DE" sz="1200" dirty="0">
+                <a:solidFill>
+                  <a:srgbClr val="000000"/>
+                </a:solidFill>
+                <a:latin typeface="Source Code Pro" panose="020B0509030403020204" pitchFamily="49" charset="0"/>
+              </a:rPr>
+              <a:t> </a:t>
+            </a:r>
+            <a:r>
+              <a:rPr lang="de-DE" sz="1200" dirty="0">
+                <a:solidFill>
+                  <a:srgbClr val="464646"/>
+                </a:solidFill>
+                <a:latin typeface="Source Code Pro" panose="020B0509030403020204" pitchFamily="49" charset="0"/>
+              </a:rPr>
+              <a:t>"</a:t>
+            </a:r>
+            <a:r>
+              <a:rPr lang="de-DE" sz="1200" dirty="0" err="1">
+                <a:solidFill>
+                  <a:srgbClr val="464646"/>
+                </a:solidFill>
+                <a:latin typeface="Source Code Pro" panose="020B0509030403020204" pitchFamily="49" charset="0"/>
+              </a:rPr>
+              <a:t>object</a:t>
+            </a:r>
+            <a:r>
+              <a:rPr lang="de-DE" sz="1200" dirty="0">
+                <a:solidFill>
+                  <a:srgbClr val="464646"/>
+                </a:solidFill>
+                <a:latin typeface="Source Code Pro" panose="020B0509030403020204" pitchFamily="49" charset="0"/>
+              </a:rPr>
+              <a:t>"</a:t>
+            </a:r>
+            <a:r>
+              <a:rPr lang="de-DE" sz="1200" b="1" dirty="0">
+                <a:solidFill>
+                  <a:srgbClr val="4472C4"/>
+                </a:solidFill>
+                <a:latin typeface="Source Code Pro" panose="020B0509030403020204" pitchFamily="49" charset="0"/>
+              </a:rPr>
+              <a:t>,</a:t>
+            </a:r>
+            <a:endParaRPr lang="de-DE" sz="1200" dirty="0">
+              <a:solidFill>
+                <a:srgbClr val="000000"/>
+              </a:solidFill>
+              <a:latin typeface="Source Code Pro" panose="020B0509030403020204" pitchFamily="49" charset="0"/>
+            </a:endParaRPr>
+          </a:p>
+          <a:p>
+            <a:r>
+              <a:rPr lang="de-DE" sz="1200" dirty="0">
+                <a:solidFill>
+                  <a:srgbClr val="000000"/>
+                </a:solidFill>
+                <a:latin typeface="Source Code Pro" panose="020B0509030403020204" pitchFamily="49" charset="0"/>
+              </a:rPr>
+              <a:t>  </a:t>
+            </a:r>
+            <a:r>
+              <a:rPr lang="de-DE" sz="1200" dirty="0">
+                <a:solidFill>
+                  <a:srgbClr val="464646"/>
+                </a:solidFill>
+                <a:latin typeface="Source Code Pro" panose="020B0509030403020204" pitchFamily="49" charset="0"/>
+              </a:rPr>
+              <a:t>"</a:t>
+            </a:r>
+            <a:r>
+              <a:rPr lang="de-DE" sz="1200" dirty="0" err="1">
+                <a:solidFill>
+                  <a:srgbClr val="464646"/>
+                </a:solidFill>
+                <a:latin typeface="Source Code Pro" panose="020B0509030403020204" pitchFamily="49" charset="0"/>
+              </a:rPr>
+              <a:t>properties</a:t>
+            </a:r>
+            <a:r>
+              <a:rPr lang="de-DE" sz="1200" dirty="0">
+                <a:solidFill>
+                  <a:srgbClr val="464646"/>
+                </a:solidFill>
+                <a:latin typeface="Source Code Pro" panose="020B0509030403020204" pitchFamily="49" charset="0"/>
+              </a:rPr>
+              <a:t>"</a:t>
+            </a:r>
+            <a:r>
+              <a:rPr lang="de-DE" sz="1200" b="1" dirty="0">
+                <a:solidFill>
+                  <a:srgbClr val="4472C4"/>
+                </a:solidFill>
+                <a:latin typeface="Source Code Pro" panose="020B0509030403020204" pitchFamily="49" charset="0"/>
+              </a:rPr>
+              <a:t>:</a:t>
+            </a:r>
+            <a:r>
+              <a:rPr lang="de-DE" sz="1200" dirty="0">
+                <a:solidFill>
+                  <a:srgbClr val="000000"/>
+                </a:solidFill>
+                <a:latin typeface="Source Code Pro" panose="020B0509030403020204" pitchFamily="49" charset="0"/>
+              </a:rPr>
+              <a:t> </a:t>
+            </a:r>
+            <a:r>
+              <a:rPr lang="de-DE" sz="1200" b="1" dirty="0">
+                <a:solidFill>
+                  <a:srgbClr val="4472C4"/>
+                </a:solidFill>
+                <a:latin typeface="Source Code Pro" panose="020B0509030403020204" pitchFamily="49" charset="0"/>
+              </a:rPr>
+              <a:t>{</a:t>
+            </a:r>
+            <a:endParaRPr lang="de-DE" sz="1200" dirty="0">
+              <a:solidFill>
+                <a:srgbClr val="000000"/>
+              </a:solidFill>
+              <a:latin typeface="Source Code Pro" panose="020B0509030403020204" pitchFamily="49" charset="0"/>
+            </a:endParaRPr>
+          </a:p>
+          <a:p>
+            <a:r>
+              <a:rPr lang="de-DE" sz="1200" dirty="0">
+                <a:solidFill>
+                  <a:srgbClr val="000000"/>
+                </a:solidFill>
+                <a:latin typeface="Source Code Pro" panose="020B0509030403020204" pitchFamily="49" charset="0"/>
+              </a:rPr>
+              <a:t>    </a:t>
+            </a:r>
+            <a:r>
+              <a:rPr lang="de-DE" sz="1200" dirty="0">
+                <a:solidFill>
+                  <a:srgbClr val="464646"/>
+                </a:solidFill>
+                <a:latin typeface="Source Code Pro" panose="020B0509030403020204" pitchFamily="49" charset="0"/>
+              </a:rPr>
+              <a:t>"</a:t>
+            </a:r>
+            <a:r>
+              <a:rPr lang="de-DE" sz="1200" dirty="0" err="1">
+                <a:solidFill>
+                  <a:srgbClr val="464646"/>
+                </a:solidFill>
+                <a:latin typeface="Source Code Pro" panose="020B0509030403020204" pitchFamily="49" charset="0"/>
+              </a:rPr>
+              <a:t>billing_address</a:t>
+            </a:r>
+            <a:r>
+              <a:rPr lang="de-DE" sz="1200" dirty="0">
+                <a:solidFill>
+                  <a:srgbClr val="464646"/>
+                </a:solidFill>
+                <a:latin typeface="Source Code Pro" panose="020B0509030403020204" pitchFamily="49" charset="0"/>
+              </a:rPr>
+              <a:t>"</a:t>
+            </a:r>
+            <a:r>
+              <a:rPr lang="de-DE" sz="1200" b="1" dirty="0">
+                <a:solidFill>
+                  <a:srgbClr val="4472C4"/>
+                </a:solidFill>
+                <a:latin typeface="Source Code Pro" panose="020B0509030403020204" pitchFamily="49" charset="0"/>
+              </a:rPr>
+              <a:t>:</a:t>
+            </a:r>
+            <a:r>
+              <a:rPr lang="de-DE" sz="1200" dirty="0">
+                <a:solidFill>
+                  <a:srgbClr val="000000"/>
+                </a:solidFill>
+                <a:latin typeface="Source Code Pro" panose="020B0509030403020204" pitchFamily="49" charset="0"/>
+              </a:rPr>
+              <a:t> </a:t>
+            </a:r>
+            <a:r>
+              <a:rPr lang="de-DE" sz="1200" b="1" dirty="0">
+                <a:solidFill>
+                  <a:srgbClr val="4472C4"/>
+                </a:solidFill>
+                <a:latin typeface="Source Code Pro" panose="020B0509030403020204" pitchFamily="49" charset="0"/>
+              </a:rPr>
+              <a:t>{</a:t>
+            </a:r>
+            <a:r>
+              <a:rPr lang="de-DE" sz="1200" dirty="0">
+                <a:solidFill>
+                  <a:srgbClr val="000000"/>
+                </a:solidFill>
+                <a:latin typeface="Source Code Pro" panose="020B0509030403020204" pitchFamily="49" charset="0"/>
+              </a:rPr>
+              <a:t> </a:t>
+            </a:r>
+          </a:p>
+          <a:p>
+            <a:r>
+              <a:rPr lang="de-DE" sz="1200" dirty="0">
+                <a:solidFill>
+                  <a:srgbClr val="464646"/>
+                </a:solidFill>
+                <a:latin typeface="Source Code Pro" panose="020B0509030403020204" pitchFamily="49" charset="0"/>
+              </a:rPr>
+              <a:t>      "$</a:t>
+            </a:r>
+            <a:r>
+              <a:rPr lang="de-DE" sz="1200" dirty="0" err="1">
+                <a:solidFill>
+                  <a:srgbClr val="464646"/>
+                </a:solidFill>
+                <a:latin typeface="Source Code Pro" panose="020B0509030403020204" pitchFamily="49" charset="0"/>
+              </a:rPr>
+              <a:t>ref</a:t>
+            </a:r>
+            <a:r>
+              <a:rPr lang="de-DE" sz="1200" dirty="0">
+                <a:solidFill>
+                  <a:srgbClr val="464646"/>
+                </a:solidFill>
+                <a:latin typeface="Source Code Pro" panose="020B0509030403020204" pitchFamily="49" charset="0"/>
+              </a:rPr>
+              <a:t>"</a:t>
+            </a:r>
+            <a:r>
+              <a:rPr lang="de-DE" sz="1200" b="1" dirty="0">
+                <a:solidFill>
+                  <a:srgbClr val="4472C4"/>
+                </a:solidFill>
+                <a:latin typeface="Source Code Pro" panose="020B0509030403020204" pitchFamily="49" charset="0"/>
+              </a:rPr>
+              <a:t>:</a:t>
+            </a:r>
+            <a:r>
+              <a:rPr lang="de-DE" sz="1200" dirty="0">
+                <a:solidFill>
+                  <a:srgbClr val="000000"/>
+                </a:solidFill>
+                <a:latin typeface="Source Code Pro" panose="020B0509030403020204" pitchFamily="49" charset="0"/>
+              </a:rPr>
+              <a:t> </a:t>
+            </a:r>
+            <a:r>
+              <a:rPr lang="de-DE" sz="1200" dirty="0">
+                <a:solidFill>
+                  <a:srgbClr val="464646"/>
+                </a:solidFill>
+                <a:latin typeface="Source Code Pro" panose="020B0509030403020204" pitchFamily="49" charset="0"/>
+              </a:rPr>
+              <a:t>"#/</a:t>
+            </a:r>
+            <a:r>
+              <a:rPr lang="de-DE" sz="1200" dirty="0" err="1">
+                <a:solidFill>
+                  <a:srgbClr val="464646"/>
+                </a:solidFill>
+                <a:latin typeface="Source Code Pro" panose="020B0509030403020204" pitchFamily="49" charset="0"/>
+              </a:rPr>
+              <a:t>definitions</a:t>
+            </a:r>
+            <a:r>
+              <a:rPr lang="de-DE" sz="1200" dirty="0">
+                <a:solidFill>
+                  <a:srgbClr val="464646"/>
+                </a:solidFill>
+                <a:latin typeface="Source Code Pro" panose="020B0509030403020204" pitchFamily="49" charset="0"/>
+              </a:rPr>
+              <a:t>/</a:t>
+            </a:r>
+            <a:r>
+              <a:rPr lang="de-DE" sz="1200" dirty="0" err="1">
+                <a:solidFill>
+                  <a:srgbClr val="464646"/>
+                </a:solidFill>
+                <a:latin typeface="Source Code Pro" panose="020B0509030403020204" pitchFamily="49" charset="0"/>
+              </a:rPr>
+              <a:t>address</a:t>
+            </a:r>
+            <a:r>
+              <a:rPr lang="de-DE" sz="1200" dirty="0">
+                <a:solidFill>
+                  <a:srgbClr val="464646"/>
+                </a:solidFill>
+                <a:latin typeface="Source Code Pro" panose="020B0509030403020204" pitchFamily="49" charset="0"/>
+              </a:rPr>
+              <a:t>"</a:t>
+            </a:r>
+            <a:r>
+              <a:rPr lang="de-DE" sz="1200" dirty="0">
+                <a:solidFill>
+                  <a:srgbClr val="000000"/>
+                </a:solidFill>
+                <a:latin typeface="Source Code Pro" panose="020B0509030403020204" pitchFamily="49" charset="0"/>
+              </a:rPr>
+              <a:t> </a:t>
+            </a:r>
+          </a:p>
+          <a:p>
+            <a:r>
+              <a:rPr lang="de-DE" sz="1200" b="1" dirty="0">
+                <a:solidFill>
+                  <a:srgbClr val="000000"/>
+                </a:solidFill>
+                <a:latin typeface="Source Code Pro" panose="020B0509030403020204" pitchFamily="49" charset="0"/>
+              </a:rPr>
+              <a:t>    </a:t>
+            </a:r>
+            <a:r>
+              <a:rPr lang="de-DE" sz="1200" b="1" dirty="0">
+                <a:solidFill>
+                  <a:srgbClr val="4472C4"/>
+                </a:solidFill>
+                <a:latin typeface="Source Code Pro" panose="020B0509030403020204" pitchFamily="49" charset="0"/>
+              </a:rPr>
+              <a:t>},</a:t>
+            </a:r>
+            <a:endParaRPr lang="de-DE" sz="1200" dirty="0">
+              <a:solidFill>
+                <a:srgbClr val="000000"/>
+              </a:solidFill>
+              <a:latin typeface="Source Code Pro" panose="020B0509030403020204" pitchFamily="49" charset="0"/>
+            </a:endParaRPr>
+          </a:p>
+          <a:p>
+            <a:r>
+              <a:rPr lang="de-DE" sz="1200" dirty="0">
+                <a:solidFill>
+                  <a:srgbClr val="000000"/>
+                </a:solidFill>
+                <a:latin typeface="Source Code Pro" panose="020B0509030403020204" pitchFamily="49" charset="0"/>
+              </a:rPr>
+              <a:t>    </a:t>
+            </a:r>
+            <a:r>
+              <a:rPr lang="de-DE" sz="1200" dirty="0">
+                <a:solidFill>
+                  <a:srgbClr val="464646"/>
+                </a:solidFill>
+                <a:latin typeface="Source Code Pro" panose="020B0509030403020204" pitchFamily="49" charset="0"/>
+              </a:rPr>
+              <a:t>"</a:t>
+            </a:r>
+            <a:r>
+              <a:rPr lang="de-DE" sz="1200" dirty="0" err="1">
+                <a:solidFill>
+                  <a:srgbClr val="464646"/>
+                </a:solidFill>
+                <a:latin typeface="Source Code Pro" panose="020B0509030403020204" pitchFamily="49" charset="0"/>
+              </a:rPr>
+              <a:t>shipping_address</a:t>
+            </a:r>
+            <a:r>
+              <a:rPr lang="de-DE" sz="1200" dirty="0">
+                <a:solidFill>
+                  <a:srgbClr val="464646"/>
+                </a:solidFill>
+                <a:latin typeface="Source Code Pro" panose="020B0509030403020204" pitchFamily="49" charset="0"/>
+              </a:rPr>
+              <a:t>"</a:t>
+            </a:r>
+            <a:r>
+              <a:rPr lang="de-DE" sz="1200" b="1" dirty="0">
+                <a:solidFill>
+                  <a:srgbClr val="4472C4"/>
+                </a:solidFill>
+                <a:latin typeface="Source Code Pro" panose="020B0509030403020204" pitchFamily="49" charset="0"/>
+              </a:rPr>
+              <a:t>:</a:t>
+            </a:r>
+            <a:r>
+              <a:rPr lang="de-DE" sz="1200" dirty="0">
+                <a:solidFill>
+                  <a:srgbClr val="000000"/>
+                </a:solidFill>
+                <a:latin typeface="Source Code Pro" panose="020B0509030403020204" pitchFamily="49" charset="0"/>
+              </a:rPr>
+              <a:t> </a:t>
+            </a:r>
+            <a:r>
+              <a:rPr lang="de-DE" sz="1200" b="1" dirty="0">
+                <a:solidFill>
+                  <a:srgbClr val="4472C4"/>
+                </a:solidFill>
+                <a:latin typeface="Source Code Pro" panose="020B0509030403020204" pitchFamily="49" charset="0"/>
+              </a:rPr>
+              <a:t>{</a:t>
+            </a:r>
+            <a:r>
+              <a:rPr lang="de-DE" sz="1200" dirty="0">
+                <a:solidFill>
+                  <a:srgbClr val="000000"/>
+                </a:solidFill>
+                <a:latin typeface="Source Code Pro" panose="020B0509030403020204" pitchFamily="49" charset="0"/>
+              </a:rPr>
+              <a:t> </a:t>
+            </a:r>
+          </a:p>
+          <a:p>
+            <a:r>
+              <a:rPr lang="de-DE" sz="1200" dirty="0">
+                <a:solidFill>
+                  <a:srgbClr val="000000"/>
+                </a:solidFill>
+                <a:latin typeface="Source Code Pro" panose="020B0509030403020204" pitchFamily="49" charset="0"/>
+              </a:rPr>
+              <a:t>      </a:t>
+            </a:r>
+            <a:r>
+              <a:rPr lang="de-DE" sz="1200" dirty="0">
+                <a:solidFill>
+                  <a:srgbClr val="464646"/>
+                </a:solidFill>
+                <a:latin typeface="Source Code Pro" panose="020B0509030403020204" pitchFamily="49" charset="0"/>
+              </a:rPr>
+              <a:t>"$</a:t>
+            </a:r>
+            <a:r>
+              <a:rPr lang="de-DE" sz="1200" dirty="0" err="1">
+                <a:solidFill>
+                  <a:srgbClr val="464646"/>
+                </a:solidFill>
+                <a:latin typeface="Source Code Pro" panose="020B0509030403020204" pitchFamily="49" charset="0"/>
+              </a:rPr>
+              <a:t>ref</a:t>
+            </a:r>
+            <a:r>
+              <a:rPr lang="de-DE" sz="1200" dirty="0">
+                <a:solidFill>
+                  <a:srgbClr val="464646"/>
+                </a:solidFill>
+                <a:latin typeface="Source Code Pro" panose="020B0509030403020204" pitchFamily="49" charset="0"/>
+              </a:rPr>
+              <a:t>"</a:t>
+            </a:r>
+            <a:r>
+              <a:rPr lang="de-DE" sz="1200" b="1" dirty="0">
+                <a:solidFill>
+                  <a:srgbClr val="4472C4"/>
+                </a:solidFill>
+                <a:latin typeface="Source Code Pro" panose="020B0509030403020204" pitchFamily="49" charset="0"/>
+              </a:rPr>
+              <a:t>:</a:t>
+            </a:r>
+            <a:r>
+              <a:rPr lang="de-DE" sz="1200" dirty="0">
+                <a:solidFill>
+                  <a:srgbClr val="000000"/>
+                </a:solidFill>
+                <a:latin typeface="Source Code Pro" panose="020B0509030403020204" pitchFamily="49" charset="0"/>
+              </a:rPr>
+              <a:t> </a:t>
+            </a:r>
+            <a:r>
+              <a:rPr lang="de-DE" sz="1200" dirty="0">
+                <a:solidFill>
+                  <a:srgbClr val="464646"/>
+                </a:solidFill>
+                <a:latin typeface="Source Code Pro" panose="020B0509030403020204" pitchFamily="49" charset="0"/>
+              </a:rPr>
+              <a:t>"#/</a:t>
+            </a:r>
+            <a:r>
+              <a:rPr lang="de-DE" sz="1200" dirty="0" err="1">
+                <a:solidFill>
+                  <a:srgbClr val="464646"/>
+                </a:solidFill>
+                <a:latin typeface="Source Code Pro" panose="020B0509030403020204" pitchFamily="49" charset="0"/>
+              </a:rPr>
+              <a:t>definitions</a:t>
+            </a:r>
+            <a:r>
+              <a:rPr lang="de-DE" sz="1200" dirty="0">
+                <a:solidFill>
+                  <a:srgbClr val="464646"/>
+                </a:solidFill>
+                <a:latin typeface="Source Code Pro" panose="020B0509030403020204" pitchFamily="49" charset="0"/>
+              </a:rPr>
+              <a:t>/</a:t>
+            </a:r>
+            <a:r>
+              <a:rPr lang="de-DE" sz="1200" dirty="0" err="1">
+                <a:solidFill>
+                  <a:srgbClr val="464646"/>
+                </a:solidFill>
+                <a:latin typeface="Source Code Pro" panose="020B0509030403020204" pitchFamily="49" charset="0"/>
+              </a:rPr>
+              <a:t>address</a:t>
+            </a:r>
+            <a:r>
+              <a:rPr lang="de-DE" sz="1200" dirty="0">
+                <a:solidFill>
+                  <a:srgbClr val="464646"/>
+                </a:solidFill>
+                <a:latin typeface="Source Code Pro" panose="020B0509030403020204" pitchFamily="49" charset="0"/>
+              </a:rPr>
+              <a:t>"</a:t>
+            </a:r>
+            <a:r>
+              <a:rPr lang="de-DE" sz="1200" dirty="0">
+                <a:solidFill>
+                  <a:srgbClr val="000000"/>
+                </a:solidFill>
+                <a:latin typeface="Source Code Pro" panose="020B0509030403020204" pitchFamily="49" charset="0"/>
+              </a:rPr>
+              <a:t> </a:t>
+            </a:r>
+          </a:p>
+          <a:p>
+            <a:r>
+              <a:rPr lang="de-DE" sz="1200" b="1" dirty="0">
+                <a:solidFill>
+                  <a:srgbClr val="000000"/>
+                </a:solidFill>
+                <a:latin typeface="Source Code Pro" panose="020B0509030403020204" pitchFamily="49" charset="0"/>
+              </a:rPr>
+              <a:t>    </a:t>
+            </a:r>
+            <a:r>
+              <a:rPr lang="de-DE" sz="1200" b="1" dirty="0">
+                <a:solidFill>
+                  <a:srgbClr val="4472C4"/>
+                </a:solidFill>
+                <a:latin typeface="Source Code Pro" panose="020B0509030403020204" pitchFamily="49" charset="0"/>
+              </a:rPr>
+              <a:t>}</a:t>
+            </a:r>
+            <a:endParaRPr lang="de-DE" sz="1200" dirty="0">
+              <a:solidFill>
+                <a:srgbClr val="000000"/>
+              </a:solidFill>
+              <a:latin typeface="Source Code Pro" panose="020B0509030403020204" pitchFamily="49" charset="0"/>
+            </a:endParaRPr>
+          </a:p>
+          <a:p>
+            <a:r>
+              <a:rPr lang="de-DE" sz="1200" dirty="0">
+                <a:solidFill>
+                  <a:srgbClr val="000000"/>
+                </a:solidFill>
+                <a:latin typeface="Source Code Pro" panose="020B0509030403020204" pitchFamily="49" charset="0"/>
+              </a:rPr>
+              <a:t>  </a:t>
+            </a:r>
+            <a:r>
+              <a:rPr lang="de-DE" sz="1200" b="1" dirty="0">
+                <a:solidFill>
+                  <a:srgbClr val="4472C4"/>
+                </a:solidFill>
+                <a:latin typeface="Source Code Pro" panose="020B0509030403020204" pitchFamily="49" charset="0"/>
+              </a:rPr>
+              <a:t>}</a:t>
+            </a:r>
+            <a:endParaRPr lang="de-DE" sz="1200" dirty="0">
+              <a:solidFill>
+                <a:srgbClr val="000000"/>
+              </a:solidFill>
+              <a:latin typeface="Source Code Pro" panose="020B0509030403020204" pitchFamily="49" charset="0"/>
+            </a:endParaRPr>
+          </a:p>
+          <a:p>
+            <a:r>
+              <a:rPr lang="de-DE" sz="1200" b="1" dirty="0">
+                <a:solidFill>
+                  <a:srgbClr val="4472C4"/>
+                </a:solidFill>
+                <a:latin typeface="Source Code Pro" panose="020B0509030403020204" pitchFamily="49" charset="0"/>
+              </a:rPr>
+              <a:t>}</a:t>
+            </a:r>
+            <a:endParaRPr lang="de-DE" sz="1200" dirty="0"/>
+          </a:p>
+        </p:txBody>
+      </p:sp>
+    </p:spTree>
+    <p:extLst>
+      <p:ext uri="{BB962C8B-B14F-4D97-AF65-F5344CB8AC3E}">
+        <p14:creationId xmlns:p14="http://schemas.microsoft.com/office/powerpoint/2010/main" val="4040254514"/>
+      </p:ext>
+    </p:extLst>
+  </p:cSld>
+  <p:clrMapOvr>
+    <a:masterClrMapping/>
+  </p:clrMapOvr>
+</p:sld>
+</file>
+
+<file path=ppt/slides/slide22.xml><?xml version="1.0" encoding="utf-8"?>
+<p:sld xmlns:a="http://schemas.openxmlformats.org/drawingml/2006/main" xmlns:r="http://schemas.openxmlformats.org/officeDocument/2006/relationships" xmlns:p="http://schemas.openxmlformats.org/presentationml/2006/main">
+  <p:cSld>
+    <p:spTree>
+      <p:nvGrpSpPr>
+        <p:cNvPr id="1" name=""/>
+        <p:cNvGrpSpPr/>
+        <p:nvPr/>
+      </p:nvGrpSpPr>
+      <p:grpSpPr>
+        <a:xfrm>
+          <a:off x="0" y="0"/>
+          <a:ext cx="0" cy="0"/>
+          <a:chOff x="0" y="0"/>
+          <a:chExt cx="0" cy="0"/>
+        </a:xfrm>
+      </p:grpSpPr>
+      <p:sp>
+        <p:nvSpPr>
+          <p:cNvPr id="2" name="Titel 1">
+            <a:extLst>
+              <a:ext uri="{FF2B5EF4-FFF2-40B4-BE49-F238E27FC236}">
                 <a16:creationId xmlns:a16="http://schemas.microsoft.com/office/drawing/2014/main" id="{DF3B03B7-F114-407E-8B4A-53AB291F988B}"/>
               </a:ext>
             </a:extLst>
@@ -12367,6 +16332,213 @@
 </p:sld>
 </file>
 
+<file path=ppt/slides/slide23.xml><?xml version="1.0" encoding="utf-8"?>
+<p:sld xmlns:a="http://schemas.openxmlformats.org/drawingml/2006/main" xmlns:r="http://schemas.openxmlformats.org/officeDocument/2006/relationships" xmlns:p="http://schemas.openxmlformats.org/presentationml/2006/main">
+  <p:cSld>
+    <p:spTree>
+      <p:nvGrpSpPr>
+        <p:cNvPr id="1" name=""/>
+        <p:cNvGrpSpPr/>
+        <p:nvPr/>
+      </p:nvGrpSpPr>
+      <p:grpSpPr>
+        <a:xfrm>
+          <a:off x="0" y="0"/>
+          <a:ext cx="0" cy="0"/>
+          <a:chOff x="0" y="0"/>
+          <a:chExt cx="0" cy="0"/>
+        </a:xfrm>
+      </p:grpSpPr>
+      <p:sp>
+        <p:nvSpPr>
+          <p:cNvPr id="2" name="Titel 1">
+            <a:extLst>
+              <a:ext uri="{FF2B5EF4-FFF2-40B4-BE49-F238E27FC236}">
+                <a16:creationId xmlns:a16="http://schemas.microsoft.com/office/drawing/2014/main" id="{263B568C-3395-4B3C-80D7-E8AF938BCCCC}"/>
+              </a:ext>
+            </a:extLst>
+          </p:cNvPr>
+          <p:cNvSpPr>
+            <a:spLocks noGrp="1"/>
+          </p:cNvSpPr>
+          <p:nvPr>
+            <p:ph type="title"/>
+          </p:nvPr>
+        </p:nvSpPr>
+        <p:spPr/>
+        <p:txBody>
+          <a:bodyPr/>
+          <a:lstStyle/>
+          <a:p>
+            <a:r>
+              <a:rPr lang="de-DE" dirty="0"/>
+              <a:t>Link zur Präsentation</a:t>
+            </a:r>
+          </a:p>
+        </p:txBody>
+      </p:sp>
+      <p:sp>
+        <p:nvSpPr>
+          <p:cNvPr id="3" name="Inhaltsplatzhalter 2">
+            <a:extLst>
+              <a:ext uri="{FF2B5EF4-FFF2-40B4-BE49-F238E27FC236}">
+                <a16:creationId xmlns:a16="http://schemas.microsoft.com/office/drawing/2014/main" id="{4D16E770-B7EC-4A78-BCD9-0A5FFBF67064}"/>
+              </a:ext>
+            </a:extLst>
+          </p:cNvPr>
+          <p:cNvSpPr>
+            <a:spLocks noGrp="1"/>
+          </p:cNvSpPr>
+          <p:nvPr>
+            <p:ph idx="1"/>
+          </p:nvPr>
+        </p:nvSpPr>
+        <p:spPr/>
+        <p:txBody>
+          <a:bodyPr/>
+          <a:lstStyle/>
+          <a:p>
+            <a:r>
+              <a:rPr lang="de-DE" b="1" dirty="0"/>
+              <a:t>git.io/</a:t>
+            </a:r>
+            <a:r>
+              <a:rPr lang="de-DE" b="1" dirty="0" err="1"/>
+              <a:t>vbBcw</a:t>
+            </a:r>
+            <a:r>
+              <a:rPr lang="de-DE" b="1" dirty="0"/>
+              <a:t> (</a:t>
+            </a:r>
+            <a:r>
+              <a:rPr lang="de-DE" b="1" dirty="0" err="1"/>
+              <a:t>Powerpoint</a:t>
+            </a:r>
+            <a:r>
+              <a:rPr lang="de-DE" b="1" dirty="0"/>
+              <a:t>)</a:t>
+            </a:r>
+          </a:p>
+          <a:p>
+            <a:r>
+              <a:rPr lang="de-DE" b="1" dirty="0"/>
+              <a:t>git.io/</a:t>
+            </a:r>
+            <a:r>
+              <a:rPr lang="de-DE" b="1" dirty="0" err="1"/>
+              <a:t>vbBcA</a:t>
+            </a:r>
+            <a:r>
+              <a:rPr lang="de-DE" b="1" dirty="0"/>
+              <a:t> (PDF)</a:t>
+            </a:r>
+            <a:endParaRPr lang="de-DE" dirty="0"/>
+          </a:p>
+          <a:p>
+            <a:endParaRPr lang="de-DE" dirty="0"/>
+          </a:p>
+        </p:txBody>
+      </p:sp>
+      <p:sp>
+        <p:nvSpPr>
+          <p:cNvPr id="4" name="Datumsplatzhalter 3">
+            <a:extLst>
+              <a:ext uri="{FF2B5EF4-FFF2-40B4-BE49-F238E27FC236}">
+                <a16:creationId xmlns:a16="http://schemas.microsoft.com/office/drawing/2014/main" id="{25837733-F8B3-4C3E-A803-5F05F95FB3DC}"/>
+              </a:ext>
+            </a:extLst>
+          </p:cNvPr>
+          <p:cNvSpPr>
+            <a:spLocks noGrp="1"/>
+          </p:cNvSpPr>
+          <p:nvPr>
+            <p:ph type="dt" sz="half" idx="10"/>
+          </p:nvPr>
+        </p:nvSpPr>
+        <p:spPr/>
+        <p:txBody>
+          <a:bodyPr/>
+          <a:lstStyle/>
+          <a:p>
+            <a:fld id="{CFFA1D88-5C5F-47BF-8575-62828799C3D3}" type="datetime1">
+              <a:rPr lang="de-DE" smtClean="0"/>
+              <a:t>09.12.2017</a:t>
+            </a:fld>
+            <a:endParaRPr lang="de-DE" dirty="0"/>
+          </a:p>
+        </p:txBody>
+      </p:sp>
+      <p:sp>
+        <p:nvSpPr>
+          <p:cNvPr id="5" name="Fußzeilenplatzhalter 4">
+            <a:extLst>
+              <a:ext uri="{FF2B5EF4-FFF2-40B4-BE49-F238E27FC236}">
+                <a16:creationId xmlns:a16="http://schemas.microsoft.com/office/drawing/2014/main" id="{37F17228-D4D8-4BBB-A244-7340EF0FE22B}"/>
+              </a:ext>
+            </a:extLst>
+          </p:cNvPr>
+          <p:cNvSpPr>
+            <a:spLocks noGrp="1"/>
+          </p:cNvSpPr>
+          <p:nvPr>
+            <p:ph type="ftr" sz="quarter" idx="11"/>
+          </p:nvPr>
+        </p:nvSpPr>
+        <p:spPr/>
+        <p:txBody>
+          <a:bodyPr/>
+          <a:lstStyle/>
+          <a:p>
+            <a:r>
+              <a:rPr lang="de-DE"/>
+              <a:t>Daniel Flasch</a:t>
+            </a:r>
+            <a:endParaRPr lang="de-DE" dirty="0"/>
+          </a:p>
+        </p:txBody>
+      </p:sp>
+      <p:sp>
+        <p:nvSpPr>
+          <p:cNvPr id="6" name="Foliennummernplatzhalter 5">
+            <a:extLst>
+              <a:ext uri="{FF2B5EF4-FFF2-40B4-BE49-F238E27FC236}">
+                <a16:creationId xmlns:a16="http://schemas.microsoft.com/office/drawing/2014/main" id="{0A3B9615-9A42-4020-ABBE-BFFD4333625F}"/>
+              </a:ext>
+            </a:extLst>
+          </p:cNvPr>
+          <p:cNvSpPr>
+            <a:spLocks noGrp="1"/>
+          </p:cNvSpPr>
+          <p:nvPr>
+            <p:ph type="sldNum" sz="quarter" idx="12"/>
+          </p:nvPr>
+        </p:nvSpPr>
+        <p:spPr/>
+        <p:txBody>
+          <a:bodyPr/>
+          <a:lstStyle/>
+          <a:p>
+            <a:fld id="{4DEAFF03-B2A3-4F10-AFBA-713F9B73CAA7}" type="slidenum">
+              <a:rPr lang="de-DE" smtClean="0"/>
+              <a:t>22</a:t>
+            </a:fld>
+            <a:endParaRPr lang="de-DE"/>
+          </a:p>
+        </p:txBody>
+      </p:sp>
+    </p:spTree>
+    <p:extLst>
+      <p:ext uri="{BB962C8B-B14F-4D97-AF65-F5344CB8AC3E}">
+        <p14:creationId xmlns:p14="http://schemas.microsoft.com/office/powerpoint/2010/main" val="1299120610"/>
+      </p:ext>
+    </p:extLst>
+  </p:cSld>
+  <p:clrMapOvr>
+    <a:masterClrMapping/>
+  </p:clrMapOvr>
+</p:sld>
+</file>
+
 <file path=ppt/slides/slide3.xml><?xml version="1.0" encoding="utf-8"?>
 <p:sld xmlns:a="http://schemas.openxmlformats.org/drawingml/2006/main" xmlns:r="http://schemas.openxmlformats.org/officeDocument/2006/relationships" xmlns:p="http://schemas.openxmlformats.org/presentationml/2006/main">
   <p:cSld>
@@ -12488,6 +16660,45 @@
           <a:xfrm>
             <a:off x="3950497" y="2401899"/>
             <a:ext cx="1108064" cy="1108064"/>
+          </a:xfrm>
+          <a:prstGeom prst="rect">
+            <a:avLst/>
+          </a:prstGeom>
+        </p:spPr>
+      </p:pic>
+      <p:pic>
+        <p:nvPicPr>
+          <p:cNvPr id="5" name="Grafik 4">
+            <a:extLst>
+              <a:ext uri="{FF2B5EF4-FFF2-40B4-BE49-F238E27FC236}">
+                <a16:creationId xmlns:a16="http://schemas.microsoft.com/office/drawing/2014/main" id="{A8D89662-61D6-447F-97EF-CEFC31A33D8E}"/>
+              </a:ext>
+            </a:extLst>
+          </p:cNvPr>
+          <p:cNvPicPr>
+            <a:picLocks noChangeAspect="1"/>
+          </p:cNvPicPr>
+          <p:nvPr/>
+        </p:nvPicPr>
+        <p:blipFill>
+          <a:blip r:embed="rId3">
+            <a:extLst>
+              <a:ext uri="{28A0092B-C50C-407E-A947-70E740481C1C}">
+                <a14:useLocalDpi xmlns:a14="http://schemas.microsoft.com/office/drawing/2010/main" val="0"/>
+              </a:ext>
+              <a:ext uri="{96DAC541-7B7A-43D3-8B79-37D633B846F1}">
+                <asvg:svgBlip xmlns:asvg="http://schemas.microsoft.com/office/drawing/2016/SVG/main" r:embed="rId4"/>
+              </a:ext>
+            </a:extLst>
+          </a:blip>
+          <a:stretch>
+            <a:fillRect/>
+          </a:stretch>
+        </p:blipFill>
+        <p:spPr>
+          <a:xfrm>
+            <a:off x="5348400" y="3935637"/>
+            <a:ext cx="1800000" cy="1800000"/>
           </a:xfrm>
           <a:prstGeom prst="rect">
             <a:avLst/>
@@ -18726,6 +22937,45 @@
           <a:xfrm>
             <a:off x="3858217" y="2401899"/>
             <a:ext cx="1108064" cy="1108064"/>
+          </a:xfrm>
+          <a:prstGeom prst="rect">
+            <a:avLst/>
+          </a:prstGeom>
+        </p:spPr>
+      </p:pic>
+      <p:pic>
+        <p:nvPicPr>
+          <p:cNvPr id="5" name="Grafik 4">
+            <a:extLst>
+              <a:ext uri="{FF2B5EF4-FFF2-40B4-BE49-F238E27FC236}">
+                <a16:creationId xmlns:a16="http://schemas.microsoft.com/office/drawing/2014/main" id="{18053B8D-562A-4B42-9B3C-6D12669E316E}"/>
+              </a:ext>
+            </a:extLst>
+          </p:cNvPr>
+          <p:cNvPicPr>
+            <a:picLocks noChangeAspect="1"/>
+          </p:cNvPicPr>
+          <p:nvPr/>
+        </p:nvPicPr>
+        <p:blipFill>
+          <a:blip r:embed="rId3">
+            <a:extLst>
+              <a:ext uri="{28A0092B-C50C-407E-A947-70E740481C1C}">
+                <a14:useLocalDpi xmlns:a14="http://schemas.microsoft.com/office/drawing/2010/main" val="0"/>
+              </a:ext>
+              <a:ext uri="{96DAC541-7B7A-43D3-8B79-37D633B846F1}">
+                <asvg:svgBlip xmlns:asvg="http://schemas.microsoft.com/office/drawing/2016/SVG/main" r:embed="rId4"/>
+              </a:ext>
+            </a:extLst>
+          </a:blip>
+          <a:stretch>
+            <a:fillRect/>
+          </a:stretch>
+        </p:blipFill>
+        <p:spPr>
+          <a:xfrm>
+            <a:off x="5196000" y="3935637"/>
+            <a:ext cx="1800000" cy="1800000"/>
           </a:xfrm>
           <a:prstGeom prst="rect">
             <a:avLst/>

--- a/doc/json-schema.pptx
+++ b/doc/json-schema.pptx
@@ -5,7 +5,7 @@
     <p:sldMasterId id="2147483672" r:id="rId1"/>
   </p:sldMasterIdLst>
   <p:notesMasterIdLst>
-    <p:notesMasterId r:id="rId25"/>
+    <p:notesMasterId r:id="rId27"/>
   </p:notesMasterIdLst>
   <p:sldIdLst>
     <p:sldId id="256" r:id="rId2"/>
@@ -27,10 +27,12 @@
     <p:sldId id="277" r:id="rId18"/>
     <p:sldId id="261" r:id="rId19"/>
     <p:sldId id="279" r:id="rId20"/>
-    <p:sldId id="280" r:id="rId21"/>
-    <p:sldId id="282" r:id="rId22"/>
-    <p:sldId id="262" r:id="rId23"/>
-    <p:sldId id="278" r:id="rId24"/>
+    <p:sldId id="283" r:id="rId21"/>
+    <p:sldId id="280" r:id="rId22"/>
+    <p:sldId id="282" r:id="rId23"/>
+    <p:sldId id="262" r:id="rId24"/>
+    <p:sldId id="278" r:id="rId25"/>
+    <p:sldId id="284" r:id="rId26"/>
   </p:sldIdLst>
   <p:sldSz cx="12192000" cy="6858000"/>
   <p:notesSz cx="6858000" cy="9144000"/>
@@ -11947,7 +11949,7 @@
           <a:p>
             <a:r>
               <a:rPr lang="de-DE" dirty="0"/>
-              <a:t>Komplexe Wertebereiche</a:t>
+              <a:t>Datentypen im Array</a:t>
             </a:r>
           </a:p>
         </p:txBody>
@@ -11979,28 +11981,20 @@
           <a:lstStyle/>
           <a:p>
             <a:r>
+              <a:rPr lang="de-DE" dirty="0"/>
+              <a:t>Verwendung des </a:t>
+            </a:r>
+            <a:r>
               <a:rPr lang="de-DE" dirty="0" err="1"/>
-              <a:t>allOf</a:t>
+              <a:t>Schlsselworts</a:t>
             </a:r>
             <a:r>
               <a:rPr lang="de-DE" dirty="0"/>
-              <a:t>/</a:t>
-            </a:r>
-            <a:r>
-              <a:rPr lang="de-DE" dirty="0" err="1"/>
-              <a:t>anyOf</a:t>
-            </a:r>
-            <a:r>
-              <a:rPr lang="de-DE" dirty="0"/>
-              <a:t>/</a:t>
-            </a:r>
-            <a:r>
-              <a:rPr lang="de-DE" dirty="0" err="1"/>
-              <a:t>oneOf</a:t>
-            </a:r>
-            <a:r>
-              <a:rPr lang="de-DE" dirty="0"/>
-              <a:t>/not</a:t>
+              <a:t> </a:t>
+            </a:r>
+            <a:r>
+              <a:rPr lang="de-DE" b="1" dirty="0"/>
+              <a:t>item</a:t>
             </a:r>
           </a:p>
         </p:txBody>
@@ -12126,67 +12120,67 @@
           <a:lstStyle/>
           <a:p>
             <a:r>
-              <a:rPr lang="de-DE" dirty="0">
-                <a:solidFill>
-                  <a:srgbClr val="464646"/>
-                </a:solidFill>
-                <a:latin typeface="Source Code Pro" panose="020B0509030403020204" pitchFamily="49" charset="0"/>
-              </a:rPr>
-              <a:t>"</a:t>
-            </a:r>
-            <a:r>
-              <a:rPr lang="de-DE" dirty="0" err="1">
-                <a:solidFill>
-                  <a:srgbClr val="464646"/>
-                </a:solidFill>
-                <a:latin typeface="Source Code Pro" panose="020B0509030403020204" pitchFamily="49" charset="0"/>
-              </a:rPr>
-              <a:t>string</a:t>
-            </a:r>
-            <a:r>
-              <a:rPr lang="de-DE" dirty="0">
-                <a:solidFill>
-                  <a:srgbClr val="464646"/>
-                </a:solidFill>
-                <a:latin typeface="Source Code Pro" panose="020B0509030403020204" pitchFamily="49" charset="0"/>
-              </a:rPr>
-              <a:t> </a:t>
-            </a:r>
-            <a:r>
-              <a:rPr lang="de-DE" dirty="0" err="1">
-                <a:solidFill>
-                  <a:srgbClr val="464646"/>
-                </a:solidFill>
-                <a:latin typeface="Source Code Pro" panose="020B0509030403020204" pitchFamily="49" charset="0"/>
-              </a:rPr>
-              <a:t>to</a:t>
-            </a:r>
-            <a:r>
-              <a:rPr lang="de-DE" dirty="0">
-                <a:solidFill>
-                  <a:srgbClr val="464646"/>
-                </a:solidFill>
-                <a:latin typeface="Source Code Pro" panose="020B0509030403020204" pitchFamily="49" charset="0"/>
-              </a:rPr>
-              <a:t> </a:t>
-            </a:r>
-            <a:r>
-              <a:rPr lang="de-DE" dirty="0" err="1">
-                <a:solidFill>
-                  <a:srgbClr val="464646"/>
-                </a:solidFill>
-                <a:latin typeface="Source Code Pro" panose="020B0509030403020204" pitchFamily="49" charset="0"/>
-              </a:rPr>
-              <a:t>long</a:t>
-            </a:r>
-            <a:r>
-              <a:rPr lang="de-DE" dirty="0">
-                <a:solidFill>
-                  <a:srgbClr val="464646"/>
-                </a:solidFill>
-                <a:latin typeface="Source Code Pro" panose="020B0509030403020204" pitchFamily="49" charset="0"/>
-              </a:rPr>
-              <a:t>"</a:t>
+              <a:rPr lang="de-DE" b="1" dirty="0">
+                <a:solidFill>
+                  <a:srgbClr val="4472C4"/>
+                </a:solidFill>
+                <a:latin typeface="Source Code Pro" panose="020B0509030403020204" pitchFamily="49" charset="0"/>
+              </a:rPr>
+              <a:t>[</a:t>
+            </a:r>
+            <a:r>
+              <a:rPr lang="de-DE" dirty="0">
+                <a:solidFill>
+                  <a:srgbClr val="FF8000"/>
+                </a:solidFill>
+                <a:latin typeface="Source Code Pro" panose="020B0509030403020204" pitchFamily="49" charset="0"/>
+              </a:rPr>
+              <a:t>1</a:t>
+            </a:r>
+            <a:r>
+              <a:rPr lang="de-DE" b="1" dirty="0">
+                <a:solidFill>
+                  <a:srgbClr val="4472C4"/>
+                </a:solidFill>
+                <a:latin typeface="Source Code Pro" panose="020B0509030403020204" pitchFamily="49" charset="0"/>
+              </a:rPr>
+              <a:t>,</a:t>
+            </a:r>
+            <a:r>
+              <a:rPr lang="de-DE" dirty="0">
+                <a:solidFill>
+                  <a:srgbClr val="464646"/>
+                </a:solidFill>
+                <a:latin typeface="Source Code Pro" panose="020B0509030403020204" pitchFamily="49" charset="0"/>
+              </a:rPr>
+              <a:t>"two"</a:t>
+            </a:r>
+            <a:r>
+              <a:rPr lang="de-DE" b="1" dirty="0">
+                <a:solidFill>
+                  <a:srgbClr val="4472C4"/>
+                </a:solidFill>
+                <a:latin typeface="Source Code Pro" panose="020B0509030403020204" pitchFamily="49" charset="0"/>
+              </a:rPr>
+              <a:t>,</a:t>
+            </a:r>
+            <a:r>
+              <a:rPr lang="de-DE" dirty="0">
+                <a:solidFill>
+                  <a:srgbClr val="FF8000"/>
+                </a:solidFill>
+                <a:latin typeface="Source Code Pro" panose="020B0509030403020204" pitchFamily="49" charset="0"/>
+              </a:rPr>
+              <a:t>3</a:t>
+            </a:r>
+            <a:r>
+              <a:rPr lang="de-DE" b="1" dirty="0">
+                <a:solidFill>
+                  <a:srgbClr val="4472C4"/>
+                </a:solidFill>
+                <a:latin typeface="Source Code Pro" panose="020B0509030403020204" pitchFamily="49" charset="0"/>
+              </a:rPr>
+              <a:t>]</a:t>
             </a:r>
             <a:endParaRPr lang="de-DE" dirty="0"/>
           </a:p>
@@ -12229,87 +12223,69 @@
           <a:lstStyle/>
           <a:p>
             <a:r>
-              <a:rPr lang="de-DE" dirty="0">
-                <a:solidFill>
-                  <a:srgbClr val="464646"/>
-                </a:solidFill>
-                <a:latin typeface="Source Code Pro" panose="020B0509030403020204" pitchFamily="49" charset="0"/>
-              </a:rPr>
-              <a:t>"</a:t>
-            </a:r>
-            <a:r>
-              <a:rPr lang="de-DE" dirty="0" err="1">
-                <a:solidFill>
-                  <a:srgbClr val="464646"/>
-                </a:solidFill>
-                <a:latin typeface="Source Code Pro" panose="020B0509030403020204" pitchFamily="49" charset="0"/>
-              </a:rPr>
-              <a:t>short</a:t>
-            </a:r>
-            <a:r>
-              <a:rPr lang="de-DE" dirty="0">
-                <a:solidFill>
-                  <a:srgbClr val="464646"/>
-                </a:solidFill>
-                <a:latin typeface="Source Code Pro" panose="020B0509030403020204" pitchFamily="49" charset="0"/>
-              </a:rPr>
-              <a:t>"</a:t>
+              <a:rPr lang="de-DE" b="1" dirty="0">
+                <a:solidFill>
+                  <a:srgbClr val="4472C4"/>
+                </a:solidFill>
+                <a:latin typeface="Source Code Pro" panose="020B0509030403020204" pitchFamily="49" charset="0"/>
+              </a:rPr>
+              <a:t>[</a:t>
+            </a:r>
+            <a:r>
+              <a:rPr lang="de-DE" dirty="0">
+                <a:solidFill>
+                  <a:srgbClr val="FF8000"/>
+                </a:solidFill>
+                <a:latin typeface="Source Code Pro" panose="020B0509030403020204" pitchFamily="49" charset="0"/>
+              </a:rPr>
+              <a:t>1</a:t>
+            </a:r>
+            <a:r>
+              <a:rPr lang="de-DE" b="1" dirty="0">
+                <a:solidFill>
+                  <a:srgbClr val="4472C4"/>
+                </a:solidFill>
+                <a:latin typeface="Source Code Pro" panose="020B0509030403020204" pitchFamily="49" charset="0"/>
+              </a:rPr>
+              <a:t>,</a:t>
+            </a:r>
+            <a:r>
+              <a:rPr lang="de-DE" dirty="0">
+                <a:solidFill>
+                  <a:srgbClr val="FF8000"/>
+                </a:solidFill>
+                <a:latin typeface="Source Code Pro" panose="020B0509030403020204" pitchFamily="49" charset="0"/>
+              </a:rPr>
+              <a:t>2</a:t>
+            </a:r>
+            <a:r>
+              <a:rPr lang="de-DE" b="1" dirty="0">
+                <a:solidFill>
+                  <a:srgbClr val="4472C4"/>
+                </a:solidFill>
+                <a:latin typeface="Source Code Pro" panose="020B0509030403020204" pitchFamily="49" charset="0"/>
+              </a:rPr>
+              <a:t>,</a:t>
+            </a:r>
+            <a:r>
+              <a:rPr lang="de-DE" dirty="0">
+                <a:solidFill>
+                  <a:srgbClr val="FF8000"/>
+                </a:solidFill>
+                <a:latin typeface="Source Code Pro" panose="020B0509030403020204" pitchFamily="49" charset="0"/>
+              </a:rPr>
+              <a:t>3</a:t>
+            </a:r>
+            <a:r>
+              <a:rPr lang="de-DE" b="1" dirty="0">
+                <a:solidFill>
+                  <a:srgbClr val="4472C4"/>
+                </a:solidFill>
+                <a:latin typeface="Source Code Pro" panose="020B0509030403020204" pitchFamily="49" charset="0"/>
+              </a:rPr>
+              <a:t>]</a:t>
             </a:r>
             <a:endParaRPr lang="de-DE" dirty="0"/>
-          </a:p>
-        </p:txBody>
-      </p:sp>
-      <p:sp>
-        <p:nvSpPr>
-          <p:cNvPr id="11" name="Rechteck 10">
-            <a:extLst>
-              <a:ext uri="{FF2B5EF4-FFF2-40B4-BE49-F238E27FC236}">
-                <a16:creationId xmlns:a16="http://schemas.microsoft.com/office/drawing/2014/main" id="{8BE748DD-764D-4290-B161-3B1DE4AFDC90}"/>
-              </a:ext>
-            </a:extLst>
-          </p:cNvPr>
-          <p:cNvSpPr/>
-          <p:nvPr/>
-        </p:nvSpPr>
-        <p:spPr>
-          <a:xfrm>
-            <a:off x="6708059" y="4658583"/>
-            <a:ext cx="4608870" cy="369332"/>
-          </a:xfrm>
-          <a:prstGeom prst="rect">
-            <a:avLst/>
-          </a:prstGeom>
-          <a:solidFill>
-            <a:schemeClr val="accent6">
-              <a:lumMod val="40000"/>
-              <a:lumOff val="60000"/>
-            </a:schemeClr>
-          </a:solidFill>
-          <a:ln>
-            <a:noFill/>
-          </a:ln>
-        </p:spPr>
-        <p:txBody>
-          <a:bodyPr wrap="square">
-            <a:spAutoFit/>
-          </a:bodyPr>
-          <a:lstStyle/>
-          <a:p>
-            <a:r>
-              <a:rPr lang="de-DE" dirty="0">
-                <a:solidFill>
-                  <a:srgbClr val="464646"/>
-                </a:solidFill>
-                <a:latin typeface="Source Code Pro" panose="020B0509030403020204" pitchFamily="49" charset="0"/>
-              </a:rPr>
-              <a:t>10</a:t>
-            </a:r>
-            <a:endParaRPr lang="de-DE" dirty="0">
-              <a:solidFill>
-                <a:srgbClr val="000000"/>
-              </a:solidFill>
-              <a:latin typeface="Source Code Pro" panose="020B0509030403020204" pitchFamily="49" charset="0"/>
-            </a:endParaRPr>
           </a:p>
         </p:txBody>
       </p:sp>
@@ -12385,6 +12361,33 @@
                 </a:solidFill>
                 <a:latin typeface="Source Code Pro" panose="020B0509030403020204" pitchFamily="49" charset="0"/>
               </a:rPr>
+              <a:t>"type"</a:t>
+            </a:r>
+            <a:r>
+              <a:rPr lang="de-DE" b="1" dirty="0">
+                <a:solidFill>
+                  <a:srgbClr val="4472C4"/>
+                </a:solidFill>
+                <a:latin typeface="Source Code Pro" panose="020B0509030403020204" pitchFamily="49" charset="0"/>
+              </a:rPr>
+              <a:t>:</a:t>
+            </a:r>
+            <a:r>
+              <a:rPr lang="de-DE" dirty="0">
+                <a:solidFill>
+                  <a:srgbClr val="000000"/>
+                </a:solidFill>
+                <a:latin typeface="Source Code Pro" panose="020B0509030403020204" pitchFamily="49" charset="0"/>
+              </a:rPr>
+              <a:t> </a:t>
+            </a:r>
+            <a:r>
+              <a:rPr lang="de-DE" dirty="0">
+                <a:solidFill>
+                  <a:srgbClr val="464646"/>
+                </a:solidFill>
+                <a:latin typeface="Source Code Pro" panose="020B0509030403020204" pitchFamily="49" charset="0"/>
+              </a:rPr>
               <a:t>"</a:t>
             </a:r>
             <a:r>
@@ -12394,7 +12397,7 @@
                 </a:solidFill>
                 <a:latin typeface="Source Code Pro" panose="020B0509030403020204" pitchFamily="49" charset="0"/>
               </a:rPr>
-              <a:t>allOf</a:t>
+              <a:t>array</a:t>
             </a:r>
             <a:r>
               <a:rPr lang="de-DE" dirty="0">
@@ -12412,25 +12415,7 @@
                 </a:solidFill>
                 <a:latin typeface="Source Code Pro" panose="020B0509030403020204" pitchFamily="49" charset="0"/>
               </a:rPr>
-              <a:t>:</a:t>
-            </a:r>
-            <a:r>
-              <a:rPr lang="de-DE" dirty="0">
-                <a:solidFill>
-                  <a:srgbClr val="000000"/>
-                </a:solidFill>
-                <a:latin typeface="Source Code Pro" panose="020B0509030403020204" pitchFamily="49" charset="0"/>
-              </a:rPr>
-              <a:t> </a:t>
-            </a:r>
-            <a:r>
-              <a:rPr lang="de-DE" b="1" dirty="0">
-                <a:solidFill>
-                  <a:srgbClr val="4472C4"/>
-                </a:solidFill>
-                <a:latin typeface="Source Code Pro" panose="020B0509030403020204" pitchFamily="49" charset="0"/>
-              </a:rPr>
-              <a:t>[</a:t>
+              <a:t>,</a:t>
             </a:r>
             <a:endParaRPr lang="de-DE" dirty="0">
               <a:solidFill>
@@ -12447,7 +12432,34 @@
                 </a:solidFill>
                 <a:latin typeface="Source Code Pro" panose="020B0509030403020204" pitchFamily="49" charset="0"/>
               </a:rPr>
-              <a:t>    </a:t>
+              <a:t>  </a:t>
+            </a:r>
+            <a:r>
+              <a:rPr lang="de-DE" dirty="0">
+                <a:solidFill>
+                  <a:srgbClr val="464646"/>
+                </a:solidFill>
+                <a:latin typeface="Source Code Pro" panose="020B0509030403020204" pitchFamily="49" charset="0"/>
+              </a:rPr>
+              <a:t>"</a:t>
+            </a:r>
+            <a:r>
+              <a:rPr lang="de-DE" dirty="0" err="1">
+                <a:solidFill>
+                  <a:srgbClr val="464646"/>
+                </a:solidFill>
+                <a:latin typeface="Source Code Pro" panose="020B0509030403020204" pitchFamily="49" charset="0"/>
+              </a:rPr>
+              <a:t>items</a:t>
+            </a:r>
+            <a:r>
+              <a:rPr lang="de-DE" dirty="0">
+                <a:solidFill>
+                  <a:srgbClr val="464646"/>
+                </a:solidFill>
+                <a:latin typeface="Source Code Pro" panose="020B0509030403020204" pitchFamily="49" charset="0"/>
+              </a:rPr>
+              <a:t>"</a:t>
             </a:r>
             <a:r>
               <a:rPr lang="de-DE" b="1" dirty="0">
@@ -12456,88 +12468,25 @@
                 </a:solidFill>
                 <a:latin typeface="Source Code Pro" panose="020B0509030403020204" pitchFamily="49" charset="0"/>
               </a:rPr>
+              <a:t>:</a:t>
+            </a:r>
+            <a:r>
+              <a:rPr lang="de-DE" dirty="0">
+                <a:solidFill>
+                  <a:srgbClr val="000000"/>
+                </a:solidFill>
+                <a:latin typeface="Source Code Pro" panose="020B0509030403020204" pitchFamily="49" charset="0"/>
+              </a:rPr>
+              <a:t> </a:t>
+            </a:r>
+            <a:r>
+              <a:rPr lang="de-DE" b="1" dirty="0">
+                <a:solidFill>
+                  <a:srgbClr val="4472C4"/>
+                </a:solidFill>
+                <a:latin typeface="Source Code Pro" panose="020B0509030403020204" pitchFamily="49" charset="0"/>
+              </a:rPr>
               <a:t>{</a:t>
-            </a:r>
-            <a:r>
-              <a:rPr lang="de-DE" dirty="0">
-                <a:solidFill>
-                  <a:srgbClr val="000000"/>
-                </a:solidFill>
-                <a:latin typeface="Source Code Pro" panose="020B0509030403020204" pitchFamily="49" charset="0"/>
-              </a:rPr>
-              <a:t> </a:t>
-            </a:r>
-            <a:r>
-              <a:rPr lang="de-DE" dirty="0">
-                <a:solidFill>
-                  <a:srgbClr val="464646"/>
-                </a:solidFill>
-                <a:latin typeface="Source Code Pro" panose="020B0509030403020204" pitchFamily="49" charset="0"/>
-              </a:rPr>
-              <a:t>"type"</a:t>
-            </a:r>
-            <a:r>
-              <a:rPr lang="de-DE" b="1" dirty="0">
-                <a:solidFill>
-                  <a:srgbClr val="4472C4"/>
-                </a:solidFill>
-                <a:latin typeface="Source Code Pro" panose="020B0509030403020204" pitchFamily="49" charset="0"/>
-              </a:rPr>
-              <a:t>:</a:t>
-            </a:r>
-            <a:r>
-              <a:rPr lang="de-DE" dirty="0">
-                <a:solidFill>
-                  <a:srgbClr val="000000"/>
-                </a:solidFill>
-                <a:latin typeface="Source Code Pro" panose="020B0509030403020204" pitchFamily="49" charset="0"/>
-              </a:rPr>
-              <a:t> </a:t>
-            </a:r>
-            <a:r>
-              <a:rPr lang="de-DE" dirty="0">
-                <a:solidFill>
-                  <a:srgbClr val="464646"/>
-                </a:solidFill>
-                <a:latin typeface="Source Code Pro" panose="020B0509030403020204" pitchFamily="49" charset="0"/>
-              </a:rPr>
-              <a:t>"</a:t>
-            </a:r>
-            <a:r>
-              <a:rPr lang="de-DE" dirty="0" err="1">
-                <a:solidFill>
-                  <a:srgbClr val="464646"/>
-                </a:solidFill>
-                <a:latin typeface="Source Code Pro" panose="020B0509030403020204" pitchFamily="49" charset="0"/>
-              </a:rPr>
-              <a:t>string</a:t>
-            </a:r>
-            <a:r>
-              <a:rPr lang="de-DE" dirty="0">
-                <a:solidFill>
-                  <a:srgbClr val="464646"/>
-                </a:solidFill>
-                <a:latin typeface="Source Code Pro" panose="020B0509030403020204" pitchFamily="49" charset="0"/>
-              </a:rPr>
-              <a:t>"</a:t>
-            </a:r>
-            <a:r>
-              <a:rPr lang="de-DE" dirty="0">
-                <a:solidFill>
-                  <a:srgbClr val="000000"/>
-                </a:solidFill>
-                <a:latin typeface="Source Code Pro" panose="020B0509030403020204" pitchFamily="49" charset="0"/>
-              </a:rPr>
-              <a:t> </a:t>
-            </a:r>
-            <a:r>
-              <a:rPr lang="de-DE" b="1" dirty="0">
-                <a:solidFill>
-                  <a:srgbClr val="4472C4"/>
-                </a:solidFill>
-                <a:latin typeface="Source Code Pro" panose="020B0509030403020204" pitchFamily="49" charset="0"/>
-              </a:rPr>
-              <a:t>},</a:t>
             </a:r>
             <a:endParaRPr lang="de-DE" dirty="0">
               <a:solidFill>
@@ -12557,13 +12506,22 @@
               <a:t>    </a:t>
             </a:r>
             <a:r>
+              <a:rPr lang="de-DE" dirty="0">
+                <a:solidFill>
+                  <a:srgbClr val="464646"/>
+                </a:solidFill>
+                <a:latin typeface="Source Code Pro" panose="020B0509030403020204" pitchFamily="49" charset="0"/>
+              </a:rPr>
+              <a:t>"type"</a:t>
+            </a:r>
+            <a:r>
               <a:rPr lang="de-DE" b="1" dirty="0">
                 <a:solidFill>
                   <a:srgbClr val="4472C4"/>
                 </a:solidFill>
                 <a:latin typeface="Source Code Pro" panose="020B0509030403020204" pitchFamily="49" charset="0"/>
               </a:rPr>
-              <a:t>{</a:t>
+              <a:t>:</a:t>
             </a:r>
             <a:r>
               <a:rPr lang="de-DE" dirty="0">
@@ -12590,61 +12548,16 @@
                 </a:solidFill>
                 <a:latin typeface="Source Code Pro" panose="020B0509030403020204" pitchFamily="49" charset="0"/>
               </a:rPr>
-              <a:t>maxLength</a:t>
-            </a:r>
-            <a:r>
-              <a:rPr lang="de-DE" dirty="0">
-                <a:solidFill>
-                  <a:srgbClr val="464646"/>
-                </a:solidFill>
-                <a:latin typeface="Source Code Pro" panose="020B0509030403020204" pitchFamily="49" charset="0"/>
-              </a:rPr>
-              <a:t>"</a:t>
-            </a:r>
-            <a:r>
-              <a:rPr lang="de-DE" b="1" dirty="0">
-                <a:solidFill>
-                  <a:srgbClr val="4472C4"/>
-                </a:solidFill>
-                <a:latin typeface="Source Code Pro" panose="020B0509030403020204" pitchFamily="49" charset="0"/>
-              </a:rPr>
-              <a:t>:</a:t>
-            </a:r>
-            <a:r>
-              <a:rPr lang="de-DE" dirty="0">
-                <a:solidFill>
-                  <a:srgbClr val="000000"/>
-                </a:solidFill>
-                <a:latin typeface="Source Code Pro" panose="020B0509030403020204" pitchFamily="49" charset="0"/>
-              </a:rPr>
-              <a:t> </a:t>
-            </a:r>
-            <a:r>
-              <a:rPr lang="de-DE" dirty="0">
-                <a:solidFill>
-                  <a:srgbClr val="FF8000"/>
-                </a:solidFill>
-                <a:latin typeface="Source Code Pro" panose="020B0509030403020204" pitchFamily="49" charset="0"/>
-              </a:rPr>
-              <a:t>5</a:t>
-            </a:r>
-            <a:r>
-              <a:rPr lang="de-DE" dirty="0">
-                <a:solidFill>
-                  <a:srgbClr val="000000"/>
-                </a:solidFill>
-                <a:latin typeface="Source Code Pro" panose="020B0509030403020204" pitchFamily="49" charset="0"/>
-              </a:rPr>
-              <a:t> </a:t>
-            </a:r>
-            <a:r>
-              <a:rPr lang="de-DE" b="1" dirty="0">
-                <a:solidFill>
-                  <a:srgbClr val="4472C4"/>
-                </a:solidFill>
-                <a:latin typeface="Source Code Pro" panose="020B0509030403020204" pitchFamily="49" charset="0"/>
-              </a:rPr>
-              <a:t>}</a:t>
+              <a:t>number</a:t>
+            </a:r>
+            <a:r>
+              <a:rPr lang="de-DE" dirty="0">
+                <a:solidFill>
+                  <a:srgbClr val="464646"/>
+                </a:solidFill>
+                <a:latin typeface="Source Code Pro" panose="020B0509030403020204" pitchFamily="49" charset="0"/>
+              </a:rPr>
+              <a:t>"</a:t>
             </a:r>
             <a:endParaRPr lang="de-DE" dirty="0">
               <a:solidFill>
@@ -12670,7 +12583,7 @@
                 </a:solidFill>
                 <a:latin typeface="Source Code Pro" panose="020B0509030403020204" pitchFamily="49" charset="0"/>
               </a:rPr>
-              <a:t>]</a:t>
+              <a:t>}</a:t>
             </a:r>
             <a:endParaRPr lang="de-DE" dirty="0">
               <a:solidFill>
@@ -12680,202 +12593,6 @@
             </a:endParaRPr>
           </a:p>
           <a:p>
-            <a:r>
-              <a:rPr lang="de-DE" b="1" dirty="0">
-                <a:solidFill>
-                  <a:srgbClr val="4472C4"/>
-                </a:solidFill>
-                <a:latin typeface="Source Code Pro" panose="020B0509030403020204" pitchFamily="49" charset="0"/>
-              </a:rPr>
-              <a:t>}</a:t>
-            </a:r>
-            <a:endParaRPr lang="de-DE" dirty="0"/>
-          </a:p>
-        </p:txBody>
-      </p:sp>
-      <p:sp>
-        <p:nvSpPr>
-          <p:cNvPr id="12" name="Rechteck 11">
-            <a:extLst>
-              <a:ext uri="{FF2B5EF4-FFF2-40B4-BE49-F238E27FC236}">
-                <a16:creationId xmlns:a16="http://schemas.microsoft.com/office/drawing/2014/main" id="{5DFFB1FB-9005-4832-B42F-5123B9869C4A}"/>
-              </a:ext>
-            </a:extLst>
-          </p:cNvPr>
-          <p:cNvSpPr/>
-          <p:nvPr/>
-        </p:nvSpPr>
-        <p:spPr>
-          <a:xfrm>
-            <a:off x="818963" y="4663043"/>
-            <a:ext cx="4664978" cy="369332"/>
-          </a:xfrm>
-          <a:prstGeom prst="rect">
-            <a:avLst/>
-          </a:prstGeom>
-          <a:solidFill>
-            <a:schemeClr val="bg1">
-              <a:lumMod val="95000"/>
-            </a:schemeClr>
-          </a:solidFill>
-          <a:ln>
-            <a:solidFill>
-              <a:schemeClr val="bg1">
-                <a:lumMod val="85000"/>
-              </a:schemeClr>
-            </a:solidFill>
-          </a:ln>
-        </p:spPr>
-        <p:txBody>
-          <a:bodyPr wrap="square">
-            <a:spAutoFit/>
-          </a:bodyPr>
-          <a:lstStyle/>
-          <a:p>
-            <a:r>
-              <a:rPr lang="de-DE" b="1" dirty="0">
-                <a:solidFill>
-                  <a:srgbClr val="4472C4"/>
-                </a:solidFill>
-                <a:latin typeface="Source Code Pro" panose="020B0509030403020204" pitchFamily="49" charset="0"/>
-              </a:rPr>
-              <a:t>{</a:t>
-            </a:r>
-            <a:r>
-              <a:rPr lang="de-DE" dirty="0">
-                <a:solidFill>
-                  <a:srgbClr val="000000"/>
-                </a:solidFill>
-                <a:latin typeface="Source Code Pro" panose="020B0509030403020204" pitchFamily="49" charset="0"/>
-              </a:rPr>
-              <a:t> </a:t>
-            </a:r>
-            <a:r>
-              <a:rPr lang="de-DE" dirty="0">
-                <a:solidFill>
-                  <a:srgbClr val="464646"/>
-                </a:solidFill>
-                <a:latin typeface="Source Code Pro" panose="020B0509030403020204" pitchFamily="49" charset="0"/>
-              </a:rPr>
-              <a:t>"not"</a:t>
-            </a:r>
-            <a:r>
-              <a:rPr lang="de-DE" b="1" dirty="0">
-                <a:solidFill>
-                  <a:srgbClr val="4472C4"/>
-                </a:solidFill>
-                <a:latin typeface="Source Code Pro" panose="020B0509030403020204" pitchFamily="49" charset="0"/>
-              </a:rPr>
-              <a:t>:</a:t>
-            </a:r>
-            <a:r>
-              <a:rPr lang="de-DE" dirty="0">
-                <a:solidFill>
-                  <a:srgbClr val="000000"/>
-                </a:solidFill>
-                <a:latin typeface="Source Code Pro" panose="020B0509030403020204" pitchFamily="49" charset="0"/>
-              </a:rPr>
-              <a:t> </a:t>
-            </a:r>
-            <a:r>
-              <a:rPr lang="de-DE" b="1" dirty="0">
-                <a:solidFill>
-                  <a:srgbClr val="4472C4"/>
-                </a:solidFill>
-                <a:latin typeface="Source Code Pro" panose="020B0509030403020204" pitchFamily="49" charset="0"/>
-              </a:rPr>
-              <a:t>{</a:t>
-            </a:r>
-            <a:r>
-              <a:rPr lang="de-DE" dirty="0">
-                <a:solidFill>
-                  <a:srgbClr val="000000"/>
-                </a:solidFill>
-                <a:latin typeface="Source Code Pro" panose="020B0509030403020204" pitchFamily="49" charset="0"/>
-              </a:rPr>
-              <a:t> </a:t>
-            </a:r>
-            <a:r>
-              <a:rPr lang="de-DE" dirty="0">
-                <a:solidFill>
-                  <a:srgbClr val="464646"/>
-                </a:solidFill>
-                <a:latin typeface="Source Code Pro" panose="020B0509030403020204" pitchFamily="49" charset="0"/>
-              </a:rPr>
-              <a:t>"type"</a:t>
-            </a:r>
-            <a:r>
-              <a:rPr lang="de-DE" b="1" dirty="0">
-                <a:solidFill>
-                  <a:srgbClr val="4472C4"/>
-                </a:solidFill>
-                <a:latin typeface="Source Code Pro" panose="020B0509030403020204" pitchFamily="49" charset="0"/>
-              </a:rPr>
-              <a:t>:</a:t>
-            </a:r>
-            <a:r>
-              <a:rPr lang="de-DE" dirty="0">
-                <a:solidFill>
-                  <a:srgbClr val="000000"/>
-                </a:solidFill>
-                <a:latin typeface="Source Code Pro" panose="020B0509030403020204" pitchFamily="49" charset="0"/>
-              </a:rPr>
-              <a:t> </a:t>
-            </a:r>
-            <a:r>
-              <a:rPr lang="de-DE" dirty="0">
-                <a:solidFill>
-                  <a:srgbClr val="464646"/>
-                </a:solidFill>
-                <a:latin typeface="Source Code Pro" panose="020B0509030403020204" pitchFamily="49" charset="0"/>
-              </a:rPr>
-              <a:t>"</a:t>
-            </a:r>
-            <a:r>
-              <a:rPr lang="de-DE" dirty="0" err="1">
-                <a:solidFill>
-                  <a:srgbClr val="464646"/>
-                </a:solidFill>
-                <a:latin typeface="Source Code Pro" panose="020B0509030403020204" pitchFamily="49" charset="0"/>
-              </a:rPr>
-              <a:t>string</a:t>
-            </a:r>
-            <a:r>
-              <a:rPr lang="de-DE" dirty="0">
-                <a:solidFill>
-                  <a:srgbClr val="464646"/>
-                </a:solidFill>
-                <a:latin typeface="Source Code Pro" panose="020B0509030403020204" pitchFamily="49" charset="0"/>
-              </a:rPr>
-              <a:t>"</a:t>
-            </a:r>
-            <a:r>
-              <a:rPr lang="de-DE" dirty="0">
-                <a:solidFill>
-                  <a:srgbClr val="000000"/>
-                </a:solidFill>
-                <a:latin typeface="Source Code Pro" panose="020B0509030403020204" pitchFamily="49" charset="0"/>
-              </a:rPr>
-              <a:t> </a:t>
-            </a:r>
-            <a:r>
-              <a:rPr lang="de-DE" b="1" dirty="0">
-                <a:solidFill>
-                  <a:srgbClr val="4472C4"/>
-                </a:solidFill>
-                <a:latin typeface="Source Code Pro" panose="020B0509030403020204" pitchFamily="49" charset="0"/>
-              </a:rPr>
-              <a:t>}</a:t>
-            </a:r>
-            <a:r>
-              <a:rPr lang="de-DE" dirty="0">
-                <a:solidFill>
-                  <a:srgbClr val="000000"/>
-                </a:solidFill>
-                <a:latin typeface="Source Code Pro" panose="020B0509030403020204" pitchFamily="49" charset="0"/>
-              </a:rPr>
-              <a:t> </a:t>
-            </a:r>
             <a:r>
               <a:rPr lang="de-DE" b="1" dirty="0">
                 <a:solidFill>
@@ -12923,13 +12640,85 @@
           <a:lstStyle/>
           <a:p>
             <a:r>
-              <a:rPr lang="de-DE" dirty="0">
-                <a:solidFill>
-                  <a:srgbClr val="464646"/>
-                </a:solidFill>
-                <a:latin typeface="Source Code Pro" panose="020B0509030403020204" pitchFamily="49" charset="0"/>
-              </a:rPr>
-              <a:t>5</a:t>
+              <a:rPr lang="de-DE" b="1" dirty="0">
+                <a:solidFill>
+                  <a:srgbClr val="4472C4"/>
+                </a:solidFill>
+                <a:latin typeface="Source Code Pro" panose="020B0509030403020204" pitchFamily="49" charset="0"/>
+              </a:rPr>
+              <a:t>[</a:t>
+            </a:r>
+            <a:r>
+              <a:rPr lang="de-DE" dirty="0">
+                <a:solidFill>
+                  <a:srgbClr val="464646"/>
+                </a:solidFill>
+                <a:latin typeface="Source Code Pro" panose="020B0509030403020204" pitchFamily="49" charset="0"/>
+              </a:rPr>
+              <a:t>"</a:t>
+            </a:r>
+            <a:r>
+              <a:rPr lang="de-DE" dirty="0" err="1">
+                <a:solidFill>
+                  <a:srgbClr val="464646"/>
+                </a:solidFill>
+                <a:latin typeface="Source Code Pro" panose="020B0509030403020204" pitchFamily="49" charset="0"/>
+              </a:rPr>
+              <a:t>one</a:t>
+            </a:r>
+            <a:r>
+              <a:rPr lang="de-DE" dirty="0">
+                <a:solidFill>
+                  <a:srgbClr val="464646"/>
+                </a:solidFill>
+                <a:latin typeface="Source Code Pro" panose="020B0509030403020204" pitchFamily="49" charset="0"/>
+              </a:rPr>
+              <a:t>"</a:t>
+            </a:r>
+            <a:r>
+              <a:rPr lang="de-DE" b="1" dirty="0">
+                <a:solidFill>
+                  <a:srgbClr val="4472C4"/>
+                </a:solidFill>
+                <a:latin typeface="Source Code Pro" panose="020B0509030403020204" pitchFamily="49" charset="0"/>
+              </a:rPr>
+              <a:t>,</a:t>
+            </a:r>
+            <a:r>
+              <a:rPr lang="de-DE" dirty="0">
+                <a:solidFill>
+                  <a:srgbClr val="464646"/>
+                </a:solidFill>
+                <a:latin typeface="Source Code Pro" panose="020B0509030403020204" pitchFamily="49" charset="0"/>
+              </a:rPr>
+              <a:t>"</a:t>
+            </a:r>
+            <a:r>
+              <a:rPr lang="de-DE" dirty="0" err="1">
+                <a:solidFill>
+                  <a:srgbClr val="464646"/>
+                </a:solidFill>
+                <a:latin typeface="Source Code Pro" panose="020B0509030403020204" pitchFamily="49" charset="0"/>
+              </a:rPr>
+              <a:t>two</a:t>
+            </a:r>
+            <a:r>
+              <a:rPr lang="de-DE" dirty="0">
+                <a:solidFill>
+                  <a:srgbClr val="464646"/>
+                </a:solidFill>
+                <a:latin typeface="Source Code Pro" panose="020B0509030403020204" pitchFamily="49" charset="0"/>
+              </a:rPr>
+              <a:t>"</a:t>
+            </a:r>
+            <a:r>
+              <a:rPr lang="de-DE" b="1" dirty="0">
+                <a:solidFill>
+                  <a:srgbClr val="4472C4"/>
+                </a:solidFill>
+                <a:latin typeface="Source Code Pro" panose="020B0509030403020204" pitchFamily="49" charset="0"/>
+              </a:rPr>
+              <a:t>]</a:t>
             </a:r>
             <a:endParaRPr lang="de-DE" dirty="0"/>
           </a:p>
@@ -12937,10 +12726,10 @@
       </p:sp>
       <p:sp>
         <p:nvSpPr>
-          <p:cNvPr id="16" name="Rechteck 15">
-            <a:extLst>
-              <a:ext uri="{FF2B5EF4-FFF2-40B4-BE49-F238E27FC236}">
-                <a16:creationId xmlns:a16="http://schemas.microsoft.com/office/drawing/2014/main" id="{9CE4C25B-0729-4DA0-AEC7-2AADE06C9DE0}"/>
+          <p:cNvPr id="18" name="Rechteck 17">
+            <a:extLst>
+              <a:ext uri="{FF2B5EF4-FFF2-40B4-BE49-F238E27FC236}">
+                <a16:creationId xmlns:a16="http://schemas.microsoft.com/office/drawing/2014/main" id="{0DD55F42-487B-4B21-B1CD-FC04930A09AC}"/>
               </a:ext>
             </a:extLst>
           </p:cNvPr>
@@ -12949,71 +12738,41 @@
         </p:nvSpPr>
         <p:spPr>
           <a:xfrm>
-            <a:off x="6708059" y="5065219"/>
-            <a:ext cx="4608870" cy="369332"/>
+            <a:off x="3048000" y="2967335"/>
+            <a:ext cx="6096000" cy="923330"/>
           </a:xfrm>
           <a:prstGeom prst="rect">
             <a:avLst/>
           </a:prstGeom>
-          <a:solidFill>
-            <a:srgbClr val="FFCCCC"/>
-          </a:solidFill>
-          <a:ln>
-            <a:noFill/>
-          </a:ln>
         </p:spPr>
         <p:txBody>
-          <a:bodyPr wrap="square">
+          <a:bodyPr>
             <a:spAutoFit/>
           </a:bodyPr>
           <a:lstStyle/>
           <a:p>
-            <a:r>
-              <a:rPr lang="de-DE" dirty="0">
-                <a:solidFill>
-                  <a:srgbClr val="464646"/>
-                </a:solidFill>
-                <a:latin typeface="Source Code Pro" panose="020B0509030403020204" pitchFamily="49" charset="0"/>
-              </a:rPr>
-              <a:t>"</a:t>
-            </a:r>
-            <a:r>
-              <a:rPr lang="de-DE" dirty="0" err="1">
-                <a:solidFill>
-                  <a:srgbClr val="464646"/>
-                </a:solidFill>
-                <a:latin typeface="Source Code Pro" panose="020B0509030403020204" pitchFamily="49" charset="0"/>
-              </a:rPr>
-              <a:t>strings</a:t>
-            </a:r>
-            <a:r>
-              <a:rPr lang="de-DE" dirty="0">
-                <a:solidFill>
-                  <a:srgbClr val="464646"/>
-                </a:solidFill>
-                <a:latin typeface="Source Code Pro" panose="020B0509030403020204" pitchFamily="49" charset="0"/>
-              </a:rPr>
-              <a:t> not </a:t>
-            </a:r>
-            <a:r>
-              <a:rPr lang="de-DE" dirty="0" err="1">
-                <a:solidFill>
-                  <a:srgbClr val="464646"/>
-                </a:solidFill>
-                <a:latin typeface="Source Code Pro" panose="020B0509030403020204" pitchFamily="49" charset="0"/>
-              </a:rPr>
-              <a:t>allowed</a:t>
-            </a:r>
-            <a:r>
-              <a:rPr lang="de-DE" dirty="0">
-                <a:solidFill>
-                  <a:srgbClr val="464646"/>
-                </a:solidFill>
-                <a:latin typeface="Source Code Pro" panose="020B0509030403020204" pitchFamily="49" charset="0"/>
-              </a:rPr>
-              <a:t>"</a:t>
-            </a:r>
-            <a:endParaRPr lang="de-DE" dirty="0"/>
+            <a:endParaRPr lang="de-DE" dirty="0">
+              <a:solidFill>
+                <a:srgbClr val="000000"/>
+              </a:solidFill>
+              <a:latin typeface="Source Code Pro" panose="020B0509030403020204" pitchFamily="49" charset="0"/>
+            </a:endParaRPr>
+          </a:p>
+          <a:p>
+            <a:endParaRPr lang="de-DE" dirty="0">
+              <a:solidFill>
+                <a:srgbClr val="000000"/>
+              </a:solidFill>
+              <a:latin typeface="Source Code Pro" panose="020B0509030403020204" pitchFamily="49" charset="0"/>
+            </a:endParaRPr>
+          </a:p>
+          <a:p>
+            <a:endParaRPr lang="de-DE" dirty="0">
+              <a:solidFill>
+                <a:srgbClr val="000000"/>
+              </a:solidFill>
+              <a:latin typeface="Source Code Pro" panose="020B0509030403020204" pitchFamily="49" charset="0"/>
+            </a:endParaRPr>
           </a:p>
         </p:txBody>
       </p:sp>
@@ -13261,7 +13020,7 @@
           <a:p>
             <a:r>
               <a:rPr lang="de-DE" dirty="0"/>
-              <a:t>Wiederverwendung von Definitionen (1/2)</a:t>
+              <a:t>Komplexe Wertebereiche</a:t>
             </a:r>
           </a:p>
         </p:txBody>
@@ -13293,131 +13052,29 @@
           <a:lstStyle/>
           <a:p>
             <a:r>
+              <a:rPr lang="de-DE" dirty="0" err="1"/>
+              <a:t>allOf</a:t>
+            </a:r>
+            <a:r>
               <a:rPr lang="de-DE" dirty="0"/>
-              <a:t>Definitionen in gleicher/anderer Datei möglich</a:t>
-            </a:r>
-          </a:p>
-          <a:p>
+              <a:t>/</a:t>
+            </a:r>
+            <a:r>
+              <a:rPr lang="de-DE" dirty="0" err="1"/>
+              <a:t>anyOf</a:t>
+            </a:r>
             <a:r>
               <a:rPr lang="de-DE" dirty="0"/>
-              <a:t>Referenzieren mit </a:t>
-            </a:r>
-            <a:r>
-              <a:rPr lang="de-DE" b="1" dirty="0"/>
-              <a:t>$</a:t>
-            </a:r>
-            <a:r>
-              <a:rPr lang="de-DE" b="1" dirty="0" err="1"/>
-              <a:t>ref</a:t>
-            </a:r>
-            <a:r>
-              <a:rPr lang="de-DE" b="1" dirty="0"/>
-              <a:t> </a:t>
+              <a:t>/</a:t>
+            </a:r>
+            <a:r>
+              <a:rPr lang="de-DE" dirty="0" err="1"/>
+              <a:t>oneOf</a:t>
             </a:r>
             <a:r>
               <a:rPr lang="de-DE" dirty="0"/>
-              <a:t>Schlüsselwort</a:t>
-            </a:r>
-          </a:p>
-          <a:p>
-            <a:r>
-              <a:rPr lang="de-DE" dirty="0"/>
-              <a:t>Nach </a:t>
-            </a:r>
-            <a:r>
-              <a:rPr lang="de-DE" b="1" dirty="0"/>
-              <a:t>$</a:t>
-            </a:r>
-            <a:r>
-              <a:rPr lang="de-DE" b="1" dirty="0" err="1"/>
-              <a:t>ref</a:t>
-            </a:r>
-            <a:r>
-              <a:rPr lang="de-DE" dirty="0"/>
-              <a:t> folgt der </a:t>
-            </a:r>
-            <a:r>
-              <a:rPr lang="de-DE" b="1" dirty="0"/>
-              <a:t>Pfad </a:t>
-            </a:r>
-            <a:r>
-              <a:rPr lang="de-DE" dirty="0"/>
-              <a:t>zur Definition</a:t>
-            </a:r>
-            <a:endParaRPr lang="de-DE" b="1" dirty="0"/>
-          </a:p>
-          <a:p>
-            <a:r>
-              <a:rPr lang="de-DE" dirty="0"/>
-              <a:t>Beispiel verweist auf externe Datei</a:t>
-            </a:r>
-          </a:p>
-          <a:p>
-            <a:pPr lvl="1"/>
-            <a:r>
-              <a:rPr lang="de-DE" b="1" dirty="0" err="1"/>
-              <a:t>definitions.json</a:t>
-            </a:r>
-            <a:r>
-              <a:rPr lang="de-DE" b="1" dirty="0"/>
-              <a:t> </a:t>
-            </a:r>
-            <a:r>
-              <a:rPr lang="de-DE" dirty="0"/>
-              <a:t>ist die Datei</a:t>
-            </a:r>
-          </a:p>
-          <a:p>
-            <a:pPr lvl="1"/>
-            <a:r>
-              <a:rPr lang="de-DE" b="1" dirty="0"/>
-              <a:t># </a:t>
-            </a:r>
-            <a:r>
-              <a:rPr lang="de-DE" dirty="0"/>
-              <a:t>steht für das Wurzelelement </a:t>
-            </a:r>
-          </a:p>
-          <a:p>
-            <a:pPr lvl="1"/>
-            <a:r>
-              <a:rPr lang="de-DE" b="1" dirty="0" err="1"/>
-              <a:t>address</a:t>
-            </a:r>
-            <a:r>
-              <a:rPr lang="de-DE" b="1" dirty="0"/>
-              <a:t> </a:t>
-            </a:r>
-            <a:r>
-              <a:rPr lang="de-DE" dirty="0"/>
-              <a:t>für den </a:t>
-            </a:r>
-            <a:r>
-              <a:rPr lang="de-DE" b="1" dirty="0"/>
-              <a:t>Schlüssel </a:t>
-            </a:r>
-            <a:r>
-              <a:rPr lang="de-DE" dirty="0" err="1"/>
-              <a:t>address</a:t>
-            </a:r>
-            <a:r>
-              <a:rPr lang="de-DE" dirty="0"/>
-              <a:t>, hinter der die </a:t>
-            </a:r>
-            <a:r>
-              <a:rPr lang="de-DE" dirty="0" err="1"/>
-              <a:t>Defintion</a:t>
-            </a:r>
-            <a:r>
-              <a:rPr lang="de-DE" dirty="0"/>
-              <a:t> liegt</a:t>
-            </a:r>
-          </a:p>
-          <a:p>
-            <a:pPr marL="0" indent="0">
-              <a:buNone/>
-            </a:pPr>
-            <a:endParaRPr lang="de-DE" dirty="0"/>
+              <a:t>/not</a:t>
+            </a:r>
           </a:p>
         </p:txBody>
       </p:sp>
@@ -13503,6 +13160,1231 @@
             <a:fld id="{4DEAFF03-B2A3-4F10-AFBA-713F9B73CAA7}" type="slidenum">
               <a:rPr lang="de-DE" smtClean="0"/>
               <a:t>19</a:t>
+            </a:fld>
+            <a:endParaRPr lang="de-DE"/>
+          </a:p>
+        </p:txBody>
+      </p:sp>
+      <p:sp>
+        <p:nvSpPr>
+          <p:cNvPr id="9" name="Rechteck 8">
+            <a:extLst>
+              <a:ext uri="{FF2B5EF4-FFF2-40B4-BE49-F238E27FC236}">
+                <a16:creationId xmlns:a16="http://schemas.microsoft.com/office/drawing/2014/main" id="{D53069BA-2455-49E1-8360-B8F571081120}"/>
+              </a:ext>
+            </a:extLst>
+          </p:cNvPr>
+          <p:cNvSpPr/>
+          <p:nvPr/>
+        </p:nvSpPr>
+        <p:spPr>
+          <a:xfrm>
+            <a:off x="6708059" y="2950084"/>
+            <a:ext cx="4608870" cy="369332"/>
+          </a:xfrm>
+          <a:prstGeom prst="rect">
+            <a:avLst/>
+          </a:prstGeom>
+          <a:solidFill>
+            <a:srgbClr val="FFCCCC"/>
+          </a:solidFill>
+          <a:ln>
+            <a:noFill/>
+          </a:ln>
+        </p:spPr>
+        <p:txBody>
+          <a:bodyPr wrap="square">
+            <a:spAutoFit/>
+          </a:bodyPr>
+          <a:lstStyle/>
+          <a:p>
+            <a:r>
+              <a:rPr lang="de-DE" dirty="0">
+                <a:solidFill>
+                  <a:srgbClr val="464646"/>
+                </a:solidFill>
+                <a:latin typeface="Source Code Pro" panose="020B0509030403020204" pitchFamily="49" charset="0"/>
+              </a:rPr>
+              <a:t>"</a:t>
+            </a:r>
+            <a:r>
+              <a:rPr lang="de-DE" dirty="0" err="1">
+                <a:solidFill>
+                  <a:srgbClr val="464646"/>
+                </a:solidFill>
+                <a:latin typeface="Source Code Pro" panose="020B0509030403020204" pitchFamily="49" charset="0"/>
+              </a:rPr>
+              <a:t>string</a:t>
+            </a:r>
+            <a:r>
+              <a:rPr lang="de-DE" dirty="0">
+                <a:solidFill>
+                  <a:srgbClr val="464646"/>
+                </a:solidFill>
+                <a:latin typeface="Source Code Pro" panose="020B0509030403020204" pitchFamily="49" charset="0"/>
+              </a:rPr>
+              <a:t> </a:t>
+            </a:r>
+            <a:r>
+              <a:rPr lang="de-DE" dirty="0" err="1">
+                <a:solidFill>
+                  <a:srgbClr val="464646"/>
+                </a:solidFill>
+                <a:latin typeface="Source Code Pro" panose="020B0509030403020204" pitchFamily="49" charset="0"/>
+              </a:rPr>
+              <a:t>to</a:t>
+            </a:r>
+            <a:r>
+              <a:rPr lang="de-DE" dirty="0">
+                <a:solidFill>
+                  <a:srgbClr val="464646"/>
+                </a:solidFill>
+                <a:latin typeface="Source Code Pro" panose="020B0509030403020204" pitchFamily="49" charset="0"/>
+              </a:rPr>
+              <a:t> </a:t>
+            </a:r>
+            <a:r>
+              <a:rPr lang="de-DE" dirty="0" err="1">
+                <a:solidFill>
+                  <a:srgbClr val="464646"/>
+                </a:solidFill>
+                <a:latin typeface="Source Code Pro" panose="020B0509030403020204" pitchFamily="49" charset="0"/>
+              </a:rPr>
+              <a:t>long</a:t>
+            </a:r>
+            <a:r>
+              <a:rPr lang="de-DE" dirty="0">
+                <a:solidFill>
+                  <a:srgbClr val="464646"/>
+                </a:solidFill>
+                <a:latin typeface="Source Code Pro" panose="020B0509030403020204" pitchFamily="49" charset="0"/>
+              </a:rPr>
+              <a:t>"</a:t>
+            </a:r>
+            <a:endParaRPr lang="de-DE" dirty="0"/>
+          </a:p>
+        </p:txBody>
+      </p:sp>
+      <p:sp>
+        <p:nvSpPr>
+          <p:cNvPr id="10" name="Rechteck 9">
+            <a:extLst>
+              <a:ext uri="{FF2B5EF4-FFF2-40B4-BE49-F238E27FC236}">
+                <a16:creationId xmlns:a16="http://schemas.microsoft.com/office/drawing/2014/main" id="{D25901EF-A678-4817-B6A5-9EDBC02FD598}"/>
+              </a:ext>
+            </a:extLst>
+          </p:cNvPr>
+          <p:cNvSpPr/>
+          <p:nvPr/>
+        </p:nvSpPr>
+        <p:spPr>
+          <a:xfrm>
+            <a:off x="6708059" y="3356720"/>
+            <a:ext cx="4608870" cy="369332"/>
+          </a:xfrm>
+          <a:prstGeom prst="rect">
+            <a:avLst/>
+          </a:prstGeom>
+          <a:solidFill>
+            <a:schemeClr val="accent6">
+              <a:lumMod val="40000"/>
+              <a:lumOff val="60000"/>
+            </a:schemeClr>
+          </a:solidFill>
+          <a:ln>
+            <a:noFill/>
+          </a:ln>
+        </p:spPr>
+        <p:txBody>
+          <a:bodyPr wrap="square">
+            <a:spAutoFit/>
+          </a:bodyPr>
+          <a:lstStyle/>
+          <a:p>
+            <a:r>
+              <a:rPr lang="de-DE" dirty="0">
+                <a:solidFill>
+                  <a:srgbClr val="464646"/>
+                </a:solidFill>
+                <a:latin typeface="Source Code Pro" panose="020B0509030403020204" pitchFamily="49" charset="0"/>
+              </a:rPr>
+              <a:t>"</a:t>
+            </a:r>
+            <a:r>
+              <a:rPr lang="de-DE" dirty="0" err="1">
+                <a:solidFill>
+                  <a:srgbClr val="464646"/>
+                </a:solidFill>
+                <a:latin typeface="Source Code Pro" panose="020B0509030403020204" pitchFamily="49" charset="0"/>
+              </a:rPr>
+              <a:t>short</a:t>
+            </a:r>
+            <a:r>
+              <a:rPr lang="de-DE" dirty="0">
+                <a:solidFill>
+                  <a:srgbClr val="464646"/>
+                </a:solidFill>
+                <a:latin typeface="Source Code Pro" panose="020B0509030403020204" pitchFamily="49" charset="0"/>
+              </a:rPr>
+              <a:t>"</a:t>
+            </a:r>
+            <a:endParaRPr lang="de-DE" dirty="0"/>
+          </a:p>
+        </p:txBody>
+      </p:sp>
+      <p:sp>
+        <p:nvSpPr>
+          <p:cNvPr id="11" name="Rechteck 10">
+            <a:extLst>
+              <a:ext uri="{FF2B5EF4-FFF2-40B4-BE49-F238E27FC236}">
+                <a16:creationId xmlns:a16="http://schemas.microsoft.com/office/drawing/2014/main" id="{8BE748DD-764D-4290-B161-3B1DE4AFDC90}"/>
+              </a:ext>
+            </a:extLst>
+          </p:cNvPr>
+          <p:cNvSpPr/>
+          <p:nvPr/>
+        </p:nvSpPr>
+        <p:spPr>
+          <a:xfrm>
+            <a:off x="6708059" y="4658583"/>
+            <a:ext cx="4608870" cy="369332"/>
+          </a:xfrm>
+          <a:prstGeom prst="rect">
+            <a:avLst/>
+          </a:prstGeom>
+          <a:solidFill>
+            <a:schemeClr val="accent6">
+              <a:lumMod val="40000"/>
+              <a:lumOff val="60000"/>
+            </a:schemeClr>
+          </a:solidFill>
+          <a:ln>
+            <a:noFill/>
+          </a:ln>
+        </p:spPr>
+        <p:txBody>
+          <a:bodyPr wrap="square">
+            <a:spAutoFit/>
+          </a:bodyPr>
+          <a:lstStyle/>
+          <a:p>
+            <a:r>
+              <a:rPr lang="de-DE" dirty="0">
+                <a:solidFill>
+                  <a:srgbClr val="464646"/>
+                </a:solidFill>
+                <a:latin typeface="Source Code Pro" panose="020B0509030403020204" pitchFamily="49" charset="0"/>
+              </a:rPr>
+              <a:t>10</a:t>
+            </a:r>
+            <a:endParaRPr lang="de-DE" dirty="0">
+              <a:solidFill>
+                <a:srgbClr val="000000"/>
+              </a:solidFill>
+              <a:latin typeface="Source Code Pro" panose="020B0509030403020204" pitchFamily="49" charset="0"/>
+            </a:endParaRPr>
+          </a:p>
+        </p:txBody>
+      </p:sp>
+      <p:sp>
+        <p:nvSpPr>
+          <p:cNvPr id="8" name="Rechteck 7">
+            <a:extLst>
+              <a:ext uri="{FF2B5EF4-FFF2-40B4-BE49-F238E27FC236}">
+                <a16:creationId xmlns:a16="http://schemas.microsoft.com/office/drawing/2014/main" id="{FDBC455F-97D8-492C-9BE7-7A73D166F5DA}"/>
+              </a:ext>
+            </a:extLst>
+          </p:cNvPr>
+          <p:cNvSpPr/>
+          <p:nvPr/>
+        </p:nvSpPr>
+        <p:spPr>
+          <a:xfrm>
+            <a:off x="875071" y="2551837"/>
+            <a:ext cx="4608870" cy="1754326"/>
+          </a:xfrm>
+          <a:prstGeom prst="rect">
+            <a:avLst/>
+          </a:prstGeom>
+          <a:solidFill>
+            <a:schemeClr val="bg1">
+              <a:lumMod val="95000"/>
+            </a:schemeClr>
+          </a:solidFill>
+          <a:ln>
+            <a:solidFill>
+              <a:schemeClr val="bg1">
+                <a:lumMod val="85000"/>
+              </a:schemeClr>
+            </a:solidFill>
+          </a:ln>
+        </p:spPr>
+        <p:txBody>
+          <a:bodyPr wrap="square">
+            <a:spAutoFit/>
+          </a:bodyPr>
+          <a:lstStyle/>
+          <a:p>
+            <a:r>
+              <a:rPr lang="de-DE" b="1" dirty="0">
+                <a:solidFill>
+                  <a:srgbClr val="4472C4"/>
+                </a:solidFill>
+                <a:latin typeface="Source Code Pro" panose="020B0509030403020204" pitchFamily="49" charset="0"/>
+              </a:rPr>
+              <a:t>{</a:t>
+            </a:r>
+            <a:endParaRPr lang="de-DE" dirty="0">
+              <a:solidFill>
+                <a:srgbClr val="000000"/>
+              </a:solidFill>
+              <a:latin typeface="Source Code Pro" panose="020B0509030403020204" pitchFamily="49" charset="0"/>
+            </a:endParaRPr>
+          </a:p>
+          <a:p>
+            <a:r>
+              <a:rPr lang="de-DE" dirty="0">
+                <a:solidFill>
+                  <a:srgbClr val="000000"/>
+                </a:solidFill>
+                <a:latin typeface="Source Code Pro" panose="020B0509030403020204" pitchFamily="49" charset="0"/>
+              </a:rPr>
+              <a:t>  </a:t>
+            </a:r>
+            <a:r>
+              <a:rPr lang="de-DE" dirty="0">
+                <a:solidFill>
+                  <a:srgbClr val="464646"/>
+                </a:solidFill>
+                <a:latin typeface="Source Code Pro" panose="020B0509030403020204" pitchFamily="49" charset="0"/>
+              </a:rPr>
+              <a:t>"</a:t>
+            </a:r>
+            <a:r>
+              <a:rPr lang="de-DE" dirty="0" err="1">
+                <a:solidFill>
+                  <a:srgbClr val="464646"/>
+                </a:solidFill>
+                <a:latin typeface="Source Code Pro" panose="020B0509030403020204" pitchFamily="49" charset="0"/>
+              </a:rPr>
+              <a:t>allOf</a:t>
+            </a:r>
+            <a:r>
+              <a:rPr lang="de-DE" dirty="0">
+                <a:solidFill>
+                  <a:srgbClr val="464646"/>
+                </a:solidFill>
+                <a:latin typeface="Source Code Pro" panose="020B0509030403020204" pitchFamily="49" charset="0"/>
+              </a:rPr>
+              <a:t>"</a:t>
+            </a:r>
+            <a:r>
+              <a:rPr lang="de-DE" b="1" dirty="0">
+                <a:solidFill>
+                  <a:srgbClr val="4472C4"/>
+                </a:solidFill>
+                <a:latin typeface="Source Code Pro" panose="020B0509030403020204" pitchFamily="49" charset="0"/>
+              </a:rPr>
+              <a:t>:</a:t>
+            </a:r>
+            <a:r>
+              <a:rPr lang="de-DE" dirty="0">
+                <a:solidFill>
+                  <a:srgbClr val="000000"/>
+                </a:solidFill>
+                <a:latin typeface="Source Code Pro" panose="020B0509030403020204" pitchFamily="49" charset="0"/>
+              </a:rPr>
+              <a:t> </a:t>
+            </a:r>
+            <a:r>
+              <a:rPr lang="de-DE" b="1" dirty="0">
+                <a:solidFill>
+                  <a:srgbClr val="4472C4"/>
+                </a:solidFill>
+                <a:latin typeface="Source Code Pro" panose="020B0509030403020204" pitchFamily="49" charset="0"/>
+              </a:rPr>
+              <a:t>[</a:t>
+            </a:r>
+            <a:endParaRPr lang="de-DE" dirty="0">
+              <a:solidFill>
+                <a:srgbClr val="000000"/>
+              </a:solidFill>
+              <a:latin typeface="Source Code Pro" panose="020B0509030403020204" pitchFamily="49" charset="0"/>
+            </a:endParaRPr>
+          </a:p>
+          <a:p>
+            <a:r>
+              <a:rPr lang="de-DE" dirty="0">
+                <a:solidFill>
+                  <a:srgbClr val="000000"/>
+                </a:solidFill>
+                <a:latin typeface="Source Code Pro" panose="020B0509030403020204" pitchFamily="49" charset="0"/>
+              </a:rPr>
+              <a:t>    </a:t>
+            </a:r>
+            <a:r>
+              <a:rPr lang="de-DE" b="1" dirty="0">
+                <a:solidFill>
+                  <a:srgbClr val="4472C4"/>
+                </a:solidFill>
+                <a:latin typeface="Source Code Pro" panose="020B0509030403020204" pitchFamily="49" charset="0"/>
+              </a:rPr>
+              <a:t>{</a:t>
+            </a:r>
+            <a:r>
+              <a:rPr lang="de-DE" dirty="0">
+                <a:solidFill>
+                  <a:srgbClr val="000000"/>
+                </a:solidFill>
+                <a:latin typeface="Source Code Pro" panose="020B0509030403020204" pitchFamily="49" charset="0"/>
+              </a:rPr>
+              <a:t> </a:t>
+            </a:r>
+            <a:r>
+              <a:rPr lang="de-DE" dirty="0">
+                <a:solidFill>
+                  <a:srgbClr val="464646"/>
+                </a:solidFill>
+                <a:latin typeface="Source Code Pro" panose="020B0509030403020204" pitchFamily="49" charset="0"/>
+              </a:rPr>
+              <a:t>"type"</a:t>
+            </a:r>
+            <a:r>
+              <a:rPr lang="de-DE" b="1" dirty="0">
+                <a:solidFill>
+                  <a:srgbClr val="4472C4"/>
+                </a:solidFill>
+                <a:latin typeface="Source Code Pro" panose="020B0509030403020204" pitchFamily="49" charset="0"/>
+              </a:rPr>
+              <a:t>:</a:t>
+            </a:r>
+            <a:r>
+              <a:rPr lang="de-DE" dirty="0">
+                <a:solidFill>
+                  <a:srgbClr val="000000"/>
+                </a:solidFill>
+                <a:latin typeface="Source Code Pro" panose="020B0509030403020204" pitchFamily="49" charset="0"/>
+              </a:rPr>
+              <a:t> </a:t>
+            </a:r>
+            <a:r>
+              <a:rPr lang="de-DE" dirty="0">
+                <a:solidFill>
+                  <a:srgbClr val="464646"/>
+                </a:solidFill>
+                <a:latin typeface="Source Code Pro" panose="020B0509030403020204" pitchFamily="49" charset="0"/>
+              </a:rPr>
+              <a:t>"</a:t>
+            </a:r>
+            <a:r>
+              <a:rPr lang="de-DE" dirty="0" err="1">
+                <a:solidFill>
+                  <a:srgbClr val="464646"/>
+                </a:solidFill>
+                <a:latin typeface="Source Code Pro" panose="020B0509030403020204" pitchFamily="49" charset="0"/>
+              </a:rPr>
+              <a:t>string</a:t>
+            </a:r>
+            <a:r>
+              <a:rPr lang="de-DE" dirty="0">
+                <a:solidFill>
+                  <a:srgbClr val="464646"/>
+                </a:solidFill>
+                <a:latin typeface="Source Code Pro" panose="020B0509030403020204" pitchFamily="49" charset="0"/>
+              </a:rPr>
+              <a:t>"</a:t>
+            </a:r>
+            <a:r>
+              <a:rPr lang="de-DE" dirty="0">
+                <a:solidFill>
+                  <a:srgbClr val="000000"/>
+                </a:solidFill>
+                <a:latin typeface="Source Code Pro" panose="020B0509030403020204" pitchFamily="49" charset="0"/>
+              </a:rPr>
+              <a:t> </a:t>
+            </a:r>
+            <a:r>
+              <a:rPr lang="de-DE" b="1" dirty="0">
+                <a:solidFill>
+                  <a:srgbClr val="4472C4"/>
+                </a:solidFill>
+                <a:latin typeface="Source Code Pro" panose="020B0509030403020204" pitchFamily="49" charset="0"/>
+              </a:rPr>
+              <a:t>},</a:t>
+            </a:r>
+            <a:endParaRPr lang="de-DE" dirty="0">
+              <a:solidFill>
+                <a:srgbClr val="000000"/>
+              </a:solidFill>
+              <a:latin typeface="Source Code Pro" panose="020B0509030403020204" pitchFamily="49" charset="0"/>
+            </a:endParaRPr>
+          </a:p>
+          <a:p>
+            <a:r>
+              <a:rPr lang="de-DE" dirty="0">
+                <a:solidFill>
+                  <a:srgbClr val="000000"/>
+                </a:solidFill>
+                <a:latin typeface="Source Code Pro" panose="020B0509030403020204" pitchFamily="49" charset="0"/>
+              </a:rPr>
+              <a:t>    </a:t>
+            </a:r>
+            <a:r>
+              <a:rPr lang="de-DE" b="1" dirty="0">
+                <a:solidFill>
+                  <a:srgbClr val="4472C4"/>
+                </a:solidFill>
+                <a:latin typeface="Source Code Pro" panose="020B0509030403020204" pitchFamily="49" charset="0"/>
+              </a:rPr>
+              <a:t>{</a:t>
+            </a:r>
+            <a:r>
+              <a:rPr lang="de-DE" dirty="0">
+                <a:solidFill>
+                  <a:srgbClr val="000000"/>
+                </a:solidFill>
+                <a:latin typeface="Source Code Pro" panose="020B0509030403020204" pitchFamily="49" charset="0"/>
+              </a:rPr>
+              <a:t> </a:t>
+            </a:r>
+            <a:r>
+              <a:rPr lang="de-DE" dirty="0">
+                <a:solidFill>
+                  <a:srgbClr val="464646"/>
+                </a:solidFill>
+                <a:latin typeface="Source Code Pro" panose="020B0509030403020204" pitchFamily="49" charset="0"/>
+              </a:rPr>
+              <a:t>"</a:t>
+            </a:r>
+            <a:r>
+              <a:rPr lang="de-DE" dirty="0" err="1">
+                <a:solidFill>
+                  <a:srgbClr val="464646"/>
+                </a:solidFill>
+                <a:latin typeface="Source Code Pro" panose="020B0509030403020204" pitchFamily="49" charset="0"/>
+              </a:rPr>
+              <a:t>maxLength</a:t>
+            </a:r>
+            <a:r>
+              <a:rPr lang="de-DE" dirty="0">
+                <a:solidFill>
+                  <a:srgbClr val="464646"/>
+                </a:solidFill>
+                <a:latin typeface="Source Code Pro" panose="020B0509030403020204" pitchFamily="49" charset="0"/>
+              </a:rPr>
+              <a:t>"</a:t>
+            </a:r>
+            <a:r>
+              <a:rPr lang="de-DE" b="1" dirty="0">
+                <a:solidFill>
+                  <a:srgbClr val="4472C4"/>
+                </a:solidFill>
+                <a:latin typeface="Source Code Pro" panose="020B0509030403020204" pitchFamily="49" charset="0"/>
+              </a:rPr>
+              <a:t>:</a:t>
+            </a:r>
+            <a:r>
+              <a:rPr lang="de-DE" dirty="0">
+                <a:solidFill>
+                  <a:srgbClr val="000000"/>
+                </a:solidFill>
+                <a:latin typeface="Source Code Pro" panose="020B0509030403020204" pitchFamily="49" charset="0"/>
+              </a:rPr>
+              <a:t> </a:t>
+            </a:r>
+            <a:r>
+              <a:rPr lang="de-DE" dirty="0">
+                <a:solidFill>
+                  <a:srgbClr val="FF8000"/>
+                </a:solidFill>
+                <a:latin typeface="Source Code Pro" panose="020B0509030403020204" pitchFamily="49" charset="0"/>
+              </a:rPr>
+              <a:t>5</a:t>
+            </a:r>
+            <a:r>
+              <a:rPr lang="de-DE" dirty="0">
+                <a:solidFill>
+                  <a:srgbClr val="000000"/>
+                </a:solidFill>
+                <a:latin typeface="Source Code Pro" panose="020B0509030403020204" pitchFamily="49" charset="0"/>
+              </a:rPr>
+              <a:t> </a:t>
+            </a:r>
+            <a:r>
+              <a:rPr lang="de-DE" b="1" dirty="0">
+                <a:solidFill>
+                  <a:srgbClr val="4472C4"/>
+                </a:solidFill>
+                <a:latin typeface="Source Code Pro" panose="020B0509030403020204" pitchFamily="49" charset="0"/>
+              </a:rPr>
+              <a:t>}</a:t>
+            </a:r>
+            <a:endParaRPr lang="de-DE" dirty="0">
+              <a:solidFill>
+                <a:srgbClr val="000000"/>
+              </a:solidFill>
+              <a:latin typeface="Source Code Pro" panose="020B0509030403020204" pitchFamily="49" charset="0"/>
+            </a:endParaRPr>
+          </a:p>
+          <a:p>
+            <a:r>
+              <a:rPr lang="de-DE" dirty="0">
+                <a:solidFill>
+                  <a:srgbClr val="000000"/>
+                </a:solidFill>
+                <a:latin typeface="Source Code Pro" panose="020B0509030403020204" pitchFamily="49" charset="0"/>
+              </a:rPr>
+              <a:t>  </a:t>
+            </a:r>
+            <a:r>
+              <a:rPr lang="de-DE" b="1" dirty="0">
+                <a:solidFill>
+                  <a:srgbClr val="4472C4"/>
+                </a:solidFill>
+                <a:latin typeface="Source Code Pro" panose="020B0509030403020204" pitchFamily="49" charset="0"/>
+              </a:rPr>
+              <a:t>]</a:t>
+            </a:r>
+            <a:endParaRPr lang="de-DE" dirty="0">
+              <a:solidFill>
+                <a:srgbClr val="000000"/>
+              </a:solidFill>
+              <a:latin typeface="Source Code Pro" panose="020B0509030403020204" pitchFamily="49" charset="0"/>
+            </a:endParaRPr>
+          </a:p>
+          <a:p>
+            <a:r>
+              <a:rPr lang="de-DE" b="1" dirty="0">
+                <a:solidFill>
+                  <a:srgbClr val="4472C4"/>
+                </a:solidFill>
+                <a:latin typeface="Source Code Pro" panose="020B0509030403020204" pitchFamily="49" charset="0"/>
+              </a:rPr>
+              <a:t>}</a:t>
+            </a:r>
+            <a:endParaRPr lang="de-DE" dirty="0"/>
+          </a:p>
+        </p:txBody>
+      </p:sp>
+      <p:sp>
+        <p:nvSpPr>
+          <p:cNvPr id="12" name="Rechteck 11">
+            <a:extLst>
+              <a:ext uri="{FF2B5EF4-FFF2-40B4-BE49-F238E27FC236}">
+                <a16:creationId xmlns:a16="http://schemas.microsoft.com/office/drawing/2014/main" id="{5DFFB1FB-9005-4832-B42F-5123B9869C4A}"/>
+              </a:ext>
+            </a:extLst>
+          </p:cNvPr>
+          <p:cNvSpPr/>
+          <p:nvPr/>
+        </p:nvSpPr>
+        <p:spPr>
+          <a:xfrm>
+            <a:off x="818963" y="4663043"/>
+            <a:ext cx="4664978" cy="369332"/>
+          </a:xfrm>
+          <a:prstGeom prst="rect">
+            <a:avLst/>
+          </a:prstGeom>
+          <a:solidFill>
+            <a:schemeClr val="bg1">
+              <a:lumMod val="95000"/>
+            </a:schemeClr>
+          </a:solidFill>
+          <a:ln>
+            <a:solidFill>
+              <a:schemeClr val="bg1">
+                <a:lumMod val="85000"/>
+              </a:schemeClr>
+            </a:solidFill>
+          </a:ln>
+        </p:spPr>
+        <p:txBody>
+          <a:bodyPr wrap="square">
+            <a:spAutoFit/>
+          </a:bodyPr>
+          <a:lstStyle/>
+          <a:p>
+            <a:r>
+              <a:rPr lang="de-DE" b="1" dirty="0">
+                <a:solidFill>
+                  <a:srgbClr val="4472C4"/>
+                </a:solidFill>
+                <a:latin typeface="Source Code Pro" panose="020B0509030403020204" pitchFamily="49" charset="0"/>
+              </a:rPr>
+              <a:t>{</a:t>
+            </a:r>
+            <a:r>
+              <a:rPr lang="de-DE" dirty="0">
+                <a:solidFill>
+                  <a:srgbClr val="000000"/>
+                </a:solidFill>
+                <a:latin typeface="Source Code Pro" panose="020B0509030403020204" pitchFamily="49" charset="0"/>
+              </a:rPr>
+              <a:t> </a:t>
+            </a:r>
+            <a:r>
+              <a:rPr lang="de-DE" dirty="0">
+                <a:solidFill>
+                  <a:srgbClr val="464646"/>
+                </a:solidFill>
+                <a:latin typeface="Source Code Pro" panose="020B0509030403020204" pitchFamily="49" charset="0"/>
+              </a:rPr>
+              <a:t>"not"</a:t>
+            </a:r>
+            <a:r>
+              <a:rPr lang="de-DE" b="1" dirty="0">
+                <a:solidFill>
+                  <a:srgbClr val="4472C4"/>
+                </a:solidFill>
+                <a:latin typeface="Source Code Pro" panose="020B0509030403020204" pitchFamily="49" charset="0"/>
+              </a:rPr>
+              <a:t>:</a:t>
+            </a:r>
+            <a:r>
+              <a:rPr lang="de-DE" dirty="0">
+                <a:solidFill>
+                  <a:srgbClr val="000000"/>
+                </a:solidFill>
+                <a:latin typeface="Source Code Pro" panose="020B0509030403020204" pitchFamily="49" charset="0"/>
+              </a:rPr>
+              <a:t> </a:t>
+            </a:r>
+            <a:r>
+              <a:rPr lang="de-DE" b="1" dirty="0">
+                <a:solidFill>
+                  <a:srgbClr val="4472C4"/>
+                </a:solidFill>
+                <a:latin typeface="Source Code Pro" panose="020B0509030403020204" pitchFamily="49" charset="0"/>
+              </a:rPr>
+              <a:t>{</a:t>
+            </a:r>
+            <a:r>
+              <a:rPr lang="de-DE" dirty="0">
+                <a:solidFill>
+                  <a:srgbClr val="000000"/>
+                </a:solidFill>
+                <a:latin typeface="Source Code Pro" panose="020B0509030403020204" pitchFamily="49" charset="0"/>
+              </a:rPr>
+              <a:t> </a:t>
+            </a:r>
+            <a:r>
+              <a:rPr lang="de-DE" dirty="0">
+                <a:solidFill>
+                  <a:srgbClr val="464646"/>
+                </a:solidFill>
+                <a:latin typeface="Source Code Pro" panose="020B0509030403020204" pitchFamily="49" charset="0"/>
+              </a:rPr>
+              <a:t>"type"</a:t>
+            </a:r>
+            <a:r>
+              <a:rPr lang="de-DE" b="1" dirty="0">
+                <a:solidFill>
+                  <a:srgbClr val="4472C4"/>
+                </a:solidFill>
+                <a:latin typeface="Source Code Pro" panose="020B0509030403020204" pitchFamily="49" charset="0"/>
+              </a:rPr>
+              <a:t>:</a:t>
+            </a:r>
+            <a:r>
+              <a:rPr lang="de-DE" dirty="0">
+                <a:solidFill>
+                  <a:srgbClr val="000000"/>
+                </a:solidFill>
+                <a:latin typeface="Source Code Pro" panose="020B0509030403020204" pitchFamily="49" charset="0"/>
+              </a:rPr>
+              <a:t> </a:t>
+            </a:r>
+            <a:r>
+              <a:rPr lang="de-DE" dirty="0">
+                <a:solidFill>
+                  <a:srgbClr val="464646"/>
+                </a:solidFill>
+                <a:latin typeface="Source Code Pro" panose="020B0509030403020204" pitchFamily="49" charset="0"/>
+              </a:rPr>
+              <a:t>"</a:t>
+            </a:r>
+            <a:r>
+              <a:rPr lang="de-DE" dirty="0" err="1">
+                <a:solidFill>
+                  <a:srgbClr val="464646"/>
+                </a:solidFill>
+                <a:latin typeface="Source Code Pro" panose="020B0509030403020204" pitchFamily="49" charset="0"/>
+              </a:rPr>
+              <a:t>string</a:t>
+            </a:r>
+            <a:r>
+              <a:rPr lang="de-DE" dirty="0">
+                <a:solidFill>
+                  <a:srgbClr val="464646"/>
+                </a:solidFill>
+                <a:latin typeface="Source Code Pro" panose="020B0509030403020204" pitchFamily="49" charset="0"/>
+              </a:rPr>
+              <a:t>"</a:t>
+            </a:r>
+            <a:r>
+              <a:rPr lang="de-DE" dirty="0">
+                <a:solidFill>
+                  <a:srgbClr val="000000"/>
+                </a:solidFill>
+                <a:latin typeface="Source Code Pro" panose="020B0509030403020204" pitchFamily="49" charset="0"/>
+              </a:rPr>
+              <a:t> </a:t>
+            </a:r>
+            <a:r>
+              <a:rPr lang="de-DE" b="1" dirty="0">
+                <a:solidFill>
+                  <a:srgbClr val="4472C4"/>
+                </a:solidFill>
+                <a:latin typeface="Source Code Pro" panose="020B0509030403020204" pitchFamily="49" charset="0"/>
+              </a:rPr>
+              <a:t>}</a:t>
+            </a:r>
+            <a:r>
+              <a:rPr lang="de-DE" dirty="0">
+                <a:solidFill>
+                  <a:srgbClr val="000000"/>
+                </a:solidFill>
+                <a:latin typeface="Source Code Pro" panose="020B0509030403020204" pitchFamily="49" charset="0"/>
+              </a:rPr>
+              <a:t> </a:t>
+            </a:r>
+            <a:r>
+              <a:rPr lang="de-DE" b="1" dirty="0">
+                <a:solidFill>
+                  <a:srgbClr val="4472C4"/>
+                </a:solidFill>
+                <a:latin typeface="Source Code Pro" panose="020B0509030403020204" pitchFamily="49" charset="0"/>
+              </a:rPr>
+              <a:t>}</a:t>
+            </a:r>
+            <a:endParaRPr lang="de-DE" dirty="0"/>
+          </a:p>
+        </p:txBody>
+      </p:sp>
+      <p:sp>
+        <p:nvSpPr>
+          <p:cNvPr id="15" name="Rechteck 14">
+            <a:extLst>
+              <a:ext uri="{FF2B5EF4-FFF2-40B4-BE49-F238E27FC236}">
+                <a16:creationId xmlns:a16="http://schemas.microsoft.com/office/drawing/2014/main" id="{F70FF213-92D6-4856-BBE6-F637FCF0A058}"/>
+              </a:ext>
+            </a:extLst>
+          </p:cNvPr>
+          <p:cNvSpPr/>
+          <p:nvPr/>
+        </p:nvSpPr>
+        <p:spPr>
+          <a:xfrm>
+            <a:off x="6708059" y="2551837"/>
+            <a:ext cx="4608870" cy="369332"/>
+          </a:xfrm>
+          <a:prstGeom prst="rect">
+            <a:avLst/>
+          </a:prstGeom>
+          <a:solidFill>
+            <a:srgbClr val="FFCCCC"/>
+          </a:solidFill>
+          <a:ln>
+            <a:noFill/>
+          </a:ln>
+        </p:spPr>
+        <p:txBody>
+          <a:bodyPr wrap="square">
+            <a:spAutoFit/>
+          </a:bodyPr>
+          <a:lstStyle/>
+          <a:p>
+            <a:r>
+              <a:rPr lang="de-DE" dirty="0">
+                <a:solidFill>
+                  <a:srgbClr val="464646"/>
+                </a:solidFill>
+                <a:latin typeface="Source Code Pro" panose="020B0509030403020204" pitchFamily="49" charset="0"/>
+              </a:rPr>
+              <a:t>5</a:t>
+            </a:r>
+            <a:endParaRPr lang="de-DE" dirty="0"/>
+          </a:p>
+        </p:txBody>
+      </p:sp>
+      <p:sp>
+        <p:nvSpPr>
+          <p:cNvPr id="16" name="Rechteck 15">
+            <a:extLst>
+              <a:ext uri="{FF2B5EF4-FFF2-40B4-BE49-F238E27FC236}">
+                <a16:creationId xmlns:a16="http://schemas.microsoft.com/office/drawing/2014/main" id="{9CE4C25B-0729-4DA0-AEC7-2AADE06C9DE0}"/>
+              </a:ext>
+            </a:extLst>
+          </p:cNvPr>
+          <p:cNvSpPr/>
+          <p:nvPr/>
+        </p:nvSpPr>
+        <p:spPr>
+          <a:xfrm>
+            <a:off x="6708059" y="5065219"/>
+            <a:ext cx="4608870" cy="369332"/>
+          </a:xfrm>
+          <a:prstGeom prst="rect">
+            <a:avLst/>
+          </a:prstGeom>
+          <a:solidFill>
+            <a:srgbClr val="FFCCCC"/>
+          </a:solidFill>
+          <a:ln>
+            <a:noFill/>
+          </a:ln>
+        </p:spPr>
+        <p:txBody>
+          <a:bodyPr wrap="square">
+            <a:spAutoFit/>
+          </a:bodyPr>
+          <a:lstStyle/>
+          <a:p>
+            <a:r>
+              <a:rPr lang="de-DE" dirty="0">
+                <a:solidFill>
+                  <a:srgbClr val="464646"/>
+                </a:solidFill>
+                <a:latin typeface="Source Code Pro" panose="020B0509030403020204" pitchFamily="49" charset="0"/>
+              </a:rPr>
+              <a:t>"</a:t>
+            </a:r>
+            <a:r>
+              <a:rPr lang="de-DE" dirty="0" err="1">
+                <a:solidFill>
+                  <a:srgbClr val="464646"/>
+                </a:solidFill>
+                <a:latin typeface="Source Code Pro" panose="020B0509030403020204" pitchFamily="49" charset="0"/>
+              </a:rPr>
+              <a:t>strings</a:t>
+            </a:r>
+            <a:r>
+              <a:rPr lang="de-DE" dirty="0">
+                <a:solidFill>
+                  <a:srgbClr val="464646"/>
+                </a:solidFill>
+                <a:latin typeface="Source Code Pro" panose="020B0509030403020204" pitchFamily="49" charset="0"/>
+              </a:rPr>
+              <a:t> not </a:t>
+            </a:r>
+            <a:r>
+              <a:rPr lang="de-DE" dirty="0" err="1">
+                <a:solidFill>
+                  <a:srgbClr val="464646"/>
+                </a:solidFill>
+                <a:latin typeface="Source Code Pro" panose="020B0509030403020204" pitchFamily="49" charset="0"/>
+              </a:rPr>
+              <a:t>allowed</a:t>
+            </a:r>
+            <a:r>
+              <a:rPr lang="de-DE" dirty="0">
+                <a:solidFill>
+                  <a:srgbClr val="464646"/>
+                </a:solidFill>
+                <a:latin typeface="Source Code Pro" panose="020B0509030403020204" pitchFamily="49" charset="0"/>
+              </a:rPr>
+              <a:t>"</a:t>
+            </a:r>
+            <a:endParaRPr lang="de-DE" dirty="0"/>
+          </a:p>
+        </p:txBody>
+      </p:sp>
+    </p:spTree>
+    <p:extLst>
+      <p:ext uri="{BB962C8B-B14F-4D97-AF65-F5344CB8AC3E}">
+        <p14:creationId xmlns:p14="http://schemas.microsoft.com/office/powerpoint/2010/main" val="1953028423"/>
+      </p:ext>
+    </p:extLst>
+  </p:cSld>
+  <p:clrMapOvr>
+    <a:masterClrMapping/>
+  </p:clrMapOvr>
+</p:sld>
+</file>
+
+<file path=ppt/slides/slide21.xml><?xml version="1.0" encoding="utf-8"?>
+<p:sld xmlns:a="http://schemas.openxmlformats.org/drawingml/2006/main" xmlns:r="http://schemas.openxmlformats.org/officeDocument/2006/relationships" xmlns:p="http://schemas.openxmlformats.org/presentationml/2006/main">
+  <p:cSld>
+    <p:spTree>
+      <p:nvGrpSpPr>
+        <p:cNvPr id="1" name=""/>
+        <p:cNvGrpSpPr/>
+        <p:nvPr/>
+      </p:nvGrpSpPr>
+      <p:grpSpPr>
+        <a:xfrm>
+          <a:off x="0" y="0"/>
+          <a:ext cx="0" cy="0"/>
+          <a:chOff x="0" y="0"/>
+          <a:chExt cx="0" cy="0"/>
+        </a:xfrm>
+      </p:grpSpPr>
+      <p:sp>
+        <p:nvSpPr>
+          <p:cNvPr id="2" name="Titel 1">
+            <a:extLst>
+              <a:ext uri="{FF2B5EF4-FFF2-40B4-BE49-F238E27FC236}">
+                <a16:creationId xmlns:a16="http://schemas.microsoft.com/office/drawing/2014/main" id="{263B568C-3395-4B3C-80D7-E8AF938BCCCC}"/>
+              </a:ext>
+            </a:extLst>
+          </p:cNvPr>
+          <p:cNvSpPr>
+            <a:spLocks noGrp="1"/>
+          </p:cNvSpPr>
+          <p:nvPr>
+            <p:ph type="title"/>
+          </p:nvPr>
+        </p:nvSpPr>
+        <p:spPr/>
+        <p:txBody>
+          <a:bodyPr/>
+          <a:lstStyle/>
+          <a:p>
+            <a:r>
+              <a:rPr lang="de-DE" dirty="0"/>
+              <a:t>Wiederverwendung von Definitionen (1/2)</a:t>
+            </a:r>
+          </a:p>
+        </p:txBody>
+      </p:sp>
+      <p:sp>
+        <p:nvSpPr>
+          <p:cNvPr id="3" name="Inhaltsplatzhalter 2">
+            <a:extLst>
+              <a:ext uri="{FF2B5EF4-FFF2-40B4-BE49-F238E27FC236}">
+                <a16:creationId xmlns:a16="http://schemas.microsoft.com/office/drawing/2014/main" id="{CBF494EF-36B2-44DD-92ED-0034DFBAA22F}"/>
+              </a:ext>
+            </a:extLst>
+          </p:cNvPr>
+          <p:cNvSpPr>
+            <a:spLocks noGrp="1"/>
+          </p:cNvSpPr>
+          <p:nvPr>
+            <p:ph idx="1"/>
+          </p:nvPr>
+        </p:nvSpPr>
+        <p:spPr>
+          <a:xfrm>
+            <a:off x="838200" y="1825625"/>
+            <a:ext cx="10515600" cy="4351338"/>
+          </a:xfrm>
+        </p:spPr>
+        <p:txBody>
+          <a:bodyPr/>
+          <a:lstStyle/>
+          <a:p>
+            <a:r>
+              <a:rPr lang="de-DE" dirty="0"/>
+              <a:t>Definitionen in gleicher/anderer Datei möglich</a:t>
+            </a:r>
+          </a:p>
+          <a:p>
+            <a:r>
+              <a:rPr lang="de-DE" dirty="0"/>
+              <a:t>Referenzieren mit </a:t>
+            </a:r>
+            <a:r>
+              <a:rPr lang="de-DE" b="1" dirty="0"/>
+              <a:t>$</a:t>
+            </a:r>
+            <a:r>
+              <a:rPr lang="de-DE" b="1" dirty="0" err="1"/>
+              <a:t>ref</a:t>
+            </a:r>
+            <a:r>
+              <a:rPr lang="de-DE" b="1" dirty="0"/>
+              <a:t> </a:t>
+            </a:r>
+            <a:r>
+              <a:rPr lang="de-DE" dirty="0"/>
+              <a:t>Schlüsselwort</a:t>
+            </a:r>
+          </a:p>
+          <a:p>
+            <a:r>
+              <a:rPr lang="de-DE" dirty="0"/>
+              <a:t>Nach </a:t>
+            </a:r>
+            <a:r>
+              <a:rPr lang="de-DE" b="1" dirty="0"/>
+              <a:t>$</a:t>
+            </a:r>
+            <a:r>
+              <a:rPr lang="de-DE" b="1" dirty="0" err="1"/>
+              <a:t>ref</a:t>
+            </a:r>
+            <a:r>
+              <a:rPr lang="de-DE" dirty="0"/>
+              <a:t> folgt der </a:t>
+            </a:r>
+            <a:r>
+              <a:rPr lang="de-DE" b="1" dirty="0"/>
+              <a:t>Pfad </a:t>
+            </a:r>
+            <a:r>
+              <a:rPr lang="de-DE" dirty="0"/>
+              <a:t>zur Definition</a:t>
+            </a:r>
+            <a:endParaRPr lang="de-DE" b="1" dirty="0"/>
+          </a:p>
+          <a:p>
+            <a:r>
+              <a:rPr lang="de-DE" dirty="0"/>
+              <a:t>Beispiel verweist auf externe Datei</a:t>
+            </a:r>
+          </a:p>
+          <a:p>
+            <a:pPr lvl="1"/>
+            <a:r>
+              <a:rPr lang="de-DE" b="1" dirty="0" err="1"/>
+              <a:t>definitions.json</a:t>
+            </a:r>
+            <a:r>
+              <a:rPr lang="de-DE" b="1" dirty="0"/>
+              <a:t> </a:t>
+            </a:r>
+            <a:r>
+              <a:rPr lang="de-DE" dirty="0"/>
+              <a:t>ist die Datei</a:t>
+            </a:r>
+          </a:p>
+          <a:p>
+            <a:pPr lvl="1"/>
+            <a:r>
+              <a:rPr lang="de-DE" b="1" dirty="0"/>
+              <a:t># </a:t>
+            </a:r>
+            <a:r>
+              <a:rPr lang="de-DE" dirty="0"/>
+              <a:t>steht für das Wurzelelement </a:t>
+            </a:r>
+          </a:p>
+          <a:p>
+            <a:pPr lvl="1"/>
+            <a:r>
+              <a:rPr lang="de-DE" b="1" dirty="0" err="1"/>
+              <a:t>address</a:t>
+            </a:r>
+            <a:r>
+              <a:rPr lang="de-DE" b="1" dirty="0"/>
+              <a:t> </a:t>
+            </a:r>
+            <a:r>
+              <a:rPr lang="de-DE" dirty="0"/>
+              <a:t>für den </a:t>
+            </a:r>
+            <a:r>
+              <a:rPr lang="de-DE" b="1" dirty="0"/>
+              <a:t>Schlüssel </a:t>
+            </a:r>
+            <a:r>
+              <a:rPr lang="de-DE" dirty="0" err="1"/>
+              <a:t>address</a:t>
+            </a:r>
+            <a:r>
+              <a:rPr lang="de-DE" dirty="0"/>
+              <a:t>, hinter der die </a:t>
+            </a:r>
+            <a:r>
+              <a:rPr lang="de-DE" dirty="0" err="1"/>
+              <a:t>Defintion</a:t>
+            </a:r>
+            <a:r>
+              <a:rPr lang="de-DE" dirty="0"/>
+              <a:t> liegt</a:t>
+            </a:r>
+          </a:p>
+          <a:p>
+            <a:pPr marL="0" indent="0">
+              <a:buNone/>
+            </a:pPr>
+            <a:endParaRPr lang="de-DE" dirty="0"/>
+          </a:p>
+        </p:txBody>
+      </p:sp>
+      <p:sp>
+        <p:nvSpPr>
+          <p:cNvPr id="4" name="Datumsplatzhalter 3">
+            <a:extLst>
+              <a:ext uri="{FF2B5EF4-FFF2-40B4-BE49-F238E27FC236}">
+                <a16:creationId xmlns:a16="http://schemas.microsoft.com/office/drawing/2014/main" id="{25837733-F8B3-4C3E-A803-5F05F95FB3DC}"/>
+              </a:ext>
+            </a:extLst>
+          </p:cNvPr>
+          <p:cNvSpPr>
+            <a:spLocks noGrp="1"/>
+          </p:cNvSpPr>
+          <p:nvPr>
+            <p:ph type="dt" sz="half" idx="10"/>
+          </p:nvPr>
+        </p:nvSpPr>
+        <p:spPr/>
+        <p:txBody>
+          <a:bodyPr/>
+          <a:lstStyle/>
+          <a:p>
+            <a:fld id="{CFFA1D88-5C5F-47BF-8575-62828799C3D3}" type="datetime1">
+              <a:rPr lang="de-DE" smtClean="0"/>
+              <a:t>09.12.2017</a:t>
+            </a:fld>
+            <a:endParaRPr lang="de-DE" dirty="0"/>
+          </a:p>
+        </p:txBody>
+      </p:sp>
+      <p:sp>
+        <p:nvSpPr>
+          <p:cNvPr id="5" name="Fußzeilenplatzhalter 4">
+            <a:extLst>
+              <a:ext uri="{FF2B5EF4-FFF2-40B4-BE49-F238E27FC236}">
+                <a16:creationId xmlns:a16="http://schemas.microsoft.com/office/drawing/2014/main" id="{37F17228-D4D8-4BBB-A244-7340EF0FE22B}"/>
+              </a:ext>
+            </a:extLst>
+          </p:cNvPr>
+          <p:cNvSpPr>
+            <a:spLocks noGrp="1"/>
+          </p:cNvSpPr>
+          <p:nvPr>
+            <p:ph type="ftr" sz="quarter" idx="11"/>
+          </p:nvPr>
+        </p:nvSpPr>
+        <p:spPr/>
+        <p:txBody>
+          <a:bodyPr/>
+          <a:lstStyle/>
+          <a:p>
+            <a:r>
+              <a:rPr lang="de-DE"/>
+              <a:t>Daniel Flasch</a:t>
+            </a:r>
+            <a:endParaRPr lang="de-DE" dirty="0"/>
+          </a:p>
+        </p:txBody>
+      </p:sp>
+      <p:sp>
+        <p:nvSpPr>
+          <p:cNvPr id="6" name="Foliennummernplatzhalter 5">
+            <a:extLst>
+              <a:ext uri="{FF2B5EF4-FFF2-40B4-BE49-F238E27FC236}">
+                <a16:creationId xmlns:a16="http://schemas.microsoft.com/office/drawing/2014/main" id="{0A3B9615-9A42-4020-ABBE-BFFD4333625F}"/>
+              </a:ext>
+            </a:extLst>
+          </p:cNvPr>
+          <p:cNvSpPr>
+            <a:spLocks noGrp="1"/>
+          </p:cNvSpPr>
+          <p:nvPr>
+            <p:ph type="sldNum" sz="quarter" idx="12"/>
+          </p:nvPr>
+        </p:nvSpPr>
+        <p:spPr/>
+        <p:txBody>
+          <a:bodyPr/>
+          <a:lstStyle/>
+          <a:p>
+            <a:fld id="{4DEAFF03-B2A3-4F10-AFBA-713F9B73CAA7}" type="slidenum">
+              <a:rPr lang="de-DE" smtClean="0"/>
+              <a:t>20</a:t>
             </a:fld>
             <a:endParaRPr lang="de-DE"/>
           </a:p>
@@ -13690,7 +14572,7 @@
 </p:sld>
 </file>
 
-<file path=ppt/slides/slide21.xml><?xml version="1.0" encoding="utf-8"?>
+<file path=ppt/slides/slide22.xml><?xml version="1.0" encoding="utf-8"?>
 <p:sld xmlns:a="http://schemas.openxmlformats.org/drawingml/2006/main" xmlns:r="http://schemas.openxmlformats.org/officeDocument/2006/relationships" xmlns:p="http://schemas.openxmlformats.org/presentationml/2006/main">
   <p:cSld>
     <p:spTree>
@@ -13816,7 +14698,7 @@
           <a:p>
             <a:fld id="{4DEAFF03-B2A3-4F10-AFBA-713F9B73CAA7}" type="slidenum">
               <a:rPr lang="de-DE" smtClean="0"/>
-              <a:t>20</a:t>
+              <a:t>21</a:t>
             </a:fld>
             <a:endParaRPr lang="de-DE"/>
           </a:p>
@@ -16192,7 +17074,7 @@
 </p:sld>
 </file>
 
-<file path=ppt/slides/slide22.xml><?xml version="1.0" encoding="utf-8"?>
+<file path=ppt/slides/slide23.xml><?xml version="1.0" encoding="utf-8"?>
 <p:sld xmlns:a="http://schemas.openxmlformats.org/drawingml/2006/main" xmlns:r="http://schemas.openxmlformats.org/officeDocument/2006/relationships" xmlns:p="http://schemas.openxmlformats.org/presentationml/2006/main">
   <p:cSld>
     <p:spTree>
@@ -16332,7 +17214,7 @@
 </p:sld>
 </file>
 
-<file path=ppt/slides/slide23.xml><?xml version="1.0" encoding="utf-8"?>
+<file path=ppt/slides/slide24.xml><?xml version="1.0" encoding="utf-8"?>
 <p:sld xmlns:a="http://schemas.openxmlformats.org/drawingml/2006/main" xmlns:r="http://schemas.openxmlformats.org/officeDocument/2006/relationships" xmlns:p="http://schemas.openxmlformats.org/presentationml/2006/main">
   <p:cSld>
     <p:spTree>
@@ -16399,12 +17281,10 @@
           <a:lstStyle/>
           <a:p>
             <a:r>
-              <a:rPr lang="de-DE" b="1" dirty="0"/>
-              <a:t>git.io/</a:t>
-            </a:r>
-            <a:r>
-              <a:rPr lang="de-DE" b="1" dirty="0" err="1"/>
-              <a:t>vbBcw</a:t>
+              <a:rPr lang="de-DE" b="1" dirty="0">
+                <a:hlinkClick r:id="rId2"/>
+              </a:rPr>
+              <a:t>https://git.io/vbBcw</a:t>
             </a:r>
             <a:r>
               <a:rPr lang="de-DE" b="1" dirty="0"/>
@@ -16421,12 +17301,10 @@
           </a:p>
           <a:p>
             <a:r>
-              <a:rPr lang="de-DE" b="1" dirty="0"/>
-              <a:t>git.io/</a:t>
-            </a:r>
-            <a:r>
-              <a:rPr lang="de-DE" b="1" dirty="0" err="1"/>
-              <a:t>vbBcA</a:t>
+              <a:rPr lang="de-DE" b="1" dirty="0">
+                <a:hlinkClick r:id="rId3"/>
+              </a:rPr>
+              <a:t>https://git.io/vbBcA</a:t>
             </a:r>
             <a:r>
               <a:rPr lang="de-DE" b="1" dirty="0"/>
@@ -16520,7 +17398,7 @@
           <a:p>
             <a:fld id="{4DEAFF03-B2A3-4F10-AFBA-713F9B73CAA7}" type="slidenum">
               <a:rPr lang="de-DE" smtClean="0"/>
-              <a:t>22</a:t>
+              <a:t>23</a:t>
             </a:fld>
             <a:endParaRPr lang="de-DE"/>
           </a:p>
@@ -16530,6 +17408,193 @@
     <p:extLst>
       <p:ext uri="{BB962C8B-B14F-4D97-AF65-F5344CB8AC3E}">
         <p14:creationId xmlns:p14="http://schemas.microsoft.com/office/powerpoint/2010/main" val="1299120610"/>
+      </p:ext>
+    </p:extLst>
+  </p:cSld>
+  <p:clrMapOvr>
+    <a:masterClrMapping/>
+  </p:clrMapOvr>
+</p:sld>
+</file>
+
+<file path=ppt/slides/slide25.xml><?xml version="1.0" encoding="utf-8"?>
+<p:sld xmlns:a="http://schemas.openxmlformats.org/drawingml/2006/main" xmlns:r="http://schemas.openxmlformats.org/officeDocument/2006/relationships" xmlns:p="http://schemas.openxmlformats.org/presentationml/2006/main">
+  <p:cSld>
+    <p:spTree>
+      <p:nvGrpSpPr>
+        <p:cNvPr id="1" name=""/>
+        <p:cNvGrpSpPr/>
+        <p:nvPr/>
+      </p:nvGrpSpPr>
+      <p:grpSpPr>
+        <a:xfrm>
+          <a:off x="0" y="0"/>
+          <a:ext cx="0" cy="0"/>
+          <a:chOff x="0" y="0"/>
+          <a:chExt cx="0" cy="0"/>
+        </a:xfrm>
+      </p:grpSpPr>
+      <p:sp>
+        <p:nvSpPr>
+          <p:cNvPr id="2" name="Titel 1">
+            <a:extLst>
+              <a:ext uri="{FF2B5EF4-FFF2-40B4-BE49-F238E27FC236}">
+                <a16:creationId xmlns:a16="http://schemas.microsoft.com/office/drawing/2014/main" id="{263B568C-3395-4B3C-80D7-E8AF938BCCCC}"/>
+              </a:ext>
+            </a:extLst>
+          </p:cNvPr>
+          <p:cNvSpPr>
+            <a:spLocks noGrp="1"/>
+          </p:cNvSpPr>
+          <p:nvPr>
+            <p:ph type="title"/>
+          </p:nvPr>
+        </p:nvSpPr>
+        <p:spPr/>
+        <p:txBody>
+          <a:bodyPr/>
+          <a:lstStyle/>
+          <a:p>
+            <a:r>
+              <a:rPr lang="de-DE" dirty="0"/>
+              <a:t>Quellen</a:t>
+            </a:r>
+          </a:p>
+        </p:txBody>
+      </p:sp>
+      <p:sp>
+        <p:nvSpPr>
+          <p:cNvPr id="3" name="Inhaltsplatzhalter 2">
+            <a:extLst>
+              <a:ext uri="{FF2B5EF4-FFF2-40B4-BE49-F238E27FC236}">
+                <a16:creationId xmlns:a16="http://schemas.microsoft.com/office/drawing/2014/main" id="{4D16E770-B7EC-4A78-BCD9-0A5FFBF67064}"/>
+              </a:ext>
+            </a:extLst>
+          </p:cNvPr>
+          <p:cNvSpPr>
+            <a:spLocks noGrp="1"/>
+          </p:cNvSpPr>
+          <p:nvPr>
+            <p:ph idx="1"/>
+          </p:nvPr>
+        </p:nvSpPr>
+        <p:spPr/>
+        <p:txBody>
+          <a:bodyPr/>
+          <a:lstStyle/>
+          <a:p>
+            <a:r>
+              <a:rPr lang="de-DE" b="1" dirty="0">
+                <a:hlinkClick r:id="rId2"/>
+              </a:rPr>
+              <a:t>http://json-schema.org/</a:t>
+            </a:r>
+          </a:p>
+          <a:p>
+            <a:r>
+              <a:rPr lang="de-DE" b="1" dirty="0">
+                <a:hlinkClick r:id="rId2"/>
+              </a:rPr>
+              <a:t>https://spacetelescope.github.io/understanding-json-schema/</a:t>
+            </a:r>
+            <a:endParaRPr lang="de-DE" b="1" dirty="0"/>
+          </a:p>
+          <a:p>
+            <a:endParaRPr lang="de-DE" dirty="0"/>
+          </a:p>
+        </p:txBody>
+      </p:sp>
+      <p:sp>
+        <p:nvSpPr>
+          <p:cNvPr id="4" name="Datumsplatzhalter 3">
+            <a:extLst>
+              <a:ext uri="{FF2B5EF4-FFF2-40B4-BE49-F238E27FC236}">
+                <a16:creationId xmlns:a16="http://schemas.microsoft.com/office/drawing/2014/main" id="{25837733-F8B3-4C3E-A803-5F05F95FB3DC}"/>
+              </a:ext>
+            </a:extLst>
+          </p:cNvPr>
+          <p:cNvSpPr>
+            <a:spLocks noGrp="1"/>
+          </p:cNvSpPr>
+          <p:nvPr>
+            <p:ph type="dt" sz="half" idx="10"/>
+          </p:nvPr>
+        </p:nvSpPr>
+        <p:spPr/>
+        <p:txBody>
+          <a:bodyPr/>
+          <a:lstStyle/>
+          <a:p>
+            <a:fld id="{CFFA1D88-5C5F-47BF-8575-62828799C3D3}" type="datetime1">
+              <a:rPr lang="de-DE" smtClean="0"/>
+              <a:t>09.12.2017</a:t>
+            </a:fld>
+            <a:endParaRPr lang="de-DE" dirty="0"/>
+          </a:p>
+        </p:txBody>
+      </p:sp>
+      <p:sp>
+        <p:nvSpPr>
+          <p:cNvPr id="5" name="Fußzeilenplatzhalter 4">
+            <a:extLst>
+              <a:ext uri="{FF2B5EF4-FFF2-40B4-BE49-F238E27FC236}">
+                <a16:creationId xmlns:a16="http://schemas.microsoft.com/office/drawing/2014/main" id="{37F17228-D4D8-4BBB-A244-7340EF0FE22B}"/>
+              </a:ext>
+            </a:extLst>
+          </p:cNvPr>
+          <p:cNvSpPr>
+            <a:spLocks noGrp="1"/>
+          </p:cNvSpPr>
+          <p:nvPr>
+            <p:ph type="ftr" sz="quarter" idx="11"/>
+          </p:nvPr>
+        </p:nvSpPr>
+        <p:spPr/>
+        <p:txBody>
+          <a:bodyPr/>
+          <a:lstStyle/>
+          <a:p>
+            <a:r>
+              <a:rPr lang="de-DE"/>
+              <a:t>Daniel Flasch</a:t>
+            </a:r>
+            <a:endParaRPr lang="de-DE" dirty="0"/>
+          </a:p>
+        </p:txBody>
+      </p:sp>
+      <p:sp>
+        <p:nvSpPr>
+          <p:cNvPr id="6" name="Foliennummernplatzhalter 5">
+            <a:extLst>
+              <a:ext uri="{FF2B5EF4-FFF2-40B4-BE49-F238E27FC236}">
+                <a16:creationId xmlns:a16="http://schemas.microsoft.com/office/drawing/2014/main" id="{0A3B9615-9A42-4020-ABBE-BFFD4333625F}"/>
+              </a:ext>
+            </a:extLst>
+          </p:cNvPr>
+          <p:cNvSpPr>
+            <a:spLocks noGrp="1"/>
+          </p:cNvSpPr>
+          <p:nvPr>
+            <p:ph type="sldNum" sz="quarter" idx="12"/>
+          </p:nvPr>
+        </p:nvSpPr>
+        <p:spPr/>
+        <p:txBody>
+          <a:bodyPr/>
+          <a:lstStyle/>
+          <a:p>
+            <a:fld id="{4DEAFF03-B2A3-4F10-AFBA-713F9B73CAA7}" type="slidenum">
+              <a:rPr lang="de-DE" smtClean="0"/>
+              <a:t>24</a:t>
+            </a:fld>
+            <a:endParaRPr lang="de-DE"/>
+          </a:p>
+        </p:txBody>
+      </p:sp>
+    </p:spTree>
+    <p:extLst>
+      <p:ext uri="{BB962C8B-B14F-4D97-AF65-F5344CB8AC3E}">
+        <p14:creationId xmlns:p14="http://schemas.microsoft.com/office/powerpoint/2010/main" val="3345162938"/>
       </p:ext>
     </p:extLst>
   </p:cSld>

--- a/doc/json-schema.pptx
+++ b/doc/json-schema.pptx
@@ -5,7 +5,7 @@
     <p:sldMasterId id="2147483672" r:id="rId1"/>
   </p:sldMasterIdLst>
   <p:notesMasterIdLst>
-    <p:notesMasterId r:id="rId27"/>
+    <p:notesMasterId r:id="rId28"/>
   </p:notesMasterIdLst>
   <p:sldIdLst>
     <p:sldId id="256" r:id="rId2"/>
@@ -27,12 +27,13 @@
     <p:sldId id="277" r:id="rId18"/>
     <p:sldId id="261" r:id="rId19"/>
     <p:sldId id="279" r:id="rId20"/>
-    <p:sldId id="283" r:id="rId21"/>
-    <p:sldId id="280" r:id="rId22"/>
-    <p:sldId id="282" r:id="rId23"/>
-    <p:sldId id="262" r:id="rId24"/>
-    <p:sldId id="278" r:id="rId25"/>
-    <p:sldId id="284" r:id="rId26"/>
+    <p:sldId id="285" r:id="rId21"/>
+    <p:sldId id="286" r:id="rId22"/>
+    <p:sldId id="283" r:id="rId23"/>
+    <p:sldId id="280" r:id="rId24"/>
+    <p:sldId id="282" r:id="rId25"/>
+    <p:sldId id="262" r:id="rId26"/>
+    <p:sldId id="278" r:id="rId27"/>
   </p:sldIdLst>
   <p:sldSz cx="12192000" cy="6858000"/>
   <p:notesSz cx="6858000" cy="9144000"/>
@@ -11949,7 +11950,7 @@
           <a:p>
             <a:r>
               <a:rPr lang="de-DE" dirty="0"/>
-              <a:t>Datentypen im Array</a:t>
+              <a:t>Arrays (1/3)</a:t>
             </a:r>
           </a:p>
         </p:txBody>
@@ -11982,19 +11983,17 @@
           <a:p>
             <a:r>
               <a:rPr lang="de-DE" dirty="0"/>
-              <a:t>Verwendung des </a:t>
-            </a:r>
-            <a:r>
-              <a:rPr lang="de-DE" dirty="0" err="1"/>
-              <a:t>Schlsselworts</a:t>
-            </a:r>
-            <a:r>
-              <a:rPr lang="de-DE" dirty="0"/>
-              <a:t> </a:t>
+              <a:t>Verwendung des Schlüsselworts </a:t>
             </a:r>
             <a:r>
               <a:rPr lang="de-DE" b="1" dirty="0"/>
               <a:t>item</a:t>
+            </a:r>
+          </a:p>
+          <a:p>
+            <a:r>
+              <a:rPr lang="de-DE" dirty="0"/>
+              <a:t>Festlegung eines Datentyps für alle Elemente</a:t>
             </a:r>
           </a:p>
         </p:txBody>
@@ -12100,7 +12099,7 @@
         </p:nvSpPr>
         <p:spPr>
           <a:xfrm>
-            <a:off x="6708059" y="2950084"/>
+            <a:off x="6708059" y="3612815"/>
             <a:ext cx="4608870" cy="369332"/>
           </a:xfrm>
           <a:prstGeom prst="rect">
@@ -12200,7 +12199,7 @@
         </p:nvSpPr>
         <p:spPr>
           <a:xfrm>
-            <a:off x="6708059" y="3356720"/>
+            <a:off x="6708059" y="4019451"/>
             <a:ext cx="4608870" cy="369332"/>
           </a:xfrm>
           <a:prstGeom prst="rect">
@@ -12303,7 +12302,7 @@
         </p:nvSpPr>
         <p:spPr>
           <a:xfrm>
-            <a:off x="875071" y="2551837"/>
+            <a:off x="875071" y="3214568"/>
             <a:ext cx="4608870" cy="1754326"/>
           </a:xfrm>
           <a:prstGeom prst="rect">
@@ -12620,7 +12619,7 @@
         </p:nvSpPr>
         <p:spPr>
           <a:xfrm>
-            <a:off x="6708059" y="2551837"/>
+            <a:off x="6708059" y="3214568"/>
             <a:ext cx="4608870" cy="369332"/>
           </a:xfrm>
           <a:prstGeom prst="rect">
@@ -12721,58 +12720,6 @@
               <a:t>]</a:t>
             </a:r>
             <a:endParaRPr lang="de-DE" dirty="0"/>
-          </a:p>
-        </p:txBody>
-      </p:sp>
-      <p:sp>
-        <p:nvSpPr>
-          <p:cNvPr id="18" name="Rechteck 17">
-            <a:extLst>
-              <a:ext uri="{FF2B5EF4-FFF2-40B4-BE49-F238E27FC236}">
-                <a16:creationId xmlns:a16="http://schemas.microsoft.com/office/drawing/2014/main" id="{0DD55F42-487B-4B21-B1CD-FC04930A09AC}"/>
-              </a:ext>
-            </a:extLst>
-          </p:cNvPr>
-          <p:cNvSpPr/>
-          <p:nvPr/>
-        </p:nvSpPr>
-        <p:spPr>
-          <a:xfrm>
-            <a:off x="3048000" y="2967335"/>
-            <a:ext cx="6096000" cy="923330"/>
-          </a:xfrm>
-          <a:prstGeom prst="rect">
-            <a:avLst/>
-          </a:prstGeom>
-        </p:spPr>
-        <p:txBody>
-          <a:bodyPr>
-            <a:spAutoFit/>
-          </a:bodyPr>
-          <a:lstStyle/>
-          <a:p>
-            <a:endParaRPr lang="de-DE" dirty="0">
-              <a:solidFill>
-                <a:srgbClr val="000000"/>
-              </a:solidFill>
-              <a:latin typeface="Source Code Pro" panose="020B0509030403020204" pitchFamily="49" charset="0"/>
-            </a:endParaRPr>
-          </a:p>
-          <a:p>
-            <a:endParaRPr lang="de-DE" dirty="0">
-              <a:solidFill>
-                <a:srgbClr val="000000"/>
-              </a:solidFill>
-              <a:latin typeface="Source Code Pro" panose="020B0509030403020204" pitchFamily="49" charset="0"/>
-            </a:endParaRPr>
-          </a:p>
-          <a:p>
-            <a:endParaRPr lang="de-DE" dirty="0">
-              <a:solidFill>
-                <a:srgbClr val="000000"/>
-              </a:solidFill>
-              <a:latin typeface="Source Code Pro" panose="020B0509030403020204" pitchFamily="49" charset="0"/>
-            </a:endParaRPr>
           </a:p>
         </p:txBody>
       </p:sp>
@@ -13020,7 +12967,7 @@
           <a:p>
             <a:r>
               <a:rPr lang="de-DE" dirty="0"/>
-              <a:t>Komplexe Wertebereiche</a:t>
+              <a:t>Arrays (2/3)</a:t>
             </a:r>
           </a:p>
         </p:txBody>
@@ -13052,28 +12999,8 @@
           <a:lstStyle/>
           <a:p>
             <a:r>
-              <a:rPr lang="de-DE" dirty="0" err="1"/>
-              <a:t>allOf</a:t>
-            </a:r>
-            <a:r>
               <a:rPr lang="de-DE" dirty="0"/>
-              <a:t>/</a:t>
-            </a:r>
-            <a:r>
-              <a:rPr lang="de-DE" dirty="0" err="1"/>
-              <a:t>anyOf</a:t>
-            </a:r>
-            <a:r>
-              <a:rPr lang="de-DE" dirty="0"/>
-              <a:t>/</a:t>
-            </a:r>
-            <a:r>
-              <a:rPr lang="de-DE" dirty="0" err="1"/>
-              <a:t>oneOf</a:t>
-            </a:r>
-            <a:r>
-              <a:rPr lang="de-DE" dirty="0"/>
-              <a:t>/not</a:t>
+              <a:t>Prüfung von Tupeln</a:t>
             </a:r>
           </a:p>
         </p:txBody>
@@ -13101,7 +13028,7 @@
           <a:p>
             <a:fld id="{CFFA1D88-5C5F-47BF-8575-62828799C3D3}" type="datetime1">
               <a:rPr lang="de-DE" smtClean="0"/>
-              <a:t>09.12.2017</a:t>
+              <a:t>10.12.2017</a:t>
             </a:fld>
             <a:endParaRPr lang="de-DE" dirty="0"/>
           </a:p>
@@ -13160,6 +13087,2541 @@
             <a:fld id="{4DEAFF03-B2A3-4F10-AFBA-713F9B73CAA7}" type="slidenum">
               <a:rPr lang="de-DE" smtClean="0"/>
               <a:t>19</a:t>
+            </a:fld>
+            <a:endParaRPr lang="de-DE"/>
+          </a:p>
+        </p:txBody>
+      </p:sp>
+      <p:sp>
+        <p:nvSpPr>
+          <p:cNvPr id="9" name="Rechteck 8">
+            <a:extLst>
+              <a:ext uri="{FF2B5EF4-FFF2-40B4-BE49-F238E27FC236}">
+                <a16:creationId xmlns:a16="http://schemas.microsoft.com/office/drawing/2014/main" id="{D53069BA-2455-49E1-8360-B8F571081120}"/>
+              </a:ext>
+            </a:extLst>
+          </p:cNvPr>
+          <p:cNvSpPr/>
+          <p:nvPr/>
+        </p:nvSpPr>
+        <p:spPr>
+          <a:xfrm>
+            <a:off x="6750963" y="4016846"/>
+            <a:ext cx="4608870" cy="369332"/>
+          </a:xfrm>
+          <a:prstGeom prst="rect">
+            <a:avLst/>
+          </a:prstGeom>
+          <a:solidFill>
+            <a:srgbClr val="FFCCCC"/>
+          </a:solidFill>
+          <a:ln>
+            <a:noFill/>
+          </a:ln>
+        </p:spPr>
+        <p:txBody>
+          <a:bodyPr wrap="square">
+            <a:spAutoFit/>
+          </a:bodyPr>
+          <a:lstStyle/>
+          <a:p>
+            <a:r>
+              <a:rPr lang="de-DE" b="1" dirty="0">
+                <a:solidFill>
+                  <a:srgbClr val="4472C4"/>
+                </a:solidFill>
+                <a:latin typeface="Source Code Pro" panose="020B0509030403020204" pitchFamily="49" charset="0"/>
+              </a:rPr>
+              <a:t>[</a:t>
+            </a:r>
+            <a:r>
+              <a:rPr lang="de-DE" dirty="0">
+                <a:solidFill>
+                  <a:srgbClr val="464646"/>
+                </a:solidFill>
+                <a:latin typeface="Source Code Pro" panose="020B0509030403020204" pitchFamily="49" charset="0"/>
+              </a:rPr>
+              <a:t>"Street"</a:t>
+            </a:r>
+            <a:r>
+              <a:rPr lang="de-DE" b="1" dirty="0">
+                <a:solidFill>
+                  <a:srgbClr val="4472C4"/>
+                </a:solidFill>
+                <a:latin typeface="Source Code Pro" panose="020B0509030403020204" pitchFamily="49" charset="0"/>
+              </a:rPr>
+              <a:t>]</a:t>
+            </a:r>
+            <a:endParaRPr lang="de-DE" dirty="0"/>
+          </a:p>
+        </p:txBody>
+      </p:sp>
+      <p:sp>
+        <p:nvSpPr>
+          <p:cNvPr id="10" name="Rechteck 9">
+            <a:extLst>
+              <a:ext uri="{FF2B5EF4-FFF2-40B4-BE49-F238E27FC236}">
+                <a16:creationId xmlns:a16="http://schemas.microsoft.com/office/drawing/2014/main" id="{D25901EF-A678-4817-B6A5-9EDBC02FD598}"/>
+              </a:ext>
+            </a:extLst>
+          </p:cNvPr>
+          <p:cNvSpPr/>
+          <p:nvPr/>
+        </p:nvSpPr>
+        <p:spPr>
+          <a:xfrm>
+            <a:off x="6744930" y="3614976"/>
+            <a:ext cx="4608870" cy="369332"/>
+          </a:xfrm>
+          <a:prstGeom prst="rect">
+            <a:avLst/>
+          </a:prstGeom>
+          <a:solidFill>
+            <a:schemeClr val="accent6">
+              <a:lumMod val="40000"/>
+              <a:lumOff val="60000"/>
+            </a:schemeClr>
+          </a:solidFill>
+          <a:ln>
+            <a:noFill/>
+          </a:ln>
+        </p:spPr>
+        <p:txBody>
+          <a:bodyPr wrap="square">
+            <a:spAutoFit/>
+          </a:bodyPr>
+          <a:lstStyle/>
+          <a:p>
+            <a:r>
+              <a:rPr lang="de-DE" b="1" dirty="0">
+                <a:solidFill>
+                  <a:srgbClr val="4472C4"/>
+                </a:solidFill>
+                <a:latin typeface="Source Code Pro" panose="020B0509030403020204" pitchFamily="49" charset="0"/>
+              </a:rPr>
+              <a:t>[</a:t>
+            </a:r>
+            <a:r>
+              <a:rPr lang="de-DE" dirty="0">
+                <a:solidFill>
+                  <a:srgbClr val="FF8000"/>
+                </a:solidFill>
+                <a:latin typeface="Source Code Pro" panose="020B0509030403020204" pitchFamily="49" charset="0"/>
+              </a:rPr>
+              <a:t>1600</a:t>
+            </a:r>
+            <a:r>
+              <a:rPr lang="de-DE" b="1" dirty="0">
+                <a:solidFill>
+                  <a:srgbClr val="4472C4"/>
+                </a:solidFill>
+                <a:latin typeface="Source Code Pro" panose="020B0509030403020204" pitchFamily="49" charset="0"/>
+              </a:rPr>
+              <a:t>,</a:t>
+            </a:r>
+            <a:r>
+              <a:rPr lang="de-DE" dirty="0">
+                <a:solidFill>
+                  <a:srgbClr val="000000"/>
+                </a:solidFill>
+                <a:latin typeface="Source Code Pro" panose="020B0509030403020204" pitchFamily="49" charset="0"/>
+              </a:rPr>
+              <a:t> </a:t>
+            </a:r>
+            <a:r>
+              <a:rPr lang="de-DE" dirty="0">
+                <a:solidFill>
+                  <a:srgbClr val="464646"/>
+                </a:solidFill>
+                <a:latin typeface="Source Code Pro" panose="020B0509030403020204" pitchFamily="49" charset="0"/>
+              </a:rPr>
+              <a:t>"Pennsylvania"</a:t>
+            </a:r>
+            <a:r>
+              <a:rPr lang="de-DE" b="1" dirty="0">
+                <a:solidFill>
+                  <a:srgbClr val="4472C4"/>
+                </a:solidFill>
+                <a:latin typeface="Source Code Pro" panose="020B0509030403020204" pitchFamily="49" charset="0"/>
+              </a:rPr>
+              <a:t>,</a:t>
+            </a:r>
+            <a:r>
+              <a:rPr lang="de-DE" dirty="0">
+                <a:solidFill>
+                  <a:srgbClr val="000000"/>
+                </a:solidFill>
+                <a:latin typeface="Source Code Pro" panose="020B0509030403020204" pitchFamily="49" charset="0"/>
+              </a:rPr>
+              <a:t> </a:t>
+            </a:r>
+            <a:r>
+              <a:rPr lang="de-DE" dirty="0">
+                <a:solidFill>
+                  <a:srgbClr val="464646"/>
+                </a:solidFill>
+                <a:latin typeface="Source Code Pro" panose="020B0509030403020204" pitchFamily="49" charset="0"/>
+              </a:rPr>
+              <a:t>"Avenue"</a:t>
+            </a:r>
+            <a:r>
+              <a:rPr lang="de-DE" b="1" dirty="0">
+                <a:solidFill>
+                  <a:srgbClr val="4472C4"/>
+                </a:solidFill>
+                <a:latin typeface="Source Code Pro" panose="020B0509030403020204" pitchFamily="49" charset="0"/>
+              </a:rPr>
+              <a:t>]</a:t>
+            </a:r>
+            <a:endParaRPr lang="de-DE" dirty="0">
+              <a:solidFill>
+                <a:srgbClr val="000000"/>
+              </a:solidFill>
+              <a:latin typeface="Source Code Pro" panose="020B0509030403020204" pitchFamily="49" charset="0"/>
+            </a:endParaRPr>
+          </a:p>
+        </p:txBody>
+      </p:sp>
+      <p:sp>
+        <p:nvSpPr>
+          <p:cNvPr id="15" name="Rechteck 14">
+            <a:extLst>
+              <a:ext uri="{FF2B5EF4-FFF2-40B4-BE49-F238E27FC236}">
+                <a16:creationId xmlns:a16="http://schemas.microsoft.com/office/drawing/2014/main" id="{F70FF213-92D6-4856-BBE6-F637FCF0A058}"/>
+              </a:ext>
+            </a:extLst>
+          </p:cNvPr>
+          <p:cNvSpPr/>
+          <p:nvPr/>
+        </p:nvSpPr>
+        <p:spPr>
+          <a:xfrm>
+            <a:off x="6750004" y="3214568"/>
+            <a:ext cx="4608870" cy="369332"/>
+          </a:xfrm>
+          <a:prstGeom prst="rect">
+            <a:avLst/>
+          </a:prstGeom>
+          <a:solidFill>
+            <a:srgbClr val="FFCCCC"/>
+          </a:solidFill>
+          <a:ln>
+            <a:noFill/>
+          </a:ln>
+        </p:spPr>
+        <p:txBody>
+          <a:bodyPr wrap="square">
+            <a:spAutoFit/>
+          </a:bodyPr>
+          <a:lstStyle/>
+          <a:p>
+            <a:r>
+              <a:rPr lang="de-DE" b="1" dirty="0">
+                <a:solidFill>
+                  <a:srgbClr val="4472C4"/>
+                </a:solidFill>
+                <a:latin typeface="Source Code Pro" panose="020B0509030403020204" pitchFamily="49" charset="0"/>
+              </a:rPr>
+              <a:t>[</a:t>
+            </a:r>
+            <a:r>
+              <a:rPr lang="de-DE" dirty="0">
+                <a:solidFill>
+                  <a:srgbClr val="FF8000"/>
+                </a:solidFill>
+                <a:latin typeface="Source Code Pro" panose="020B0509030403020204" pitchFamily="49" charset="0"/>
+              </a:rPr>
+              <a:t>24</a:t>
+            </a:r>
+            <a:r>
+              <a:rPr lang="de-DE" b="1" dirty="0">
+                <a:solidFill>
+                  <a:srgbClr val="4472C4"/>
+                </a:solidFill>
+                <a:latin typeface="Source Code Pro" panose="020B0509030403020204" pitchFamily="49" charset="0"/>
+              </a:rPr>
+              <a:t>,</a:t>
+            </a:r>
+            <a:r>
+              <a:rPr lang="de-DE" dirty="0">
+                <a:solidFill>
+                  <a:srgbClr val="000000"/>
+                </a:solidFill>
+                <a:latin typeface="Source Code Pro" panose="020B0509030403020204" pitchFamily="49" charset="0"/>
+              </a:rPr>
+              <a:t> </a:t>
+            </a:r>
+            <a:r>
+              <a:rPr lang="de-DE" dirty="0">
+                <a:solidFill>
+                  <a:srgbClr val="464646"/>
+                </a:solidFill>
+                <a:latin typeface="Source Code Pro" panose="020B0509030403020204" pitchFamily="49" charset="0"/>
+              </a:rPr>
+              <a:t>"Sussex"</a:t>
+            </a:r>
+            <a:r>
+              <a:rPr lang="de-DE" b="1" dirty="0">
+                <a:solidFill>
+                  <a:srgbClr val="4472C4"/>
+                </a:solidFill>
+                <a:latin typeface="Source Code Pro" panose="020B0509030403020204" pitchFamily="49" charset="0"/>
+              </a:rPr>
+              <a:t>,</a:t>
+            </a:r>
+            <a:r>
+              <a:rPr lang="de-DE" dirty="0">
+                <a:solidFill>
+                  <a:srgbClr val="000000"/>
+                </a:solidFill>
+                <a:latin typeface="Source Code Pro" panose="020B0509030403020204" pitchFamily="49" charset="0"/>
+              </a:rPr>
+              <a:t> </a:t>
+            </a:r>
+            <a:r>
+              <a:rPr lang="de-DE" dirty="0">
+                <a:solidFill>
+                  <a:srgbClr val="464646"/>
+                </a:solidFill>
+                <a:latin typeface="Source Code Pro" panose="020B0509030403020204" pitchFamily="49" charset="0"/>
+              </a:rPr>
+              <a:t>"Drive"</a:t>
+            </a:r>
+            <a:r>
+              <a:rPr lang="de-DE" b="1" dirty="0">
+                <a:solidFill>
+                  <a:srgbClr val="4472C4"/>
+                </a:solidFill>
+                <a:latin typeface="Source Code Pro" panose="020B0509030403020204" pitchFamily="49" charset="0"/>
+              </a:rPr>
+              <a:t>]</a:t>
+            </a:r>
+            <a:endParaRPr lang="de-DE" dirty="0"/>
+          </a:p>
+        </p:txBody>
+      </p:sp>
+      <p:sp>
+        <p:nvSpPr>
+          <p:cNvPr id="7" name="Rechteck 6">
+            <a:extLst>
+              <a:ext uri="{FF2B5EF4-FFF2-40B4-BE49-F238E27FC236}">
+                <a16:creationId xmlns:a16="http://schemas.microsoft.com/office/drawing/2014/main" id="{D82A133D-574A-4D69-B0F6-84CE3623EFA0}"/>
+              </a:ext>
+            </a:extLst>
+          </p:cNvPr>
+          <p:cNvSpPr/>
+          <p:nvPr/>
+        </p:nvSpPr>
+        <p:spPr>
+          <a:xfrm>
+            <a:off x="838200" y="2388671"/>
+            <a:ext cx="4983760" cy="3877985"/>
+          </a:xfrm>
+          <a:prstGeom prst="rect">
+            <a:avLst/>
+          </a:prstGeom>
+          <a:solidFill>
+            <a:schemeClr val="bg1">
+              <a:lumMod val="95000"/>
+            </a:schemeClr>
+          </a:solidFill>
+          <a:ln>
+            <a:solidFill>
+              <a:schemeClr val="bg1">
+                <a:lumMod val="85000"/>
+              </a:schemeClr>
+            </a:solidFill>
+          </a:ln>
+        </p:spPr>
+        <p:txBody>
+          <a:bodyPr wrap="square">
+            <a:spAutoFit/>
+          </a:bodyPr>
+          <a:lstStyle/>
+          <a:p>
+            <a:r>
+              <a:rPr lang="de-DE" sz="1600" b="1" dirty="0">
+                <a:solidFill>
+                  <a:srgbClr val="4472C4"/>
+                </a:solidFill>
+                <a:latin typeface="Source Code Pro" panose="020B0509030403020204" pitchFamily="49" charset="0"/>
+              </a:rPr>
+              <a:t>{</a:t>
+            </a:r>
+            <a:endParaRPr lang="de-DE" sz="1600" dirty="0">
+              <a:solidFill>
+                <a:srgbClr val="000000"/>
+              </a:solidFill>
+              <a:latin typeface="Source Code Pro" panose="020B0509030403020204" pitchFamily="49" charset="0"/>
+            </a:endParaRPr>
+          </a:p>
+          <a:p>
+            <a:r>
+              <a:rPr lang="de-DE" sz="1600" dirty="0">
+                <a:solidFill>
+                  <a:srgbClr val="000000"/>
+                </a:solidFill>
+                <a:latin typeface="Source Code Pro" panose="020B0509030403020204" pitchFamily="49" charset="0"/>
+              </a:rPr>
+              <a:t>  </a:t>
+            </a:r>
+            <a:r>
+              <a:rPr lang="de-DE" sz="1600" dirty="0">
+                <a:solidFill>
+                  <a:srgbClr val="464646"/>
+                </a:solidFill>
+                <a:latin typeface="Source Code Pro" panose="020B0509030403020204" pitchFamily="49" charset="0"/>
+              </a:rPr>
+              <a:t>"type"</a:t>
+            </a:r>
+            <a:r>
+              <a:rPr lang="de-DE" sz="1600" b="1" dirty="0">
+                <a:solidFill>
+                  <a:srgbClr val="4472C4"/>
+                </a:solidFill>
+                <a:latin typeface="Source Code Pro" panose="020B0509030403020204" pitchFamily="49" charset="0"/>
+              </a:rPr>
+              <a:t>:</a:t>
+            </a:r>
+            <a:r>
+              <a:rPr lang="de-DE" sz="1600" dirty="0">
+                <a:solidFill>
+                  <a:srgbClr val="000000"/>
+                </a:solidFill>
+                <a:latin typeface="Source Code Pro" panose="020B0509030403020204" pitchFamily="49" charset="0"/>
+              </a:rPr>
+              <a:t> </a:t>
+            </a:r>
+            <a:r>
+              <a:rPr lang="de-DE" sz="1600" dirty="0">
+                <a:solidFill>
+                  <a:srgbClr val="464646"/>
+                </a:solidFill>
+                <a:latin typeface="Source Code Pro" panose="020B0509030403020204" pitchFamily="49" charset="0"/>
+              </a:rPr>
+              <a:t>"</a:t>
+            </a:r>
+            <a:r>
+              <a:rPr lang="de-DE" sz="1600" dirty="0" err="1">
+                <a:solidFill>
+                  <a:srgbClr val="464646"/>
+                </a:solidFill>
+                <a:latin typeface="Source Code Pro" panose="020B0509030403020204" pitchFamily="49" charset="0"/>
+              </a:rPr>
+              <a:t>array</a:t>
+            </a:r>
+            <a:r>
+              <a:rPr lang="de-DE" sz="1600" dirty="0">
+                <a:solidFill>
+                  <a:srgbClr val="464646"/>
+                </a:solidFill>
+                <a:latin typeface="Source Code Pro" panose="020B0509030403020204" pitchFamily="49" charset="0"/>
+              </a:rPr>
+              <a:t>"</a:t>
+            </a:r>
+            <a:r>
+              <a:rPr lang="de-DE" sz="1600" b="1" dirty="0">
+                <a:solidFill>
+                  <a:srgbClr val="4472C4"/>
+                </a:solidFill>
+                <a:latin typeface="Source Code Pro" panose="020B0509030403020204" pitchFamily="49" charset="0"/>
+              </a:rPr>
+              <a:t>,</a:t>
+            </a:r>
+            <a:endParaRPr lang="de-DE" sz="1600" dirty="0">
+              <a:solidFill>
+                <a:srgbClr val="000000"/>
+              </a:solidFill>
+              <a:latin typeface="Source Code Pro" panose="020B0509030403020204" pitchFamily="49" charset="0"/>
+            </a:endParaRPr>
+          </a:p>
+          <a:p>
+            <a:r>
+              <a:rPr lang="de-DE" sz="1600" dirty="0">
+                <a:solidFill>
+                  <a:srgbClr val="000000"/>
+                </a:solidFill>
+                <a:latin typeface="Source Code Pro" panose="020B0509030403020204" pitchFamily="49" charset="0"/>
+              </a:rPr>
+              <a:t>  </a:t>
+            </a:r>
+            <a:r>
+              <a:rPr lang="de-DE" sz="1600" dirty="0">
+                <a:solidFill>
+                  <a:srgbClr val="464646"/>
+                </a:solidFill>
+                <a:latin typeface="Source Code Pro" panose="020B0509030403020204" pitchFamily="49" charset="0"/>
+              </a:rPr>
+              <a:t>"</a:t>
+            </a:r>
+            <a:r>
+              <a:rPr lang="de-DE" sz="1600" dirty="0" err="1">
+                <a:solidFill>
+                  <a:srgbClr val="464646"/>
+                </a:solidFill>
+                <a:latin typeface="Source Code Pro" panose="020B0509030403020204" pitchFamily="49" charset="0"/>
+              </a:rPr>
+              <a:t>items</a:t>
+            </a:r>
+            <a:r>
+              <a:rPr lang="de-DE" sz="1600" dirty="0">
+                <a:solidFill>
+                  <a:srgbClr val="464646"/>
+                </a:solidFill>
+                <a:latin typeface="Source Code Pro" panose="020B0509030403020204" pitchFamily="49" charset="0"/>
+              </a:rPr>
+              <a:t>"</a:t>
+            </a:r>
+            <a:r>
+              <a:rPr lang="de-DE" sz="1600" b="1" dirty="0">
+                <a:solidFill>
+                  <a:srgbClr val="4472C4"/>
+                </a:solidFill>
+                <a:latin typeface="Source Code Pro" panose="020B0509030403020204" pitchFamily="49" charset="0"/>
+              </a:rPr>
+              <a:t>:</a:t>
+            </a:r>
+            <a:r>
+              <a:rPr lang="de-DE" sz="1600" dirty="0">
+                <a:solidFill>
+                  <a:srgbClr val="000000"/>
+                </a:solidFill>
+                <a:latin typeface="Source Code Pro" panose="020B0509030403020204" pitchFamily="49" charset="0"/>
+              </a:rPr>
+              <a:t> </a:t>
+            </a:r>
+            <a:r>
+              <a:rPr lang="de-DE" sz="1600" b="1" dirty="0">
+                <a:solidFill>
+                  <a:srgbClr val="4472C4"/>
+                </a:solidFill>
+                <a:latin typeface="Source Code Pro" panose="020B0509030403020204" pitchFamily="49" charset="0"/>
+              </a:rPr>
+              <a:t>[</a:t>
+            </a:r>
+            <a:endParaRPr lang="de-DE" sz="1600" dirty="0">
+              <a:solidFill>
+                <a:srgbClr val="000000"/>
+              </a:solidFill>
+              <a:latin typeface="Source Code Pro" panose="020B0509030403020204" pitchFamily="49" charset="0"/>
+            </a:endParaRPr>
+          </a:p>
+          <a:p>
+            <a:r>
+              <a:rPr lang="de-DE" sz="1600" dirty="0">
+                <a:solidFill>
+                  <a:srgbClr val="000000"/>
+                </a:solidFill>
+                <a:latin typeface="Source Code Pro" panose="020B0509030403020204" pitchFamily="49" charset="0"/>
+              </a:rPr>
+              <a:t>    </a:t>
+            </a:r>
+            <a:r>
+              <a:rPr lang="de-DE" sz="1600" b="1" dirty="0">
+                <a:solidFill>
+                  <a:srgbClr val="4472C4"/>
+                </a:solidFill>
+                <a:latin typeface="Source Code Pro" panose="020B0509030403020204" pitchFamily="49" charset="0"/>
+              </a:rPr>
+              <a:t>{</a:t>
+            </a:r>
+            <a:endParaRPr lang="de-DE" sz="1600" dirty="0">
+              <a:solidFill>
+                <a:srgbClr val="000000"/>
+              </a:solidFill>
+              <a:latin typeface="Source Code Pro" panose="020B0509030403020204" pitchFamily="49" charset="0"/>
+            </a:endParaRPr>
+          </a:p>
+          <a:p>
+            <a:r>
+              <a:rPr lang="de-DE" sz="1600" dirty="0">
+                <a:solidFill>
+                  <a:srgbClr val="000000"/>
+                </a:solidFill>
+                <a:latin typeface="Source Code Pro" panose="020B0509030403020204" pitchFamily="49" charset="0"/>
+              </a:rPr>
+              <a:t>      </a:t>
+            </a:r>
+            <a:r>
+              <a:rPr lang="de-DE" sz="1600" dirty="0">
+                <a:solidFill>
+                  <a:srgbClr val="464646"/>
+                </a:solidFill>
+                <a:latin typeface="Source Code Pro" panose="020B0509030403020204" pitchFamily="49" charset="0"/>
+              </a:rPr>
+              <a:t>"type"</a:t>
+            </a:r>
+            <a:r>
+              <a:rPr lang="de-DE" sz="1600" b="1" dirty="0">
+                <a:solidFill>
+                  <a:srgbClr val="4472C4"/>
+                </a:solidFill>
+                <a:latin typeface="Source Code Pro" panose="020B0509030403020204" pitchFamily="49" charset="0"/>
+              </a:rPr>
+              <a:t>:</a:t>
+            </a:r>
+            <a:r>
+              <a:rPr lang="de-DE" sz="1600" dirty="0">
+                <a:solidFill>
+                  <a:srgbClr val="000000"/>
+                </a:solidFill>
+                <a:latin typeface="Source Code Pro" panose="020B0509030403020204" pitchFamily="49" charset="0"/>
+              </a:rPr>
+              <a:t> </a:t>
+            </a:r>
+            <a:r>
+              <a:rPr lang="de-DE" sz="1600" dirty="0">
+                <a:solidFill>
+                  <a:srgbClr val="464646"/>
+                </a:solidFill>
+                <a:latin typeface="Source Code Pro" panose="020B0509030403020204" pitchFamily="49" charset="0"/>
+              </a:rPr>
+              <a:t>"</a:t>
+            </a:r>
+            <a:r>
+              <a:rPr lang="de-DE" sz="1600" dirty="0" err="1">
+                <a:solidFill>
+                  <a:srgbClr val="464646"/>
+                </a:solidFill>
+                <a:latin typeface="Source Code Pro" panose="020B0509030403020204" pitchFamily="49" charset="0"/>
+              </a:rPr>
+              <a:t>number</a:t>
+            </a:r>
+            <a:r>
+              <a:rPr lang="de-DE" sz="1600" dirty="0">
+                <a:solidFill>
+                  <a:srgbClr val="464646"/>
+                </a:solidFill>
+                <a:latin typeface="Source Code Pro" panose="020B0509030403020204" pitchFamily="49" charset="0"/>
+              </a:rPr>
+              <a:t>"</a:t>
+            </a:r>
+            <a:endParaRPr lang="de-DE" sz="1600" dirty="0">
+              <a:solidFill>
+                <a:srgbClr val="000000"/>
+              </a:solidFill>
+              <a:latin typeface="Source Code Pro" panose="020B0509030403020204" pitchFamily="49" charset="0"/>
+            </a:endParaRPr>
+          </a:p>
+          <a:p>
+            <a:r>
+              <a:rPr lang="de-DE" sz="1600" dirty="0">
+                <a:solidFill>
+                  <a:srgbClr val="000000"/>
+                </a:solidFill>
+                <a:latin typeface="Source Code Pro" panose="020B0509030403020204" pitchFamily="49" charset="0"/>
+              </a:rPr>
+              <a:t>    </a:t>
+            </a:r>
+            <a:r>
+              <a:rPr lang="de-DE" sz="1600" b="1" dirty="0">
+                <a:solidFill>
+                  <a:srgbClr val="4472C4"/>
+                </a:solidFill>
+                <a:latin typeface="Source Code Pro" panose="020B0509030403020204" pitchFamily="49" charset="0"/>
+              </a:rPr>
+              <a:t>},</a:t>
+            </a:r>
+            <a:endParaRPr lang="de-DE" sz="1600" dirty="0">
+              <a:solidFill>
+                <a:srgbClr val="000000"/>
+              </a:solidFill>
+              <a:latin typeface="Source Code Pro" panose="020B0509030403020204" pitchFamily="49" charset="0"/>
+            </a:endParaRPr>
+          </a:p>
+          <a:p>
+            <a:r>
+              <a:rPr lang="de-DE" sz="1600" dirty="0">
+                <a:solidFill>
+                  <a:srgbClr val="000000"/>
+                </a:solidFill>
+                <a:latin typeface="Source Code Pro" panose="020B0509030403020204" pitchFamily="49" charset="0"/>
+              </a:rPr>
+              <a:t>    </a:t>
+            </a:r>
+            <a:r>
+              <a:rPr lang="de-DE" sz="1600" b="1" dirty="0">
+                <a:solidFill>
+                  <a:srgbClr val="4472C4"/>
+                </a:solidFill>
+                <a:latin typeface="Source Code Pro" panose="020B0509030403020204" pitchFamily="49" charset="0"/>
+              </a:rPr>
+              <a:t>{</a:t>
+            </a:r>
+            <a:endParaRPr lang="de-DE" sz="1600" dirty="0">
+              <a:solidFill>
+                <a:srgbClr val="000000"/>
+              </a:solidFill>
+              <a:latin typeface="Source Code Pro" panose="020B0509030403020204" pitchFamily="49" charset="0"/>
+            </a:endParaRPr>
+          </a:p>
+          <a:p>
+            <a:r>
+              <a:rPr lang="de-DE" sz="1600" dirty="0">
+                <a:solidFill>
+                  <a:srgbClr val="000000"/>
+                </a:solidFill>
+                <a:latin typeface="Source Code Pro" panose="020B0509030403020204" pitchFamily="49" charset="0"/>
+              </a:rPr>
+              <a:t>      </a:t>
+            </a:r>
+            <a:r>
+              <a:rPr lang="de-DE" sz="1600" dirty="0">
+                <a:solidFill>
+                  <a:srgbClr val="464646"/>
+                </a:solidFill>
+                <a:latin typeface="Source Code Pro" panose="020B0509030403020204" pitchFamily="49" charset="0"/>
+              </a:rPr>
+              <a:t>"type"</a:t>
+            </a:r>
+            <a:r>
+              <a:rPr lang="de-DE" sz="1600" b="1" dirty="0">
+                <a:solidFill>
+                  <a:srgbClr val="4472C4"/>
+                </a:solidFill>
+                <a:latin typeface="Source Code Pro" panose="020B0509030403020204" pitchFamily="49" charset="0"/>
+              </a:rPr>
+              <a:t>:</a:t>
+            </a:r>
+            <a:r>
+              <a:rPr lang="de-DE" sz="1600" dirty="0">
+                <a:solidFill>
+                  <a:srgbClr val="000000"/>
+                </a:solidFill>
+                <a:latin typeface="Source Code Pro" panose="020B0509030403020204" pitchFamily="49" charset="0"/>
+              </a:rPr>
+              <a:t> </a:t>
+            </a:r>
+            <a:r>
+              <a:rPr lang="de-DE" sz="1600" dirty="0">
+                <a:solidFill>
+                  <a:srgbClr val="464646"/>
+                </a:solidFill>
+                <a:latin typeface="Source Code Pro" panose="020B0509030403020204" pitchFamily="49" charset="0"/>
+              </a:rPr>
+              <a:t>"</a:t>
+            </a:r>
+            <a:r>
+              <a:rPr lang="de-DE" sz="1600" dirty="0" err="1">
+                <a:solidFill>
+                  <a:srgbClr val="464646"/>
+                </a:solidFill>
+                <a:latin typeface="Source Code Pro" panose="020B0509030403020204" pitchFamily="49" charset="0"/>
+              </a:rPr>
+              <a:t>string</a:t>
+            </a:r>
+            <a:r>
+              <a:rPr lang="de-DE" sz="1600" dirty="0">
+                <a:solidFill>
+                  <a:srgbClr val="464646"/>
+                </a:solidFill>
+                <a:latin typeface="Source Code Pro" panose="020B0509030403020204" pitchFamily="49" charset="0"/>
+              </a:rPr>
+              <a:t>"</a:t>
+            </a:r>
+            <a:endParaRPr lang="de-DE" sz="1600" dirty="0">
+              <a:solidFill>
+                <a:srgbClr val="000000"/>
+              </a:solidFill>
+              <a:latin typeface="Source Code Pro" panose="020B0509030403020204" pitchFamily="49" charset="0"/>
+            </a:endParaRPr>
+          </a:p>
+          <a:p>
+            <a:r>
+              <a:rPr lang="de-DE" sz="1600" dirty="0">
+                <a:solidFill>
+                  <a:srgbClr val="000000"/>
+                </a:solidFill>
+                <a:latin typeface="Source Code Pro" panose="020B0509030403020204" pitchFamily="49" charset="0"/>
+              </a:rPr>
+              <a:t>    </a:t>
+            </a:r>
+            <a:r>
+              <a:rPr lang="de-DE" sz="1600" b="1" dirty="0">
+                <a:solidFill>
+                  <a:srgbClr val="4472C4"/>
+                </a:solidFill>
+                <a:latin typeface="Source Code Pro" panose="020B0509030403020204" pitchFamily="49" charset="0"/>
+              </a:rPr>
+              <a:t>},</a:t>
+            </a:r>
+            <a:endParaRPr lang="de-DE" sz="1600" dirty="0">
+              <a:solidFill>
+                <a:srgbClr val="000000"/>
+              </a:solidFill>
+              <a:latin typeface="Source Code Pro" panose="020B0509030403020204" pitchFamily="49" charset="0"/>
+            </a:endParaRPr>
+          </a:p>
+          <a:p>
+            <a:r>
+              <a:rPr lang="de-DE" sz="1600" dirty="0">
+                <a:solidFill>
+                  <a:srgbClr val="000000"/>
+                </a:solidFill>
+                <a:latin typeface="Source Code Pro" panose="020B0509030403020204" pitchFamily="49" charset="0"/>
+              </a:rPr>
+              <a:t>    </a:t>
+            </a:r>
+            <a:r>
+              <a:rPr lang="de-DE" sz="1600" b="1" dirty="0">
+                <a:solidFill>
+                  <a:srgbClr val="4472C4"/>
+                </a:solidFill>
+                <a:latin typeface="Source Code Pro" panose="020B0509030403020204" pitchFamily="49" charset="0"/>
+              </a:rPr>
+              <a:t>{</a:t>
+            </a:r>
+            <a:endParaRPr lang="de-DE" sz="1600" dirty="0">
+              <a:solidFill>
+                <a:srgbClr val="000000"/>
+              </a:solidFill>
+              <a:latin typeface="Source Code Pro" panose="020B0509030403020204" pitchFamily="49" charset="0"/>
+            </a:endParaRPr>
+          </a:p>
+          <a:p>
+            <a:r>
+              <a:rPr lang="de-DE" sz="1600" dirty="0">
+                <a:solidFill>
+                  <a:srgbClr val="000000"/>
+                </a:solidFill>
+                <a:latin typeface="Source Code Pro" panose="020B0509030403020204" pitchFamily="49" charset="0"/>
+              </a:rPr>
+              <a:t>      </a:t>
+            </a:r>
+            <a:r>
+              <a:rPr lang="de-DE" sz="1600" dirty="0">
+                <a:solidFill>
+                  <a:srgbClr val="464646"/>
+                </a:solidFill>
+                <a:latin typeface="Source Code Pro" panose="020B0509030403020204" pitchFamily="49" charset="0"/>
+              </a:rPr>
+              <a:t>"type"</a:t>
+            </a:r>
+            <a:r>
+              <a:rPr lang="de-DE" sz="1600" b="1" dirty="0">
+                <a:solidFill>
+                  <a:srgbClr val="4472C4"/>
+                </a:solidFill>
+                <a:latin typeface="Source Code Pro" panose="020B0509030403020204" pitchFamily="49" charset="0"/>
+              </a:rPr>
+              <a:t>:</a:t>
+            </a:r>
+            <a:r>
+              <a:rPr lang="de-DE" sz="1600" dirty="0">
+                <a:solidFill>
+                  <a:srgbClr val="000000"/>
+                </a:solidFill>
+                <a:latin typeface="Source Code Pro" panose="020B0509030403020204" pitchFamily="49" charset="0"/>
+              </a:rPr>
+              <a:t> </a:t>
+            </a:r>
+            <a:r>
+              <a:rPr lang="de-DE" sz="1600" dirty="0">
+                <a:solidFill>
+                  <a:srgbClr val="464646"/>
+                </a:solidFill>
+                <a:latin typeface="Source Code Pro" panose="020B0509030403020204" pitchFamily="49" charset="0"/>
+              </a:rPr>
+              <a:t>"</a:t>
+            </a:r>
+            <a:r>
+              <a:rPr lang="de-DE" sz="1600" dirty="0" err="1">
+                <a:solidFill>
+                  <a:srgbClr val="464646"/>
+                </a:solidFill>
+                <a:latin typeface="Source Code Pro" panose="020B0509030403020204" pitchFamily="49" charset="0"/>
+              </a:rPr>
+              <a:t>string</a:t>
+            </a:r>
+            <a:r>
+              <a:rPr lang="de-DE" sz="1600" dirty="0">
+                <a:solidFill>
+                  <a:srgbClr val="464646"/>
+                </a:solidFill>
+                <a:latin typeface="Source Code Pro" panose="020B0509030403020204" pitchFamily="49" charset="0"/>
+              </a:rPr>
+              <a:t>"</a:t>
+            </a:r>
+            <a:r>
+              <a:rPr lang="de-DE" sz="1600" b="1" dirty="0">
+                <a:solidFill>
+                  <a:srgbClr val="4472C4"/>
+                </a:solidFill>
+                <a:latin typeface="Source Code Pro" panose="020B0509030403020204" pitchFamily="49" charset="0"/>
+              </a:rPr>
+              <a:t>,</a:t>
+            </a:r>
+            <a:endParaRPr lang="de-DE" sz="1600" dirty="0">
+              <a:solidFill>
+                <a:srgbClr val="000000"/>
+              </a:solidFill>
+              <a:latin typeface="Source Code Pro" panose="020B0509030403020204" pitchFamily="49" charset="0"/>
+            </a:endParaRPr>
+          </a:p>
+          <a:p>
+            <a:r>
+              <a:rPr lang="de-DE" sz="1600" dirty="0">
+                <a:solidFill>
+                  <a:srgbClr val="000000"/>
+                </a:solidFill>
+                <a:latin typeface="Source Code Pro" panose="020B0509030403020204" pitchFamily="49" charset="0"/>
+              </a:rPr>
+              <a:t>      </a:t>
+            </a:r>
+            <a:r>
+              <a:rPr lang="de-DE" sz="1600" dirty="0">
+                <a:solidFill>
+                  <a:srgbClr val="464646"/>
+                </a:solidFill>
+                <a:latin typeface="Source Code Pro" panose="020B0509030403020204" pitchFamily="49" charset="0"/>
+              </a:rPr>
+              <a:t>"</a:t>
+            </a:r>
+            <a:r>
+              <a:rPr lang="de-DE" sz="1600" dirty="0" err="1">
+                <a:solidFill>
+                  <a:srgbClr val="464646"/>
+                </a:solidFill>
+                <a:latin typeface="Source Code Pro" panose="020B0509030403020204" pitchFamily="49" charset="0"/>
+              </a:rPr>
+              <a:t>enum</a:t>
+            </a:r>
+            <a:r>
+              <a:rPr lang="de-DE" sz="1600" dirty="0">
+                <a:solidFill>
+                  <a:srgbClr val="464646"/>
+                </a:solidFill>
+                <a:latin typeface="Source Code Pro" panose="020B0509030403020204" pitchFamily="49" charset="0"/>
+              </a:rPr>
+              <a:t>"</a:t>
+            </a:r>
+            <a:r>
+              <a:rPr lang="de-DE" sz="1600" b="1" dirty="0">
+                <a:solidFill>
+                  <a:srgbClr val="4472C4"/>
+                </a:solidFill>
+                <a:latin typeface="Source Code Pro" panose="020B0509030403020204" pitchFamily="49" charset="0"/>
+              </a:rPr>
+              <a:t>:</a:t>
+            </a:r>
+            <a:r>
+              <a:rPr lang="de-DE" sz="1600" dirty="0">
+                <a:solidFill>
+                  <a:srgbClr val="000000"/>
+                </a:solidFill>
+                <a:latin typeface="Source Code Pro" panose="020B0509030403020204" pitchFamily="49" charset="0"/>
+              </a:rPr>
+              <a:t> </a:t>
+            </a:r>
+            <a:r>
+              <a:rPr lang="de-DE" sz="1600" b="1" dirty="0">
+                <a:solidFill>
+                  <a:srgbClr val="4472C4"/>
+                </a:solidFill>
+                <a:latin typeface="Source Code Pro" panose="020B0509030403020204" pitchFamily="49" charset="0"/>
+              </a:rPr>
+              <a:t>[</a:t>
+            </a:r>
+            <a:r>
+              <a:rPr lang="de-DE" sz="1600" dirty="0">
+                <a:solidFill>
+                  <a:srgbClr val="464646"/>
+                </a:solidFill>
+                <a:latin typeface="Source Code Pro" panose="020B0509030403020204" pitchFamily="49" charset="0"/>
+              </a:rPr>
+              <a:t>"Street"</a:t>
+            </a:r>
+            <a:r>
+              <a:rPr lang="de-DE" sz="1600" b="1" dirty="0">
+                <a:solidFill>
+                  <a:srgbClr val="4472C4"/>
+                </a:solidFill>
+                <a:latin typeface="Source Code Pro" panose="020B0509030403020204" pitchFamily="49" charset="0"/>
+              </a:rPr>
+              <a:t>,</a:t>
+            </a:r>
+            <a:r>
+              <a:rPr lang="de-DE" sz="1600" dirty="0">
+                <a:solidFill>
+                  <a:srgbClr val="000000"/>
+                </a:solidFill>
+                <a:latin typeface="Source Code Pro" panose="020B0509030403020204" pitchFamily="49" charset="0"/>
+              </a:rPr>
+              <a:t> </a:t>
+            </a:r>
+            <a:r>
+              <a:rPr lang="de-DE" sz="1600" dirty="0">
+                <a:solidFill>
+                  <a:srgbClr val="464646"/>
+                </a:solidFill>
+                <a:latin typeface="Source Code Pro" panose="020B0509030403020204" pitchFamily="49" charset="0"/>
+              </a:rPr>
+              <a:t>"Avenue"</a:t>
+            </a:r>
+            <a:r>
+              <a:rPr lang="de-DE" sz="1600" b="1" dirty="0">
+                <a:solidFill>
+                  <a:srgbClr val="4472C4"/>
+                </a:solidFill>
+                <a:latin typeface="Source Code Pro" panose="020B0509030403020204" pitchFamily="49" charset="0"/>
+              </a:rPr>
+              <a:t>]</a:t>
+            </a:r>
+            <a:endParaRPr lang="de-DE" sz="1600" dirty="0">
+              <a:solidFill>
+                <a:srgbClr val="000000"/>
+              </a:solidFill>
+              <a:latin typeface="Source Code Pro" panose="020B0509030403020204" pitchFamily="49" charset="0"/>
+            </a:endParaRPr>
+          </a:p>
+          <a:p>
+            <a:r>
+              <a:rPr lang="de-DE" sz="1600" dirty="0">
+                <a:solidFill>
+                  <a:srgbClr val="000000"/>
+                </a:solidFill>
+                <a:latin typeface="Source Code Pro" panose="020B0509030403020204" pitchFamily="49" charset="0"/>
+              </a:rPr>
+              <a:t>    </a:t>
+            </a:r>
+            <a:r>
+              <a:rPr lang="de-DE" sz="1600" b="1" dirty="0">
+                <a:solidFill>
+                  <a:srgbClr val="4472C4"/>
+                </a:solidFill>
+                <a:latin typeface="Source Code Pro" panose="020B0509030403020204" pitchFamily="49" charset="0"/>
+              </a:rPr>
+              <a:t>}</a:t>
+            </a:r>
+            <a:endParaRPr lang="de-DE" sz="1600" dirty="0">
+              <a:solidFill>
+                <a:srgbClr val="000000"/>
+              </a:solidFill>
+              <a:latin typeface="Source Code Pro" panose="020B0509030403020204" pitchFamily="49" charset="0"/>
+            </a:endParaRPr>
+          </a:p>
+          <a:p>
+            <a:r>
+              <a:rPr lang="de-DE" sz="1600" dirty="0">
+                <a:solidFill>
+                  <a:srgbClr val="000000"/>
+                </a:solidFill>
+                <a:latin typeface="Source Code Pro" panose="020B0509030403020204" pitchFamily="49" charset="0"/>
+              </a:rPr>
+              <a:t>  </a:t>
+            </a:r>
+            <a:r>
+              <a:rPr lang="de-DE" sz="1600" b="1" dirty="0">
+                <a:solidFill>
+                  <a:srgbClr val="4472C4"/>
+                </a:solidFill>
+                <a:latin typeface="Source Code Pro" panose="020B0509030403020204" pitchFamily="49" charset="0"/>
+              </a:rPr>
+              <a:t>]</a:t>
+            </a:r>
+            <a:endParaRPr lang="de-DE" sz="1600" dirty="0">
+              <a:solidFill>
+                <a:srgbClr val="000000"/>
+              </a:solidFill>
+              <a:latin typeface="Source Code Pro" panose="020B0509030403020204" pitchFamily="49" charset="0"/>
+            </a:endParaRPr>
+          </a:p>
+          <a:p>
+            <a:r>
+              <a:rPr lang="de-DE" sz="1600" b="1" dirty="0">
+                <a:solidFill>
+                  <a:srgbClr val="4472C4"/>
+                </a:solidFill>
+                <a:latin typeface="Source Code Pro" panose="020B0509030403020204" pitchFamily="49" charset="0"/>
+              </a:rPr>
+              <a:t>}</a:t>
+            </a:r>
+            <a:endParaRPr lang="de-DE" sz="1600" dirty="0"/>
+          </a:p>
+        </p:txBody>
+      </p:sp>
+      <p:sp>
+        <p:nvSpPr>
+          <p:cNvPr id="13" name="Rechteck 12">
+            <a:extLst>
+              <a:ext uri="{FF2B5EF4-FFF2-40B4-BE49-F238E27FC236}">
+                <a16:creationId xmlns:a16="http://schemas.microsoft.com/office/drawing/2014/main" id="{3E3051D5-59FA-4E83-B5FB-322CB6EBA24D}"/>
+              </a:ext>
+            </a:extLst>
+          </p:cNvPr>
+          <p:cNvSpPr/>
+          <p:nvPr/>
+        </p:nvSpPr>
+        <p:spPr>
+          <a:xfrm>
+            <a:off x="6744930" y="4417698"/>
+            <a:ext cx="4608870" cy="369332"/>
+          </a:xfrm>
+          <a:prstGeom prst="rect">
+            <a:avLst/>
+          </a:prstGeom>
+          <a:solidFill>
+            <a:schemeClr val="accent6">
+              <a:lumMod val="40000"/>
+              <a:lumOff val="60000"/>
+            </a:schemeClr>
+          </a:solidFill>
+          <a:ln>
+            <a:noFill/>
+          </a:ln>
+        </p:spPr>
+        <p:txBody>
+          <a:bodyPr wrap="square">
+            <a:spAutoFit/>
+          </a:bodyPr>
+          <a:lstStyle/>
+          <a:p>
+            <a:r>
+              <a:rPr lang="de-DE" b="1" dirty="0">
+                <a:solidFill>
+                  <a:srgbClr val="4472C4"/>
+                </a:solidFill>
+                <a:latin typeface="Source Code Pro" panose="020B0509030403020204" pitchFamily="49" charset="0"/>
+              </a:rPr>
+              <a:t>[</a:t>
+            </a:r>
+            <a:r>
+              <a:rPr lang="de-DE" dirty="0">
+                <a:solidFill>
+                  <a:srgbClr val="FF8000"/>
+                </a:solidFill>
+                <a:latin typeface="Source Code Pro" panose="020B0509030403020204" pitchFamily="49" charset="0"/>
+              </a:rPr>
+              <a:t>10</a:t>
+            </a:r>
+            <a:r>
+              <a:rPr lang="de-DE" b="1" dirty="0">
+                <a:solidFill>
+                  <a:srgbClr val="4472C4"/>
+                </a:solidFill>
+                <a:latin typeface="Source Code Pro" panose="020B0509030403020204" pitchFamily="49" charset="0"/>
+              </a:rPr>
+              <a:t>,</a:t>
+            </a:r>
+            <a:r>
+              <a:rPr lang="de-DE" dirty="0">
+                <a:solidFill>
+                  <a:srgbClr val="000000"/>
+                </a:solidFill>
+                <a:latin typeface="Source Code Pro" panose="020B0509030403020204" pitchFamily="49" charset="0"/>
+              </a:rPr>
+              <a:t> </a:t>
+            </a:r>
+            <a:r>
+              <a:rPr lang="de-DE" dirty="0">
+                <a:solidFill>
+                  <a:srgbClr val="464646"/>
+                </a:solidFill>
+                <a:latin typeface="Source Code Pro" panose="020B0509030403020204" pitchFamily="49" charset="0"/>
+              </a:rPr>
+              <a:t>"Street"</a:t>
+            </a:r>
+            <a:r>
+              <a:rPr lang="de-DE" b="1" dirty="0">
+                <a:solidFill>
+                  <a:srgbClr val="4472C4"/>
+                </a:solidFill>
+                <a:latin typeface="Source Code Pro" panose="020B0509030403020204" pitchFamily="49" charset="0"/>
+              </a:rPr>
+              <a:t>]</a:t>
+            </a:r>
+            <a:endParaRPr lang="de-DE" dirty="0">
+              <a:solidFill>
+                <a:srgbClr val="000000"/>
+              </a:solidFill>
+              <a:latin typeface="Source Code Pro" panose="020B0509030403020204" pitchFamily="49" charset="0"/>
+            </a:endParaRPr>
+          </a:p>
+        </p:txBody>
+      </p:sp>
+    </p:spTree>
+    <p:extLst>
+      <p:ext uri="{BB962C8B-B14F-4D97-AF65-F5344CB8AC3E}">
+        <p14:creationId xmlns:p14="http://schemas.microsoft.com/office/powerpoint/2010/main" val="2343198540"/>
+      </p:ext>
+    </p:extLst>
+  </p:cSld>
+  <p:clrMapOvr>
+    <a:masterClrMapping/>
+  </p:clrMapOvr>
+</p:sld>
+</file>
+
+<file path=ppt/slides/slide21.xml><?xml version="1.0" encoding="utf-8"?>
+<p:sld xmlns:a="http://schemas.openxmlformats.org/drawingml/2006/main" xmlns:r="http://schemas.openxmlformats.org/officeDocument/2006/relationships" xmlns:p="http://schemas.openxmlformats.org/presentationml/2006/main">
+  <p:cSld>
+    <p:spTree>
+      <p:nvGrpSpPr>
+        <p:cNvPr id="1" name=""/>
+        <p:cNvGrpSpPr/>
+        <p:nvPr/>
+      </p:nvGrpSpPr>
+      <p:grpSpPr>
+        <a:xfrm>
+          <a:off x="0" y="0"/>
+          <a:ext cx="0" cy="0"/>
+          <a:chOff x="0" y="0"/>
+          <a:chExt cx="0" cy="0"/>
+        </a:xfrm>
+      </p:grpSpPr>
+      <p:sp>
+        <p:nvSpPr>
+          <p:cNvPr id="2" name="Titel 1">
+            <a:extLst>
+              <a:ext uri="{FF2B5EF4-FFF2-40B4-BE49-F238E27FC236}">
+                <a16:creationId xmlns:a16="http://schemas.microsoft.com/office/drawing/2014/main" id="{263B568C-3395-4B3C-80D7-E8AF938BCCCC}"/>
+              </a:ext>
+            </a:extLst>
+          </p:cNvPr>
+          <p:cNvSpPr>
+            <a:spLocks noGrp="1"/>
+          </p:cNvSpPr>
+          <p:nvPr>
+            <p:ph type="title"/>
+          </p:nvPr>
+        </p:nvSpPr>
+        <p:spPr/>
+        <p:txBody>
+          <a:bodyPr/>
+          <a:lstStyle/>
+          <a:p>
+            <a:r>
+              <a:rPr lang="de-DE" dirty="0"/>
+              <a:t>Arrays (3/3)</a:t>
+            </a:r>
+          </a:p>
+        </p:txBody>
+      </p:sp>
+      <p:sp>
+        <p:nvSpPr>
+          <p:cNvPr id="3" name="Inhaltsplatzhalter 2">
+            <a:extLst>
+              <a:ext uri="{FF2B5EF4-FFF2-40B4-BE49-F238E27FC236}">
+                <a16:creationId xmlns:a16="http://schemas.microsoft.com/office/drawing/2014/main" id="{CBF494EF-36B2-44DD-92ED-0034DFBAA22F}"/>
+              </a:ext>
+            </a:extLst>
+          </p:cNvPr>
+          <p:cNvSpPr>
+            <a:spLocks noGrp="1"/>
+          </p:cNvSpPr>
+          <p:nvPr>
+            <p:ph idx="1"/>
+          </p:nvPr>
+        </p:nvSpPr>
+        <p:spPr>
+          <a:xfrm>
+            <a:off x="838200" y="1825625"/>
+            <a:ext cx="10515600" cy="4351338"/>
+          </a:xfrm>
+        </p:spPr>
+        <p:txBody>
+          <a:bodyPr/>
+          <a:lstStyle/>
+          <a:p>
+            <a:r>
+              <a:rPr lang="de-DE" dirty="0"/>
+              <a:t>Prüfung auf Länge mit </a:t>
+            </a:r>
+            <a:r>
+              <a:rPr lang="de-DE" dirty="0" err="1"/>
+              <a:t>minItems</a:t>
+            </a:r>
+            <a:r>
+              <a:rPr lang="de-DE" dirty="0"/>
+              <a:t>/</a:t>
+            </a:r>
+            <a:r>
+              <a:rPr lang="de-DE" dirty="0" err="1"/>
+              <a:t>maxItems</a:t>
+            </a:r>
+            <a:endParaRPr lang="de-DE" dirty="0"/>
+          </a:p>
+          <a:p>
+            <a:endParaRPr lang="de-DE" dirty="0"/>
+          </a:p>
+          <a:p>
+            <a:endParaRPr lang="de-DE" dirty="0"/>
+          </a:p>
+          <a:p>
+            <a:pPr marL="0" indent="0">
+              <a:buNone/>
+            </a:pPr>
+            <a:endParaRPr lang="de-DE" dirty="0"/>
+          </a:p>
+          <a:p>
+            <a:r>
+              <a:rPr lang="de-DE" dirty="0"/>
+              <a:t>Prüfung auf Einzigartigkeit</a:t>
+            </a:r>
+          </a:p>
+        </p:txBody>
+      </p:sp>
+      <p:sp>
+        <p:nvSpPr>
+          <p:cNvPr id="4" name="Datumsplatzhalter 3">
+            <a:extLst>
+              <a:ext uri="{FF2B5EF4-FFF2-40B4-BE49-F238E27FC236}">
+                <a16:creationId xmlns:a16="http://schemas.microsoft.com/office/drawing/2014/main" id="{25837733-F8B3-4C3E-A803-5F05F95FB3DC}"/>
+              </a:ext>
+            </a:extLst>
+          </p:cNvPr>
+          <p:cNvSpPr>
+            <a:spLocks noGrp="1"/>
+          </p:cNvSpPr>
+          <p:nvPr>
+            <p:ph type="dt" sz="half" idx="10"/>
+          </p:nvPr>
+        </p:nvSpPr>
+        <p:spPr/>
+        <p:txBody>
+          <a:bodyPr/>
+          <a:lstStyle/>
+          <a:p>
+            <a:fld id="{CFFA1D88-5C5F-47BF-8575-62828799C3D3}" type="datetime1">
+              <a:rPr lang="de-DE" smtClean="0"/>
+              <a:t>10.12.2017</a:t>
+            </a:fld>
+            <a:endParaRPr lang="de-DE" dirty="0"/>
+          </a:p>
+        </p:txBody>
+      </p:sp>
+      <p:sp>
+        <p:nvSpPr>
+          <p:cNvPr id="5" name="Fußzeilenplatzhalter 4">
+            <a:extLst>
+              <a:ext uri="{FF2B5EF4-FFF2-40B4-BE49-F238E27FC236}">
+                <a16:creationId xmlns:a16="http://schemas.microsoft.com/office/drawing/2014/main" id="{37F17228-D4D8-4BBB-A244-7340EF0FE22B}"/>
+              </a:ext>
+            </a:extLst>
+          </p:cNvPr>
+          <p:cNvSpPr>
+            <a:spLocks noGrp="1"/>
+          </p:cNvSpPr>
+          <p:nvPr>
+            <p:ph type="ftr" sz="quarter" idx="11"/>
+          </p:nvPr>
+        </p:nvSpPr>
+        <p:spPr/>
+        <p:txBody>
+          <a:bodyPr/>
+          <a:lstStyle/>
+          <a:p>
+            <a:r>
+              <a:rPr lang="de-DE"/>
+              <a:t>Daniel Flasch</a:t>
+            </a:r>
+            <a:endParaRPr lang="de-DE" dirty="0"/>
+          </a:p>
+        </p:txBody>
+      </p:sp>
+      <p:sp>
+        <p:nvSpPr>
+          <p:cNvPr id="6" name="Foliennummernplatzhalter 5">
+            <a:extLst>
+              <a:ext uri="{FF2B5EF4-FFF2-40B4-BE49-F238E27FC236}">
+                <a16:creationId xmlns:a16="http://schemas.microsoft.com/office/drawing/2014/main" id="{0A3B9615-9A42-4020-ABBE-BFFD4333625F}"/>
+              </a:ext>
+            </a:extLst>
+          </p:cNvPr>
+          <p:cNvSpPr>
+            <a:spLocks noGrp="1"/>
+          </p:cNvSpPr>
+          <p:nvPr>
+            <p:ph type="sldNum" sz="quarter" idx="12"/>
+          </p:nvPr>
+        </p:nvSpPr>
+        <p:spPr/>
+        <p:txBody>
+          <a:bodyPr/>
+          <a:lstStyle/>
+          <a:p>
+            <a:fld id="{4DEAFF03-B2A3-4F10-AFBA-713F9B73CAA7}" type="slidenum">
+              <a:rPr lang="de-DE" smtClean="0"/>
+              <a:t>20</a:t>
+            </a:fld>
+            <a:endParaRPr lang="de-DE"/>
+          </a:p>
+        </p:txBody>
+      </p:sp>
+      <p:sp>
+        <p:nvSpPr>
+          <p:cNvPr id="9" name="Rechteck 8">
+            <a:extLst>
+              <a:ext uri="{FF2B5EF4-FFF2-40B4-BE49-F238E27FC236}">
+                <a16:creationId xmlns:a16="http://schemas.microsoft.com/office/drawing/2014/main" id="{D53069BA-2455-49E1-8360-B8F571081120}"/>
+              </a:ext>
+            </a:extLst>
+          </p:cNvPr>
+          <p:cNvSpPr/>
+          <p:nvPr/>
+        </p:nvSpPr>
+        <p:spPr>
+          <a:xfrm>
+            <a:off x="6744930" y="2466719"/>
+            <a:ext cx="4608870" cy="369332"/>
+          </a:xfrm>
+          <a:prstGeom prst="rect">
+            <a:avLst/>
+          </a:prstGeom>
+          <a:solidFill>
+            <a:srgbClr val="FFCCCC"/>
+          </a:solidFill>
+          <a:ln>
+            <a:noFill/>
+          </a:ln>
+        </p:spPr>
+        <p:txBody>
+          <a:bodyPr wrap="square">
+            <a:spAutoFit/>
+          </a:bodyPr>
+          <a:lstStyle/>
+          <a:p>
+            <a:r>
+              <a:rPr lang="de-DE" b="1" dirty="0">
+                <a:solidFill>
+                  <a:srgbClr val="4472C4"/>
+                </a:solidFill>
+                <a:latin typeface="Source Code Pro" panose="020B0509030403020204" pitchFamily="49" charset="0"/>
+              </a:rPr>
+              <a:t>[</a:t>
+            </a:r>
+            <a:r>
+              <a:rPr lang="de-DE" dirty="0">
+                <a:solidFill>
+                  <a:srgbClr val="464646"/>
+                </a:solidFill>
+                <a:latin typeface="Source Code Pro" panose="020B0509030403020204" pitchFamily="49" charset="0"/>
+              </a:rPr>
+              <a:t>"Street"</a:t>
+            </a:r>
+            <a:r>
+              <a:rPr lang="de-DE" b="1" dirty="0">
+                <a:solidFill>
+                  <a:srgbClr val="4472C4"/>
+                </a:solidFill>
+                <a:latin typeface="Source Code Pro" panose="020B0509030403020204" pitchFamily="49" charset="0"/>
+              </a:rPr>
+              <a:t>]</a:t>
+            </a:r>
+            <a:endParaRPr lang="de-DE" dirty="0"/>
+          </a:p>
+        </p:txBody>
+      </p:sp>
+      <p:sp>
+        <p:nvSpPr>
+          <p:cNvPr id="7" name="Rechteck 6">
+            <a:extLst>
+              <a:ext uri="{FF2B5EF4-FFF2-40B4-BE49-F238E27FC236}">
+                <a16:creationId xmlns:a16="http://schemas.microsoft.com/office/drawing/2014/main" id="{D82A133D-574A-4D69-B0F6-84CE3623EFA0}"/>
+              </a:ext>
+            </a:extLst>
+          </p:cNvPr>
+          <p:cNvSpPr/>
+          <p:nvPr/>
+        </p:nvSpPr>
+        <p:spPr>
+          <a:xfrm>
+            <a:off x="1112240" y="2397948"/>
+            <a:ext cx="4983760" cy="1323439"/>
+          </a:xfrm>
+          <a:prstGeom prst="rect">
+            <a:avLst/>
+          </a:prstGeom>
+          <a:solidFill>
+            <a:schemeClr val="bg1">
+              <a:lumMod val="95000"/>
+            </a:schemeClr>
+          </a:solidFill>
+          <a:ln>
+            <a:solidFill>
+              <a:schemeClr val="bg1">
+                <a:lumMod val="85000"/>
+              </a:schemeClr>
+            </a:solidFill>
+          </a:ln>
+        </p:spPr>
+        <p:txBody>
+          <a:bodyPr wrap="square">
+            <a:spAutoFit/>
+          </a:bodyPr>
+          <a:lstStyle/>
+          <a:p>
+            <a:r>
+              <a:rPr lang="de-DE" sz="1600" b="1" dirty="0">
+                <a:solidFill>
+                  <a:srgbClr val="4472C4"/>
+                </a:solidFill>
+                <a:latin typeface="Source Code Pro" panose="020B0509030403020204" pitchFamily="49" charset="0"/>
+              </a:rPr>
+              <a:t>{</a:t>
+            </a:r>
+            <a:endParaRPr lang="de-DE" sz="1600" dirty="0">
+              <a:solidFill>
+                <a:srgbClr val="000000"/>
+              </a:solidFill>
+              <a:latin typeface="Source Code Pro" panose="020B0509030403020204" pitchFamily="49" charset="0"/>
+            </a:endParaRPr>
+          </a:p>
+          <a:p>
+            <a:r>
+              <a:rPr lang="de-DE" sz="1600" dirty="0">
+                <a:solidFill>
+                  <a:srgbClr val="000000"/>
+                </a:solidFill>
+                <a:latin typeface="Source Code Pro" panose="020B0509030403020204" pitchFamily="49" charset="0"/>
+              </a:rPr>
+              <a:t>  </a:t>
+            </a:r>
+            <a:r>
+              <a:rPr lang="de-DE" sz="1600" dirty="0">
+                <a:solidFill>
+                  <a:srgbClr val="464646"/>
+                </a:solidFill>
+                <a:latin typeface="Source Code Pro" panose="020B0509030403020204" pitchFamily="49" charset="0"/>
+              </a:rPr>
+              <a:t>"type"</a:t>
+            </a:r>
+            <a:r>
+              <a:rPr lang="de-DE" sz="1600" b="1" dirty="0">
+                <a:solidFill>
+                  <a:srgbClr val="4472C4"/>
+                </a:solidFill>
+                <a:latin typeface="Source Code Pro" panose="020B0509030403020204" pitchFamily="49" charset="0"/>
+              </a:rPr>
+              <a:t>:</a:t>
+            </a:r>
+            <a:r>
+              <a:rPr lang="de-DE" sz="1600" dirty="0">
+                <a:solidFill>
+                  <a:srgbClr val="000000"/>
+                </a:solidFill>
+                <a:latin typeface="Source Code Pro" panose="020B0509030403020204" pitchFamily="49" charset="0"/>
+              </a:rPr>
+              <a:t> </a:t>
+            </a:r>
+            <a:r>
+              <a:rPr lang="de-DE" sz="1600" dirty="0">
+                <a:solidFill>
+                  <a:srgbClr val="464646"/>
+                </a:solidFill>
+                <a:latin typeface="Source Code Pro" panose="020B0509030403020204" pitchFamily="49" charset="0"/>
+              </a:rPr>
+              <a:t>"</a:t>
+            </a:r>
+            <a:r>
+              <a:rPr lang="de-DE" sz="1600" dirty="0" err="1">
+                <a:solidFill>
+                  <a:srgbClr val="464646"/>
+                </a:solidFill>
+                <a:latin typeface="Source Code Pro" panose="020B0509030403020204" pitchFamily="49" charset="0"/>
+              </a:rPr>
+              <a:t>array</a:t>
+            </a:r>
+            <a:r>
+              <a:rPr lang="de-DE" sz="1600" dirty="0">
+                <a:solidFill>
+                  <a:srgbClr val="464646"/>
+                </a:solidFill>
+                <a:latin typeface="Source Code Pro" panose="020B0509030403020204" pitchFamily="49" charset="0"/>
+              </a:rPr>
+              <a:t>"</a:t>
+            </a:r>
+            <a:r>
+              <a:rPr lang="de-DE" sz="1600" b="1" dirty="0">
+                <a:solidFill>
+                  <a:srgbClr val="4472C4"/>
+                </a:solidFill>
+                <a:latin typeface="Source Code Pro" panose="020B0509030403020204" pitchFamily="49" charset="0"/>
+              </a:rPr>
+              <a:t>,</a:t>
+            </a:r>
+            <a:endParaRPr lang="de-DE" sz="1600" dirty="0">
+              <a:solidFill>
+                <a:srgbClr val="000000"/>
+              </a:solidFill>
+              <a:latin typeface="Source Code Pro" panose="020B0509030403020204" pitchFamily="49" charset="0"/>
+            </a:endParaRPr>
+          </a:p>
+          <a:p>
+            <a:r>
+              <a:rPr lang="de-DE" sz="1600" dirty="0">
+                <a:solidFill>
+                  <a:srgbClr val="000000"/>
+                </a:solidFill>
+                <a:latin typeface="Source Code Pro" panose="020B0509030403020204" pitchFamily="49" charset="0"/>
+              </a:rPr>
+              <a:t>  </a:t>
+            </a:r>
+            <a:r>
+              <a:rPr lang="de-DE" sz="1600" dirty="0">
+                <a:solidFill>
+                  <a:srgbClr val="464646"/>
+                </a:solidFill>
+                <a:latin typeface="Source Code Pro" panose="020B0509030403020204" pitchFamily="49" charset="0"/>
+              </a:rPr>
+              <a:t>"</a:t>
+            </a:r>
+            <a:r>
+              <a:rPr lang="de-DE" sz="1600" dirty="0" err="1">
+                <a:solidFill>
+                  <a:srgbClr val="464646"/>
+                </a:solidFill>
+                <a:latin typeface="Source Code Pro" panose="020B0509030403020204" pitchFamily="49" charset="0"/>
+              </a:rPr>
+              <a:t>minItems</a:t>
+            </a:r>
+            <a:r>
+              <a:rPr lang="de-DE" sz="1600" dirty="0">
+                <a:solidFill>
+                  <a:srgbClr val="464646"/>
+                </a:solidFill>
+                <a:latin typeface="Source Code Pro" panose="020B0509030403020204" pitchFamily="49" charset="0"/>
+              </a:rPr>
+              <a:t>"</a:t>
+            </a:r>
+            <a:r>
+              <a:rPr lang="de-DE" sz="1600" b="1" dirty="0">
+                <a:solidFill>
+                  <a:srgbClr val="4472C4"/>
+                </a:solidFill>
+                <a:latin typeface="Source Code Pro" panose="020B0509030403020204" pitchFamily="49" charset="0"/>
+              </a:rPr>
+              <a:t>:</a:t>
+            </a:r>
+            <a:r>
+              <a:rPr lang="de-DE" sz="1600" dirty="0">
+                <a:solidFill>
+                  <a:srgbClr val="000000"/>
+                </a:solidFill>
+                <a:latin typeface="Source Code Pro" panose="020B0509030403020204" pitchFamily="49" charset="0"/>
+              </a:rPr>
+              <a:t> </a:t>
+            </a:r>
+            <a:r>
+              <a:rPr lang="de-DE" sz="1600" dirty="0">
+                <a:solidFill>
+                  <a:srgbClr val="FF8000"/>
+                </a:solidFill>
+                <a:latin typeface="Source Code Pro" panose="020B0509030403020204" pitchFamily="49" charset="0"/>
+              </a:rPr>
+              <a:t>2</a:t>
+            </a:r>
+            <a:r>
+              <a:rPr lang="de-DE" sz="1600" b="1" dirty="0">
+                <a:solidFill>
+                  <a:srgbClr val="4472C4"/>
+                </a:solidFill>
+                <a:latin typeface="Source Code Pro" panose="020B0509030403020204" pitchFamily="49" charset="0"/>
+              </a:rPr>
+              <a:t>,</a:t>
+            </a:r>
+            <a:endParaRPr lang="de-DE" sz="1600" dirty="0">
+              <a:solidFill>
+                <a:srgbClr val="000000"/>
+              </a:solidFill>
+              <a:latin typeface="Source Code Pro" panose="020B0509030403020204" pitchFamily="49" charset="0"/>
+            </a:endParaRPr>
+          </a:p>
+          <a:p>
+            <a:r>
+              <a:rPr lang="de-DE" sz="1600" dirty="0">
+                <a:solidFill>
+                  <a:srgbClr val="000000"/>
+                </a:solidFill>
+                <a:latin typeface="Source Code Pro" panose="020B0509030403020204" pitchFamily="49" charset="0"/>
+              </a:rPr>
+              <a:t>  </a:t>
+            </a:r>
+            <a:r>
+              <a:rPr lang="de-DE" sz="1600" dirty="0">
+                <a:solidFill>
+                  <a:srgbClr val="464646"/>
+                </a:solidFill>
+                <a:latin typeface="Source Code Pro" panose="020B0509030403020204" pitchFamily="49" charset="0"/>
+              </a:rPr>
+              <a:t>"</a:t>
+            </a:r>
+            <a:r>
+              <a:rPr lang="de-DE" sz="1600" dirty="0" err="1">
+                <a:solidFill>
+                  <a:srgbClr val="464646"/>
+                </a:solidFill>
+                <a:latin typeface="Source Code Pro" panose="020B0509030403020204" pitchFamily="49" charset="0"/>
+              </a:rPr>
+              <a:t>maxItems</a:t>
+            </a:r>
+            <a:r>
+              <a:rPr lang="de-DE" sz="1600" dirty="0">
+                <a:solidFill>
+                  <a:srgbClr val="464646"/>
+                </a:solidFill>
+                <a:latin typeface="Source Code Pro" panose="020B0509030403020204" pitchFamily="49" charset="0"/>
+              </a:rPr>
+              <a:t>"</a:t>
+            </a:r>
+            <a:r>
+              <a:rPr lang="de-DE" sz="1600" b="1" dirty="0">
+                <a:solidFill>
+                  <a:srgbClr val="4472C4"/>
+                </a:solidFill>
+                <a:latin typeface="Source Code Pro" panose="020B0509030403020204" pitchFamily="49" charset="0"/>
+              </a:rPr>
+              <a:t>:</a:t>
+            </a:r>
+            <a:r>
+              <a:rPr lang="de-DE" sz="1600" dirty="0">
+                <a:solidFill>
+                  <a:srgbClr val="000000"/>
+                </a:solidFill>
+                <a:latin typeface="Source Code Pro" panose="020B0509030403020204" pitchFamily="49" charset="0"/>
+              </a:rPr>
+              <a:t> </a:t>
+            </a:r>
+            <a:r>
+              <a:rPr lang="de-DE" sz="1600" dirty="0">
+                <a:solidFill>
+                  <a:srgbClr val="FF8000"/>
+                </a:solidFill>
+                <a:latin typeface="Source Code Pro" panose="020B0509030403020204" pitchFamily="49" charset="0"/>
+              </a:rPr>
+              <a:t>3</a:t>
+            </a:r>
+            <a:endParaRPr lang="de-DE" sz="1600" dirty="0">
+              <a:solidFill>
+                <a:srgbClr val="000000"/>
+              </a:solidFill>
+              <a:latin typeface="Source Code Pro" panose="020B0509030403020204" pitchFamily="49" charset="0"/>
+            </a:endParaRPr>
+          </a:p>
+          <a:p>
+            <a:r>
+              <a:rPr lang="de-DE" sz="1600" b="1" dirty="0">
+                <a:solidFill>
+                  <a:srgbClr val="4472C4"/>
+                </a:solidFill>
+                <a:latin typeface="Source Code Pro" panose="020B0509030403020204" pitchFamily="49" charset="0"/>
+              </a:rPr>
+              <a:t>}</a:t>
+            </a:r>
+            <a:endParaRPr lang="de-DE" sz="1600" dirty="0"/>
+          </a:p>
+        </p:txBody>
+      </p:sp>
+      <p:sp>
+        <p:nvSpPr>
+          <p:cNvPr id="13" name="Rechteck 12">
+            <a:extLst>
+              <a:ext uri="{FF2B5EF4-FFF2-40B4-BE49-F238E27FC236}">
+                <a16:creationId xmlns:a16="http://schemas.microsoft.com/office/drawing/2014/main" id="{3E3051D5-59FA-4E83-B5FB-322CB6EBA24D}"/>
+              </a:ext>
+            </a:extLst>
+          </p:cNvPr>
+          <p:cNvSpPr/>
+          <p:nvPr/>
+        </p:nvSpPr>
+        <p:spPr>
+          <a:xfrm>
+            <a:off x="6744930" y="2873484"/>
+            <a:ext cx="4608870" cy="369332"/>
+          </a:xfrm>
+          <a:prstGeom prst="rect">
+            <a:avLst/>
+          </a:prstGeom>
+          <a:solidFill>
+            <a:schemeClr val="accent6">
+              <a:lumMod val="40000"/>
+              <a:lumOff val="60000"/>
+            </a:schemeClr>
+          </a:solidFill>
+          <a:ln>
+            <a:noFill/>
+          </a:ln>
+        </p:spPr>
+        <p:txBody>
+          <a:bodyPr wrap="square">
+            <a:spAutoFit/>
+          </a:bodyPr>
+          <a:lstStyle/>
+          <a:p>
+            <a:r>
+              <a:rPr lang="de-DE" b="1" dirty="0">
+                <a:solidFill>
+                  <a:srgbClr val="4472C4"/>
+                </a:solidFill>
+                <a:latin typeface="Source Code Pro" panose="020B0509030403020204" pitchFamily="49" charset="0"/>
+              </a:rPr>
+              <a:t>[</a:t>
+            </a:r>
+            <a:r>
+              <a:rPr lang="de-DE" dirty="0">
+                <a:solidFill>
+                  <a:srgbClr val="FF8000"/>
+                </a:solidFill>
+                <a:latin typeface="Source Code Pro" panose="020B0509030403020204" pitchFamily="49" charset="0"/>
+              </a:rPr>
+              <a:t>10</a:t>
+            </a:r>
+            <a:r>
+              <a:rPr lang="de-DE" b="1" dirty="0">
+                <a:solidFill>
+                  <a:srgbClr val="4472C4"/>
+                </a:solidFill>
+                <a:latin typeface="Source Code Pro" panose="020B0509030403020204" pitchFamily="49" charset="0"/>
+              </a:rPr>
+              <a:t>,</a:t>
+            </a:r>
+            <a:r>
+              <a:rPr lang="de-DE" dirty="0">
+                <a:solidFill>
+                  <a:srgbClr val="000000"/>
+                </a:solidFill>
+                <a:latin typeface="Source Code Pro" panose="020B0509030403020204" pitchFamily="49" charset="0"/>
+              </a:rPr>
+              <a:t> </a:t>
+            </a:r>
+            <a:r>
+              <a:rPr lang="de-DE" dirty="0">
+                <a:solidFill>
+                  <a:srgbClr val="464646"/>
+                </a:solidFill>
+                <a:latin typeface="Source Code Pro" panose="020B0509030403020204" pitchFamily="49" charset="0"/>
+              </a:rPr>
+              <a:t>"Street"</a:t>
+            </a:r>
+            <a:r>
+              <a:rPr lang="de-DE" b="1" dirty="0">
+                <a:solidFill>
+                  <a:srgbClr val="4472C4"/>
+                </a:solidFill>
+                <a:latin typeface="Source Code Pro" panose="020B0509030403020204" pitchFamily="49" charset="0"/>
+              </a:rPr>
+              <a:t>]</a:t>
+            </a:r>
+            <a:endParaRPr lang="de-DE" dirty="0">
+              <a:solidFill>
+                <a:srgbClr val="000000"/>
+              </a:solidFill>
+              <a:latin typeface="Source Code Pro" panose="020B0509030403020204" pitchFamily="49" charset="0"/>
+            </a:endParaRPr>
+          </a:p>
+        </p:txBody>
+      </p:sp>
+      <p:sp>
+        <p:nvSpPr>
+          <p:cNvPr id="14" name="Rechteck 13">
+            <a:extLst>
+              <a:ext uri="{FF2B5EF4-FFF2-40B4-BE49-F238E27FC236}">
+                <a16:creationId xmlns:a16="http://schemas.microsoft.com/office/drawing/2014/main" id="{865D7748-148C-4D02-84CA-696B29B83942}"/>
+              </a:ext>
+            </a:extLst>
+          </p:cNvPr>
+          <p:cNvSpPr/>
+          <p:nvPr/>
+        </p:nvSpPr>
+        <p:spPr>
+          <a:xfrm>
+            <a:off x="6744930" y="3287798"/>
+            <a:ext cx="4608870" cy="369332"/>
+          </a:xfrm>
+          <a:prstGeom prst="rect">
+            <a:avLst/>
+          </a:prstGeom>
+          <a:solidFill>
+            <a:schemeClr val="accent6">
+              <a:lumMod val="40000"/>
+              <a:lumOff val="60000"/>
+            </a:schemeClr>
+          </a:solidFill>
+          <a:ln>
+            <a:noFill/>
+          </a:ln>
+        </p:spPr>
+        <p:txBody>
+          <a:bodyPr wrap="square">
+            <a:spAutoFit/>
+          </a:bodyPr>
+          <a:lstStyle/>
+          <a:p>
+            <a:r>
+              <a:rPr lang="de-DE" b="1" dirty="0">
+                <a:solidFill>
+                  <a:srgbClr val="4472C4"/>
+                </a:solidFill>
+                <a:latin typeface="Source Code Pro" panose="020B0509030403020204" pitchFamily="49" charset="0"/>
+              </a:rPr>
+              <a:t>[</a:t>
+            </a:r>
+            <a:r>
+              <a:rPr lang="de-DE" dirty="0">
+                <a:solidFill>
+                  <a:srgbClr val="FF8000"/>
+                </a:solidFill>
+                <a:latin typeface="Source Code Pro" panose="020B0509030403020204" pitchFamily="49" charset="0"/>
+              </a:rPr>
+              <a:t>24</a:t>
+            </a:r>
+            <a:r>
+              <a:rPr lang="de-DE" b="1" dirty="0">
+                <a:solidFill>
+                  <a:srgbClr val="4472C4"/>
+                </a:solidFill>
+                <a:latin typeface="Source Code Pro" panose="020B0509030403020204" pitchFamily="49" charset="0"/>
+              </a:rPr>
+              <a:t>,</a:t>
+            </a:r>
+            <a:r>
+              <a:rPr lang="de-DE" dirty="0">
+                <a:solidFill>
+                  <a:srgbClr val="000000"/>
+                </a:solidFill>
+                <a:latin typeface="Source Code Pro" panose="020B0509030403020204" pitchFamily="49" charset="0"/>
+              </a:rPr>
+              <a:t> </a:t>
+            </a:r>
+            <a:r>
+              <a:rPr lang="de-DE" dirty="0">
+                <a:solidFill>
+                  <a:srgbClr val="464646"/>
+                </a:solidFill>
+                <a:latin typeface="Source Code Pro" panose="020B0509030403020204" pitchFamily="49" charset="0"/>
+              </a:rPr>
+              <a:t>"Sussex"</a:t>
+            </a:r>
+            <a:r>
+              <a:rPr lang="de-DE" b="1" dirty="0">
+                <a:solidFill>
+                  <a:srgbClr val="4472C4"/>
+                </a:solidFill>
+                <a:latin typeface="Source Code Pro" panose="020B0509030403020204" pitchFamily="49" charset="0"/>
+              </a:rPr>
+              <a:t>,</a:t>
+            </a:r>
+            <a:r>
+              <a:rPr lang="de-DE" dirty="0">
+                <a:solidFill>
+                  <a:srgbClr val="000000"/>
+                </a:solidFill>
+                <a:latin typeface="Source Code Pro" panose="020B0509030403020204" pitchFamily="49" charset="0"/>
+              </a:rPr>
+              <a:t> </a:t>
+            </a:r>
+            <a:r>
+              <a:rPr lang="de-DE" dirty="0">
+                <a:solidFill>
+                  <a:srgbClr val="464646"/>
+                </a:solidFill>
+                <a:latin typeface="Source Code Pro" panose="020B0509030403020204" pitchFamily="49" charset="0"/>
+              </a:rPr>
+              <a:t>"Drive"</a:t>
+            </a:r>
+            <a:r>
+              <a:rPr lang="de-DE" b="1" dirty="0">
+                <a:solidFill>
+                  <a:srgbClr val="4472C4"/>
+                </a:solidFill>
+                <a:latin typeface="Source Code Pro" panose="020B0509030403020204" pitchFamily="49" charset="0"/>
+              </a:rPr>
+              <a:t>]</a:t>
+            </a:r>
+            <a:endParaRPr lang="de-DE" dirty="0">
+              <a:solidFill>
+                <a:srgbClr val="000000"/>
+              </a:solidFill>
+              <a:latin typeface="Source Code Pro" panose="020B0509030403020204" pitchFamily="49" charset="0"/>
+            </a:endParaRPr>
+          </a:p>
+        </p:txBody>
+      </p:sp>
+      <p:sp>
+        <p:nvSpPr>
+          <p:cNvPr id="11" name="Rechteck 10">
+            <a:extLst>
+              <a:ext uri="{FF2B5EF4-FFF2-40B4-BE49-F238E27FC236}">
+                <a16:creationId xmlns:a16="http://schemas.microsoft.com/office/drawing/2014/main" id="{1CE1AA02-D28F-4821-A651-839CEA7BC8AE}"/>
+              </a:ext>
+            </a:extLst>
+          </p:cNvPr>
+          <p:cNvSpPr/>
+          <p:nvPr/>
+        </p:nvSpPr>
+        <p:spPr>
+          <a:xfrm>
+            <a:off x="1112240" y="4466163"/>
+            <a:ext cx="4983760" cy="1200329"/>
+          </a:xfrm>
+          <a:prstGeom prst="rect">
+            <a:avLst/>
+          </a:prstGeom>
+          <a:solidFill>
+            <a:schemeClr val="bg1">
+              <a:lumMod val="95000"/>
+            </a:schemeClr>
+          </a:solidFill>
+          <a:ln>
+            <a:solidFill>
+              <a:schemeClr val="bg1">
+                <a:lumMod val="85000"/>
+              </a:schemeClr>
+            </a:solidFill>
+          </a:ln>
+        </p:spPr>
+        <p:txBody>
+          <a:bodyPr wrap="square">
+            <a:spAutoFit/>
+          </a:bodyPr>
+          <a:lstStyle/>
+          <a:p>
+            <a:r>
+              <a:rPr lang="de-DE" b="1" dirty="0">
+                <a:solidFill>
+                  <a:srgbClr val="4472C4"/>
+                </a:solidFill>
+                <a:latin typeface="Source Code Pro" panose="020B0509030403020204" pitchFamily="49" charset="0"/>
+              </a:rPr>
+              <a:t>{</a:t>
+            </a:r>
+            <a:endParaRPr lang="de-DE" dirty="0">
+              <a:solidFill>
+                <a:srgbClr val="000000"/>
+              </a:solidFill>
+              <a:latin typeface="Source Code Pro" panose="020B0509030403020204" pitchFamily="49" charset="0"/>
+            </a:endParaRPr>
+          </a:p>
+          <a:p>
+            <a:r>
+              <a:rPr lang="de-DE" dirty="0">
+                <a:solidFill>
+                  <a:srgbClr val="000000"/>
+                </a:solidFill>
+                <a:latin typeface="Source Code Pro" panose="020B0509030403020204" pitchFamily="49" charset="0"/>
+              </a:rPr>
+              <a:t>  </a:t>
+            </a:r>
+            <a:r>
+              <a:rPr lang="de-DE" dirty="0">
+                <a:solidFill>
+                  <a:srgbClr val="464646"/>
+                </a:solidFill>
+                <a:latin typeface="Source Code Pro" panose="020B0509030403020204" pitchFamily="49" charset="0"/>
+              </a:rPr>
+              <a:t>"type"</a:t>
+            </a:r>
+            <a:r>
+              <a:rPr lang="de-DE" b="1" dirty="0">
+                <a:solidFill>
+                  <a:srgbClr val="4472C4"/>
+                </a:solidFill>
+                <a:latin typeface="Source Code Pro" panose="020B0509030403020204" pitchFamily="49" charset="0"/>
+              </a:rPr>
+              <a:t>:</a:t>
+            </a:r>
+            <a:r>
+              <a:rPr lang="de-DE" dirty="0">
+                <a:solidFill>
+                  <a:srgbClr val="000000"/>
+                </a:solidFill>
+                <a:latin typeface="Source Code Pro" panose="020B0509030403020204" pitchFamily="49" charset="0"/>
+              </a:rPr>
+              <a:t> </a:t>
+            </a:r>
+            <a:r>
+              <a:rPr lang="de-DE" dirty="0">
+                <a:solidFill>
+                  <a:srgbClr val="464646"/>
+                </a:solidFill>
+                <a:latin typeface="Source Code Pro" panose="020B0509030403020204" pitchFamily="49" charset="0"/>
+              </a:rPr>
+              <a:t>"</a:t>
+            </a:r>
+            <a:r>
+              <a:rPr lang="de-DE" dirty="0" err="1">
+                <a:solidFill>
+                  <a:srgbClr val="464646"/>
+                </a:solidFill>
+                <a:latin typeface="Source Code Pro" panose="020B0509030403020204" pitchFamily="49" charset="0"/>
+              </a:rPr>
+              <a:t>array</a:t>
+            </a:r>
+            <a:r>
+              <a:rPr lang="de-DE" dirty="0">
+                <a:solidFill>
+                  <a:srgbClr val="464646"/>
+                </a:solidFill>
+                <a:latin typeface="Source Code Pro" panose="020B0509030403020204" pitchFamily="49" charset="0"/>
+              </a:rPr>
+              <a:t>"</a:t>
+            </a:r>
+            <a:r>
+              <a:rPr lang="de-DE" b="1" dirty="0">
+                <a:solidFill>
+                  <a:srgbClr val="4472C4"/>
+                </a:solidFill>
+                <a:latin typeface="Source Code Pro" panose="020B0509030403020204" pitchFamily="49" charset="0"/>
+              </a:rPr>
+              <a:t>,</a:t>
+            </a:r>
+            <a:endParaRPr lang="de-DE" dirty="0">
+              <a:solidFill>
+                <a:srgbClr val="000000"/>
+              </a:solidFill>
+              <a:latin typeface="Source Code Pro" panose="020B0509030403020204" pitchFamily="49" charset="0"/>
+            </a:endParaRPr>
+          </a:p>
+          <a:p>
+            <a:r>
+              <a:rPr lang="de-DE" dirty="0">
+                <a:solidFill>
+                  <a:srgbClr val="000000"/>
+                </a:solidFill>
+                <a:latin typeface="Source Code Pro" panose="020B0509030403020204" pitchFamily="49" charset="0"/>
+              </a:rPr>
+              <a:t>  </a:t>
+            </a:r>
+            <a:r>
+              <a:rPr lang="de-DE" dirty="0">
+                <a:solidFill>
+                  <a:srgbClr val="464646"/>
+                </a:solidFill>
+                <a:latin typeface="Source Code Pro" panose="020B0509030403020204" pitchFamily="49" charset="0"/>
+              </a:rPr>
+              <a:t>"</a:t>
+            </a:r>
+            <a:r>
+              <a:rPr lang="de-DE" dirty="0" err="1">
+                <a:solidFill>
+                  <a:srgbClr val="464646"/>
+                </a:solidFill>
+                <a:latin typeface="Source Code Pro" panose="020B0509030403020204" pitchFamily="49" charset="0"/>
+              </a:rPr>
+              <a:t>uniqueItems</a:t>
+            </a:r>
+            <a:r>
+              <a:rPr lang="de-DE" dirty="0">
+                <a:solidFill>
+                  <a:srgbClr val="464646"/>
+                </a:solidFill>
+                <a:latin typeface="Source Code Pro" panose="020B0509030403020204" pitchFamily="49" charset="0"/>
+              </a:rPr>
+              <a:t>"</a:t>
+            </a:r>
+            <a:r>
+              <a:rPr lang="de-DE" b="1" dirty="0">
+                <a:solidFill>
+                  <a:srgbClr val="4472C4"/>
+                </a:solidFill>
+                <a:latin typeface="Source Code Pro" panose="020B0509030403020204" pitchFamily="49" charset="0"/>
+              </a:rPr>
+              <a:t>:</a:t>
+            </a:r>
+            <a:r>
+              <a:rPr lang="de-DE" dirty="0">
+                <a:solidFill>
+                  <a:srgbClr val="000000"/>
+                </a:solidFill>
+                <a:latin typeface="Source Code Pro" panose="020B0509030403020204" pitchFamily="49" charset="0"/>
+              </a:rPr>
+              <a:t> </a:t>
+            </a:r>
+            <a:r>
+              <a:rPr lang="de-DE" b="1" dirty="0" err="1">
+                <a:solidFill>
+                  <a:srgbClr val="0000FF"/>
+                </a:solidFill>
+                <a:latin typeface="Source Code Pro" panose="020B0509030403020204" pitchFamily="49" charset="0"/>
+              </a:rPr>
+              <a:t>true</a:t>
+            </a:r>
+            <a:endParaRPr lang="de-DE" dirty="0">
+              <a:solidFill>
+                <a:srgbClr val="000000"/>
+              </a:solidFill>
+              <a:latin typeface="Source Code Pro" panose="020B0509030403020204" pitchFamily="49" charset="0"/>
+            </a:endParaRPr>
+          </a:p>
+          <a:p>
+            <a:r>
+              <a:rPr lang="de-DE" b="1" dirty="0">
+                <a:solidFill>
+                  <a:srgbClr val="4472C4"/>
+                </a:solidFill>
+                <a:latin typeface="Source Code Pro" panose="020B0509030403020204" pitchFamily="49" charset="0"/>
+              </a:rPr>
+              <a:t>}</a:t>
+            </a:r>
+            <a:endParaRPr lang="de-DE" dirty="0"/>
+          </a:p>
+        </p:txBody>
+      </p:sp>
+      <p:sp>
+        <p:nvSpPr>
+          <p:cNvPr id="16" name="Rechteck 15">
+            <a:extLst>
+              <a:ext uri="{FF2B5EF4-FFF2-40B4-BE49-F238E27FC236}">
+                <a16:creationId xmlns:a16="http://schemas.microsoft.com/office/drawing/2014/main" id="{4D12402B-0C4D-40DD-A142-A5C26DDD375A}"/>
+              </a:ext>
+            </a:extLst>
+          </p:cNvPr>
+          <p:cNvSpPr/>
+          <p:nvPr/>
+        </p:nvSpPr>
+        <p:spPr>
+          <a:xfrm>
+            <a:off x="6744930" y="4479001"/>
+            <a:ext cx="4608870" cy="369332"/>
+          </a:xfrm>
+          <a:prstGeom prst="rect">
+            <a:avLst/>
+          </a:prstGeom>
+          <a:solidFill>
+            <a:srgbClr val="FFCCCC"/>
+          </a:solidFill>
+          <a:ln>
+            <a:noFill/>
+          </a:ln>
+        </p:spPr>
+        <p:txBody>
+          <a:bodyPr wrap="square">
+            <a:spAutoFit/>
+          </a:bodyPr>
+          <a:lstStyle/>
+          <a:p>
+            <a:r>
+              <a:rPr lang="de-DE" b="1" dirty="0">
+                <a:solidFill>
+                  <a:srgbClr val="4472C4"/>
+                </a:solidFill>
+                <a:latin typeface="Source Code Pro" panose="020B0509030403020204" pitchFamily="49" charset="0"/>
+              </a:rPr>
+              <a:t>[</a:t>
+            </a:r>
+            <a:r>
+              <a:rPr lang="de-DE" dirty="0">
+                <a:solidFill>
+                  <a:srgbClr val="FF8000"/>
+                </a:solidFill>
+                <a:latin typeface="Source Code Pro" panose="020B0509030403020204" pitchFamily="49" charset="0"/>
+              </a:rPr>
+              <a:t>1</a:t>
+            </a:r>
+            <a:r>
+              <a:rPr lang="de-DE" b="1" dirty="0">
+                <a:solidFill>
+                  <a:srgbClr val="4472C4"/>
+                </a:solidFill>
+                <a:latin typeface="Source Code Pro" panose="020B0509030403020204" pitchFamily="49" charset="0"/>
+              </a:rPr>
+              <a:t>,</a:t>
+            </a:r>
+            <a:r>
+              <a:rPr lang="de-DE" dirty="0">
+                <a:solidFill>
+                  <a:srgbClr val="FF8000"/>
+                </a:solidFill>
+                <a:latin typeface="Source Code Pro" panose="020B0509030403020204" pitchFamily="49" charset="0"/>
+              </a:rPr>
+              <a:t>1</a:t>
+            </a:r>
+            <a:r>
+              <a:rPr lang="de-DE" b="1" dirty="0">
+                <a:solidFill>
+                  <a:srgbClr val="4472C4"/>
+                </a:solidFill>
+                <a:latin typeface="Source Code Pro" panose="020B0509030403020204" pitchFamily="49" charset="0"/>
+              </a:rPr>
+              <a:t>]</a:t>
+            </a:r>
+            <a:endParaRPr lang="de-DE" dirty="0"/>
+          </a:p>
+        </p:txBody>
+      </p:sp>
+      <p:sp>
+        <p:nvSpPr>
+          <p:cNvPr id="17" name="Rechteck 16">
+            <a:extLst>
+              <a:ext uri="{FF2B5EF4-FFF2-40B4-BE49-F238E27FC236}">
+                <a16:creationId xmlns:a16="http://schemas.microsoft.com/office/drawing/2014/main" id="{E434DDF9-2595-46A1-BD6E-EFEDFCE2A87C}"/>
+              </a:ext>
+            </a:extLst>
+          </p:cNvPr>
+          <p:cNvSpPr/>
+          <p:nvPr/>
+        </p:nvSpPr>
+        <p:spPr>
+          <a:xfrm>
+            <a:off x="6744930" y="4885766"/>
+            <a:ext cx="4608870" cy="369332"/>
+          </a:xfrm>
+          <a:prstGeom prst="rect">
+            <a:avLst/>
+          </a:prstGeom>
+          <a:solidFill>
+            <a:schemeClr val="accent6">
+              <a:lumMod val="40000"/>
+              <a:lumOff val="60000"/>
+            </a:schemeClr>
+          </a:solidFill>
+          <a:ln>
+            <a:noFill/>
+          </a:ln>
+        </p:spPr>
+        <p:txBody>
+          <a:bodyPr wrap="square">
+            <a:spAutoFit/>
+          </a:bodyPr>
+          <a:lstStyle/>
+          <a:p>
+            <a:r>
+              <a:rPr lang="de-DE" b="1" dirty="0">
+                <a:solidFill>
+                  <a:srgbClr val="4472C4"/>
+                </a:solidFill>
+                <a:latin typeface="Source Code Pro" panose="020B0509030403020204" pitchFamily="49" charset="0"/>
+              </a:rPr>
+              <a:t>[</a:t>
+            </a:r>
+            <a:r>
+              <a:rPr lang="de-DE" dirty="0">
+                <a:solidFill>
+                  <a:srgbClr val="FF8000"/>
+                </a:solidFill>
+                <a:latin typeface="Source Code Pro" panose="020B0509030403020204" pitchFamily="49" charset="0"/>
+              </a:rPr>
+              <a:t>1</a:t>
+            </a:r>
+            <a:r>
+              <a:rPr lang="de-DE" b="1" dirty="0">
+                <a:solidFill>
+                  <a:srgbClr val="4472C4"/>
+                </a:solidFill>
+                <a:latin typeface="Source Code Pro" panose="020B0509030403020204" pitchFamily="49" charset="0"/>
+              </a:rPr>
+              <a:t>,</a:t>
+            </a:r>
+            <a:r>
+              <a:rPr lang="de-DE" dirty="0">
+                <a:solidFill>
+                  <a:srgbClr val="FF8000"/>
+                </a:solidFill>
+                <a:latin typeface="Source Code Pro" panose="020B0509030403020204" pitchFamily="49" charset="0"/>
+              </a:rPr>
+              <a:t>2</a:t>
+            </a:r>
+            <a:r>
+              <a:rPr lang="de-DE" b="1" dirty="0">
+                <a:solidFill>
+                  <a:srgbClr val="4472C4"/>
+                </a:solidFill>
+                <a:latin typeface="Source Code Pro" panose="020B0509030403020204" pitchFamily="49" charset="0"/>
+              </a:rPr>
+              <a:t>]</a:t>
+            </a:r>
+            <a:endParaRPr lang="de-DE" dirty="0">
+              <a:solidFill>
+                <a:srgbClr val="000000"/>
+              </a:solidFill>
+              <a:latin typeface="Source Code Pro" panose="020B0509030403020204" pitchFamily="49" charset="0"/>
+            </a:endParaRPr>
+          </a:p>
+        </p:txBody>
+      </p:sp>
+    </p:spTree>
+    <p:extLst>
+      <p:ext uri="{BB962C8B-B14F-4D97-AF65-F5344CB8AC3E}">
+        <p14:creationId xmlns:p14="http://schemas.microsoft.com/office/powerpoint/2010/main" val="1991531182"/>
+      </p:ext>
+    </p:extLst>
+  </p:cSld>
+  <p:clrMapOvr>
+    <a:masterClrMapping/>
+  </p:clrMapOvr>
+</p:sld>
+</file>
+
+<file path=ppt/slides/slide22.xml><?xml version="1.0" encoding="utf-8"?>
+<p:sld xmlns:a="http://schemas.openxmlformats.org/drawingml/2006/main" xmlns:r="http://schemas.openxmlformats.org/officeDocument/2006/relationships" xmlns:p="http://schemas.openxmlformats.org/presentationml/2006/main">
+  <p:cSld>
+    <p:spTree>
+      <p:nvGrpSpPr>
+        <p:cNvPr id="1" name=""/>
+        <p:cNvGrpSpPr/>
+        <p:nvPr/>
+      </p:nvGrpSpPr>
+      <p:grpSpPr>
+        <a:xfrm>
+          <a:off x="0" y="0"/>
+          <a:ext cx="0" cy="0"/>
+          <a:chOff x="0" y="0"/>
+          <a:chExt cx="0" cy="0"/>
+        </a:xfrm>
+      </p:grpSpPr>
+      <p:sp>
+        <p:nvSpPr>
+          <p:cNvPr id="2" name="Titel 1">
+            <a:extLst>
+              <a:ext uri="{FF2B5EF4-FFF2-40B4-BE49-F238E27FC236}">
+                <a16:creationId xmlns:a16="http://schemas.microsoft.com/office/drawing/2014/main" id="{263B568C-3395-4B3C-80D7-E8AF938BCCCC}"/>
+              </a:ext>
+            </a:extLst>
+          </p:cNvPr>
+          <p:cNvSpPr>
+            <a:spLocks noGrp="1"/>
+          </p:cNvSpPr>
+          <p:nvPr>
+            <p:ph type="title"/>
+          </p:nvPr>
+        </p:nvSpPr>
+        <p:spPr/>
+        <p:txBody>
+          <a:bodyPr/>
+          <a:lstStyle/>
+          <a:p>
+            <a:r>
+              <a:rPr lang="de-DE" dirty="0"/>
+              <a:t>Komplexe Wertebereiche</a:t>
+            </a:r>
+          </a:p>
+        </p:txBody>
+      </p:sp>
+      <p:sp>
+        <p:nvSpPr>
+          <p:cNvPr id="3" name="Inhaltsplatzhalter 2">
+            <a:extLst>
+              <a:ext uri="{FF2B5EF4-FFF2-40B4-BE49-F238E27FC236}">
+                <a16:creationId xmlns:a16="http://schemas.microsoft.com/office/drawing/2014/main" id="{CBF494EF-36B2-44DD-92ED-0034DFBAA22F}"/>
+              </a:ext>
+            </a:extLst>
+          </p:cNvPr>
+          <p:cNvSpPr>
+            <a:spLocks noGrp="1"/>
+          </p:cNvSpPr>
+          <p:nvPr>
+            <p:ph idx="1"/>
+          </p:nvPr>
+        </p:nvSpPr>
+        <p:spPr>
+          <a:xfrm>
+            <a:off x="838200" y="1825625"/>
+            <a:ext cx="10515600" cy="4351338"/>
+          </a:xfrm>
+        </p:spPr>
+        <p:txBody>
+          <a:bodyPr/>
+          <a:lstStyle/>
+          <a:p>
+            <a:r>
+              <a:rPr lang="de-DE" dirty="0" err="1"/>
+              <a:t>allOf</a:t>
+            </a:r>
+            <a:r>
+              <a:rPr lang="de-DE" dirty="0"/>
+              <a:t>/</a:t>
+            </a:r>
+            <a:r>
+              <a:rPr lang="de-DE" dirty="0" err="1"/>
+              <a:t>anyOf</a:t>
+            </a:r>
+            <a:r>
+              <a:rPr lang="de-DE" dirty="0"/>
+              <a:t>/</a:t>
+            </a:r>
+            <a:r>
+              <a:rPr lang="de-DE" dirty="0" err="1"/>
+              <a:t>oneOf</a:t>
+            </a:r>
+            <a:r>
+              <a:rPr lang="de-DE" dirty="0"/>
+              <a:t>/not</a:t>
+            </a:r>
+          </a:p>
+        </p:txBody>
+      </p:sp>
+      <p:sp>
+        <p:nvSpPr>
+          <p:cNvPr id="4" name="Datumsplatzhalter 3">
+            <a:extLst>
+              <a:ext uri="{FF2B5EF4-FFF2-40B4-BE49-F238E27FC236}">
+                <a16:creationId xmlns:a16="http://schemas.microsoft.com/office/drawing/2014/main" id="{25837733-F8B3-4C3E-A803-5F05F95FB3DC}"/>
+              </a:ext>
+            </a:extLst>
+          </p:cNvPr>
+          <p:cNvSpPr>
+            <a:spLocks noGrp="1"/>
+          </p:cNvSpPr>
+          <p:nvPr>
+            <p:ph type="dt" sz="half" idx="10"/>
+          </p:nvPr>
+        </p:nvSpPr>
+        <p:spPr/>
+        <p:txBody>
+          <a:bodyPr/>
+          <a:lstStyle/>
+          <a:p>
+            <a:fld id="{CFFA1D88-5C5F-47BF-8575-62828799C3D3}" type="datetime1">
+              <a:rPr lang="de-DE" smtClean="0"/>
+              <a:t>09.12.2017</a:t>
+            </a:fld>
+            <a:endParaRPr lang="de-DE" dirty="0"/>
+          </a:p>
+        </p:txBody>
+      </p:sp>
+      <p:sp>
+        <p:nvSpPr>
+          <p:cNvPr id="5" name="Fußzeilenplatzhalter 4">
+            <a:extLst>
+              <a:ext uri="{FF2B5EF4-FFF2-40B4-BE49-F238E27FC236}">
+                <a16:creationId xmlns:a16="http://schemas.microsoft.com/office/drawing/2014/main" id="{37F17228-D4D8-4BBB-A244-7340EF0FE22B}"/>
+              </a:ext>
+            </a:extLst>
+          </p:cNvPr>
+          <p:cNvSpPr>
+            <a:spLocks noGrp="1"/>
+          </p:cNvSpPr>
+          <p:nvPr>
+            <p:ph type="ftr" sz="quarter" idx="11"/>
+          </p:nvPr>
+        </p:nvSpPr>
+        <p:spPr/>
+        <p:txBody>
+          <a:bodyPr/>
+          <a:lstStyle/>
+          <a:p>
+            <a:r>
+              <a:rPr lang="de-DE"/>
+              <a:t>Daniel Flasch</a:t>
+            </a:r>
+            <a:endParaRPr lang="de-DE" dirty="0"/>
+          </a:p>
+        </p:txBody>
+      </p:sp>
+      <p:sp>
+        <p:nvSpPr>
+          <p:cNvPr id="6" name="Foliennummernplatzhalter 5">
+            <a:extLst>
+              <a:ext uri="{FF2B5EF4-FFF2-40B4-BE49-F238E27FC236}">
+                <a16:creationId xmlns:a16="http://schemas.microsoft.com/office/drawing/2014/main" id="{0A3B9615-9A42-4020-ABBE-BFFD4333625F}"/>
+              </a:ext>
+            </a:extLst>
+          </p:cNvPr>
+          <p:cNvSpPr>
+            <a:spLocks noGrp="1"/>
+          </p:cNvSpPr>
+          <p:nvPr>
+            <p:ph type="sldNum" sz="quarter" idx="12"/>
+          </p:nvPr>
+        </p:nvSpPr>
+        <p:spPr/>
+        <p:txBody>
+          <a:bodyPr/>
+          <a:lstStyle/>
+          <a:p>
+            <a:fld id="{4DEAFF03-B2A3-4F10-AFBA-713F9B73CAA7}" type="slidenum">
+              <a:rPr lang="de-DE" smtClean="0"/>
+              <a:t>21</a:t>
             </a:fld>
             <a:endParaRPr lang="de-DE"/>
           </a:p>
@@ -14103,7 +16565,7 @@
 </p:sld>
 </file>
 
-<file path=ppt/slides/slide21.xml><?xml version="1.0" encoding="utf-8"?>
+<file path=ppt/slides/slide23.xml><?xml version="1.0" encoding="utf-8"?>
 <p:sld xmlns:a="http://schemas.openxmlformats.org/drawingml/2006/main" xmlns:r="http://schemas.openxmlformats.org/officeDocument/2006/relationships" xmlns:p="http://schemas.openxmlformats.org/presentationml/2006/main">
   <p:cSld>
     <p:spTree>
@@ -14284,15 +16746,7 @@
             </a:r>
             <a:r>
               <a:rPr lang="de-DE" dirty="0"/>
-              <a:t>, hinter der die </a:t>
-            </a:r>
-            <a:r>
-              <a:rPr lang="de-DE" dirty="0" err="1"/>
-              <a:t>Defintion</a:t>
-            </a:r>
-            <a:r>
-              <a:rPr lang="de-DE" dirty="0"/>
-              <a:t> liegt</a:t>
+              <a:t>, hinter der die Definition liegt</a:t>
             </a:r>
           </a:p>
           <a:p>
@@ -14384,7 +16838,7 @@
           <a:p>
             <a:fld id="{4DEAFF03-B2A3-4F10-AFBA-713F9B73CAA7}" type="slidenum">
               <a:rPr lang="de-DE" smtClean="0"/>
-              <a:t>20</a:t>
+              <a:t>22</a:t>
             </a:fld>
             <a:endParaRPr lang="de-DE"/>
           </a:p>
@@ -14572,7 +17026,7 @@
 </p:sld>
 </file>
 
-<file path=ppt/slides/slide22.xml><?xml version="1.0" encoding="utf-8"?>
+<file path=ppt/slides/slide24.xml><?xml version="1.0" encoding="utf-8"?>
 <p:sld xmlns:a="http://schemas.openxmlformats.org/drawingml/2006/main" xmlns:r="http://schemas.openxmlformats.org/officeDocument/2006/relationships" xmlns:p="http://schemas.openxmlformats.org/presentationml/2006/main">
   <p:cSld>
     <p:spTree>
@@ -14698,7 +17152,7 @@
           <a:p>
             <a:fld id="{4DEAFF03-B2A3-4F10-AFBA-713F9B73CAA7}" type="slidenum">
               <a:rPr lang="de-DE" smtClean="0"/>
-              <a:t>21</a:t>
+              <a:t>23</a:t>
             </a:fld>
             <a:endParaRPr lang="de-DE"/>
           </a:p>
@@ -17074,7 +19528,7 @@
 </p:sld>
 </file>
 
-<file path=ppt/slides/slide23.xml><?xml version="1.0" encoding="utf-8"?>
+<file path=ppt/slides/slide25.xml><?xml version="1.0" encoding="utf-8"?>
 <p:sld xmlns:a="http://schemas.openxmlformats.org/drawingml/2006/main" xmlns:r="http://schemas.openxmlformats.org/officeDocument/2006/relationships" xmlns:p="http://schemas.openxmlformats.org/presentationml/2006/main">
   <p:cSld>
     <p:spTree>
@@ -17214,7 +19668,7 @@
 </p:sld>
 </file>
 
-<file path=ppt/slides/slide24.xml><?xml version="1.0" encoding="utf-8"?>
+<file path=ppt/slides/slide26.xml><?xml version="1.0" encoding="utf-8"?>
 <p:sld xmlns:a="http://schemas.openxmlformats.org/drawingml/2006/main" xmlns:r="http://schemas.openxmlformats.org/officeDocument/2006/relationships" xmlns:p="http://schemas.openxmlformats.org/presentationml/2006/main">
   <p:cSld>
     <p:spTree>
@@ -17254,7 +19708,7 @@
           <a:p>
             <a:r>
               <a:rPr lang="de-DE" dirty="0"/>
-              <a:t>Link zur Präsentation</a:t>
+              <a:t>Links</a:t>
             </a:r>
           </a:p>
         </p:txBody>
@@ -17281,39 +19735,78 @@
           <a:lstStyle/>
           <a:p>
             <a:r>
-              <a:rPr lang="de-DE" b="1" dirty="0">
+              <a:rPr lang="de-DE" b="1" dirty="0"/>
+              <a:t>Präsentation</a:t>
+            </a:r>
+          </a:p>
+          <a:p>
+            <a:pPr lvl="1"/>
+            <a:r>
+              <a:rPr lang="de-DE" dirty="0">
                 <a:hlinkClick r:id="rId2"/>
               </a:rPr>
               <a:t>https://git.io/vbBcw</a:t>
             </a:r>
             <a:r>
+              <a:rPr lang="de-DE" dirty="0"/>
+              <a:t> (PowerPoint)</a:t>
+            </a:r>
+          </a:p>
+          <a:p>
+            <a:pPr lvl="1"/>
+            <a:r>
+              <a:rPr lang="de-DE" dirty="0">
+                <a:hlinkClick r:id="rId3"/>
+              </a:rPr>
+              <a:t>https://git.io/vbBcA</a:t>
+            </a:r>
+            <a:r>
+              <a:rPr lang="de-DE" dirty="0"/>
+              <a:t> (PDF)</a:t>
+            </a:r>
+          </a:p>
+          <a:p>
+            <a:r>
               <a:rPr lang="de-DE" b="1" dirty="0"/>
-              <a:t> (</a:t>
-            </a:r>
-            <a:r>
-              <a:rPr lang="de-DE" b="1" dirty="0" err="1"/>
-              <a:t>Powerpoint</a:t>
-            </a:r>
+              <a:t>Übungsseite</a:t>
+            </a:r>
+          </a:p>
+          <a:p>
+            <a:pPr lvl="1"/>
+            <a:r>
+              <a:rPr lang="de-DE"/>
+              <a:t>194.95.221.248:8080</a:t>
+            </a:r>
+            <a:endParaRPr lang="de-DE" dirty="0"/>
+          </a:p>
+          <a:p>
             <a:r>
               <a:rPr lang="de-DE" b="1" dirty="0"/>
-              <a:t>)</a:t>
-            </a:r>
-          </a:p>
-          <a:p>
-            <a:r>
-              <a:rPr lang="de-DE" b="1" dirty="0">
-                <a:hlinkClick r:id="rId3"/>
-              </a:rPr>
-              <a:t>https://git.io/vbBcA</a:t>
-            </a:r>
-            <a:r>
-              <a:rPr lang="de-DE" b="1" dirty="0"/>
-              <a:t> (PDF)</a:t>
+              <a:t>Quellen</a:t>
+            </a:r>
+          </a:p>
+          <a:p>
+            <a:pPr lvl="1"/>
+            <a:r>
+              <a:rPr lang="de-DE" dirty="0">
+                <a:hlinkClick r:id="rId4"/>
+              </a:rPr>
+              <a:t>http://json-schema.org/</a:t>
+            </a:r>
+          </a:p>
+          <a:p>
+            <a:pPr lvl="1"/>
+            <a:r>
+              <a:rPr lang="de-DE" dirty="0">
+                <a:hlinkClick r:id="rId4"/>
+              </a:rPr>
+              <a:t>https://spacetelescope.github.io/understanding-json-schema/</a:t>
             </a:r>
             <a:endParaRPr lang="de-DE" dirty="0"/>
           </a:p>
           <a:p>
-            <a:endParaRPr lang="de-DE" dirty="0"/>
+            <a:pPr lvl="1"/>
+            <a:endParaRPr lang="de-DE" b="1" dirty="0"/>
           </a:p>
         </p:txBody>
       </p:sp>
@@ -17340,7 +19833,7 @@
           <a:p>
             <a:fld id="{CFFA1D88-5C5F-47BF-8575-62828799C3D3}" type="datetime1">
               <a:rPr lang="de-DE" smtClean="0"/>
-              <a:t>09.12.2017</a:t>
+              <a:t>10.12.2017</a:t>
             </a:fld>
             <a:endParaRPr lang="de-DE" dirty="0"/>
           </a:p>
@@ -17398,7 +19891,7 @@
           <a:p>
             <a:fld id="{4DEAFF03-B2A3-4F10-AFBA-713F9B73CAA7}" type="slidenum">
               <a:rPr lang="de-DE" smtClean="0"/>
-              <a:t>23</a:t>
+              <a:t>25</a:t>
             </a:fld>
             <a:endParaRPr lang="de-DE"/>
           </a:p>
@@ -17408,193 +19901,6 @@
     <p:extLst>
       <p:ext uri="{BB962C8B-B14F-4D97-AF65-F5344CB8AC3E}">
         <p14:creationId xmlns:p14="http://schemas.microsoft.com/office/powerpoint/2010/main" val="1299120610"/>
-      </p:ext>
-    </p:extLst>
-  </p:cSld>
-  <p:clrMapOvr>
-    <a:masterClrMapping/>
-  </p:clrMapOvr>
-</p:sld>
-</file>
-
-<file path=ppt/slides/slide25.xml><?xml version="1.0" encoding="utf-8"?>
-<p:sld xmlns:a="http://schemas.openxmlformats.org/drawingml/2006/main" xmlns:r="http://schemas.openxmlformats.org/officeDocument/2006/relationships" xmlns:p="http://schemas.openxmlformats.org/presentationml/2006/main">
-  <p:cSld>
-    <p:spTree>
-      <p:nvGrpSpPr>
-        <p:cNvPr id="1" name=""/>
-        <p:cNvGrpSpPr/>
-        <p:nvPr/>
-      </p:nvGrpSpPr>
-      <p:grpSpPr>
-        <a:xfrm>
-          <a:off x="0" y="0"/>
-          <a:ext cx="0" cy="0"/>
-          <a:chOff x="0" y="0"/>
-          <a:chExt cx="0" cy="0"/>
-        </a:xfrm>
-      </p:grpSpPr>
-      <p:sp>
-        <p:nvSpPr>
-          <p:cNvPr id="2" name="Titel 1">
-            <a:extLst>
-              <a:ext uri="{FF2B5EF4-FFF2-40B4-BE49-F238E27FC236}">
-                <a16:creationId xmlns:a16="http://schemas.microsoft.com/office/drawing/2014/main" id="{263B568C-3395-4B3C-80D7-E8AF938BCCCC}"/>
-              </a:ext>
-            </a:extLst>
-          </p:cNvPr>
-          <p:cNvSpPr>
-            <a:spLocks noGrp="1"/>
-          </p:cNvSpPr>
-          <p:nvPr>
-            <p:ph type="title"/>
-          </p:nvPr>
-        </p:nvSpPr>
-        <p:spPr/>
-        <p:txBody>
-          <a:bodyPr/>
-          <a:lstStyle/>
-          <a:p>
-            <a:r>
-              <a:rPr lang="de-DE" dirty="0"/>
-              <a:t>Quellen</a:t>
-            </a:r>
-          </a:p>
-        </p:txBody>
-      </p:sp>
-      <p:sp>
-        <p:nvSpPr>
-          <p:cNvPr id="3" name="Inhaltsplatzhalter 2">
-            <a:extLst>
-              <a:ext uri="{FF2B5EF4-FFF2-40B4-BE49-F238E27FC236}">
-                <a16:creationId xmlns:a16="http://schemas.microsoft.com/office/drawing/2014/main" id="{4D16E770-B7EC-4A78-BCD9-0A5FFBF67064}"/>
-              </a:ext>
-            </a:extLst>
-          </p:cNvPr>
-          <p:cNvSpPr>
-            <a:spLocks noGrp="1"/>
-          </p:cNvSpPr>
-          <p:nvPr>
-            <p:ph idx="1"/>
-          </p:nvPr>
-        </p:nvSpPr>
-        <p:spPr/>
-        <p:txBody>
-          <a:bodyPr/>
-          <a:lstStyle/>
-          <a:p>
-            <a:r>
-              <a:rPr lang="de-DE" b="1" dirty="0">
-                <a:hlinkClick r:id="rId2"/>
-              </a:rPr>
-              <a:t>http://json-schema.org/</a:t>
-            </a:r>
-          </a:p>
-          <a:p>
-            <a:r>
-              <a:rPr lang="de-DE" b="1" dirty="0">
-                <a:hlinkClick r:id="rId2"/>
-              </a:rPr>
-              <a:t>https://spacetelescope.github.io/understanding-json-schema/</a:t>
-            </a:r>
-            <a:endParaRPr lang="de-DE" b="1" dirty="0"/>
-          </a:p>
-          <a:p>
-            <a:endParaRPr lang="de-DE" dirty="0"/>
-          </a:p>
-        </p:txBody>
-      </p:sp>
-      <p:sp>
-        <p:nvSpPr>
-          <p:cNvPr id="4" name="Datumsplatzhalter 3">
-            <a:extLst>
-              <a:ext uri="{FF2B5EF4-FFF2-40B4-BE49-F238E27FC236}">
-                <a16:creationId xmlns:a16="http://schemas.microsoft.com/office/drawing/2014/main" id="{25837733-F8B3-4C3E-A803-5F05F95FB3DC}"/>
-              </a:ext>
-            </a:extLst>
-          </p:cNvPr>
-          <p:cNvSpPr>
-            <a:spLocks noGrp="1"/>
-          </p:cNvSpPr>
-          <p:nvPr>
-            <p:ph type="dt" sz="half" idx="10"/>
-          </p:nvPr>
-        </p:nvSpPr>
-        <p:spPr/>
-        <p:txBody>
-          <a:bodyPr/>
-          <a:lstStyle/>
-          <a:p>
-            <a:fld id="{CFFA1D88-5C5F-47BF-8575-62828799C3D3}" type="datetime1">
-              <a:rPr lang="de-DE" smtClean="0"/>
-              <a:t>09.12.2017</a:t>
-            </a:fld>
-            <a:endParaRPr lang="de-DE" dirty="0"/>
-          </a:p>
-        </p:txBody>
-      </p:sp>
-      <p:sp>
-        <p:nvSpPr>
-          <p:cNvPr id="5" name="Fußzeilenplatzhalter 4">
-            <a:extLst>
-              <a:ext uri="{FF2B5EF4-FFF2-40B4-BE49-F238E27FC236}">
-                <a16:creationId xmlns:a16="http://schemas.microsoft.com/office/drawing/2014/main" id="{37F17228-D4D8-4BBB-A244-7340EF0FE22B}"/>
-              </a:ext>
-            </a:extLst>
-          </p:cNvPr>
-          <p:cNvSpPr>
-            <a:spLocks noGrp="1"/>
-          </p:cNvSpPr>
-          <p:nvPr>
-            <p:ph type="ftr" sz="quarter" idx="11"/>
-          </p:nvPr>
-        </p:nvSpPr>
-        <p:spPr/>
-        <p:txBody>
-          <a:bodyPr/>
-          <a:lstStyle/>
-          <a:p>
-            <a:r>
-              <a:rPr lang="de-DE"/>
-              <a:t>Daniel Flasch</a:t>
-            </a:r>
-            <a:endParaRPr lang="de-DE" dirty="0"/>
-          </a:p>
-        </p:txBody>
-      </p:sp>
-      <p:sp>
-        <p:nvSpPr>
-          <p:cNvPr id="6" name="Foliennummernplatzhalter 5">
-            <a:extLst>
-              <a:ext uri="{FF2B5EF4-FFF2-40B4-BE49-F238E27FC236}">
-                <a16:creationId xmlns:a16="http://schemas.microsoft.com/office/drawing/2014/main" id="{0A3B9615-9A42-4020-ABBE-BFFD4333625F}"/>
-              </a:ext>
-            </a:extLst>
-          </p:cNvPr>
-          <p:cNvSpPr>
-            <a:spLocks noGrp="1"/>
-          </p:cNvSpPr>
-          <p:nvPr>
-            <p:ph type="sldNum" sz="quarter" idx="12"/>
-          </p:nvPr>
-        </p:nvSpPr>
-        <p:spPr/>
-        <p:txBody>
-          <a:bodyPr/>
-          <a:lstStyle/>
-          <a:p>
-            <a:fld id="{4DEAFF03-B2A3-4F10-AFBA-713F9B73CAA7}" type="slidenum">
-              <a:rPr lang="de-DE" smtClean="0"/>
-              <a:t>24</a:t>
-            </a:fld>
-            <a:endParaRPr lang="de-DE"/>
-          </a:p>
-        </p:txBody>
-      </p:sp>
-    </p:spTree>
-    <p:extLst>
-      <p:ext uri="{BB962C8B-B14F-4D97-AF65-F5344CB8AC3E}">
-        <p14:creationId xmlns:p14="http://schemas.microsoft.com/office/powerpoint/2010/main" val="3345162938"/>
       </p:ext>
     </p:extLst>
   </p:cSld>

--- a/doc/json-schema.pptx
+++ b/doc/json-schema.pptx
@@ -5,7 +5,7 @@
     <p:sldMasterId id="2147483672" r:id="rId1"/>
   </p:sldMasterIdLst>
   <p:notesMasterIdLst>
-    <p:notesMasterId r:id="rId28"/>
+    <p:notesMasterId r:id="rId29"/>
   </p:notesMasterIdLst>
   <p:sldIdLst>
     <p:sldId id="256" r:id="rId2"/>
@@ -17,23 +17,24 @@
     <p:sldId id="267" r:id="rId8"/>
     <p:sldId id="263" r:id="rId9"/>
     <p:sldId id="260" r:id="rId10"/>
-    <p:sldId id="269" r:id="rId11"/>
-    <p:sldId id="271" r:id="rId12"/>
+    <p:sldId id="271" r:id="rId11"/>
+    <p:sldId id="269" r:id="rId12"/>
     <p:sldId id="272" r:id="rId13"/>
     <p:sldId id="270" r:id="rId14"/>
     <p:sldId id="273" r:id="rId15"/>
-    <p:sldId id="274" r:id="rId16"/>
-    <p:sldId id="275" r:id="rId17"/>
-    <p:sldId id="277" r:id="rId18"/>
+    <p:sldId id="287" r:id="rId16"/>
+    <p:sldId id="277" r:id="rId17"/>
+    <p:sldId id="275" r:id="rId18"/>
     <p:sldId id="261" r:id="rId19"/>
     <p:sldId id="279" r:id="rId20"/>
     <p:sldId id="285" r:id="rId21"/>
     <p:sldId id="286" r:id="rId22"/>
-    <p:sldId id="283" r:id="rId23"/>
-    <p:sldId id="280" r:id="rId24"/>
-    <p:sldId id="282" r:id="rId25"/>
-    <p:sldId id="262" r:id="rId26"/>
-    <p:sldId id="278" r:id="rId27"/>
+    <p:sldId id="274" r:id="rId23"/>
+    <p:sldId id="283" r:id="rId24"/>
+    <p:sldId id="280" r:id="rId25"/>
+    <p:sldId id="282" r:id="rId26"/>
+    <p:sldId id="262" r:id="rId27"/>
+    <p:sldId id="278" r:id="rId28"/>
   </p:sldIdLst>
   <p:sldSz cx="12192000" cy="6858000"/>
   <p:notesSz cx="6858000" cy="9144000"/>
@@ -140,6 +141,10 @@
 </p:presentation>
 </file>
 
+<file path=ppt/revisionInfo.xml><?xml version="1.0" encoding="utf-8"?>
+<p1510:revInfo xmlns:a="http://schemas.openxmlformats.org/drawingml/2006/main" xmlns:r="http://schemas.openxmlformats.org/officeDocument/2006/relationships" xmlns:p1510="http://schemas.microsoft.com/office/powerpoint/2015/10/main"/>
+</file>
+
 <file path=ppt/notesMasters/notesMaster1.xml><?xml version="1.0" encoding="utf-8"?>
 <p:notesMaster xmlns:a="http://schemas.openxmlformats.org/drawingml/2006/main" xmlns:r="http://schemas.openxmlformats.org/officeDocument/2006/relationships" xmlns:p="http://schemas.openxmlformats.org/presentationml/2006/main">
   <p:cSld>
@@ -222,7 +227,7 @@
           <a:p>
             <a:fld id="{66AE48A6-2BD7-4373-9B8D-C243D320A5D9}" type="datetimeFigureOut">
               <a:rPr lang="de-DE" smtClean="0"/>
-              <a:t>09.12.2017</a:t>
+              <a:t>18.12.2017</a:t>
             </a:fld>
             <a:endParaRPr lang="de-DE"/>
           </a:p>
@@ -636,7 +641,7 @@
           <a:p>
             <a:fld id="{081718CF-EE8B-4489-BA50-EC1EA1D74E8C}" type="datetime1">
               <a:rPr lang="de-DE" smtClean="0"/>
-              <a:t>09.12.2017</a:t>
+              <a:t>18.12.2017</a:t>
             </a:fld>
             <a:endParaRPr lang="de-DE"/>
           </a:p>
@@ -837,7 +842,7 @@
           <a:p>
             <a:fld id="{48533E6A-F7F2-4896-906B-8D624C2521FB}" type="datetime1">
               <a:rPr lang="de-DE" smtClean="0"/>
-              <a:t>09.12.2017</a:t>
+              <a:t>18.12.2017</a:t>
             </a:fld>
             <a:endParaRPr lang="de-DE"/>
           </a:p>
@@ -1048,7 +1053,7 @@
           <a:p>
             <a:fld id="{0B8C9FA4-F483-403B-B061-C6EE1DC5EF92}" type="datetime1">
               <a:rPr lang="de-DE" smtClean="0"/>
-              <a:t>09.12.2017</a:t>
+              <a:t>18.12.2017</a:t>
             </a:fld>
             <a:endParaRPr lang="de-DE"/>
           </a:p>
@@ -1253,7 +1258,7 @@
           <a:p>
             <a:fld id="{CFFA1D88-5C5F-47BF-8575-62828799C3D3}" type="datetime1">
               <a:rPr lang="de-DE" smtClean="0"/>
-              <a:t>09.12.2017</a:t>
+              <a:t>18.12.2017</a:t>
             </a:fld>
             <a:endParaRPr lang="de-DE" dirty="0"/>
           </a:p>
@@ -1536,7 +1541,7 @@
           <a:p>
             <a:fld id="{E06CA64C-9B1F-4326-9756-9ADDA1F0A39B}" type="datetime1">
               <a:rPr lang="de-DE" smtClean="0"/>
-              <a:t>09.12.2017</a:t>
+              <a:t>18.12.2017</a:t>
             </a:fld>
             <a:endParaRPr lang="de-DE"/>
           </a:p>
@@ -1804,7 +1809,7 @@
           <a:p>
             <a:fld id="{B06AA607-FF8A-4A0F-80E6-A90B5C9A1C1F}" type="datetime1">
               <a:rPr lang="de-DE" smtClean="0"/>
-              <a:t>09.12.2017</a:t>
+              <a:t>18.12.2017</a:t>
             </a:fld>
             <a:endParaRPr lang="de-DE"/>
           </a:p>
@@ -2219,7 +2224,7 @@
           <a:p>
             <a:fld id="{36721FA2-04D8-4535-AA7E-74B6181A61CF}" type="datetime1">
               <a:rPr lang="de-DE" smtClean="0"/>
-              <a:t>09.12.2017</a:t>
+              <a:t>18.12.2017</a:t>
             </a:fld>
             <a:endParaRPr lang="de-DE"/>
           </a:p>
@@ -2363,7 +2368,7 @@
           <a:p>
             <a:fld id="{27E9B48D-B4C0-46D0-A33C-4B3D16FF0ADE}" type="datetime1">
               <a:rPr lang="de-DE" smtClean="0"/>
-              <a:t>09.12.2017</a:t>
+              <a:t>18.12.2017</a:t>
             </a:fld>
             <a:endParaRPr lang="de-DE"/>
           </a:p>
@@ -2479,7 +2484,7 @@
           <a:p>
             <a:fld id="{A2BCF44F-2C4B-4059-B358-C87915A4D7A6}" type="datetime1">
               <a:rPr lang="de-DE" smtClean="0"/>
-              <a:t>09.12.2017</a:t>
+              <a:t>18.12.2017</a:t>
             </a:fld>
             <a:endParaRPr lang="de-DE"/>
           </a:p>
@@ -2793,7 +2798,7 @@
           <a:p>
             <a:fld id="{A38E6C66-2C8A-4AD6-98C6-C4F7D6717788}" type="datetime1">
               <a:rPr lang="de-DE" smtClean="0"/>
-              <a:t>09.12.2017</a:t>
+              <a:t>18.12.2017</a:t>
             </a:fld>
             <a:endParaRPr lang="de-DE"/>
           </a:p>
@@ -3084,7 +3089,7 @@
           <a:p>
             <a:fld id="{CF3F24FE-2C25-4A90-8822-2C56E89E37D5}" type="datetime1">
               <a:rPr lang="de-DE" smtClean="0"/>
-              <a:t>09.12.2017</a:t>
+              <a:t>18.12.2017</a:t>
             </a:fld>
             <a:endParaRPr lang="de-DE"/>
           </a:p>
@@ -3328,7 +3333,7 @@
           <a:p>
             <a:fld id="{E4FAED62-8317-4D89-BBB8-9283B5996A8F}" type="datetime1">
               <a:rPr lang="de-DE" smtClean="0"/>
-              <a:t>09.12.2017</a:t>
+              <a:t>18.12.2017</a:t>
             </a:fld>
             <a:endParaRPr lang="de-DE"/>
           </a:p>
@@ -3967,8 +3972,101 @@
           <a:p>
             <a:r>
               <a:rPr lang="de-DE" dirty="0"/>
-              <a:t>Einfachstes Schema</a:t>
-            </a:r>
+              <a:t>Deklarationen und Metadaten</a:t>
+            </a:r>
+          </a:p>
+        </p:txBody>
+      </p:sp>
+      <p:sp>
+        <p:nvSpPr>
+          <p:cNvPr id="7" name="Inhaltsplatzhalter 6">
+            <a:extLst>
+              <a:ext uri="{FF2B5EF4-FFF2-40B4-BE49-F238E27FC236}">
+                <a16:creationId xmlns:a16="http://schemas.microsoft.com/office/drawing/2014/main" id="{8176E04B-1248-4A9E-B98A-06495C5525A0}"/>
+              </a:ext>
+            </a:extLst>
+          </p:cNvPr>
+          <p:cNvSpPr>
+            <a:spLocks noGrp="1"/>
+          </p:cNvSpPr>
+          <p:nvPr>
+            <p:ph idx="1"/>
+          </p:nvPr>
+        </p:nvSpPr>
+        <p:spPr/>
+        <p:txBody>
+          <a:bodyPr/>
+          <a:lstStyle/>
+          <a:p>
+            <a:r>
+              <a:rPr lang="de-DE" dirty="0"/>
+              <a:t>Sind </a:t>
+            </a:r>
+            <a:r>
+              <a:rPr lang="de-DE" b="1" dirty="0"/>
+              <a:t>optional</a:t>
+            </a:r>
+          </a:p>
+          <a:p>
+            <a:r>
+              <a:rPr lang="de-DE" b="1" dirty="0"/>
+              <a:t>$</a:t>
+            </a:r>
+            <a:r>
+              <a:rPr lang="de-DE" b="1" dirty="0" err="1"/>
+              <a:t>schema</a:t>
+            </a:r>
+            <a:r>
+              <a:rPr lang="de-DE" b="1" dirty="0"/>
+              <a:t> </a:t>
+            </a:r>
+            <a:r>
+              <a:rPr lang="de-DE" dirty="0"/>
+              <a:t>beschreibt die Schema-Version </a:t>
+            </a:r>
+          </a:p>
+          <a:p>
+            <a:r>
+              <a:rPr lang="de-DE" b="1" dirty="0"/>
+              <a:t>$</a:t>
+            </a:r>
+            <a:r>
+              <a:rPr lang="de-DE" b="1" dirty="0" err="1"/>
+              <a:t>id</a:t>
+            </a:r>
+            <a:r>
+              <a:rPr lang="de-DE" b="1" dirty="0"/>
+              <a:t> </a:t>
+            </a:r>
+            <a:r>
+              <a:rPr lang="de-DE" dirty="0"/>
+              <a:t>dient als Identifizierung </a:t>
+            </a:r>
+          </a:p>
+          <a:p>
+            <a:r>
+              <a:rPr lang="de-DE" b="1" dirty="0"/>
+              <a:t>title </a:t>
+            </a:r>
+            <a:r>
+              <a:rPr lang="de-DE" dirty="0"/>
+              <a:t>gibt Schema einen Titel</a:t>
+            </a:r>
+          </a:p>
+          <a:p>
+            <a:r>
+              <a:rPr lang="de-DE" b="1" dirty="0" err="1"/>
+              <a:t>description</a:t>
+            </a:r>
+            <a:r>
+              <a:rPr lang="de-DE" b="1" dirty="0"/>
+              <a:t> </a:t>
+            </a:r>
+            <a:r>
+              <a:rPr lang="de-DE" dirty="0"/>
+              <a:t>beschreibt das Schema genauer</a:t>
+            </a:r>
+            <a:endParaRPr lang="de-DE" b="1" dirty="0"/>
           </a:p>
         </p:txBody>
       </p:sp>
@@ -3995,7 +4093,7 @@
           <a:p>
             <a:fld id="{CFFA1D88-5C5F-47BF-8575-62828799C3D3}" type="datetime1">
               <a:rPr lang="de-DE" smtClean="0"/>
-              <a:t>09.12.2017</a:t>
+              <a:t>18.12.2017</a:t>
             </a:fld>
             <a:endParaRPr lang="de-DE" dirty="0"/>
           </a:p>
@@ -4054,6 +4152,588 @@
             <a:fld id="{4DEAFF03-B2A3-4F10-AFBA-713F9B73CAA7}" type="slidenum">
               <a:rPr lang="de-DE" smtClean="0"/>
               <a:t>9</a:t>
+            </a:fld>
+            <a:endParaRPr lang="de-DE"/>
+          </a:p>
+        </p:txBody>
+      </p:sp>
+      <p:sp>
+        <p:nvSpPr>
+          <p:cNvPr id="3" name="Rechteck 2">
+            <a:extLst>
+              <a:ext uri="{FF2B5EF4-FFF2-40B4-BE49-F238E27FC236}">
+                <a16:creationId xmlns:a16="http://schemas.microsoft.com/office/drawing/2014/main" id="{4CE1EC56-76AD-4776-8EBF-D9EDCC2551F9}"/>
+              </a:ext>
+            </a:extLst>
+          </p:cNvPr>
+          <p:cNvSpPr/>
+          <p:nvPr/>
+        </p:nvSpPr>
+        <p:spPr>
+          <a:xfrm>
+            <a:off x="838200" y="4442301"/>
+            <a:ext cx="7934632" cy="1754326"/>
+          </a:xfrm>
+          <a:prstGeom prst="rect">
+            <a:avLst/>
+          </a:prstGeom>
+          <a:solidFill>
+            <a:schemeClr val="bg1">
+              <a:lumMod val="95000"/>
+            </a:schemeClr>
+          </a:solidFill>
+          <a:ln>
+            <a:solidFill>
+              <a:schemeClr val="bg1">
+                <a:lumMod val="85000"/>
+              </a:schemeClr>
+            </a:solidFill>
+          </a:ln>
+        </p:spPr>
+        <p:txBody>
+          <a:bodyPr wrap="square">
+            <a:spAutoFit/>
+          </a:bodyPr>
+          <a:lstStyle/>
+          <a:p>
+            <a:r>
+              <a:rPr lang="de-DE" b="1" dirty="0">
+                <a:solidFill>
+                  <a:srgbClr val="4472C4"/>
+                </a:solidFill>
+                <a:latin typeface="Source Code Pro" panose="020B0509030403020204" pitchFamily="49" charset="0"/>
+              </a:rPr>
+              <a:t>{</a:t>
+            </a:r>
+            <a:r>
+              <a:rPr lang="de-DE" dirty="0">
+                <a:solidFill>
+                  <a:srgbClr val="000000"/>
+                </a:solidFill>
+                <a:latin typeface="Source Code Pro" panose="020B0509030403020204" pitchFamily="49" charset="0"/>
+              </a:rPr>
+              <a:t> </a:t>
+            </a:r>
+          </a:p>
+          <a:p>
+            <a:r>
+              <a:rPr lang="de-DE" dirty="0">
+                <a:solidFill>
+                  <a:srgbClr val="000000"/>
+                </a:solidFill>
+                <a:latin typeface="Source Code Pro" panose="020B0509030403020204" pitchFamily="49" charset="0"/>
+              </a:rPr>
+              <a:t>  </a:t>
+            </a:r>
+            <a:r>
+              <a:rPr lang="de-DE" dirty="0">
+                <a:solidFill>
+                  <a:srgbClr val="464646"/>
+                </a:solidFill>
+                <a:latin typeface="Source Code Pro" panose="020B0509030403020204" pitchFamily="49" charset="0"/>
+              </a:rPr>
+              <a:t>"$</a:t>
+            </a:r>
+            <a:r>
+              <a:rPr lang="de-DE" dirty="0" err="1">
+                <a:solidFill>
+                  <a:srgbClr val="464646"/>
+                </a:solidFill>
+                <a:latin typeface="Source Code Pro" panose="020B0509030403020204" pitchFamily="49" charset="0"/>
+              </a:rPr>
+              <a:t>schema</a:t>
+            </a:r>
+            <a:r>
+              <a:rPr lang="de-DE" dirty="0">
+                <a:solidFill>
+                  <a:srgbClr val="464646"/>
+                </a:solidFill>
+                <a:latin typeface="Source Code Pro" panose="020B0509030403020204" pitchFamily="49" charset="0"/>
+              </a:rPr>
+              <a:t>"</a:t>
+            </a:r>
+            <a:r>
+              <a:rPr lang="de-DE" b="1" dirty="0">
+                <a:solidFill>
+                  <a:srgbClr val="4472C4"/>
+                </a:solidFill>
+                <a:latin typeface="Source Code Pro" panose="020B0509030403020204" pitchFamily="49" charset="0"/>
+              </a:rPr>
+              <a:t>:</a:t>
+            </a:r>
+            <a:r>
+              <a:rPr lang="de-DE" dirty="0">
+                <a:solidFill>
+                  <a:srgbClr val="000000"/>
+                </a:solidFill>
+                <a:latin typeface="Source Code Pro" panose="020B0509030403020204" pitchFamily="49" charset="0"/>
+              </a:rPr>
+              <a:t> </a:t>
+            </a:r>
+            <a:r>
+              <a:rPr lang="de-DE" dirty="0">
+                <a:solidFill>
+                  <a:srgbClr val="464646"/>
+                </a:solidFill>
+                <a:latin typeface="Source Code Pro" panose="020B0509030403020204" pitchFamily="49" charset="0"/>
+              </a:rPr>
+              <a:t>"</a:t>
+            </a:r>
+            <a:r>
+              <a:rPr lang="de-DE" u="sng" dirty="0">
+                <a:solidFill>
+                  <a:srgbClr val="464646"/>
+                </a:solidFill>
+                <a:latin typeface="Source Code Pro" panose="020B0509030403020204" pitchFamily="49" charset="0"/>
+              </a:rPr>
+              <a:t>http://json-schema.org/</a:t>
+            </a:r>
+            <a:r>
+              <a:rPr lang="de-DE" u="sng" dirty="0" err="1">
+                <a:solidFill>
+                  <a:srgbClr val="464646"/>
+                </a:solidFill>
+                <a:latin typeface="Source Code Pro" panose="020B0509030403020204" pitchFamily="49" charset="0"/>
+              </a:rPr>
+              <a:t>schema</a:t>
+            </a:r>
+            <a:r>
+              <a:rPr lang="de-DE" u="sng" dirty="0">
+                <a:solidFill>
+                  <a:srgbClr val="464646"/>
+                </a:solidFill>
+                <a:latin typeface="Source Code Pro" panose="020B0509030403020204" pitchFamily="49" charset="0"/>
+              </a:rPr>
+              <a:t>#</a:t>
+            </a:r>
+            <a:r>
+              <a:rPr lang="de-DE" dirty="0">
+                <a:solidFill>
+                  <a:srgbClr val="464646"/>
+                </a:solidFill>
+                <a:latin typeface="Source Code Pro" panose="020B0509030403020204" pitchFamily="49" charset="0"/>
+              </a:rPr>
+              <a:t>"</a:t>
+            </a:r>
+            <a:r>
+              <a:rPr lang="de-DE" b="1" dirty="0">
+                <a:solidFill>
+                  <a:srgbClr val="4472C4"/>
+                </a:solidFill>
+                <a:latin typeface="Source Code Pro" panose="020B0509030403020204" pitchFamily="49" charset="0"/>
+              </a:rPr>
+              <a:t>,</a:t>
+            </a:r>
+            <a:r>
+              <a:rPr lang="de-DE" dirty="0">
+                <a:solidFill>
+                  <a:srgbClr val="000000"/>
+                </a:solidFill>
+                <a:latin typeface="Source Code Pro" panose="020B0509030403020204" pitchFamily="49" charset="0"/>
+              </a:rPr>
+              <a:t> </a:t>
+            </a:r>
+          </a:p>
+          <a:p>
+            <a:r>
+              <a:rPr lang="de-DE" dirty="0">
+                <a:solidFill>
+                  <a:srgbClr val="000000"/>
+                </a:solidFill>
+                <a:latin typeface="Source Code Pro" panose="020B0509030403020204" pitchFamily="49" charset="0"/>
+              </a:rPr>
+              <a:t>  </a:t>
+            </a:r>
+            <a:r>
+              <a:rPr lang="de-DE" dirty="0">
+                <a:solidFill>
+                  <a:srgbClr val="464646"/>
+                </a:solidFill>
+                <a:latin typeface="Source Code Pro" panose="020B0509030403020204" pitchFamily="49" charset="0"/>
+              </a:rPr>
+              <a:t>"$</a:t>
+            </a:r>
+            <a:r>
+              <a:rPr lang="de-DE" dirty="0" err="1">
+                <a:solidFill>
+                  <a:srgbClr val="464646"/>
+                </a:solidFill>
+                <a:latin typeface="Source Code Pro" panose="020B0509030403020204" pitchFamily="49" charset="0"/>
+              </a:rPr>
+              <a:t>id</a:t>
+            </a:r>
+            <a:r>
+              <a:rPr lang="de-DE" dirty="0">
+                <a:solidFill>
+                  <a:srgbClr val="464646"/>
+                </a:solidFill>
+                <a:latin typeface="Source Code Pro" panose="020B0509030403020204" pitchFamily="49" charset="0"/>
+              </a:rPr>
+              <a:t>"</a:t>
+            </a:r>
+            <a:r>
+              <a:rPr lang="de-DE" b="1" dirty="0">
+                <a:solidFill>
+                  <a:srgbClr val="4472C4"/>
+                </a:solidFill>
+                <a:latin typeface="Source Code Pro" panose="020B0509030403020204" pitchFamily="49" charset="0"/>
+              </a:rPr>
+              <a:t>:</a:t>
+            </a:r>
+            <a:r>
+              <a:rPr lang="de-DE" dirty="0">
+                <a:solidFill>
+                  <a:srgbClr val="000000"/>
+                </a:solidFill>
+                <a:latin typeface="Source Code Pro" panose="020B0509030403020204" pitchFamily="49" charset="0"/>
+              </a:rPr>
+              <a:t> </a:t>
+            </a:r>
+            <a:r>
+              <a:rPr lang="de-DE" dirty="0">
+                <a:solidFill>
+                  <a:srgbClr val="464646"/>
+                </a:solidFill>
+                <a:latin typeface="Source Code Pro" panose="020B0509030403020204" pitchFamily="49" charset="0"/>
+              </a:rPr>
+              <a:t>"</a:t>
+            </a:r>
+            <a:r>
+              <a:rPr lang="de-DE" u="sng" dirty="0">
+                <a:solidFill>
+                  <a:srgbClr val="464646"/>
+                </a:solidFill>
+                <a:latin typeface="Source Code Pro" panose="020B0509030403020204" pitchFamily="49" charset="0"/>
+              </a:rPr>
+              <a:t>http://yourdomain.com/</a:t>
+            </a:r>
+            <a:r>
+              <a:rPr lang="de-DE" u="sng" dirty="0" err="1">
+                <a:solidFill>
+                  <a:srgbClr val="464646"/>
+                </a:solidFill>
+                <a:latin typeface="Source Code Pro" panose="020B0509030403020204" pitchFamily="49" charset="0"/>
+              </a:rPr>
+              <a:t>schemas</a:t>
+            </a:r>
+            <a:r>
+              <a:rPr lang="de-DE" u="sng" dirty="0">
+                <a:solidFill>
+                  <a:srgbClr val="464646"/>
+                </a:solidFill>
+                <a:latin typeface="Source Code Pro" panose="020B0509030403020204" pitchFamily="49" charset="0"/>
+              </a:rPr>
+              <a:t>/</a:t>
+            </a:r>
+            <a:r>
+              <a:rPr lang="de-DE" u="sng" dirty="0" err="1">
+                <a:solidFill>
+                  <a:srgbClr val="464646"/>
+                </a:solidFill>
+                <a:latin typeface="Source Code Pro" panose="020B0509030403020204" pitchFamily="49" charset="0"/>
+              </a:rPr>
+              <a:t>myschema.json</a:t>
+            </a:r>
+            <a:r>
+              <a:rPr lang="de-DE" dirty="0">
+                <a:solidFill>
+                  <a:srgbClr val="464646"/>
+                </a:solidFill>
+                <a:latin typeface="Source Code Pro" panose="020B0509030403020204" pitchFamily="49" charset="0"/>
+              </a:rPr>
+              <a:t>"</a:t>
+            </a:r>
+            <a:r>
+              <a:rPr lang="de-DE" b="1" dirty="0">
+                <a:solidFill>
+                  <a:srgbClr val="4472C4"/>
+                </a:solidFill>
+                <a:latin typeface="Source Code Pro" panose="020B0509030403020204" pitchFamily="49" charset="0"/>
+              </a:rPr>
+              <a:t>,</a:t>
+            </a:r>
+            <a:endParaRPr lang="de-DE" dirty="0">
+              <a:solidFill>
+                <a:srgbClr val="000000"/>
+              </a:solidFill>
+              <a:latin typeface="Source Code Pro" panose="020B0509030403020204" pitchFamily="49" charset="0"/>
+            </a:endParaRPr>
+          </a:p>
+          <a:p>
+            <a:r>
+              <a:rPr lang="en-US" dirty="0">
+                <a:solidFill>
+                  <a:srgbClr val="000000"/>
+                </a:solidFill>
+                <a:latin typeface="Source Code Pro" panose="020B0509030403020204" pitchFamily="49" charset="0"/>
+              </a:rPr>
+              <a:t>  </a:t>
+            </a:r>
+            <a:r>
+              <a:rPr lang="en-US" dirty="0">
+                <a:solidFill>
+                  <a:srgbClr val="464646"/>
+                </a:solidFill>
+                <a:latin typeface="Source Code Pro" panose="020B0509030403020204" pitchFamily="49" charset="0"/>
+              </a:rPr>
+              <a:t>"title"</a:t>
+            </a:r>
+            <a:r>
+              <a:rPr lang="en-US" b="1" dirty="0">
+                <a:solidFill>
+                  <a:srgbClr val="4472C4"/>
+                </a:solidFill>
+                <a:latin typeface="Source Code Pro" panose="020B0509030403020204" pitchFamily="49" charset="0"/>
+              </a:rPr>
+              <a:t>:</a:t>
+            </a:r>
+            <a:r>
+              <a:rPr lang="en-US" dirty="0">
+                <a:solidFill>
+                  <a:srgbClr val="000000"/>
+                </a:solidFill>
+                <a:latin typeface="Source Code Pro" panose="020B0509030403020204" pitchFamily="49" charset="0"/>
+              </a:rPr>
+              <a:t> </a:t>
+            </a:r>
+            <a:r>
+              <a:rPr lang="en-US" dirty="0">
+                <a:solidFill>
+                  <a:srgbClr val="464646"/>
+                </a:solidFill>
+                <a:latin typeface="Source Code Pro" panose="020B0509030403020204" pitchFamily="49" charset="0"/>
+              </a:rPr>
+              <a:t>"some title for your schema"</a:t>
+            </a:r>
+            <a:r>
+              <a:rPr lang="en-US" b="1" dirty="0">
+                <a:solidFill>
+                  <a:srgbClr val="4472C4"/>
+                </a:solidFill>
+                <a:latin typeface="Source Code Pro" panose="020B0509030403020204" pitchFamily="49" charset="0"/>
+              </a:rPr>
+              <a:t>,</a:t>
+            </a:r>
+            <a:r>
+              <a:rPr lang="en-US" dirty="0">
+                <a:solidFill>
+                  <a:srgbClr val="000000"/>
+                </a:solidFill>
+                <a:latin typeface="Source Code Pro" panose="020B0509030403020204" pitchFamily="49" charset="0"/>
+              </a:rPr>
+              <a:t> </a:t>
+            </a:r>
+          </a:p>
+          <a:p>
+            <a:r>
+              <a:rPr lang="en-US" dirty="0">
+                <a:solidFill>
+                  <a:srgbClr val="000000"/>
+                </a:solidFill>
+                <a:latin typeface="Source Code Pro" panose="020B0509030403020204" pitchFamily="49" charset="0"/>
+              </a:rPr>
+              <a:t>  </a:t>
+            </a:r>
+            <a:r>
+              <a:rPr lang="en-US" dirty="0">
+                <a:solidFill>
+                  <a:srgbClr val="464646"/>
+                </a:solidFill>
+                <a:latin typeface="Source Code Pro" panose="020B0509030403020204" pitchFamily="49" charset="0"/>
+              </a:rPr>
+              <a:t>"description"</a:t>
+            </a:r>
+            <a:r>
+              <a:rPr lang="en-US" b="1" dirty="0">
+                <a:solidFill>
+                  <a:srgbClr val="4472C4"/>
+                </a:solidFill>
+                <a:latin typeface="Source Code Pro" panose="020B0509030403020204" pitchFamily="49" charset="0"/>
+              </a:rPr>
+              <a:t>:</a:t>
+            </a:r>
+            <a:r>
+              <a:rPr lang="en-US" dirty="0">
+                <a:solidFill>
+                  <a:srgbClr val="000000"/>
+                </a:solidFill>
+                <a:latin typeface="Source Code Pro" panose="020B0509030403020204" pitchFamily="49" charset="0"/>
+              </a:rPr>
+              <a:t> </a:t>
+            </a:r>
+            <a:r>
+              <a:rPr lang="en-US" dirty="0">
+                <a:solidFill>
+                  <a:srgbClr val="464646"/>
+                </a:solidFill>
+                <a:latin typeface="Source Code Pro" panose="020B0509030403020204" pitchFamily="49" charset="0"/>
+              </a:rPr>
+              <a:t>"place to describe schema"</a:t>
+            </a:r>
+            <a:r>
+              <a:rPr lang="en-US" dirty="0">
+                <a:solidFill>
+                  <a:srgbClr val="000000"/>
+                </a:solidFill>
+                <a:latin typeface="Source Code Pro" panose="020B0509030403020204" pitchFamily="49" charset="0"/>
+              </a:rPr>
+              <a:t> </a:t>
+            </a:r>
+          </a:p>
+          <a:p>
+            <a:r>
+              <a:rPr lang="de-DE" b="1" dirty="0">
+                <a:solidFill>
+                  <a:srgbClr val="4472C4"/>
+                </a:solidFill>
+                <a:latin typeface="Source Code Pro" panose="020B0509030403020204" pitchFamily="49" charset="0"/>
+              </a:rPr>
+              <a:t>}</a:t>
+            </a:r>
+            <a:endParaRPr lang="de-DE" dirty="0"/>
+          </a:p>
+        </p:txBody>
+      </p:sp>
+    </p:spTree>
+    <p:extLst>
+      <p:ext uri="{BB962C8B-B14F-4D97-AF65-F5344CB8AC3E}">
+        <p14:creationId xmlns:p14="http://schemas.microsoft.com/office/powerpoint/2010/main" val="4075196223"/>
+      </p:ext>
+    </p:extLst>
+  </p:cSld>
+  <p:clrMapOvr>
+    <a:masterClrMapping/>
+  </p:clrMapOvr>
+</p:sld>
+</file>
+
+<file path=ppt/slides/slide11.xml><?xml version="1.0" encoding="utf-8"?>
+<p:sld xmlns:a="http://schemas.openxmlformats.org/drawingml/2006/main" xmlns:r="http://schemas.openxmlformats.org/officeDocument/2006/relationships" xmlns:p="http://schemas.openxmlformats.org/presentationml/2006/main">
+  <p:cSld>
+    <p:spTree>
+      <p:nvGrpSpPr>
+        <p:cNvPr id="1" name=""/>
+        <p:cNvGrpSpPr/>
+        <p:nvPr/>
+      </p:nvGrpSpPr>
+      <p:grpSpPr>
+        <a:xfrm>
+          <a:off x="0" y="0"/>
+          <a:ext cx="0" cy="0"/>
+          <a:chOff x="0" y="0"/>
+          <a:chExt cx="0" cy="0"/>
+        </a:xfrm>
+      </p:grpSpPr>
+      <p:sp>
+        <p:nvSpPr>
+          <p:cNvPr id="2" name="Titel 1">
+            <a:extLst>
+              <a:ext uri="{FF2B5EF4-FFF2-40B4-BE49-F238E27FC236}">
+                <a16:creationId xmlns:a16="http://schemas.microsoft.com/office/drawing/2014/main" id="{263B568C-3395-4B3C-80D7-E8AF938BCCCC}"/>
+              </a:ext>
+            </a:extLst>
+          </p:cNvPr>
+          <p:cNvSpPr>
+            <a:spLocks noGrp="1"/>
+          </p:cNvSpPr>
+          <p:nvPr>
+            <p:ph type="title"/>
+          </p:nvPr>
+        </p:nvSpPr>
+        <p:spPr/>
+        <p:txBody>
+          <a:bodyPr/>
+          <a:lstStyle/>
+          <a:p>
+            <a:r>
+              <a:rPr lang="de-DE" dirty="0"/>
+              <a:t>Einfachstes Schema</a:t>
+            </a:r>
+          </a:p>
+        </p:txBody>
+      </p:sp>
+      <p:sp>
+        <p:nvSpPr>
+          <p:cNvPr id="4" name="Datumsplatzhalter 3">
+            <a:extLst>
+              <a:ext uri="{FF2B5EF4-FFF2-40B4-BE49-F238E27FC236}">
+                <a16:creationId xmlns:a16="http://schemas.microsoft.com/office/drawing/2014/main" id="{25837733-F8B3-4C3E-A803-5F05F95FB3DC}"/>
+              </a:ext>
+            </a:extLst>
+          </p:cNvPr>
+          <p:cNvSpPr>
+            <a:spLocks noGrp="1"/>
+          </p:cNvSpPr>
+          <p:nvPr>
+            <p:ph type="dt" sz="half" idx="10"/>
+          </p:nvPr>
+        </p:nvSpPr>
+        <p:spPr/>
+        <p:txBody>
+          <a:bodyPr/>
+          <a:lstStyle/>
+          <a:p>
+            <a:fld id="{CFFA1D88-5C5F-47BF-8575-62828799C3D3}" type="datetime1">
+              <a:rPr lang="de-DE" smtClean="0"/>
+              <a:t>18.12.2017</a:t>
+            </a:fld>
+            <a:endParaRPr lang="de-DE" dirty="0"/>
+          </a:p>
+        </p:txBody>
+      </p:sp>
+      <p:sp>
+        <p:nvSpPr>
+          <p:cNvPr id="5" name="Fußzeilenplatzhalter 4">
+            <a:extLst>
+              <a:ext uri="{FF2B5EF4-FFF2-40B4-BE49-F238E27FC236}">
+                <a16:creationId xmlns:a16="http://schemas.microsoft.com/office/drawing/2014/main" id="{37F17228-D4D8-4BBB-A244-7340EF0FE22B}"/>
+              </a:ext>
+            </a:extLst>
+          </p:cNvPr>
+          <p:cNvSpPr>
+            <a:spLocks noGrp="1"/>
+          </p:cNvSpPr>
+          <p:nvPr>
+            <p:ph type="ftr" sz="quarter" idx="11"/>
+          </p:nvPr>
+        </p:nvSpPr>
+        <p:spPr/>
+        <p:txBody>
+          <a:bodyPr/>
+          <a:lstStyle/>
+          <a:p>
+            <a:r>
+              <a:rPr lang="de-DE"/>
+              <a:t>Daniel Flasch</a:t>
+            </a:r>
+            <a:endParaRPr lang="de-DE" dirty="0"/>
+          </a:p>
+        </p:txBody>
+      </p:sp>
+      <p:sp>
+        <p:nvSpPr>
+          <p:cNvPr id="6" name="Foliennummernplatzhalter 5">
+            <a:extLst>
+              <a:ext uri="{FF2B5EF4-FFF2-40B4-BE49-F238E27FC236}">
+                <a16:creationId xmlns:a16="http://schemas.microsoft.com/office/drawing/2014/main" id="{0A3B9615-9A42-4020-ABBE-BFFD4333625F}"/>
+              </a:ext>
+            </a:extLst>
+          </p:cNvPr>
+          <p:cNvSpPr>
+            <a:spLocks noGrp="1"/>
+          </p:cNvSpPr>
+          <p:nvPr>
+            <p:ph type="sldNum" sz="quarter" idx="12"/>
+          </p:nvPr>
+        </p:nvSpPr>
+        <p:spPr/>
+        <p:txBody>
+          <a:bodyPr/>
+          <a:lstStyle/>
+          <a:p>
+            <a:fld id="{4DEAFF03-B2A3-4F10-AFBA-713F9B73CAA7}" type="slidenum">
+              <a:rPr lang="de-DE" smtClean="0"/>
+              <a:t>10</a:t>
             </a:fld>
             <a:endParaRPr lang="de-DE"/>
           </a:p>
@@ -4543,681 +5223,6 @@
 </p:sld>
 </file>
 
-<file path=ppt/slides/slide11.xml><?xml version="1.0" encoding="utf-8"?>
-<p:sld xmlns:a="http://schemas.openxmlformats.org/drawingml/2006/main" xmlns:r="http://schemas.openxmlformats.org/officeDocument/2006/relationships" xmlns:p="http://schemas.openxmlformats.org/presentationml/2006/main">
-  <p:cSld>
-    <p:spTree>
-      <p:nvGrpSpPr>
-        <p:cNvPr id="1" name=""/>
-        <p:cNvGrpSpPr/>
-        <p:nvPr/>
-      </p:nvGrpSpPr>
-      <p:grpSpPr>
-        <a:xfrm>
-          <a:off x="0" y="0"/>
-          <a:ext cx="0" cy="0"/>
-          <a:chOff x="0" y="0"/>
-          <a:chExt cx="0" cy="0"/>
-        </a:xfrm>
-      </p:grpSpPr>
-      <p:sp>
-        <p:nvSpPr>
-          <p:cNvPr id="2" name="Titel 1">
-            <a:extLst>
-              <a:ext uri="{FF2B5EF4-FFF2-40B4-BE49-F238E27FC236}">
-                <a16:creationId xmlns:a16="http://schemas.microsoft.com/office/drawing/2014/main" id="{263B568C-3395-4B3C-80D7-E8AF938BCCCC}"/>
-              </a:ext>
-            </a:extLst>
-          </p:cNvPr>
-          <p:cNvSpPr>
-            <a:spLocks noGrp="1"/>
-          </p:cNvSpPr>
-          <p:nvPr>
-            <p:ph type="title"/>
-          </p:nvPr>
-        </p:nvSpPr>
-        <p:spPr/>
-        <p:txBody>
-          <a:bodyPr/>
-          <a:lstStyle/>
-          <a:p>
-            <a:r>
-              <a:rPr lang="de-DE" dirty="0"/>
-              <a:t>Deklarationen und Metadaten</a:t>
-            </a:r>
-          </a:p>
-        </p:txBody>
-      </p:sp>
-      <p:sp>
-        <p:nvSpPr>
-          <p:cNvPr id="7" name="Inhaltsplatzhalter 6">
-            <a:extLst>
-              <a:ext uri="{FF2B5EF4-FFF2-40B4-BE49-F238E27FC236}">
-                <a16:creationId xmlns:a16="http://schemas.microsoft.com/office/drawing/2014/main" id="{8176E04B-1248-4A9E-B98A-06495C5525A0}"/>
-              </a:ext>
-            </a:extLst>
-          </p:cNvPr>
-          <p:cNvSpPr>
-            <a:spLocks noGrp="1"/>
-          </p:cNvSpPr>
-          <p:nvPr>
-            <p:ph idx="1"/>
-          </p:nvPr>
-        </p:nvSpPr>
-        <p:spPr/>
-        <p:txBody>
-          <a:bodyPr/>
-          <a:lstStyle/>
-          <a:p>
-            <a:r>
-              <a:rPr lang="de-DE" dirty="0"/>
-              <a:t>Sind </a:t>
-            </a:r>
-            <a:r>
-              <a:rPr lang="de-DE" b="1" dirty="0"/>
-              <a:t>optional</a:t>
-            </a:r>
-          </a:p>
-          <a:p>
-            <a:r>
-              <a:rPr lang="de-DE" b="1" dirty="0"/>
-              <a:t>$</a:t>
-            </a:r>
-            <a:r>
-              <a:rPr lang="de-DE" b="1" dirty="0" err="1"/>
-              <a:t>schema</a:t>
-            </a:r>
-            <a:r>
-              <a:rPr lang="de-DE" b="1" dirty="0"/>
-              <a:t> </a:t>
-            </a:r>
-            <a:r>
-              <a:rPr lang="de-DE" dirty="0"/>
-              <a:t>beschreibt die Schema-Version </a:t>
-            </a:r>
-          </a:p>
-          <a:p>
-            <a:r>
-              <a:rPr lang="de-DE" b="1" dirty="0"/>
-              <a:t>$</a:t>
-            </a:r>
-            <a:r>
-              <a:rPr lang="de-DE" b="1" dirty="0" err="1"/>
-              <a:t>id</a:t>
-            </a:r>
-            <a:r>
-              <a:rPr lang="de-DE" b="1" dirty="0"/>
-              <a:t> </a:t>
-            </a:r>
-            <a:r>
-              <a:rPr lang="de-DE" dirty="0"/>
-              <a:t>dient als Identifizierung </a:t>
-            </a:r>
-          </a:p>
-          <a:p>
-            <a:r>
-              <a:rPr lang="de-DE" b="1" dirty="0"/>
-              <a:t>title </a:t>
-            </a:r>
-            <a:r>
-              <a:rPr lang="de-DE" dirty="0"/>
-              <a:t>gibt Schema einen Titel</a:t>
-            </a:r>
-          </a:p>
-          <a:p>
-            <a:r>
-              <a:rPr lang="de-DE" b="1" dirty="0" err="1"/>
-              <a:t>description</a:t>
-            </a:r>
-            <a:r>
-              <a:rPr lang="de-DE" b="1" dirty="0"/>
-              <a:t> </a:t>
-            </a:r>
-            <a:r>
-              <a:rPr lang="de-DE" dirty="0"/>
-              <a:t>beschreibt das Schema genauer</a:t>
-            </a:r>
-            <a:endParaRPr lang="de-DE" b="1" dirty="0"/>
-          </a:p>
-        </p:txBody>
-      </p:sp>
-      <p:sp>
-        <p:nvSpPr>
-          <p:cNvPr id="4" name="Datumsplatzhalter 3">
-            <a:extLst>
-              <a:ext uri="{FF2B5EF4-FFF2-40B4-BE49-F238E27FC236}">
-                <a16:creationId xmlns:a16="http://schemas.microsoft.com/office/drawing/2014/main" id="{25837733-F8B3-4C3E-A803-5F05F95FB3DC}"/>
-              </a:ext>
-            </a:extLst>
-          </p:cNvPr>
-          <p:cNvSpPr>
-            <a:spLocks noGrp="1"/>
-          </p:cNvSpPr>
-          <p:nvPr>
-            <p:ph type="dt" sz="half" idx="10"/>
-          </p:nvPr>
-        </p:nvSpPr>
-        <p:spPr/>
-        <p:txBody>
-          <a:bodyPr/>
-          <a:lstStyle/>
-          <a:p>
-            <a:fld id="{CFFA1D88-5C5F-47BF-8575-62828799C3D3}" type="datetime1">
-              <a:rPr lang="de-DE" smtClean="0"/>
-              <a:t>09.12.2017</a:t>
-            </a:fld>
-            <a:endParaRPr lang="de-DE" dirty="0"/>
-          </a:p>
-        </p:txBody>
-      </p:sp>
-      <p:sp>
-        <p:nvSpPr>
-          <p:cNvPr id="5" name="Fußzeilenplatzhalter 4">
-            <a:extLst>
-              <a:ext uri="{FF2B5EF4-FFF2-40B4-BE49-F238E27FC236}">
-                <a16:creationId xmlns:a16="http://schemas.microsoft.com/office/drawing/2014/main" id="{37F17228-D4D8-4BBB-A244-7340EF0FE22B}"/>
-              </a:ext>
-            </a:extLst>
-          </p:cNvPr>
-          <p:cNvSpPr>
-            <a:spLocks noGrp="1"/>
-          </p:cNvSpPr>
-          <p:nvPr>
-            <p:ph type="ftr" sz="quarter" idx="11"/>
-          </p:nvPr>
-        </p:nvSpPr>
-        <p:spPr/>
-        <p:txBody>
-          <a:bodyPr/>
-          <a:lstStyle/>
-          <a:p>
-            <a:r>
-              <a:rPr lang="de-DE"/>
-              <a:t>Daniel Flasch</a:t>
-            </a:r>
-            <a:endParaRPr lang="de-DE" dirty="0"/>
-          </a:p>
-        </p:txBody>
-      </p:sp>
-      <p:sp>
-        <p:nvSpPr>
-          <p:cNvPr id="6" name="Foliennummernplatzhalter 5">
-            <a:extLst>
-              <a:ext uri="{FF2B5EF4-FFF2-40B4-BE49-F238E27FC236}">
-                <a16:creationId xmlns:a16="http://schemas.microsoft.com/office/drawing/2014/main" id="{0A3B9615-9A42-4020-ABBE-BFFD4333625F}"/>
-              </a:ext>
-            </a:extLst>
-          </p:cNvPr>
-          <p:cNvSpPr>
-            <a:spLocks noGrp="1"/>
-          </p:cNvSpPr>
-          <p:nvPr>
-            <p:ph type="sldNum" sz="quarter" idx="12"/>
-          </p:nvPr>
-        </p:nvSpPr>
-        <p:spPr/>
-        <p:txBody>
-          <a:bodyPr/>
-          <a:lstStyle/>
-          <a:p>
-            <a:fld id="{4DEAFF03-B2A3-4F10-AFBA-713F9B73CAA7}" type="slidenum">
-              <a:rPr lang="de-DE" smtClean="0"/>
-              <a:t>10</a:t>
-            </a:fld>
-            <a:endParaRPr lang="de-DE"/>
-          </a:p>
-        </p:txBody>
-      </p:sp>
-      <p:sp>
-        <p:nvSpPr>
-          <p:cNvPr id="3" name="Rechteck 2">
-            <a:extLst>
-              <a:ext uri="{FF2B5EF4-FFF2-40B4-BE49-F238E27FC236}">
-                <a16:creationId xmlns:a16="http://schemas.microsoft.com/office/drawing/2014/main" id="{4CE1EC56-76AD-4776-8EBF-D9EDCC2551F9}"/>
-              </a:ext>
-            </a:extLst>
-          </p:cNvPr>
-          <p:cNvSpPr/>
-          <p:nvPr/>
-        </p:nvSpPr>
-        <p:spPr>
-          <a:xfrm>
-            <a:off x="838200" y="4442301"/>
-            <a:ext cx="7934632" cy="1754326"/>
-          </a:xfrm>
-          <a:prstGeom prst="rect">
-            <a:avLst/>
-          </a:prstGeom>
-          <a:solidFill>
-            <a:schemeClr val="bg1">
-              <a:lumMod val="95000"/>
-            </a:schemeClr>
-          </a:solidFill>
-          <a:ln>
-            <a:solidFill>
-              <a:schemeClr val="bg1">
-                <a:lumMod val="85000"/>
-              </a:schemeClr>
-            </a:solidFill>
-          </a:ln>
-        </p:spPr>
-        <p:txBody>
-          <a:bodyPr wrap="square">
-            <a:spAutoFit/>
-          </a:bodyPr>
-          <a:lstStyle/>
-          <a:p>
-            <a:r>
-              <a:rPr lang="de-DE" b="1" dirty="0">
-                <a:solidFill>
-                  <a:srgbClr val="4472C4"/>
-                </a:solidFill>
-                <a:latin typeface="Source Code Pro" panose="020B0509030403020204" pitchFamily="49" charset="0"/>
-              </a:rPr>
-              <a:t>{</a:t>
-            </a:r>
-            <a:r>
-              <a:rPr lang="de-DE" dirty="0">
-                <a:solidFill>
-                  <a:srgbClr val="000000"/>
-                </a:solidFill>
-                <a:latin typeface="Source Code Pro" panose="020B0509030403020204" pitchFamily="49" charset="0"/>
-              </a:rPr>
-              <a:t> </a:t>
-            </a:r>
-          </a:p>
-          <a:p>
-            <a:r>
-              <a:rPr lang="de-DE" dirty="0">
-                <a:solidFill>
-                  <a:srgbClr val="000000"/>
-                </a:solidFill>
-                <a:latin typeface="Source Code Pro" panose="020B0509030403020204" pitchFamily="49" charset="0"/>
-              </a:rPr>
-              <a:t>  </a:t>
-            </a:r>
-            <a:r>
-              <a:rPr lang="de-DE" dirty="0">
-                <a:solidFill>
-                  <a:srgbClr val="464646"/>
-                </a:solidFill>
-                <a:latin typeface="Source Code Pro" panose="020B0509030403020204" pitchFamily="49" charset="0"/>
-              </a:rPr>
-              <a:t>"$</a:t>
-            </a:r>
-            <a:r>
-              <a:rPr lang="de-DE" dirty="0" err="1">
-                <a:solidFill>
-                  <a:srgbClr val="464646"/>
-                </a:solidFill>
-                <a:latin typeface="Source Code Pro" panose="020B0509030403020204" pitchFamily="49" charset="0"/>
-              </a:rPr>
-              <a:t>schema</a:t>
-            </a:r>
-            <a:r>
-              <a:rPr lang="de-DE" dirty="0">
-                <a:solidFill>
-                  <a:srgbClr val="464646"/>
-                </a:solidFill>
-                <a:latin typeface="Source Code Pro" panose="020B0509030403020204" pitchFamily="49" charset="0"/>
-              </a:rPr>
-              <a:t>"</a:t>
-            </a:r>
-            <a:r>
-              <a:rPr lang="de-DE" b="1" dirty="0">
-                <a:solidFill>
-                  <a:srgbClr val="4472C4"/>
-                </a:solidFill>
-                <a:latin typeface="Source Code Pro" panose="020B0509030403020204" pitchFamily="49" charset="0"/>
-              </a:rPr>
-              <a:t>:</a:t>
-            </a:r>
-            <a:r>
-              <a:rPr lang="de-DE" dirty="0">
-                <a:solidFill>
-                  <a:srgbClr val="000000"/>
-                </a:solidFill>
-                <a:latin typeface="Source Code Pro" panose="020B0509030403020204" pitchFamily="49" charset="0"/>
-              </a:rPr>
-              <a:t> </a:t>
-            </a:r>
-            <a:r>
-              <a:rPr lang="de-DE" dirty="0">
-                <a:solidFill>
-                  <a:srgbClr val="464646"/>
-                </a:solidFill>
-                <a:latin typeface="Source Code Pro" panose="020B0509030403020204" pitchFamily="49" charset="0"/>
-              </a:rPr>
-              <a:t>"</a:t>
-            </a:r>
-            <a:r>
-              <a:rPr lang="de-DE" u="sng" dirty="0">
-                <a:solidFill>
-                  <a:srgbClr val="464646"/>
-                </a:solidFill>
-                <a:latin typeface="Source Code Pro" panose="020B0509030403020204" pitchFamily="49" charset="0"/>
-              </a:rPr>
-              <a:t>http://json-schema.org/</a:t>
-            </a:r>
-            <a:r>
-              <a:rPr lang="de-DE" u="sng" dirty="0" err="1">
-                <a:solidFill>
-                  <a:srgbClr val="464646"/>
-                </a:solidFill>
-                <a:latin typeface="Source Code Pro" panose="020B0509030403020204" pitchFamily="49" charset="0"/>
-              </a:rPr>
-              <a:t>schema</a:t>
-            </a:r>
-            <a:r>
-              <a:rPr lang="de-DE" u="sng" dirty="0">
-                <a:solidFill>
-                  <a:srgbClr val="464646"/>
-                </a:solidFill>
-                <a:latin typeface="Source Code Pro" panose="020B0509030403020204" pitchFamily="49" charset="0"/>
-              </a:rPr>
-              <a:t>#</a:t>
-            </a:r>
-            <a:r>
-              <a:rPr lang="de-DE" dirty="0">
-                <a:solidFill>
-                  <a:srgbClr val="464646"/>
-                </a:solidFill>
-                <a:latin typeface="Source Code Pro" panose="020B0509030403020204" pitchFamily="49" charset="0"/>
-              </a:rPr>
-              <a:t>"</a:t>
-            </a:r>
-            <a:r>
-              <a:rPr lang="de-DE" b="1" dirty="0">
-                <a:solidFill>
-                  <a:srgbClr val="4472C4"/>
-                </a:solidFill>
-                <a:latin typeface="Source Code Pro" panose="020B0509030403020204" pitchFamily="49" charset="0"/>
-              </a:rPr>
-              <a:t>,</a:t>
-            </a:r>
-            <a:r>
-              <a:rPr lang="de-DE" dirty="0">
-                <a:solidFill>
-                  <a:srgbClr val="000000"/>
-                </a:solidFill>
-                <a:latin typeface="Source Code Pro" panose="020B0509030403020204" pitchFamily="49" charset="0"/>
-              </a:rPr>
-              <a:t> </a:t>
-            </a:r>
-          </a:p>
-          <a:p>
-            <a:r>
-              <a:rPr lang="de-DE" dirty="0">
-                <a:solidFill>
-                  <a:srgbClr val="000000"/>
-                </a:solidFill>
-                <a:latin typeface="Source Code Pro" panose="020B0509030403020204" pitchFamily="49" charset="0"/>
-              </a:rPr>
-              <a:t>  </a:t>
-            </a:r>
-            <a:r>
-              <a:rPr lang="de-DE" dirty="0">
-                <a:solidFill>
-                  <a:srgbClr val="464646"/>
-                </a:solidFill>
-                <a:latin typeface="Source Code Pro" panose="020B0509030403020204" pitchFamily="49" charset="0"/>
-              </a:rPr>
-              <a:t>"$</a:t>
-            </a:r>
-            <a:r>
-              <a:rPr lang="de-DE" dirty="0" err="1">
-                <a:solidFill>
-                  <a:srgbClr val="464646"/>
-                </a:solidFill>
-                <a:latin typeface="Source Code Pro" panose="020B0509030403020204" pitchFamily="49" charset="0"/>
-              </a:rPr>
-              <a:t>id</a:t>
-            </a:r>
-            <a:r>
-              <a:rPr lang="de-DE" dirty="0">
-                <a:solidFill>
-                  <a:srgbClr val="464646"/>
-                </a:solidFill>
-                <a:latin typeface="Source Code Pro" panose="020B0509030403020204" pitchFamily="49" charset="0"/>
-              </a:rPr>
-              <a:t>"</a:t>
-            </a:r>
-            <a:r>
-              <a:rPr lang="de-DE" b="1" dirty="0">
-                <a:solidFill>
-                  <a:srgbClr val="4472C4"/>
-                </a:solidFill>
-                <a:latin typeface="Source Code Pro" panose="020B0509030403020204" pitchFamily="49" charset="0"/>
-              </a:rPr>
-              <a:t>:</a:t>
-            </a:r>
-            <a:r>
-              <a:rPr lang="de-DE" dirty="0">
-                <a:solidFill>
-                  <a:srgbClr val="000000"/>
-                </a:solidFill>
-                <a:latin typeface="Source Code Pro" panose="020B0509030403020204" pitchFamily="49" charset="0"/>
-              </a:rPr>
-              <a:t> </a:t>
-            </a:r>
-            <a:r>
-              <a:rPr lang="de-DE" dirty="0">
-                <a:solidFill>
-                  <a:srgbClr val="464646"/>
-                </a:solidFill>
-                <a:latin typeface="Source Code Pro" panose="020B0509030403020204" pitchFamily="49" charset="0"/>
-              </a:rPr>
-              <a:t>"</a:t>
-            </a:r>
-            <a:r>
-              <a:rPr lang="de-DE" u="sng" dirty="0">
-                <a:solidFill>
-                  <a:srgbClr val="464646"/>
-                </a:solidFill>
-                <a:latin typeface="Source Code Pro" panose="020B0509030403020204" pitchFamily="49" charset="0"/>
-              </a:rPr>
-              <a:t>http://yourdomain.com/</a:t>
-            </a:r>
-            <a:r>
-              <a:rPr lang="de-DE" u="sng" dirty="0" err="1">
-                <a:solidFill>
-                  <a:srgbClr val="464646"/>
-                </a:solidFill>
-                <a:latin typeface="Source Code Pro" panose="020B0509030403020204" pitchFamily="49" charset="0"/>
-              </a:rPr>
-              <a:t>schemas</a:t>
-            </a:r>
-            <a:r>
-              <a:rPr lang="de-DE" u="sng" dirty="0">
-                <a:solidFill>
-                  <a:srgbClr val="464646"/>
-                </a:solidFill>
-                <a:latin typeface="Source Code Pro" panose="020B0509030403020204" pitchFamily="49" charset="0"/>
-              </a:rPr>
-              <a:t>/</a:t>
-            </a:r>
-            <a:r>
-              <a:rPr lang="de-DE" u="sng" dirty="0" err="1">
-                <a:solidFill>
-                  <a:srgbClr val="464646"/>
-                </a:solidFill>
-                <a:latin typeface="Source Code Pro" panose="020B0509030403020204" pitchFamily="49" charset="0"/>
-              </a:rPr>
-              <a:t>myschema.json</a:t>
-            </a:r>
-            <a:r>
-              <a:rPr lang="de-DE" dirty="0">
-                <a:solidFill>
-                  <a:srgbClr val="464646"/>
-                </a:solidFill>
-                <a:latin typeface="Source Code Pro" panose="020B0509030403020204" pitchFamily="49" charset="0"/>
-              </a:rPr>
-              <a:t>"</a:t>
-            </a:r>
-            <a:r>
-              <a:rPr lang="de-DE" b="1" dirty="0">
-                <a:solidFill>
-                  <a:srgbClr val="4472C4"/>
-                </a:solidFill>
-                <a:latin typeface="Source Code Pro" panose="020B0509030403020204" pitchFamily="49" charset="0"/>
-              </a:rPr>
-              <a:t>,</a:t>
-            </a:r>
-            <a:endParaRPr lang="de-DE" dirty="0">
-              <a:solidFill>
-                <a:srgbClr val="000000"/>
-              </a:solidFill>
-              <a:latin typeface="Source Code Pro" panose="020B0509030403020204" pitchFamily="49" charset="0"/>
-            </a:endParaRPr>
-          </a:p>
-          <a:p>
-            <a:r>
-              <a:rPr lang="en-US" dirty="0">
-                <a:solidFill>
-                  <a:srgbClr val="000000"/>
-                </a:solidFill>
-                <a:latin typeface="Source Code Pro" panose="020B0509030403020204" pitchFamily="49" charset="0"/>
-              </a:rPr>
-              <a:t>  </a:t>
-            </a:r>
-            <a:r>
-              <a:rPr lang="en-US" dirty="0">
-                <a:solidFill>
-                  <a:srgbClr val="464646"/>
-                </a:solidFill>
-                <a:latin typeface="Source Code Pro" panose="020B0509030403020204" pitchFamily="49" charset="0"/>
-              </a:rPr>
-              <a:t>"title"</a:t>
-            </a:r>
-            <a:r>
-              <a:rPr lang="en-US" b="1" dirty="0">
-                <a:solidFill>
-                  <a:srgbClr val="4472C4"/>
-                </a:solidFill>
-                <a:latin typeface="Source Code Pro" panose="020B0509030403020204" pitchFamily="49" charset="0"/>
-              </a:rPr>
-              <a:t>:</a:t>
-            </a:r>
-            <a:r>
-              <a:rPr lang="en-US" dirty="0">
-                <a:solidFill>
-                  <a:srgbClr val="000000"/>
-                </a:solidFill>
-                <a:latin typeface="Source Code Pro" panose="020B0509030403020204" pitchFamily="49" charset="0"/>
-              </a:rPr>
-              <a:t> </a:t>
-            </a:r>
-            <a:r>
-              <a:rPr lang="en-US" dirty="0">
-                <a:solidFill>
-                  <a:srgbClr val="464646"/>
-                </a:solidFill>
-                <a:latin typeface="Source Code Pro" panose="020B0509030403020204" pitchFamily="49" charset="0"/>
-              </a:rPr>
-              <a:t>"some title for your schema"</a:t>
-            </a:r>
-            <a:r>
-              <a:rPr lang="en-US" b="1" dirty="0">
-                <a:solidFill>
-                  <a:srgbClr val="4472C4"/>
-                </a:solidFill>
-                <a:latin typeface="Source Code Pro" panose="020B0509030403020204" pitchFamily="49" charset="0"/>
-              </a:rPr>
-              <a:t>,</a:t>
-            </a:r>
-            <a:r>
-              <a:rPr lang="en-US" dirty="0">
-                <a:solidFill>
-                  <a:srgbClr val="000000"/>
-                </a:solidFill>
-                <a:latin typeface="Source Code Pro" panose="020B0509030403020204" pitchFamily="49" charset="0"/>
-              </a:rPr>
-              <a:t> </a:t>
-            </a:r>
-          </a:p>
-          <a:p>
-            <a:r>
-              <a:rPr lang="en-US" dirty="0">
-                <a:solidFill>
-                  <a:srgbClr val="000000"/>
-                </a:solidFill>
-                <a:latin typeface="Source Code Pro" panose="020B0509030403020204" pitchFamily="49" charset="0"/>
-              </a:rPr>
-              <a:t>  </a:t>
-            </a:r>
-            <a:r>
-              <a:rPr lang="en-US" dirty="0">
-                <a:solidFill>
-                  <a:srgbClr val="464646"/>
-                </a:solidFill>
-                <a:latin typeface="Source Code Pro" panose="020B0509030403020204" pitchFamily="49" charset="0"/>
-              </a:rPr>
-              <a:t>"description"</a:t>
-            </a:r>
-            <a:r>
-              <a:rPr lang="en-US" b="1" dirty="0">
-                <a:solidFill>
-                  <a:srgbClr val="4472C4"/>
-                </a:solidFill>
-                <a:latin typeface="Source Code Pro" panose="020B0509030403020204" pitchFamily="49" charset="0"/>
-              </a:rPr>
-              <a:t>:</a:t>
-            </a:r>
-            <a:r>
-              <a:rPr lang="en-US" dirty="0">
-                <a:solidFill>
-                  <a:srgbClr val="000000"/>
-                </a:solidFill>
-                <a:latin typeface="Source Code Pro" panose="020B0509030403020204" pitchFamily="49" charset="0"/>
-              </a:rPr>
-              <a:t> </a:t>
-            </a:r>
-            <a:r>
-              <a:rPr lang="en-US" dirty="0">
-                <a:solidFill>
-                  <a:srgbClr val="464646"/>
-                </a:solidFill>
-                <a:latin typeface="Source Code Pro" panose="020B0509030403020204" pitchFamily="49" charset="0"/>
-              </a:rPr>
-              <a:t>"place to describe schema"</a:t>
-            </a:r>
-            <a:r>
-              <a:rPr lang="en-US" dirty="0">
-                <a:solidFill>
-                  <a:srgbClr val="000000"/>
-                </a:solidFill>
-                <a:latin typeface="Source Code Pro" panose="020B0509030403020204" pitchFamily="49" charset="0"/>
-              </a:rPr>
-              <a:t> </a:t>
-            </a:r>
-          </a:p>
-          <a:p>
-            <a:r>
-              <a:rPr lang="de-DE" b="1" dirty="0">
-                <a:solidFill>
-                  <a:srgbClr val="4472C4"/>
-                </a:solidFill>
-                <a:latin typeface="Source Code Pro" panose="020B0509030403020204" pitchFamily="49" charset="0"/>
-              </a:rPr>
-              <a:t>}</a:t>
-            </a:r>
-            <a:endParaRPr lang="de-DE" dirty="0"/>
-          </a:p>
-        </p:txBody>
-      </p:sp>
-    </p:spTree>
-    <p:extLst>
-      <p:ext uri="{BB962C8B-B14F-4D97-AF65-F5344CB8AC3E}">
-        <p14:creationId xmlns:p14="http://schemas.microsoft.com/office/powerpoint/2010/main" val="4075196223"/>
-      </p:ext>
-    </p:extLst>
-  </p:cSld>
-  <p:clrMapOvr>
-    <a:masterClrMapping/>
-  </p:clrMapOvr>
-</p:sld>
-</file>
-
 <file path=ppt/slides/slide12.xml><?xml version="1.0" encoding="utf-8"?>
 <p:sld xmlns:a="http://schemas.openxmlformats.org/drawingml/2006/main" xmlns:r="http://schemas.openxmlformats.org/officeDocument/2006/relationships" xmlns:p="http://schemas.openxmlformats.org/presentationml/2006/main">
   <p:cSld>
@@ -5326,7 +5331,7 @@
           <a:p>
             <a:fld id="{CFFA1D88-5C5F-47BF-8575-62828799C3D3}" type="datetime1">
               <a:rPr lang="de-DE" smtClean="0"/>
-              <a:t>09.12.2017</a:t>
+              <a:t>18.12.2017</a:t>
             </a:fld>
             <a:endParaRPr lang="de-DE" dirty="0"/>
           </a:p>
@@ -6126,7 +6131,7 @@
           <a:p>
             <a:fld id="{CFFA1D88-5C5F-47BF-8575-62828799C3D3}" type="datetime1">
               <a:rPr lang="de-DE" smtClean="0"/>
-              <a:t>09.12.2017</a:t>
+              <a:t>18.12.2017</a:t>
             </a:fld>
             <a:endParaRPr lang="de-DE" dirty="0"/>
           </a:p>
@@ -7127,7 +7132,7 @@
           <a:p>
             <a:r>
               <a:rPr lang="de-DE" dirty="0"/>
-              <a:t>Komplexe Datentypen</a:t>
+              <a:t>Arrays</a:t>
             </a:r>
           </a:p>
         </p:txBody>
@@ -7155,7 +7160,7 @@
           <a:p>
             <a:fld id="{CFFA1D88-5C5F-47BF-8575-62828799C3D3}" type="datetime1">
               <a:rPr lang="de-DE" smtClean="0"/>
-              <a:t>09.12.2017</a:t>
+              <a:t>18.12.2017</a:t>
             </a:fld>
             <a:endParaRPr lang="de-DE" dirty="0"/>
           </a:p>
@@ -7551,239 +7556,6 @@
               </a:rPr>
               <a:t>]</a:t>
             </a:r>
-          </a:p>
-        </p:txBody>
-      </p:sp>
-      <p:sp>
-        <p:nvSpPr>
-          <p:cNvPr id="13" name="Rechteck 12">
-            <a:extLst>
-              <a:ext uri="{FF2B5EF4-FFF2-40B4-BE49-F238E27FC236}">
-                <a16:creationId xmlns:a16="http://schemas.microsoft.com/office/drawing/2014/main" id="{5E0A18F4-3D00-4286-A552-B89CE937DACE}"/>
-              </a:ext>
-            </a:extLst>
-          </p:cNvPr>
-          <p:cNvSpPr/>
-          <p:nvPr/>
-        </p:nvSpPr>
-        <p:spPr>
-          <a:xfrm>
-            <a:off x="6744930" y="3244334"/>
-            <a:ext cx="4608870" cy="369332"/>
-          </a:xfrm>
-          <a:prstGeom prst="rect">
-            <a:avLst/>
-          </a:prstGeom>
-          <a:solidFill>
-            <a:srgbClr val="FFCCCC"/>
-          </a:solidFill>
-          <a:ln>
-            <a:noFill/>
-          </a:ln>
-        </p:spPr>
-        <p:txBody>
-          <a:bodyPr wrap="square">
-            <a:spAutoFit/>
-          </a:bodyPr>
-          <a:lstStyle/>
-          <a:p>
-            <a:r>
-              <a:rPr lang="de-DE" dirty="0">
-                <a:solidFill>
-                  <a:srgbClr val="FF8000"/>
-                </a:solidFill>
-                <a:latin typeface="Source Code Pro" panose="020B0509030403020204" pitchFamily="49" charset="0"/>
-              </a:rPr>
-              <a:t>42</a:t>
-            </a:r>
-            <a:endParaRPr lang="de-DE" dirty="0"/>
-          </a:p>
-        </p:txBody>
-      </p:sp>
-      <p:sp>
-        <p:nvSpPr>
-          <p:cNvPr id="14" name="Rechteck 13">
-            <a:extLst>
-              <a:ext uri="{FF2B5EF4-FFF2-40B4-BE49-F238E27FC236}">
-                <a16:creationId xmlns:a16="http://schemas.microsoft.com/office/drawing/2014/main" id="{EDF230F9-890F-4C72-A591-6FFFA31C480E}"/>
-              </a:ext>
-            </a:extLst>
-          </p:cNvPr>
-          <p:cNvSpPr/>
-          <p:nvPr/>
-        </p:nvSpPr>
-        <p:spPr>
-          <a:xfrm>
-            <a:off x="6744930" y="3643162"/>
-            <a:ext cx="4608870" cy="369332"/>
-          </a:xfrm>
-          <a:prstGeom prst="rect">
-            <a:avLst/>
-          </a:prstGeom>
-          <a:solidFill>
-            <a:schemeClr val="accent6">
-              <a:lumMod val="40000"/>
-              <a:lumOff val="60000"/>
-            </a:schemeClr>
-          </a:solidFill>
-          <a:ln>
-            <a:noFill/>
-          </a:ln>
-        </p:spPr>
-        <p:txBody>
-          <a:bodyPr wrap="square">
-            <a:spAutoFit/>
-          </a:bodyPr>
-          <a:lstStyle/>
-          <a:p>
-            <a:r>
-              <a:rPr lang="de-DE" dirty="0">
-                <a:solidFill>
-                  <a:srgbClr val="464646"/>
-                </a:solidFill>
-                <a:latin typeface="Source Code Pro" panose="020B0509030403020204" pitchFamily="49" charset="0"/>
-              </a:rPr>
-              <a:t>{ }</a:t>
-            </a:r>
-            <a:endParaRPr lang="de-DE" dirty="0">
-              <a:solidFill>
-                <a:srgbClr val="000000"/>
-              </a:solidFill>
-              <a:latin typeface="Source Code Pro" panose="020B0509030403020204" pitchFamily="49" charset="0"/>
-            </a:endParaRPr>
-          </a:p>
-        </p:txBody>
-      </p:sp>
-      <p:sp>
-        <p:nvSpPr>
-          <p:cNvPr id="19" name="Rechteck 18">
-            <a:extLst>
-              <a:ext uri="{FF2B5EF4-FFF2-40B4-BE49-F238E27FC236}">
-                <a16:creationId xmlns:a16="http://schemas.microsoft.com/office/drawing/2014/main" id="{DA7722DD-1D7D-489C-8D7D-92821FD6BB16}"/>
-              </a:ext>
-            </a:extLst>
-          </p:cNvPr>
-          <p:cNvSpPr/>
-          <p:nvPr/>
-        </p:nvSpPr>
-        <p:spPr>
-          <a:xfrm>
-            <a:off x="838200" y="3265191"/>
-            <a:ext cx="4608871" cy="369332"/>
-          </a:xfrm>
-          <a:prstGeom prst="rect">
-            <a:avLst/>
-          </a:prstGeom>
-          <a:solidFill>
-            <a:schemeClr val="bg1">
-              <a:lumMod val="95000"/>
-            </a:schemeClr>
-          </a:solidFill>
-          <a:ln>
-            <a:solidFill>
-              <a:schemeClr val="bg1">
-                <a:lumMod val="85000"/>
-              </a:schemeClr>
-            </a:solidFill>
-          </a:ln>
-        </p:spPr>
-        <p:txBody>
-          <a:bodyPr wrap="square">
-            <a:spAutoFit/>
-          </a:bodyPr>
-          <a:lstStyle/>
-          <a:p>
-            <a:r>
-              <a:rPr lang="de-DE" b="1" dirty="0">
-                <a:solidFill>
-                  <a:srgbClr val="4472C4"/>
-                </a:solidFill>
-                <a:latin typeface="Source Code Pro" panose="020B0509030403020204" pitchFamily="49" charset="0"/>
-              </a:rPr>
-              <a:t>{ </a:t>
-            </a:r>
-            <a:r>
-              <a:rPr lang="de-DE" dirty="0">
-                <a:solidFill>
-                  <a:srgbClr val="464646"/>
-                </a:solidFill>
-                <a:latin typeface="Source Code Pro" panose="020B0509030403020204" pitchFamily="49" charset="0"/>
-              </a:rPr>
-              <a:t>"</a:t>
-            </a:r>
-            <a:r>
-              <a:rPr lang="de-DE" dirty="0">
-                <a:solidFill>
-                  <a:srgbClr val="000000"/>
-                </a:solidFill>
-                <a:latin typeface="Source Code Pro" panose="020B0509030403020204" pitchFamily="49" charset="0"/>
-              </a:rPr>
-              <a:t>type</a:t>
-            </a:r>
-            <a:r>
-              <a:rPr lang="de-DE" dirty="0">
-                <a:solidFill>
-                  <a:srgbClr val="464646"/>
-                </a:solidFill>
-                <a:latin typeface="Source Code Pro" panose="020B0509030403020204" pitchFamily="49" charset="0"/>
-              </a:rPr>
-              <a:t>" </a:t>
-            </a:r>
-            <a:r>
-              <a:rPr lang="de-DE" dirty="0">
-                <a:solidFill>
-                  <a:srgbClr val="000000"/>
-                </a:solidFill>
-                <a:latin typeface="Source Code Pro" panose="020B0509030403020204" pitchFamily="49" charset="0"/>
-              </a:rPr>
-              <a:t>:</a:t>
-            </a:r>
-            <a:r>
-              <a:rPr lang="de-DE" dirty="0">
-                <a:solidFill>
-                  <a:srgbClr val="464646"/>
-                </a:solidFill>
-                <a:latin typeface="Source Code Pro" panose="020B0509030403020204" pitchFamily="49" charset="0"/>
-              </a:rPr>
-              <a:t> "</a:t>
-            </a:r>
-            <a:r>
-              <a:rPr lang="de-DE" dirty="0" err="1">
-                <a:solidFill>
-                  <a:srgbClr val="000000"/>
-                </a:solidFill>
-                <a:latin typeface="Source Code Pro" panose="020B0509030403020204" pitchFamily="49" charset="0"/>
-              </a:rPr>
-              <a:t>object</a:t>
-            </a:r>
-            <a:r>
-              <a:rPr lang="de-DE" dirty="0">
-                <a:solidFill>
-                  <a:srgbClr val="464646"/>
-                </a:solidFill>
-                <a:latin typeface="Source Code Pro" panose="020B0509030403020204" pitchFamily="49" charset="0"/>
-              </a:rPr>
-              <a:t>"</a:t>
-            </a:r>
-            <a:r>
-              <a:rPr lang="de-DE" dirty="0">
-                <a:solidFill>
-                  <a:srgbClr val="000000"/>
-                </a:solidFill>
-                <a:latin typeface="Source Code Pro" panose="020B0509030403020204" pitchFamily="49" charset="0"/>
-              </a:rPr>
-              <a:t> </a:t>
-            </a:r>
-            <a:r>
-              <a:rPr lang="de-DE" b="1" dirty="0">
-                <a:solidFill>
-                  <a:srgbClr val="4472C4"/>
-                </a:solidFill>
-                <a:latin typeface="Source Code Pro" panose="020B0509030403020204" pitchFamily="49" charset="0"/>
-              </a:rPr>
-              <a:t>}</a:t>
-            </a:r>
-            <a:endParaRPr lang="de-DE" dirty="0"/>
           </a:p>
         </p:txBody>
       </p:sp>
@@ -7840,7 +7612,7 @@
           <a:p>
             <a:r>
               <a:rPr lang="de-DE" dirty="0"/>
-              <a:t>Aufzählungen</a:t>
+              <a:t>Objekte</a:t>
             </a:r>
           </a:p>
         </p:txBody>
@@ -7868,7 +7640,7 @@
           <a:p>
             <a:fld id="{CFFA1D88-5C5F-47BF-8575-62828799C3D3}" type="datetime1">
               <a:rPr lang="de-DE" smtClean="0"/>
-              <a:t>09.12.2017</a:t>
+              <a:t>18.12.2017</a:t>
             </a:fld>
             <a:endParaRPr lang="de-DE" dirty="0"/>
           </a:p>
@@ -7946,7 +7718,7 @@
         </p:nvSpPr>
         <p:spPr>
           <a:xfrm>
-            <a:off x="6744930" y="1680857"/>
+            <a:off x="6708059" y="1680857"/>
             <a:ext cx="4608870" cy="369332"/>
           </a:xfrm>
           <a:prstGeom prst="rect">
@@ -7968,22 +7740,45 @@
             <a:r>
               <a:rPr lang="de-DE" dirty="0">
                 <a:solidFill>
-                  <a:srgbClr val="FF8000"/>
-                </a:solidFill>
-                <a:latin typeface="Source Code Pro" panose="020B0509030403020204" pitchFamily="49" charset="0"/>
-              </a:rPr>
-              <a:t>42</a:t>
-            </a:r>
-            <a:endParaRPr lang="de-DE" dirty="0"/>
+                  <a:srgbClr val="464646"/>
+                </a:solidFill>
+                <a:latin typeface="Source Code Pro" panose="020B0509030403020204" pitchFamily="49" charset="0"/>
+              </a:rPr>
+              <a:t>"John </a:t>
+            </a:r>
+            <a:r>
+              <a:rPr lang="de-DE" dirty="0" err="1">
+                <a:solidFill>
+                  <a:srgbClr val="464646"/>
+                </a:solidFill>
+                <a:latin typeface="Source Code Pro" panose="020B0509030403020204" pitchFamily="49" charset="0"/>
+              </a:rPr>
+              <a:t>Doe</a:t>
+            </a:r>
+            <a:r>
+              <a:rPr lang="de-DE" dirty="0">
+                <a:solidFill>
+                  <a:srgbClr val="464646"/>
+                </a:solidFill>
+                <a:latin typeface="Source Code Pro" panose="020B0509030403020204" pitchFamily="49" charset="0"/>
+              </a:rPr>
+              <a:t>"</a:t>
+            </a:r>
+            <a:endParaRPr lang="de-DE" dirty="0">
+              <a:solidFill>
+                <a:srgbClr val="000000"/>
+              </a:solidFill>
+              <a:latin typeface="Source Code Pro" panose="020B0509030403020204" pitchFamily="49" charset="0"/>
+            </a:endParaRPr>
           </a:p>
         </p:txBody>
       </p:sp>
       <p:sp>
         <p:nvSpPr>
-          <p:cNvPr id="10" name="Rechteck 9">
+          <p:cNvPr id="7" name="Rechteck 6">
             <a:extLst>
               <a:ext uri="{FF2B5EF4-FFF2-40B4-BE49-F238E27FC236}">
-                <a16:creationId xmlns:a16="http://schemas.microsoft.com/office/drawing/2014/main" id="{D25901EF-A678-4817-B6A5-9EDBC02FD598}"/>
+                <a16:creationId xmlns:a16="http://schemas.microsoft.com/office/drawing/2014/main" id="{73AA9281-9AC9-4D80-A75C-DBD145A20966}"/>
               </a:ext>
             </a:extLst>
           </p:cNvPr>
@@ -7992,80 +7787,8 @@
         </p:nvSpPr>
         <p:spPr>
           <a:xfrm>
-            <a:off x="6744930" y="2475519"/>
-            <a:ext cx="4608870" cy="369332"/>
-          </a:xfrm>
-          <a:prstGeom prst="rect">
-            <a:avLst/>
-          </a:prstGeom>
-          <a:solidFill>
-            <a:schemeClr val="accent6">
-              <a:lumMod val="40000"/>
-              <a:lumOff val="60000"/>
-            </a:schemeClr>
-          </a:solidFill>
-          <a:ln>
-            <a:noFill/>
-          </a:ln>
-        </p:spPr>
-        <p:txBody>
-          <a:bodyPr wrap="square">
-            <a:spAutoFit/>
-          </a:bodyPr>
-          <a:lstStyle/>
-          <a:p>
-            <a:r>
-              <a:rPr lang="de-DE" dirty="0">
-                <a:solidFill>
-                  <a:srgbClr val="464646"/>
-                </a:solidFill>
-                <a:latin typeface="Source Code Pro" panose="020B0509030403020204" pitchFamily="49" charset="0"/>
-              </a:rPr>
-              <a:t>"</a:t>
-            </a:r>
-            <a:r>
-              <a:rPr lang="de-DE" dirty="0" err="1">
-                <a:solidFill>
-                  <a:srgbClr val="464646"/>
-                </a:solidFill>
-                <a:latin typeface="Source Code Pro" panose="020B0509030403020204" pitchFamily="49" charset="0"/>
-              </a:rPr>
-              <a:t>yellow</a:t>
-            </a:r>
-            <a:r>
-              <a:rPr lang="de-DE" dirty="0">
-                <a:solidFill>
-                  <a:srgbClr val="464646"/>
-                </a:solidFill>
-                <a:latin typeface="Source Code Pro" panose="020B0509030403020204" pitchFamily="49" charset="0"/>
-              </a:rPr>
-              <a:t>"</a:t>
-            </a:r>
-            <a:endParaRPr lang="de-DE" dirty="0">
-              <a:solidFill>
-                <a:srgbClr val="000000"/>
-              </a:solidFill>
-              <a:latin typeface="Source Code Pro" panose="020B0509030403020204" pitchFamily="49" charset="0"/>
-            </a:endParaRPr>
-          </a:p>
-        </p:txBody>
-      </p:sp>
-      <p:sp>
-        <p:nvSpPr>
-          <p:cNvPr id="3" name="Rechteck 2">
-            <a:extLst>
-              <a:ext uri="{FF2B5EF4-FFF2-40B4-BE49-F238E27FC236}">
-                <a16:creationId xmlns:a16="http://schemas.microsoft.com/office/drawing/2014/main" id="{AB8B97D2-B5FF-451A-B91B-9B37C03BB0E2}"/>
-              </a:ext>
-            </a:extLst>
-          </p:cNvPr>
-          <p:cNvSpPr/>
-          <p:nvPr/>
-        </p:nvSpPr>
-        <p:spPr>
-          <a:xfrm>
-            <a:off x="838200" y="1692000"/>
-            <a:ext cx="5110316" cy="1200329"/>
+            <a:off x="875071" y="1680857"/>
+            <a:ext cx="5220929" cy="923330"/>
           </a:xfrm>
           <a:prstGeom prst="rect">
             <a:avLst/>
@@ -8158,25 +7881,16 @@
                 </a:solidFill>
                 <a:latin typeface="Source Code Pro" panose="020B0509030403020204" pitchFamily="49" charset="0"/>
               </a:rPr>
-              <a:t>string</a:t>
-            </a:r>
-            <a:r>
-              <a:rPr lang="de-DE" dirty="0">
-                <a:solidFill>
-                  <a:srgbClr val="464646"/>
-                </a:solidFill>
-                <a:latin typeface="Source Code Pro" panose="020B0509030403020204" pitchFamily="49" charset="0"/>
-              </a:rPr>
-              <a:t>"</a:t>
-            </a:r>
-            <a:r>
-              <a:rPr lang="de-DE" b="1" dirty="0">
-                <a:solidFill>
-                  <a:srgbClr val="4472C4"/>
-                </a:solidFill>
-                <a:latin typeface="Source Code Pro" panose="020B0509030403020204" pitchFamily="49" charset="0"/>
-              </a:rPr>
-              <a:t>,</a:t>
+              <a:t>object</a:t>
+            </a:r>
+            <a:r>
+              <a:rPr lang="de-DE" dirty="0">
+                <a:solidFill>
+                  <a:srgbClr val="464646"/>
+                </a:solidFill>
+                <a:latin typeface="Source Code Pro" panose="020B0509030403020204" pitchFamily="49" charset="0"/>
+              </a:rPr>
+              <a:t>"</a:t>
             </a:r>
             <a:endParaRPr lang="de-DE" dirty="0">
               <a:solidFill>
@@ -8187,203 +7901,6 @@
           </a:p>
           <a:p>
             <a:r>
-              <a:rPr lang="de-DE" dirty="0">
-                <a:solidFill>
-                  <a:srgbClr val="000000"/>
-                </a:solidFill>
-                <a:latin typeface="Source Code Pro" panose="020B0509030403020204" pitchFamily="49" charset="0"/>
-              </a:rPr>
-              <a:t>  </a:t>
-            </a:r>
-            <a:r>
-              <a:rPr lang="de-DE" dirty="0">
-                <a:solidFill>
-                  <a:srgbClr val="464646"/>
-                </a:solidFill>
-                <a:latin typeface="Source Code Pro" panose="020B0509030403020204" pitchFamily="49" charset="0"/>
-              </a:rPr>
-              <a:t>"</a:t>
-            </a:r>
-            <a:r>
-              <a:rPr lang="de-DE" dirty="0" err="1">
-                <a:solidFill>
-                  <a:srgbClr val="464646"/>
-                </a:solidFill>
-                <a:latin typeface="Source Code Pro" panose="020B0509030403020204" pitchFamily="49" charset="0"/>
-              </a:rPr>
-              <a:t>enum</a:t>
-            </a:r>
-            <a:r>
-              <a:rPr lang="de-DE" dirty="0">
-                <a:solidFill>
-                  <a:srgbClr val="464646"/>
-                </a:solidFill>
-                <a:latin typeface="Source Code Pro" panose="020B0509030403020204" pitchFamily="49" charset="0"/>
-              </a:rPr>
-              <a:t>"</a:t>
-            </a:r>
-            <a:r>
-              <a:rPr lang="de-DE" b="1" dirty="0">
-                <a:solidFill>
-                  <a:srgbClr val="4472C4"/>
-                </a:solidFill>
-                <a:latin typeface="Source Code Pro" panose="020B0509030403020204" pitchFamily="49" charset="0"/>
-              </a:rPr>
-              <a:t>:</a:t>
-            </a:r>
-            <a:r>
-              <a:rPr lang="de-DE" dirty="0">
-                <a:solidFill>
-                  <a:srgbClr val="000000"/>
-                </a:solidFill>
-                <a:latin typeface="Source Code Pro" panose="020B0509030403020204" pitchFamily="49" charset="0"/>
-              </a:rPr>
-              <a:t> </a:t>
-            </a:r>
-            <a:r>
-              <a:rPr lang="de-DE" b="1" dirty="0">
-                <a:solidFill>
-                  <a:srgbClr val="4472C4"/>
-                </a:solidFill>
-                <a:latin typeface="Source Code Pro" panose="020B0509030403020204" pitchFamily="49" charset="0"/>
-              </a:rPr>
-              <a:t>[</a:t>
-            </a:r>
-            <a:r>
-              <a:rPr lang="de-DE" dirty="0">
-                <a:solidFill>
-                  <a:srgbClr val="464646"/>
-                </a:solidFill>
-                <a:latin typeface="Source Code Pro" panose="020B0509030403020204" pitchFamily="49" charset="0"/>
-              </a:rPr>
-              <a:t>"</a:t>
-            </a:r>
-            <a:r>
-              <a:rPr lang="de-DE" dirty="0" err="1">
-                <a:solidFill>
-                  <a:srgbClr val="464646"/>
-                </a:solidFill>
-                <a:latin typeface="Source Code Pro" panose="020B0509030403020204" pitchFamily="49" charset="0"/>
-              </a:rPr>
-              <a:t>red</a:t>
-            </a:r>
-            <a:r>
-              <a:rPr lang="de-DE" dirty="0">
-                <a:solidFill>
-                  <a:srgbClr val="464646"/>
-                </a:solidFill>
-                <a:latin typeface="Source Code Pro" panose="020B0509030403020204" pitchFamily="49" charset="0"/>
-              </a:rPr>
-              <a:t>"</a:t>
-            </a:r>
-            <a:r>
-              <a:rPr lang="de-DE" b="1" dirty="0">
-                <a:solidFill>
-                  <a:srgbClr val="4472C4"/>
-                </a:solidFill>
-                <a:latin typeface="Source Code Pro" panose="020B0509030403020204" pitchFamily="49" charset="0"/>
-              </a:rPr>
-              <a:t>,</a:t>
-            </a:r>
-            <a:r>
-              <a:rPr lang="de-DE" dirty="0">
-                <a:solidFill>
-                  <a:srgbClr val="000000"/>
-                </a:solidFill>
-                <a:latin typeface="Source Code Pro" panose="020B0509030403020204" pitchFamily="49" charset="0"/>
-              </a:rPr>
-              <a:t> </a:t>
-            </a:r>
-            <a:r>
-              <a:rPr lang="de-DE" dirty="0">
-                <a:solidFill>
-                  <a:srgbClr val="464646"/>
-                </a:solidFill>
-                <a:latin typeface="Source Code Pro" panose="020B0509030403020204" pitchFamily="49" charset="0"/>
-              </a:rPr>
-              <a:t>"</a:t>
-            </a:r>
-            <a:r>
-              <a:rPr lang="de-DE" dirty="0" err="1">
-                <a:solidFill>
-                  <a:srgbClr val="464646"/>
-                </a:solidFill>
-                <a:latin typeface="Source Code Pro" panose="020B0509030403020204" pitchFamily="49" charset="0"/>
-              </a:rPr>
-              <a:t>yellow</a:t>
-            </a:r>
-            <a:r>
-              <a:rPr lang="de-DE" dirty="0">
-                <a:solidFill>
-                  <a:srgbClr val="464646"/>
-                </a:solidFill>
-                <a:latin typeface="Source Code Pro" panose="020B0509030403020204" pitchFamily="49" charset="0"/>
-              </a:rPr>
-              <a:t>"</a:t>
-            </a:r>
-            <a:r>
-              <a:rPr lang="de-DE" b="1" dirty="0">
-                <a:solidFill>
-                  <a:srgbClr val="4472C4"/>
-                </a:solidFill>
-                <a:latin typeface="Source Code Pro" panose="020B0509030403020204" pitchFamily="49" charset="0"/>
-              </a:rPr>
-              <a:t>,</a:t>
-            </a:r>
-            <a:r>
-              <a:rPr lang="de-DE" dirty="0">
-                <a:solidFill>
-                  <a:srgbClr val="000000"/>
-                </a:solidFill>
-                <a:latin typeface="Source Code Pro" panose="020B0509030403020204" pitchFamily="49" charset="0"/>
-              </a:rPr>
-              <a:t> </a:t>
-            </a:r>
-            <a:r>
-              <a:rPr lang="de-DE" dirty="0">
-                <a:solidFill>
-                  <a:srgbClr val="464646"/>
-                </a:solidFill>
-                <a:latin typeface="Source Code Pro" panose="020B0509030403020204" pitchFamily="49" charset="0"/>
-              </a:rPr>
-              <a:t>"</a:t>
-            </a:r>
-            <a:r>
-              <a:rPr lang="de-DE" dirty="0" err="1">
-                <a:solidFill>
-                  <a:srgbClr val="464646"/>
-                </a:solidFill>
-                <a:latin typeface="Source Code Pro" panose="020B0509030403020204" pitchFamily="49" charset="0"/>
-              </a:rPr>
-              <a:t>green</a:t>
-            </a:r>
-            <a:r>
-              <a:rPr lang="de-DE" dirty="0">
-                <a:solidFill>
-                  <a:srgbClr val="464646"/>
-                </a:solidFill>
-                <a:latin typeface="Source Code Pro" panose="020B0509030403020204" pitchFamily="49" charset="0"/>
-              </a:rPr>
-              <a:t>"</a:t>
-            </a:r>
-            <a:r>
-              <a:rPr lang="de-DE" b="1" dirty="0">
-                <a:solidFill>
-                  <a:srgbClr val="4472C4"/>
-                </a:solidFill>
-                <a:latin typeface="Source Code Pro" panose="020B0509030403020204" pitchFamily="49" charset="0"/>
-              </a:rPr>
-              <a:t>]</a:t>
-            </a:r>
-            <a:endParaRPr lang="de-DE" dirty="0">
-              <a:solidFill>
-                <a:srgbClr val="000000"/>
-              </a:solidFill>
-              <a:latin typeface="Source Code Pro" panose="020B0509030403020204" pitchFamily="49" charset="0"/>
-            </a:endParaRPr>
-          </a:p>
-          <a:p>
-            <a:r>
               <a:rPr lang="de-DE" b="1" dirty="0">
                 <a:solidFill>
                   <a:srgbClr val="4472C4"/>
@@ -8398,10 +7915,10 @@
       </p:sp>
       <p:sp>
         <p:nvSpPr>
-          <p:cNvPr id="15" name="Rechteck 14">
+          <p:cNvPr id="22" name="Rechteck 21">
             <a:extLst>
               <a:ext uri="{FF2B5EF4-FFF2-40B4-BE49-F238E27FC236}">
-                <a16:creationId xmlns:a16="http://schemas.microsoft.com/office/drawing/2014/main" id="{F6102B9A-D060-4AF2-8C2B-EDF02AEB5196}"/>
+                <a16:creationId xmlns:a16="http://schemas.microsoft.com/office/drawing/2014/main" id="{955043D9-3BEA-431C-8C24-CDC8D8834A5E}"/>
               </a:ext>
             </a:extLst>
           </p:cNvPr>
@@ -8410,118 +7927,8 @@
         </p:nvSpPr>
         <p:spPr>
           <a:xfrm>
-            <a:off x="6744930" y="2080341"/>
-            <a:ext cx="4608870" cy="369332"/>
-          </a:xfrm>
-          <a:prstGeom prst="rect">
-            <a:avLst/>
-          </a:prstGeom>
-          <a:solidFill>
-            <a:srgbClr val="FFCCCC"/>
-          </a:solidFill>
-          <a:ln>
-            <a:noFill/>
-          </a:ln>
-        </p:spPr>
-        <p:txBody>
-          <a:bodyPr wrap="square">
-            <a:spAutoFit/>
-          </a:bodyPr>
-          <a:lstStyle/>
-          <a:p>
-            <a:r>
-              <a:rPr lang="de-DE" dirty="0">
-                <a:solidFill>
-                  <a:srgbClr val="464646"/>
-                </a:solidFill>
-                <a:latin typeface="Source Code Pro" panose="020B0509030403020204" pitchFamily="49" charset="0"/>
-              </a:rPr>
-              <a:t>"</a:t>
-            </a:r>
-            <a:r>
-              <a:rPr lang="de-DE" dirty="0" err="1">
-                <a:solidFill>
-                  <a:srgbClr val="464646"/>
-                </a:solidFill>
-                <a:latin typeface="Source Code Pro" panose="020B0509030403020204" pitchFamily="49" charset="0"/>
-              </a:rPr>
-              <a:t>blue</a:t>
-            </a:r>
-            <a:r>
-              <a:rPr lang="de-DE" dirty="0">
-                <a:solidFill>
-                  <a:srgbClr val="464646"/>
-                </a:solidFill>
-                <a:latin typeface="Source Code Pro" panose="020B0509030403020204" pitchFamily="49" charset="0"/>
-              </a:rPr>
-              <a:t>"</a:t>
-            </a:r>
-            <a:endParaRPr lang="de-DE" dirty="0"/>
-          </a:p>
-        </p:txBody>
-      </p:sp>
-      <p:sp>
-        <p:nvSpPr>
-          <p:cNvPr id="16" name="Rechteck 15">
-            <a:extLst>
-              <a:ext uri="{FF2B5EF4-FFF2-40B4-BE49-F238E27FC236}">
-                <a16:creationId xmlns:a16="http://schemas.microsoft.com/office/drawing/2014/main" id="{0280F44D-8D8F-4BF9-BF50-56ADDB0F4FC4}"/>
-              </a:ext>
-            </a:extLst>
-          </p:cNvPr>
-          <p:cNvSpPr/>
-          <p:nvPr/>
-        </p:nvSpPr>
-        <p:spPr>
-          <a:xfrm>
-            <a:off x="6744930" y="4103451"/>
-            <a:ext cx="4608870" cy="369332"/>
-          </a:xfrm>
-          <a:prstGeom prst="rect">
-            <a:avLst/>
-          </a:prstGeom>
-          <a:solidFill>
-            <a:srgbClr val="FFCCCC"/>
-          </a:solidFill>
-          <a:ln>
-            <a:noFill/>
-          </a:ln>
-        </p:spPr>
-        <p:txBody>
-          <a:bodyPr wrap="square">
-            <a:spAutoFit/>
-          </a:bodyPr>
-          <a:lstStyle/>
-          <a:p>
-            <a:r>
-              <a:rPr lang="de-DE" dirty="0">
-                <a:solidFill>
-                  <a:srgbClr val="FF8000"/>
-                </a:solidFill>
-                <a:latin typeface="Source Code Pro" panose="020B0509030403020204" pitchFamily="49" charset="0"/>
-              </a:rPr>
-              <a:t>3</a:t>
-            </a:r>
-            <a:endParaRPr lang="de-DE" dirty="0"/>
-          </a:p>
-        </p:txBody>
-      </p:sp>
-      <p:sp>
-        <p:nvSpPr>
-          <p:cNvPr id="17" name="Rechteck 16">
-            <a:extLst>
-              <a:ext uri="{FF2B5EF4-FFF2-40B4-BE49-F238E27FC236}">
-                <a16:creationId xmlns:a16="http://schemas.microsoft.com/office/drawing/2014/main" id="{6B9471C1-CF46-4FE4-8277-C7472F4A9A77}"/>
-              </a:ext>
-            </a:extLst>
-          </p:cNvPr>
-          <p:cNvSpPr/>
-          <p:nvPr/>
-        </p:nvSpPr>
-        <p:spPr>
-          <a:xfrm>
-            <a:off x="6744930" y="3301948"/>
-            <a:ext cx="4608870" cy="369332"/>
+            <a:off x="6708059" y="2223025"/>
+            <a:ext cx="4608870" cy="1200329"/>
           </a:xfrm>
           <a:prstGeom prst="rect">
             <a:avLst/>
@@ -8543,13 +7950,13 @@
           <a:lstStyle/>
           <a:p>
             <a:r>
-              <a:rPr lang="de-DE" dirty="0">
-                <a:solidFill>
-                  <a:srgbClr val="FF8000"/>
-                </a:solidFill>
-                <a:latin typeface="Source Code Pro" panose="020B0509030403020204" pitchFamily="49" charset="0"/>
-              </a:rPr>
-              <a:t>1</a:t>
+              <a:rPr lang="de-DE" b="1" dirty="0">
+                <a:solidFill>
+                  <a:srgbClr val="4472C4"/>
+                </a:solidFill>
+                <a:latin typeface="Source Code Pro" panose="020B0509030403020204" pitchFamily="49" charset="0"/>
+              </a:rPr>
+              <a:t>{</a:t>
             </a:r>
             <a:endParaRPr lang="de-DE" dirty="0">
               <a:solidFill>
@@ -8558,14 +7965,162 @@
               <a:latin typeface="Source Code Pro" panose="020B0509030403020204" pitchFamily="49" charset="0"/>
             </a:endParaRPr>
           </a:p>
+          <a:p>
+            <a:r>
+              <a:rPr lang="de-DE" dirty="0">
+                <a:solidFill>
+                  <a:srgbClr val="000000"/>
+                </a:solidFill>
+                <a:latin typeface="Source Code Pro" panose="020B0509030403020204" pitchFamily="49" charset="0"/>
+              </a:rPr>
+              <a:t>  </a:t>
+            </a:r>
+            <a:r>
+              <a:rPr lang="de-DE" dirty="0">
+                <a:solidFill>
+                  <a:srgbClr val="464646"/>
+                </a:solidFill>
+                <a:latin typeface="Source Code Pro" panose="020B0509030403020204" pitchFamily="49" charset="0"/>
+              </a:rPr>
+              <a:t>"</a:t>
+            </a:r>
+            <a:r>
+              <a:rPr lang="de-DE" dirty="0" err="1">
+                <a:solidFill>
+                  <a:srgbClr val="464646"/>
+                </a:solidFill>
+                <a:latin typeface="Source Code Pro" panose="020B0509030403020204" pitchFamily="49" charset="0"/>
+              </a:rPr>
+              <a:t>name</a:t>
+            </a:r>
+            <a:r>
+              <a:rPr lang="de-DE" dirty="0">
+                <a:solidFill>
+                  <a:srgbClr val="464646"/>
+                </a:solidFill>
+                <a:latin typeface="Source Code Pro" panose="020B0509030403020204" pitchFamily="49" charset="0"/>
+              </a:rPr>
+              <a:t>"</a:t>
+            </a:r>
+            <a:r>
+              <a:rPr lang="de-DE" b="1" dirty="0">
+                <a:solidFill>
+                  <a:srgbClr val="4472C4"/>
+                </a:solidFill>
+                <a:latin typeface="Source Code Pro" panose="020B0509030403020204" pitchFamily="49" charset="0"/>
+              </a:rPr>
+              <a:t>:</a:t>
+            </a:r>
+            <a:r>
+              <a:rPr lang="de-DE" dirty="0">
+                <a:solidFill>
+                  <a:srgbClr val="464646"/>
+                </a:solidFill>
+                <a:latin typeface="Source Code Pro" panose="020B0509030403020204" pitchFamily="49" charset="0"/>
+              </a:rPr>
+              <a:t>"John </a:t>
+            </a:r>
+            <a:r>
+              <a:rPr lang="de-DE" dirty="0" err="1">
+                <a:solidFill>
+                  <a:srgbClr val="464646"/>
+                </a:solidFill>
+                <a:latin typeface="Source Code Pro" panose="020B0509030403020204" pitchFamily="49" charset="0"/>
+              </a:rPr>
+              <a:t>Doe</a:t>
+            </a:r>
+            <a:r>
+              <a:rPr lang="de-DE" dirty="0">
+                <a:solidFill>
+                  <a:srgbClr val="464646"/>
+                </a:solidFill>
+                <a:latin typeface="Source Code Pro" panose="020B0509030403020204" pitchFamily="49" charset="0"/>
+              </a:rPr>
+              <a:t>"</a:t>
+            </a:r>
+            <a:r>
+              <a:rPr lang="de-DE" b="1" dirty="0">
+                <a:solidFill>
+                  <a:srgbClr val="4472C4"/>
+                </a:solidFill>
+                <a:latin typeface="Source Code Pro" panose="020B0509030403020204" pitchFamily="49" charset="0"/>
+              </a:rPr>
+              <a:t>,</a:t>
+            </a:r>
+            <a:endParaRPr lang="de-DE" dirty="0">
+              <a:solidFill>
+                <a:srgbClr val="000000"/>
+              </a:solidFill>
+              <a:latin typeface="Source Code Pro" panose="020B0509030403020204" pitchFamily="49" charset="0"/>
+            </a:endParaRPr>
+          </a:p>
+          <a:p>
+            <a:r>
+              <a:rPr lang="de-DE" dirty="0">
+                <a:solidFill>
+                  <a:srgbClr val="000000"/>
+                </a:solidFill>
+                <a:latin typeface="Source Code Pro" panose="020B0509030403020204" pitchFamily="49" charset="0"/>
+              </a:rPr>
+              <a:t>  </a:t>
+            </a:r>
+            <a:r>
+              <a:rPr lang="de-DE" dirty="0">
+                <a:solidFill>
+                  <a:srgbClr val="464646"/>
+                </a:solidFill>
+                <a:latin typeface="Source Code Pro" panose="020B0509030403020204" pitchFamily="49" charset="0"/>
+              </a:rPr>
+              <a:t>"age"</a:t>
+            </a:r>
+            <a:r>
+              <a:rPr lang="de-DE" b="1" dirty="0">
+                <a:solidFill>
+                  <a:srgbClr val="4472C4"/>
+                </a:solidFill>
+                <a:latin typeface="Source Code Pro" panose="020B0509030403020204" pitchFamily="49" charset="0"/>
+              </a:rPr>
+              <a:t>:</a:t>
+            </a:r>
+            <a:r>
+              <a:rPr lang="de-DE" dirty="0">
+                <a:solidFill>
+                  <a:srgbClr val="FF8000"/>
+                </a:solidFill>
+                <a:latin typeface="Source Code Pro" panose="020B0509030403020204" pitchFamily="49" charset="0"/>
+              </a:rPr>
+              <a:t>28</a:t>
+            </a:r>
+            <a:r>
+              <a:rPr lang="de-DE" dirty="0">
+                <a:solidFill>
+                  <a:srgbClr val="000000"/>
+                </a:solidFill>
+                <a:latin typeface="Source Code Pro" panose="020B0509030403020204" pitchFamily="49" charset="0"/>
+              </a:rPr>
+              <a:t> </a:t>
+            </a:r>
+          </a:p>
+          <a:p>
+            <a:r>
+              <a:rPr lang="de-DE" b="1" dirty="0">
+                <a:solidFill>
+                  <a:srgbClr val="4472C4"/>
+                </a:solidFill>
+                <a:latin typeface="Source Code Pro" panose="020B0509030403020204" pitchFamily="49" charset="0"/>
+              </a:rPr>
+              <a:t>}</a:t>
+            </a:r>
+            <a:endParaRPr lang="de-DE" dirty="0"/>
+          </a:p>
         </p:txBody>
       </p:sp>
       <p:sp>
         <p:nvSpPr>
-          <p:cNvPr id="18" name="Rechteck 17">
+          <p:cNvPr id="23" name="Rechteck 22">
             <a:extLst>
               <a:ext uri="{FF2B5EF4-FFF2-40B4-BE49-F238E27FC236}">
-                <a16:creationId xmlns:a16="http://schemas.microsoft.com/office/drawing/2014/main" id="{DB90A684-1136-453A-95F2-0AB038FD892E}"/>
+                <a16:creationId xmlns:a16="http://schemas.microsoft.com/office/drawing/2014/main" id="{52009620-A11D-417E-A3D6-35A346F5EBB1}"/>
               </a:ext>
             </a:extLst>
           </p:cNvPr>
@@ -8574,228 +8129,8 @@
         </p:nvSpPr>
         <p:spPr>
           <a:xfrm>
-            <a:off x="838200" y="3292116"/>
-            <a:ext cx="5110316" cy="1200329"/>
-          </a:xfrm>
-          <a:prstGeom prst="rect">
-            <a:avLst/>
-          </a:prstGeom>
-          <a:solidFill>
-            <a:schemeClr val="bg1">
-              <a:lumMod val="95000"/>
-            </a:schemeClr>
-          </a:solidFill>
-          <a:ln>
-            <a:solidFill>
-              <a:schemeClr val="bg1">
-                <a:lumMod val="85000"/>
-              </a:schemeClr>
-            </a:solidFill>
-          </a:ln>
-        </p:spPr>
-        <p:txBody>
-          <a:bodyPr wrap="square">
-            <a:spAutoFit/>
-          </a:bodyPr>
-          <a:lstStyle/>
-          <a:p>
-            <a:r>
-              <a:rPr lang="de-DE" b="1" dirty="0">
-                <a:solidFill>
-                  <a:srgbClr val="4472C4"/>
-                </a:solidFill>
-                <a:latin typeface="Source Code Pro" panose="020B0509030403020204" pitchFamily="49" charset="0"/>
-              </a:rPr>
-              <a:t>{</a:t>
-            </a:r>
-            <a:endParaRPr lang="de-DE" dirty="0">
-              <a:solidFill>
-                <a:srgbClr val="000000"/>
-              </a:solidFill>
-              <a:latin typeface="Source Code Pro" panose="020B0509030403020204" pitchFamily="49" charset="0"/>
-            </a:endParaRPr>
-          </a:p>
-          <a:p>
-            <a:r>
-              <a:rPr lang="de-DE" dirty="0">
-                <a:solidFill>
-                  <a:srgbClr val="000000"/>
-                </a:solidFill>
-                <a:latin typeface="Source Code Pro" panose="020B0509030403020204" pitchFamily="49" charset="0"/>
-              </a:rPr>
-              <a:t>  </a:t>
-            </a:r>
-            <a:r>
-              <a:rPr lang="de-DE" dirty="0">
-                <a:solidFill>
-                  <a:srgbClr val="464646"/>
-                </a:solidFill>
-                <a:latin typeface="Source Code Pro" panose="020B0509030403020204" pitchFamily="49" charset="0"/>
-              </a:rPr>
-              <a:t>"type"</a:t>
-            </a:r>
-            <a:r>
-              <a:rPr lang="de-DE" b="1" dirty="0">
-                <a:solidFill>
-                  <a:srgbClr val="4472C4"/>
-                </a:solidFill>
-                <a:latin typeface="Source Code Pro" panose="020B0509030403020204" pitchFamily="49" charset="0"/>
-              </a:rPr>
-              <a:t>:</a:t>
-            </a:r>
-            <a:r>
-              <a:rPr lang="de-DE" dirty="0">
-                <a:solidFill>
-                  <a:srgbClr val="000000"/>
-                </a:solidFill>
-                <a:latin typeface="Source Code Pro" panose="020B0509030403020204" pitchFamily="49" charset="0"/>
-              </a:rPr>
-              <a:t> </a:t>
-            </a:r>
-            <a:r>
-              <a:rPr lang="de-DE" dirty="0">
-                <a:solidFill>
-                  <a:srgbClr val="464646"/>
-                </a:solidFill>
-                <a:latin typeface="Source Code Pro" panose="020B0509030403020204" pitchFamily="49" charset="0"/>
-              </a:rPr>
-              <a:t>"integer"</a:t>
-            </a:r>
-            <a:r>
-              <a:rPr lang="de-DE" b="1" dirty="0">
-                <a:solidFill>
-                  <a:srgbClr val="4472C4"/>
-                </a:solidFill>
-                <a:latin typeface="Source Code Pro" panose="020B0509030403020204" pitchFamily="49" charset="0"/>
-              </a:rPr>
-              <a:t>,</a:t>
-            </a:r>
-            <a:endParaRPr lang="de-DE" dirty="0">
-              <a:solidFill>
-                <a:srgbClr val="000000"/>
-              </a:solidFill>
-              <a:latin typeface="Source Code Pro" panose="020B0509030403020204" pitchFamily="49" charset="0"/>
-            </a:endParaRPr>
-          </a:p>
-          <a:p>
-            <a:r>
-              <a:rPr lang="de-DE" dirty="0">
-                <a:solidFill>
-                  <a:srgbClr val="000000"/>
-                </a:solidFill>
-                <a:latin typeface="Source Code Pro" panose="020B0509030403020204" pitchFamily="49" charset="0"/>
-              </a:rPr>
-              <a:t>  </a:t>
-            </a:r>
-            <a:r>
-              <a:rPr lang="de-DE" dirty="0">
-                <a:solidFill>
-                  <a:srgbClr val="464646"/>
-                </a:solidFill>
-                <a:latin typeface="Source Code Pro" panose="020B0509030403020204" pitchFamily="49" charset="0"/>
-              </a:rPr>
-              <a:t>"</a:t>
-            </a:r>
-            <a:r>
-              <a:rPr lang="de-DE" dirty="0" err="1">
-                <a:solidFill>
-                  <a:srgbClr val="464646"/>
-                </a:solidFill>
-                <a:latin typeface="Source Code Pro" panose="020B0509030403020204" pitchFamily="49" charset="0"/>
-              </a:rPr>
-              <a:t>enum</a:t>
-            </a:r>
-            <a:r>
-              <a:rPr lang="de-DE" dirty="0">
-                <a:solidFill>
-                  <a:srgbClr val="464646"/>
-                </a:solidFill>
-                <a:latin typeface="Source Code Pro" panose="020B0509030403020204" pitchFamily="49" charset="0"/>
-              </a:rPr>
-              <a:t>"</a:t>
-            </a:r>
-            <a:r>
-              <a:rPr lang="de-DE" b="1" dirty="0">
-                <a:solidFill>
-                  <a:srgbClr val="4472C4"/>
-                </a:solidFill>
-                <a:latin typeface="Source Code Pro" panose="020B0509030403020204" pitchFamily="49" charset="0"/>
-              </a:rPr>
-              <a:t>:</a:t>
-            </a:r>
-            <a:r>
-              <a:rPr lang="de-DE" dirty="0">
-                <a:solidFill>
-                  <a:srgbClr val="000000"/>
-                </a:solidFill>
-                <a:latin typeface="Source Code Pro" panose="020B0509030403020204" pitchFamily="49" charset="0"/>
-              </a:rPr>
-              <a:t> </a:t>
-            </a:r>
-            <a:r>
-              <a:rPr lang="de-DE" b="1" dirty="0">
-                <a:solidFill>
-                  <a:srgbClr val="4472C4"/>
-                </a:solidFill>
-                <a:latin typeface="Source Code Pro" panose="020B0509030403020204" pitchFamily="49" charset="0"/>
-              </a:rPr>
-              <a:t>[</a:t>
-            </a:r>
-            <a:r>
-              <a:rPr lang="de-DE" dirty="0">
-                <a:solidFill>
-                  <a:srgbClr val="464646"/>
-                </a:solidFill>
-                <a:latin typeface="Source Code Pro" panose="020B0509030403020204" pitchFamily="49" charset="0"/>
-              </a:rPr>
-              <a:t>1,2</a:t>
-            </a:r>
-            <a:r>
-              <a:rPr lang="de-DE" b="1" dirty="0">
-                <a:solidFill>
-                  <a:srgbClr val="4472C4"/>
-                </a:solidFill>
-                <a:latin typeface="Source Code Pro" panose="020B0509030403020204" pitchFamily="49" charset="0"/>
-              </a:rPr>
-              <a:t>]</a:t>
-            </a:r>
-            <a:endParaRPr lang="de-DE" dirty="0">
-              <a:solidFill>
-                <a:srgbClr val="000000"/>
-              </a:solidFill>
-              <a:latin typeface="Source Code Pro" panose="020B0509030403020204" pitchFamily="49" charset="0"/>
-            </a:endParaRPr>
-          </a:p>
-          <a:p>
-            <a:r>
-              <a:rPr lang="de-DE" b="1" dirty="0">
-                <a:solidFill>
-                  <a:srgbClr val="4472C4"/>
-                </a:solidFill>
-                <a:latin typeface="Source Code Pro" panose="020B0509030403020204" pitchFamily="49" charset="0"/>
-              </a:rPr>
-              <a:t>}</a:t>
-            </a:r>
-            <a:endParaRPr lang="de-DE" dirty="0"/>
-          </a:p>
-        </p:txBody>
-      </p:sp>
-      <p:sp>
-        <p:nvSpPr>
-          <p:cNvPr id="21" name="Rechteck 20">
-            <a:extLst>
-              <a:ext uri="{FF2B5EF4-FFF2-40B4-BE49-F238E27FC236}">
-                <a16:creationId xmlns:a16="http://schemas.microsoft.com/office/drawing/2014/main" id="{01202AC5-512F-4402-BFE6-7C4D98B9DF05}"/>
-              </a:ext>
-            </a:extLst>
-          </p:cNvPr>
-          <p:cNvSpPr/>
-          <p:nvPr/>
-        </p:nvSpPr>
-        <p:spPr>
-          <a:xfrm>
-            <a:off x="6744930" y="3701632"/>
-            <a:ext cx="4608870" cy="369332"/>
+            <a:off x="6708059" y="3596190"/>
+            <a:ext cx="4608870" cy="1477328"/>
           </a:xfrm>
           <a:prstGeom prst="rect">
             <a:avLst/>
@@ -8817,13 +8152,13 @@
           <a:lstStyle/>
           <a:p>
             <a:r>
-              <a:rPr lang="de-DE" dirty="0">
-                <a:solidFill>
-                  <a:srgbClr val="FF8000"/>
-                </a:solidFill>
-                <a:latin typeface="Source Code Pro" panose="020B0509030403020204" pitchFamily="49" charset="0"/>
-              </a:rPr>
-              <a:t>2</a:t>
+              <a:rPr lang="de-DE" b="1" dirty="0">
+                <a:solidFill>
+                  <a:srgbClr val="4472C4"/>
+                </a:solidFill>
+                <a:latin typeface="Source Code Pro" panose="020B0509030403020204" pitchFamily="49" charset="0"/>
+              </a:rPr>
+              <a:t>{</a:t>
             </a:r>
             <a:endParaRPr lang="de-DE" dirty="0">
               <a:solidFill>
@@ -8832,12 +8167,213 @@
               <a:latin typeface="Source Code Pro" panose="020B0509030403020204" pitchFamily="49" charset="0"/>
             </a:endParaRPr>
           </a:p>
+          <a:p>
+            <a:r>
+              <a:rPr lang="de-DE" dirty="0">
+                <a:solidFill>
+                  <a:srgbClr val="000000"/>
+                </a:solidFill>
+                <a:latin typeface="Source Code Pro" panose="020B0509030403020204" pitchFamily="49" charset="0"/>
+              </a:rPr>
+              <a:t>  </a:t>
+            </a:r>
+            <a:r>
+              <a:rPr lang="de-DE" dirty="0">
+                <a:solidFill>
+                  <a:srgbClr val="464646"/>
+                </a:solidFill>
+                <a:latin typeface="Source Code Pro" panose="020B0509030403020204" pitchFamily="49" charset="0"/>
+              </a:rPr>
+              <a:t>"</a:t>
+            </a:r>
+            <a:r>
+              <a:rPr lang="de-DE" dirty="0" err="1">
+                <a:solidFill>
+                  <a:srgbClr val="464646"/>
+                </a:solidFill>
+                <a:latin typeface="Source Code Pro" panose="020B0509030403020204" pitchFamily="49" charset="0"/>
+              </a:rPr>
+              <a:t>name</a:t>
+            </a:r>
+            <a:r>
+              <a:rPr lang="de-DE" dirty="0">
+                <a:solidFill>
+                  <a:srgbClr val="464646"/>
+                </a:solidFill>
+                <a:latin typeface="Source Code Pro" panose="020B0509030403020204" pitchFamily="49" charset="0"/>
+              </a:rPr>
+              <a:t>"</a:t>
+            </a:r>
+            <a:r>
+              <a:rPr lang="de-DE" b="1" dirty="0">
+                <a:solidFill>
+                  <a:srgbClr val="4472C4"/>
+                </a:solidFill>
+                <a:latin typeface="Source Code Pro" panose="020B0509030403020204" pitchFamily="49" charset="0"/>
+              </a:rPr>
+              <a:t>:</a:t>
+            </a:r>
+            <a:r>
+              <a:rPr lang="de-DE" dirty="0">
+                <a:solidFill>
+                  <a:srgbClr val="464646"/>
+                </a:solidFill>
+                <a:latin typeface="Source Code Pro" panose="020B0509030403020204" pitchFamily="49" charset="0"/>
+              </a:rPr>
+              <a:t>"John </a:t>
+            </a:r>
+            <a:r>
+              <a:rPr lang="de-DE" dirty="0" err="1">
+                <a:solidFill>
+                  <a:srgbClr val="464646"/>
+                </a:solidFill>
+                <a:latin typeface="Source Code Pro" panose="020B0509030403020204" pitchFamily="49" charset="0"/>
+              </a:rPr>
+              <a:t>Doe</a:t>
+            </a:r>
+            <a:r>
+              <a:rPr lang="de-DE" dirty="0">
+                <a:solidFill>
+                  <a:srgbClr val="464646"/>
+                </a:solidFill>
+                <a:latin typeface="Source Code Pro" panose="020B0509030403020204" pitchFamily="49" charset="0"/>
+              </a:rPr>
+              <a:t>"</a:t>
+            </a:r>
+            <a:r>
+              <a:rPr lang="de-DE" b="1" dirty="0">
+                <a:solidFill>
+                  <a:srgbClr val="4472C4"/>
+                </a:solidFill>
+                <a:latin typeface="Source Code Pro" panose="020B0509030403020204" pitchFamily="49" charset="0"/>
+              </a:rPr>
+              <a:t>,</a:t>
+            </a:r>
+            <a:endParaRPr lang="de-DE" dirty="0">
+              <a:solidFill>
+                <a:srgbClr val="000000"/>
+              </a:solidFill>
+              <a:latin typeface="Source Code Pro" panose="020B0509030403020204" pitchFamily="49" charset="0"/>
+            </a:endParaRPr>
+          </a:p>
+          <a:p>
+            <a:r>
+              <a:rPr lang="de-DE" dirty="0">
+                <a:solidFill>
+                  <a:srgbClr val="000000"/>
+                </a:solidFill>
+                <a:latin typeface="Source Code Pro" panose="020B0509030403020204" pitchFamily="49" charset="0"/>
+              </a:rPr>
+              <a:t>  </a:t>
+            </a:r>
+            <a:r>
+              <a:rPr lang="de-DE" dirty="0">
+                <a:solidFill>
+                  <a:srgbClr val="464646"/>
+                </a:solidFill>
+                <a:latin typeface="Source Code Pro" panose="020B0509030403020204" pitchFamily="49" charset="0"/>
+              </a:rPr>
+              <a:t>"age"</a:t>
+            </a:r>
+            <a:r>
+              <a:rPr lang="de-DE" b="1" dirty="0">
+                <a:solidFill>
+                  <a:srgbClr val="4472C4"/>
+                </a:solidFill>
+                <a:latin typeface="Source Code Pro" panose="020B0509030403020204" pitchFamily="49" charset="0"/>
+              </a:rPr>
+              <a:t>:</a:t>
+            </a:r>
+            <a:r>
+              <a:rPr lang="de-DE" dirty="0">
+                <a:solidFill>
+                  <a:srgbClr val="FF8000"/>
+                </a:solidFill>
+                <a:latin typeface="Source Code Pro" panose="020B0509030403020204" pitchFamily="49" charset="0"/>
+              </a:rPr>
+              <a:t>28</a:t>
+            </a:r>
+            <a:r>
+              <a:rPr lang="de-DE" b="1" dirty="0">
+                <a:solidFill>
+                  <a:srgbClr val="4472C4"/>
+                </a:solidFill>
+                <a:latin typeface="Source Code Pro" panose="020B0509030403020204" pitchFamily="49" charset="0"/>
+              </a:rPr>
+              <a:t>,</a:t>
+            </a:r>
+            <a:r>
+              <a:rPr lang="de-DE" dirty="0">
+                <a:solidFill>
+                  <a:srgbClr val="000000"/>
+                </a:solidFill>
+                <a:latin typeface="Source Code Pro" panose="020B0509030403020204" pitchFamily="49" charset="0"/>
+              </a:rPr>
+              <a:t> </a:t>
+            </a:r>
+          </a:p>
+          <a:p>
+            <a:r>
+              <a:rPr lang="de-DE" dirty="0">
+                <a:solidFill>
+                  <a:srgbClr val="000000"/>
+                </a:solidFill>
+                <a:latin typeface="Source Code Pro" panose="020B0509030403020204" pitchFamily="49" charset="0"/>
+              </a:rPr>
+              <a:t>  </a:t>
+            </a:r>
+            <a:r>
+              <a:rPr lang="de-DE" dirty="0">
+                <a:solidFill>
+                  <a:srgbClr val="464646"/>
+                </a:solidFill>
+                <a:latin typeface="Source Code Pro" panose="020B0509030403020204" pitchFamily="49" charset="0"/>
+              </a:rPr>
+              <a:t>"phone"</a:t>
+            </a:r>
+            <a:r>
+              <a:rPr lang="de-DE" b="1" dirty="0">
+                <a:solidFill>
+                  <a:srgbClr val="4472C4"/>
+                </a:solidFill>
+                <a:latin typeface="Source Code Pro" panose="020B0509030403020204" pitchFamily="49" charset="0"/>
+              </a:rPr>
+              <a:t>:</a:t>
+            </a:r>
+            <a:r>
+              <a:rPr lang="de-DE" dirty="0">
+                <a:solidFill>
+                  <a:srgbClr val="464646"/>
+                </a:solidFill>
+                <a:latin typeface="Source Code Pro" panose="020B0509030403020204" pitchFamily="49" charset="0"/>
+              </a:rPr>
+              <a:t>"012-2345-67"</a:t>
+            </a:r>
+            <a:endParaRPr lang="de-DE" dirty="0">
+              <a:solidFill>
+                <a:srgbClr val="000000"/>
+              </a:solidFill>
+              <a:latin typeface="Source Code Pro" panose="020B0509030403020204" pitchFamily="49" charset="0"/>
+            </a:endParaRPr>
+          </a:p>
+          <a:p>
+            <a:r>
+              <a:rPr lang="de-DE" b="1" dirty="0">
+                <a:solidFill>
+                  <a:srgbClr val="4472C4"/>
+                </a:solidFill>
+                <a:latin typeface="Source Code Pro" panose="020B0509030403020204" pitchFamily="49" charset="0"/>
+              </a:rPr>
+              <a:t>}</a:t>
+            </a:r>
+            <a:endParaRPr lang="de-DE" dirty="0"/>
+          </a:p>
         </p:txBody>
       </p:sp>
     </p:spTree>
     <p:extLst>
       <p:ext uri="{BB962C8B-B14F-4D97-AF65-F5344CB8AC3E}">
-        <p14:creationId xmlns:p14="http://schemas.microsoft.com/office/powerpoint/2010/main" val="2120867264"/>
+        <p14:creationId xmlns:p14="http://schemas.microsoft.com/office/powerpoint/2010/main" val="2946664927"/>
       </p:ext>
     </p:extLst>
   </p:cSld>
@@ -8887,7 +8423,7 @@
           <a:p>
             <a:r>
               <a:rPr lang="de-DE" dirty="0"/>
-              <a:t>Objekt-Eigenschaften</a:t>
+              <a:t>Objekt-Pflicht-Eigenschaften</a:t>
             </a:r>
           </a:p>
         </p:txBody>
@@ -8915,7 +8451,7 @@
           <a:p>
             <a:fld id="{CFFA1D88-5C5F-47BF-8575-62828799C3D3}" type="datetime1">
               <a:rPr lang="de-DE" smtClean="0"/>
-              <a:t>09.12.2017</a:t>
+              <a:t>18.12.2017</a:t>
             </a:fld>
             <a:endParaRPr lang="de-DE" dirty="0"/>
           </a:p>
@@ -8974,6 +8510,1482 @@
             <a:fld id="{4DEAFF03-B2A3-4F10-AFBA-713F9B73CAA7}" type="slidenum">
               <a:rPr lang="de-DE" smtClean="0"/>
               <a:t>15</a:t>
+            </a:fld>
+            <a:endParaRPr lang="de-DE"/>
+          </a:p>
+        </p:txBody>
+      </p:sp>
+      <p:sp>
+        <p:nvSpPr>
+          <p:cNvPr id="9" name="Rechteck 8">
+            <a:extLst>
+              <a:ext uri="{FF2B5EF4-FFF2-40B4-BE49-F238E27FC236}">
+                <a16:creationId xmlns:a16="http://schemas.microsoft.com/office/drawing/2014/main" id="{D53069BA-2455-49E1-8360-B8F571081120}"/>
+              </a:ext>
+            </a:extLst>
+          </p:cNvPr>
+          <p:cNvSpPr/>
+          <p:nvPr/>
+        </p:nvSpPr>
+        <p:spPr>
+          <a:xfrm>
+            <a:off x="6708059" y="1680857"/>
+            <a:ext cx="4608870" cy="923330"/>
+          </a:xfrm>
+          <a:prstGeom prst="rect">
+            <a:avLst/>
+          </a:prstGeom>
+          <a:solidFill>
+            <a:srgbClr val="FFCCCC"/>
+          </a:solidFill>
+          <a:ln>
+            <a:noFill/>
+          </a:ln>
+        </p:spPr>
+        <p:txBody>
+          <a:bodyPr wrap="square">
+            <a:spAutoFit/>
+          </a:bodyPr>
+          <a:lstStyle/>
+          <a:p>
+            <a:r>
+              <a:rPr lang="de-DE" b="1" dirty="0">
+                <a:solidFill>
+                  <a:srgbClr val="4472C4"/>
+                </a:solidFill>
+                <a:latin typeface="Source Code Pro" panose="020B0509030403020204" pitchFamily="49" charset="0"/>
+              </a:rPr>
+              <a:t>{</a:t>
+            </a:r>
+            <a:endParaRPr lang="de-DE" dirty="0">
+              <a:solidFill>
+                <a:srgbClr val="000000"/>
+              </a:solidFill>
+              <a:latin typeface="Source Code Pro" panose="020B0509030403020204" pitchFamily="49" charset="0"/>
+            </a:endParaRPr>
+          </a:p>
+          <a:p>
+            <a:r>
+              <a:rPr lang="de-DE" dirty="0">
+                <a:solidFill>
+                  <a:srgbClr val="000000"/>
+                </a:solidFill>
+                <a:latin typeface="Source Code Pro" panose="020B0509030403020204" pitchFamily="49" charset="0"/>
+              </a:rPr>
+              <a:t>  </a:t>
+            </a:r>
+            <a:r>
+              <a:rPr lang="de-DE" dirty="0">
+                <a:solidFill>
+                  <a:srgbClr val="464646"/>
+                </a:solidFill>
+                <a:latin typeface="Source Code Pro" panose="020B0509030403020204" pitchFamily="49" charset="0"/>
+              </a:rPr>
+              <a:t>"</a:t>
+            </a:r>
+            <a:r>
+              <a:rPr lang="de-DE" dirty="0" err="1">
+                <a:solidFill>
+                  <a:srgbClr val="464646"/>
+                </a:solidFill>
+                <a:latin typeface="Source Code Pro" panose="020B0509030403020204" pitchFamily="49" charset="0"/>
+              </a:rPr>
+              <a:t>name</a:t>
+            </a:r>
+            <a:r>
+              <a:rPr lang="de-DE" dirty="0">
+                <a:solidFill>
+                  <a:srgbClr val="464646"/>
+                </a:solidFill>
+                <a:latin typeface="Source Code Pro" panose="020B0509030403020204" pitchFamily="49" charset="0"/>
+              </a:rPr>
+              <a:t>"</a:t>
+            </a:r>
+            <a:r>
+              <a:rPr lang="de-DE" b="1" dirty="0">
+                <a:solidFill>
+                  <a:srgbClr val="4472C4"/>
+                </a:solidFill>
+                <a:latin typeface="Source Code Pro" panose="020B0509030403020204" pitchFamily="49" charset="0"/>
+              </a:rPr>
+              <a:t>:</a:t>
+            </a:r>
+            <a:r>
+              <a:rPr lang="de-DE" dirty="0">
+                <a:solidFill>
+                  <a:srgbClr val="464646"/>
+                </a:solidFill>
+                <a:latin typeface="Source Code Pro" panose="020B0509030403020204" pitchFamily="49" charset="0"/>
+              </a:rPr>
+              <a:t>"John </a:t>
+            </a:r>
+            <a:r>
+              <a:rPr lang="de-DE" dirty="0" err="1">
+                <a:solidFill>
+                  <a:srgbClr val="464646"/>
+                </a:solidFill>
+                <a:latin typeface="Source Code Pro" panose="020B0509030403020204" pitchFamily="49" charset="0"/>
+              </a:rPr>
+              <a:t>Doe</a:t>
+            </a:r>
+            <a:r>
+              <a:rPr lang="de-DE" dirty="0">
+                <a:solidFill>
+                  <a:srgbClr val="464646"/>
+                </a:solidFill>
+                <a:latin typeface="Source Code Pro" panose="020B0509030403020204" pitchFamily="49" charset="0"/>
+              </a:rPr>
+              <a:t>"</a:t>
+            </a:r>
+            <a:r>
+              <a:rPr lang="de-DE" b="1" dirty="0">
+                <a:solidFill>
+                  <a:srgbClr val="4472C4"/>
+                </a:solidFill>
+                <a:latin typeface="Source Code Pro" panose="020B0509030403020204" pitchFamily="49" charset="0"/>
+              </a:rPr>
+              <a:t>,</a:t>
+            </a:r>
+            <a:r>
+              <a:rPr lang="de-DE" dirty="0">
+                <a:solidFill>
+                  <a:srgbClr val="000000"/>
+                </a:solidFill>
+                <a:latin typeface="Source Code Pro" panose="020B0509030403020204" pitchFamily="49" charset="0"/>
+              </a:rPr>
+              <a:t> </a:t>
+            </a:r>
+          </a:p>
+          <a:p>
+            <a:r>
+              <a:rPr lang="de-DE" b="1" dirty="0">
+                <a:solidFill>
+                  <a:srgbClr val="4472C4"/>
+                </a:solidFill>
+                <a:latin typeface="Source Code Pro" panose="020B0509030403020204" pitchFamily="49" charset="0"/>
+              </a:rPr>
+              <a:t>}</a:t>
+            </a:r>
+            <a:endParaRPr lang="de-DE" dirty="0"/>
+          </a:p>
+        </p:txBody>
+      </p:sp>
+      <p:sp>
+        <p:nvSpPr>
+          <p:cNvPr id="10" name="Rechteck 9">
+            <a:extLst>
+              <a:ext uri="{FF2B5EF4-FFF2-40B4-BE49-F238E27FC236}">
+                <a16:creationId xmlns:a16="http://schemas.microsoft.com/office/drawing/2014/main" id="{D25901EF-A678-4817-B6A5-9EDBC02FD598}"/>
+              </a:ext>
+            </a:extLst>
+          </p:cNvPr>
+          <p:cNvSpPr/>
+          <p:nvPr/>
+        </p:nvSpPr>
+        <p:spPr>
+          <a:xfrm>
+            <a:off x="6708059" y="2663031"/>
+            <a:ext cx="4608870" cy="1200329"/>
+          </a:xfrm>
+          <a:prstGeom prst="rect">
+            <a:avLst/>
+          </a:prstGeom>
+          <a:solidFill>
+            <a:schemeClr val="accent6">
+              <a:lumMod val="40000"/>
+              <a:lumOff val="60000"/>
+            </a:schemeClr>
+          </a:solidFill>
+          <a:ln>
+            <a:noFill/>
+          </a:ln>
+        </p:spPr>
+        <p:txBody>
+          <a:bodyPr wrap="square">
+            <a:spAutoFit/>
+          </a:bodyPr>
+          <a:lstStyle/>
+          <a:p>
+            <a:r>
+              <a:rPr lang="de-DE" b="1" dirty="0">
+                <a:solidFill>
+                  <a:srgbClr val="4472C4"/>
+                </a:solidFill>
+                <a:latin typeface="Source Code Pro" panose="020B0509030403020204" pitchFamily="49" charset="0"/>
+              </a:rPr>
+              <a:t>{</a:t>
+            </a:r>
+            <a:endParaRPr lang="de-DE" dirty="0">
+              <a:solidFill>
+                <a:srgbClr val="000000"/>
+              </a:solidFill>
+              <a:latin typeface="Source Code Pro" panose="020B0509030403020204" pitchFamily="49" charset="0"/>
+            </a:endParaRPr>
+          </a:p>
+          <a:p>
+            <a:r>
+              <a:rPr lang="de-DE" dirty="0">
+                <a:solidFill>
+                  <a:srgbClr val="000000"/>
+                </a:solidFill>
+                <a:latin typeface="Source Code Pro" panose="020B0509030403020204" pitchFamily="49" charset="0"/>
+              </a:rPr>
+              <a:t>  </a:t>
+            </a:r>
+            <a:r>
+              <a:rPr lang="de-DE" dirty="0">
+                <a:solidFill>
+                  <a:srgbClr val="464646"/>
+                </a:solidFill>
+                <a:latin typeface="Source Code Pro" panose="020B0509030403020204" pitchFamily="49" charset="0"/>
+              </a:rPr>
+              <a:t>"</a:t>
+            </a:r>
+            <a:r>
+              <a:rPr lang="de-DE" dirty="0" err="1">
+                <a:solidFill>
+                  <a:srgbClr val="464646"/>
+                </a:solidFill>
+                <a:latin typeface="Source Code Pro" panose="020B0509030403020204" pitchFamily="49" charset="0"/>
+              </a:rPr>
+              <a:t>name</a:t>
+            </a:r>
+            <a:r>
+              <a:rPr lang="de-DE" dirty="0">
+                <a:solidFill>
+                  <a:srgbClr val="464646"/>
+                </a:solidFill>
+                <a:latin typeface="Source Code Pro" panose="020B0509030403020204" pitchFamily="49" charset="0"/>
+              </a:rPr>
+              <a:t>"</a:t>
+            </a:r>
+            <a:r>
+              <a:rPr lang="de-DE" b="1" dirty="0">
+                <a:solidFill>
+                  <a:srgbClr val="4472C4"/>
+                </a:solidFill>
+                <a:latin typeface="Source Code Pro" panose="020B0509030403020204" pitchFamily="49" charset="0"/>
+              </a:rPr>
+              <a:t>:</a:t>
+            </a:r>
+            <a:r>
+              <a:rPr lang="de-DE" dirty="0">
+                <a:solidFill>
+                  <a:srgbClr val="464646"/>
+                </a:solidFill>
+                <a:latin typeface="Source Code Pro" panose="020B0509030403020204" pitchFamily="49" charset="0"/>
+              </a:rPr>
+              <a:t>"John </a:t>
+            </a:r>
+            <a:r>
+              <a:rPr lang="de-DE" dirty="0" err="1">
+                <a:solidFill>
+                  <a:srgbClr val="464646"/>
+                </a:solidFill>
+                <a:latin typeface="Source Code Pro" panose="020B0509030403020204" pitchFamily="49" charset="0"/>
+              </a:rPr>
+              <a:t>Doe</a:t>
+            </a:r>
+            <a:r>
+              <a:rPr lang="de-DE" dirty="0">
+                <a:solidFill>
+                  <a:srgbClr val="464646"/>
+                </a:solidFill>
+                <a:latin typeface="Source Code Pro" panose="020B0509030403020204" pitchFamily="49" charset="0"/>
+              </a:rPr>
+              <a:t>"</a:t>
+            </a:r>
+            <a:r>
+              <a:rPr lang="de-DE" b="1" dirty="0">
+                <a:solidFill>
+                  <a:srgbClr val="4472C4"/>
+                </a:solidFill>
+                <a:latin typeface="Source Code Pro" panose="020B0509030403020204" pitchFamily="49" charset="0"/>
+              </a:rPr>
+              <a:t>,</a:t>
+            </a:r>
+            <a:endParaRPr lang="de-DE" dirty="0">
+              <a:solidFill>
+                <a:srgbClr val="000000"/>
+              </a:solidFill>
+              <a:latin typeface="Source Code Pro" panose="020B0509030403020204" pitchFamily="49" charset="0"/>
+            </a:endParaRPr>
+          </a:p>
+          <a:p>
+            <a:r>
+              <a:rPr lang="de-DE" dirty="0">
+                <a:solidFill>
+                  <a:srgbClr val="000000"/>
+                </a:solidFill>
+                <a:latin typeface="Source Code Pro" panose="020B0509030403020204" pitchFamily="49" charset="0"/>
+              </a:rPr>
+              <a:t>  </a:t>
+            </a:r>
+            <a:r>
+              <a:rPr lang="de-DE" dirty="0">
+                <a:solidFill>
+                  <a:srgbClr val="464646"/>
+                </a:solidFill>
+                <a:latin typeface="Source Code Pro" panose="020B0509030403020204" pitchFamily="49" charset="0"/>
+              </a:rPr>
+              <a:t>"age"</a:t>
+            </a:r>
+            <a:r>
+              <a:rPr lang="de-DE" b="1" dirty="0">
+                <a:solidFill>
+                  <a:srgbClr val="4472C4"/>
+                </a:solidFill>
+                <a:latin typeface="Source Code Pro" panose="020B0509030403020204" pitchFamily="49" charset="0"/>
+              </a:rPr>
+              <a:t>:</a:t>
+            </a:r>
+            <a:r>
+              <a:rPr lang="de-DE" dirty="0">
+                <a:solidFill>
+                  <a:srgbClr val="FF8000"/>
+                </a:solidFill>
+                <a:latin typeface="Source Code Pro" panose="020B0509030403020204" pitchFamily="49" charset="0"/>
+              </a:rPr>
+              <a:t>28</a:t>
+            </a:r>
+            <a:r>
+              <a:rPr lang="de-DE" dirty="0">
+                <a:solidFill>
+                  <a:srgbClr val="000000"/>
+                </a:solidFill>
+                <a:latin typeface="Source Code Pro" panose="020B0509030403020204" pitchFamily="49" charset="0"/>
+              </a:rPr>
+              <a:t> </a:t>
+            </a:r>
+          </a:p>
+          <a:p>
+            <a:r>
+              <a:rPr lang="de-DE" b="1" dirty="0">
+                <a:solidFill>
+                  <a:srgbClr val="4472C4"/>
+                </a:solidFill>
+                <a:latin typeface="Source Code Pro" panose="020B0509030403020204" pitchFamily="49" charset="0"/>
+              </a:rPr>
+              <a:t>}</a:t>
+            </a:r>
+            <a:endParaRPr lang="de-DE" dirty="0"/>
+          </a:p>
+        </p:txBody>
+      </p:sp>
+      <p:sp>
+        <p:nvSpPr>
+          <p:cNvPr id="7" name="Rechteck 6">
+            <a:extLst>
+              <a:ext uri="{FF2B5EF4-FFF2-40B4-BE49-F238E27FC236}">
+                <a16:creationId xmlns:a16="http://schemas.microsoft.com/office/drawing/2014/main" id="{73AA9281-9AC9-4D80-A75C-DBD145A20966}"/>
+              </a:ext>
+            </a:extLst>
+          </p:cNvPr>
+          <p:cNvSpPr/>
+          <p:nvPr/>
+        </p:nvSpPr>
+        <p:spPr>
+          <a:xfrm>
+            <a:off x="875071" y="1680857"/>
+            <a:ext cx="5220929" cy="3416320"/>
+          </a:xfrm>
+          <a:prstGeom prst="rect">
+            <a:avLst/>
+          </a:prstGeom>
+          <a:solidFill>
+            <a:schemeClr val="bg1">
+              <a:lumMod val="95000"/>
+            </a:schemeClr>
+          </a:solidFill>
+          <a:ln>
+            <a:solidFill>
+              <a:schemeClr val="bg1">
+                <a:lumMod val="85000"/>
+              </a:schemeClr>
+            </a:solidFill>
+          </a:ln>
+        </p:spPr>
+        <p:txBody>
+          <a:bodyPr wrap="square">
+            <a:spAutoFit/>
+          </a:bodyPr>
+          <a:lstStyle/>
+          <a:p>
+            <a:r>
+              <a:rPr lang="de-DE" b="1" dirty="0">
+                <a:solidFill>
+                  <a:srgbClr val="4472C4"/>
+                </a:solidFill>
+                <a:latin typeface="Source Code Pro" panose="020B0509030403020204" pitchFamily="49" charset="0"/>
+              </a:rPr>
+              <a:t>{</a:t>
+            </a:r>
+            <a:endParaRPr lang="de-DE" dirty="0">
+              <a:solidFill>
+                <a:srgbClr val="000000"/>
+              </a:solidFill>
+              <a:latin typeface="Source Code Pro" panose="020B0509030403020204" pitchFamily="49" charset="0"/>
+            </a:endParaRPr>
+          </a:p>
+          <a:p>
+            <a:r>
+              <a:rPr lang="de-DE" dirty="0">
+                <a:solidFill>
+                  <a:srgbClr val="000000"/>
+                </a:solidFill>
+                <a:latin typeface="Source Code Pro" panose="020B0509030403020204" pitchFamily="49" charset="0"/>
+              </a:rPr>
+              <a:t>  </a:t>
+            </a:r>
+            <a:r>
+              <a:rPr lang="de-DE" dirty="0">
+                <a:solidFill>
+                  <a:srgbClr val="464646"/>
+                </a:solidFill>
+                <a:latin typeface="Source Code Pro" panose="020B0509030403020204" pitchFamily="49" charset="0"/>
+              </a:rPr>
+              <a:t>"type"</a:t>
+            </a:r>
+            <a:r>
+              <a:rPr lang="de-DE" b="1" dirty="0">
+                <a:solidFill>
+                  <a:srgbClr val="4472C4"/>
+                </a:solidFill>
+                <a:latin typeface="Source Code Pro" panose="020B0509030403020204" pitchFamily="49" charset="0"/>
+              </a:rPr>
+              <a:t>:</a:t>
+            </a:r>
+            <a:r>
+              <a:rPr lang="de-DE" dirty="0">
+                <a:solidFill>
+                  <a:srgbClr val="000000"/>
+                </a:solidFill>
+                <a:latin typeface="Source Code Pro" panose="020B0509030403020204" pitchFamily="49" charset="0"/>
+              </a:rPr>
+              <a:t> </a:t>
+            </a:r>
+            <a:r>
+              <a:rPr lang="de-DE" dirty="0">
+                <a:solidFill>
+                  <a:srgbClr val="464646"/>
+                </a:solidFill>
+                <a:latin typeface="Source Code Pro" panose="020B0509030403020204" pitchFamily="49" charset="0"/>
+              </a:rPr>
+              <a:t>"</a:t>
+            </a:r>
+            <a:r>
+              <a:rPr lang="de-DE" dirty="0" err="1">
+                <a:solidFill>
+                  <a:srgbClr val="464646"/>
+                </a:solidFill>
+                <a:latin typeface="Source Code Pro" panose="020B0509030403020204" pitchFamily="49" charset="0"/>
+              </a:rPr>
+              <a:t>object</a:t>
+            </a:r>
+            <a:r>
+              <a:rPr lang="de-DE" dirty="0">
+                <a:solidFill>
+                  <a:srgbClr val="464646"/>
+                </a:solidFill>
+                <a:latin typeface="Source Code Pro" panose="020B0509030403020204" pitchFamily="49" charset="0"/>
+              </a:rPr>
+              <a:t>"</a:t>
+            </a:r>
+            <a:r>
+              <a:rPr lang="de-DE" b="1" dirty="0">
+                <a:solidFill>
+                  <a:srgbClr val="4472C4"/>
+                </a:solidFill>
+                <a:latin typeface="Source Code Pro" panose="020B0509030403020204" pitchFamily="49" charset="0"/>
+              </a:rPr>
+              <a:t>,</a:t>
+            </a:r>
+            <a:endParaRPr lang="de-DE" dirty="0">
+              <a:solidFill>
+                <a:srgbClr val="000000"/>
+              </a:solidFill>
+              <a:latin typeface="Source Code Pro" panose="020B0509030403020204" pitchFamily="49" charset="0"/>
+            </a:endParaRPr>
+          </a:p>
+          <a:p>
+            <a:r>
+              <a:rPr lang="de-DE" dirty="0">
+                <a:solidFill>
+                  <a:srgbClr val="000000"/>
+                </a:solidFill>
+                <a:latin typeface="Source Code Pro" panose="020B0509030403020204" pitchFamily="49" charset="0"/>
+              </a:rPr>
+              <a:t>  </a:t>
+            </a:r>
+            <a:r>
+              <a:rPr lang="de-DE" dirty="0">
+                <a:solidFill>
+                  <a:srgbClr val="464646"/>
+                </a:solidFill>
+                <a:latin typeface="Source Code Pro" panose="020B0509030403020204" pitchFamily="49" charset="0"/>
+              </a:rPr>
+              <a:t>"</a:t>
+            </a:r>
+            <a:r>
+              <a:rPr lang="de-DE" dirty="0" err="1">
+                <a:solidFill>
+                  <a:srgbClr val="464646"/>
+                </a:solidFill>
+                <a:latin typeface="Source Code Pro" panose="020B0509030403020204" pitchFamily="49" charset="0"/>
+              </a:rPr>
+              <a:t>properties</a:t>
+            </a:r>
+            <a:r>
+              <a:rPr lang="de-DE" dirty="0">
+                <a:solidFill>
+                  <a:srgbClr val="464646"/>
+                </a:solidFill>
+                <a:latin typeface="Source Code Pro" panose="020B0509030403020204" pitchFamily="49" charset="0"/>
+              </a:rPr>
+              <a:t>"</a:t>
+            </a:r>
+            <a:r>
+              <a:rPr lang="de-DE" b="1" dirty="0">
+                <a:solidFill>
+                  <a:srgbClr val="4472C4"/>
+                </a:solidFill>
+                <a:latin typeface="Source Code Pro" panose="020B0509030403020204" pitchFamily="49" charset="0"/>
+              </a:rPr>
+              <a:t>:</a:t>
+            </a:r>
+            <a:r>
+              <a:rPr lang="de-DE" dirty="0">
+                <a:solidFill>
+                  <a:srgbClr val="000000"/>
+                </a:solidFill>
+                <a:latin typeface="Source Code Pro" panose="020B0509030403020204" pitchFamily="49" charset="0"/>
+              </a:rPr>
+              <a:t> </a:t>
+            </a:r>
+            <a:r>
+              <a:rPr lang="de-DE" b="1" dirty="0">
+                <a:solidFill>
+                  <a:srgbClr val="4472C4"/>
+                </a:solidFill>
+                <a:latin typeface="Source Code Pro" panose="020B0509030403020204" pitchFamily="49" charset="0"/>
+              </a:rPr>
+              <a:t>{</a:t>
+            </a:r>
+            <a:endParaRPr lang="de-DE" dirty="0">
+              <a:solidFill>
+                <a:srgbClr val="000000"/>
+              </a:solidFill>
+              <a:latin typeface="Source Code Pro" panose="020B0509030403020204" pitchFamily="49" charset="0"/>
+            </a:endParaRPr>
+          </a:p>
+          <a:p>
+            <a:r>
+              <a:rPr lang="de-DE" dirty="0">
+                <a:solidFill>
+                  <a:srgbClr val="000000"/>
+                </a:solidFill>
+                <a:latin typeface="Source Code Pro" panose="020B0509030403020204" pitchFamily="49" charset="0"/>
+              </a:rPr>
+              <a:t>    </a:t>
+            </a:r>
+            <a:r>
+              <a:rPr lang="de-DE" dirty="0">
+                <a:solidFill>
+                  <a:srgbClr val="464646"/>
+                </a:solidFill>
+                <a:latin typeface="Source Code Pro" panose="020B0509030403020204" pitchFamily="49" charset="0"/>
+              </a:rPr>
+              <a:t>"</a:t>
+            </a:r>
+            <a:r>
+              <a:rPr lang="de-DE" dirty="0" err="1">
+                <a:solidFill>
+                  <a:srgbClr val="464646"/>
+                </a:solidFill>
+                <a:latin typeface="Source Code Pro" panose="020B0509030403020204" pitchFamily="49" charset="0"/>
+              </a:rPr>
+              <a:t>name</a:t>
+            </a:r>
+            <a:r>
+              <a:rPr lang="de-DE" dirty="0">
+                <a:solidFill>
+                  <a:srgbClr val="464646"/>
+                </a:solidFill>
+                <a:latin typeface="Source Code Pro" panose="020B0509030403020204" pitchFamily="49" charset="0"/>
+              </a:rPr>
+              <a:t>"</a:t>
+            </a:r>
+            <a:r>
+              <a:rPr lang="de-DE" b="1" dirty="0">
+                <a:solidFill>
+                  <a:srgbClr val="4472C4"/>
+                </a:solidFill>
+                <a:latin typeface="Source Code Pro" panose="020B0509030403020204" pitchFamily="49" charset="0"/>
+              </a:rPr>
+              <a:t>:</a:t>
+            </a:r>
+            <a:r>
+              <a:rPr lang="de-DE" dirty="0">
+                <a:solidFill>
+                  <a:srgbClr val="000000"/>
+                </a:solidFill>
+                <a:latin typeface="Source Code Pro" panose="020B0509030403020204" pitchFamily="49" charset="0"/>
+              </a:rPr>
+              <a:t> </a:t>
+            </a:r>
+            <a:r>
+              <a:rPr lang="de-DE" b="1" dirty="0">
+                <a:solidFill>
+                  <a:srgbClr val="4472C4"/>
+                </a:solidFill>
+                <a:latin typeface="Source Code Pro" panose="020B0509030403020204" pitchFamily="49" charset="0"/>
+              </a:rPr>
+              <a:t>{</a:t>
+            </a:r>
+            <a:endParaRPr lang="de-DE" dirty="0">
+              <a:solidFill>
+                <a:srgbClr val="000000"/>
+              </a:solidFill>
+              <a:latin typeface="Source Code Pro" panose="020B0509030403020204" pitchFamily="49" charset="0"/>
+            </a:endParaRPr>
+          </a:p>
+          <a:p>
+            <a:r>
+              <a:rPr lang="de-DE" dirty="0">
+                <a:solidFill>
+                  <a:srgbClr val="000000"/>
+                </a:solidFill>
+                <a:latin typeface="Source Code Pro" panose="020B0509030403020204" pitchFamily="49" charset="0"/>
+              </a:rPr>
+              <a:t>      </a:t>
+            </a:r>
+            <a:r>
+              <a:rPr lang="de-DE" dirty="0">
+                <a:solidFill>
+                  <a:srgbClr val="464646"/>
+                </a:solidFill>
+                <a:latin typeface="Source Code Pro" panose="020B0509030403020204" pitchFamily="49" charset="0"/>
+              </a:rPr>
+              <a:t>"type"</a:t>
+            </a:r>
+            <a:r>
+              <a:rPr lang="de-DE" b="1" dirty="0">
+                <a:solidFill>
+                  <a:srgbClr val="4472C4"/>
+                </a:solidFill>
+                <a:latin typeface="Source Code Pro" panose="020B0509030403020204" pitchFamily="49" charset="0"/>
+              </a:rPr>
+              <a:t>:</a:t>
+            </a:r>
+            <a:r>
+              <a:rPr lang="de-DE" dirty="0">
+                <a:solidFill>
+                  <a:srgbClr val="000000"/>
+                </a:solidFill>
+                <a:latin typeface="Source Code Pro" panose="020B0509030403020204" pitchFamily="49" charset="0"/>
+              </a:rPr>
+              <a:t> </a:t>
+            </a:r>
+            <a:r>
+              <a:rPr lang="de-DE" dirty="0">
+                <a:solidFill>
+                  <a:srgbClr val="464646"/>
+                </a:solidFill>
+                <a:latin typeface="Source Code Pro" panose="020B0509030403020204" pitchFamily="49" charset="0"/>
+              </a:rPr>
+              <a:t>"</a:t>
+            </a:r>
+            <a:r>
+              <a:rPr lang="de-DE" dirty="0" err="1">
+                <a:solidFill>
+                  <a:srgbClr val="464646"/>
+                </a:solidFill>
+                <a:latin typeface="Source Code Pro" panose="020B0509030403020204" pitchFamily="49" charset="0"/>
+              </a:rPr>
+              <a:t>string</a:t>
+            </a:r>
+            <a:r>
+              <a:rPr lang="de-DE" dirty="0">
+                <a:solidFill>
+                  <a:srgbClr val="464646"/>
+                </a:solidFill>
+                <a:latin typeface="Source Code Pro" panose="020B0509030403020204" pitchFamily="49" charset="0"/>
+              </a:rPr>
+              <a:t>"</a:t>
+            </a:r>
+            <a:endParaRPr lang="de-DE" dirty="0">
+              <a:solidFill>
+                <a:srgbClr val="000000"/>
+              </a:solidFill>
+              <a:latin typeface="Source Code Pro" panose="020B0509030403020204" pitchFamily="49" charset="0"/>
+            </a:endParaRPr>
+          </a:p>
+          <a:p>
+            <a:r>
+              <a:rPr lang="de-DE" dirty="0">
+                <a:solidFill>
+                  <a:srgbClr val="000000"/>
+                </a:solidFill>
+                <a:latin typeface="Source Code Pro" panose="020B0509030403020204" pitchFamily="49" charset="0"/>
+              </a:rPr>
+              <a:t>    </a:t>
+            </a:r>
+            <a:r>
+              <a:rPr lang="de-DE" b="1" dirty="0">
+                <a:solidFill>
+                  <a:srgbClr val="4472C4"/>
+                </a:solidFill>
+                <a:latin typeface="Source Code Pro" panose="020B0509030403020204" pitchFamily="49" charset="0"/>
+              </a:rPr>
+              <a:t>},</a:t>
+            </a:r>
+            <a:endParaRPr lang="de-DE" dirty="0">
+              <a:solidFill>
+                <a:srgbClr val="000000"/>
+              </a:solidFill>
+              <a:latin typeface="Source Code Pro" panose="020B0509030403020204" pitchFamily="49" charset="0"/>
+            </a:endParaRPr>
+          </a:p>
+          <a:p>
+            <a:r>
+              <a:rPr lang="de-DE" dirty="0">
+                <a:solidFill>
+                  <a:srgbClr val="000000"/>
+                </a:solidFill>
+                <a:latin typeface="Source Code Pro" panose="020B0509030403020204" pitchFamily="49" charset="0"/>
+              </a:rPr>
+              <a:t>    </a:t>
+            </a:r>
+            <a:r>
+              <a:rPr lang="de-DE" dirty="0">
+                <a:solidFill>
+                  <a:srgbClr val="464646"/>
+                </a:solidFill>
+                <a:latin typeface="Source Code Pro" panose="020B0509030403020204" pitchFamily="49" charset="0"/>
+              </a:rPr>
+              <a:t>"</a:t>
+            </a:r>
+            <a:r>
+              <a:rPr lang="de-DE" dirty="0" err="1">
+                <a:solidFill>
+                  <a:srgbClr val="464646"/>
+                </a:solidFill>
+                <a:latin typeface="Source Code Pro" panose="020B0509030403020204" pitchFamily="49" charset="0"/>
+              </a:rPr>
+              <a:t>age</a:t>
+            </a:r>
+            <a:r>
+              <a:rPr lang="de-DE" dirty="0">
+                <a:solidFill>
+                  <a:srgbClr val="464646"/>
+                </a:solidFill>
+                <a:latin typeface="Source Code Pro" panose="020B0509030403020204" pitchFamily="49" charset="0"/>
+              </a:rPr>
+              <a:t>"</a:t>
+            </a:r>
+            <a:r>
+              <a:rPr lang="de-DE" b="1" dirty="0">
+                <a:solidFill>
+                  <a:srgbClr val="4472C4"/>
+                </a:solidFill>
+                <a:latin typeface="Source Code Pro" panose="020B0509030403020204" pitchFamily="49" charset="0"/>
+              </a:rPr>
+              <a:t>:</a:t>
+            </a:r>
+            <a:r>
+              <a:rPr lang="de-DE" dirty="0">
+                <a:solidFill>
+                  <a:srgbClr val="000000"/>
+                </a:solidFill>
+                <a:latin typeface="Source Code Pro" panose="020B0509030403020204" pitchFamily="49" charset="0"/>
+              </a:rPr>
+              <a:t> </a:t>
+            </a:r>
+            <a:r>
+              <a:rPr lang="de-DE" b="1" dirty="0">
+                <a:solidFill>
+                  <a:srgbClr val="4472C4"/>
+                </a:solidFill>
+                <a:latin typeface="Source Code Pro" panose="020B0509030403020204" pitchFamily="49" charset="0"/>
+              </a:rPr>
+              <a:t>{</a:t>
+            </a:r>
+            <a:endParaRPr lang="de-DE" dirty="0">
+              <a:solidFill>
+                <a:srgbClr val="000000"/>
+              </a:solidFill>
+              <a:latin typeface="Source Code Pro" panose="020B0509030403020204" pitchFamily="49" charset="0"/>
+            </a:endParaRPr>
+          </a:p>
+          <a:p>
+            <a:r>
+              <a:rPr lang="de-DE" dirty="0">
+                <a:solidFill>
+                  <a:srgbClr val="000000"/>
+                </a:solidFill>
+                <a:latin typeface="Source Code Pro" panose="020B0509030403020204" pitchFamily="49" charset="0"/>
+              </a:rPr>
+              <a:t>      </a:t>
+            </a:r>
+            <a:r>
+              <a:rPr lang="de-DE" dirty="0">
+                <a:solidFill>
+                  <a:srgbClr val="464646"/>
+                </a:solidFill>
+                <a:latin typeface="Source Code Pro" panose="020B0509030403020204" pitchFamily="49" charset="0"/>
+              </a:rPr>
+              <a:t>"type"</a:t>
+            </a:r>
+            <a:r>
+              <a:rPr lang="de-DE" b="1" dirty="0">
+                <a:solidFill>
+                  <a:srgbClr val="4472C4"/>
+                </a:solidFill>
+                <a:latin typeface="Source Code Pro" panose="020B0509030403020204" pitchFamily="49" charset="0"/>
+              </a:rPr>
+              <a:t>:</a:t>
+            </a:r>
+            <a:r>
+              <a:rPr lang="de-DE" dirty="0">
+                <a:solidFill>
+                  <a:srgbClr val="000000"/>
+                </a:solidFill>
+                <a:latin typeface="Source Code Pro" panose="020B0509030403020204" pitchFamily="49" charset="0"/>
+              </a:rPr>
+              <a:t> </a:t>
+            </a:r>
+            <a:r>
+              <a:rPr lang="de-DE" dirty="0">
+                <a:solidFill>
+                  <a:srgbClr val="464646"/>
+                </a:solidFill>
+                <a:latin typeface="Source Code Pro" panose="020B0509030403020204" pitchFamily="49" charset="0"/>
+              </a:rPr>
+              <a:t>"</a:t>
+            </a:r>
+            <a:r>
+              <a:rPr lang="de-DE" dirty="0" err="1">
+                <a:solidFill>
+                  <a:srgbClr val="464646"/>
+                </a:solidFill>
+                <a:latin typeface="Source Code Pro" panose="020B0509030403020204" pitchFamily="49" charset="0"/>
+              </a:rPr>
+              <a:t>number</a:t>
+            </a:r>
+            <a:r>
+              <a:rPr lang="de-DE" dirty="0">
+                <a:solidFill>
+                  <a:srgbClr val="464646"/>
+                </a:solidFill>
+                <a:latin typeface="Source Code Pro" panose="020B0509030403020204" pitchFamily="49" charset="0"/>
+              </a:rPr>
+              <a:t>"</a:t>
+            </a:r>
+            <a:endParaRPr lang="de-DE" dirty="0">
+              <a:solidFill>
+                <a:srgbClr val="000000"/>
+              </a:solidFill>
+              <a:latin typeface="Source Code Pro" panose="020B0509030403020204" pitchFamily="49" charset="0"/>
+            </a:endParaRPr>
+          </a:p>
+          <a:p>
+            <a:r>
+              <a:rPr lang="de-DE" dirty="0">
+                <a:solidFill>
+                  <a:srgbClr val="000000"/>
+                </a:solidFill>
+                <a:latin typeface="Source Code Pro" panose="020B0509030403020204" pitchFamily="49" charset="0"/>
+              </a:rPr>
+              <a:t>    </a:t>
+            </a:r>
+            <a:r>
+              <a:rPr lang="de-DE" b="1" dirty="0">
+                <a:solidFill>
+                  <a:srgbClr val="4472C4"/>
+                </a:solidFill>
+                <a:latin typeface="Source Code Pro" panose="020B0509030403020204" pitchFamily="49" charset="0"/>
+              </a:rPr>
+              <a:t>}</a:t>
+            </a:r>
+            <a:endParaRPr lang="de-DE" dirty="0">
+              <a:solidFill>
+                <a:srgbClr val="000000"/>
+              </a:solidFill>
+              <a:latin typeface="Source Code Pro" panose="020B0509030403020204" pitchFamily="49" charset="0"/>
+            </a:endParaRPr>
+          </a:p>
+          <a:p>
+            <a:r>
+              <a:rPr lang="de-DE" dirty="0">
+                <a:solidFill>
+                  <a:srgbClr val="000000"/>
+                </a:solidFill>
+                <a:latin typeface="Source Code Pro" panose="020B0509030403020204" pitchFamily="49" charset="0"/>
+              </a:rPr>
+              <a:t>  </a:t>
+            </a:r>
+            <a:r>
+              <a:rPr lang="de-DE" b="1" dirty="0">
+                <a:solidFill>
+                  <a:srgbClr val="4472C4"/>
+                </a:solidFill>
+                <a:latin typeface="Source Code Pro" panose="020B0509030403020204" pitchFamily="49" charset="0"/>
+              </a:rPr>
+              <a:t>},</a:t>
+            </a:r>
+          </a:p>
+          <a:p>
+            <a:r>
+              <a:rPr lang="de-DE" b="1" dirty="0">
+                <a:solidFill>
+                  <a:srgbClr val="4472C4"/>
+                </a:solidFill>
+                <a:highlight>
+                  <a:srgbClr val="C0C0C0"/>
+                </a:highlight>
+                <a:latin typeface="Source Code Pro" panose="020B0509030403020204" pitchFamily="49" charset="0"/>
+              </a:rPr>
+              <a:t> </a:t>
+            </a:r>
+            <a:r>
+              <a:rPr lang="de-DE" dirty="0">
+                <a:solidFill>
+                  <a:srgbClr val="464646"/>
+                </a:solidFill>
+                <a:highlight>
+                  <a:srgbClr val="C0C0C0"/>
+                </a:highlight>
+                <a:latin typeface="Source Code Pro" panose="020B0509030403020204" pitchFamily="49" charset="0"/>
+              </a:rPr>
+              <a:t>„</a:t>
+            </a:r>
+            <a:r>
+              <a:rPr lang="de-DE" dirty="0" err="1">
+                <a:solidFill>
+                  <a:srgbClr val="464646"/>
+                </a:solidFill>
+                <a:highlight>
+                  <a:srgbClr val="C0C0C0"/>
+                </a:highlight>
+                <a:latin typeface="Source Code Pro" panose="020B0509030403020204" pitchFamily="49" charset="0"/>
+              </a:rPr>
+              <a:t>required</a:t>
+            </a:r>
+            <a:r>
+              <a:rPr lang="de-DE" dirty="0">
+                <a:solidFill>
+                  <a:srgbClr val="464646"/>
+                </a:solidFill>
+                <a:highlight>
+                  <a:srgbClr val="C0C0C0"/>
+                </a:highlight>
+                <a:latin typeface="Source Code Pro" panose="020B0509030403020204" pitchFamily="49" charset="0"/>
+              </a:rPr>
+              <a:t>"</a:t>
+            </a:r>
+            <a:r>
+              <a:rPr lang="de-DE" b="1" dirty="0">
+                <a:solidFill>
+                  <a:srgbClr val="4472C4"/>
+                </a:solidFill>
+                <a:highlight>
+                  <a:srgbClr val="C0C0C0"/>
+                </a:highlight>
+                <a:latin typeface="Source Code Pro" panose="020B0509030403020204" pitchFamily="49" charset="0"/>
+              </a:rPr>
+              <a:t>:[</a:t>
+            </a:r>
+            <a:r>
+              <a:rPr lang="de-DE" dirty="0">
+                <a:solidFill>
+                  <a:srgbClr val="464646"/>
+                </a:solidFill>
+                <a:highlight>
+                  <a:srgbClr val="C0C0C0"/>
+                </a:highlight>
+                <a:latin typeface="Source Code Pro" panose="020B0509030403020204" pitchFamily="49" charset="0"/>
+              </a:rPr>
+              <a:t>"</a:t>
+            </a:r>
+            <a:r>
+              <a:rPr lang="de-DE" dirty="0" err="1">
+                <a:solidFill>
+                  <a:srgbClr val="464646"/>
+                </a:solidFill>
+                <a:highlight>
+                  <a:srgbClr val="C0C0C0"/>
+                </a:highlight>
+                <a:latin typeface="Source Code Pro" panose="020B0509030403020204" pitchFamily="49" charset="0"/>
+              </a:rPr>
+              <a:t>name</a:t>
+            </a:r>
+            <a:r>
+              <a:rPr lang="de-DE" dirty="0">
+                <a:solidFill>
+                  <a:srgbClr val="464646"/>
+                </a:solidFill>
+                <a:highlight>
+                  <a:srgbClr val="C0C0C0"/>
+                </a:highlight>
+                <a:latin typeface="Source Code Pro" panose="020B0509030403020204" pitchFamily="49" charset="0"/>
+              </a:rPr>
+              <a:t>","</a:t>
+            </a:r>
+            <a:r>
+              <a:rPr lang="de-DE" dirty="0" err="1">
+                <a:solidFill>
+                  <a:srgbClr val="464646"/>
+                </a:solidFill>
+                <a:highlight>
+                  <a:srgbClr val="C0C0C0"/>
+                </a:highlight>
+                <a:latin typeface="Source Code Pro" panose="020B0509030403020204" pitchFamily="49" charset="0"/>
+              </a:rPr>
+              <a:t>age</a:t>
+            </a:r>
+            <a:r>
+              <a:rPr lang="de-DE" dirty="0">
+                <a:solidFill>
+                  <a:srgbClr val="464646"/>
+                </a:solidFill>
+                <a:highlight>
+                  <a:srgbClr val="C0C0C0"/>
+                </a:highlight>
+                <a:latin typeface="Source Code Pro" panose="020B0509030403020204" pitchFamily="49" charset="0"/>
+              </a:rPr>
+              <a:t>"</a:t>
+            </a:r>
+            <a:r>
+              <a:rPr lang="de-DE" b="1" dirty="0">
+                <a:solidFill>
+                  <a:srgbClr val="4472C4"/>
+                </a:solidFill>
+                <a:highlight>
+                  <a:srgbClr val="C0C0C0"/>
+                </a:highlight>
+                <a:latin typeface="Source Code Pro" panose="020B0509030403020204" pitchFamily="49" charset="0"/>
+              </a:rPr>
+              <a:t>]</a:t>
+            </a:r>
+            <a:endParaRPr lang="de-DE" dirty="0">
+              <a:solidFill>
+                <a:srgbClr val="000000"/>
+              </a:solidFill>
+              <a:highlight>
+                <a:srgbClr val="C0C0C0"/>
+              </a:highlight>
+              <a:latin typeface="Source Code Pro" panose="020B0509030403020204" pitchFamily="49" charset="0"/>
+            </a:endParaRPr>
+          </a:p>
+          <a:p>
+            <a:r>
+              <a:rPr lang="de-DE" b="1" dirty="0">
+                <a:solidFill>
+                  <a:srgbClr val="4472C4"/>
+                </a:solidFill>
+                <a:latin typeface="Source Code Pro" panose="020B0509030403020204" pitchFamily="49" charset="0"/>
+              </a:rPr>
+              <a:t>}</a:t>
+            </a:r>
+            <a:endParaRPr lang="de-DE" dirty="0"/>
+          </a:p>
+        </p:txBody>
+      </p:sp>
+      <p:sp>
+        <p:nvSpPr>
+          <p:cNvPr id="11" name="Rechteck 10">
+            <a:extLst>
+              <a:ext uri="{FF2B5EF4-FFF2-40B4-BE49-F238E27FC236}">
+                <a16:creationId xmlns:a16="http://schemas.microsoft.com/office/drawing/2014/main" id="{8BE748DD-764D-4290-B161-3B1DE4AFDC90}"/>
+              </a:ext>
+            </a:extLst>
+          </p:cNvPr>
+          <p:cNvSpPr/>
+          <p:nvPr/>
+        </p:nvSpPr>
+        <p:spPr>
+          <a:xfrm>
+            <a:off x="6708059" y="3919919"/>
+            <a:ext cx="4608870" cy="1477328"/>
+          </a:xfrm>
+          <a:prstGeom prst="rect">
+            <a:avLst/>
+          </a:prstGeom>
+          <a:solidFill>
+            <a:schemeClr val="accent6">
+              <a:lumMod val="40000"/>
+              <a:lumOff val="60000"/>
+            </a:schemeClr>
+          </a:solidFill>
+          <a:ln>
+            <a:noFill/>
+          </a:ln>
+        </p:spPr>
+        <p:txBody>
+          <a:bodyPr wrap="square">
+            <a:spAutoFit/>
+          </a:bodyPr>
+          <a:lstStyle/>
+          <a:p>
+            <a:r>
+              <a:rPr lang="de-DE" b="1" dirty="0">
+                <a:solidFill>
+                  <a:srgbClr val="4472C4"/>
+                </a:solidFill>
+                <a:latin typeface="Source Code Pro" panose="020B0509030403020204" pitchFamily="49" charset="0"/>
+              </a:rPr>
+              <a:t>{</a:t>
+            </a:r>
+            <a:endParaRPr lang="de-DE" dirty="0">
+              <a:solidFill>
+                <a:srgbClr val="000000"/>
+              </a:solidFill>
+              <a:latin typeface="Source Code Pro" panose="020B0509030403020204" pitchFamily="49" charset="0"/>
+            </a:endParaRPr>
+          </a:p>
+          <a:p>
+            <a:r>
+              <a:rPr lang="de-DE" dirty="0">
+                <a:solidFill>
+                  <a:srgbClr val="000000"/>
+                </a:solidFill>
+                <a:latin typeface="Source Code Pro" panose="020B0509030403020204" pitchFamily="49" charset="0"/>
+              </a:rPr>
+              <a:t>  </a:t>
+            </a:r>
+            <a:r>
+              <a:rPr lang="de-DE" dirty="0">
+                <a:solidFill>
+                  <a:srgbClr val="464646"/>
+                </a:solidFill>
+                <a:latin typeface="Source Code Pro" panose="020B0509030403020204" pitchFamily="49" charset="0"/>
+              </a:rPr>
+              <a:t>"</a:t>
+            </a:r>
+            <a:r>
+              <a:rPr lang="de-DE" dirty="0" err="1">
+                <a:solidFill>
+                  <a:srgbClr val="464646"/>
+                </a:solidFill>
+                <a:latin typeface="Source Code Pro" panose="020B0509030403020204" pitchFamily="49" charset="0"/>
+              </a:rPr>
+              <a:t>name</a:t>
+            </a:r>
+            <a:r>
+              <a:rPr lang="de-DE" dirty="0">
+                <a:solidFill>
+                  <a:srgbClr val="464646"/>
+                </a:solidFill>
+                <a:latin typeface="Source Code Pro" panose="020B0509030403020204" pitchFamily="49" charset="0"/>
+              </a:rPr>
+              <a:t>"</a:t>
+            </a:r>
+            <a:r>
+              <a:rPr lang="de-DE" b="1" dirty="0">
+                <a:solidFill>
+                  <a:srgbClr val="4472C4"/>
+                </a:solidFill>
+                <a:latin typeface="Source Code Pro" panose="020B0509030403020204" pitchFamily="49" charset="0"/>
+              </a:rPr>
+              <a:t>:</a:t>
+            </a:r>
+            <a:r>
+              <a:rPr lang="de-DE" dirty="0">
+                <a:solidFill>
+                  <a:srgbClr val="464646"/>
+                </a:solidFill>
+                <a:latin typeface="Source Code Pro" panose="020B0509030403020204" pitchFamily="49" charset="0"/>
+              </a:rPr>
+              <a:t>"John </a:t>
+            </a:r>
+            <a:r>
+              <a:rPr lang="de-DE" dirty="0" err="1">
+                <a:solidFill>
+                  <a:srgbClr val="464646"/>
+                </a:solidFill>
+                <a:latin typeface="Source Code Pro" panose="020B0509030403020204" pitchFamily="49" charset="0"/>
+              </a:rPr>
+              <a:t>Doe</a:t>
+            </a:r>
+            <a:r>
+              <a:rPr lang="de-DE" dirty="0">
+                <a:solidFill>
+                  <a:srgbClr val="464646"/>
+                </a:solidFill>
+                <a:latin typeface="Source Code Pro" panose="020B0509030403020204" pitchFamily="49" charset="0"/>
+              </a:rPr>
+              <a:t>"</a:t>
+            </a:r>
+            <a:r>
+              <a:rPr lang="de-DE" b="1" dirty="0">
+                <a:solidFill>
+                  <a:srgbClr val="4472C4"/>
+                </a:solidFill>
+                <a:latin typeface="Source Code Pro" panose="020B0509030403020204" pitchFamily="49" charset="0"/>
+              </a:rPr>
+              <a:t>,</a:t>
+            </a:r>
+            <a:endParaRPr lang="de-DE" dirty="0">
+              <a:solidFill>
+                <a:srgbClr val="000000"/>
+              </a:solidFill>
+              <a:latin typeface="Source Code Pro" panose="020B0509030403020204" pitchFamily="49" charset="0"/>
+            </a:endParaRPr>
+          </a:p>
+          <a:p>
+            <a:r>
+              <a:rPr lang="de-DE" dirty="0">
+                <a:solidFill>
+                  <a:srgbClr val="000000"/>
+                </a:solidFill>
+                <a:latin typeface="Source Code Pro" panose="020B0509030403020204" pitchFamily="49" charset="0"/>
+              </a:rPr>
+              <a:t>  </a:t>
+            </a:r>
+            <a:r>
+              <a:rPr lang="de-DE" dirty="0">
+                <a:solidFill>
+                  <a:srgbClr val="464646"/>
+                </a:solidFill>
+                <a:latin typeface="Source Code Pro" panose="020B0509030403020204" pitchFamily="49" charset="0"/>
+              </a:rPr>
+              <a:t>"age"</a:t>
+            </a:r>
+            <a:r>
+              <a:rPr lang="de-DE" b="1" dirty="0">
+                <a:solidFill>
+                  <a:srgbClr val="4472C4"/>
+                </a:solidFill>
+                <a:latin typeface="Source Code Pro" panose="020B0509030403020204" pitchFamily="49" charset="0"/>
+              </a:rPr>
+              <a:t>:</a:t>
+            </a:r>
+            <a:r>
+              <a:rPr lang="de-DE" dirty="0">
+                <a:solidFill>
+                  <a:srgbClr val="FF8000"/>
+                </a:solidFill>
+                <a:latin typeface="Source Code Pro" panose="020B0509030403020204" pitchFamily="49" charset="0"/>
+              </a:rPr>
+              <a:t>28</a:t>
+            </a:r>
+            <a:r>
+              <a:rPr lang="de-DE" b="1" dirty="0">
+                <a:solidFill>
+                  <a:srgbClr val="4472C4"/>
+                </a:solidFill>
+                <a:latin typeface="Source Code Pro" panose="020B0509030403020204" pitchFamily="49" charset="0"/>
+              </a:rPr>
+              <a:t>,</a:t>
+            </a:r>
+            <a:r>
+              <a:rPr lang="de-DE" dirty="0">
+                <a:solidFill>
+                  <a:srgbClr val="000000"/>
+                </a:solidFill>
+                <a:latin typeface="Source Code Pro" panose="020B0509030403020204" pitchFamily="49" charset="0"/>
+              </a:rPr>
+              <a:t> </a:t>
+            </a:r>
+          </a:p>
+          <a:p>
+            <a:r>
+              <a:rPr lang="de-DE" dirty="0">
+                <a:solidFill>
+                  <a:srgbClr val="000000"/>
+                </a:solidFill>
+                <a:latin typeface="Source Code Pro" panose="020B0509030403020204" pitchFamily="49" charset="0"/>
+              </a:rPr>
+              <a:t>  </a:t>
+            </a:r>
+            <a:r>
+              <a:rPr lang="de-DE" dirty="0">
+                <a:solidFill>
+                  <a:srgbClr val="464646"/>
+                </a:solidFill>
+                <a:latin typeface="Source Code Pro" panose="020B0509030403020204" pitchFamily="49" charset="0"/>
+              </a:rPr>
+              <a:t>"phone"</a:t>
+            </a:r>
+            <a:r>
+              <a:rPr lang="de-DE" b="1" dirty="0">
+                <a:solidFill>
+                  <a:srgbClr val="4472C4"/>
+                </a:solidFill>
+                <a:latin typeface="Source Code Pro" panose="020B0509030403020204" pitchFamily="49" charset="0"/>
+              </a:rPr>
+              <a:t>:</a:t>
+            </a:r>
+            <a:r>
+              <a:rPr lang="de-DE" dirty="0">
+                <a:solidFill>
+                  <a:srgbClr val="464646"/>
+                </a:solidFill>
+                <a:latin typeface="Source Code Pro" panose="020B0509030403020204" pitchFamily="49" charset="0"/>
+              </a:rPr>
+              <a:t>"012-2345-67"</a:t>
+            </a:r>
+            <a:endParaRPr lang="de-DE" dirty="0">
+              <a:solidFill>
+                <a:srgbClr val="000000"/>
+              </a:solidFill>
+              <a:latin typeface="Source Code Pro" panose="020B0509030403020204" pitchFamily="49" charset="0"/>
+            </a:endParaRPr>
+          </a:p>
+          <a:p>
+            <a:r>
+              <a:rPr lang="de-DE" b="1" dirty="0">
+                <a:solidFill>
+                  <a:srgbClr val="4472C4"/>
+                </a:solidFill>
+                <a:latin typeface="Source Code Pro" panose="020B0509030403020204" pitchFamily="49" charset="0"/>
+              </a:rPr>
+              <a:t>}</a:t>
+            </a:r>
+            <a:endParaRPr lang="de-DE" dirty="0"/>
+          </a:p>
+        </p:txBody>
+      </p:sp>
+    </p:spTree>
+    <p:extLst>
+      <p:ext uri="{BB962C8B-B14F-4D97-AF65-F5344CB8AC3E}">
+        <p14:creationId xmlns:p14="http://schemas.microsoft.com/office/powerpoint/2010/main" val="3497161867"/>
+      </p:ext>
+    </p:extLst>
+  </p:cSld>
+  <p:clrMapOvr>
+    <a:masterClrMapping/>
+  </p:clrMapOvr>
+</p:sld>
+</file>
+
+<file path=ppt/slides/slide17.xml><?xml version="1.0" encoding="utf-8"?>
+<p:sld xmlns:a="http://schemas.openxmlformats.org/drawingml/2006/main" xmlns:r="http://schemas.openxmlformats.org/officeDocument/2006/relationships" xmlns:p="http://schemas.openxmlformats.org/presentationml/2006/main">
+  <p:cSld>
+    <p:spTree>
+      <p:nvGrpSpPr>
+        <p:cNvPr id="1" name=""/>
+        <p:cNvGrpSpPr/>
+        <p:nvPr/>
+      </p:nvGrpSpPr>
+      <p:grpSpPr>
+        <a:xfrm>
+          <a:off x="0" y="0"/>
+          <a:ext cx="0" cy="0"/>
+          <a:chOff x="0" y="0"/>
+          <a:chExt cx="0" cy="0"/>
+        </a:xfrm>
+      </p:grpSpPr>
+      <p:sp>
+        <p:nvSpPr>
+          <p:cNvPr id="2" name="Titel 1">
+            <a:extLst>
+              <a:ext uri="{FF2B5EF4-FFF2-40B4-BE49-F238E27FC236}">
+                <a16:creationId xmlns:a16="http://schemas.microsoft.com/office/drawing/2014/main" id="{263B568C-3395-4B3C-80D7-E8AF938BCCCC}"/>
+              </a:ext>
+            </a:extLst>
+          </p:cNvPr>
+          <p:cNvSpPr>
+            <a:spLocks noGrp="1"/>
+          </p:cNvSpPr>
+          <p:nvPr>
+            <p:ph type="title"/>
+          </p:nvPr>
+        </p:nvSpPr>
+        <p:spPr/>
+        <p:txBody>
+          <a:bodyPr/>
+          <a:lstStyle/>
+          <a:p>
+            <a:r>
+              <a:rPr lang="de-DE" dirty="0"/>
+              <a:t>Objekt-Eigenschaften</a:t>
+            </a:r>
+          </a:p>
+        </p:txBody>
+      </p:sp>
+      <p:sp>
+        <p:nvSpPr>
+          <p:cNvPr id="4" name="Datumsplatzhalter 3">
+            <a:extLst>
+              <a:ext uri="{FF2B5EF4-FFF2-40B4-BE49-F238E27FC236}">
+                <a16:creationId xmlns:a16="http://schemas.microsoft.com/office/drawing/2014/main" id="{25837733-F8B3-4C3E-A803-5F05F95FB3DC}"/>
+              </a:ext>
+            </a:extLst>
+          </p:cNvPr>
+          <p:cNvSpPr>
+            <a:spLocks noGrp="1"/>
+          </p:cNvSpPr>
+          <p:nvPr>
+            <p:ph type="dt" sz="half" idx="10"/>
+          </p:nvPr>
+        </p:nvSpPr>
+        <p:spPr/>
+        <p:txBody>
+          <a:bodyPr/>
+          <a:lstStyle/>
+          <a:p>
+            <a:fld id="{CFFA1D88-5C5F-47BF-8575-62828799C3D3}" type="datetime1">
+              <a:rPr lang="de-DE" smtClean="0"/>
+              <a:t>18.12.2017</a:t>
+            </a:fld>
+            <a:endParaRPr lang="de-DE" dirty="0"/>
+          </a:p>
+        </p:txBody>
+      </p:sp>
+      <p:sp>
+        <p:nvSpPr>
+          <p:cNvPr id="5" name="Fußzeilenplatzhalter 4">
+            <a:extLst>
+              <a:ext uri="{FF2B5EF4-FFF2-40B4-BE49-F238E27FC236}">
+                <a16:creationId xmlns:a16="http://schemas.microsoft.com/office/drawing/2014/main" id="{37F17228-D4D8-4BBB-A244-7340EF0FE22B}"/>
+              </a:ext>
+            </a:extLst>
+          </p:cNvPr>
+          <p:cNvSpPr>
+            <a:spLocks noGrp="1"/>
+          </p:cNvSpPr>
+          <p:nvPr>
+            <p:ph type="ftr" sz="quarter" idx="11"/>
+          </p:nvPr>
+        </p:nvSpPr>
+        <p:spPr/>
+        <p:txBody>
+          <a:bodyPr/>
+          <a:lstStyle/>
+          <a:p>
+            <a:r>
+              <a:rPr lang="de-DE"/>
+              <a:t>Daniel Flasch</a:t>
+            </a:r>
+            <a:endParaRPr lang="de-DE" dirty="0"/>
+          </a:p>
+        </p:txBody>
+      </p:sp>
+      <p:sp>
+        <p:nvSpPr>
+          <p:cNvPr id="6" name="Foliennummernplatzhalter 5">
+            <a:extLst>
+              <a:ext uri="{FF2B5EF4-FFF2-40B4-BE49-F238E27FC236}">
+                <a16:creationId xmlns:a16="http://schemas.microsoft.com/office/drawing/2014/main" id="{0A3B9615-9A42-4020-ABBE-BFFD4333625F}"/>
+              </a:ext>
+            </a:extLst>
+          </p:cNvPr>
+          <p:cNvSpPr>
+            <a:spLocks noGrp="1"/>
+          </p:cNvSpPr>
+          <p:nvPr>
+            <p:ph type="sldNum" sz="quarter" idx="12"/>
+          </p:nvPr>
+        </p:nvSpPr>
+        <p:spPr/>
+        <p:txBody>
+          <a:bodyPr/>
+          <a:lstStyle/>
+          <a:p>
+            <a:fld id="{4DEAFF03-B2A3-4F10-AFBA-713F9B73CAA7}" type="slidenum">
+              <a:rPr lang="de-DE" smtClean="0"/>
+              <a:t>16</a:t>
             </a:fld>
             <a:endParaRPr lang="de-DE"/>
           </a:p>
@@ -10245,1482 +11257,6 @@
     <p:extLst>
       <p:ext uri="{BB962C8B-B14F-4D97-AF65-F5344CB8AC3E}">
         <p14:creationId xmlns:p14="http://schemas.microsoft.com/office/powerpoint/2010/main" val="1471107219"/>
-      </p:ext>
-    </p:extLst>
-  </p:cSld>
-  <p:clrMapOvr>
-    <a:masterClrMapping/>
-  </p:clrMapOvr>
-</p:sld>
-</file>
-
-<file path=ppt/slides/slide17.xml><?xml version="1.0" encoding="utf-8"?>
-<p:sld xmlns:a="http://schemas.openxmlformats.org/drawingml/2006/main" xmlns:r="http://schemas.openxmlformats.org/officeDocument/2006/relationships" xmlns:p="http://schemas.openxmlformats.org/presentationml/2006/main">
-  <p:cSld>
-    <p:spTree>
-      <p:nvGrpSpPr>
-        <p:cNvPr id="1" name=""/>
-        <p:cNvGrpSpPr/>
-        <p:nvPr/>
-      </p:nvGrpSpPr>
-      <p:grpSpPr>
-        <a:xfrm>
-          <a:off x="0" y="0"/>
-          <a:ext cx="0" cy="0"/>
-          <a:chOff x="0" y="0"/>
-          <a:chExt cx="0" cy="0"/>
-        </a:xfrm>
-      </p:grpSpPr>
-      <p:sp>
-        <p:nvSpPr>
-          <p:cNvPr id="2" name="Titel 1">
-            <a:extLst>
-              <a:ext uri="{FF2B5EF4-FFF2-40B4-BE49-F238E27FC236}">
-                <a16:creationId xmlns:a16="http://schemas.microsoft.com/office/drawing/2014/main" id="{263B568C-3395-4B3C-80D7-E8AF938BCCCC}"/>
-              </a:ext>
-            </a:extLst>
-          </p:cNvPr>
-          <p:cNvSpPr>
-            <a:spLocks noGrp="1"/>
-          </p:cNvSpPr>
-          <p:nvPr>
-            <p:ph type="title"/>
-          </p:nvPr>
-        </p:nvSpPr>
-        <p:spPr/>
-        <p:txBody>
-          <a:bodyPr/>
-          <a:lstStyle/>
-          <a:p>
-            <a:r>
-              <a:rPr lang="de-DE" dirty="0"/>
-              <a:t>Objekt-Pflicht-Eigenschaften</a:t>
-            </a:r>
-          </a:p>
-        </p:txBody>
-      </p:sp>
-      <p:sp>
-        <p:nvSpPr>
-          <p:cNvPr id="4" name="Datumsplatzhalter 3">
-            <a:extLst>
-              <a:ext uri="{FF2B5EF4-FFF2-40B4-BE49-F238E27FC236}">
-                <a16:creationId xmlns:a16="http://schemas.microsoft.com/office/drawing/2014/main" id="{25837733-F8B3-4C3E-A803-5F05F95FB3DC}"/>
-              </a:ext>
-            </a:extLst>
-          </p:cNvPr>
-          <p:cNvSpPr>
-            <a:spLocks noGrp="1"/>
-          </p:cNvSpPr>
-          <p:nvPr>
-            <p:ph type="dt" sz="half" idx="10"/>
-          </p:nvPr>
-        </p:nvSpPr>
-        <p:spPr/>
-        <p:txBody>
-          <a:bodyPr/>
-          <a:lstStyle/>
-          <a:p>
-            <a:fld id="{CFFA1D88-5C5F-47BF-8575-62828799C3D3}" type="datetime1">
-              <a:rPr lang="de-DE" smtClean="0"/>
-              <a:t>09.12.2017</a:t>
-            </a:fld>
-            <a:endParaRPr lang="de-DE" dirty="0"/>
-          </a:p>
-        </p:txBody>
-      </p:sp>
-      <p:sp>
-        <p:nvSpPr>
-          <p:cNvPr id="5" name="Fußzeilenplatzhalter 4">
-            <a:extLst>
-              <a:ext uri="{FF2B5EF4-FFF2-40B4-BE49-F238E27FC236}">
-                <a16:creationId xmlns:a16="http://schemas.microsoft.com/office/drawing/2014/main" id="{37F17228-D4D8-4BBB-A244-7340EF0FE22B}"/>
-              </a:ext>
-            </a:extLst>
-          </p:cNvPr>
-          <p:cNvSpPr>
-            <a:spLocks noGrp="1"/>
-          </p:cNvSpPr>
-          <p:nvPr>
-            <p:ph type="ftr" sz="quarter" idx="11"/>
-          </p:nvPr>
-        </p:nvSpPr>
-        <p:spPr/>
-        <p:txBody>
-          <a:bodyPr/>
-          <a:lstStyle/>
-          <a:p>
-            <a:r>
-              <a:rPr lang="de-DE"/>
-              <a:t>Daniel Flasch</a:t>
-            </a:r>
-            <a:endParaRPr lang="de-DE" dirty="0"/>
-          </a:p>
-        </p:txBody>
-      </p:sp>
-      <p:sp>
-        <p:nvSpPr>
-          <p:cNvPr id="6" name="Foliennummernplatzhalter 5">
-            <a:extLst>
-              <a:ext uri="{FF2B5EF4-FFF2-40B4-BE49-F238E27FC236}">
-                <a16:creationId xmlns:a16="http://schemas.microsoft.com/office/drawing/2014/main" id="{0A3B9615-9A42-4020-ABBE-BFFD4333625F}"/>
-              </a:ext>
-            </a:extLst>
-          </p:cNvPr>
-          <p:cNvSpPr>
-            <a:spLocks noGrp="1"/>
-          </p:cNvSpPr>
-          <p:nvPr>
-            <p:ph type="sldNum" sz="quarter" idx="12"/>
-          </p:nvPr>
-        </p:nvSpPr>
-        <p:spPr/>
-        <p:txBody>
-          <a:bodyPr/>
-          <a:lstStyle/>
-          <a:p>
-            <a:fld id="{4DEAFF03-B2A3-4F10-AFBA-713F9B73CAA7}" type="slidenum">
-              <a:rPr lang="de-DE" smtClean="0"/>
-              <a:t>16</a:t>
-            </a:fld>
-            <a:endParaRPr lang="de-DE"/>
-          </a:p>
-        </p:txBody>
-      </p:sp>
-      <p:sp>
-        <p:nvSpPr>
-          <p:cNvPr id="9" name="Rechteck 8">
-            <a:extLst>
-              <a:ext uri="{FF2B5EF4-FFF2-40B4-BE49-F238E27FC236}">
-                <a16:creationId xmlns:a16="http://schemas.microsoft.com/office/drawing/2014/main" id="{D53069BA-2455-49E1-8360-B8F571081120}"/>
-              </a:ext>
-            </a:extLst>
-          </p:cNvPr>
-          <p:cNvSpPr/>
-          <p:nvPr/>
-        </p:nvSpPr>
-        <p:spPr>
-          <a:xfrm>
-            <a:off x="6708059" y="1680857"/>
-            <a:ext cx="4608870" cy="923330"/>
-          </a:xfrm>
-          <a:prstGeom prst="rect">
-            <a:avLst/>
-          </a:prstGeom>
-          <a:solidFill>
-            <a:srgbClr val="FFCCCC"/>
-          </a:solidFill>
-          <a:ln>
-            <a:noFill/>
-          </a:ln>
-        </p:spPr>
-        <p:txBody>
-          <a:bodyPr wrap="square">
-            <a:spAutoFit/>
-          </a:bodyPr>
-          <a:lstStyle/>
-          <a:p>
-            <a:r>
-              <a:rPr lang="de-DE" b="1" dirty="0">
-                <a:solidFill>
-                  <a:srgbClr val="4472C4"/>
-                </a:solidFill>
-                <a:latin typeface="Source Code Pro" panose="020B0509030403020204" pitchFamily="49" charset="0"/>
-              </a:rPr>
-              <a:t>{</a:t>
-            </a:r>
-            <a:endParaRPr lang="de-DE" dirty="0">
-              <a:solidFill>
-                <a:srgbClr val="000000"/>
-              </a:solidFill>
-              <a:latin typeface="Source Code Pro" panose="020B0509030403020204" pitchFamily="49" charset="0"/>
-            </a:endParaRPr>
-          </a:p>
-          <a:p>
-            <a:r>
-              <a:rPr lang="de-DE" dirty="0">
-                <a:solidFill>
-                  <a:srgbClr val="000000"/>
-                </a:solidFill>
-                <a:latin typeface="Source Code Pro" panose="020B0509030403020204" pitchFamily="49" charset="0"/>
-              </a:rPr>
-              <a:t>  </a:t>
-            </a:r>
-            <a:r>
-              <a:rPr lang="de-DE" dirty="0">
-                <a:solidFill>
-                  <a:srgbClr val="464646"/>
-                </a:solidFill>
-                <a:latin typeface="Source Code Pro" panose="020B0509030403020204" pitchFamily="49" charset="0"/>
-              </a:rPr>
-              <a:t>"</a:t>
-            </a:r>
-            <a:r>
-              <a:rPr lang="de-DE" dirty="0" err="1">
-                <a:solidFill>
-                  <a:srgbClr val="464646"/>
-                </a:solidFill>
-                <a:latin typeface="Source Code Pro" panose="020B0509030403020204" pitchFamily="49" charset="0"/>
-              </a:rPr>
-              <a:t>name</a:t>
-            </a:r>
-            <a:r>
-              <a:rPr lang="de-DE" dirty="0">
-                <a:solidFill>
-                  <a:srgbClr val="464646"/>
-                </a:solidFill>
-                <a:latin typeface="Source Code Pro" panose="020B0509030403020204" pitchFamily="49" charset="0"/>
-              </a:rPr>
-              <a:t>"</a:t>
-            </a:r>
-            <a:r>
-              <a:rPr lang="de-DE" b="1" dirty="0">
-                <a:solidFill>
-                  <a:srgbClr val="4472C4"/>
-                </a:solidFill>
-                <a:latin typeface="Source Code Pro" panose="020B0509030403020204" pitchFamily="49" charset="0"/>
-              </a:rPr>
-              <a:t>:</a:t>
-            </a:r>
-            <a:r>
-              <a:rPr lang="de-DE" dirty="0">
-                <a:solidFill>
-                  <a:srgbClr val="464646"/>
-                </a:solidFill>
-                <a:latin typeface="Source Code Pro" panose="020B0509030403020204" pitchFamily="49" charset="0"/>
-              </a:rPr>
-              <a:t>"John </a:t>
-            </a:r>
-            <a:r>
-              <a:rPr lang="de-DE" dirty="0" err="1">
-                <a:solidFill>
-                  <a:srgbClr val="464646"/>
-                </a:solidFill>
-                <a:latin typeface="Source Code Pro" panose="020B0509030403020204" pitchFamily="49" charset="0"/>
-              </a:rPr>
-              <a:t>Doe</a:t>
-            </a:r>
-            <a:r>
-              <a:rPr lang="de-DE" dirty="0">
-                <a:solidFill>
-                  <a:srgbClr val="464646"/>
-                </a:solidFill>
-                <a:latin typeface="Source Code Pro" panose="020B0509030403020204" pitchFamily="49" charset="0"/>
-              </a:rPr>
-              <a:t>"</a:t>
-            </a:r>
-            <a:r>
-              <a:rPr lang="de-DE" b="1" dirty="0">
-                <a:solidFill>
-                  <a:srgbClr val="4472C4"/>
-                </a:solidFill>
-                <a:latin typeface="Source Code Pro" panose="020B0509030403020204" pitchFamily="49" charset="0"/>
-              </a:rPr>
-              <a:t>,</a:t>
-            </a:r>
-            <a:r>
-              <a:rPr lang="de-DE" dirty="0">
-                <a:solidFill>
-                  <a:srgbClr val="000000"/>
-                </a:solidFill>
-                <a:latin typeface="Source Code Pro" panose="020B0509030403020204" pitchFamily="49" charset="0"/>
-              </a:rPr>
-              <a:t> </a:t>
-            </a:r>
-          </a:p>
-          <a:p>
-            <a:r>
-              <a:rPr lang="de-DE" b="1" dirty="0">
-                <a:solidFill>
-                  <a:srgbClr val="4472C4"/>
-                </a:solidFill>
-                <a:latin typeface="Source Code Pro" panose="020B0509030403020204" pitchFamily="49" charset="0"/>
-              </a:rPr>
-              <a:t>}</a:t>
-            </a:r>
-            <a:endParaRPr lang="de-DE" dirty="0"/>
-          </a:p>
-        </p:txBody>
-      </p:sp>
-      <p:sp>
-        <p:nvSpPr>
-          <p:cNvPr id="10" name="Rechteck 9">
-            <a:extLst>
-              <a:ext uri="{FF2B5EF4-FFF2-40B4-BE49-F238E27FC236}">
-                <a16:creationId xmlns:a16="http://schemas.microsoft.com/office/drawing/2014/main" id="{D25901EF-A678-4817-B6A5-9EDBC02FD598}"/>
-              </a:ext>
-            </a:extLst>
-          </p:cNvPr>
-          <p:cNvSpPr/>
-          <p:nvPr/>
-        </p:nvSpPr>
-        <p:spPr>
-          <a:xfrm>
-            <a:off x="6708059" y="2663031"/>
-            <a:ext cx="4608870" cy="1200329"/>
-          </a:xfrm>
-          <a:prstGeom prst="rect">
-            <a:avLst/>
-          </a:prstGeom>
-          <a:solidFill>
-            <a:schemeClr val="accent6">
-              <a:lumMod val="40000"/>
-              <a:lumOff val="60000"/>
-            </a:schemeClr>
-          </a:solidFill>
-          <a:ln>
-            <a:noFill/>
-          </a:ln>
-        </p:spPr>
-        <p:txBody>
-          <a:bodyPr wrap="square">
-            <a:spAutoFit/>
-          </a:bodyPr>
-          <a:lstStyle/>
-          <a:p>
-            <a:r>
-              <a:rPr lang="de-DE" b="1" dirty="0">
-                <a:solidFill>
-                  <a:srgbClr val="4472C4"/>
-                </a:solidFill>
-                <a:latin typeface="Source Code Pro" panose="020B0509030403020204" pitchFamily="49" charset="0"/>
-              </a:rPr>
-              <a:t>{</a:t>
-            </a:r>
-            <a:endParaRPr lang="de-DE" dirty="0">
-              <a:solidFill>
-                <a:srgbClr val="000000"/>
-              </a:solidFill>
-              <a:latin typeface="Source Code Pro" panose="020B0509030403020204" pitchFamily="49" charset="0"/>
-            </a:endParaRPr>
-          </a:p>
-          <a:p>
-            <a:r>
-              <a:rPr lang="de-DE" dirty="0">
-                <a:solidFill>
-                  <a:srgbClr val="000000"/>
-                </a:solidFill>
-                <a:latin typeface="Source Code Pro" panose="020B0509030403020204" pitchFamily="49" charset="0"/>
-              </a:rPr>
-              <a:t>  </a:t>
-            </a:r>
-            <a:r>
-              <a:rPr lang="de-DE" dirty="0">
-                <a:solidFill>
-                  <a:srgbClr val="464646"/>
-                </a:solidFill>
-                <a:latin typeface="Source Code Pro" panose="020B0509030403020204" pitchFamily="49" charset="0"/>
-              </a:rPr>
-              <a:t>"</a:t>
-            </a:r>
-            <a:r>
-              <a:rPr lang="de-DE" dirty="0" err="1">
-                <a:solidFill>
-                  <a:srgbClr val="464646"/>
-                </a:solidFill>
-                <a:latin typeface="Source Code Pro" panose="020B0509030403020204" pitchFamily="49" charset="0"/>
-              </a:rPr>
-              <a:t>name</a:t>
-            </a:r>
-            <a:r>
-              <a:rPr lang="de-DE" dirty="0">
-                <a:solidFill>
-                  <a:srgbClr val="464646"/>
-                </a:solidFill>
-                <a:latin typeface="Source Code Pro" panose="020B0509030403020204" pitchFamily="49" charset="0"/>
-              </a:rPr>
-              <a:t>"</a:t>
-            </a:r>
-            <a:r>
-              <a:rPr lang="de-DE" b="1" dirty="0">
-                <a:solidFill>
-                  <a:srgbClr val="4472C4"/>
-                </a:solidFill>
-                <a:latin typeface="Source Code Pro" panose="020B0509030403020204" pitchFamily="49" charset="0"/>
-              </a:rPr>
-              <a:t>:</a:t>
-            </a:r>
-            <a:r>
-              <a:rPr lang="de-DE" dirty="0">
-                <a:solidFill>
-                  <a:srgbClr val="464646"/>
-                </a:solidFill>
-                <a:latin typeface="Source Code Pro" panose="020B0509030403020204" pitchFamily="49" charset="0"/>
-              </a:rPr>
-              <a:t>"John </a:t>
-            </a:r>
-            <a:r>
-              <a:rPr lang="de-DE" dirty="0" err="1">
-                <a:solidFill>
-                  <a:srgbClr val="464646"/>
-                </a:solidFill>
-                <a:latin typeface="Source Code Pro" panose="020B0509030403020204" pitchFamily="49" charset="0"/>
-              </a:rPr>
-              <a:t>Doe</a:t>
-            </a:r>
-            <a:r>
-              <a:rPr lang="de-DE" dirty="0">
-                <a:solidFill>
-                  <a:srgbClr val="464646"/>
-                </a:solidFill>
-                <a:latin typeface="Source Code Pro" panose="020B0509030403020204" pitchFamily="49" charset="0"/>
-              </a:rPr>
-              <a:t>"</a:t>
-            </a:r>
-            <a:r>
-              <a:rPr lang="de-DE" b="1" dirty="0">
-                <a:solidFill>
-                  <a:srgbClr val="4472C4"/>
-                </a:solidFill>
-                <a:latin typeface="Source Code Pro" panose="020B0509030403020204" pitchFamily="49" charset="0"/>
-              </a:rPr>
-              <a:t>,</a:t>
-            </a:r>
-            <a:endParaRPr lang="de-DE" dirty="0">
-              <a:solidFill>
-                <a:srgbClr val="000000"/>
-              </a:solidFill>
-              <a:latin typeface="Source Code Pro" panose="020B0509030403020204" pitchFamily="49" charset="0"/>
-            </a:endParaRPr>
-          </a:p>
-          <a:p>
-            <a:r>
-              <a:rPr lang="de-DE" dirty="0">
-                <a:solidFill>
-                  <a:srgbClr val="000000"/>
-                </a:solidFill>
-                <a:latin typeface="Source Code Pro" panose="020B0509030403020204" pitchFamily="49" charset="0"/>
-              </a:rPr>
-              <a:t>  </a:t>
-            </a:r>
-            <a:r>
-              <a:rPr lang="de-DE" dirty="0">
-                <a:solidFill>
-                  <a:srgbClr val="464646"/>
-                </a:solidFill>
-                <a:latin typeface="Source Code Pro" panose="020B0509030403020204" pitchFamily="49" charset="0"/>
-              </a:rPr>
-              <a:t>"age"</a:t>
-            </a:r>
-            <a:r>
-              <a:rPr lang="de-DE" b="1" dirty="0">
-                <a:solidFill>
-                  <a:srgbClr val="4472C4"/>
-                </a:solidFill>
-                <a:latin typeface="Source Code Pro" panose="020B0509030403020204" pitchFamily="49" charset="0"/>
-              </a:rPr>
-              <a:t>:</a:t>
-            </a:r>
-            <a:r>
-              <a:rPr lang="de-DE" dirty="0">
-                <a:solidFill>
-                  <a:srgbClr val="FF8000"/>
-                </a:solidFill>
-                <a:latin typeface="Source Code Pro" panose="020B0509030403020204" pitchFamily="49" charset="0"/>
-              </a:rPr>
-              <a:t>28</a:t>
-            </a:r>
-            <a:r>
-              <a:rPr lang="de-DE" dirty="0">
-                <a:solidFill>
-                  <a:srgbClr val="000000"/>
-                </a:solidFill>
-                <a:latin typeface="Source Code Pro" panose="020B0509030403020204" pitchFamily="49" charset="0"/>
-              </a:rPr>
-              <a:t> </a:t>
-            </a:r>
-          </a:p>
-          <a:p>
-            <a:r>
-              <a:rPr lang="de-DE" b="1" dirty="0">
-                <a:solidFill>
-                  <a:srgbClr val="4472C4"/>
-                </a:solidFill>
-                <a:latin typeface="Source Code Pro" panose="020B0509030403020204" pitchFamily="49" charset="0"/>
-              </a:rPr>
-              <a:t>}</a:t>
-            </a:r>
-            <a:endParaRPr lang="de-DE" dirty="0"/>
-          </a:p>
-        </p:txBody>
-      </p:sp>
-      <p:sp>
-        <p:nvSpPr>
-          <p:cNvPr id="7" name="Rechteck 6">
-            <a:extLst>
-              <a:ext uri="{FF2B5EF4-FFF2-40B4-BE49-F238E27FC236}">
-                <a16:creationId xmlns:a16="http://schemas.microsoft.com/office/drawing/2014/main" id="{73AA9281-9AC9-4D80-A75C-DBD145A20966}"/>
-              </a:ext>
-            </a:extLst>
-          </p:cNvPr>
-          <p:cNvSpPr/>
-          <p:nvPr/>
-        </p:nvSpPr>
-        <p:spPr>
-          <a:xfrm>
-            <a:off x="875071" y="1680857"/>
-            <a:ext cx="5220929" cy="3416320"/>
-          </a:xfrm>
-          <a:prstGeom prst="rect">
-            <a:avLst/>
-          </a:prstGeom>
-          <a:solidFill>
-            <a:schemeClr val="bg1">
-              <a:lumMod val="95000"/>
-            </a:schemeClr>
-          </a:solidFill>
-          <a:ln>
-            <a:solidFill>
-              <a:schemeClr val="bg1">
-                <a:lumMod val="85000"/>
-              </a:schemeClr>
-            </a:solidFill>
-          </a:ln>
-        </p:spPr>
-        <p:txBody>
-          <a:bodyPr wrap="square">
-            <a:spAutoFit/>
-          </a:bodyPr>
-          <a:lstStyle/>
-          <a:p>
-            <a:r>
-              <a:rPr lang="de-DE" b="1" dirty="0">
-                <a:solidFill>
-                  <a:srgbClr val="4472C4"/>
-                </a:solidFill>
-                <a:latin typeface="Source Code Pro" panose="020B0509030403020204" pitchFamily="49" charset="0"/>
-              </a:rPr>
-              <a:t>{</a:t>
-            </a:r>
-            <a:endParaRPr lang="de-DE" dirty="0">
-              <a:solidFill>
-                <a:srgbClr val="000000"/>
-              </a:solidFill>
-              <a:latin typeface="Source Code Pro" panose="020B0509030403020204" pitchFamily="49" charset="0"/>
-            </a:endParaRPr>
-          </a:p>
-          <a:p>
-            <a:r>
-              <a:rPr lang="de-DE" dirty="0">
-                <a:solidFill>
-                  <a:srgbClr val="000000"/>
-                </a:solidFill>
-                <a:latin typeface="Source Code Pro" panose="020B0509030403020204" pitchFamily="49" charset="0"/>
-              </a:rPr>
-              <a:t>  </a:t>
-            </a:r>
-            <a:r>
-              <a:rPr lang="de-DE" dirty="0">
-                <a:solidFill>
-                  <a:srgbClr val="464646"/>
-                </a:solidFill>
-                <a:latin typeface="Source Code Pro" panose="020B0509030403020204" pitchFamily="49" charset="0"/>
-              </a:rPr>
-              <a:t>"type"</a:t>
-            </a:r>
-            <a:r>
-              <a:rPr lang="de-DE" b="1" dirty="0">
-                <a:solidFill>
-                  <a:srgbClr val="4472C4"/>
-                </a:solidFill>
-                <a:latin typeface="Source Code Pro" panose="020B0509030403020204" pitchFamily="49" charset="0"/>
-              </a:rPr>
-              <a:t>:</a:t>
-            </a:r>
-            <a:r>
-              <a:rPr lang="de-DE" dirty="0">
-                <a:solidFill>
-                  <a:srgbClr val="000000"/>
-                </a:solidFill>
-                <a:latin typeface="Source Code Pro" panose="020B0509030403020204" pitchFamily="49" charset="0"/>
-              </a:rPr>
-              <a:t> </a:t>
-            </a:r>
-            <a:r>
-              <a:rPr lang="de-DE" dirty="0">
-                <a:solidFill>
-                  <a:srgbClr val="464646"/>
-                </a:solidFill>
-                <a:latin typeface="Source Code Pro" panose="020B0509030403020204" pitchFamily="49" charset="0"/>
-              </a:rPr>
-              <a:t>"</a:t>
-            </a:r>
-            <a:r>
-              <a:rPr lang="de-DE" dirty="0" err="1">
-                <a:solidFill>
-                  <a:srgbClr val="464646"/>
-                </a:solidFill>
-                <a:latin typeface="Source Code Pro" panose="020B0509030403020204" pitchFamily="49" charset="0"/>
-              </a:rPr>
-              <a:t>object</a:t>
-            </a:r>
-            <a:r>
-              <a:rPr lang="de-DE" dirty="0">
-                <a:solidFill>
-                  <a:srgbClr val="464646"/>
-                </a:solidFill>
-                <a:latin typeface="Source Code Pro" panose="020B0509030403020204" pitchFamily="49" charset="0"/>
-              </a:rPr>
-              <a:t>"</a:t>
-            </a:r>
-            <a:r>
-              <a:rPr lang="de-DE" b="1" dirty="0">
-                <a:solidFill>
-                  <a:srgbClr val="4472C4"/>
-                </a:solidFill>
-                <a:latin typeface="Source Code Pro" panose="020B0509030403020204" pitchFamily="49" charset="0"/>
-              </a:rPr>
-              <a:t>,</a:t>
-            </a:r>
-            <a:endParaRPr lang="de-DE" dirty="0">
-              <a:solidFill>
-                <a:srgbClr val="000000"/>
-              </a:solidFill>
-              <a:latin typeface="Source Code Pro" panose="020B0509030403020204" pitchFamily="49" charset="0"/>
-            </a:endParaRPr>
-          </a:p>
-          <a:p>
-            <a:r>
-              <a:rPr lang="de-DE" dirty="0">
-                <a:solidFill>
-                  <a:srgbClr val="000000"/>
-                </a:solidFill>
-                <a:latin typeface="Source Code Pro" panose="020B0509030403020204" pitchFamily="49" charset="0"/>
-              </a:rPr>
-              <a:t>  </a:t>
-            </a:r>
-            <a:r>
-              <a:rPr lang="de-DE" dirty="0">
-                <a:solidFill>
-                  <a:srgbClr val="464646"/>
-                </a:solidFill>
-                <a:latin typeface="Source Code Pro" panose="020B0509030403020204" pitchFamily="49" charset="0"/>
-              </a:rPr>
-              <a:t>"</a:t>
-            </a:r>
-            <a:r>
-              <a:rPr lang="de-DE" dirty="0" err="1">
-                <a:solidFill>
-                  <a:srgbClr val="464646"/>
-                </a:solidFill>
-                <a:latin typeface="Source Code Pro" panose="020B0509030403020204" pitchFamily="49" charset="0"/>
-              </a:rPr>
-              <a:t>properties</a:t>
-            </a:r>
-            <a:r>
-              <a:rPr lang="de-DE" dirty="0">
-                <a:solidFill>
-                  <a:srgbClr val="464646"/>
-                </a:solidFill>
-                <a:latin typeface="Source Code Pro" panose="020B0509030403020204" pitchFamily="49" charset="0"/>
-              </a:rPr>
-              <a:t>"</a:t>
-            </a:r>
-            <a:r>
-              <a:rPr lang="de-DE" b="1" dirty="0">
-                <a:solidFill>
-                  <a:srgbClr val="4472C4"/>
-                </a:solidFill>
-                <a:latin typeface="Source Code Pro" panose="020B0509030403020204" pitchFamily="49" charset="0"/>
-              </a:rPr>
-              <a:t>:</a:t>
-            </a:r>
-            <a:r>
-              <a:rPr lang="de-DE" dirty="0">
-                <a:solidFill>
-                  <a:srgbClr val="000000"/>
-                </a:solidFill>
-                <a:latin typeface="Source Code Pro" panose="020B0509030403020204" pitchFamily="49" charset="0"/>
-              </a:rPr>
-              <a:t> </a:t>
-            </a:r>
-            <a:r>
-              <a:rPr lang="de-DE" b="1" dirty="0">
-                <a:solidFill>
-                  <a:srgbClr val="4472C4"/>
-                </a:solidFill>
-                <a:latin typeface="Source Code Pro" panose="020B0509030403020204" pitchFamily="49" charset="0"/>
-              </a:rPr>
-              <a:t>{</a:t>
-            </a:r>
-            <a:endParaRPr lang="de-DE" dirty="0">
-              <a:solidFill>
-                <a:srgbClr val="000000"/>
-              </a:solidFill>
-              <a:latin typeface="Source Code Pro" panose="020B0509030403020204" pitchFamily="49" charset="0"/>
-            </a:endParaRPr>
-          </a:p>
-          <a:p>
-            <a:r>
-              <a:rPr lang="de-DE" dirty="0">
-                <a:solidFill>
-                  <a:srgbClr val="000000"/>
-                </a:solidFill>
-                <a:latin typeface="Source Code Pro" panose="020B0509030403020204" pitchFamily="49" charset="0"/>
-              </a:rPr>
-              <a:t>    </a:t>
-            </a:r>
-            <a:r>
-              <a:rPr lang="de-DE" dirty="0">
-                <a:solidFill>
-                  <a:srgbClr val="464646"/>
-                </a:solidFill>
-                <a:latin typeface="Source Code Pro" panose="020B0509030403020204" pitchFamily="49" charset="0"/>
-              </a:rPr>
-              <a:t>"</a:t>
-            </a:r>
-            <a:r>
-              <a:rPr lang="de-DE" dirty="0" err="1">
-                <a:solidFill>
-                  <a:srgbClr val="464646"/>
-                </a:solidFill>
-                <a:latin typeface="Source Code Pro" panose="020B0509030403020204" pitchFamily="49" charset="0"/>
-              </a:rPr>
-              <a:t>name</a:t>
-            </a:r>
-            <a:r>
-              <a:rPr lang="de-DE" dirty="0">
-                <a:solidFill>
-                  <a:srgbClr val="464646"/>
-                </a:solidFill>
-                <a:latin typeface="Source Code Pro" panose="020B0509030403020204" pitchFamily="49" charset="0"/>
-              </a:rPr>
-              <a:t>"</a:t>
-            </a:r>
-            <a:r>
-              <a:rPr lang="de-DE" b="1" dirty="0">
-                <a:solidFill>
-                  <a:srgbClr val="4472C4"/>
-                </a:solidFill>
-                <a:latin typeface="Source Code Pro" panose="020B0509030403020204" pitchFamily="49" charset="0"/>
-              </a:rPr>
-              <a:t>:</a:t>
-            </a:r>
-            <a:r>
-              <a:rPr lang="de-DE" dirty="0">
-                <a:solidFill>
-                  <a:srgbClr val="000000"/>
-                </a:solidFill>
-                <a:latin typeface="Source Code Pro" panose="020B0509030403020204" pitchFamily="49" charset="0"/>
-              </a:rPr>
-              <a:t> </a:t>
-            </a:r>
-            <a:r>
-              <a:rPr lang="de-DE" b="1" dirty="0">
-                <a:solidFill>
-                  <a:srgbClr val="4472C4"/>
-                </a:solidFill>
-                <a:latin typeface="Source Code Pro" panose="020B0509030403020204" pitchFamily="49" charset="0"/>
-              </a:rPr>
-              <a:t>{</a:t>
-            </a:r>
-            <a:endParaRPr lang="de-DE" dirty="0">
-              <a:solidFill>
-                <a:srgbClr val="000000"/>
-              </a:solidFill>
-              <a:latin typeface="Source Code Pro" panose="020B0509030403020204" pitchFamily="49" charset="0"/>
-            </a:endParaRPr>
-          </a:p>
-          <a:p>
-            <a:r>
-              <a:rPr lang="de-DE" dirty="0">
-                <a:solidFill>
-                  <a:srgbClr val="000000"/>
-                </a:solidFill>
-                <a:latin typeface="Source Code Pro" panose="020B0509030403020204" pitchFamily="49" charset="0"/>
-              </a:rPr>
-              <a:t>      </a:t>
-            </a:r>
-            <a:r>
-              <a:rPr lang="de-DE" dirty="0">
-                <a:solidFill>
-                  <a:srgbClr val="464646"/>
-                </a:solidFill>
-                <a:latin typeface="Source Code Pro" panose="020B0509030403020204" pitchFamily="49" charset="0"/>
-              </a:rPr>
-              <a:t>"type"</a:t>
-            </a:r>
-            <a:r>
-              <a:rPr lang="de-DE" b="1" dirty="0">
-                <a:solidFill>
-                  <a:srgbClr val="4472C4"/>
-                </a:solidFill>
-                <a:latin typeface="Source Code Pro" panose="020B0509030403020204" pitchFamily="49" charset="0"/>
-              </a:rPr>
-              <a:t>:</a:t>
-            </a:r>
-            <a:r>
-              <a:rPr lang="de-DE" dirty="0">
-                <a:solidFill>
-                  <a:srgbClr val="000000"/>
-                </a:solidFill>
-                <a:latin typeface="Source Code Pro" panose="020B0509030403020204" pitchFamily="49" charset="0"/>
-              </a:rPr>
-              <a:t> </a:t>
-            </a:r>
-            <a:r>
-              <a:rPr lang="de-DE" dirty="0">
-                <a:solidFill>
-                  <a:srgbClr val="464646"/>
-                </a:solidFill>
-                <a:latin typeface="Source Code Pro" panose="020B0509030403020204" pitchFamily="49" charset="0"/>
-              </a:rPr>
-              <a:t>"</a:t>
-            </a:r>
-            <a:r>
-              <a:rPr lang="de-DE" dirty="0" err="1">
-                <a:solidFill>
-                  <a:srgbClr val="464646"/>
-                </a:solidFill>
-                <a:latin typeface="Source Code Pro" panose="020B0509030403020204" pitchFamily="49" charset="0"/>
-              </a:rPr>
-              <a:t>string</a:t>
-            </a:r>
-            <a:r>
-              <a:rPr lang="de-DE" dirty="0">
-                <a:solidFill>
-                  <a:srgbClr val="464646"/>
-                </a:solidFill>
-                <a:latin typeface="Source Code Pro" panose="020B0509030403020204" pitchFamily="49" charset="0"/>
-              </a:rPr>
-              <a:t>"</a:t>
-            </a:r>
-            <a:endParaRPr lang="de-DE" dirty="0">
-              <a:solidFill>
-                <a:srgbClr val="000000"/>
-              </a:solidFill>
-              <a:latin typeface="Source Code Pro" panose="020B0509030403020204" pitchFamily="49" charset="0"/>
-            </a:endParaRPr>
-          </a:p>
-          <a:p>
-            <a:r>
-              <a:rPr lang="de-DE" dirty="0">
-                <a:solidFill>
-                  <a:srgbClr val="000000"/>
-                </a:solidFill>
-                <a:latin typeface="Source Code Pro" panose="020B0509030403020204" pitchFamily="49" charset="0"/>
-              </a:rPr>
-              <a:t>    </a:t>
-            </a:r>
-            <a:r>
-              <a:rPr lang="de-DE" b="1" dirty="0">
-                <a:solidFill>
-                  <a:srgbClr val="4472C4"/>
-                </a:solidFill>
-                <a:latin typeface="Source Code Pro" panose="020B0509030403020204" pitchFamily="49" charset="0"/>
-              </a:rPr>
-              <a:t>},</a:t>
-            </a:r>
-            <a:endParaRPr lang="de-DE" dirty="0">
-              <a:solidFill>
-                <a:srgbClr val="000000"/>
-              </a:solidFill>
-              <a:latin typeface="Source Code Pro" panose="020B0509030403020204" pitchFamily="49" charset="0"/>
-            </a:endParaRPr>
-          </a:p>
-          <a:p>
-            <a:r>
-              <a:rPr lang="de-DE" dirty="0">
-                <a:solidFill>
-                  <a:srgbClr val="000000"/>
-                </a:solidFill>
-                <a:latin typeface="Source Code Pro" panose="020B0509030403020204" pitchFamily="49" charset="0"/>
-              </a:rPr>
-              <a:t>    </a:t>
-            </a:r>
-            <a:r>
-              <a:rPr lang="de-DE" dirty="0">
-                <a:solidFill>
-                  <a:srgbClr val="464646"/>
-                </a:solidFill>
-                <a:latin typeface="Source Code Pro" panose="020B0509030403020204" pitchFamily="49" charset="0"/>
-              </a:rPr>
-              <a:t>"</a:t>
-            </a:r>
-            <a:r>
-              <a:rPr lang="de-DE" dirty="0" err="1">
-                <a:solidFill>
-                  <a:srgbClr val="464646"/>
-                </a:solidFill>
-                <a:latin typeface="Source Code Pro" panose="020B0509030403020204" pitchFamily="49" charset="0"/>
-              </a:rPr>
-              <a:t>age</a:t>
-            </a:r>
-            <a:r>
-              <a:rPr lang="de-DE" dirty="0">
-                <a:solidFill>
-                  <a:srgbClr val="464646"/>
-                </a:solidFill>
-                <a:latin typeface="Source Code Pro" panose="020B0509030403020204" pitchFamily="49" charset="0"/>
-              </a:rPr>
-              <a:t>"</a:t>
-            </a:r>
-            <a:r>
-              <a:rPr lang="de-DE" b="1" dirty="0">
-                <a:solidFill>
-                  <a:srgbClr val="4472C4"/>
-                </a:solidFill>
-                <a:latin typeface="Source Code Pro" panose="020B0509030403020204" pitchFamily="49" charset="0"/>
-              </a:rPr>
-              <a:t>:</a:t>
-            </a:r>
-            <a:r>
-              <a:rPr lang="de-DE" dirty="0">
-                <a:solidFill>
-                  <a:srgbClr val="000000"/>
-                </a:solidFill>
-                <a:latin typeface="Source Code Pro" panose="020B0509030403020204" pitchFamily="49" charset="0"/>
-              </a:rPr>
-              <a:t> </a:t>
-            </a:r>
-            <a:r>
-              <a:rPr lang="de-DE" b="1" dirty="0">
-                <a:solidFill>
-                  <a:srgbClr val="4472C4"/>
-                </a:solidFill>
-                <a:latin typeface="Source Code Pro" panose="020B0509030403020204" pitchFamily="49" charset="0"/>
-              </a:rPr>
-              <a:t>{</a:t>
-            </a:r>
-            <a:endParaRPr lang="de-DE" dirty="0">
-              <a:solidFill>
-                <a:srgbClr val="000000"/>
-              </a:solidFill>
-              <a:latin typeface="Source Code Pro" panose="020B0509030403020204" pitchFamily="49" charset="0"/>
-            </a:endParaRPr>
-          </a:p>
-          <a:p>
-            <a:r>
-              <a:rPr lang="de-DE" dirty="0">
-                <a:solidFill>
-                  <a:srgbClr val="000000"/>
-                </a:solidFill>
-                <a:latin typeface="Source Code Pro" panose="020B0509030403020204" pitchFamily="49" charset="0"/>
-              </a:rPr>
-              <a:t>      </a:t>
-            </a:r>
-            <a:r>
-              <a:rPr lang="de-DE" dirty="0">
-                <a:solidFill>
-                  <a:srgbClr val="464646"/>
-                </a:solidFill>
-                <a:latin typeface="Source Code Pro" panose="020B0509030403020204" pitchFamily="49" charset="0"/>
-              </a:rPr>
-              <a:t>"type"</a:t>
-            </a:r>
-            <a:r>
-              <a:rPr lang="de-DE" b="1" dirty="0">
-                <a:solidFill>
-                  <a:srgbClr val="4472C4"/>
-                </a:solidFill>
-                <a:latin typeface="Source Code Pro" panose="020B0509030403020204" pitchFamily="49" charset="0"/>
-              </a:rPr>
-              <a:t>:</a:t>
-            </a:r>
-            <a:r>
-              <a:rPr lang="de-DE" dirty="0">
-                <a:solidFill>
-                  <a:srgbClr val="000000"/>
-                </a:solidFill>
-                <a:latin typeface="Source Code Pro" panose="020B0509030403020204" pitchFamily="49" charset="0"/>
-              </a:rPr>
-              <a:t> </a:t>
-            </a:r>
-            <a:r>
-              <a:rPr lang="de-DE" dirty="0">
-                <a:solidFill>
-                  <a:srgbClr val="464646"/>
-                </a:solidFill>
-                <a:latin typeface="Source Code Pro" panose="020B0509030403020204" pitchFamily="49" charset="0"/>
-              </a:rPr>
-              <a:t>"</a:t>
-            </a:r>
-            <a:r>
-              <a:rPr lang="de-DE" dirty="0" err="1">
-                <a:solidFill>
-                  <a:srgbClr val="464646"/>
-                </a:solidFill>
-                <a:latin typeface="Source Code Pro" panose="020B0509030403020204" pitchFamily="49" charset="0"/>
-              </a:rPr>
-              <a:t>number</a:t>
-            </a:r>
-            <a:r>
-              <a:rPr lang="de-DE" dirty="0">
-                <a:solidFill>
-                  <a:srgbClr val="464646"/>
-                </a:solidFill>
-                <a:latin typeface="Source Code Pro" panose="020B0509030403020204" pitchFamily="49" charset="0"/>
-              </a:rPr>
-              <a:t>"</a:t>
-            </a:r>
-            <a:endParaRPr lang="de-DE" dirty="0">
-              <a:solidFill>
-                <a:srgbClr val="000000"/>
-              </a:solidFill>
-              <a:latin typeface="Source Code Pro" panose="020B0509030403020204" pitchFamily="49" charset="0"/>
-            </a:endParaRPr>
-          </a:p>
-          <a:p>
-            <a:r>
-              <a:rPr lang="de-DE" dirty="0">
-                <a:solidFill>
-                  <a:srgbClr val="000000"/>
-                </a:solidFill>
-                <a:latin typeface="Source Code Pro" panose="020B0509030403020204" pitchFamily="49" charset="0"/>
-              </a:rPr>
-              <a:t>    </a:t>
-            </a:r>
-            <a:r>
-              <a:rPr lang="de-DE" b="1" dirty="0">
-                <a:solidFill>
-                  <a:srgbClr val="4472C4"/>
-                </a:solidFill>
-                <a:latin typeface="Source Code Pro" panose="020B0509030403020204" pitchFamily="49" charset="0"/>
-              </a:rPr>
-              <a:t>}</a:t>
-            </a:r>
-            <a:endParaRPr lang="de-DE" dirty="0">
-              <a:solidFill>
-                <a:srgbClr val="000000"/>
-              </a:solidFill>
-              <a:latin typeface="Source Code Pro" panose="020B0509030403020204" pitchFamily="49" charset="0"/>
-            </a:endParaRPr>
-          </a:p>
-          <a:p>
-            <a:r>
-              <a:rPr lang="de-DE" dirty="0">
-                <a:solidFill>
-                  <a:srgbClr val="000000"/>
-                </a:solidFill>
-                <a:latin typeface="Source Code Pro" panose="020B0509030403020204" pitchFamily="49" charset="0"/>
-              </a:rPr>
-              <a:t>  </a:t>
-            </a:r>
-            <a:r>
-              <a:rPr lang="de-DE" b="1" dirty="0">
-                <a:solidFill>
-                  <a:srgbClr val="4472C4"/>
-                </a:solidFill>
-                <a:latin typeface="Source Code Pro" panose="020B0509030403020204" pitchFamily="49" charset="0"/>
-              </a:rPr>
-              <a:t>},</a:t>
-            </a:r>
-          </a:p>
-          <a:p>
-            <a:r>
-              <a:rPr lang="de-DE" b="1" dirty="0">
-                <a:solidFill>
-                  <a:srgbClr val="4472C4"/>
-                </a:solidFill>
-                <a:highlight>
-                  <a:srgbClr val="C0C0C0"/>
-                </a:highlight>
-                <a:latin typeface="Source Code Pro" panose="020B0509030403020204" pitchFamily="49" charset="0"/>
-              </a:rPr>
-              <a:t> </a:t>
-            </a:r>
-            <a:r>
-              <a:rPr lang="de-DE" dirty="0">
-                <a:solidFill>
-                  <a:srgbClr val="464646"/>
-                </a:solidFill>
-                <a:highlight>
-                  <a:srgbClr val="C0C0C0"/>
-                </a:highlight>
-                <a:latin typeface="Source Code Pro" panose="020B0509030403020204" pitchFamily="49" charset="0"/>
-              </a:rPr>
-              <a:t>„</a:t>
-            </a:r>
-            <a:r>
-              <a:rPr lang="de-DE" dirty="0" err="1">
-                <a:solidFill>
-                  <a:srgbClr val="464646"/>
-                </a:solidFill>
-                <a:highlight>
-                  <a:srgbClr val="C0C0C0"/>
-                </a:highlight>
-                <a:latin typeface="Source Code Pro" panose="020B0509030403020204" pitchFamily="49" charset="0"/>
-              </a:rPr>
-              <a:t>required</a:t>
-            </a:r>
-            <a:r>
-              <a:rPr lang="de-DE" dirty="0">
-                <a:solidFill>
-                  <a:srgbClr val="464646"/>
-                </a:solidFill>
-                <a:highlight>
-                  <a:srgbClr val="C0C0C0"/>
-                </a:highlight>
-                <a:latin typeface="Source Code Pro" panose="020B0509030403020204" pitchFamily="49" charset="0"/>
-              </a:rPr>
-              <a:t>"</a:t>
-            </a:r>
-            <a:r>
-              <a:rPr lang="de-DE" b="1" dirty="0">
-                <a:solidFill>
-                  <a:srgbClr val="4472C4"/>
-                </a:solidFill>
-                <a:highlight>
-                  <a:srgbClr val="C0C0C0"/>
-                </a:highlight>
-                <a:latin typeface="Source Code Pro" panose="020B0509030403020204" pitchFamily="49" charset="0"/>
-              </a:rPr>
-              <a:t>:[</a:t>
-            </a:r>
-            <a:r>
-              <a:rPr lang="de-DE" dirty="0">
-                <a:solidFill>
-                  <a:srgbClr val="464646"/>
-                </a:solidFill>
-                <a:highlight>
-                  <a:srgbClr val="C0C0C0"/>
-                </a:highlight>
-                <a:latin typeface="Source Code Pro" panose="020B0509030403020204" pitchFamily="49" charset="0"/>
-              </a:rPr>
-              <a:t>"</a:t>
-            </a:r>
-            <a:r>
-              <a:rPr lang="de-DE" dirty="0" err="1">
-                <a:solidFill>
-                  <a:srgbClr val="464646"/>
-                </a:solidFill>
-                <a:highlight>
-                  <a:srgbClr val="C0C0C0"/>
-                </a:highlight>
-                <a:latin typeface="Source Code Pro" panose="020B0509030403020204" pitchFamily="49" charset="0"/>
-              </a:rPr>
-              <a:t>name</a:t>
-            </a:r>
-            <a:r>
-              <a:rPr lang="de-DE" dirty="0">
-                <a:solidFill>
-                  <a:srgbClr val="464646"/>
-                </a:solidFill>
-                <a:highlight>
-                  <a:srgbClr val="C0C0C0"/>
-                </a:highlight>
-                <a:latin typeface="Source Code Pro" panose="020B0509030403020204" pitchFamily="49" charset="0"/>
-              </a:rPr>
-              <a:t>","</a:t>
-            </a:r>
-            <a:r>
-              <a:rPr lang="de-DE" dirty="0" err="1">
-                <a:solidFill>
-                  <a:srgbClr val="464646"/>
-                </a:solidFill>
-                <a:highlight>
-                  <a:srgbClr val="C0C0C0"/>
-                </a:highlight>
-                <a:latin typeface="Source Code Pro" panose="020B0509030403020204" pitchFamily="49" charset="0"/>
-              </a:rPr>
-              <a:t>age</a:t>
-            </a:r>
-            <a:r>
-              <a:rPr lang="de-DE" dirty="0">
-                <a:solidFill>
-                  <a:srgbClr val="464646"/>
-                </a:solidFill>
-                <a:highlight>
-                  <a:srgbClr val="C0C0C0"/>
-                </a:highlight>
-                <a:latin typeface="Source Code Pro" panose="020B0509030403020204" pitchFamily="49" charset="0"/>
-              </a:rPr>
-              <a:t>"</a:t>
-            </a:r>
-            <a:r>
-              <a:rPr lang="de-DE" b="1" dirty="0">
-                <a:solidFill>
-                  <a:srgbClr val="4472C4"/>
-                </a:solidFill>
-                <a:highlight>
-                  <a:srgbClr val="C0C0C0"/>
-                </a:highlight>
-                <a:latin typeface="Source Code Pro" panose="020B0509030403020204" pitchFamily="49" charset="0"/>
-              </a:rPr>
-              <a:t>]</a:t>
-            </a:r>
-            <a:endParaRPr lang="de-DE" dirty="0">
-              <a:solidFill>
-                <a:srgbClr val="000000"/>
-              </a:solidFill>
-              <a:highlight>
-                <a:srgbClr val="C0C0C0"/>
-              </a:highlight>
-              <a:latin typeface="Source Code Pro" panose="020B0509030403020204" pitchFamily="49" charset="0"/>
-            </a:endParaRPr>
-          </a:p>
-          <a:p>
-            <a:r>
-              <a:rPr lang="de-DE" b="1" dirty="0">
-                <a:solidFill>
-                  <a:srgbClr val="4472C4"/>
-                </a:solidFill>
-                <a:latin typeface="Source Code Pro" panose="020B0509030403020204" pitchFamily="49" charset="0"/>
-              </a:rPr>
-              <a:t>}</a:t>
-            </a:r>
-            <a:endParaRPr lang="de-DE" dirty="0"/>
-          </a:p>
-        </p:txBody>
-      </p:sp>
-      <p:sp>
-        <p:nvSpPr>
-          <p:cNvPr id="11" name="Rechteck 10">
-            <a:extLst>
-              <a:ext uri="{FF2B5EF4-FFF2-40B4-BE49-F238E27FC236}">
-                <a16:creationId xmlns:a16="http://schemas.microsoft.com/office/drawing/2014/main" id="{8BE748DD-764D-4290-B161-3B1DE4AFDC90}"/>
-              </a:ext>
-            </a:extLst>
-          </p:cNvPr>
-          <p:cNvSpPr/>
-          <p:nvPr/>
-        </p:nvSpPr>
-        <p:spPr>
-          <a:xfrm>
-            <a:off x="6708059" y="3919919"/>
-            <a:ext cx="4608870" cy="1477328"/>
-          </a:xfrm>
-          <a:prstGeom prst="rect">
-            <a:avLst/>
-          </a:prstGeom>
-          <a:solidFill>
-            <a:schemeClr val="accent6">
-              <a:lumMod val="40000"/>
-              <a:lumOff val="60000"/>
-            </a:schemeClr>
-          </a:solidFill>
-          <a:ln>
-            <a:noFill/>
-          </a:ln>
-        </p:spPr>
-        <p:txBody>
-          <a:bodyPr wrap="square">
-            <a:spAutoFit/>
-          </a:bodyPr>
-          <a:lstStyle/>
-          <a:p>
-            <a:r>
-              <a:rPr lang="de-DE" b="1" dirty="0">
-                <a:solidFill>
-                  <a:srgbClr val="4472C4"/>
-                </a:solidFill>
-                <a:latin typeface="Source Code Pro" panose="020B0509030403020204" pitchFamily="49" charset="0"/>
-              </a:rPr>
-              <a:t>{</a:t>
-            </a:r>
-            <a:endParaRPr lang="de-DE" dirty="0">
-              <a:solidFill>
-                <a:srgbClr val="000000"/>
-              </a:solidFill>
-              <a:latin typeface="Source Code Pro" panose="020B0509030403020204" pitchFamily="49" charset="0"/>
-            </a:endParaRPr>
-          </a:p>
-          <a:p>
-            <a:r>
-              <a:rPr lang="de-DE" dirty="0">
-                <a:solidFill>
-                  <a:srgbClr val="000000"/>
-                </a:solidFill>
-                <a:latin typeface="Source Code Pro" panose="020B0509030403020204" pitchFamily="49" charset="0"/>
-              </a:rPr>
-              <a:t>  </a:t>
-            </a:r>
-            <a:r>
-              <a:rPr lang="de-DE" dirty="0">
-                <a:solidFill>
-                  <a:srgbClr val="464646"/>
-                </a:solidFill>
-                <a:latin typeface="Source Code Pro" panose="020B0509030403020204" pitchFamily="49" charset="0"/>
-              </a:rPr>
-              <a:t>"</a:t>
-            </a:r>
-            <a:r>
-              <a:rPr lang="de-DE" dirty="0" err="1">
-                <a:solidFill>
-                  <a:srgbClr val="464646"/>
-                </a:solidFill>
-                <a:latin typeface="Source Code Pro" panose="020B0509030403020204" pitchFamily="49" charset="0"/>
-              </a:rPr>
-              <a:t>name</a:t>
-            </a:r>
-            <a:r>
-              <a:rPr lang="de-DE" dirty="0">
-                <a:solidFill>
-                  <a:srgbClr val="464646"/>
-                </a:solidFill>
-                <a:latin typeface="Source Code Pro" panose="020B0509030403020204" pitchFamily="49" charset="0"/>
-              </a:rPr>
-              <a:t>"</a:t>
-            </a:r>
-            <a:r>
-              <a:rPr lang="de-DE" b="1" dirty="0">
-                <a:solidFill>
-                  <a:srgbClr val="4472C4"/>
-                </a:solidFill>
-                <a:latin typeface="Source Code Pro" panose="020B0509030403020204" pitchFamily="49" charset="0"/>
-              </a:rPr>
-              <a:t>:</a:t>
-            </a:r>
-            <a:r>
-              <a:rPr lang="de-DE" dirty="0">
-                <a:solidFill>
-                  <a:srgbClr val="464646"/>
-                </a:solidFill>
-                <a:latin typeface="Source Code Pro" panose="020B0509030403020204" pitchFamily="49" charset="0"/>
-              </a:rPr>
-              <a:t>"John </a:t>
-            </a:r>
-            <a:r>
-              <a:rPr lang="de-DE" dirty="0" err="1">
-                <a:solidFill>
-                  <a:srgbClr val="464646"/>
-                </a:solidFill>
-                <a:latin typeface="Source Code Pro" panose="020B0509030403020204" pitchFamily="49" charset="0"/>
-              </a:rPr>
-              <a:t>Doe</a:t>
-            </a:r>
-            <a:r>
-              <a:rPr lang="de-DE" dirty="0">
-                <a:solidFill>
-                  <a:srgbClr val="464646"/>
-                </a:solidFill>
-                <a:latin typeface="Source Code Pro" panose="020B0509030403020204" pitchFamily="49" charset="0"/>
-              </a:rPr>
-              <a:t>"</a:t>
-            </a:r>
-            <a:r>
-              <a:rPr lang="de-DE" b="1" dirty="0">
-                <a:solidFill>
-                  <a:srgbClr val="4472C4"/>
-                </a:solidFill>
-                <a:latin typeface="Source Code Pro" panose="020B0509030403020204" pitchFamily="49" charset="0"/>
-              </a:rPr>
-              <a:t>,</a:t>
-            </a:r>
-            <a:endParaRPr lang="de-DE" dirty="0">
-              <a:solidFill>
-                <a:srgbClr val="000000"/>
-              </a:solidFill>
-              <a:latin typeface="Source Code Pro" panose="020B0509030403020204" pitchFamily="49" charset="0"/>
-            </a:endParaRPr>
-          </a:p>
-          <a:p>
-            <a:r>
-              <a:rPr lang="de-DE" dirty="0">
-                <a:solidFill>
-                  <a:srgbClr val="000000"/>
-                </a:solidFill>
-                <a:latin typeface="Source Code Pro" panose="020B0509030403020204" pitchFamily="49" charset="0"/>
-              </a:rPr>
-              <a:t>  </a:t>
-            </a:r>
-            <a:r>
-              <a:rPr lang="de-DE" dirty="0">
-                <a:solidFill>
-                  <a:srgbClr val="464646"/>
-                </a:solidFill>
-                <a:latin typeface="Source Code Pro" panose="020B0509030403020204" pitchFamily="49" charset="0"/>
-              </a:rPr>
-              <a:t>"age"</a:t>
-            </a:r>
-            <a:r>
-              <a:rPr lang="de-DE" b="1" dirty="0">
-                <a:solidFill>
-                  <a:srgbClr val="4472C4"/>
-                </a:solidFill>
-                <a:latin typeface="Source Code Pro" panose="020B0509030403020204" pitchFamily="49" charset="0"/>
-              </a:rPr>
-              <a:t>:</a:t>
-            </a:r>
-            <a:r>
-              <a:rPr lang="de-DE" dirty="0">
-                <a:solidFill>
-                  <a:srgbClr val="FF8000"/>
-                </a:solidFill>
-                <a:latin typeface="Source Code Pro" panose="020B0509030403020204" pitchFamily="49" charset="0"/>
-              </a:rPr>
-              <a:t>28</a:t>
-            </a:r>
-            <a:r>
-              <a:rPr lang="de-DE" b="1" dirty="0">
-                <a:solidFill>
-                  <a:srgbClr val="4472C4"/>
-                </a:solidFill>
-                <a:latin typeface="Source Code Pro" panose="020B0509030403020204" pitchFamily="49" charset="0"/>
-              </a:rPr>
-              <a:t>,</a:t>
-            </a:r>
-            <a:r>
-              <a:rPr lang="de-DE" dirty="0">
-                <a:solidFill>
-                  <a:srgbClr val="000000"/>
-                </a:solidFill>
-                <a:latin typeface="Source Code Pro" panose="020B0509030403020204" pitchFamily="49" charset="0"/>
-              </a:rPr>
-              <a:t> </a:t>
-            </a:r>
-          </a:p>
-          <a:p>
-            <a:r>
-              <a:rPr lang="de-DE" dirty="0">
-                <a:solidFill>
-                  <a:srgbClr val="000000"/>
-                </a:solidFill>
-                <a:latin typeface="Source Code Pro" panose="020B0509030403020204" pitchFamily="49" charset="0"/>
-              </a:rPr>
-              <a:t>  </a:t>
-            </a:r>
-            <a:r>
-              <a:rPr lang="de-DE" dirty="0">
-                <a:solidFill>
-                  <a:srgbClr val="464646"/>
-                </a:solidFill>
-                <a:latin typeface="Source Code Pro" panose="020B0509030403020204" pitchFamily="49" charset="0"/>
-              </a:rPr>
-              <a:t>"phone"</a:t>
-            </a:r>
-            <a:r>
-              <a:rPr lang="de-DE" b="1" dirty="0">
-                <a:solidFill>
-                  <a:srgbClr val="4472C4"/>
-                </a:solidFill>
-                <a:latin typeface="Source Code Pro" panose="020B0509030403020204" pitchFamily="49" charset="0"/>
-              </a:rPr>
-              <a:t>:</a:t>
-            </a:r>
-            <a:r>
-              <a:rPr lang="de-DE" dirty="0">
-                <a:solidFill>
-                  <a:srgbClr val="464646"/>
-                </a:solidFill>
-                <a:latin typeface="Source Code Pro" panose="020B0509030403020204" pitchFamily="49" charset="0"/>
-              </a:rPr>
-              <a:t>"012-2345-67"</a:t>
-            </a:r>
-            <a:endParaRPr lang="de-DE" dirty="0">
-              <a:solidFill>
-                <a:srgbClr val="000000"/>
-              </a:solidFill>
-              <a:latin typeface="Source Code Pro" panose="020B0509030403020204" pitchFamily="49" charset="0"/>
-            </a:endParaRPr>
-          </a:p>
-          <a:p>
-            <a:r>
-              <a:rPr lang="de-DE" b="1" dirty="0">
-                <a:solidFill>
-                  <a:srgbClr val="4472C4"/>
-                </a:solidFill>
-                <a:latin typeface="Source Code Pro" panose="020B0509030403020204" pitchFamily="49" charset="0"/>
-              </a:rPr>
-              <a:t>}</a:t>
-            </a:r>
-            <a:endParaRPr lang="de-DE" dirty="0"/>
-          </a:p>
-        </p:txBody>
-      </p:sp>
-    </p:spTree>
-    <p:extLst>
-      <p:ext uri="{BB962C8B-B14F-4D97-AF65-F5344CB8AC3E}">
-        <p14:creationId xmlns:p14="http://schemas.microsoft.com/office/powerpoint/2010/main" val="3497161867"/>
       </p:ext>
     </p:extLst>
   </p:cSld>
@@ -12021,7 +11557,7 @@
           <a:p>
             <a:fld id="{CFFA1D88-5C5F-47BF-8575-62828799C3D3}" type="datetime1">
               <a:rPr lang="de-DE" smtClean="0"/>
-              <a:t>09.12.2017</a:t>
+              <a:t>18.12.2017</a:t>
             </a:fld>
             <a:endParaRPr lang="de-DE" dirty="0"/>
           </a:p>
@@ -12850,7 +12386,7 @@
           <a:p>
             <a:fld id="{BFECCFE0-37A4-4FA6-BC8C-881FED233F56}" type="datetime1">
               <a:rPr lang="de-DE" smtClean="0"/>
-              <a:t>09.12.2017</a:t>
+              <a:t>18.12.2017</a:t>
             </a:fld>
             <a:endParaRPr lang="de-DE" dirty="0"/>
           </a:p>
@@ -13028,7 +12564,7 @@
           <a:p>
             <a:fld id="{CFFA1D88-5C5F-47BF-8575-62828799C3D3}" type="datetime1">
               <a:rPr lang="de-DE" smtClean="0"/>
-              <a:t>10.12.2017</a:t>
+              <a:t>18.12.2017</a:t>
             </a:fld>
             <a:endParaRPr lang="de-DE" dirty="0"/>
           </a:p>
@@ -14384,7 +13920,7 @@
           <a:p>
             <a:fld id="{CFFA1D88-5C5F-47BF-8575-62828799C3D3}" type="datetime1">
               <a:rPr lang="de-DE" smtClean="0"/>
-              <a:t>10.12.2017</a:t>
+              <a:t>18.12.2017</a:t>
             </a:fld>
             <a:endParaRPr lang="de-DE" dirty="0"/>
           </a:p>
@@ -15482,6 +15018,1053 @@
           <a:p>
             <a:r>
               <a:rPr lang="de-DE" dirty="0"/>
+              <a:t>Konkrete Wertebereiche</a:t>
+            </a:r>
+          </a:p>
+        </p:txBody>
+      </p:sp>
+      <p:sp>
+        <p:nvSpPr>
+          <p:cNvPr id="4" name="Datumsplatzhalter 3">
+            <a:extLst>
+              <a:ext uri="{FF2B5EF4-FFF2-40B4-BE49-F238E27FC236}">
+                <a16:creationId xmlns:a16="http://schemas.microsoft.com/office/drawing/2014/main" id="{25837733-F8B3-4C3E-A803-5F05F95FB3DC}"/>
+              </a:ext>
+            </a:extLst>
+          </p:cNvPr>
+          <p:cNvSpPr>
+            <a:spLocks noGrp="1"/>
+          </p:cNvSpPr>
+          <p:nvPr>
+            <p:ph type="dt" sz="half" idx="10"/>
+          </p:nvPr>
+        </p:nvSpPr>
+        <p:spPr/>
+        <p:txBody>
+          <a:bodyPr/>
+          <a:lstStyle/>
+          <a:p>
+            <a:fld id="{CFFA1D88-5C5F-47BF-8575-62828799C3D3}" type="datetime1">
+              <a:rPr lang="de-DE" smtClean="0"/>
+              <a:t>18.12.2017</a:t>
+            </a:fld>
+            <a:endParaRPr lang="de-DE" dirty="0"/>
+          </a:p>
+        </p:txBody>
+      </p:sp>
+      <p:sp>
+        <p:nvSpPr>
+          <p:cNvPr id="5" name="Fußzeilenplatzhalter 4">
+            <a:extLst>
+              <a:ext uri="{FF2B5EF4-FFF2-40B4-BE49-F238E27FC236}">
+                <a16:creationId xmlns:a16="http://schemas.microsoft.com/office/drawing/2014/main" id="{37F17228-D4D8-4BBB-A244-7340EF0FE22B}"/>
+              </a:ext>
+            </a:extLst>
+          </p:cNvPr>
+          <p:cNvSpPr>
+            <a:spLocks noGrp="1"/>
+          </p:cNvSpPr>
+          <p:nvPr>
+            <p:ph type="ftr" sz="quarter" idx="11"/>
+          </p:nvPr>
+        </p:nvSpPr>
+        <p:spPr/>
+        <p:txBody>
+          <a:bodyPr/>
+          <a:lstStyle/>
+          <a:p>
+            <a:r>
+              <a:rPr lang="de-DE"/>
+              <a:t>Daniel Flasch</a:t>
+            </a:r>
+            <a:endParaRPr lang="de-DE" dirty="0"/>
+          </a:p>
+        </p:txBody>
+      </p:sp>
+      <p:sp>
+        <p:nvSpPr>
+          <p:cNvPr id="6" name="Foliennummernplatzhalter 5">
+            <a:extLst>
+              <a:ext uri="{FF2B5EF4-FFF2-40B4-BE49-F238E27FC236}">
+                <a16:creationId xmlns:a16="http://schemas.microsoft.com/office/drawing/2014/main" id="{0A3B9615-9A42-4020-ABBE-BFFD4333625F}"/>
+              </a:ext>
+            </a:extLst>
+          </p:cNvPr>
+          <p:cNvSpPr>
+            <a:spLocks noGrp="1"/>
+          </p:cNvSpPr>
+          <p:nvPr>
+            <p:ph type="sldNum" sz="quarter" idx="12"/>
+          </p:nvPr>
+        </p:nvSpPr>
+        <p:spPr/>
+        <p:txBody>
+          <a:bodyPr/>
+          <a:lstStyle/>
+          <a:p>
+            <a:fld id="{4DEAFF03-B2A3-4F10-AFBA-713F9B73CAA7}" type="slidenum">
+              <a:rPr lang="de-DE" smtClean="0"/>
+              <a:t>21</a:t>
+            </a:fld>
+            <a:endParaRPr lang="de-DE"/>
+          </a:p>
+        </p:txBody>
+      </p:sp>
+      <p:sp>
+        <p:nvSpPr>
+          <p:cNvPr id="9" name="Rechteck 8">
+            <a:extLst>
+              <a:ext uri="{FF2B5EF4-FFF2-40B4-BE49-F238E27FC236}">
+                <a16:creationId xmlns:a16="http://schemas.microsoft.com/office/drawing/2014/main" id="{D53069BA-2455-49E1-8360-B8F571081120}"/>
+              </a:ext>
+            </a:extLst>
+          </p:cNvPr>
+          <p:cNvSpPr/>
+          <p:nvPr/>
+        </p:nvSpPr>
+        <p:spPr>
+          <a:xfrm>
+            <a:off x="6744930" y="1680857"/>
+            <a:ext cx="4608870" cy="369332"/>
+          </a:xfrm>
+          <a:prstGeom prst="rect">
+            <a:avLst/>
+          </a:prstGeom>
+          <a:solidFill>
+            <a:srgbClr val="FFCCCC"/>
+          </a:solidFill>
+          <a:ln>
+            <a:noFill/>
+          </a:ln>
+        </p:spPr>
+        <p:txBody>
+          <a:bodyPr wrap="square">
+            <a:spAutoFit/>
+          </a:bodyPr>
+          <a:lstStyle/>
+          <a:p>
+            <a:r>
+              <a:rPr lang="de-DE" dirty="0">
+                <a:solidFill>
+                  <a:srgbClr val="FF8000"/>
+                </a:solidFill>
+                <a:latin typeface="Source Code Pro" panose="020B0509030403020204" pitchFamily="49" charset="0"/>
+              </a:rPr>
+              <a:t>42</a:t>
+            </a:r>
+            <a:endParaRPr lang="de-DE" dirty="0"/>
+          </a:p>
+        </p:txBody>
+      </p:sp>
+      <p:sp>
+        <p:nvSpPr>
+          <p:cNvPr id="10" name="Rechteck 9">
+            <a:extLst>
+              <a:ext uri="{FF2B5EF4-FFF2-40B4-BE49-F238E27FC236}">
+                <a16:creationId xmlns:a16="http://schemas.microsoft.com/office/drawing/2014/main" id="{D25901EF-A678-4817-B6A5-9EDBC02FD598}"/>
+              </a:ext>
+            </a:extLst>
+          </p:cNvPr>
+          <p:cNvSpPr/>
+          <p:nvPr/>
+        </p:nvSpPr>
+        <p:spPr>
+          <a:xfrm>
+            <a:off x="6744930" y="2475519"/>
+            <a:ext cx="4608870" cy="369332"/>
+          </a:xfrm>
+          <a:prstGeom prst="rect">
+            <a:avLst/>
+          </a:prstGeom>
+          <a:solidFill>
+            <a:schemeClr val="accent6">
+              <a:lumMod val="40000"/>
+              <a:lumOff val="60000"/>
+            </a:schemeClr>
+          </a:solidFill>
+          <a:ln>
+            <a:noFill/>
+          </a:ln>
+        </p:spPr>
+        <p:txBody>
+          <a:bodyPr wrap="square">
+            <a:spAutoFit/>
+          </a:bodyPr>
+          <a:lstStyle/>
+          <a:p>
+            <a:r>
+              <a:rPr lang="de-DE" dirty="0">
+                <a:solidFill>
+                  <a:srgbClr val="464646"/>
+                </a:solidFill>
+                <a:latin typeface="Source Code Pro" panose="020B0509030403020204" pitchFamily="49" charset="0"/>
+              </a:rPr>
+              <a:t>"</a:t>
+            </a:r>
+            <a:r>
+              <a:rPr lang="de-DE" dirty="0" err="1">
+                <a:solidFill>
+                  <a:srgbClr val="464646"/>
+                </a:solidFill>
+                <a:latin typeface="Source Code Pro" panose="020B0509030403020204" pitchFamily="49" charset="0"/>
+              </a:rPr>
+              <a:t>yellow</a:t>
+            </a:r>
+            <a:r>
+              <a:rPr lang="de-DE" dirty="0">
+                <a:solidFill>
+                  <a:srgbClr val="464646"/>
+                </a:solidFill>
+                <a:latin typeface="Source Code Pro" panose="020B0509030403020204" pitchFamily="49" charset="0"/>
+              </a:rPr>
+              <a:t>"</a:t>
+            </a:r>
+            <a:endParaRPr lang="de-DE" dirty="0">
+              <a:solidFill>
+                <a:srgbClr val="000000"/>
+              </a:solidFill>
+              <a:latin typeface="Source Code Pro" panose="020B0509030403020204" pitchFamily="49" charset="0"/>
+            </a:endParaRPr>
+          </a:p>
+        </p:txBody>
+      </p:sp>
+      <p:sp>
+        <p:nvSpPr>
+          <p:cNvPr id="3" name="Rechteck 2">
+            <a:extLst>
+              <a:ext uri="{FF2B5EF4-FFF2-40B4-BE49-F238E27FC236}">
+                <a16:creationId xmlns:a16="http://schemas.microsoft.com/office/drawing/2014/main" id="{AB8B97D2-B5FF-451A-B91B-9B37C03BB0E2}"/>
+              </a:ext>
+            </a:extLst>
+          </p:cNvPr>
+          <p:cNvSpPr/>
+          <p:nvPr/>
+        </p:nvSpPr>
+        <p:spPr>
+          <a:xfrm>
+            <a:off x="838200" y="1692000"/>
+            <a:ext cx="5110316" cy="1200329"/>
+          </a:xfrm>
+          <a:prstGeom prst="rect">
+            <a:avLst/>
+          </a:prstGeom>
+          <a:solidFill>
+            <a:schemeClr val="bg1">
+              <a:lumMod val="95000"/>
+            </a:schemeClr>
+          </a:solidFill>
+          <a:ln>
+            <a:solidFill>
+              <a:schemeClr val="bg1">
+                <a:lumMod val="85000"/>
+              </a:schemeClr>
+            </a:solidFill>
+          </a:ln>
+        </p:spPr>
+        <p:txBody>
+          <a:bodyPr wrap="square">
+            <a:spAutoFit/>
+          </a:bodyPr>
+          <a:lstStyle/>
+          <a:p>
+            <a:r>
+              <a:rPr lang="de-DE" b="1" dirty="0">
+                <a:solidFill>
+                  <a:srgbClr val="4472C4"/>
+                </a:solidFill>
+                <a:latin typeface="Source Code Pro" panose="020B0509030403020204" pitchFamily="49" charset="0"/>
+              </a:rPr>
+              <a:t>{</a:t>
+            </a:r>
+            <a:endParaRPr lang="de-DE" dirty="0">
+              <a:solidFill>
+                <a:srgbClr val="000000"/>
+              </a:solidFill>
+              <a:latin typeface="Source Code Pro" panose="020B0509030403020204" pitchFamily="49" charset="0"/>
+            </a:endParaRPr>
+          </a:p>
+          <a:p>
+            <a:r>
+              <a:rPr lang="de-DE" dirty="0">
+                <a:solidFill>
+                  <a:srgbClr val="000000"/>
+                </a:solidFill>
+                <a:latin typeface="Source Code Pro" panose="020B0509030403020204" pitchFamily="49" charset="0"/>
+              </a:rPr>
+              <a:t>  </a:t>
+            </a:r>
+            <a:r>
+              <a:rPr lang="de-DE" dirty="0">
+                <a:solidFill>
+                  <a:srgbClr val="464646"/>
+                </a:solidFill>
+                <a:latin typeface="Source Code Pro" panose="020B0509030403020204" pitchFamily="49" charset="0"/>
+              </a:rPr>
+              <a:t>"type"</a:t>
+            </a:r>
+            <a:r>
+              <a:rPr lang="de-DE" b="1" dirty="0">
+                <a:solidFill>
+                  <a:srgbClr val="4472C4"/>
+                </a:solidFill>
+                <a:latin typeface="Source Code Pro" panose="020B0509030403020204" pitchFamily="49" charset="0"/>
+              </a:rPr>
+              <a:t>:</a:t>
+            </a:r>
+            <a:r>
+              <a:rPr lang="de-DE" dirty="0">
+                <a:solidFill>
+                  <a:srgbClr val="000000"/>
+                </a:solidFill>
+                <a:latin typeface="Source Code Pro" panose="020B0509030403020204" pitchFamily="49" charset="0"/>
+              </a:rPr>
+              <a:t> </a:t>
+            </a:r>
+            <a:r>
+              <a:rPr lang="de-DE" dirty="0">
+                <a:solidFill>
+                  <a:srgbClr val="464646"/>
+                </a:solidFill>
+                <a:latin typeface="Source Code Pro" panose="020B0509030403020204" pitchFamily="49" charset="0"/>
+              </a:rPr>
+              <a:t>"</a:t>
+            </a:r>
+            <a:r>
+              <a:rPr lang="de-DE" dirty="0" err="1">
+                <a:solidFill>
+                  <a:srgbClr val="464646"/>
+                </a:solidFill>
+                <a:latin typeface="Source Code Pro" panose="020B0509030403020204" pitchFamily="49" charset="0"/>
+              </a:rPr>
+              <a:t>string</a:t>
+            </a:r>
+            <a:r>
+              <a:rPr lang="de-DE" dirty="0">
+                <a:solidFill>
+                  <a:srgbClr val="464646"/>
+                </a:solidFill>
+                <a:latin typeface="Source Code Pro" panose="020B0509030403020204" pitchFamily="49" charset="0"/>
+              </a:rPr>
+              <a:t>"</a:t>
+            </a:r>
+            <a:r>
+              <a:rPr lang="de-DE" b="1" dirty="0">
+                <a:solidFill>
+                  <a:srgbClr val="4472C4"/>
+                </a:solidFill>
+                <a:latin typeface="Source Code Pro" panose="020B0509030403020204" pitchFamily="49" charset="0"/>
+              </a:rPr>
+              <a:t>,</a:t>
+            </a:r>
+            <a:endParaRPr lang="de-DE" dirty="0">
+              <a:solidFill>
+                <a:srgbClr val="000000"/>
+              </a:solidFill>
+              <a:latin typeface="Source Code Pro" panose="020B0509030403020204" pitchFamily="49" charset="0"/>
+            </a:endParaRPr>
+          </a:p>
+          <a:p>
+            <a:r>
+              <a:rPr lang="de-DE" dirty="0">
+                <a:solidFill>
+                  <a:srgbClr val="000000"/>
+                </a:solidFill>
+                <a:latin typeface="Source Code Pro" panose="020B0509030403020204" pitchFamily="49" charset="0"/>
+              </a:rPr>
+              <a:t>  </a:t>
+            </a:r>
+            <a:r>
+              <a:rPr lang="de-DE" dirty="0">
+                <a:solidFill>
+                  <a:srgbClr val="464646"/>
+                </a:solidFill>
+                <a:latin typeface="Source Code Pro" panose="020B0509030403020204" pitchFamily="49" charset="0"/>
+              </a:rPr>
+              <a:t>"</a:t>
+            </a:r>
+            <a:r>
+              <a:rPr lang="de-DE" dirty="0" err="1">
+                <a:solidFill>
+                  <a:srgbClr val="464646"/>
+                </a:solidFill>
+                <a:latin typeface="Source Code Pro" panose="020B0509030403020204" pitchFamily="49" charset="0"/>
+              </a:rPr>
+              <a:t>enum</a:t>
+            </a:r>
+            <a:r>
+              <a:rPr lang="de-DE" dirty="0">
+                <a:solidFill>
+                  <a:srgbClr val="464646"/>
+                </a:solidFill>
+                <a:latin typeface="Source Code Pro" panose="020B0509030403020204" pitchFamily="49" charset="0"/>
+              </a:rPr>
+              <a:t>"</a:t>
+            </a:r>
+            <a:r>
+              <a:rPr lang="de-DE" b="1" dirty="0">
+                <a:solidFill>
+                  <a:srgbClr val="4472C4"/>
+                </a:solidFill>
+                <a:latin typeface="Source Code Pro" panose="020B0509030403020204" pitchFamily="49" charset="0"/>
+              </a:rPr>
+              <a:t>:</a:t>
+            </a:r>
+            <a:r>
+              <a:rPr lang="de-DE" dirty="0">
+                <a:solidFill>
+                  <a:srgbClr val="000000"/>
+                </a:solidFill>
+                <a:latin typeface="Source Code Pro" panose="020B0509030403020204" pitchFamily="49" charset="0"/>
+              </a:rPr>
+              <a:t> </a:t>
+            </a:r>
+            <a:r>
+              <a:rPr lang="de-DE" b="1" dirty="0">
+                <a:solidFill>
+                  <a:srgbClr val="4472C4"/>
+                </a:solidFill>
+                <a:latin typeface="Source Code Pro" panose="020B0509030403020204" pitchFamily="49" charset="0"/>
+              </a:rPr>
+              <a:t>[</a:t>
+            </a:r>
+            <a:r>
+              <a:rPr lang="de-DE" dirty="0">
+                <a:solidFill>
+                  <a:srgbClr val="464646"/>
+                </a:solidFill>
+                <a:latin typeface="Source Code Pro" panose="020B0509030403020204" pitchFamily="49" charset="0"/>
+              </a:rPr>
+              <a:t>"</a:t>
+            </a:r>
+            <a:r>
+              <a:rPr lang="de-DE" dirty="0" err="1">
+                <a:solidFill>
+                  <a:srgbClr val="464646"/>
+                </a:solidFill>
+                <a:latin typeface="Source Code Pro" panose="020B0509030403020204" pitchFamily="49" charset="0"/>
+              </a:rPr>
+              <a:t>red</a:t>
+            </a:r>
+            <a:r>
+              <a:rPr lang="de-DE" dirty="0">
+                <a:solidFill>
+                  <a:srgbClr val="464646"/>
+                </a:solidFill>
+                <a:latin typeface="Source Code Pro" panose="020B0509030403020204" pitchFamily="49" charset="0"/>
+              </a:rPr>
+              <a:t>"</a:t>
+            </a:r>
+            <a:r>
+              <a:rPr lang="de-DE" b="1" dirty="0">
+                <a:solidFill>
+                  <a:srgbClr val="4472C4"/>
+                </a:solidFill>
+                <a:latin typeface="Source Code Pro" panose="020B0509030403020204" pitchFamily="49" charset="0"/>
+              </a:rPr>
+              <a:t>,</a:t>
+            </a:r>
+            <a:r>
+              <a:rPr lang="de-DE" dirty="0">
+                <a:solidFill>
+                  <a:srgbClr val="000000"/>
+                </a:solidFill>
+                <a:latin typeface="Source Code Pro" panose="020B0509030403020204" pitchFamily="49" charset="0"/>
+              </a:rPr>
+              <a:t> </a:t>
+            </a:r>
+            <a:r>
+              <a:rPr lang="de-DE" dirty="0">
+                <a:solidFill>
+                  <a:srgbClr val="464646"/>
+                </a:solidFill>
+                <a:latin typeface="Source Code Pro" panose="020B0509030403020204" pitchFamily="49" charset="0"/>
+              </a:rPr>
+              <a:t>"</a:t>
+            </a:r>
+            <a:r>
+              <a:rPr lang="de-DE" dirty="0" err="1">
+                <a:solidFill>
+                  <a:srgbClr val="464646"/>
+                </a:solidFill>
+                <a:latin typeface="Source Code Pro" panose="020B0509030403020204" pitchFamily="49" charset="0"/>
+              </a:rPr>
+              <a:t>yellow</a:t>
+            </a:r>
+            <a:r>
+              <a:rPr lang="de-DE" dirty="0">
+                <a:solidFill>
+                  <a:srgbClr val="464646"/>
+                </a:solidFill>
+                <a:latin typeface="Source Code Pro" panose="020B0509030403020204" pitchFamily="49" charset="0"/>
+              </a:rPr>
+              <a:t>"</a:t>
+            </a:r>
+            <a:r>
+              <a:rPr lang="de-DE" b="1" dirty="0">
+                <a:solidFill>
+                  <a:srgbClr val="4472C4"/>
+                </a:solidFill>
+                <a:latin typeface="Source Code Pro" panose="020B0509030403020204" pitchFamily="49" charset="0"/>
+              </a:rPr>
+              <a:t>,</a:t>
+            </a:r>
+            <a:r>
+              <a:rPr lang="de-DE" dirty="0">
+                <a:solidFill>
+                  <a:srgbClr val="000000"/>
+                </a:solidFill>
+                <a:latin typeface="Source Code Pro" panose="020B0509030403020204" pitchFamily="49" charset="0"/>
+              </a:rPr>
+              <a:t> </a:t>
+            </a:r>
+            <a:r>
+              <a:rPr lang="de-DE" dirty="0">
+                <a:solidFill>
+                  <a:srgbClr val="464646"/>
+                </a:solidFill>
+                <a:latin typeface="Source Code Pro" panose="020B0509030403020204" pitchFamily="49" charset="0"/>
+              </a:rPr>
+              <a:t>"</a:t>
+            </a:r>
+            <a:r>
+              <a:rPr lang="de-DE" dirty="0" err="1">
+                <a:solidFill>
+                  <a:srgbClr val="464646"/>
+                </a:solidFill>
+                <a:latin typeface="Source Code Pro" panose="020B0509030403020204" pitchFamily="49" charset="0"/>
+              </a:rPr>
+              <a:t>green</a:t>
+            </a:r>
+            <a:r>
+              <a:rPr lang="de-DE" dirty="0">
+                <a:solidFill>
+                  <a:srgbClr val="464646"/>
+                </a:solidFill>
+                <a:latin typeface="Source Code Pro" panose="020B0509030403020204" pitchFamily="49" charset="0"/>
+              </a:rPr>
+              <a:t>"</a:t>
+            </a:r>
+            <a:r>
+              <a:rPr lang="de-DE" b="1" dirty="0">
+                <a:solidFill>
+                  <a:srgbClr val="4472C4"/>
+                </a:solidFill>
+                <a:latin typeface="Source Code Pro" panose="020B0509030403020204" pitchFamily="49" charset="0"/>
+              </a:rPr>
+              <a:t>]</a:t>
+            </a:r>
+            <a:endParaRPr lang="de-DE" dirty="0">
+              <a:solidFill>
+                <a:srgbClr val="000000"/>
+              </a:solidFill>
+              <a:latin typeface="Source Code Pro" panose="020B0509030403020204" pitchFamily="49" charset="0"/>
+            </a:endParaRPr>
+          </a:p>
+          <a:p>
+            <a:r>
+              <a:rPr lang="de-DE" b="1" dirty="0">
+                <a:solidFill>
+                  <a:srgbClr val="4472C4"/>
+                </a:solidFill>
+                <a:latin typeface="Source Code Pro" panose="020B0509030403020204" pitchFamily="49" charset="0"/>
+              </a:rPr>
+              <a:t>}</a:t>
+            </a:r>
+            <a:endParaRPr lang="de-DE" dirty="0"/>
+          </a:p>
+        </p:txBody>
+      </p:sp>
+      <p:sp>
+        <p:nvSpPr>
+          <p:cNvPr id="15" name="Rechteck 14">
+            <a:extLst>
+              <a:ext uri="{FF2B5EF4-FFF2-40B4-BE49-F238E27FC236}">
+                <a16:creationId xmlns:a16="http://schemas.microsoft.com/office/drawing/2014/main" id="{F6102B9A-D060-4AF2-8C2B-EDF02AEB5196}"/>
+              </a:ext>
+            </a:extLst>
+          </p:cNvPr>
+          <p:cNvSpPr/>
+          <p:nvPr/>
+        </p:nvSpPr>
+        <p:spPr>
+          <a:xfrm>
+            <a:off x="6744930" y="2080341"/>
+            <a:ext cx="4608870" cy="369332"/>
+          </a:xfrm>
+          <a:prstGeom prst="rect">
+            <a:avLst/>
+          </a:prstGeom>
+          <a:solidFill>
+            <a:srgbClr val="FFCCCC"/>
+          </a:solidFill>
+          <a:ln>
+            <a:noFill/>
+          </a:ln>
+        </p:spPr>
+        <p:txBody>
+          <a:bodyPr wrap="square">
+            <a:spAutoFit/>
+          </a:bodyPr>
+          <a:lstStyle/>
+          <a:p>
+            <a:r>
+              <a:rPr lang="de-DE" dirty="0">
+                <a:solidFill>
+                  <a:srgbClr val="464646"/>
+                </a:solidFill>
+                <a:latin typeface="Source Code Pro" panose="020B0509030403020204" pitchFamily="49" charset="0"/>
+              </a:rPr>
+              <a:t>"</a:t>
+            </a:r>
+            <a:r>
+              <a:rPr lang="de-DE" dirty="0" err="1">
+                <a:solidFill>
+                  <a:srgbClr val="464646"/>
+                </a:solidFill>
+                <a:latin typeface="Source Code Pro" panose="020B0509030403020204" pitchFamily="49" charset="0"/>
+              </a:rPr>
+              <a:t>blue</a:t>
+            </a:r>
+            <a:r>
+              <a:rPr lang="de-DE" dirty="0">
+                <a:solidFill>
+                  <a:srgbClr val="464646"/>
+                </a:solidFill>
+                <a:latin typeface="Source Code Pro" panose="020B0509030403020204" pitchFamily="49" charset="0"/>
+              </a:rPr>
+              <a:t>"</a:t>
+            </a:r>
+            <a:endParaRPr lang="de-DE" dirty="0"/>
+          </a:p>
+        </p:txBody>
+      </p:sp>
+      <p:sp>
+        <p:nvSpPr>
+          <p:cNvPr id="16" name="Rechteck 15">
+            <a:extLst>
+              <a:ext uri="{FF2B5EF4-FFF2-40B4-BE49-F238E27FC236}">
+                <a16:creationId xmlns:a16="http://schemas.microsoft.com/office/drawing/2014/main" id="{0280F44D-8D8F-4BF9-BF50-56ADDB0F4FC4}"/>
+              </a:ext>
+            </a:extLst>
+          </p:cNvPr>
+          <p:cNvSpPr/>
+          <p:nvPr/>
+        </p:nvSpPr>
+        <p:spPr>
+          <a:xfrm>
+            <a:off x="6744930" y="4103451"/>
+            <a:ext cx="4608870" cy="369332"/>
+          </a:xfrm>
+          <a:prstGeom prst="rect">
+            <a:avLst/>
+          </a:prstGeom>
+          <a:solidFill>
+            <a:srgbClr val="FFCCCC"/>
+          </a:solidFill>
+          <a:ln>
+            <a:noFill/>
+          </a:ln>
+        </p:spPr>
+        <p:txBody>
+          <a:bodyPr wrap="square">
+            <a:spAutoFit/>
+          </a:bodyPr>
+          <a:lstStyle/>
+          <a:p>
+            <a:r>
+              <a:rPr lang="de-DE" dirty="0">
+                <a:solidFill>
+                  <a:srgbClr val="FF8000"/>
+                </a:solidFill>
+                <a:latin typeface="Source Code Pro" panose="020B0509030403020204" pitchFamily="49" charset="0"/>
+              </a:rPr>
+              <a:t>3</a:t>
+            </a:r>
+            <a:endParaRPr lang="de-DE" dirty="0"/>
+          </a:p>
+        </p:txBody>
+      </p:sp>
+      <p:sp>
+        <p:nvSpPr>
+          <p:cNvPr id="17" name="Rechteck 16">
+            <a:extLst>
+              <a:ext uri="{FF2B5EF4-FFF2-40B4-BE49-F238E27FC236}">
+                <a16:creationId xmlns:a16="http://schemas.microsoft.com/office/drawing/2014/main" id="{6B9471C1-CF46-4FE4-8277-C7472F4A9A77}"/>
+              </a:ext>
+            </a:extLst>
+          </p:cNvPr>
+          <p:cNvSpPr/>
+          <p:nvPr/>
+        </p:nvSpPr>
+        <p:spPr>
+          <a:xfrm>
+            <a:off x="6744930" y="3301948"/>
+            <a:ext cx="4608870" cy="369332"/>
+          </a:xfrm>
+          <a:prstGeom prst="rect">
+            <a:avLst/>
+          </a:prstGeom>
+          <a:solidFill>
+            <a:schemeClr val="accent6">
+              <a:lumMod val="40000"/>
+              <a:lumOff val="60000"/>
+            </a:schemeClr>
+          </a:solidFill>
+          <a:ln>
+            <a:noFill/>
+          </a:ln>
+        </p:spPr>
+        <p:txBody>
+          <a:bodyPr wrap="square">
+            <a:spAutoFit/>
+          </a:bodyPr>
+          <a:lstStyle/>
+          <a:p>
+            <a:r>
+              <a:rPr lang="de-DE" dirty="0">
+                <a:solidFill>
+                  <a:srgbClr val="FF8000"/>
+                </a:solidFill>
+                <a:latin typeface="Source Code Pro" panose="020B0509030403020204" pitchFamily="49" charset="0"/>
+              </a:rPr>
+              <a:t>1</a:t>
+            </a:r>
+            <a:endParaRPr lang="de-DE" dirty="0">
+              <a:solidFill>
+                <a:srgbClr val="000000"/>
+              </a:solidFill>
+              <a:latin typeface="Source Code Pro" panose="020B0509030403020204" pitchFamily="49" charset="0"/>
+            </a:endParaRPr>
+          </a:p>
+        </p:txBody>
+      </p:sp>
+      <p:sp>
+        <p:nvSpPr>
+          <p:cNvPr id="18" name="Rechteck 17">
+            <a:extLst>
+              <a:ext uri="{FF2B5EF4-FFF2-40B4-BE49-F238E27FC236}">
+                <a16:creationId xmlns:a16="http://schemas.microsoft.com/office/drawing/2014/main" id="{DB90A684-1136-453A-95F2-0AB038FD892E}"/>
+              </a:ext>
+            </a:extLst>
+          </p:cNvPr>
+          <p:cNvSpPr/>
+          <p:nvPr/>
+        </p:nvSpPr>
+        <p:spPr>
+          <a:xfrm>
+            <a:off x="838200" y="3292116"/>
+            <a:ext cx="5110316" cy="1200329"/>
+          </a:xfrm>
+          <a:prstGeom prst="rect">
+            <a:avLst/>
+          </a:prstGeom>
+          <a:solidFill>
+            <a:schemeClr val="bg1">
+              <a:lumMod val="95000"/>
+            </a:schemeClr>
+          </a:solidFill>
+          <a:ln>
+            <a:solidFill>
+              <a:schemeClr val="bg1">
+                <a:lumMod val="85000"/>
+              </a:schemeClr>
+            </a:solidFill>
+          </a:ln>
+        </p:spPr>
+        <p:txBody>
+          <a:bodyPr wrap="square">
+            <a:spAutoFit/>
+          </a:bodyPr>
+          <a:lstStyle/>
+          <a:p>
+            <a:r>
+              <a:rPr lang="de-DE" b="1" dirty="0">
+                <a:solidFill>
+                  <a:srgbClr val="4472C4"/>
+                </a:solidFill>
+                <a:latin typeface="Source Code Pro" panose="020B0509030403020204" pitchFamily="49" charset="0"/>
+              </a:rPr>
+              <a:t>{</a:t>
+            </a:r>
+            <a:endParaRPr lang="de-DE" dirty="0">
+              <a:solidFill>
+                <a:srgbClr val="000000"/>
+              </a:solidFill>
+              <a:latin typeface="Source Code Pro" panose="020B0509030403020204" pitchFamily="49" charset="0"/>
+            </a:endParaRPr>
+          </a:p>
+          <a:p>
+            <a:r>
+              <a:rPr lang="de-DE" dirty="0">
+                <a:solidFill>
+                  <a:srgbClr val="000000"/>
+                </a:solidFill>
+                <a:latin typeface="Source Code Pro" panose="020B0509030403020204" pitchFamily="49" charset="0"/>
+              </a:rPr>
+              <a:t>  </a:t>
+            </a:r>
+            <a:r>
+              <a:rPr lang="de-DE" dirty="0">
+                <a:solidFill>
+                  <a:srgbClr val="464646"/>
+                </a:solidFill>
+                <a:latin typeface="Source Code Pro" panose="020B0509030403020204" pitchFamily="49" charset="0"/>
+              </a:rPr>
+              <a:t>"type"</a:t>
+            </a:r>
+            <a:r>
+              <a:rPr lang="de-DE" b="1" dirty="0">
+                <a:solidFill>
+                  <a:srgbClr val="4472C4"/>
+                </a:solidFill>
+                <a:latin typeface="Source Code Pro" panose="020B0509030403020204" pitchFamily="49" charset="0"/>
+              </a:rPr>
+              <a:t>:</a:t>
+            </a:r>
+            <a:r>
+              <a:rPr lang="de-DE" dirty="0">
+                <a:solidFill>
+                  <a:srgbClr val="000000"/>
+                </a:solidFill>
+                <a:latin typeface="Source Code Pro" panose="020B0509030403020204" pitchFamily="49" charset="0"/>
+              </a:rPr>
+              <a:t> </a:t>
+            </a:r>
+            <a:r>
+              <a:rPr lang="de-DE" dirty="0">
+                <a:solidFill>
+                  <a:srgbClr val="464646"/>
+                </a:solidFill>
+                <a:latin typeface="Source Code Pro" panose="020B0509030403020204" pitchFamily="49" charset="0"/>
+              </a:rPr>
+              <a:t>"integer"</a:t>
+            </a:r>
+            <a:r>
+              <a:rPr lang="de-DE" b="1" dirty="0">
+                <a:solidFill>
+                  <a:srgbClr val="4472C4"/>
+                </a:solidFill>
+                <a:latin typeface="Source Code Pro" panose="020B0509030403020204" pitchFamily="49" charset="0"/>
+              </a:rPr>
+              <a:t>,</a:t>
+            </a:r>
+            <a:endParaRPr lang="de-DE" dirty="0">
+              <a:solidFill>
+                <a:srgbClr val="000000"/>
+              </a:solidFill>
+              <a:latin typeface="Source Code Pro" panose="020B0509030403020204" pitchFamily="49" charset="0"/>
+            </a:endParaRPr>
+          </a:p>
+          <a:p>
+            <a:r>
+              <a:rPr lang="de-DE" dirty="0">
+                <a:solidFill>
+                  <a:srgbClr val="000000"/>
+                </a:solidFill>
+                <a:latin typeface="Source Code Pro" panose="020B0509030403020204" pitchFamily="49" charset="0"/>
+              </a:rPr>
+              <a:t>  </a:t>
+            </a:r>
+            <a:r>
+              <a:rPr lang="de-DE" dirty="0">
+                <a:solidFill>
+                  <a:srgbClr val="464646"/>
+                </a:solidFill>
+                <a:latin typeface="Source Code Pro" panose="020B0509030403020204" pitchFamily="49" charset="0"/>
+              </a:rPr>
+              <a:t>"</a:t>
+            </a:r>
+            <a:r>
+              <a:rPr lang="de-DE" dirty="0" err="1">
+                <a:solidFill>
+                  <a:srgbClr val="464646"/>
+                </a:solidFill>
+                <a:latin typeface="Source Code Pro" panose="020B0509030403020204" pitchFamily="49" charset="0"/>
+              </a:rPr>
+              <a:t>enum</a:t>
+            </a:r>
+            <a:r>
+              <a:rPr lang="de-DE" dirty="0">
+                <a:solidFill>
+                  <a:srgbClr val="464646"/>
+                </a:solidFill>
+                <a:latin typeface="Source Code Pro" panose="020B0509030403020204" pitchFamily="49" charset="0"/>
+              </a:rPr>
+              <a:t>"</a:t>
+            </a:r>
+            <a:r>
+              <a:rPr lang="de-DE" b="1" dirty="0">
+                <a:solidFill>
+                  <a:srgbClr val="4472C4"/>
+                </a:solidFill>
+                <a:latin typeface="Source Code Pro" panose="020B0509030403020204" pitchFamily="49" charset="0"/>
+              </a:rPr>
+              <a:t>:</a:t>
+            </a:r>
+            <a:r>
+              <a:rPr lang="de-DE" dirty="0">
+                <a:solidFill>
+                  <a:srgbClr val="000000"/>
+                </a:solidFill>
+                <a:latin typeface="Source Code Pro" panose="020B0509030403020204" pitchFamily="49" charset="0"/>
+              </a:rPr>
+              <a:t> </a:t>
+            </a:r>
+            <a:r>
+              <a:rPr lang="de-DE" b="1" dirty="0">
+                <a:solidFill>
+                  <a:srgbClr val="4472C4"/>
+                </a:solidFill>
+                <a:latin typeface="Source Code Pro" panose="020B0509030403020204" pitchFamily="49" charset="0"/>
+              </a:rPr>
+              <a:t>[</a:t>
+            </a:r>
+            <a:r>
+              <a:rPr lang="de-DE" dirty="0">
+                <a:solidFill>
+                  <a:srgbClr val="464646"/>
+                </a:solidFill>
+                <a:latin typeface="Source Code Pro" panose="020B0509030403020204" pitchFamily="49" charset="0"/>
+              </a:rPr>
+              <a:t>1,2</a:t>
+            </a:r>
+            <a:r>
+              <a:rPr lang="de-DE" b="1" dirty="0">
+                <a:solidFill>
+                  <a:srgbClr val="4472C4"/>
+                </a:solidFill>
+                <a:latin typeface="Source Code Pro" panose="020B0509030403020204" pitchFamily="49" charset="0"/>
+              </a:rPr>
+              <a:t>]</a:t>
+            </a:r>
+            <a:endParaRPr lang="de-DE" dirty="0">
+              <a:solidFill>
+                <a:srgbClr val="000000"/>
+              </a:solidFill>
+              <a:latin typeface="Source Code Pro" panose="020B0509030403020204" pitchFamily="49" charset="0"/>
+            </a:endParaRPr>
+          </a:p>
+          <a:p>
+            <a:r>
+              <a:rPr lang="de-DE" b="1" dirty="0">
+                <a:solidFill>
+                  <a:srgbClr val="4472C4"/>
+                </a:solidFill>
+                <a:latin typeface="Source Code Pro" panose="020B0509030403020204" pitchFamily="49" charset="0"/>
+              </a:rPr>
+              <a:t>}</a:t>
+            </a:r>
+            <a:endParaRPr lang="de-DE" dirty="0"/>
+          </a:p>
+        </p:txBody>
+      </p:sp>
+      <p:sp>
+        <p:nvSpPr>
+          <p:cNvPr id="21" name="Rechteck 20">
+            <a:extLst>
+              <a:ext uri="{FF2B5EF4-FFF2-40B4-BE49-F238E27FC236}">
+                <a16:creationId xmlns:a16="http://schemas.microsoft.com/office/drawing/2014/main" id="{01202AC5-512F-4402-BFE6-7C4D98B9DF05}"/>
+              </a:ext>
+            </a:extLst>
+          </p:cNvPr>
+          <p:cNvSpPr/>
+          <p:nvPr/>
+        </p:nvSpPr>
+        <p:spPr>
+          <a:xfrm>
+            <a:off x="6744930" y="3701632"/>
+            <a:ext cx="4608870" cy="369332"/>
+          </a:xfrm>
+          <a:prstGeom prst="rect">
+            <a:avLst/>
+          </a:prstGeom>
+          <a:solidFill>
+            <a:schemeClr val="accent6">
+              <a:lumMod val="40000"/>
+              <a:lumOff val="60000"/>
+            </a:schemeClr>
+          </a:solidFill>
+          <a:ln>
+            <a:noFill/>
+          </a:ln>
+        </p:spPr>
+        <p:txBody>
+          <a:bodyPr wrap="square">
+            <a:spAutoFit/>
+          </a:bodyPr>
+          <a:lstStyle/>
+          <a:p>
+            <a:r>
+              <a:rPr lang="de-DE" dirty="0">
+                <a:solidFill>
+                  <a:srgbClr val="FF8000"/>
+                </a:solidFill>
+                <a:latin typeface="Source Code Pro" panose="020B0509030403020204" pitchFamily="49" charset="0"/>
+              </a:rPr>
+              <a:t>2</a:t>
+            </a:r>
+            <a:endParaRPr lang="de-DE" dirty="0">
+              <a:solidFill>
+                <a:srgbClr val="000000"/>
+              </a:solidFill>
+              <a:latin typeface="Source Code Pro" panose="020B0509030403020204" pitchFamily="49" charset="0"/>
+            </a:endParaRPr>
+          </a:p>
+        </p:txBody>
+      </p:sp>
+    </p:spTree>
+    <p:extLst>
+      <p:ext uri="{BB962C8B-B14F-4D97-AF65-F5344CB8AC3E}">
+        <p14:creationId xmlns:p14="http://schemas.microsoft.com/office/powerpoint/2010/main" val="2120867264"/>
+      </p:ext>
+    </p:extLst>
+  </p:cSld>
+  <p:clrMapOvr>
+    <a:masterClrMapping/>
+  </p:clrMapOvr>
+</p:sld>
+</file>
+
+<file path=ppt/slides/slide23.xml><?xml version="1.0" encoding="utf-8"?>
+<p:sld xmlns:a="http://schemas.openxmlformats.org/drawingml/2006/main" xmlns:r="http://schemas.openxmlformats.org/officeDocument/2006/relationships" xmlns:p="http://schemas.openxmlformats.org/presentationml/2006/main">
+  <p:cSld>
+    <p:spTree>
+      <p:nvGrpSpPr>
+        <p:cNvPr id="1" name=""/>
+        <p:cNvGrpSpPr/>
+        <p:nvPr/>
+      </p:nvGrpSpPr>
+      <p:grpSpPr>
+        <a:xfrm>
+          <a:off x="0" y="0"/>
+          <a:ext cx="0" cy="0"/>
+          <a:chOff x="0" y="0"/>
+          <a:chExt cx="0" cy="0"/>
+        </a:xfrm>
+      </p:grpSpPr>
+      <p:sp>
+        <p:nvSpPr>
+          <p:cNvPr id="2" name="Titel 1">
+            <a:extLst>
+              <a:ext uri="{FF2B5EF4-FFF2-40B4-BE49-F238E27FC236}">
+                <a16:creationId xmlns:a16="http://schemas.microsoft.com/office/drawing/2014/main" id="{263B568C-3395-4B3C-80D7-E8AF938BCCCC}"/>
+              </a:ext>
+            </a:extLst>
+          </p:cNvPr>
+          <p:cNvSpPr>
+            <a:spLocks noGrp="1"/>
+          </p:cNvSpPr>
+          <p:nvPr>
+            <p:ph type="title"/>
+          </p:nvPr>
+        </p:nvSpPr>
+        <p:spPr/>
+        <p:txBody>
+          <a:bodyPr/>
+          <a:lstStyle/>
+          <a:p>
+            <a:r>
+              <a:rPr lang="de-DE" dirty="0"/>
               <a:t>Komplexe Wertebereiche</a:t>
             </a:r>
           </a:p>
@@ -15563,7 +16146,7 @@
           <a:p>
             <a:fld id="{CFFA1D88-5C5F-47BF-8575-62828799C3D3}" type="datetime1">
               <a:rPr lang="de-DE" smtClean="0"/>
-              <a:t>09.12.2017</a:t>
+              <a:t>18.12.2017</a:t>
             </a:fld>
             <a:endParaRPr lang="de-DE" dirty="0"/>
           </a:p>
@@ -15621,7 +16204,7 @@
           <a:p>
             <a:fld id="{4DEAFF03-B2A3-4F10-AFBA-713F9B73CAA7}" type="slidenum">
               <a:rPr lang="de-DE" smtClean="0"/>
-              <a:t>21</a:t>
+              <a:t>22</a:t>
             </a:fld>
             <a:endParaRPr lang="de-DE"/>
           </a:p>
@@ -16565,7 +17148,7 @@
 </p:sld>
 </file>
 
-<file path=ppt/slides/slide23.xml><?xml version="1.0" encoding="utf-8"?>
+<file path=ppt/slides/slide24.xml><?xml version="1.0" encoding="utf-8"?>
 <p:sld xmlns:a="http://schemas.openxmlformats.org/drawingml/2006/main" xmlns:r="http://schemas.openxmlformats.org/officeDocument/2006/relationships" xmlns:p="http://schemas.openxmlformats.org/presentationml/2006/main">
   <p:cSld>
     <p:spTree>
@@ -16780,7 +17363,7 @@
           <a:p>
             <a:fld id="{CFFA1D88-5C5F-47BF-8575-62828799C3D3}" type="datetime1">
               <a:rPr lang="de-DE" smtClean="0"/>
-              <a:t>09.12.2017</a:t>
+              <a:t>18.12.2017</a:t>
             </a:fld>
             <a:endParaRPr lang="de-DE" dirty="0"/>
           </a:p>
@@ -16838,7 +17421,7 @@
           <a:p>
             <a:fld id="{4DEAFF03-B2A3-4F10-AFBA-713F9B73CAA7}" type="slidenum">
               <a:rPr lang="de-DE" smtClean="0"/>
-              <a:t>22</a:t>
+              <a:t>23</a:t>
             </a:fld>
             <a:endParaRPr lang="de-DE"/>
           </a:p>
@@ -17026,7 +17609,7 @@
 </p:sld>
 </file>
 
-<file path=ppt/slides/slide24.xml><?xml version="1.0" encoding="utf-8"?>
+<file path=ppt/slides/slide25.xml><?xml version="1.0" encoding="utf-8"?>
 <p:sld xmlns:a="http://schemas.openxmlformats.org/drawingml/2006/main" xmlns:r="http://schemas.openxmlformats.org/officeDocument/2006/relationships" xmlns:p="http://schemas.openxmlformats.org/presentationml/2006/main">
   <p:cSld>
     <p:spTree>
@@ -17094,7 +17677,7 @@
           <a:p>
             <a:fld id="{CFFA1D88-5C5F-47BF-8575-62828799C3D3}" type="datetime1">
               <a:rPr lang="de-DE" smtClean="0"/>
-              <a:t>09.12.2017</a:t>
+              <a:t>18.12.2017</a:t>
             </a:fld>
             <a:endParaRPr lang="de-DE" dirty="0"/>
           </a:p>
@@ -17152,7 +17735,7 @@
           <a:p>
             <a:fld id="{4DEAFF03-B2A3-4F10-AFBA-713F9B73CAA7}" type="slidenum">
               <a:rPr lang="de-DE" smtClean="0"/>
-              <a:t>23</a:t>
+              <a:t>24</a:t>
             </a:fld>
             <a:endParaRPr lang="de-DE"/>
           </a:p>
@@ -19528,7 +20111,7 @@
 </p:sld>
 </file>
 
-<file path=ppt/slides/slide25.xml><?xml version="1.0" encoding="utf-8"?>
+<file path=ppt/slides/slide26.xml><?xml version="1.0" encoding="utf-8"?>
 <p:sld xmlns:a="http://schemas.openxmlformats.org/drawingml/2006/main" xmlns:r="http://schemas.openxmlformats.org/officeDocument/2006/relationships" xmlns:p="http://schemas.openxmlformats.org/presentationml/2006/main">
   <p:cSld>
     <p:spTree>
@@ -19668,7 +20251,7 @@
 </p:sld>
 </file>
 
-<file path=ppt/slides/slide26.xml><?xml version="1.0" encoding="utf-8"?>
+<file path=ppt/slides/slide27.xml><?xml version="1.0" encoding="utf-8"?>
 <p:sld xmlns:a="http://schemas.openxmlformats.org/drawingml/2006/main" xmlns:r="http://schemas.openxmlformats.org/officeDocument/2006/relationships" xmlns:p="http://schemas.openxmlformats.org/presentationml/2006/main">
   <p:cSld>
     <p:spTree>
@@ -19774,10 +20357,9 @@
           <a:p>
             <a:pPr lvl="1"/>
             <a:r>
-              <a:rPr lang="de-DE"/>
+              <a:rPr lang="de-DE" dirty="0"/>
               <a:t>194.95.221.248:8080</a:t>
             </a:r>
-            <a:endParaRPr lang="de-DE" dirty="0"/>
           </a:p>
           <a:p>
             <a:r>
@@ -19833,7 +20415,7 @@
           <a:p>
             <a:fld id="{CFFA1D88-5C5F-47BF-8575-62828799C3D3}" type="datetime1">
               <a:rPr lang="de-DE" smtClean="0"/>
-              <a:t>10.12.2017</a:t>
+              <a:t>18.12.2017</a:t>
             </a:fld>
             <a:endParaRPr lang="de-DE" dirty="0"/>
           </a:p>
@@ -19891,7 +20473,7 @@
           <a:p>
             <a:fld id="{4DEAFF03-B2A3-4F10-AFBA-713F9B73CAA7}" type="slidenum">
               <a:rPr lang="de-DE" smtClean="0"/>
-              <a:t>25</a:t>
+              <a:t>26</a:t>
             </a:fld>
             <a:endParaRPr lang="de-DE"/>
           </a:p>
@@ -20248,7 +20830,7 @@
           <a:p>
             <a:fld id="{CFFA1D88-5C5F-47BF-8575-62828799C3D3}" type="datetime1">
               <a:rPr lang="de-DE" smtClean="0"/>
-              <a:t>09.12.2017</a:t>
+              <a:t>18.12.2017</a:t>
             </a:fld>
             <a:endParaRPr lang="de-DE" dirty="0"/>
           </a:p>
@@ -20767,7 +21349,7 @@
           <a:p>
             <a:fld id="{CFFA1D88-5C5F-47BF-8575-62828799C3D3}" type="datetime1">
               <a:rPr lang="de-DE" smtClean="0"/>
-              <a:t>09.12.2017</a:t>
+              <a:t>18.12.2017</a:t>
             </a:fld>
             <a:endParaRPr lang="de-DE" dirty="0"/>
           </a:p>
@@ -22233,7 +22815,7 @@
           <a:p>
             <a:fld id="{CFFA1D88-5C5F-47BF-8575-62828799C3D3}" type="datetime1">
               <a:rPr lang="de-DE" smtClean="0"/>
-              <a:t>09.12.2017</a:t>
+              <a:t>18.12.2017</a:t>
             </a:fld>
             <a:endParaRPr lang="de-DE" dirty="0"/>
           </a:p>
@@ -22797,7 +23379,7 @@
           <a:p>
             <a:fld id="{CFFA1D88-5C5F-47BF-8575-62828799C3D3}" type="datetime1">
               <a:rPr lang="de-DE" smtClean="0"/>
-              <a:t>09.12.2017</a:t>
+              <a:t>18.12.2017</a:t>
             </a:fld>
             <a:endParaRPr lang="de-DE" dirty="0"/>
           </a:p>
@@ -24571,12 +25153,6 @@
           <a:p>
             <a:r>
               <a:rPr lang="de-DE" dirty="0"/>
-              <a:t>Definition von JSON-Datenstrukturen</a:t>
-            </a:r>
-          </a:p>
-          <a:p>
-            <a:r>
-              <a:rPr lang="de-DE" dirty="0"/>
               <a:t>Für Validierung und Dokumentation </a:t>
             </a:r>
           </a:p>
@@ -24611,7 +25187,7 @@
           <a:p>
             <a:fld id="{CFFA1D88-5C5F-47BF-8575-62828799C3D3}" type="datetime1">
               <a:rPr lang="de-DE" smtClean="0"/>
-              <a:t>09.12.2017</a:t>
+              <a:t>18.12.2017</a:t>
             </a:fld>
             <a:endParaRPr lang="de-DE" dirty="0"/>
           </a:p>

--- a/doc/json-schema.pptx
+++ b/doc/json-schema.pptx
@@ -1,6 +1,6 @@
 
 <file path=ppt/presentation.xml><?xml version="1.0" encoding="utf-8"?>
-<p:presentation xmlns:a="http://schemas.openxmlformats.org/drawingml/2006/main" xmlns:r="http://schemas.openxmlformats.org/officeDocument/2006/relationships" xmlns:p="http://schemas.openxmlformats.org/presentationml/2006/main" firstSlideNum="0" showSpecialPlsOnTitleSld="0" saveSubsetFonts="1">
+<p:presentation xmlns:a="http://schemas.openxmlformats.org/drawingml/2006/main" xmlns:r="http://schemas.openxmlformats.org/officeDocument/2006/relationships" xmlns:p="http://schemas.openxmlformats.org/presentationml/2006/main" firstSlideNum="0" showSpecialPlsOnTitleSld="0" embedTrueTypeFonts="1">
   <p:sldMasterIdLst>
     <p:sldMasterId id="2147483672" r:id="rId1"/>
   </p:sldMasterIdLst>
@@ -38,6 +38,29 @@
   </p:sldIdLst>
   <p:sldSz cx="12192000" cy="6858000"/>
   <p:notesSz cx="6858000" cy="9144000"/>
+  <p:embeddedFontLst>
+    <p:embeddedFont>
+      <p:font typeface="Source Code Pro" panose="020B0509030403020204" pitchFamily="49" charset="0"/>
+      <p:regular r:id="rId30"/>
+      <p:bold r:id="rId31"/>
+    </p:embeddedFont>
+    <p:embeddedFont>
+      <p:font typeface="Calibri" panose="020F0502020204030204" pitchFamily="34" charset="0"/>
+      <p:regular r:id="rId32"/>
+      <p:bold r:id="rId33"/>
+      <p:italic r:id="rId34"/>
+      <p:boldItalic r:id="rId35"/>
+    </p:embeddedFont>
+    <p:embeddedFont>
+      <p:font typeface="Oswald Light" panose="00000400000000000000" pitchFamily="2" charset="0"/>
+      <p:regular r:id="rId36"/>
+    </p:embeddedFont>
+    <p:embeddedFont>
+      <p:font typeface="Oswald" panose="00000500000000000000" pitchFamily="2" charset="0"/>
+      <p:regular r:id="rId37"/>
+      <p:bold r:id="rId38"/>
+    </p:embeddedFont>
+  </p:embeddedFontLst>
   <p:defaultTextStyle>
     <a:defPPr>
       <a:defRPr lang="de-DE"/>

--- a/doc/json-schema.pptx
+++ b/doc/json-schema.pptx
@@ -23,8 +23,8 @@
     <p:sldId id="270" r:id="rId14"/>
     <p:sldId id="273" r:id="rId15"/>
     <p:sldId id="287" r:id="rId16"/>
-    <p:sldId id="277" r:id="rId17"/>
-    <p:sldId id="275" r:id="rId18"/>
+    <p:sldId id="275" r:id="rId17"/>
+    <p:sldId id="277" r:id="rId18"/>
     <p:sldId id="261" r:id="rId19"/>
     <p:sldId id="279" r:id="rId20"/>
     <p:sldId id="285" r:id="rId21"/>
@@ -8446,7 +8446,7 @@
           <a:p>
             <a:r>
               <a:rPr lang="de-DE" dirty="0"/>
-              <a:t>Objekt-Pflicht-Eigenschaften</a:t>
+              <a:t>Objekt-Eigenschaften</a:t>
             </a:r>
           </a:p>
         </p:txBody>
@@ -8533,6 +8533,1413 @@
             <a:fld id="{4DEAFF03-B2A3-4F10-AFBA-713F9B73CAA7}" type="slidenum">
               <a:rPr lang="de-DE" smtClean="0"/>
               <a:t>15</a:t>
+            </a:fld>
+            <a:endParaRPr lang="de-DE"/>
+          </a:p>
+        </p:txBody>
+      </p:sp>
+      <p:sp>
+        <p:nvSpPr>
+          <p:cNvPr id="9" name="Rechteck 8">
+            <a:extLst>
+              <a:ext uri="{FF2B5EF4-FFF2-40B4-BE49-F238E27FC236}">
+                <a16:creationId xmlns:a16="http://schemas.microsoft.com/office/drawing/2014/main" id="{D53069BA-2455-49E1-8360-B8F571081120}"/>
+              </a:ext>
+            </a:extLst>
+          </p:cNvPr>
+          <p:cNvSpPr/>
+          <p:nvPr/>
+        </p:nvSpPr>
+        <p:spPr>
+          <a:xfrm>
+            <a:off x="6708059" y="1680857"/>
+            <a:ext cx="4608870" cy="1200329"/>
+          </a:xfrm>
+          <a:prstGeom prst="rect">
+            <a:avLst/>
+          </a:prstGeom>
+          <a:solidFill>
+            <a:srgbClr val="FFCCCC"/>
+          </a:solidFill>
+          <a:ln>
+            <a:noFill/>
+          </a:ln>
+        </p:spPr>
+        <p:txBody>
+          <a:bodyPr wrap="square">
+            <a:spAutoFit/>
+          </a:bodyPr>
+          <a:lstStyle/>
+          <a:p>
+            <a:r>
+              <a:rPr lang="de-DE" b="1" dirty="0">
+                <a:solidFill>
+                  <a:srgbClr val="4472C4"/>
+                </a:solidFill>
+                <a:latin typeface="Source Code Pro" panose="020B0509030403020204" pitchFamily="49" charset="0"/>
+              </a:rPr>
+              <a:t>{</a:t>
+            </a:r>
+            <a:endParaRPr lang="de-DE" dirty="0">
+              <a:solidFill>
+                <a:srgbClr val="000000"/>
+              </a:solidFill>
+              <a:latin typeface="Source Code Pro" panose="020B0509030403020204" pitchFamily="49" charset="0"/>
+            </a:endParaRPr>
+          </a:p>
+          <a:p>
+            <a:r>
+              <a:rPr lang="de-DE" dirty="0">
+                <a:solidFill>
+                  <a:srgbClr val="000000"/>
+                </a:solidFill>
+                <a:latin typeface="Source Code Pro" panose="020B0509030403020204" pitchFamily="49" charset="0"/>
+              </a:rPr>
+              <a:t>  </a:t>
+            </a:r>
+            <a:r>
+              <a:rPr lang="de-DE" dirty="0">
+                <a:solidFill>
+                  <a:srgbClr val="464646"/>
+                </a:solidFill>
+                <a:latin typeface="Source Code Pro" panose="020B0509030403020204" pitchFamily="49" charset="0"/>
+              </a:rPr>
+              <a:t>"</a:t>
+            </a:r>
+            <a:r>
+              <a:rPr lang="de-DE" dirty="0" err="1">
+                <a:solidFill>
+                  <a:srgbClr val="464646"/>
+                </a:solidFill>
+                <a:latin typeface="Source Code Pro" panose="020B0509030403020204" pitchFamily="49" charset="0"/>
+              </a:rPr>
+              <a:t>name</a:t>
+            </a:r>
+            <a:r>
+              <a:rPr lang="de-DE" dirty="0">
+                <a:solidFill>
+                  <a:srgbClr val="464646"/>
+                </a:solidFill>
+                <a:latin typeface="Source Code Pro" panose="020B0509030403020204" pitchFamily="49" charset="0"/>
+              </a:rPr>
+              <a:t>"</a:t>
+            </a:r>
+            <a:r>
+              <a:rPr lang="de-DE" b="1" dirty="0">
+                <a:solidFill>
+                  <a:srgbClr val="4472C4"/>
+                </a:solidFill>
+                <a:latin typeface="Source Code Pro" panose="020B0509030403020204" pitchFamily="49" charset="0"/>
+              </a:rPr>
+              <a:t>:</a:t>
+            </a:r>
+            <a:r>
+              <a:rPr lang="de-DE" dirty="0">
+                <a:solidFill>
+                  <a:srgbClr val="464646"/>
+                </a:solidFill>
+                <a:latin typeface="Source Code Pro" panose="020B0509030403020204" pitchFamily="49" charset="0"/>
+              </a:rPr>
+              <a:t>"John </a:t>
+            </a:r>
+            <a:r>
+              <a:rPr lang="de-DE" dirty="0" err="1">
+                <a:solidFill>
+                  <a:srgbClr val="464646"/>
+                </a:solidFill>
+                <a:latin typeface="Source Code Pro" panose="020B0509030403020204" pitchFamily="49" charset="0"/>
+              </a:rPr>
+              <a:t>Doe</a:t>
+            </a:r>
+            <a:r>
+              <a:rPr lang="de-DE" dirty="0">
+                <a:solidFill>
+                  <a:srgbClr val="464646"/>
+                </a:solidFill>
+                <a:latin typeface="Source Code Pro" panose="020B0509030403020204" pitchFamily="49" charset="0"/>
+              </a:rPr>
+              <a:t>"</a:t>
+            </a:r>
+            <a:r>
+              <a:rPr lang="de-DE" b="1" dirty="0">
+                <a:solidFill>
+                  <a:srgbClr val="4472C4"/>
+                </a:solidFill>
+                <a:latin typeface="Source Code Pro" panose="020B0509030403020204" pitchFamily="49" charset="0"/>
+              </a:rPr>
+              <a:t>,</a:t>
+            </a:r>
+            <a:endParaRPr lang="de-DE" dirty="0">
+              <a:solidFill>
+                <a:srgbClr val="000000"/>
+              </a:solidFill>
+              <a:latin typeface="Source Code Pro" panose="020B0509030403020204" pitchFamily="49" charset="0"/>
+            </a:endParaRPr>
+          </a:p>
+          <a:p>
+            <a:r>
+              <a:rPr lang="de-DE" dirty="0">
+                <a:solidFill>
+                  <a:srgbClr val="000000"/>
+                </a:solidFill>
+                <a:latin typeface="Source Code Pro" panose="020B0509030403020204" pitchFamily="49" charset="0"/>
+              </a:rPr>
+              <a:t>  </a:t>
+            </a:r>
+            <a:r>
+              <a:rPr lang="de-DE" dirty="0">
+                <a:solidFill>
+                  <a:srgbClr val="464646"/>
+                </a:solidFill>
+                <a:latin typeface="Source Code Pro" panose="020B0509030403020204" pitchFamily="49" charset="0"/>
+              </a:rPr>
+              <a:t>"age"</a:t>
+            </a:r>
+            <a:r>
+              <a:rPr lang="de-DE" b="1" dirty="0">
+                <a:solidFill>
+                  <a:srgbClr val="4472C4"/>
+                </a:solidFill>
+                <a:latin typeface="Source Code Pro" panose="020B0509030403020204" pitchFamily="49" charset="0"/>
+              </a:rPr>
+              <a:t>:</a:t>
+            </a:r>
+            <a:r>
+              <a:rPr lang="de-DE" dirty="0">
+                <a:solidFill>
+                  <a:srgbClr val="464646"/>
+                </a:solidFill>
+                <a:latin typeface="Source Code Pro" panose="020B0509030403020204" pitchFamily="49" charset="0"/>
+              </a:rPr>
+              <a:t>"28"</a:t>
+            </a:r>
+            <a:r>
+              <a:rPr lang="de-DE" dirty="0">
+                <a:solidFill>
+                  <a:srgbClr val="000000"/>
+                </a:solidFill>
+                <a:latin typeface="Source Code Pro" panose="020B0509030403020204" pitchFamily="49" charset="0"/>
+              </a:rPr>
+              <a:t> </a:t>
+            </a:r>
+          </a:p>
+          <a:p>
+            <a:r>
+              <a:rPr lang="de-DE" b="1" dirty="0">
+                <a:solidFill>
+                  <a:srgbClr val="4472C4"/>
+                </a:solidFill>
+                <a:latin typeface="Source Code Pro" panose="020B0509030403020204" pitchFamily="49" charset="0"/>
+              </a:rPr>
+              <a:t>}</a:t>
+            </a:r>
+            <a:endParaRPr lang="de-DE" dirty="0"/>
+          </a:p>
+        </p:txBody>
+      </p:sp>
+      <p:sp>
+        <p:nvSpPr>
+          <p:cNvPr id="7" name="Rechteck 6">
+            <a:extLst>
+              <a:ext uri="{FF2B5EF4-FFF2-40B4-BE49-F238E27FC236}">
+                <a16:creationId xmlns:a16="http://schemas.microsoft.com/office/drawing/2014/main" id="{73AA9281-9AC9-4D80-A75C-DBD145A20966}"/>
+              </a:ext>
+            </a:extLst>
+          </p:cNvPr>
+          <p:cNvSpPr/>
+          <p:nvPr/>
+        </p:nvSpPr>
+        <p:spPr>
+          <a:xfrm>
+            <a:off x="875071" y="1680857"/>
+            <a:ext cx="5220929" cy="3139321"/>
+          </a:xfrm>
+          <a:prstGeom prst="rect">
+            <a:avLst/>
+          </a:prstGeom>
+          <a:solidFill>
+            <a:schemeClr val="bg1">
+              <a:lumMod val="95000"/>
+            </a:schemeClr>
+          </a:solidFill>
+          <a:ln>
+            <a:solidFill>
+              <a:schemeClr val="bg1">
+                <a:lumMod val="85000"/>
+              </a:schemeClr>
+            </a:solidFill>
+          </a:ln>
+        </p:spPr>
+        <p:txBody>
+          <a:bodyPr wrap="square">
+            <a:spAutoFit/>
+          </a:bodyPr>
+          <a:lstStyle/>
+          <a:p>
+            <a:r>
+              <a:rPr lang="de-DE" b="1" dirty="0">
+                <a:solidFill>
+                  <a:srgbClr val="4472C4"/>
+                </a:solidFill>
+                <a:latin typeface="Source Code Pro" panose="020B0509030403020204" pitchFamily="49" charset="0"/>
+              </a:rPr>
+              <a:t>{</a:t>
+            </a:r>
+            <a:endParaRPr lang="de-DE" dirty="0">
+              <a:solidFill>
+                <a:srgbClr val="000000"/>
+              </a:solidFill>
+              <a:latin typeface="Source Code Pro" panose="020B0509030403020204" pitchFamily="49" charset="0"/>
+            </a:endParaRPr>
+          </a:p>
+          <a:p>
+            <a:r>
+              <a:rPr lang="de-DE" dirty="0">
+                <a:solidFill>
+                  <a:srgbClr val="000000"/>
+                </a:solidFill>
+                <a:latin typeface="Source Code Pro" panose="020B0509030403020204" pitchFamily="49" charset="0"/>
+              </a:rPr>
+              <a:t>  </a:t>
+            </a:r>
+            <a:r>
+              <a:rPr lang="de-DE" dirty="0">
+                <a:solidFill>
+                  <a:srgbClr val="464646"/>
+                </a:solidFill>
+                <a:latin typeface="Source Code Pro" panose="020B0509030403020204" pitchFamily="49" charset="0"/>
+              </a:rPr>
+              <a:t>"type"</a:t>
+            </a:r>
+            <a:r>
+              <a:rPr lang="de-DE" b="1" dirty="0">
+                <a:solidFill>
+                  <a:srgbClr val="4472C4"/>
+                </a:solidFill>
+                <a:latin typeface="Source Code Pro" panose="020B0509030403020204" pitchFamily="49" charset="0"/>
+              </a:rPr>
+              <a:t>:</a:t>
+            </a:r>
+            <a:r>
+              <a:rPr lang="de-DE" dirty="0">
+                <a:solidFill>
+                  <a:srgbClr val="000000"/>
+                </a:solidFill>
+                <a:latin typeface="Source Code Pro" panose="020B0509030403020204" pitchFamily="49" charset="0"/>
+              </a:rPr>
+              <a:t> </a:t>
+            </a:r>
+            <a:r>
+              <a:rPr lang="de-DE" dirty="0">
+                <a:solidFill>
+                  <a:srgbClr val="464646"/>
+                </a:solidFill>
+                <a:latin typeface="Source Code Pro" panose="020B0509030403020204" pitchFamily="49" charset="0"/>
+              </a:rPr>
+              <a:t>"</a:t>
+            </a:r>
+            <a:r>
+              <a:rPr lang="de-DE" dirty="0" err="1">
+                <a:solidFill>
+                  <a:srgbClr val="464646"/>
+                </a:solidFill>
+                <a:latin typeface="Source Code Pro" panose="020B0509030403020204" pitchFamily="49" charset="0"/>
+              </a:rPr>
+              <a:t>object</a:t>
+            </a:r>
+            <a:r>
+              <a:rPr lang="de-DE" dirty="0">
+                <a:solidFill>
+                  <a:srgbClr val="464646"/>
+                </a:solidFill>
+                <a:latin typeface="Source Code Pro" panose="020B0509030403020204" pitchFamily="49" charset="0"/>
+              </a:rPr>
+              <a:t>"</a:t>
+            </a:r>
+            <a:r>
+              <a:rPr lang="de-DE" b="1" dirty="0">
+                <a:solidFill>
+                  <a:srgbClr val="4472C4"/>
+                </a:solidFill>
+                <a:latin typeface="Source Code Pro" panose="020B0509030403020204" pitchFamily="49" charset="0"/>
+              </a:rPr>
+              <a:t>,</a:t>
+            </a:r>
+            <a:endParaRPr lang="de-DE" dirty="0">
+              <a:solidFill>
+                <a:srgbClr val="000000"/>
+              </a:solidFill>
+              <a:latin typeface="Source Code Pro" panose="020B0509030403020204" pitchFamily="49" charset="0"/>
+            </a:endParaRPr>
+          </a:p>
+          <a:p>
+            <a:r>
+              <a:rPr lang="de-DE" dirty="0">
+                <a:solidFill>
+                  <a:srgbClr val="000000"/>
+                </a:solidFill>
+                <a:highlight>
+                  <a:srgbClr val="C0C0C0"/>
+                </a:highlight>
+                <a:latin typeface="Source Code Pro" panose="020B0509030403020204" pitchFamily="49" charset="0"/>
+              </a:rPr>
+              <a:t>  </a:t>
+            </a:r>
+            <a:r>
+              <a:rPr lang="de-DE" dirty="0">
+                <a:solidFill>
+                  <a:srgbClr val="464646"/>
+                </a:solidFill>
+                <a:highlight>
+                  <a:srgbClr val="C0C0C0"/>
+                </a:highlight>
+                <a:latin typeface="Source Code Pro" panose="020B0509030403020204" pitchFamily="49" charset="0"/>
+              </a:rPr>
+              <a:t>"</a:t>
+            </a:r>
+            <a:r>
+              <a:rPr lang="de-DE" dirty="0" err="1">
+                <a:solidFill>
+                  <a:srgbClr val="464646"/>
+                </a:solidFill>
+                <a:highlight>
+                  <a:srgbClr val="C0C0C0"/>
+                </a:highlight>
+                <a:latin typeface="Source Code Pro" panose="020B0509030403020204" pitchFamily="49" charset="0"/>
+              </a:rPr>
+              <a:t>properties</a:t>
+            </a:r>
+            <a:r>
+              <a:rPr lang="de-DE" dirty="0">
+                <a:solidFill>
+                  <a:srgbClr val="464646"/>
+                </a:solidFill>
+                <a:highlight>
+                  <a:srgbClr val="C0C0C0"/>
+                </a:highlight>
+                <a:latin typeface="Source Code Pro" panose="020B0509030403020204" pitchFamily="49" charset="0"/>
+              </a:rPr>
+              <a:t>"</a:t>
+            </a:r>
+            <a:r>
+              <a:rPr lang="de-DE" b="1" dirty="0">
+                <a:solidFill>
+                  <a:srgbClr val="4472C4"/>
+                </a:solidFill>
+                <a:highlight>
+                  <a:srgbClr val="C0C0C0"/>
+                </a:highlight>
+                <a:latin typeface="Source Code Pro" panose="020B0509030403020204" pitchFamily="49" charset="0"/>
+              </a:rPr>
+              <a:t>:</a:t>
+            </a:r>
+            <a:r>
+              <a:rPr lang="de-DE" dirty="0">
+                <a:solidFill>
+                  <a:srgbClr val="000000"/>
+                </a:solidFill>
+                <a:highlight>
+                  <a:srgbClr val="C0C0C0"/>
+                </a:highlight>
+                <a:latin typeface="Source Code Pro" panose="020B0509030403020204" pitchFamily="49" charset="0"/>
+              </a:rPr>
+              <a:t> </a:t>
+            </a:r>
+            <a:r>
+              <a:rPr lang="de-DE" b="1" dirty="0">
+                <a:solidFill>
+                  <a:srgbClr val="4472C4"/>
+                </a:solidFill>
+                <a:highlight>
+                  <a:srgbClr val="C0C0C0"/>
+                </a:highlight>
+                <a:latin typeface="Source Code Pro" panose="020B0509030403020204" pitchFamily="49" charset="0"/>
+              </a:rPr>
+              <a:t>{</a:t>
+            </a:r>
+            <a:endParaRPr lang="de-DE" dirty="0">
+              <a:solidFill>
+                <a:srgbClr val="000000"/>
+              </a:solidFill>
+              <a:highlight>
+                <a:srgbClr val="C0C0C0"/>
+              </a:highlight>
+              <a:latin typeface="Source Code Pro" panose="020B0509030403020204" pitchFamily="49" charset="0"/>
+            </a:endParaRPr>
+          </a:p>
+          <a:p>
+            <a:r>
+              <a:rPr lang="de-DE" dirty="0">
+                <a:solidFill>
+                  <a:srgbClr val="000000"/>
+                </a:solidFill>
+                <a:latin typeface="Source Code Pro" panose="020B0509030403020204" pitchFamily="49" charset="0"/>
+              </a:rPr>
+              <a:t>    </a:t>
+            </a:r>
+            <a:r>
+              <a:rPr lang="de-DE" dirty="0">
+                <a:solidFill>
+                  <a:srgbClr val="464646"/>
+                </a:solidFill>
+                <a:latin typeface="Source Code Pro" panose="020B0509030403020204" pitchFamily="49" charset="0"/>
+              </a:rPr>
+              <a:t>"</a:t>
+            </a:r>
+            <a:r>
+              <a:rPr lang="de-DE" dirty="0" err="1">
+                <a:solidFill>
+                  <a:srgbClr val="464646"/>
+                </a:solidFill>
+                <a:latin typeface="Source Code Pro" panose="020B0509030403020204" pitchFamily="49" charset="0"/>
+              </a:rPr>
+              <a:t>name</a:t>
+            </a:r>
+            <a:r>
+              <a:rPr lang="de-DE" dirty="0">
+                <a:solidFill>
+                  <a:srgbClr val="464646"/>
+                </a:solidFill>
+                <a:latin typeface="Source Code Pro" panose="020B0509030403020204" pitchFamily="49" charset="0"/>
+              </a:rPr>
+              <a:t>"</a:t>
+            </a:r>
+            <a:r>
+              <a:rPr lang="de-DE" b="1" dirty="0">
+                <a:solidFill>
+                  <a:srgbClr val="4472C4"/>
+                </a:solidFill>
+                <a:latin typeface="Source Code Pro" panose="020B0509030403020204" pitchFamily="49" charset="0"/>
+              </a:rPr>
+              <a:t>:</a:t>
+            </a:r>
+            <a:r>
+              <a:rPr lang="de-DE" dirty="0">
+                <a:solidFill>
+                  <a:srgbClr val="000000"/>
+                </a:solidFill>
+                <a:latin typeface="Source Code Pro" panose="020B0509030403020204" pitchFamily="49" charset="0"/>
+              </a:rPr>
+              <a:t> </a:t>
+            </a:r>
+            <a:r>
+              <a:rPr lang="de-DE" b="1" dirty="0">
+                <a:solidFill>
+                  <a:srgbClr val="4472C4"/>
+                </a:solidFill>
+                <a:latin typeface="Source Code Pro" panose="020B0509030403020204" pitchFamily="49" charset="0"/>
+              </a:rPr>
+              <a:t>{</a:t>
+            </a:r>
+            <a:endParaRPr lang="de-DE" dirty="0">
+              <a:solidFill>
+                <a:srgbClr val="000000"/>
+              </a:solidFill>
+              <a:latin typeface="Source Code Pro" panose="020B0509030403020204" pitchFamily="49" charset="0"/>
+            </a:endParaRPr>
+          </a:p>
+          <a:p>
+            <a:r>
+              <a:rPr lang="de-DE" dirty="0">
+                <a:solidFill>
+                  <a:srgbClr val="000000"/>
+                </a:solidFill>
+                <a:latin typeface="Source Code Pro" panose="020B0509030403020204" pitchFamily="49" charset="0"/>
+              </a:rPr>
+              <a:t>      </a:t>
+            </a:r>
+            <a:r>
+              <a:rPr lang="de-DE" dirty="0">
+                <a:solidFill>
+                  <a:srgbClr val="464646"/>
+                </a:solidFill>
+                <a:latin typeface="Source Code Pro" panose="020B0509030403020204" pitchFamily="49" charset="0"/>
+              </a:rPr>
+              <a:t>"type"</a:t>
+            </a:r>
+            <a:r>
+              <a:rPr lang="de-DE" b="1" dirty="0">
+                <a:solidFill>
+                  <a:srgbClr val="4472C4"/>
+                </a:solidFill>
+                <a:latin typeface="Source Code Pro" panose="020B0509030403020204" pitchFamily="49" charset="0"/>
+              </a:rPr>
+              <a:t>:</a:t>
+            </a:r>
+            <a:r>
+              <a:rPr lang="de-DE" dirty="0">
+                <a:solidFill>
+                  <a:srgbClr val="000000"/>
+                </a:solidFill>
+                <a:latin typeface="Source Code Pro" panose="020B0509030403020204" pitchFamily="49" charset="0"/>
+              </a:rPr>
+              <a:t> </a:t>
+            </a:r>
+            <a:r>
+              <a:rPr lang="de-DE" dirty="0">
+                <a:solidFill>
+                  <a:srgbClr val="464646"/>
+                </a:solidFill>
+                <a:latin typeface="Source Code Pro" panose="020B0509030403020204" pitchFamily="49" charset="0"/>
+              </a:rPr>
+              <a:t>"</a:t>
+            </a:r>
+            <a:r>
+              <a:rPr lang="de-DE" dirty="0" err="1">
+                <a:solidFill>
+                  <a:srgbClr val="464646"/>
+                </a:solidFill>
+                <a:latin typeface="Source Code Pro" panose="020B0509030403020204" pitchFamily="49" charset="0"/>
+              </a:rPr>
+              <a:t>string</a:t>
+            </a:r>
+            <a:r>
+              <a:rPr lang="de-DE" dirty="0">
+                <a:solidFill>
+                  <a:srgbClr val="464646"/>
+                </a:solidFill>
+                <a:latin typeface="Source Code Pro" panose="020B0509030403020204" pitchFamily="49" charset="0"/>
+              </a:rPr>
+              <a:t>"</a:t>
+            </a:r>
+            <a:endParaRPr lang="de-DE" dirty="0">
+              <a:solidFill>
+                <a:srgbClr val="000000"/>
+              </a:solidFill>
+              <a:latin typeface="Source Code Pro" panose="020B0509030403020204" pitchFamily="49" charset="0"/>
+            </a:endParaRPr>
+          </a:p>
+          <a:p>
+            <a:r>
+              <a:rPr lang="de-DE" dirty="0">
+                <a:solidFill>
+                  <a:srgbClr val="000000"/>
+                </a:solidFill>
+                <a:latin typeface="Source Code Pro" panose="020B0509030403020204" pitchFamily="49" charset="0"/>
+              </a:rPr>
+              <a:t>    </a:t>
+            </a:r>
+            <a:r>
+              <a:rPr lang="de-DE" b="1" dirty="0">
+                <a:solidFill>
+                  <a:srgbClr val="4472C4"/>
+                </a:solidFill>
+                <a:latin typeface="Source Code Pro" panose="020B0509030403020204" pitchFamily="49" charset="0"/>
+              </a:rPr>
+              <a:t>},</a:t>
+            </a:r>
+            <a:endParaRPr lang="de-DE" dirty="0">
+              <a:solidFill>
+                <a:srgbClr val="000000"/>
+              </a:solidFill>
+              <a:latin typeface="Source Code Pro" panose="020B0509030403020204" pitchFamily="49" charset="0"/>
+            </a:endParaRPr>
+          </a:p>
+          <a:p>
+            <a:r>
+              <a:rPr lang="de-DE" dirty="0">
+                <a:solidFill>
+                  <a:srgbClr val="000000"/>
+                </a:solidFill>
+                <a:latin typeface="Source Code Pro" panose="020B0509030403020204" pitchFamily="49" charset="0"/>
+              </a:rPr>
+              <a:t>    </a:t>
+            </a:r>
+            <a:r>
+              <a:rPr lang="de-DE" dirty="0">
+                <a:solidFill>
+                  <a:srgbClr val="464646"/>
+                </a:solidFill>
+                <a:latin typeface="Source Code Pro" panose="020B0509030403020204" pitchFamily="49" charset="0"/>
+              </a:rPr>
+              <a:t>"</a:t>
+            </a:r>
+            <a:r>
+              <a:rPr lang="de-DE" dirty="0" err="1">
+                <a:solidFill>
+                  <a:srgbClr val="464646"/>
+                </a:solidFill>
+                <a:latin typeface="Source Code Pro" panose="020B0509030403020204" pitchFamily="49" charset="0"/>
+              </a:rPr>
+              <a:t>age</a:t>
+            </a:r>
+            <a:r>
+              <a:rPr lang="de-DE" dirty="0">
+                <a:solidFill>
+                  <a:srgbClr val="464646"/>
+                </a:solidFill>
+                <a:latin typeface="Source Code Pro" panose="020B0509030403020204" pitchFamily="49" charset="0"/>
+              </a:rPr>
+              <a:t>"</a:t>
+            </a:r>
+            <a:r>
+              <a:rPr lang="de-DE" b="1" dirty="0">
+                <a:solidFill>
+                  <a:srgbClr val="4472C4"/>
+                </a:solidFill>
+                <a:latin typeface="Source Code Pro" panose="020B0509030403020204" pitchFamily="49" charset="0"/>
+              </a:rPr>
+              <a:t>:</a:t>
+            </a:r>
+            <a:r>
+              <a:rPr lang="de-DE" dirty="0">
+                <a:solidFill>
+                  <a:srgbClr val="000000"/>
+                </a:solidFill>
+                <a:latin typeface="Source Code Pro" panose="020B0509030403020204" pitchFamily="49" charset="0"/>
+              </a:rPr>
+              <a:t> </a:t>
+            </a:r>
+            <a:r>
+              <a:rPr lang="de-DE" b="1" dirty="0">
+                <a:solidFill>
+                  <a:srgbClr val="4472C4"/>
+                </a:solidFill>
+                <a:latin typeface="Source Code Pro" panose="020B0509030403020204" pitchFamily="49" charset="0"/>
+              </a:rPr>
+              <a:t>{</a:t>
+            </a:r>
+            <a:endParaRPr lang="de-DE" dirty="0">
+              <a:solidFill>
+                <a:srgbClr val="000000"/>
+              </a:solidFill>
+              <a:latin typeface="Source Code Pro" panose="020B0509030403020204" pitchFamily="49" charset="0"/>
+            </a:endParaRPr>
+          </a:p>
+          <a:p>
+            <a:r>
+              <a:rPr lang="de-DE" dirty="0">
+                <a:solidFill>
+                  <a:srgbClr val="000000"/>
+                </a:solidFill>
+                <a:latin typeface="Source Code Pro" panose="020B0509030403020204" pitchFamily="49" charset="0"/>
+              </a:rPr>
+              <a:t>      </a:t>
+            </a:r>
+            <a:r>
+              <a:rPr lang="de-DE" dirty="0">
+                <a:solidFill>
+                  <a:srgbClr val="464646"/>
+                </a:solidFill>
+                <a:latin typeface="Source Code Pro" panose="020B0509030403020204" pitchFamily="49" charset="0"/>
+              </a:rPr>
+              <a:t>"type"</a:t>
+            </a:r>
+            <a:r>
+              <a:rPr lang="de-DE" b="1" dirty="0">
+                <a:solidFill>
+                  <a:srgbClr val="4472C4"/>
+                </a:solidFill>
+                <a:latin typeface="Source Code Pro" panose="020B0509030403020204" pitchFamily="49" charset="0"/>
+              </a:rPr>
+              <a:t>:</a:t>
+            </a:r>
+            <a:r>
+              <a:rPr lang="de-DE" dirty="0">
+                <a:solidFill>
+                  <a:srgbClr val="000000"/>
+                </a:solidFill>
+                <a:latin typeface="Source Code Pro" panose="020B0509030403020204" pitchFamily="49" charset="0"/>
+              </a:rPr>
+              <a:t> </a:t>
+            </a:r>
+            <a:r>
+              <a:rPr lang="de-DE" dirty="0">
+                <a:solidFill>
+                  <a:srgbClr val="464646"/>
+                </a:solidFill>
+                <a:latin typeface="Source Code Pro" panose="020B0509030403020204" pitchFamily="49" charset="0"/>
+              </a:rPr>
+              <a:t>"</a:t>
+            </a:r>
+            <a:r>
+              <a:rPr lang="de-DE" dirty="0" err="1">
+                <a:solidFill>
+                  <a:srgbClr val="464646"/>
+                </a:solidFill>
+                <a:latin typeface="Source Code Pro" panose="020B0509030403020204" pitchFamily="49" charset="0"/>
+              </a:rPr>
+              <a:t>number</a:t>
+            </a:r>
+            <a:r>
+              <a:rPr lang="de-DE" dirty="0">
+                <a:solidFill>
+                  <a:srgbClr val="464646"/>
+                </a:solidFill>
+                <a:latin typeface="Source Code Pro" panose="020B0509030403020204" pitchFamily="49" charset="0"/>
+              </a:rPr>
+              <a:t>"</a:t>
+            </a:r>
+            <a:endParaRPr lang="de-DE" dirty="0">
+              <a:solidFill>
+                <a:srgbClr val="000000"/>
+              </a:solidFill>
+              <a:latin typeface="Source Code Pro" panose="020B0509030403020204" pitchFamily="49" charset="0"/>
+            </a:endParaRPr>
+          </a:p>
+          <a:p>
+            <a:r>
+              <a:rPr lang="de-DE" dirty="0">
+                <a:solidFill>
+                  <a:srgbClr val="000000"/>
+                </a:solidFill>
+                <a:latin typeface="Source Code Pro" panose="020B0509030403020204" pitchFamily="49" charset="0"/>
+              </a:rPr>
+              <a:t>    </a:t>
+            </a:r>
+            <a:r>
+              <a:rPr lang="de-DE" b="1" dirty="0">
+                <a:solidFill>
+                  <a:srgbClr val="4472C4"/>
+                </a:solidFill>
+                <a:latin typeface="Source Code Pro" panose="020B0509030403020204" pitchFamily="49" charset="0"/>
+              </a:rPr>
+              <a:t>}</a:t>
+            </a:r>
+            <a:endParaRPr lang="de-DE" dirty="0">
+              <a:solidFill>
+                <a:srgbClr val="000000"/>
+              </a:solidFill>
+              <a:latin typeface="Source Code Pro" panose="020B0509030403020204" pitchFamily="49" charset="0"/>
+            </a:endParaRPr>
+          </a:p>
+          <a:p>
+            <a:r>
+              <a:rPr lang="de-DE" dirty="0">
+                <a:solidFill>
+                  <a:srgbClr val="000000"/>
+                </a:solidFill>
+                <a:latin typeface="Source Code Pro" panose="020B0509030403020204" pitchFamily="49" charset="0"/>
+              </a:rPr>
+              <a:t>  </a:t>
+            </a:r>
+            <a:r>
+              <a:rPr lang="de-DE" b="1" dirty="0">
+                <a:solidFill>
+                  <a:srgbClr val="4472C4"/>
+                </a:solidFill>
+                <a:latin typeface="Source Code Pro" panose="020B0509030403020204" pitchFamily="49" charset="0"/>
+              </a:rPr>
+              <a:t>}</a:t>
+            </a:r>
+            <a:endParaRPr lang="de-DE" dirty="0">
+              <a:solidFill>
+                <a:srgbClr val="000000"/>
+              </a:solidFill>
+              <a:latin typeface="Source Code Pro" panose="020B0509030403020204" pitchFamily="49" charset="0"/>
+            </a:endParaRPr>
+          </a:p>
+          <a:p>
+            <a:r>
+              <a:rPr lang="de-DE" b="1" dirty="0">
+                <a:solidFill>
+                  <a:srgbClr val="4472C4"/>
+                </a:solidFill>
+                <a:latin typeface="Source Code Pro" panose="020B0509030403020204" pitchFamily="49" charset="0"/>
+              </a:rPr>
+              <a:t>}</a:t>
+            </a:r>
+            <a:endParaRPr lang="de-DE" dirty="0"/>
+          </a:p>
+        </p:txBody>
+      </p:sp>
+      <p:sp>
+        <p:nvSpPr>
+          <p:cNvPr id="22" name="Rechteck 21">
+            <a:extLst>
+              <a:ext uri="{FF2B5EF4-FFF2-40B4-BE49-F238E27FC236}">
+                <a16:creationId xmlns:a16="http://schemas.microsoft.com/office/drawing/2014/main" id="{955043D9-3BEA-431C-8C24-CDC8D8834A5E}"/>
+              </a:ext>
+            </a:extLst>
+          </p:cNvPr>
+          <p:cNvSpPr/>
+          <p:nvPr/>
+        </p:nvSpPr>
+        <p:spPr>
+          <a:xfrm>
+            <a:off x="6708059" y="2932339"/>
+            <a:ext cx="4608870" cy="1200329"/>
+          </a:xfrm>
+          <a:prstGeom prst="rect">
+            <a:avLst/>
+          </a:prstGeom>
+          <a:solidFill>
+            <a:schemeClr val="accent6">
+              <a:lumMod val="40000"/>
+              <a:lumOff val="60000"/>
+            </a:schemeClr>
+          </a:solidFill>
+          <a:ln>
+            <a:noFill/>
+          </a:ln>
+        </p:spPr>
+        <p:txBody>
+          <a:bodyPr wrap="square">
+            <a:spAutoFit/>
+          </a:bodyPr>
+          <a:lstStyle/>
+          <a:p>
+            <a:r>
+              <a:rPr lang="de-DE" b="1" dirty="0">
+                <a:solidFill>
+                  <a:srgbClr val="4472C4"/>
+                </a:solidFill>
+                <a:latin typeface="Source Code Pro" panose="020B0509030403020204" pitchFamily="49" charset="0"/>
+              </a:rPr>
+              <a:t>{</a:t>
+            </a:r>
+            <a:endParaRPr lang="de-DE" dirty="0">
+              <a:solidFill>
+                <a:srgbClr val="000000"/>
+              </a:solidFill>
+              <a:latin typeface="Source Code Pro" panose="020B0509030403020204" pitchFamily="49" charset="0"/>
+            </a:endParaRPr>
+          </a:p>
+          <a:p>
+            <a:r>
+              <a:rPr lang="de-DE" dirty="0">
+                <a:solidFill>
+                  <a:srgbClr val="000000"/>
+                </a:solidFill>
+                <a:latin typeface="Source Code Pro" panose="020B0509030403020204" pitchFamily="49" charset="0"/>
+              </a:rPr>
+              <a:t>  </a:t>
+            </a:r>
+            <a:r>
+              <a:rPr lang="de-DE" dirty="0">
+                <a:solidFill>
+                  <a:srgbClr val="464646"/>
+                </a:solidFill>
+                <a:latin typeface="Source Code Pro" panose="020B0509030403020204" pitchFamily="49" charset="0"/>
+              </a:rPr>
+              <a:t>"</a:t>
+            </a:r>
+            <a:r>
+              <a:rPr lang="de-DE" dirty="0" err="1">
+                <a:solidFill>
+                  <a:srgbClr val="464646"/>
+                </a:solidFill>
+                <a:latin typeface="Source Code Pro" panose="020B0509030403020204" pitchFamily="49" charset="0"/>
+              </a:rPr>
+              <a:t>name</a:t>
+            </a:r>
+            <a:r>
+              <a:rPr lang="de-DE" dirty="0">
+                <a:solidFill>
+                  <a:srgbClr val="464646"/>
+                </a:solidFill>
+                <a:latin typeface="Source Code Pro" panose="020B0509030403020204" pitchFamily="49" charset="0"/>
+              </a:rPr>
+              <a:t>"</a:t>
+            </a:r>
+            <a:r>
+              <a:rPr lang="de-DE" b="1" dirty="0">
+                <a:solidFill>
+                  <a:srgbClr val="4472C4"/>
+                </a:solidFill>
+                <a:latin typeface="Source Code Pro" panose="020B0509030403020204" pitchFamily="49" charset="0"/>
+              </a:rPr>
+              <a:t>:</a:t>
+            </a:r>
+            <a:r>
+              <a:rPr lang="de-DE" dirty="0">
+                <a:solidFill>
+                  <a:srgbClr val="464646"/>
+                </a:solidFill>
+                <a:latin typeface="Source Code Pro" panose="020B0509030403020204" pitchFamily="49" charset="0"/>
+              </a:rPr>
+              <a:t>"John </a:t>
+            </a:r>
+            <a:r>
+              <a:rPr lang="de-DE" dirty="0" err="1">
+                <a:solidFill>
+                  <a:srgbClr val="464646"/>
+                </a:solidFill>
+                <a:latin typeface="Source Code Pro" panose="020B0509030403020204" pitchFamily="49" charset="0"/>
+              </a:rPr>
+              <a:t>Doe</a:t>
+            </a:r>
+            <a:r>
+              <a:rPr lang="de-DE" dirty="0">
+                <a:solidFill>
+                  <a:srgbClr val="464646"/>
+                </a:solidFill>
+                <a:latin typeface="Source Code Pro" panose="020B0509030403020204" pitchFamily="49" charset="0"/>
+              </a:rPr>
+              <a:t>"</a:t>
+            </a:r>
+            <a:r>
+              <a:rPr lang="de-DE" b="1" dirty="0">
+                <a:solidFill>
+                  <a:srgbClr val="4472C4"/>
+                </a:solidFill>
+                <a:latin typeface="Source Code Pro" panose="020B0509030403020204" pitchFamily="49" charset="0"/>
+              </a:rPr>
+              <a:t>,</a:t>
+            </a:r>
+            <a:endParaRPr lang="de-DE" dirty="0">
+              <a:solidFill>
+                <a:srgbClr val="000000"/>
+              </a:solidFill>
+              <a:latin typeface="Source Code Pro" panose="020B0509030403020204" pitchFamily="49" charset="0"/>
+            </a:endParaRPr>
+          </a:p>
+          <a:p>
+            <a:r>
+              <a:rPr lang="de-DE" dirty="0">
+                <a:solidFill>
+                  <a:srgbClr val="000000"/>
+                </a:solidFill>
+                <a:latin typeface="Source Code Pro" panose="020B0509030403020204" pitchFamily="49" charset="0"/>
+              </a:rPr>
+              <a:t>  </a:t>
+            </a:r>
+            <a:r>
+              <a:rPr lang="de-DE" dirty="0">
+                <a:solidFill>
+                  <a:srgbClr val="464646"/>
+                </a:solidFill>
+                <a:latin typeface="Source Code Pro" panose="020B0509030403020204" pitchFamily="49" charset="0"/>
+              </a:rPr>
+              <a:t>"age"</a:t>
+            </a:r>
+            <a:r>
+              <a:rPr lang="de-DE" b="1" dirty="0">
+                <a:solidFill>
+                  <a:srgbClr val="4472C4"/>
+                </a:solidFill>
+                <a:latin typeface="Source Code Pro" panose="020B0509030403020204" pitchFamily="49" charset="0"/>
+              </a:rPr>
+              <a:t>:</a:t>
+            </a:r>
+            <a:r>
+              <a:rPr lang="de-DE" dirty="0">
+                <a:solidFill>
+                  <a:srgbClr val="FF8000"/>
+                </a:solidFill>
+                <a:latin typeface="Source Code Pro" panose="020B0509030403020204" pitchFamily="49" charset="0"/>
+              </a:rPr>
+              <a:t>28</a:t>
+            </a:r>
+            <a:r>
+              <a:rPr lang="de-DE" dirty="0">
+                <a:solidFill>
+                  <a:srgbClr val="000000"/>
+                </a:solidFill>
+                <a:latin typeface="Source Code Pro" panose="020B0509030403020204" pitchFamily="49" charset="0"/>
+              </a:rPr>
+              <a:t> </a:t>
+            </a:r>
+          </a:p>
+          <a:p>
+            <a:r>
+              <a:rPr lang="de-DE" b="1" dirty="0">
+                <a:solidFill>
+                  <a:srgbClr val="4472C4"/>
+                </a:solidFill>
+                <a:latin typeface="Source Code Pro" panose="020B0509030403020204" pitchFamily="49" charset="0"/>
+              </a:rPr>
+              <a:t>}</a:t>
+            </a:r>
+            <a:endParaRPr lang="de-DE" dirty="0"/>
+          </a:p>
+        </p:txBody>
+      </p:sp>
+      <p:sp>
+        <p:nvSpPr>
+          <p:cNvPr id="23" name="Rechteck 22">
+            <a:extLst>
+              <a:ext uri="{FF2B5EF4-FFF2-40B4-BE49-F238E27FC236}">
+                <a16:creationId xmlns:a16="http://schemas.microsoft.com/office/drawing/2014/main" id="{52009620-A11D-417E-A3D6-35A346F5EBB1}"/>
+              </a:ext>
+            </a:extLst>
+          </p:cNvPr>
+          <p:cNvSpPr/>
+          <p:nvPr/>
+        </p:nvSpPr>
+        <p:spPr>
+          <a:xfrm>
+            <a:off x="6708059" y="4197616"/>
+            <a:ext cx="4608870" cy="1477328"/>
+          </a:xfrm>
+          <a:prstGeom prst="rect">
+            <a:avLst/>
+          </a:prstGeom>
+          <a:solidFill>
+            <a:schemeClr val="accent6">
+              <a:lumMod val="40000"/>
+              <a:lumOff val="60000"/>
+            </a:schemeClr>
+          </a:solidFill>
+          <a:ln>
+            <a:noFill/>
+          </a:ln>
+        </p:spPr>
+        <p:txBody>
+          <a:bodyPr wrap="square">
+            <a:spAutoFit/>
+          </a:bodyPr>
+          <a:lstStyle/>
+          <a:p>
+            <a:r>
+              <a:rPr lang="de-DE" b="1" dirty="0">
+                <a:solidFill>
+                  <a:srgbClr val="4472C4"/>
+                </a:solidFill>
+                <a:latin typeface="Source Code Pro" panose="020B0509030403020204" pitchFamily="49" charset="0"/>
+              </a:rPr>
+              <a:t>{</a:t>
+            </a:r>
+            <a:endParaRPr lang="de-DE" dirty="0">
+              <a:solidFill>
+                <a:srgbClr val="000000"/>
+              </a:solidFill>
+              <a:latin typeface="Source Code Pro" panose="020B0509030403020204" pitchFamily="49" charset="0"/>
+            </a:endParaRPr>
+          </a:p>
+          <a:p>
+            <a:r>
+              <a:rPr lang="de-DE" dirty="0">
+                <a:solidFill>
+                  <a:srgbClr val="000000"/>
+                </a:solidFill>
+                <a:latin typeface="Source Code Pro" panose="020B0509030403020204" pitchFamily="49" charset="0"/>
+              </a:rPr>
+              <a:t>  </a:t>
+            </a:r>
+            <a:r>
+              <a:rPr lang="de-DE" dirty="0">
+                <a:solidFill>
+                  <a:srgbClr val="464646"/>
+                </a:solidFill>
+                <a:latin typeface="Source Code Pro" panose="020B0509030403020204" pitchFamily="49" charset="0"/>
+              </a:rPr>
+              <a:t>"</a:t>
+            </a:r>
+            <a:r>
+              <a:rPr lang="de-DE" dirty="0" err="1">
+                <a:solidFill>
+                  <a:srgbClr val="464646"/>
+                </a:solidFill>
+                <a:latin typeface="Source Code Pro" panose="020B0509030403020204" pitchFamily="49" charset="0"/>
+              </a:rPr>
+              <a:t>name</a:t>
+            </a:r>
+            <a:r>
+              <a:rPr lang="de-DE" dirty="0">
+                <a:solidFill>
+                  <a:srgbClr val="464646"/>
+                </a:solidFill>
+                <a:latin typeface="Source Code Pro" panose="020B0509030403020204" pitchFamily="49" charset="0"/>
+              </a:rPr>
+              <a:t>"</a:t>
+            </a:r>
+            <a:r>
+              <a:rPr lang="de-DE" b="1" dirty="0">
+                <a:solidFill>
+                  <a:srgbClr val="4472C4"/>
+                </a:solidFill>
+                <a:latin typeface="Source Code Pro" panose="020B0509030403020204" pitchFamily="49" charset="0"/>
+              </a:rPr>
+              <a:t>:</a:t>
+            </a:r>
+            <a:r>
+              <a:rPr lang="de-DE" dirty="0">
+                <a:solidFill>
+                  <a:srgbClr val="464646"/>
+                </a:solidFill>
+                <a:latin typeface="Source Code Pro" panose="020B0509030403020204" pitchFamily="49" charset="0"/>
+              </a:rPr>
+              <a:t>"John </a:t>
+            </a:r>
+            <a:r>
+              <a:rPr lang="de-DE" dirty="0" err="1">
+                <a:solidFill>
+                  <a:srgbClr val="464646"/>
+                </a:solidFill>
+                <a:latin typeface="Source Code Pro" panose="020B0509030403020204" pitchFamily="49" charset="0"/>
+              </a:rPr>
+              <a:t>Doe</a:t>
+            </a:r>
+            <a:r>
+              <a:rPr lang="de-DE" dirty="0">
+                <a:solidFill>
+                  <a:srgbClr val="464646"/>
+                </a:solidFill>
+                <a:latin typeface="Source Code Pro" panose="020B0509030403020204" pitchFamily="49" charset="0"/>
+              </a:rPr>
+              <a:t>"</a:t>
+            </a:r>
+            <a:r>
+              <a:rPr lang="de-DE" b="1" dirty="0">
+                <a:solidFill>
+                  <a:srgbClr val="4472C4"/>
+                </a:solidFill>
+                <a:latin typeface="Source Code Pro" panose="020B0509030403020204" pitchFamily="49" charset="0"/>
+              </a:rPr>
+              <a:t>,</a:t>
+            </a:r>
+            <a:endParaRPr lang="de-DE" dirty="0">
+              <a:solidFill>
+                <a:srgbClr val="000000"/>
+              </a:solidFill>
+              <a:latin typeface="Source Code Pro" panose="020B0509030403020204" pitchFamily="49" charset="0"/>
+            </a:endParaRPr>
+          </a:p>
+          <a:p>
+            <a:r>
+              <a:rPr lang="de-DE" dirty="0">
+                <a:solidFill>
+                  <a:srgbClr val="000000"/>
+                </a:solidFill>
+                <a:latin typeface="Source Code Pro" panose="020B0509030403020204" pitchFamily="49" charset="0"/>
+              </a:rPr>
+              <a:t>  </a:t>
+            </a:r>
+            <a:r>
+              <a:rPr lang="de-DE" dirty="0">
+                <a:solidFill>
+                  <a:srgbClr val="464646"/>
+                </a:solidFill>
+                <a:latin typeface="Source Code Pro" panose="020B0509030403020204" pitchFamily="49" charset="0"/>
+              </a:rPr>
+              <a:t>"age"</a:t>
+            </a:r>
+            <a:r>
+              <a:rPr lang="de-DE" b="1" dirty="0">
+                <a:solidFill>
+                  <a:srgbClr val="4472C4"/>
+                </a:solidFill>
+                <a:latin typeface="Source Code Pro" panose="020B0509030403020204" pitchFamily="49" charset="0"/>
+              </a:rPr>
+              <a:t>:</a:t>
+            </a:r>
+            <a:r>
+              <a:rPr lang="de-DE" dirty="0">
+                <a:solidFill>
+                  <a:srgbClr val="FF8000"/>
+                </a:solidFill>
+                <a:latin typeface="Source Code Pro" panose="020B0509030403020204" pitchFamily="49" charset="0"/>
+              </a:rPr>
+              <a:t>28</a:t>
+            </a:r>
+            <a:r>
+              <a:rPr lang="de-DE" b="1" dirty="0">
+                <a:solidFill>
+                  <a:srgbClr val="4472C4"/>
+                </a:solidFill>
+                <a:latin typeface="Source Code Pro" panose="020B0509030403020204" pitchFamily="49" charset="0"/>
+              </a:rPr>
+              <a:t>,</a:t>
+            </a:r>
+            <a:r>
+              <a:rPr lang="de-DE" dirty="0">
+                <a:solidFill>
+                  <a:srgbClr val="000000"/>
+                </a:solidFill>
+                <a:latin typeface="Source Code Pro" panose="020B0509030403020204" pitchFamily="49" charset="0"/>
+              </a:rPr>
+              <a:t> </a:t>
+            </a:r>
+          </a:p>
+          <a:p>
+            <a:r>
+              <a:rPr lang="de-DE" dirty="0">
+                <a:solidFill>
+                  <a:srgbClr val="000000"/>
+                </a:solidFill>
+                <a:latin typeface="Source Code Pro" panose="020B0509030403020204" pitchFamily="49" charset="0"/>
+              </a:rPr>
+              <a:t>  </a:t>
+            </a:r>
+            <a:r>
+              <a:rPr lang="de-DE" dirty="0">
+                <a:solidFill>
+                  <a:srgbClr val="464646"/>
+                </a:solidFill>
+                <a:latin typeface="Source Code Pro" panose="020B0509030403020204" pitchFamily="49" charset="0"/>
+              </a:rPr>
+              <a:t>"phone"</a:t>
+            </a:r>
+            <a:r>
+              <a:rPr lang="de-DE" b="1" dirty="0">
+                <a:solidFill>
+                  <a:srgbClr val="4472C4"/>
+                </a:solidFill>
+                <a:latin typeface="Source Code Pro" panose="020B0509030403020204" pitchFamily="49" charset="0"/>
+              </a:rPr>
+              <a:t>:</a:t>
+            </a:r>
+            <a:r>
+              <a:rPr lang="de-DE" dirty="0">
+                <a:solidFill>
+                  <a:srgbClr val="464646"/>
+                </a:solidFill>
+                <a:latin typeface="Source Code Pro" panose="020B0509030403020204" pitchFamily="49" charset="0"/>
+              </a:rPr>
+              <a:t>"012-2345-67"</a:t>
+            </a:r>
+            <a:endParaRPr lang="de-DE" dirty="0">
+              <a:solidFill>
+                <a:srgbClr val="000000"/>
+              </a:solidFill>
+              <a:latin typeface="Source Code Pro" panose="020B0509030403020204" pitchFamily="49" charset="0"/>
+            </a:endParaRPr>
+          </a:p>
+          <a:p>
+            <a:r>
+              <a:rPr lang="de-DE" b="1" dirty="0">
+                <a:solidFill>
+                  <a:srgbClr val="4472C4"/>
+                </a:solidFill>
+                <a:latin typeface="Source Code Pro" panose="020B0509030403020204" pitchFamily="49" charset="0"/>
+              </a:rPr>
+              <a:t>}</a:t>
+            </a:r>
+            <a:endParaRPr lang="de-DE" dirty="0"/>
+          </a:p>
+        </p:txBody>
+      </p:sp>
+    </p:spTree>
+    <p:extLst>
+      <p:ext uri="{BB962C8B-B14F-4D97-AF65-F5344CB8AC3E}">
+        <p14:creationId xmlns:p14="http://schemas.microsoft.com/office/powerpoint/2010/main" val="1471107219"/>
+      </p:ext>
+    </p:extLst>
+  </p:cSld>
+  <p:clrMapOvr>
+    <a:masterClrMapping/>
+  </p:clrMapOvr>
+</p:sld>
+</file>
+
+<file path=ppt/slides/slide17.xml><?xml version="1.0" encoding="utf-8"?>
+<p:sld xmlns:a="http://schemas.openxmlformats.org/drawingml/2006/main" xmlns:r="http://schemas.openxmlformats.org/officeDocument/2006/relationships" xmlns:p="http://schemas.openxmlformats.org/presentationml/2006/main">
+  <p:cSld>
+    <p:spTree>
+      <p:nvGrpSpPr>
+        <p:cNvPr id="1" name=""/>
+        <p:cNvGrpSpPr/>
+        <p:nvPr/>
+      </p:nvGrpSpPr>
+      <p:grpSpPr>
+        <a:xfrm>
+          <a:off x="0" y="0"/>
+          <a:ext cx="0" cy="0"/>
+          <a:chOff x="0" y="0"/>
+          <a:chExt cx="0" cy="0"/>
+        </a:xfrm>
+      </p:grpSpPr>
+      <p:sp>
+        <p:nvSpPr>
+          <p:cNvPr id="2" name="Titel 1">
+            <a:extLst>
+              <a:ext uri="{FF2B5EF4-FFF2-40B4-BE49-F238E27FC236}">
+                <a16:creationId xmlns:a16="http://schemas.microsoft.com/office/drawing/2014/main" id="{263B568C-3395-4B3C-80D7-E8AF938BCCCC}"/>
+              </a:ext>
+            </a:extLst>
+          </p:cNvPr>
+          <p:cNvSpPr>
+            <a:spLocks noGrp="1"/>
+          </p:cNvSpPr>
+          <p:nvPr>
+            <p:ph type="title"/>
+          </p:nvPr>
+        </p:nvSpPr>
+        <p:spPr/>
+        <p:txBody>
+          <a:bodyPr/>
+          <a:lstStyle/>
+          <a:p>
+            <a:r>
+              <a:rPr lang="de-DE" dirty="0"/>
+              <a:t>Objekt-Pflicht-Eigenschaften</a:t>
+            </a:r>
+          </a:p>
+        </p:txBody>
+      </p:sp>
+      <p:sp>
+        <p:nvSpPr>
+          <p:cNvPr id="4" name="Datumsplatzhalter 3">
+            <a:extLst>
+              <a:ext uri="{FF2B5EF4-FFF2-40B4-BE49-F238E27FC236}">
+                <a16:creationId xmlns:a16="http://schemas.microsoft.com/office/drawing/2014/main" id="{25837733-F8B3-4C3E-A803-5F05F95FB3DC}"/>
+              </a:ext>
+            </a:extLst>
+          </p:cNvPr>
+          <p:cNvSpPr>
+            <a:spLocks noGrp="1"/>
+          </p:cNvSpPr>
+          <p:nvPr>
+            <p:ph type="dt" sz="half" idx="10"/>
+          </p:nvPr>
+        </p:nvSpPr>
+        <p:spPr/>
+        <p:txBody>
+          <a:bodyPr/>
+          <a:lstStyle/>
+          <a:p>
+            <a:fld id="{CFFA1D88-5C5F-47BF-8575-62828799C3D3}" type="datetime1">
+              <a:rPr lang="de-DE" smtClean="0"/>
+              <a:t>18.12.2017</a:t>
+            </a:fld>
+            <a:endParaRPr lang="de-DE" dirty="0"/>
+          </a:p>
+        </p:txBody>
+      </p:sp>
+      <p:sp>
+        <p:nvSpPr>
+          <p:cNvPr id="5" name="Fußzeilenplatzhalter 4">
+            <a:extLst>
+              <a:ext uri="{FF2B5EF4-FFF2-40B4-BE49-F238E27FC236}">
+                <a16:creationId xmlns:a16="http://schemas.microsoft.com/office/drawing/2014/main" id="{37F17228-D4D8-4BBB-A244-7340EF0FE22B}"/>
+              </a:ext>
+            </a:extLst>
+          </p:cNvPr>
+          <p:cNvSpPr>
+            <a:spLocks noGrp="1"/>
+          </p:cNvSpPr>
+          <p:nvPr>
+            <p:ph type="ftr" sz="quarter" idx="11"/>
+          </p:nvPr>
+        </p:nvSpPr>
+        <p:spPr/>
+        <p:txBody>
+          <a:bodyPr/>
+          <a:lstStyle/>
+          <a:p>
+            <a:r>
+              <a:rPr lang="de-DE"/>
+              <a:t>Daniel Flasch</a:t>
+            </a:r>
+            <a:endParaRPr lang="de-DE" dirty="0"/>
+          </a:p>
+        </p:txBody>
+      </p:sp>
+      <p:sp>
+        <p:nvSpPr>
+          <p:cNvPr id="6" name="Foliennummernplatzhalter 5">
+            <a:extLst>
+              <a:ext uri="{FF2B5EF4-FFF2-40B4-BE49-F238E27FC236}">
+                <a16:creationId xmlns:a16="http://schemas.microsoft.com/office/drawing/2014/main" id="{0A3B9615-9A42-4020-ABBE-BFFD4333625F}"/>
+              </a:ext>
+            </a:extLst>
+          </p:cNvPr>
+          <p:cNvSpPr>
+            <a:spLocks noGrp="1"/>
+          </p:cNvSpPr>
+          <p:nvPr>
+            <p:ph type="sldNum" sz="quarter" idx="12"/>
+          </p:nvPr>
+        </p:nvSpPr>
+        <p:spPr/>
+        <p:txBody>
+          <a:bodyPr/>
+          <a:lstStyle/>
+          <a:p>
+            <a:fld id="{4DEAFF03-B2A3-4F10-AFBA-713F9B73CAA7}" type="slidenum">
+              <a:rPr lang="de-DE" smtClean="0"/>
+              <a:t>16</a:t>
             </a:fld>
             <a:endParaRPr lang="de-DE"/>
           </a:p>
@@ -9873,1413 +11280,6 @@
     <p:extLst>
       <p:ext uri="{BB962C8B-B14F-4D97-AF65-F5344CB8AC3E}">
         <p14:creationId xmlns:p14="http://schemas.microsoft.com/office/powerpoint/2010/main" val="3497161867"/>
-      </p:ext>
-    </p:extLst>
-  </p:cSld>
-  <p:clrMapOvr>
-    <a:masterClrMapping/>
-  </p:clrMapOvr>
-</p:sld>
-</file>
-
-<file path=ppt/slides/slide17.xml><?xml version="1.0" encoding="utf-8"?>
-<p:sld xmlns:a="http://schemas.openxmlformats.org/drawingml/2006/main" xmlns:r="http://schemas.openxmlformats.org/officeDocument/2006/relationships" xmlns:p="http://schemas.openxmlformats.org/presentationml/2006/main">
-  <p:cSld>
-    <p:spTree>
-      <p:nvGrpSpPr>
-        <p:cNvPr id="1" name=""/>
-        <p:cNvGrpSpPr/>
-        <p:nvPr/>
-      </p:nvGrpSpPr>
-      <p:grpSpPr>
-        <a:xfrm>
-          <a:off x="0" y="0"/>
-          <a:ext cx="0" cy="0"/>
-          <a:chOff x="0" y="0"/>
-          <a:chExt cx="0" cy="0"/>
-        </a:xfrm>
-      </p:grpSpPr>
-      <p:sp>
-        <p:nvSpPr>
-          <p:cNvPr id="2" name="Titel 1">
-            <a:extLst>
-              <a:ext uri="{FF2B5EF4-FFF2-40B4-BE49-F238E27FC236}">
-                <a16:creationId xmlns:a16="http://schemas.microsoft.com/office/drawing/2014/main" id="{263B568C-3395-4B3C-80D7-E8AF938BCCCC}"/>
-              </a:ext>
-            </a:extLst>
-          </p:cNvPr>
-          <p:cNvSpPr>
-            <a:spLocks noGrp="1"/>
-          </p:cNvSpPr>
-          <p:nvPr>
-            <p:ph type="title"/>
-          </p:nvPr>
-        </p:nvSpPr>
-        <p:spPr/>
-        <p:txBody>
-          <a:bodyPr/>
-          <a:lstStyle/>
-          <a:p>
-            <a:r>
-              <a:rPr lang="de-DE" dirty="0"/>
-              <a:t>Objekt-Eigenschaften</a:t>
-            </a:r>
-          </a:p>
-        </p:txBody>
-      </p:sp>
-      <p:sp>
-        <p:nvSpPr>
-          <p:cNvPr id="4" name="Datumsplatzhalter 3">
-            <a:extLst>
-              <a:ext uri="{FF2B5EF4-FFF2-40B4-BE49-F238E27FC236}">
-                <a16:creationId xmlns:a16="http://schemas.microsoft.com/office/drawing/2014/main" id="{25837733-F8B3-4C3E-A803-5F05F95FB3DC}"/>
-              </a:ext>
-            </a:extLst>
-          </p:cNvPr>
-          <p:cNvSpPr>
-            <a:spLocks noGrp="1"/>
-          </p:cNvSpPr>
-          <p:nvPr>
-            <p:ph type="dt" sz="half" idx="10"/>
-          </p:nvPr>
-        </p:nvSpPr>
-        <p:spPr/>
-        <p:txBody>
-          <a:bodyPr/>
-          <a:lstStyle/>
-          <a:p>
-            <a:fld id="{CFFA1D88-5C5F-47BF-8575-62828799C3D3}" type="datetime1">
-              <a:rPr lang="de-DE" smtClean="0"/>
-              <a:t>18.12.2017</a:t>
-            </a:fld>
-            <a:endParaRPr lang="de-DE" dirty="0"/>
-          </a:p>
-        </p:txBody>
-      </p:sp>
-      <p:sp>
-        <p:nvSpPr>
-          <p:cNvPr id="5" name="Fußzeilenplatzhalter 4">
-            <a:extLst>
-              <a:ext uri="{FF2B5EF4-FFF2-40B4-BE49-F238E27FC236}">
-                <a16:creationId xmlns:a16="http://schemas.microsoft.com/office/drawing/2014/main" id="{37F17228-D4D8-4BBB-A244-7340EF0FE22B}"/>
-              </a:ext>
-            </a:extLst>
-          </p:cNvPr>
-          <p:cNvSpPr>
-            <a:spLocks noGrp="1"/>
-          </p:cNvSpPr>
-          <p:nvPr>
-            <p:ph type="ftr" sz="quarter" idx="11"/>
-          </p:nvPr>
-        </p:nvSpPr>
-        <p:spPr/>
-        <p:txBody>
-          <a:bodyPr/>
-          <a:lstStyle/>
-          <a:p>
-            <a:r>
-              <a:rPr lang="de-DE"/>
-              <a:t>Daniel Flasch</a:t>
-            </a:r>
-            <a:endParaRPr lang="de-DE" dirty="0"/>
-          </a:p>
-        </p:txBody>
-      </p:sp>
-      <p:sp>
-        <p:nvSpPr>
-          <p:cNvPr id="6" name="Foliennummernplatzhalter 5">
-            <a:extLst>
-              <a:ext uri="{FF2B5EF4-FFF2-40B4-BE49-F238E27FC236}">
-                <a16:creationId xmlns:a16="http://schemas.microsoft.com/office/drawing/2014/main" id="{0A3B9615-9A42-4020-ABBE-BFFD4333625F}"/>
-              </a:ext>
-            </a:extLst>
-          </p:cNvPr>
-          <p:cNvSpPr>
-            <a:spLocks noGrp="1"/>
-          </p:cNvSpPr>
-          <p:nvPr>
-            <p:ph type="sldNum" sz="quarter" idx="12"/>
-          </p:nvPr>
-        </p:nvSpPr>
-        <p:spPr/>
-        <p:txBody>
-          <a:bodyPr/>
-          <a:lstStyle/>
-          <a:p>
-            <a:fld id="{4DEAFF03-B2A3-4F10-AFBA-713F9B73CAA7}" type="slidenum">
-              <a:rPr lang="de-DE" smtClean="0"/>
-              <a:t>16</a:t>
-            </a:fld>
-            <a:endParaRPr lang="de-DE"/>
-          </a:p>
-        </p:txBody>
-      </p:sp>
-      <p:sp>
-        <p:nvSpPr>
-          <p:cNvPr id="9" name="Rechteck 8">
-            <a:extLst>
-              <a:ext uri="{FF2B5EF4-FFF2-40B4-BE49-F238E27FC236}">
-                <a16:creationId xmlns:a16="http://schemas.microsoft.com/office/drawing/2014/main" id="{D53069BA-2455-49E1-8360-B8F571081120}"/>
-              </a:ext>
-            </a:extLst>
-          </p:cNvPr>
-          <p:cNvSpPr/>
-          <p:nvPr/>
-        </p:nvSpPr>
-        <p:spPr>
-          <a:xfrm>
-            <a:off x="6708059" y="1680857"/>
-            <a:ext cx="4608870" cy="1200329"/>
-          </a:xfrm>
-          <a:prstGeom prst="rect">
-            <a:avLst/>
-          </a:prstGeom>
-          <a:solidFill>
-            <a:srgbClr val="FFCCCC"/>
-          </a:solidFill>
-          <a:ln>
-            <a:noFill/>
-          </a:ln>
-        </p:spPr>
-        <p:txBody>
-          <a:bodyPr wrap="square">
-            <a:spAutoFit/>
-          </a:bodyPr>
-          <a:lstStyle/>
-          <a:p>
-            <a:r>
-              <a:rPr lang="de-DE" b="1" dirty="0">
-                <a:solidFill>
-                  <a:srgbClr val="4472C4"/>
-                </a:solidFill>
-                <a:latin typeface="Source Code Pro" panose="020B0509030403020204" pitchFamily="49" charset="0"/>
-              </a:rPr>
-              <a:t>{</a:t>
-            </a:r>
-            <a:endParaRPr lang="de-DE" dirty="0">
-              <a:solidFill>
-                <a:srgbClr val="000000"/>
-              </a:solidFill>
-              <a:latin typeface="Source Code Pro" panose="020B0509030403020204" pitchFamily="49" charset="0"/>
-            </a:endParaRPr>
-          </a:p>
-          <a:p>
-            <a:r>
-              <a:rPr lang="de-DE" dirty="0">
-                <a:solidFill>
-                  <a:srgbClr val="000000"/>
-                </a:solidFill>
-                <a:latin typeface="Source Code Pro" panose="020B0509030403020204" pitchFamily="49" charset="0"/>
-              </a:rPr>
-              <a:t>  </a:t>
-            </a:r>
-            <a:r>
-              <a:rPr lang="de-DE" dirty="0">
-                <a:solidFill>
-                  <a:srgbClr val="464646"/>
-                </a:solidFill>
-                <a:latin typeface="Source Code Pro" panose="020B0509030403020204" pitchFamily="49" charset="0"/>
-              </a:rPr>
-              <a:t>"</a:t>
-            </a:r>
-            <a:r>
-              <a:rPr lang="de-DE" dirty="0" err="1">
-                <a:solidFill>
-                  <a:srgbClr val="464646"/>
-                </a:solidFill>
-                <a:latin typeface="Source Code Pro" panose="020B0509030403020204" pitchFamily="49" charset="0"/>
-              </a:rPr>
-              <a:t>name</a:t>
-            </a:r>
-            <a:r>
-              <a:rPr lang="de-DE" dirty="0">
-                <a:solidFill>
-                  <a:srgbClr val="464646"/>
-                </a:solidFill>
-                <a:latin typeface="Source Code Pro" panose="020B0509030403020204" pitchFamily="49" charset="0"/>
-              </a:rPr>
-              <a:t>"</a:t>
-            </a:r>
-            <a:r>
-              <a:rPr lang="de-DE" b="1" dirty="0">
-                <a:solidFill>
-                  <a:srgbClr val="4472C4"/>
-                </a:solidFill>
-                <a:latin typeface="Source Code Pro" panose="020B0509030403020204" pitchFamily="49" charset="0"/>
-              </a:rPr>
-              <a:t>:</a:t>
-            </a:r>
-            <a:r>
-              <a:rPr lang="de-DE" dirty="0">
-                <a:solidFill>
-                  <a:srgbClr val="464646"/>
-                </a:solidFill>
-                <a:latin typeface="Source Code Pro" panose="020B0509030403020204" pitchFamily="49" charset="0"/>
-              </a:rPr>
-              <a:t>"John </a:t>
-            </a:r>
-            <a:r>
-              <a:rPr lang="de-DE" dirty="0" err="1">
-                <a:solidFill>
-                  <a:srgbClr val="464646"/>
-                </a:solidFill>
-                <a:latin typeface="Source Code Pro" panose="020B0509030403020204" pitchFamily="49" charset="0"/>
-              </a:rPr>
-              <a:t>Doe</a:t>
-            </a:r>
-            <a:r>
-              <a:rPr lang="de-DE" dirty="0">
-                <a:solidFill>
-                  <a:srgbClr val="464646"/>
-                </a:solidFill>
-                <a:latin typeface="Source Code Pro" panose="020B0509030403020204" pitchFamily="49" charset="0"/>
-              </a:rPr>
-              <a:t>"</a:t>
-            </a:r>
-            <a:r>
-              <a:rPr lang="de-DE" b="1" dirty="0">
-                <a:solidFill>
-                  <a:srgbClr val="4472C4"/>
-                </a:solidFill>
-                <a:latin typeface="Source Code Pro" panose="020B0509030403020204" pitchFamily="49" charset="0"/>
-              </a:rPr>
-              <a:t>,</a:t>
-            </a:r>
-            <a:endParaRPr lang="de-DE" dirty="0">
-              <a:solidFill>
-                <a:srgbClr val="000000"/>
-              </a:solidFill>
-              <a:latin typeface="Source Code Pro" panose="020B0509030403020204" pitchFamily="49" charset="0"/>
-            </a:endParaRPr>
-          </a:p>
-          <a:p>
-            <a:r>
-              <a:rPr lang="de-DE" dirty="0">
-                <a:solidFill>
-                  <a:srgbClr val="000000"/>
-                </a:solidFill>
-                <a:latin typeface="Source Code Pro" panose="020B0509030403020204" pitchFamily="49" charset="0"/>
-              </a:rPr>
-              <a:t>  </a:t>
-            </a:r>
-            <a:r>
-              <a:rPr lang="de-DE" dirty="0">
-                <a:solidFill>
-                  <a:srgbClr val="464646"/>
-                </a:solidFill>
-                <a:latin typeface="Source Code Pro" panose="020B0509030403020204" pitchFamily="49" charset="0"/>
-              </a:rPr>
-              <a:t>"age"</a:t>
-            </a:r>
-            <a:r>
-              <a:rPr lang="de-DE" b="1" dirty="0">
-                <a:solidFill>
-                  <a:srgbClr val="4472C4"/>
-                </a:solidFill>
-                <a:latin typeface="Source Code Pro" panose="020B0509030403020204" pitchFamily="49" charset="0"/>
-              </a:rPr>
-              <a:t>:</a:t>
-            </a:r>
-            <a:r>
-              <a:rPr lang="de-DE" dirty="0">
-                <a:solidFill>
-                  <a:srgbClr val="464646"/>
-                </a:solidFill>
-                <a:latin typeface="Source Code Pro" panose="020B0509030403020204" pitchFamily="49" charset="0"/>
-              </a:rPr>
-              <a:t>"28"</a:t>
-            </a:r>
-            <a:r>
-              <a:rPr lang="de-DE" dirty="0">
-                <a:solidFill>
-                  <a:srgbClr val="000000"/>
-                </a:solidFill>
-                <a:latin typeface="Source Code Pro" panose="020B0509030403020204" pitchFamily="49" charset="0"/>
-              </a:rPr>
-              <a:t> </a:t>
-            </a:r>
-          </a:p>
-          <a:p>
-            <a:r>
-              <a:rPr lang="de-DE" b="1" dirty="0">
-                <a:solidFill>
-                  <a:srgbClr val="4472C4"/>
-                </a:solidFill>
-                <a:latin typeface="Source Code Pro" panose="020B0509030403020204" pitchFamily="49" charset="0"/>
-              </a:rPr>
-              <a:t>}</a:t>
-            </a:r>
-            <a:endParaRPr lang="de-DE" dirty="0"/>
-          </a:p>
-        </p:txBody>
-      </p:sp>
-      <p:sp>
-        <p:nvSpPr>
-          <p:cNvPr id="7" name="Rechteck 6">
-            <a:extLst>
-              <a:ext uri="{FF2B5EF4-FFF2-40B4-BE49-F238E27FC236}">
-                <a16:creationId xmlns:a16="http://schemas.microsoft.com/office/drawing/2014/main" id="{73AA9281-9AC9-4D80-A75C-DBD145A20966}"/>
-              </a:ext>
-            </a:extLst>
-          </p:cNvPr>
-          <p:cNvSpPr/>
-          <p:nvPr/>
-        </p:nvSpPr>
-        <p:spPr>
-          <a:xfrm>
-            <a:off x="875071" y="1680857"/>
-            <a:ext cx="5220929" cy="3139321"/>
-          </a:xfrm>
-          <a:prstGeom prst="rect">
-            <a:avLst/>
-          </a:prstGeom>
-          <a:solidFill>
-            <a:schemeClr val="bg1">
-              <a:lumMod val="95000"/>
-            </a:schemeClr>
-          </a:solidFill>
-          <a:ln>
-            <a:solidFill>
-              <a:schemeClr val="bg1">
-                <a:lumMod val="85000"/>
-              </a:schemeClr>
-            </a:solidFill>
-          </a:ln>
-        </p:spPr>
-        <p:txBody>
-          <a:bodyPr wrap="square">
-            <a:spAutoFit/>
-          </a:bodyPr>
-          <a:lstStyle/>
-          <a:p>
-            <a:r>
-              <a:rPr lang="de-DE" b="1" dirty="0">
-                <a:solidFill>
-                  <a:srgbClr val="4472C4"/>
-                </a:solidFill>
-                <a:latin typeface="Source Code Pro" panose="020B0509030403020204" pitchFamily="49" charset="0"/>
-              </a:rPr>
-              <a:t>{</a:t>
-            </a:r>
-            <a:endParaRPr lang="de-DE" dirty="0">
-              <a:solidFill>
-                <a:srgbClr val="000000"/>
-              </a:solidFill>
-              <a:latin typeface="Source Code Pro" panose="020B0509030403020204" pitchFamily="49" charset="0"/>
-            </a:endParaRPr>
-          </a:p>
-          <a:p>
-            <a:r>
-              <a:rPr lang="de-DE" dirty="0">
-                <a:solidFill>
-                  <a:srgbClr val="000000"/>
-                </a:solidFill>
-                <a:latin typeface="Source Code Pro" panose="020B0509030403020204" pitchFamily="49" charset="0"/>
-              </a:rPr>
-              <a:t>  </a:t>
-            </a:r>
-            <a:r>
-              <a:rPr lang="de-DE" dirty="0">
-                <a:solidFill>
-                  <a:srgbClr val="464646"/>
-                </a:solidFill>
-                <a:latin typeface="Source Code Pro" panose="020B0509030403020204" pitchFamily="49" charset="0"/>
-              </a:rPr>
-              <a:t>"type"</a:t>
-            </a:r>
-            <a:r>
-              <a:rPr lang="de-DE" b="1" dirty="0">
-                <a:solidFill>
-                  <a:srgbClr val="4472C4"/>
-                </a:solidFill>
-                <a:latin typeface="Source Code Pro" panose="020B0509030403020204" pitchFamily="49" charset="0"/>
-              </a:rPr>
-              <a:t>:</a:t>
-            </a:r>
-            <a:r>
-              <a:rPr lang="de-DE" dirty="0">
-                <a:solidFill>
-                  <a:srgbClr val="000000"/>
-                </a:solidFill>
-                <a:latin typeface="Source Code Pro" panose="020B0509030403020204" pitchFamily="49" charset="0"/>
-              </a:rPr>
-              <a:t> </a:t>
-            </a:r>
-            <a:r>
-              <a:rPr lang="de-DE" dirty="0">
-                <a:solidFill>
-                  <a:srgbClr val="464646"/>
-                </a:solidFill>
-                <a:latin typeface="Source Code Pro" panose="020B0509030403020204" pitchFamily="49" charset="0"/>
-              </a:rPr>
-              <a:t>"</a:t>
-            </a:r>
-            <a:r>
-              <a:rPr lang="de-DE" dirty="0" err="1">
-                <a:solidFill>
-                  <a:srgbClr val="464646"/>
-                </a:solidFill>
-                <a:latin typeface="Source Code Pro" panose="020B0509030403020204" pitchFamily="49" charset="0"/>
-              </a:rPr>
-              <a:t>object</a:t>
-            </a:r>
-            <a:r>
-              <a:rPr lang="de-DE" dirty="0">
-                <a:solidFill>
-                  <a:srgbClr val="464646"/>
-                </a:solidFill>
-                <a:latin typeface="Source Code Pro" panose="020B0509030403020204" pitchFamily="49" charset="0"/>
-              </a:rPr>
-              <a:t>"</a:t>
-            </a:r>
-            <a:r>
-              <a:rPr lang="de-DE" b="1" dirty="0">
-                <a:solidFill>
-                  <a:srgbClr val="4472C4"/>
-                </a:solidFill>
-                <a:latin typeface="Source Code Pro" panose="020B0509030403020204" pitchFamily="49" charset="0"/>
-              </a:rPr>
-              <a:t>,</a:t>
-            </a:r>
-            <a:endParaRPr lang="de-DE" dirty="0">
-              <a:solidFill>
-                <a:srgbClr val="000000"/>
-              </a:solidFill>
-              <a:latin typeface="Source Code Pro" panose="020B0509030403020204" pitchFamily="49" charset="0"/>
-            </a:endParaRPr>
-          </a:p>
-          <a:p>
-            <a:r>
-              <a:rPr lang="de-DE" dirty="0">
-                <a:solidFill>
-                  <a:srgbClr val="000000"/>
-                </a:solidFill>
-                <a:highlight>
-                  <a:srgbClr val="C0C0C0"/>
-                </a:highlight>
-                <a:latin typeface="Source Code Pro" panose="020B0509030403020204" pitchFamily="49" charset="0"/>
-              </a:rPr>
-              <a:t>  </a:t>
-            </a:r>
-            <a:r>
-              <a:rPr lang="de-DE" dirty="0">
-                <a:solidFill>
-                  <a:srgbClr val="464646"/>
-                </a:solidFill>
-                <a:highlight>
-                  <a:srgbClr val="C0C0C0"/>
-                </a:highlight>
-                <a:latin typeface="Source Code Pro" panose="020B0509030403020204" pitchFamily="49" charset="0"/>
-              </a:rPr>
-              <a:t>"</a:t>
-            </a:r>
-            <a:r>
-              <a:rPr lang="de-DE" dirty="0" err="1">
-                <a:solidFill>
-                  <a:srgbClr val="464646"/>
-                </a:solidFill>
-                <a:highlight>
-                  <a:srgbClr val="C0C0C0"/>
-                </a:highlight>
-                <a:latin typeface="Source Code Pro" panose="020B0509030403020204" pitchFamily="49" charset="0"/>
-              </a:rPr>
-              <a:t>properties</a:t>
-            </a:r>
-            <a:r>
-              <a:rPr lang="de-DE" dirty="0">
-                <a:solidFill>
-                  <a:srgbClr val="464646"/>
-                </a:solidFill>
-                <a:highlight>
-                  <a:srgbClr val="C0C0C0"/>
-                </a:highlight>
-                <a:latin typeface="Source Code Pro" panose="020B0509030403020204" pitchFamily="49" charset="0"/>
-              </a:rPr>
-              <a:t>"</a:t>
-            </a:r>
-            <a:r>
-              <a:rPr lang="de-DE" b="1" dirty="0">
-                <a:solidFill>
-                  <a:srgbClr val="4472C4"/>
-                </a:solidFill>
-                <a:highlight>
-                  <a:srgbClr val="C0C0C0"/>
-                </a:highlight>
-                <a:latin typeface="Source Code Pro" panose="020B0509030403020204" pitchFamily="49" charset="0"/>
-              </a:rPr>
-              <a:t>:</a:t>
-            </a:r>
-            <a:r>
-              <a:rPr lang="de-DE" dirty="0">
-                <a:solidFill>
-                  <a:srgbClr val="000000"/>
-                </a:solidFill>
-                <a:highlight>
-                  <a:srgbClr val="C0C0C0"/>
-                </a:highlight>
-                <a:latin typeface="Source Code Pro" panose="020B0509030403020204" pitchFamily="49" charset="0"/>
-              </a:rPr>
-              <a:t> </a:t>
-            </a:r>
-            <a:r>
-              <a:rPr lang="de-DE" b="1" dirty="0">
-                <a:solidFill>
-                  <a:srgbClr val="4472C4"/>
-                </a:solidFill>
-                <a:highlight>
-                  <a:srgbClr val="C0C0C0"/>
-                </a:highlight>
-                <a:latin typeface="Source Code Pro" panose="020B0509030403020204" pitchFamily="49" charset="0"/>
-              </a:rPr>
-              <a:t>{</a:t>
-            </a:r>
-            <a:endParaRPr lang="de-DE" dirty="0">
-              <a:solidFill>
-                <a:srgbClr val="000000"/>
-              </a:solidFill>
-              <a:highlight>
-                <a:srgbClr val="C0C0C0"/>
-              </a:highlight>
-              <a:latin typeface="Source Code Pro" panose="020B0509030403020204" pitchFamily="49" charset="0"/>
-            </a:endParaRPr>
-          </a:p>
-          <a:p>
-            <a:r>
-              <a:rPr lang="de-DE" dirty="0">
-                <a:solidFill>
-                  <a:srgbClr val="000000"/>
-                </a:solidFill>
-                <a:latin typeface="Source Code Pro" panose="020B0509030403020204" pitchFamily="49" charset="0"/>
-              </a:rPr>
-              <a:t>    </a:t>
-            </a:r>
-            <a:r>
-              <a:rPr lang="de-DE" dirty="0">
-                <a:solidFill>
-                  <a:srgbClr val="464646"/>
-                </a:solidFill>
-                <a:latin typeface="Source Code Pro" panose="020B0509030403020204" pitchFamily="49" charset="0"/>
-              </a:rPr>
-              <a:t>"</a:t>
-            </a:r>
-            <a:r>
-              <a:rPr lang="de-DE" dirty="0" err="1">
-                <a:solidFill>
-                  <a:srgbClr val="464646"/>
-                </a:solidFill>
-                <a:latin typeface="Source Code Pro" panose="020B0509030403020204" pitchFamily="49" charset="0"/>
-              </a:rPr>
-              <a:t>name</a:t>
-            </a:r>
-            <a:r>
-              <a:rPr lang="de-DE" dirty="0">
-                <a:solidFill>
-                  <a:srgbClr val="464646"/>
-                </a:solidFill>
-                <a:latin typeface="Source Code Pro" panose="020B0509030403020204" pitchFamily="49" charset="0"/>
-              </a:rPr>
-              <a:t>"</a:t>
-            </a:r>
-            <a:r>
-              <a:rPr lang="de-DE" b="1" dirty="0">
-                <a:solidFill>
-                  <a:srgbClr val="4472C4"/>
-                </a:solidFill>
-                <a:latin typeface="Source Code Pro" panose="020B0509030403020204" pitchFamily="49" charset="0"/>
-              </a:rPr>
-              <a:t>:</a:t>
-            </a:r>
-            <a:r>
-              <a:rPr lang="de-DE" dirty="0">
-                <a:solidFill>
-                  <a:srgbClr val="000000"/>
-                </a:solidFill>
-                <a:latin typeface="Source Code Pro" panose="020B0509030403020204" pitchFamily="49" charset="0"/>
-              </a:rPr>
-              <a:t> </a:t>
-            </a:r>
-            <a:r>
-              <a:rPr lang="de-DE" b="1" dirty="0">
-                <a:solidFill>
-                  <a:srgbClr val="4472C4"/>
-                </a:solidFill>
-                <a:latin typeface="Source Code Pro" panose="020B0509030403020204" pitchFamily="49" charset="0"/>
-              </a:rPr>
-              <a:t>{</a:t>
-            </a:r>
-            <a:endParaRPr lang="de-DE" dirty="0">
-              <a:solidFill>
-                <a:srgbClr val="000000"/>
-              </a:solidFill>
-              <a:latin typeface="Source Code Pro" panose="020B0509030403020204" pitchFamily="49" charset="0"/>
-            </a:endParaRPr>
-          </a:p>
-          <a:p>
-            <a:r>
-              <a:rPr lang="de-DE" dirty="0">
-                <a:solidFill>
-                  <a:srgbClr val="000000"/>
-                </a:solidFill>
-                <a:latin typeface="Source Code Pro" panose="020B0509030403020204" pitchFamily="49" charset="0"/>
-              </a:rPr>
-              <a:t>      </a:t>
-            </a:r>
-            <a:r>
-              <a:rPr lang="de-DE" dirty="0">
-                <a:solidFill>
-                  <a:srgbClr val="464646"/>
-                </a:solidFill>
-                <a:latin typeface="Source Code Pro" panose="020B0509030403020204" pitchFamily="49" charset="0"/>
-              </a:rPr>
-              <a:t>"type"</a:t>
-            </a:r>
-            <a:r>
-              <a:rPr lang="de-DE" b="1" dirty="0">
-                <a:solidFill>
-                  <a:srgbClr val="4472C4"/>
-                </a:solidFill>
-                <a:latin typeface="Source Code Pro" panose="020B0509030403020204" pitchFamily="49" charset="0"/>
-              </a:rPr>
-              <a:t>:</a:t>
-            </a:r>
-            <a:r>
-              <a:rPr lang="de-DE" dirty="0">
-                <a:solidFill>
-                  <a:srgbClr val="000000"/>
-                </a:solidFill>
-                <a:latin typeface="Source Code Pro" panose="020B0509030403020204" pitchFamily="49" charset="0"/>
-              </a:rPr>
-              <a:t> </a:t>
-            </a:r>
-            <a:r>
-              <a:rPr lang="de-DE" dirty="0">
-                <a:solidFill>
-                  <a:srgbClr val="464646"/>
-                </a:solidFill>
-                <a:latin typeface="Source Code Pro" panose="020B0509030403020204" pitchFamily="49" charset="0"/>
-              </a:rPr>
-              <a:t>"</a:t>
-            </a:r>
-            <a:r>
-              <a:rPr lang="de-DE" dirty="0" err="1">
-                <a:solidFill>
-                  <a:srgbClr val="464646"/>
-                </a:solidFill>
-                <a:latin typeface="Source Code Pro" panose="020B0509030403020204" pitchFamily="49" charset="0"/>
-              </a:rPr>
-              <a:t>string</a:t>
-            </a:r>
-            <a:r>
-              <a:rPr lang="de-DE" dirty="0">
-                <a:solidFill>
-                  <a:srgbClr val="464646"/>
-                </a:solidFill>
-                <a:latin typeface="Source Code Pro" panose="020B0509030403020204" pitchFamily="49" charset="0"/>
-              </a:rPr>
-              <a:t>"</a:t>
-            </a:r>
-            <a:endParaRPr lang="de-DE" dirty="0">
-              <a:solidFill>
-                <a:srgbClr val="000000"/>
-              </a:solidFill>
-              <a:latin typeface="Source Code Pro" panose="020B0509030403020204" pitchFamily="49" charset="0"/>
-            </a:endParaRPr>
-          </a:p>
-          <a:p>
-            <a:r>
-              <a:rPr lang="de-DE" dirty="0">
-                <a:solidFill>
-                  <a:srgbClr val="000000"/>
-                </a:solidFill>
-                <a:latin typeface="Source Code Pro" panose="020B0509030403020204" pitchFamily="49" charset="0"/>
-              </a:rPr>
-              <a:t>    </a:t>
-            </a:r>
-            <a:r>
-              <a:rPr lang="de-DE" b="1" dirty="0">
-                <a:solidFill>
-                  <a:srgbClr val="4472C4"/>
-                </a:solidFill>
-                <a:latin typeface="Source Code Pro" panose="020B0509030403020204" pitchFamily="49" charset="0"/>
-              </a:rPr>
-              <a:t>},</a:t>
-            </a:r>
-            <a:endParaRPr lang="de-DE" dirty="0">
-              <a:solidFill>
-                <a:srgbClr val="000000"/>
-              </a:solidFill>
-              <a:latin typeface="Source Code Pro" panose="020B0509030403020204" pitchFamily="49" charset="0"/>
-            </a:endParaRPr>
-          </a:p>
-          <a:p>
-            <a:r>
-              <a:rPr lang="de-DE" dirty="0">
-                <a:solidFill>
-                  <a:srgbClr val="000000"/>
-                </a:solidFill>
-                <a:latin typeface="Source Code Pro" panose="020B0509030403020204" pitchFamily="49" charset="0"/>
-              </a:rPr>
-              <a:t>    </a:t>
-            </a:r>
-            <a:r>
-              <a:rPr lang="de-DE" dirty="0">
-                <a:solidFill>
-                  <a:srgbClr val="464646"/>
-                </a:solidFill>
-                <a:latin typeface="Source Code Pro" panose="020B0509030403020204" pitchFamily="49" charset="0"/>
-              </a:rPr>
-              <a:t>"</a:t>
-            </a:r>
-            <a:r>
-              <a:rPr lang="de-DE" dirty="0" err="1">
-                <a:solidFill>
-                  <a:srgbClr val="464646"/>
-                </a:solidFill>
-                <a:latin typeface="Source Code Pro" panose="020B0509030403020204" pitchFamily="49" charset="0"/>
-              </a:rPr>
-              <a:t>age</a:t>
-            </a:r>
-            <a:r>
-              <a:rPr lang="de-DE" dirty="0">
-                <a:solidFill>
-                  <a:srgbClr val="464646"/>
-                </a:solidFill>
-                <a:latin typeface="Source Code Pro" panose="020B0509030403020204" pitchFamily="49" charset="0"/>
-              </a:rPr>
-              <a:t>"</a:t>
-            </a:r>
-            <a:r>
-              <a:rPr lang="de-DE" b="1" dirty="0">
-                <a:solidFill>
-                  <a:srgbClr val="4472C4"/>
-                </a:solidFill>
-                <a:latin typeface="Source Code Pro" panose="020B0509030403020204" pitchFamily="49" charset="0"/>
-              </a:rPr>
-              <a:t>:</a:t>
-            </a:r>
-            <a:r>
-              <a:rPr lang="de-DE" dirty="0">
-                <a:solidFill>
-                  <a:srgbClr val="000000"/>
-                </a:solidFill>
-                <a:latin typeface="Source Code Pro" panose="020B0509030403020204" pitchFamily="49" charset="0"/>
-              </a:rPr>
-              <a:t> </a:t>
-            </a:r>
-            <a:r>
-              <a:rPr lang="de-DE" b="1" dirty="0">
-                <a:solidFill>
-                  <a:srgbClr val="4472C4"/>
-                </a:solidFill>
-                <a:latin typeface="Source Code Pro" panose="020B0509030403020204" pitchFamily="49" charset="0"/>
-              </a:rPr>
-              <a:t>{</a:t>
-            </a:r>
-            <a:endParaRPr lang="de-DE" dirty="0">
-              <a:solidFill>
-                <a:srgbClr val="000000"/>
-              </a:solidFill>
-              <a:latin typeface="Source Code Pro" panose="020B0509030403020204" pitchFamily="49" charset="0"/>
-            </a:endParaRPr>
-          </a:p>
-          <a:p>
-            <a:r>
-              <a:rPr lang="de-DE" dirty="0">
-                <a:solidFill>
-                  <a:srgbClr val="000000"/>
-                </a:solidFill>
-                <a:latin typeface="Source Code Pro" panose="020B0509030403020204" pitchFamily="49" charset="0"/>
-              </a:rPr>
-              <a:t>      </a:t>
-            </a:r>
-            <a:r>
-              <a:rPr lang="de-DE" dirty="0">
-                <a:solidFill>
-                  <a:srgbClr val="464646"/>
-                </a:solidFill>
-                <a:latin typeface="Source Code Pro" panose="020B0509030403020204" pitchFamily="49" charset="0"/>
-              </a:rPr>
-              <a:t>"type"</a:t>
-            </a:r>
-            <a:r>
-              <a:rPr lang="de-DE" b="1" dirty="0">
-                <a:solidFill>
-                  <a:srgbClr val="4472C4"/>
-                </a:solidFill>
-                <a:latin typeface="Source Code Pro" panose="020B0509030403020204" pitchFamily="49" charset="0"/>
-              </a:rPr>
-              <a:t>:</a:t>
-            </a:r>
-            <a:r>
-              <a:rPr lang="de-DE" dirty="0">
-                <a:solidFill>
-                  <a:srgbClr val="000000"/>
-                </a:solidFill>
-                <a:latin typeface="Source Code Pro" panose="020B0509030403020204" pitchFamily="49" charset="0"/>
-              </a:rPr>
-              <a:t> </a:t>
-            </a:r>
-            <a:r>
-              <a:rPr lang="de-DE" dirty="0">
-                <a:solidFill>
-                  <a:srgbClr val="464646"/>
-                </a:solidFill>
-                <a:latin typeface="Source Code Pro" panose="020B0509030403020204" pitchFamily="49" charset="0"/>
-              </a:rPr>
-              <a:t>"</a:t>
-            </a:r>
-            <a:r>
-              <a:rPr lang="de-DE" dirty="0" err="1">
-                <a:solidFill>
-                  <a:srgbClr val="464646"/>
-                </a:solidFill>
-                <a:latin typeface="Source Code Pro" panose="020B0509030403020204" pitchFamily="49" charset="0"/>
-              </a:rPr>
-              <a:t>number</a:t>
-            </a:r>
-            <a:r>
-              <a:rPr lang="de-DE" dirty="0">
-                <a:solidFill>
-                  <a:srgbClr val="464646"/>
-                </a:solidFill>
-                <a:latin typeface="Source Code Pro" panose="020B0509030403020204" pitchFamily="49" charset="0"/>
-              </a:rPr>
-              <a:t>"</a:t>
-            </a:r>
-            <a:endParaRPr lang="de-DE" dirty="0">
-              <a:solidFill>
-                <a:srgbClr val="000000"/>
-              </a:solidFill>
-              <a:latin typeface="Source Code Pro" panose="020B0509030403020204" pitchFamily="49" charset="0"/>
-            </a:endParaRPr>
-          </a:p>
-          <a:p>
-            <a:r>
-              <a:rPr lang="de-DE" dirty="0">
-                <a:solidFill>
-                  <a:srgbClr val="000000"/>
-                </a:solidFill>
-                <a:latin typeface="Source Code Pro" panose="020B0509030403020204" pitchFamily="49" charset="0"/>
-              </a:rPr>
-              <a:t>    </a:t>
-            </a:r>
-            <a:r>
-              <a:rPr lang="de-DE" b="1" dirty="0">
-                <a:solidFill>
-                  <a:srgbClr val="4472C4"/>
-                </a:solidFill>
-                <a:latin typeface="Source Code Pro" panose="020B0509030403020204" pitchFamily="49" charset="0"/>
-              </a:rPr>
-              <a:t>}</a:t>
-            </a:r>
-            <a:endParaRPr lang="de-DE" dirty="0">
-              <a:solidFill>
-                <a:srgbClr val="000000"/>
-              </a:solidFill>
-              <a:latin typeface="Source Code Pro" panose="020B0509030403020204" pitchFamily="49" charset="0"/>
-            </a:endParaRPr>
-          </a:p>
-          <a:p>
-            <a:r>
-              <a:rPr lang="de-DE" dirty="0">
-                <a:solidFill>
-                  <a:srgbClr val="000000"/>
-                </a:solidFill>
-                <a:latin typeface="Source Code Pro" panose="020B0509030403020204" pitchFamily="49" charset="0"/>
-              </a:rPr>
-              <a:t>  </a:t>
-            </a:r>
-            <a:r>
-              <a:rPr lang="de-DE" b="1" dirty="0">
-                <a:solidFill>
-                  <a:srgbClr val="4472C4"/>
-                </a:solidFill>
-                <a:latin typeface="Source Code Pro" panose="020B0509030403020204" pitchFamily="49" charset="0"/>
-              </a:rPr>
-              <a:t>}</a:t>
-            </a:r>
-            <a:endParaRPr lang="de-DE" dirty="0">
-              <a:solidFill>
-                <a:srgbClr val="000000"/>
-              </a:solidFill>
-              <a:latin typeface="Source Code Pro" panose="020B0509030403020204" pitchFamily="49" charset="0"/>
-            </a:endParaRPr>
-          </a:p>
-          <a:p>
-            <a:r>
-              <a:rPr lang="de-DE" b="1" dirty="0">
-                <a:solidFill>
-                  <a:srgbClr val="4472C4"/>
-                </a:solidFill>
-                <a:latin typeface="Source Code Pro" panose="020B0509030403020204" pitchFamily="49" charset="0"/>
-              </a:rPr>
-              <a:t>}</a:t>
-            </a:r>
-            <a:endParaRPr lang="de-DE" dirty="0"/>
-          </a:p>
-        </p:txBody>
-      </p:sp>
-      <p:sp>
-        <p:nvSpPr>
-          <p:cNvPr id="22" name="Rechteck 21">
-            <a:extLst>
-              <a:ext uri="{FF2B5EF4-FFF2-40B4-BE49-F238E27FC236}">
-                <a16:creationId xmlns:a16="http://schemas.microsoft.com/office/drawing/2014/main" id="{955043D9-3BEA-431C-8C24-CDC8D8834A5E}"/>
-              </a:ext>
-            </a:extLst>
-          </p:cNvPr>
-          <p:cNvSpPr/>
-          <p:nvPr/>
-        </p:nvSpPr>
-        <p:spPr>
-          <a:xfrm>
-            <a:off x="6708059" y="2932339"/>
-            <a:ext cx="4608870" cy="1200329"/>
-          </a:xfrm>
-          <a:prstGeom prst="rect">
-            <a:avLst/>
-          </a:prstGeom>
-          <a:solidFill>
-            <a:schemeClr val="accent6">
-              <a:lumMod val="40000"/>
-              <a:lumOff val="60000"/>
-            </a:schemeClr>
-          </a:solidFill>
-          <a:ln>
-            <a:noFill/>
-          </a:ln>
-        </p:spPr>
-        <p:txBody>
-          <a:bodyPr wrap="square">
-            <a:spAutoFit/>
-          </a:bodyPr>
-          <a:lstStyle/>
-          <a:p>
-            <a:r>
-              <a:rPr lang="de-DE" b="1" dirty="0">
-                <a:solidFill>
-                  <a:srgbClr val="4472C4"/>
-                </a:solidFill>
-                <a:latin typeface="Source Code Pro" panose="020B0509030403020204" pitchFamily="49" charset="0"/>
-              </a:rPr>
-              <a:t>{</a:t>
-            </a:r>
-            <a:endParaRPr lang="de-DE" dirty="0">
-              <a:solidFill>
-                <a:srgbClr val="000000"/>
-              </a:solidFill>
-              <a:latin typeface="Source Code Pro" panose="020B0509030403020204" pitchFamily="49" charset="0"/>
-            </a:endParaRPr>
-          </a:p>
-          <a:p>
-            <a:r>
-              <a:rPr lang="de-DE" dirty="0">
-                <a:solidFill>
-                  <a:srgbClr val="000000"/>
-                </a:solidFill>
-                <a:latin typeface="Source Code Pro" panose="020B0509030403020204" pitchFamily="49" charset="0"/>
-              </a:rPr>
-              <a:t>  </a:t>
-            </a:r>
-            <a:r>
-              <a:rPr lang="de-DE" dirty="0">
-                <a:solidFill>
-                  <a:srgbClr val="464646"/>
-                </a:solidFill>
-                <a:latin typeface="Source Code Pro" panose="020B0509030403020204" pitchFamily="49" charset="0"/>
-              </a:rPr>
-              <a:t>"</a:t>
-            </a:r>
-            <a:r>
-              <a:rPr lang="de-DE" dirty="0" err="1">
-                <a:solidFill>
-                  <a:srgbClr val="464646"/>
-                </a:solidFill>
-                <a:latin typeface="Source Code Pro" panose="020B0509030403020204" pitchFamily="49" charset="0"/>
-              </a:rPr>
-              <a:t>name</a:t>
-            </a:r>
-            <a:r>
-              <a:rPr lang="de-DE" dirty="0">
-                <a:solidFill>
-                  <a:srgbClr val="464646"/>
-                </a:solidFill>
-                <a:latin typeface="Source Code Pro" panose="020B0509030403020204" pitchFamily="49" charset="0"/>
-              </a:rPr>
-              <a:t>"</a:t>
-            </a:r>
-            <a:r>
-              <a:rPr lang="de-DE" b="1" dirty="0">
-                <a:solidFill>
-                  <a:srgbClr val="4472C4"/>
-                </a:solidFill>
-                <a:latin typeface="Source Code Pro" panose="020B0509030403020204" pitchFamily="49" charset="0"/>
-              </a:rPr>
-              <a:t>:</a:t>
-            </a:r>
-            <a:r>
-              <a:rPr lang="de-DE" dirty="0">
-                <a:solidFill>
-                  <a:srgbClr val="464646"/>
-                </a:solidFill>
-                <a:latin typeface="Source Code Pro" panose="020B0509030403020204" pitchFamily="49" charset="0"/>
-              </a:rPr>
-              <a:t>"John </a:t>
-            </a:r>
-            <a:r>
-              <a:rPr lang="de-DE" dirty="0" err="1">
-                <a:solidFill>
-                  <a:srgbClr val="464646"/>
-                </a:solidFill>
-                <a:latin typeface="Source Code Pro" panose="020B0509030403020204" pitchFamily="49" charset="0"/>
-              </a:rPr>
-              <a:t>Doe</a:t>
-            </a:r>
-            <a:r>
-              <a:rPr lang="de-DE" dirty="0">
-                <a:solidFill>
-                  <a:srgbClr val="464646"/>
-                </a:solidFill>
-                <a:latin typeface="Source Code Pro" panose="020B0509030403020204" pitchFamily="49" charset="0"/>
-              </a:rPr>
-              <a:t>"</a:t>
-            </a:r>
-            <a:r>
-              <a:rPr lang="de-DE" b="1" dirty="0">
-                <a:solidFill>
-                  <a:srgbClr val="4472C4"/>
-                </a:solidFill>
-                <a:latin typeface="Source Code Pro" panose="020B0509030403020204" pitchFamily="49" charset="0"/>
-              </a:rPr>
-              <a:t>,</a:t>
-            </a:r>
-            <a:endParaRPr lang="de-DE" dirty="0">
-              <a:solidFill>
-                <a:srgbClr val="000000"/>
-              </a:solidFill>
-              <a:latin typeface="Source Code Pro" panose="020B0509030403020204" pitchFamily="49" charset="0"/>
-            </a:endParaRPr>
-          </a:p>
-          <a:p>
-            <a:r>
-              <a:rPr lang="de-DE" dirty="0">
-                <a:solidFill>
-                  <a:srgbClr val="000000"/>
-                </a:solidFill>
-                <a:latin typeface="Source Code Pro" panose="020B0509030403020204" pitchFamily="49" charset="0"/>
-              </a:rPr>
-              <a:t>  </a:t>
-            </a:r>
-            <a:r>
-              <a:rPr lang="de-DE" dirty="0">
-                <a:solidFill>
-                  <a:srgbClr val="464646"/>
-                </a:solidFill>
-                <a:latin typeface="Source Code Pro" panose="020B0509030403020204" pitchFamily="49" charset="0"/>
-              </a:rPr>
-              <a:t>"age"</a:t>
-            </a:r>
-            <a:r>
-              <a:rPr lang="de-DE" b="1" dirty="0">
-                <a:solidFill>
-                  <a:srgbClr val="4472C4"/>
-                </a:solidFill>
-                <a:latin typeface="Source Code Pro" panose="020B0509030403020204" pitchFamily="49" charset="0"/>
-              </a:rPr>
-              <a:t>:</a:t>
-            </a:r>
-            <a:r>
-              <a:rPr lang="de-DE" dirty="0">
-                <a:solidFill>
-                  <a:srgbClr val="FF8000"/>
-                </a:solidFill>
-                <a:latin typeface="Source Code Pro" panose="020B0509030403020204" pitchFamily="49" charset="0"/>
-              </a:rPr>
-              <a:t>28</a:t>
-            </a:r>
-            <a:r>
-              <a:rPr lang="de-DE" dirty="0">
-                <a:solidFill>
-                  <a:srgbClr val="000000"/>
-                </a:solidFill>
-                <a:latin typeface="Source Code Pro" panose="020B0509030403020204" pitchFamily="49" charset="0"/>
-              </a:rPr>
-              <a:t> </a:t>
-            </a:r>
-          </a:p>
-          <a:p>
-            <a:r>
-              <a:rPr lang="de-DE" b="1" dirty="0">
-                <a:solidFill>
-                  <a:srgbClr val="4472C4"/>
-                </a:solidFill>
-                <a:latin typeface="Source Code Pro" panose="020B0509030403020204" pitchFamily="49" charset="0"/>
-              </a:rPr>
-              <a:t>}</a:t>
-            </a:r>
-            <a:endParaRPr lang="de-DE" dirty="0"/>
-          </a:p>
-        </p:txBody>
-      </p:sp>
-      <p:sp>
-        <p:nvSpPr>
-          <p:cNvPr id="23" name="Rechteck 22">
-            <a:extLst>
-              <a:ext uri="{FF2B5EF4-FFF2-40B4-BE49-F238E27FC236}">
-                <a16:creationId xmlns:a16="http://schemas.microsoft.com/office/drawing/2014/main" id="{52009620-A11D-417E-A3D6-35A346F5EBB1}"/>
-              </a:ext>
-            </a:extLst>
-          </p:cNvPr>
-          <p:cNvSpPr/>
-          <p:nvPr/>
-        </p:nvSpPr>
-        <p:spPr>
-          <a:xfrm>
-            <a:off x="6708059" y="4197616"/>
-            <a:ext cx="4608870" cy="1477328"/>
-          </a:xfrm>
-          <a:prstGeom prst="rect">
-            <a:avLst/>
-          </a:prstGeom>
-          <a:solidFill>
-            <a:schemeClr val="accent6">
-              <a:lumMod val="40000"/>
-              <a:lumOff val="60000"/>
-            </a:schemeClr>
-          </a:solidFill>
-          <a:ln>
-            <a:noFill/>
-          </a:ln>
-        </p:spPr>
-        <p:txBody>
-          <a:bodyPr wrap="square">
-            <a:spAutoFit/>
-          </a:bodyPr>
-          <a:lstStyle/>
-          <a:p>
-            <a:r>
-              <a:rPr lang="de-DE" b="1" dirty="0">
-                <a:solidFill>
-                  <a:srgbClr val="4472C4"/>
-                </a:solidFill>
-                <a:latin typeface="Source Code Pro" panose="020B0509030403020204" pitchFamily="49" charset="0"/>
-              </a:rPr>
-              <a:t>{</a:t>
-            </a:r>
-            <a:endParaRPr lang="de-DE" dirty="0">
-              <a:solidFill>
-                <a:srgbClr val="000000"/>
-              </a:solidFill>
-              <a:latin typeface="Source Code Pro" panose="020B0509030403020204" pitchFamily="49" charset="0"/>
-            </a:endParaRPr>
-          </a:p>
-          <a:p>
-            <a:r>
-              <a:rPr lang="de-DE" dirty="0">
-                <a:solidFill>
-                  <a:srgbClr val="000000"/>
-                </a:solidFill>
-                <a:latin typeface="Source Code Pro" panose="020B0509030403020204" pitchFamily="49" charset="0"/>
-              </a:rPr>
-              <a:t>  </a:t>
-            </a:r>
-            <a:r>
-              <a:rPr lang="de-DE" dirty="0">
-                <a:solidFill>
-                  <a:srgbClr val="464646"/>
-                </a:solidFill>
-                <a:latin typeface="Source Code Pro" panose="020B0509030403020204" pitchFamily="49" charset="0"/>
-              </a:rPr>
-              <a:t>"</a:t>
-            </a:r>
-            <a:r>
-              <a:rPr lang="de-DE" dirty="0" err="1">
-                <a:solidFill>
-                  <a:srgbClr val="464646"/>
-                </a:solidFill>
-                <a:latin typeface="Source Code Pro" panose="020B0509030403020204" pitchFamily="49" charset="0"/>
-              </a:rPr>
-              <a:t>name</a:t>
-            </a:r>
-            <a:r>
-              <a:rPr lang="de-DE" dirty="0">
-                <a:solidFill>
-                  <a:srgbClr val="464646"/>
-                </a:solidFill>
-                <a:latin typeface="Source Code Pro" panose="020B0509030403020204" pitchFamily="49" charset="0"/>
-              </a:rPr>
-              <a:t>"</a:t>
-            </a:r>
-            <a:r>
-              <a:rPr lang="de-DE" b="1" dirty="0">
-                <a:solidFill>
-                  <a:srgbClr val="4472C4"/>
-                </a:solidFill>
-                <a:latin typeface="Source Code Pro" panose="020B0509030403020204" pitchFamily="49" charset="0"/>
-              </a:rPr>
-              <a:t>:</a:t>
-            </a:r>
-            <a:r>
-              <a:rPr lang="de-DE" dirty="0">
-                <a:solidFill>
-                  <a:srgbClr val="464646"/>
-                </a:solidFill>
-                <a:latin typeface="Source Code Pro" panose="020B0509030403020204" pitchFamily="49" charset="0"/>
-              </a:rPr>
-              <a:t>"John </a:t>
-            </a:r>
-            <a:r>
-              <a:rPr lang="de-DE" dirty="0" err="1">
-                <a:solidFill>
-                  <a:srgbClr val="464646"/>
-                </a:solidFill>
-                <a:latin typeface="Source Code Pro" panose="020B0509030403020204" pitchFamily="49" charset="0"/>
-              </a:rPr>
-              <a:t>Doe</a:t>
-            </a:r>
-            <a:r>
-              <a:rPr lang="de-DE" dirty="0">
-                <a:solidFill>
-                  <a:srgbClr val="464646"/>
-                </a:solidFill>
-                <a:latin typeface="Source Code Pro" panose="020B0509030403020204" pitchFamily="49" charset="0"/>
-              </a:rPr>
-              <a:t>"</a:t>
-            </a:r>
-            <a:r>
-              <a:rPr lang="de-DE" b="1" dirty="0">
-                <a:solidFill>
-                  <a:srgbClr val="4472C4"/>
-                </a:solidFill>
-                <a:latin typeface="Source Code Pro" panose="020B0509030403020204" pitchFamily="49" charset="0"/>
-              </a:rPr>
-              <a:t>,</a:t>
-            </a:r>
-            <a:endParaRPr lang="de-DE" dirty="0">
-              <a:solidFill>
-                <a:srgbClr val="000000"/>
-              </a:solidFill>
-              <a:latin typeface="Source Code Pro" panose="020B0509030403020204" pitchFamily="49" charset="0"/>
-            </a:endParaRPr>
-          </a:p>
-          <a:p>
-            <a:r>
-              <a:rPr lang="de-DE" dirty="0">
-                <a:solidFill>
-                  <a:srgbClr val="000000"/>
-                </a:solidFill>
-                <a:latin typeface="Source Code Pro" panose="020B0509030403020204" pitchFamily="49" charset="0"/>
-              </a:rPr>
-              <a:t>  </a:t>
-            </a:r>
-            <a:r>
-              <a:rPr lang="de-DE" dirty="0">
-                <a:solidFill>
-                  <a:srgbClr val="464646"/>
-                </a:solidFill>
-                <a:latin typeface="Source Code Pro" panose="020B0509030403020204" pitchFamily="49" charset="0"/>
-              </a:rPr>
-              <a:t>"age"</a:t>
-            </a:r>
-            <a:r>
-              <a:rPr lang="de-DE" b="1" dirty="0">
-                <a:solidFill>
-                  <a:srgbClr val="4472C4"/>
-                </a:solidFill>
-                <a:latin typeface="Source Code Pro" panose="020B0509030403020204" pitchFamily="49" charset="0"/>
-              </a:rPr>
-              <a:t>:</a:t>
-            </a:r>
-            <a:r>
-              <a:rPr lang="de-DE" dirty="0">
-                <a:solidFill>
-                  <a:srgbClr val="FF8000"/>
-                </a:solidFill>
-                <a:latin typeface="Source Code Pro" panose="020B0509030403020204" pitchFamily="49" charset="0"/>
-              </a:rPr>
-              <a:t>28</a:t>
-            </a:r>
-            <a:r>
-              <a:rPr lang="de-DE" b="1" dirty="0">
-                <a:solidFill>
-                  <a:srgbClr val="4472C4"/>
-                </a:solidFill>
-                <a:latin typeface="Source Code Pro" panose="020B0509030403020204" pitchFamily="49" charset="0"/>
-              </a:rPr>
-              <a:t>,</a:t>
-            </a:r>
-            <a:r>
-              <a:rPr lang="de-DE" dirty="0">
-                <a:solidFill>
-                  <a:srgbClr val="000000"/>
-                </a:solidFill>
-                <a:latin typeface="Source Code Pro" panose="020B0509030403020204" pitchFamily="49" charset="0"/>
-              </a:rPr>
-              <a:t> </a:t>
-            </a:r>
-          </a:p>
-          <a:p>
-            <a:r>
-              <a:rPr lang="de-DE" dirty="0">
-                <a:solidFill>
-                  <a:srgbClr val="000000"/>
-                </a:solidFill>
-                <a:latin typeface="Source Code Pro" panose="020B0509030403020204" pitchFamily="49" charset="0"/>
-              </a:rPr>
-              <a:t>  </a:t>
-            </a:r>
-            <a:r>
-              <a:rPr lang="de-DE" dirty="0">
-                <a:solidFill>
-                  <a:srgbClr val="464646"/>
-                </a:solidFill>
-                <a:latin typeface="Source Code Pro" panose="020B0509030403020204" pitchFamily="49" charset="0"/>
-              </a:rPr>
-              <a:t>"phone"</a:t>
-            </a:r>
-            <a:r>
-              <a:rPr lang="de-DE" b="1" dirty="0">
-                <a:solidFill>
-                  <a:srgbClr val="4472C4"/>
-                </a:solidFill>
-                <a:latin typeface="Source Code Pro" panose="020B0509030403020204" pitchFamily="49" charset="0"/>
-              </a:rPr>
-              <a:t>:</a:t>
-            </a:r>
-            <a:r>
-              <a:rPr lang="de-DE" dirty="0">
-                <a:solidFill>
-                  <a:srgbClr val="464646"/>
-                </a:solidFill>
-                <a:latin typeface="Source Code Pro" panose="020B0509030403020204" pitchFamily="49" charset="0"/>
-              </a:rPr>
-              <a:t>"012-2345-67"</a:t>
-            </a:r>
-            <a:endParaRPr lang="de-DE" dirty="0">
-              <a:solidFill>
-                <a:srgbClr val="000000"/>
-              </a:solidFill>
-              <a:latin typeface="Source Code Pro" panose="020B0509030403020204" pitchFamily="49" charset="0"/>
-            </a:endParaRPr>
-          </a:p>
-          <a:p>
-            <a:r>
-              <a:rPr lang="de-DE" b="1" dirty="0">
-                <a:solidFill>
-                  <a:srgbClr val="4472C4"/>
-                </a:solidFill>
-                <a:latin typeface="Source Code Pro" panose="020B0509030403020204" pitchFamily="49" charset="0"/>
-              </a:rPr>
-              <a:t>}</a:t>
-            </a:r>
-            <a:endParaRPr lang="de-DE" dirty="0"/>
-          </a:p>
-        </p:txBody>
-      </p:sp>
-    </p:spTree>
-    <p:extLst>
-      <p:ext uri="{BB962C8B-B14F-4D97-AF65-F5344CB8AC3E}">
-        <p14:creationId xmlns:p14="http://schemas.microsoft.com/office/powerpoint/2010/main" val="1471107219"/>
       </p:ext>
     </p:extLst>
   </p:cSld>
